--- a/markdown_image.pptx
+++ b/markdown_image.pptx
@@ -104,6 +104,11 @@
       </a:defRPr>
     </a:lvl9pPr>
   </p:defaultTextStyle>
+  <p:extLst>
+    <p:ext uri="{EFAFB233-063F-42B5-8137-9DF3F51BA10A}">
+      <p15:sldGuideLst xmlns:p15="http://schemas.microsoft.com/office/powerpoint/2012/main"/>
+    </p:ext>
+  </p:extLst>
 </p:presentation>
 </file>
 
@@ -238,7 +243,7 @@
           <a:p>
             <a:fld id="{0CB960C3-B77A-4865-944D-F41BAAC8ADB3}" type="datetimeFigureOut">
               <a:rPr lang="ko-KR" altLang="en-US" smtClean="0"/>
-              <a:t>2022-06-18</a:t>
+              <a:t>2022-06-22</a:t>
             </a:fld>
             <a:endParaRPr lang="ko-KR" altLang="en-US"/>
           </a:p>
@@ -408,7 +413,7 @@
           <a:p>
             <a:fld id="{0CB960C3-B77A-4865-944D-F41BAAC8ADB3}" type="datetimeFigureOut">
               <a:rPr lang="ko-KR" altLang="en-US" smtClean="0"/>
-              <a:t>2022-06-18</a:t>
+              <a:t>2022-06-22</a:t>
             </a:fld>
             <a:endParaRPr lang="ko-KR" altLang="en-US"/>
           </a:p>
@@ -588,7 +593,7 @@
           <a:p>
             <a:fld id="{0CB960C3-B77A-4865-944D-F41BAAC8ADB3}" type="datetimeFigureOut">
               <a:rPr lang="ko-KR" altLang="en-US" smtClean="0"/>
-              <a:t>2022-06-18</a:t>
+              <a:t>2022-06-22</a:t>
             </a:fld>
             <a:endParaRPr lang="ko-KR" altLang="en-US"/>
           </a:p>
@@ -758,7 +763,7 @@
           <a:p>
             <a:fld id="{0CB960C3-B77A-4865-944D-F41BAAC8ADB3}" type="datetimeFigureOut">
               <a:rPr lang="ko-KR" altLang="en-US" smtClean="0"/>
-              <a:t>2022-06-18</a:t>
+              <a:t>2022-06-22</a:t>
             </a:fld>
             <a:endParaRPr lang="ko-KR" altLang="en-US"/>
           </a:p>
@@ -1004,7 +1009,7 @@
           <a:p>
             <a:fld id="{0CB960C3-B77A-4865-944D-F41BAAC8ADB3}" type="datetimeFigureOut">
               <a:rPr lang="ko-KR" altLang="en-US" smtClean="0"/>
-              <a:t>2022-06-18</a:t>
+              <a:t>2022-06-22</a:t>
             </a:fld>
             <a:endParaRPr lang="ko-KR" altLang="en-US"/>
           </a:p>
@@ -1236,7 +1241,7 @@
           <a:p>
             <a:fld id="{0CB960C3-B77A-4865-944D-F41BAAC8ADB3}" type="datetimeFigureOut">
               <a:rPr lang="ko-KR" altLang="en-US" smtClean="0"/>
-              <a:t>2022-06-18</a:t>
+              <a:t>2022-06-22</a:t>
             </a:fld>
             <a:endParaRPr lang="ko-KR" altLang="en-US"/>
           </a:p>
@@ -1603,7 +1608,7 @@
           <a:p>
             <a:fld id="{0CB960C3-B77A-4865-944D-F41BAAC8ADB3}" type="datetimeFigureOut">
               <a:rPr lang="ko-KR" altLang="en-US" smtClean="0"/>
-              <a:t>2022-06-18</a:t>
+              <a:t>2022-06-22</a:t>
             </a:fld>
             <a:endParaRPr lang="ko-KR" altLang="en-US"/>
           </a:p>
@@ -1721,7 +1726,7 @@
           <a:p>
             <a:fld id="{0CB960C3-B77A-4865-944D-F41BAAC8ADB3}" type="datetimeFigureOut">
               <a:rPr lang="ko-KR" altLang="en-US" smtClean="0"/>
-              <a:t>2022-06-18</a:t>
+              <a:t>2022-06-22</a:t>
             </a:fld>
             <a:endParaRPr lang="ko-KR" altLang="en-US"/>
           </a:p>
@@ -1816,7 +1821,7 @@
           <a:p>
             <a:fld id="{0CB960C3-B77A-4865-944D-F41BAAC8ADB3}" type="datetimeFigureOut">
               <a:rPr lang="ko-KR" altLang="en-US" smtClean="0"/>
-              <a:t>2022-06-18</a:t>
+              <a:t>2022-06-22</a:t>
             </a:fld>
             <a:endParaRPr lang="ko-KR" altLang="en-US"/>
           </a:p>
@@ -2093,7 +2098,7 @@
           <a:p>
             <a:fld id="{0CB960C3-B77A-4865-944D-F41BAAC8ADB3}" type="datetimeFigureOut">
               <a:rPr lang="ko-KR" altLang="en-US" smtClean="0"/>
-              <a:t>2022-06-18</a:t>
+              <a:t>2022-06-22</a:t>
             </a:fld>
             <a:endParaRPr lang="ko-KR" altLang="en-US"/>
           </a:p>
@@ -2346,7 +2351,7 @@
           <a:p>
             <a:fld id="{0CB960C3-B77A-4865-944D-F41BAAC8ADB3}" type="datetimeFigureOut">
               <a:rPr lang="ko-KR" altLang="en-US" smtClean="0"/>
-              <a:t>2022-06-18</a:t>
+              <a:t>2022-06-22</a:t>
             </a:fld>
             <a:endParaRPr lang="ko-KR" altLang="en-US"/>
           </a:p>
@@ -2559,7 +2564,7 @@
           <a:p>
             <a:fld id="{0CB960C3-B77A-4865-944D-F41BAAC8ADB3}" type="datetimeFigureOut">
               <a:rPr lang="ko-KR" altLang="en-US" smtClean="0"/>
-              <a:t>2022-06-18</a:t>
+              <a:t>2022-06-22</a:t>
             </a:fld>
             <a:endParaRPr lang="ko-KR" altLang="en-US"/>
           </a:p>
@@ -2972,7 +2977,7 @@
         </p:nvSpPr>
         <p:spPr>
           <a:xfrm>
-            <a:off x="438150" y="3019425"/>
+            <a:off x="438150" y="2222300"/>
             <a:ext cx="4320000" cy="540000"/>
           </a:xfrm>
           <a:prstGeom prst="roundRect">
@@ -3016,7 +3021,7 @@
         </p:nvGrpSpPr>
         <p:grpSpPr>
           <a:xfrm>
-            <a:off x="3390150" y="1133475"/>
+            <a:off x="3390150" y="336350"/>
             <a:ext cx="1368000" cy="1800000"/>
             <a:chOff x="3390150" y="1133475"/>
             <a:chExt cx="1368000" cy="1800000"/>
@@ -3263,7 +3268,7 @@
         </p:nvGrpSpPr>
         <p:grpSpPr>
           <a:xfrm>
-            <a:off x="438150" y="1133475"/>
+            <a:off x="438150" y="336350"/>
             <a:ext cx="1368000" cy="1800000"/>
             <a:chOff x="3390150" y="1133475"/>
             <a:chExt cx="1368000" cy="1800000"/>
@@ -3510,7 +3515,7 @@
         </p:nvGrpSpPr>
         <p:grpSpPr>
           <a:xfrm>
-            <a:off x="1914150" y="1133475"/>
+            <a:off x="1914150" y="336350"/>
             <a:ext cx="1368000" cy="1800000"/>
             <a:chOff x="3390150" y="1133475"/>
             <a:chExt cx="1368000" cy="1800000"/>
@@ -3757,7 +3762,7 @@
         </p:nvGrpSpPr>
         <p:grpSpPr>
           <a:xfrm>
-            <a:off x="6581025" y="797125"/>
+            <a:off x="6581025" y="0"/>
             <a:ext cx="4320000" cy="2762300"/>
             <a:chOff x="6581025" y="797125"/>
             <a:chExt cx="4320000" cy="2762300"/>
@@ -4619,6 +4624,306 @@
           </p:txBody>
         </p:sp>
       </p:grpSp>
+      <p:sp>
+        <p:nvSpPr>
+          <p:cNvPr id="39" name="모서리가 둥근 직사각형 38"/>
+          <p:cNvSpPr/>
+          <p:nvPr/>
+        </p:nvSpPr>
+        <p:spPr>
+          <a:xfrm>
+            <a:off x="438150" y="3278909"/>
+            <a:ext cx="4320000" cy="3311864"/>
+          </a:xfrm>
+          <a:prstGeom prst="roundRect">
+            <a:avLst/>
+          </a:prstGeom>
+          <a:solidFill>
+            <a:schemeClr val="accent5">
+              <a:lumMod val="60000"/>
+              <a:lumOff val="40000"/>
+            </a:schemeClr>
+          </a:solidFill>
+        </p:spPr>
+        <p:style>
+          <a:lnRef idx="2">
+            <a:schemeClr val="accent1">
+              <a:shade val="50000"/>
+            </a:schemeClr>
+          </a:lnRef>
+          <a:fillRef idx="1">
+            <a:schemeClr val="accent1"/>
+          </a:fillRef>
+          <a:effectRef idx="0">
+            <a:schemeClr val="accent1"/>
+          </a:effectRef>
+          <a:fontRef idx="minor">
+            <a:schemeClr val="lt1"/>
+          </a:fontRef>
+        </p:style>
+        <p:txBody>
+          <a:bodyPr lIns="36000" tIns="36000" rIns="36000" bIns="36000" rtlCol="0" anchor="t"/>
+          <a:lstStyle/>
+          <a:p>
+            <a:pPr algn="ctr"/>
+            <a:r>
+              <a:rPr lang="en-US" altLang="ko-KR" b="1" dirty="0" smtClean="0"/>
+              <a:t>Container</a:t>
+            </a:r>
+            <a:endParaRPr lang="ko-KR" altLang="en-US" b="1" dirty="0"/>
+          </a:p>
+        </p:txBody>
+      </p:sp>
+      <p:sp>
+        <p:nvSpPr>
+          <p:cNvPr id="44" name="모서리가 둥근 직사각형 43"/>
+          <p:cNvSpPr/>
+          <p:nvPr/>
+        </p:nvSpPr>
+        <p:spPr>
+          <a:xfrm>
+            <a:off x="618150" y="4738256"/>
+            <a:ext cx="3960000" cy="1736434"/>
+          </a:xfrm>
+          <a:prstGeom prst="roundRect">
+            <a:avLst/>
+          </a:prstGeom>
+          <a:solidFill>
+            <a:schemeClr val="accent1">
+              <a:lumMod val="60000"/>
+              <a:lumOff val="40000"/>
+            </a:schemeClr>
+          </a:solidFill>
+        </p:spPr>
+        <p:style>
+          <a:lnRef idx="2">
+            <a:schemeClr val="accent1">
+              <a:shade val="50000"/>
+            </a:schemeClr>
+          </a:lnRef>
+          <a:fillRef idx="1">
+            <a:schemeClr val="accent1"/>
+          </a:fillRef>
+          <a:effectRef idx="0">
+            <a:schemeClr val="accent1"/>
+          </a:effectRef>
+          <a:fontRef idx="minor">
+            <a:schemeClr val="lt1"/>
+          </a:fontRef>
+        </p:style>
+        <p:txBody>
+          <a:bodyPr lIns="36000" tIns="36000" rIns="36000" bIns="36000" rtlCol="0" anchor="t"/>
+          <a:lstStyle/>
+          <a:p>
+            <a:pPr algn="ctr"/>
+            <a:r>
+              <a:rPr lang="en-US" altLang="ko-KR" sz="1600" b="1" dirty="0" smtClean="0"/>
+              <a:t>Image(Read Only)</a:t>
+            </a:r>
+            <a:endParaRPr lang="ko-KR" altLang="en-US" sz="1600" b="1" dirty="0"/>
+          </a:p>
+        </p:txBody>
+      </p:sp>
+      <p:sp>
+        <p:nvSpPr>
+          <p:cNvPr id="46" name="모서리가 둥근 직사각형 45"/>
+          <p:cNvSpPr/>
+          <p:nvPr/>
+        </p:nvSpPr>
+        <p:spPr>
+          <a:xfrm>
+            <a:off x="762150" y="5320362"/>
+            <a:ext cx="3652832" cy="288000"/>
+          </a:xfrm>
+          <a:prstGeom prst="roundRect">
+            <a:avLst/>
+          </a:prstGeom>
+          <a:solidFill>
+            <a:schemeClr val="accent1">
+              <a:lumMod val="40000"/>
+              <a:lumOff val="60000"/>
+            </a:schemeClr>
+          </a:solidFill>
+        </p:spPr>
+        <p:style>
+          <a:lnRef idx="2">
+            <a:schemeClr val="accent1">
+              <a:shade val="50000"/>
+            </a:schemeClr>
+          </a:lnRef>
+          <a:fillRef idx="1">
+            <a:schemeClr val="accent1"/>
+          </a:fillRef>
+          <a:effectRef idx="0">
+            <a:schemeClr val="accent1"/>
+          </a:effectRef>
+          <a:fontRef idx="minor">
+            <a:schemeClr val="lt1"/>
+          </a:fontRef>
+        </p:style>
+        <p:txBody>
+          <a:bodyPr lIns="36000" tIns="36000" rIns="36000" bIns="36000" rtlCol="0" anchor="ctr"/>
+          <a:lstStyle/>
+          <a:p>
+            <a:pPr algn="ctr"/>
+            <a:r>
+              <a:rPr lang="en-US" altLang="ko-KR" sz="1600" b="1" dirty="0" smtClean="0"/>
+              <a:t>Image Layer #3</a:t>
+            </a:r>
+            <a:endParaRPr lang="ko-KR" altLang="en-US" sz="1600" b="1" dirty="0"/>
+          </a:p>
+        </p:txBody>
+      </p:sp>
+      <p:sp>
+        <p:nvSpPr>
+          <p:cNvPr id="47" name="모서리가 둥근 직사각형 46"/>
+          <p:cNvSpPr/>
+          <p:nvPr/>
+        </p:nvSpPr>
+        <p:spPr>
+          <a:xfrm>
+            <a:off x="762150" y="5704037"/>
+            <a:ext cx="3652832" cy="288000"/>
+          </a:xfrm>
+          <a:prstGeom prst="roundRect">
+            <a:avLst/>
+          </a:prstGeom>
+          <a:solidFill>
+            <a:schemeClr val="accent1">
+              <a:lumMod val="40000"/>
+              <a:lumOff val="60000"/>
+            </a:schemeClr>
+          </a:solidFill>
+        </p:spPr>
+        <p:style>
+          <a:lnRef idx="2">
+            <a:schemeClr val="accent1">
+              <a:shade val="50000"/>
+            </a:schemeClr>
+          </a:lnRef>
+          <a:fillRef idx="1">
+            <a:schemeClr val="accent1"/>
+          </a:fillRef>
+          <a:effectRef idx="0">
+            <a:schemeClr val="accent1"/>
+          </a:effectRef>
+          <a:fontRef idx="minor">
+            <a:schemeClr val="lt1"/>
+          </a:fontRef>
+        </p:style>
+        <p:txBody>
+          <a:bodyPr lIns="36000" tIns="36000" rIns="36000" bIns="36000" rtlCol="0" anchor="ctr"/>
+          <a:lstStyle/>
+          <a:p>
+            <a:pPr algn="ctr"/>
+            <a:r>
+              <a:rPr lang="en-US" altLang="ko-KR" sz="1600" b="1" dirty="0" smtClean="0"/>
+              <a:t>Image Layer #2</a:t>
+            </a:r>
+            <a:endParaRPr lang="ko-KR" altLang="en-US" sz="1600" b="1" dirty="0"/>
+          </a:p>
+        </p:txBody>
+      </p:sp>
+      <p:sp>
+        <p:nvSpPr>
+          <p:cNvPr id="48" name="모서리가 둥근 직사각형 47"/>
+          <p:cNvSpPr/>
+          <p:nvPr/>
+        </p:nvSpPr>
+        <p:spPr>
+          <a:xfrm>
+            <a:off x="762150" y="6087711"/>
+            <a:ext cx="3652832" cy="288000"/>
+          </a:xfrm>
+          <a:prstGeom prst="roundRect">
+            <a:avLst/>
+          </a:prstGeom>
+          <a:solidFill>
+            <a:schemeClr val="accent1">
+              <a:lumMod val="40000"/>
+              <a:lumOff val="60000"/>
+            </a:schemeClr>
+          </a:solidFill>
+        </p:spPr>
+        <p:style>
+          <a:lnRef idx="2">
+            <a:schemeClr val="accent1">
+              <a:shade val="50000"/>
+            </a:schemeClr>
+          </a:lnRef>
+          <a:fillRef idx="1">
+            <a:schemeClr val="accent1"/>
+          </a:fillRef>
+          <a:effectRef idx="0">
+            <a:schemeClr val="accent1"/>
+          </a:effectRef>
+          <a:fontRef idx="minor">
+            <a:schemeClr val="lt1"/>
+          </a:fontRef>
+        </p:style>
+        <p:txBody>
+          <a:bodyPr lIns="36000" tIns="36000" rIns="36000" bIns="36000" rtlCol="0" anchor="ctr"/>
+          <a:lstStyle/>
+          <a:p>
+            <a:pPr algn="ctr"/>
+            <a:r>
+              <a:rPr lang="en-US" altLang="ko-KR" sz="1600" b="1" dirty="0" smtClean="0"/>
+              <a:t>Image Layer #1</a:t>
+            </a:r>
+            <a:endParaRPr lang="ko-KR" altLang="en-US" sz="1600" b="1" dirty="0"/>
+          </a:p>
+        </p:txBody>
+      </p:sp>
+      <p:sp>
+        <p:nvSpPr>
+          <p:cNvPr id="49" name="모서리가 둥근 직사각형 48"/>
+          <p:cNvSpPr/>
+          <p:nvPr/>
+        </p:nvSpPr>
+        <p:spPr>
+          <a:xfrm>
+            <a:off x="618150" y="3938786"/>
+            <a:ext cx="3960000" cy="323625"/>
+          </a:xfrm>
+          <a:prstGeom prst="roundRect">
+            <a:avLst/>
+          </a:prstGeom>
+          <a:solidFill>
+            <a:schemeClr val="accent5">
+              <a:lumMod val="40000"/>
+              <a:lumOff val="60000"/>
+            </a:schemeClr>
+          </a:solidFill>
+        </p:spPr>
+        <p:style>
+          <a:lnRef idx="2">
+            <a:schemeClr val="accent1">
+              <a:shade val="50000"/>
+            </a:schemeClr>
+          </a:lnRef>
+          <a:fillRef idx="1">
+            <a:schemeClr val="accent1"/>
+          </a:fillRef>
+          <a:effectRef idx="0">
+            <a:schemeClr val="accent1"/>
+          </a:effectRef>
+          <a:fontRef idx="minor">
+            <a:schemeClr val="lt1"/>
+          </a:fontRef>
+        </p:style>
+        <p:txBody>
+          <a:bodyPr lIns="36000" tIns="36000" rIns="36000" bIns="36000" rtlCol="0" anchor="ctr"/>
+          <a:lstStyle/>
+          <a:p>
+            <a:pPr algn="ctr"/>
+            <a:r>
+              <a:rPr lang="en-US" altLang="ko-KR" sz="1600" b="1" dirty="0" smtClean="0"/>
+              <a:t>Container Layer(Read/Write)</a:t>
+            </a:r>
+            <a:endParaRPr lang="ko-KR" altLang="en-US" sz="1600" b="1" dirty="0"/>
+          </a:p>
+        </p:txBody>
+      </p:sp>
     </p:spTree>
     <p:extLst>
       <p:ext uri="{BB962C8B-B14F-4D97-AF65-F5344CB8AC3E}">

--- a/markdown_image.pptx
+++ b/markdown_image.pptx
@@ -6,6 +6,7 @@
   </p:sldMasterIdLst>
   <p:sldIdLst>
     <p:sldId id="256" r:id="rId2"/>
+    <p:sldId id="257" r:id="rId3"/>
   </p:sldIdLst>
   <p:sldSz cx="12192000" cy="6858000"/>
   <p:notesSz cx="6858000" cy="9144000"/>
@@ -243,7 +244,7 @@
           <a:p>
             <a:fld id="{0CB960C3-B77A-4865-944D-F41BAAC8ADB3}" type="datetimeFigureOut">
               <a:rPr lang="ko-KR" altLang="en-US" smtClean="0"/>
-              <a:t>2022-06-22</a:t>
+              <a:t>2022-07-24</a:t>
             </a:fld>
             <a:endParaRPr lang="ko-KR" altLang="en-US"/>
           </a:p>
@@ -413,7 +414,7 @@
           <a:p>
             <a:fld id="{0CB960C3-B77A-4865-944D-F41BAAC8ADB3}" type="datetimeFigureOut">
               <a:rPr lang="ko-KR" altLang="en-US" smtClean="0"/>
-              <a:t>2022-06-22</a:t>
+              <a:t>2022-07-24</a:t>
             </a:fld>
             <a:endParaRPr lang="ko-KR" altLang="en-US"/>
           </a:p>
@@ -593,7 +594,7 @@
           <a:p>
             <a:fld id="{0CB960C3-B77A-4865-944D-F41BAAC8ADB3}" type="datetimeFigureOut">
               <a:rPr lang="ko-KR" altLang="en-US" smtClean="0"/>
-              <a:t>2022-06-22</a:t>
+              <a:t>2022-07-24</a:t>
             </a:fld>
             <a:endParaRPr lang="ko-KR" altLang="en-US"/>
           </a:p>
@@ -763,7 +764,7 @@
           <a:p>
             <a:fld id="{0CB960C3-B77A-4865-944D-F41BAAC8ADB3}" type="datetimeFigureOut">
               <a:rPr lang="ko-KR" altLang="en-US" smtClean="0"/>
-              <a:t>2022-06-22</a:t>
+              <a:t>2022-07-24</a:t>
             </a:fld>
             <a:endParaRPr lang="ko-KR" altLang="en-US"/>
           </a:p>
@@ -1009,7 +1010,7 @@
           <a:p>
             <a:fld id="{0CB960C3-B77A-4865-944D-F41BAAC8ADB3}" type="datetimeFigureOut">
               <a:rPr lang="ko-KR" altLang="en-US" smtClean="0"/>
-              <a:t>2022-06-22</a:t>
+              <a:t>2022-07-24</a:t>
             </a:fld>
             <a:endParaRPr lang="ko-KR" altLang="en-US"/>
           </a:p>
@@ -1241,7 +1242,7 @@
           <a:p>
             <a:fld id="{0CB960C3-B77A-4865-944D-F41BAAC8ADB3}" type="datetimeFigureOut">
               <a:rPr lang="ko-KR" altLang="en-US" smtClean="0"/>
-              <a:t>2022-06-22</a:t>
+              <a:t>2022-07-24</a:t>
             </a:fld>
             <a:endParaRPr lang="ko-KR" altLang="en-US"/>
           </a:p>
@@ -1608,7 +1609,7 @@
           <a:p>
             <a:fld id="{0CB960C3-B77A-4865-944D-F41BAAC8ADB3}" type="datetimeFigureOut">
               <a:rPr lang="ko-KR" altLang="en-US" smtClean="0"/>
-              <a:t>2022-06-22</a:t>
+              <a:t>2022-07-24</a:t>
             </a:fld>
             <a:endParaRPr lang="ko-KR" altLang="en-US"/>
           </a:p>
@@ -1726,7 +1727,7 @@
           <a:p>
             <a:fld id="{0CB960C3-B77A-4865-944D-F41BAAC8ADB3}" type="datetimeFigureOut">
               <a:rPr lang="ko-KR" altLang="en-US" smtClean="0"/>
-              <a:t>2022-06-22</a:t>
+              <a:t>2022-07-24</a:t>
             </a:fld>
             <a:endParaRPr lang="ko-KR" altLang="en-US"/>
           </a:p>
@@ -1821,7 +1822,7 @@
           <a:p>
             <a:fld id="{0CB960C3-B77A-4865-944D-F41BAAC8ADB3}" type="datetimeFigureOut">
               <a:rPr lang="ko-KR" altLang="en-US" smtClean="0"/>
-              <a:t>2022-06-22</a:t>
+              <a:t>2022-07-24</a:t>
             </a:fld>
             <a:endParaRPr lang="ko-KR" altLang="en-US"/>
           </a:p>
@@ -2098,7 +2099,7 @@
           <a:p>
             <a:fld id="{0CB960C3-B77A-4865-944D-F41BAAC8ADB3}" type="datetimeFigureOut">
               <a:rPr lang="ko-KR" altLang="en-US" smtClean="0"/>
-              <a:t>2022-06-22</a:t>
+              <a:t>2022-07-24</a:t>
             </a:fld>
             <a:endParaRPr lang="ko-KR" altLang="en-US"/>
           </a:p>
@@ -2351,7 +2352,7 @@
           <a:p>
             <a:fld id="{0CB960C3-B77A-4865-944D-F41BAAC8ADB3}" type="datetimeFigureOut">
               <a:rPr lang="ko-KR" altLang="en-US" smtClean="0"/>
-              <a:t>2022-06-22</a:t>
+              <a:t>2022-07-24</a:t>
             </a:fld>
             <a:endParaRPr lang="ko-KR" altLang="en-US"/>
           </a:p>
@@ -2564,7 +2565,7 @@
           <a:p>
             <a:fld id="{0CB960C3-B77A-4865-944D-F41BAAC8ADB3}" type="datetimeFigureOut">
               <a:rPr lang="ko-KR" altLang="en-US" smtClean="0"/>
-              <a:t>2022-06-22</a:t>
+              <a:t>2022-07-24</a:t>
             </a:fld>
             <a:endParaRPr lang="ko-KR" altLang="en-US"/>
           </a:p>
@@ -4944,6 +4945,367 @@
 </p:sld>
 </file>
 
+<file path=ppt/slides/slide2.xml><?xml version="1.0" encoding="utf-8"?>
+<p:sld xmlns:a="http://schemas.openxmlformats.org/drawingml/2006/main" xmlns:r="http://schemas.openxmlformats.org/officeDocument/2006/relationships" xmlns:p="http://schemas.openxmlformats.org/presentationml/2006/main">
+  <p:cSld>
+    <p:spTree>
+      <p:nvGrpSpPr>
+        <p:cNvPr id="1" name=""/>
+        <p:cNvGrpSpPr/>
+        <p:nvPr/>
+      </p:nvGrpSpPr>
+      <p:grpSpPr>
+        <a:xfrm>
+          <a:off x="0" y="0"/>
+          <a:ext cx="0" cy="0"/>
+          <a:chOff x="0" y="0"/>
+          <a:chExt cx="0" cy="0"/>
+        </a:xfrm>
+      </p:grpSpPr>
+      <p:sp>
+        <p:nvSpPr>
+          <p:cNvPr id="5" name="모서리가 둥근 직사각형 4"/>
+          <p:cNvSpPr/>
+          <p:nvPr/>
+        </p:nvSpPr>
+        <p:spPr>
+          <a:xfrm>
+            <a:off x="2831950" y="1589162"/>
+            <a:ext cx="5400000" cy="1260000"/>
+          </a:xfrm>
+          <a:prstGeom prst="roundRect">
+            <a:avLst/>
+          </a:prstGeom>
+          <a:solidFill>
+            <a:schemeClr val="accent1">
+              <a:lumMod val="40000"/>
+              <a:lumOff val="60000"/>
+            </a:schemeClr>
+          </a:solidFill>
+        </p:spPr>
+        <p:style>
+          <a:lnRef idx="2">
+            <a:schemeClr val="accent1">
+              <a:shade val="50000"/>
+            </a:schemeClr>
+          </a:lnRef>
+          <a:fillRef idx="1">
+            <a:schemeClr val="accent1"/>
+          </a:fillRef>
+          <a:effectRef idx="0">
+            <a:schemeClr val="accent1"/>
+          </a:effectRef>
+          <a:fontRef idx="minor">
+            <a:schemeClr val="lt1"/>
+          </a:fontRef>
+        </p:style>
+        <p:txBody>
+          <a:bodyPr lIns="36000" tIns="36000" rIns="36000" bIns="36000" rtlCol="0" anchor="ctr"/>
+          <a:lstStyle/>
+          <a:p>
+            <a:pPr algn="ctr"/>
+            <a:endParaRPr lang="ko-KR" altLang="en-US" sz="1600" b="1" dirty="0"/>
+          </a:p>
+        </p:txBody>
+      </p:sp>
+      <p:sp>
+        <p:nvSpPr>
+          <p:cNvPr id="4" name="모서리가 둥근 직사각형 3"/>
+          <p:cNvSpPr/>
+          <p:nvPr/>
+        </p:nvSpPr>
+        <p:spPr>
+          <a:xfrm>
+            <a:off x="4361950" y="1413487"/>
+            <a:ext cx="2340000" cy="360000"/>
+          </a:xfrm>
+          <a:prstGeom prst="roundRect">
+            <a:avLst/>
+          </a:prstGeom>
+        </p:spPr>
+        <p:style>
+          <a:lnRef idx="2">
+            <a:schemeClr val="accent1">
+              <a:shade val="50000"/>
+            </a:schemeClr>
+          </a:lnRef>
+          <a:fillRef idx="1">
+            <a:schemeClr val="accent1"/>
+          </a:fillRef>
+          <a:effectRef idx="0">
+            <a:schemeClr val="accent1"/>
+          </a:effectRef>
+          <a:fontRef idx="minor">
+            <a:schemeClr val="lt1"/>
+          </a:fontRef>
+        </p:style>
+        <p:txBody>
+          <a:bodyPr lIns="36000" tIns="36000" rIns="36000" bIns="36000" rtlCol="0" anchor="ctr"/>
+          <a:lstStyle/>
+          <a:p>
+            <a:pPr algn="ctr"/>
+            <a:r>
+              <a:rPr lang="ko-KR" altLang="en-US" sz="1600" b="1" dirty="0" smtClean="0"/>
+              <a:t>호스트</a:t>
+            </a:r>
+            <a:r>
+              <a:rPr lang="en-US" altLang="ko-KR" sz="1600" b="1" dirty="0" smtClean="0"/>
+              <a:t>(</a:t>
+            </a:r>
+            <a:r>
+              <a:rPr lang="ko-KR" altLang="en-US" sz="1600" b="1" dirty="0" smtClean="0"/>
+              <a:t>내 컴퓨터</a:t>
+            </a:r>
+            <a:r>
+              <a:rPr lang="en-US" altLang="ko-KR" sz="1600" b="1" dirty="0" smtClean="0"/>
+              <a:t>)</a:t>
+            </a:r>
+            <a:endParaRPr lang="ko-KR" altLang="en-US" sz="1600" b="1" dirty="0"/>
+          </a:p>
+        </p:txBody>
+      </p:sp>
+      <p:grpSp>
+        <p:nvGrpSpPr>
+          <p:cNvPr id="11" name="그룹 10"/>
+          <p:cNvGrpSpPr/>
+          <p:nvPr/>
+        </p:nvGrpSpPr>
+        <p:grpSpPr>
+          <a:xfrm>
+            <a:off x="3034244" y="1861324"/>
+            <a:ext cx="4995411" cy="900000"/>
+            <a:chOff x="3050670" y="2783904"/>
+            <a:chExt cx="4995411" cy="900000"/>
+          </a:xfrm>
+        </p:grpSpPr>
+        <p:sp>
+          <p:nvSpPr>
+            <p:cNvPr id="6" name="모서리가 둥근 직사각형 5"/>
+            <p:cNvSpPr/>
+            <p:nvPr/>
+          </p:nvSpPr>
+          <p:spPr>
+            <a:xfrm>
+              <a:off x="3050670" y="3215616"/>
+              <a:ext cx="1224000" cy="360000"/>
+            </a:xfrm>
+            <a:prstGeom prst="roundRect">
+              <a:avLst/>
+            </a:prstGeom>
+            <a:solidFill>
+              <a:schemeClr val="accent6">
+                <a:lumMod val="60000"/>
+                <a:lumOff val="40000"/>
+              </a:schemeClr>
+            </a:solidFill>
+          </p:spPr>
+          <p:style>
+            <a:lnRef idx="2">
+              <a:schemeClr val="accent1">
+                <a:shade val="50000"/>
+              </a:schemeClr>
+            </a:lnRef>
+            <a:fillRef idx="1">
+              <a:schemeClr val="accent1"/>
+            </a:fillRef>
+            <a:effectRef idx="0">
+              <a:schemeClr val="accent1"/>
+            </a:effectRef>
+            <a:fontRef idx="minor">
+              <a:schemeClr val="lt1"/>
+            </a:fontRef>
+          </p:style>
+          <p:txBody>
+            <a:bodyPr lIns="36000" tIns="36000" rIns="36000" bIns="36000" rtlCol="0" anchor="ctr"/>
+            <a:lstStyle/>
+            <a:p>
+              <a:pPr algn="ctr"/>
+              <a:r>
+                <a:rPr lang="en-US" altLang="ko-KR" sz="1400" b="1" dirty="0" smtClean="0">
+                  <a:solidFill>
+                    <a:schemeClr val="bg1"/>
+                  </a:solidFill>
+                </a:rPr>
+                <a:t>/</a:t>
+              </a:r>
+              <a:r>
+                <a:rPr lang="en-US" altLang="ko-KR" sz="1400" b="1" dirty="0" err="1" smtClean="0">
+                  <a:solidFill>
+                    <a:schemeClr val="bg1"/>
+                  </a:solidFill>
+                </a:rPr>
+                <a:t>some_path</a:t>
+              </a:r>
+              <a:endParaRPr lang="ko-KR" altLang="en-US" sz="1400" b="1" dirty="0">
+                <a:solidFill>
+                  <a:schemeClr val="bg1"/>
+                </a:solidFill>
+              </a:endParaRPr>
+            </a:p>
+          </p:txBody>
+        </p:sp>
+        <p:sp>
+          <p:nvSpPr>
+            <p:cNvPr id="8" name="모서리가 둥근 직사각형 7"/>
+            <p:cNvSpPr/>
+            <p:nvPr/>
+          </p:nvSpPr>
+          <p:spPr>
+            <a:xfrm>
+              <a:off x="5886081" y="2783904"/>
+              <a:ext cx="2160000" cy="900000"/>
+            </a:xfrm>
+            <a:prstGeom prst="roundRect">
+              <a:avLst/>
+            </a:prstGeom>
+            <a:solidFill>
+              <a:schemeClr val="accent5">
+                <a:lumMod val="60000"/>
+                <a:lumOff val="40000"/>
+              </a:schemeClr>
+            </a:solidFill>
+          </p:spPr>
+          <p:style>
+            <a:lnRef idx="2">
+              <a:schemeClr val="accent1">
+                <a:shade val="50000"/>
+              </a:schemeClr>
+            </a:lnRef>
+            <a:fillRef idx="1">
+              <a:schemeClr val="accent1"/>
+            </a:fillRef>
+            <a:effectRef idx="0">
+              <a:schemeClr val="accent1"/>
+            </a:effectRef>
+            <a:fontRef idx="minor">
+              <a:schemeClr val="lt1"/>
+            </a:fontRef>
+          </p:style>
+          <p:txBody>
+            <a:bodyPr lIns="36000" tIns="36000" rIns="36000" bIns="36000" rtlCol="0" anchor="t"/>
+            <a:lstStyle/>
+            <a:p>
+              <a:pPr algn="ctr"/>
+              <a:r>
+                <a:rPr lang="ko-KR" altLang="en-US" sz="1600" b="1" dirty="0" smtClean="0"/>
+                <a:t>컨테이너</a:t>
+              </a:r>
+              <a:endParaRPr lang="ko-KR" altLang="en-US" sz="1600" b="1" dirty="0"/>
+            </a:p>
+          </p:txBody>
+        </p:sp>
+        <p:sp>
+          <p:nvSpPr>
+            <p:cNvPr id="7" name="모서리가 둥근 직사각형 6"/>
+            <p:cNvSpPr/>
+            <p:nvPr/>
+          </p:nvSpPr>
+          <p:spPr>
+            <a:xfrm>
+              <a:off x="6237420" y="3215616"/>
+              <a:ext cx="1457322" cy="360000"/>
+            </a:xfrm>
+            <a:prstGeom prst="roundRect">
+              <a:avLst/>
+            </a:prstGeom>
+            <a:solidFill>
+              <a:schemeClr val="accent6">
+                <a:lumMod val="60000"/>
+                <a:lumOff val="40000"/>
+              </a:schemeClr>
+            </a:solidFill>
+          </p:spPr>
+          <p:style>
+            <a:lnRef idx="2">
+              <a:schemeClr val="accent1">
+                <a:shade val="50000"/>
+              </a:schemeClr>
+            </a:lnRef>
+            <a:fillRef idx="1">
+              <a:schemeClr val="accent1"/>
+            </a:fillRef>
+            <a:effectRef idx="0">
+              <a:schemeClr val="accent1"/>
+            </a:effectRef>
+            <a:fontRef idx="minor">
+              <a:schemeClr val="lt1"/>
+            </a:fontRef>
+          </p:style>
+          <p:txBody>
+            <a:bodyPr lIns="36000" tIns="36000" rIns="36000" bIns="36000" rtlCol="0" anchor="ctr"/>
+            <a:lstStyle/>
+            <a:p>
+              <a:pPr algn="ctr"/>
+              <a:r>
+                <a:rPr lang="en-US" altLang="ko-KR" sz="1400" b="1" dirty="0" smtClean="0">
+                  <a:solidFill>
+                    <a:schemeClr val="bg1"/>
+                  </a:solidFill>
+                </a:rPr>
+                <a:t>/app/user-data</a:t>
+              </a:r>
+              <a:endParaRPr lang="ko-KR" altLang="en-US" sz="1400" b="1" dirty="0">
+                <a:solidFill>
+                  <a:schemeClr val="bg1"/>
+                </a:solidFill>
+              </a:endParaRPr>
+            </a:p>
+          </p:txBody>
+        </p:sp>
+        <p:cxnSp>
+          <p:nvCxnSpPr>
+            <p:cNvPr id="10" name="직선 화살표 연결선 9"/>
+            <p:cNvCxnSpPr>
+              <a:stCxn id="6" idx="3"/>
+              <a:endCxn id="7" idx="1"/>
+            </p:cNvCxnSpPr>
+            <p:nvPr/>
+          </p:nvCxnSpPr>
+          <p:spPr>
+            <a:xfrm>
+              <a:off x="4274670" y="3395616"/>
+              <a:ext cx="1962750" cy="0"/>
+            </a:xfrm>
+            <a:prstGeom prst="straightConnector1">
+              <a:avLst/>
+            </a:prstGeom>
+            <a:ln w="28575">
+              <a:solidFill>
+                <a:schemeClr val="accent2"/>
+              </a:solidFill>
+              <a:headEnd type="triangle"/>
+              <a:tailEnd type="triangle"/>
+            </a:ln>
+          </p:spPr>
+          <p:style>
+            <a:lnRef idx="1">
+              <a:schemeClr val="accent1"/>
+            </a:lnRef>
+            <a:fillRef idx="0">
+              <a:schemeClr val="accent1"/>
+            </a:fillRef>
+            <a:effectRef idx="0">
+              <a:schemeClr val="accent1"/>
+            </a:effectRef>
+            <a:fontRef idx="minor">
+              <a:schemeClr val="tx1"/>
+            </a:fontRef>
+          </p:style>
+        </p:cxnSp>
+      </p:grpSp>
+    </p:spTree>
+    <p:extLst>
+      <p:ext uri="{BB962C8B-B14F-4D97-AF65-F5344CB8AC3E}">
+        <p14:creationId xmlns:p14="http://schemas.microsoft.com/office/powerpoint/2010/main" val="2067360014"/>
+      </p:ext>
+    </p:extLst>
+  </p:cSld>
+  <p:clrMapOvr>
+    <a:masterClrMapping/>
+  </p:clrMapOvr>
+</p:sld>
+</file>
+
 <file path=ppt/theme/theme1.xml><?xml version="1.0" encoding="utf-8"?>
 <a:theme xmlns:a="http://schemas.openxmlformats.org/drawingml/2006/main" name="Office 테마">
   <a:themeElements>

--- a/markdown_image.pptx
+++ b/markdown_image.pptx
@@ -4,9 +4,13 @@
   <p:sldMasterIdLst>
     <p:sldMasterId id="2147483648" r:id="rId1"/>
   </p:sldMasterIdLst>
+  <p:notesMasterIdLst>
+    <p:notesMasterId r:id="rId5"/>
+  </p:notesMasterIdLst>
   <p:sldIdLst>
     <p:sldId id="256" r:id="rId2"/>
-    <p:sldId id="257" r:id="rId3"/>
+    <p:sldId id="258" r:id="rId3"/>
+    <p:sldId id="259" r:id="rId4"/>
   </p:sldIdLst>
   <p:sldSz cx="12192000" cy="6858000"/>
   <p:notesSz cx="6858000" cy="9144000"/>
@@ -113,6 +117,440 @@
 </p:presentation>
 </file>
 
+<file path=ppt/notesMasters/notesMaster1.xml><?xml version="1.0" encoding="utf-8"?>
+<p:notesMaster xmlns:a="http://schemas.openxmlformats.org/drawingml/2006/main" xmlns:r="http://schemas.openxmlformats.org/officeDocument/2006/relationships" xmlns:p="http://schemas.openxmlformats.org/presentationml/2006/main">
+  <p:cSld>
+    <p:bg>
+      <p:bgRef idx="1001">
+        <a:schemeClr val="bg1"/>
+      </p:bgRef>
+    </p:bg>
+    <p:spTree>
+      <p:nvGrpSpPr>
+        <p:cNvPr id="1" name=""/>
+        <p:cNvGrpSpPr/>
+        <p:nvPr/>
+      </p:nvGrpSpPr>
+      <p:grpSpPr>
+        <a:xfrm>
+          <a:off x="0" y="0"/>
+          <a:ext cx="0" cy="0"/>
+          <a:chOff x="0" y="0"/>
+          <a:chExt cx="0" cy="0"/>
+        </a:xfrm>
+      </p:grpSpPr>
+      <p:sp>
+        <p:nvSpPr>
+          <p:cNvPr id="2" name="머리글 개체 틀 1"/>
+          <p:cNvSpPr>
+            <a:spLocks noGrp="1"/>
+          </p:cNvSpPr>
+          <p:nvPr>
+            <p:ph type="hdr" sz="quarter"/>
+          </p:nvPr>
+        </p:nvSpPr>
+        <p:spPr>
+          <a:xfrm>
+            <a:off x="0" y="0"/>
+            <a:ext cx="2971800" cy="458788"/>
+          </a:xfrm>
+          <a:prstGeom prst="rect">
+            <a:avLst/>
+          </a:prstGeom>
+        </p:spPr>
+        <p:txBody>
+          <a:bodyPr vert="horz" lIns="91440" tIns="45720" rIns="91440" bIns="45720" rtlCol="0"/>
+          <a:lstStyle>
+            <a:lvl1pPr algn="l">
+              <a:defRPr sz="1200"/>
+            </a:lvl1pPr>
+          </a:lstStyle>
+          <a:p>
+            <a:endParaRPr lang="ko-KR" altLang="en-US"/>
+          </a:p>
+        </p:txBody>
+      </p:sp>
+      <p:sp>
+        <p:nvSpPr>
+          <p:cNvPr id="3" name="날짜 개체 틀 2"/>
+          <p:cNvSpPr>
+            <a:spLocks noGrp="1"/>
+          </p:cNvSpPr>
+          <p:nvPr>
+            <p:ph type="dt" idx="1"/>
+          </p:nvPr>
+        </p:nvSpPr>
+        <p:spPr>
+          <a:xfrm>
+            <a:off x="3884613" y="0"/>
+            <a:ext cx="2971800" cy="458788"/>
+          </a:xfrm>
+          <a:prstGeom prst="rect">
+            <a:avLst/>
+          </a:prstGeom>
+        </p:spPr>
+        <p:txBody>
+          <a:bodyPr vert="horz" lIns="91440" tIns="45720" rIns="91440" bIns="45720" rtlCol="0"/>
+          <a:lstStyle>
+            <a:lvl1pPr algn="r">
+              <a:defRPr sz="1200"/>
+            </a:lvl1pPr>
+          </a:lstStyle>
+          <a:p>
+            <a:fld id="{06073691-9509-499D-804B-789F8428B2A1}" type="datetimeFigureOut">
+              <a:rPr lang="ko-KR" altLang="en-US" smtClean="0"/>
+              <a:t>2022-09-24</a:t>
+            </a:fld>
+            <a:endParaRPr lang="ko-KR" altLang="en-US"/>
+          </a:p>
+        </p:txBody>
+      </p:sp>
+      <p:sp>
+        <p:nvSpPr>
+          <p:cNvPr id="4" name="슬라이드 이미지 개체 틀 3"/>
+          <p:cNvSpPr>
+            <a:spLocks noGrp="1" noRot="1" noChangeAspect="1"/>
+          </p:cNvSpPr>
+          <p:nvPr>
+            <p:ph type="sldImg" idx="2"/>
+          </p:nvPr>
+        </p:nvSpPr>
+        <p:spPr>
+          <a:xfrm>
+            <a:off x="685800" y="1143000"/>
+            <a:ext cx="5486400" cy="3086100"/>
+          </a:xfrm>
+          <a:prstGeom prst="rect">
+            <a:avLst/>
+          </a:prstGeom>
+          <a:noFill/>
+          <a:ln w="12700">
+            <a:solidFill>
+              <a:prstClr val="black"/>
+            </a:solidFill>
+          </a:ln>
+        </p:spPr>
+        <p:txBody>
+          <a:bodyPr vert="horz" lIns="91440" tIns="45720" rIns="91440" bIns="45720" rtlCol="0" anchor="ctr"/>
+          <a:lstStyle/>
+          <a:p>
+            <a:endParaRPr lang="ko-KR" altLang="en-US"/>
+          </a:p>
+        </p:txBody>
+      </p:sp>
+      <p:sp>
+        <p:nvSpPr>
+          <p:cNvPr id="5" name="슬라이드 노트 개체 틀 4"/>
+          <p:cNvSpPr>
+            <a:spLocks noGrp="1"/>
+          </p:cNvSpPr>
+          <p:nvPr>
+            <p:ph type="body" sz="quarter" idx="3"/>
+          </p:nvPr>
+        </p:nvSpPr>
+        <p:spPr>
+          <a:xfrm>
+            <a:off x="685800" y="4400550"/>
+            <a:ext cx="5486400" cy="3600450"/>
+          </a:xfrm>
+          <a:prstGeom prst="rect">
+            <a:avLst/>
+          </a:prstGeom>
+        </p:spPr>
+        <p:txBody>
+          <a:bodyPr vert="horz" lIns="91440" tIns="45720" rIns="91440" bIns="45720" rtlCol="0"/>
+          <a:lstStyle/>
+          <a:p>
+            <a:pPr lvl="0"/>
+            <a:r>
+              <a:rPr lang="ko-KR" altLang="en-US" smtClean="0"/>
+              <a:t>마스터 텍스트 스타일 편집</a:t>
+            </a:r>
+          </a:p>
+          <a:p>
+            <a:pPr lvl="1"/>
+            <a:r>
+              <a:rPr lang="ko-KR" altLang="en-US" smtClean="0"/>
+              <a:t>둘째 수준</a:t>
+            </a:r>
+          </a:p>
+          <a:p>
+            <a:pPr lvl="2"/>
+            <a:r>
+              <a:rPr lang="ko-KR" altLang="en-US" smtClean="0"/>
+              <a:t>셋째 수준</a:t>
+            </a:r>
+          </a:p>
+          <a:p>
+            <a:pPr lvl="3"/>
+            <a:r>
+              <a:rPr lang="ko-KR" altLang="en-US" smtClean="0"/>
+              <a:t>넷째 수준</a:t>
+            </a:r>
+          </a:p>
+          <a:p>
+            <a:pPr lvl="4"/>
+            <a:r>
+              <a:rPr lang="ko-KR" altLang="en-US" smtClean="0"/>
+              <a:t>다섯째 수준</a:t>
+            </a:r>
+            <a:endParaRPr lang="ko-KR" altLang="en-US"/>
+          </a:p>
+        </p:txBody>
+      </p:sp>
+      <p:sp>
+        <p:nvSpPr>
+          <p:cNvPr id="6" name="바닥글 개체 틀 5"/>
+          <p:cNvSpPr>
+            <a:spLocks noGrp="1"/>
+          </p:cNvSpPr>
+          <p:nvPr>
+            <p:ph type="ftr" sz="quarter" idx="4"/>
+          </p:nvPr>
+        </p:nvSpPr>
+        <p:spPr>
+          <a:xfrm>
+            <a:off x="0" y="8685213"/>
+            <a:ext cx="2971800" cy="458787"/>
+          </a:xfrm>
+          <a:prstGeom prst="rect">
+            <a:avLst/>
+          </a:prstGeom>
+        </p:spPr>
+        <p:txBody>
+          <a:bodyPr vert="horz" lIns="91440" tIns="45720" rIns="91440" bIns="45720" rtlCol="0" anchor="b"/>
+          <a:lstStyle>
+            <a:lvl1pPr algn="l">
+              <a:defRPr sz="1200"/>
+            </a:lvl1pPr>
+          </a:lstStyle>
+          <a:p>
+            <a:endParaRPr lang="ko-KR" altLang="en-US"/>
+          </a:p>
+        </p:txBody>
+      </p:sp>
+      <p:sp>
+        <p:nvSpPr>
+          <p:cNvPr id="7" name="슬라이드 번호 개체 틀 6"/>
+          <p:cNvSpPr>
+            <a:spLocks noGrp="1"/>
+          </p:cNvSpPr>
+          <p:nvPr>
+            <p:ph type="sldNum" sz="quarter" idx="5"/>
+          </p:nvPr>
+        </p:nvSpPr>
+        <p:spPr>
+          <a:xfrm>
+            <a:off x="3884613" y="8685213"/>
+            <a:ext cx="2971800" cy="458787"/>
+          </a:xfrm>
+          <a:prstGeom prst="rect">
+            <a:avLst/>
+          </a:prstGeom>
+        </p:spPr>
+        <p:txBody>
+          <a:bodyPr vert="horz" lIns="91440" tIns="45720" rIns="91440" bIns="45720" rtlCol="0" anchor="b"/>
+          <a:lstStyle>
+            <a:lvl1pPr algn="r">
+              <a:defRPr sz="1200"/>
+            </a:lvl1pPr>
+          </a:lstStyle>
+          <a:p>
+            <a:fld id="{0EEAD409-0A73-4A8A-B948-17E588047228}" type="slidenum">
+              <a:rPr lang="ko-KR" altLang="en-US" smtClean="0"/>
+              <a:t>‹#›</a:t>
+            </a:fld>
+            <a:endParaRPr lang="ko-KR" altLang="en-US"/>
+          </a:p>
+        </p:txBody>
+      </p:sp>
+    </p:spTree>
+    <p:extLst>
+      <p:ext uri="{BB962C8B-B14F-4D97-AF65-F5344CB8AC3E}">
+        <p14:creationId xmlns:p14="http://schemas.microsoft.com/office/powerpoint/2010/main" val="923336090"/>
+      </p:ext>
+    </p:extLst>
+  </p:cSld>
+  <p:clrMap bg1="lt1" tx1="dk1" bg2="lt2" tx2="dk2" accent1="accent1" accent2="accent2" accent3="accent3" accent4="accent4" accent5="accent5" accent6="accent6" hlink="hlink" folHlink="folHlink"/>
+  <p:notesStyle>
+    <a:lvl1pPr marL="0" algn="l" defTabSz="914400" rtl="0" eaLnBrk="1" latinLnBrk="1" hangingPunct="1">
+      <a:defRPr sz="1200" kern="1200">
+        <a:solidFill>
+          <a:schemeClr val="tx1"/>
+        </a:solidFill>
+        <a:latin typeface="+mn-lt"/>
+        <a:ea typeface="+mn-ea"/>
+        <a:cs typeface="+mn-cs"/>
+      </a:defRPr>
+    </a:lvl1pPr>
+    <a:lvl2pPr marL="457200" algn="l" defTabSz="914400" rtl="0" eaLnBrk="1" latinLnBrk="1" hangingPunct="1">
+      <a:defRPr sz="1200" kern="1200">
+        <a:solidFill>
+          <a:schemeClr val="tx1"/>
+        </a:solidFill>
+        <a:latin typeface="+mn-lt"/>
+        <a:ea typeface="+mn-ea"/>
+        <a:cs typeface="+mn-cs"/>
+      </a:defRPr>
+    </a:lvl2pPr>
+    <a:lvl3pPr marL="914400" algn="l" defTabSz="914400" rtl="0" eaLnBrk="1" latinLnBrk="1" hangingPunct="1">
+      <a:defRPr sz="1200" kern="1200">
+        <a:solidFill>
+          <a:schemeClr val="tx1"/>
+        </a:solidFill>
+        <a:latin typeface="+mn-lt"/>
+        <a:ea typeface="+mn-ea"/>
+        <a:cs typeface="+mn-cs"/>
+      </a:defRPr>
+    </a:lvl3pPr>
+    <a:lvl4pPr marL="1371600" algn="l" defTabSz="914400" rtl="0" eaLnBrk="1" latinLnBrk="1" hangingPunct="1">
+      <a:defRPr sz="1200" kern="1200">
+        <a:solidFill>
+          <a:schemeClr val="tx1"/>
+        </a:solidFill>
+        <a:latin typeface="+mn-lt"/>
+        <a:ea typeface="+mn-ea"/>
+        <a:cs typeface="+mn-cs"/>
+      </a:defRPr>
+    </a:lvl4pPr>
+    <a:lvl5pPr marL="1828800" algn="l" defTabSz="914400" rtl="0" eaLnBrk="1" latinLnBrk="1" hangingPunct="1">
+      <a:defRPr sz="1200" kern="1200">
+        <a:solidFill>
+          <a:schemeClr val="tx1"/>
+        </a:solidFill>
+        <a:latin typeface="+mn-lt"/>
+        <a:ea typeface="+mn-ea"/>
+        <a:cs typeface="+mn-cs"/>
+      </a:defRPr>
+    </a:lvl5pPr>
+    <a:lvl6pPr marL="2286000" algn="l" defTabSz="914400" rtl="0" eaLnBrk="1" latinLnBrk="1" hangingPunct="1">
+      <a:defRPr sz="1200" kern="1200">
+        <a:solidFill>
+          <a:schemeClr val="tx1"/>
+        </a:solidFill>
+        <a:latin typeface="+mn-lt"/>
+        <a:ea typeface="+mn-ea"/>
+        <a:cs typeface="+mn-cs"/>
+      </a:defRPr>
+    </a:lvl6pPr>
+    <a:lvl7pPr marL="2743200" algn="l" defTabSz="914400" rtl="0" eaLnBrk="1" latinLnBrk="1" hangingPunct="1">
+      <a:defRPr sz="1200" kern="1200">
+        <a:solidFill>
+          <a:schemeClr val="tx1"/>
+        </a:solidFill>
+        <a:latin typeface="+mn-lt"/>
+        <a:ea typeface="+mn-ea"/>
+        <a:cs typeface="+mn-cs"/>
+      </a:defRPr>
+    </a:lvl7pPr>
+    <a:lvl8pPr marL="3200400" algn="l" defTabSz="914400" rtl="0" eaLnBrk="1" latinLnBrk="1" hangingPunct="1">
+      <a:defRPr sz="1200" kern="1200">
+        <a:solidFill>
+          <a:schemeClr val="tx1"/>
+        </a:solidFill>
+        <a:latin typeface="+mn-lt"/>
+        <a:ea typeface="+mn-ea"/>
+        <a:cs typeface="+mn-cs"/>
+      </a:defRPr>
+    </a:lvl8pPr>
+    <a:lvl9pPr marL="3657600" algn="l" defTabSz="914400" rtl="0" eaLnBrk="1" latinLnBrk="1" hangingPunct="1">
+      <a:defRPr sz="1200" kern="1200">
+        <a:solidFill>
+          <a:schemeClr val="tx1"/>
+        </a:solidFill>
+        <a:latin typeface="+mn-lt"/>
+        <a:ea typeface="+mn-ea"/>
+        <a:cs typeface="+mn-cs"/>
+      </a:defRPr>
+    </a:lvl9pPr>
+  </p:notesStyle>
+</p:notesMaster>
+</file>
+
+<file path=ppt/notesSlides/notesSlide1.xml><?xml version="1.0" encoding="utf-8"?>
+<p:notes xmlns:a="http://schemas.openxmlformats.org/drawingml/2006/main" xmlns:r="http://schemas.openxmlformats.org/officeDocument/2006/relationships" xmlns:p="http://schemas.openxmlformats.org/presentationml/2006/main">
+  <p:cSld>
+    <p:spTree>
+      <p:nvGrpSpPr>
+        <p:cNvPr id="1" name=""/>
+        <p:cNvGrpSpPr/>
+        <p:nvPr/>
+      </p:nvGrpSpPr>
+      <p:grpSpPr>
+        <a:xfrm>
+          <a:off x="0" y="0"/>
+          <a:ext cx="0" cy="0"/>
+          <a:chOff x="0" y="0"/>
+          <a:chExt cx="0" cy="0"/>
+        </a:xfrm>
+      </p:grpSpPr>
+      <p:sp>
+        <p:nvSpPr>
+          <p:cNvPr id="2" name="슬라이드 이미지 개체 틀 1"/>
+          <p:cNvSpPr>
+            <a:spLocks noGrp="1" noRot="1" noChangeAspect="1"/>
+          </p:cNvSpPr>
+          <p:nvPr>
+            <p:ph type="sldImg"/>
+          </p:nvPr>
+        </p:nvSpPr>
+        <p:spPr/>
+      </p:sp>
+      <p:sp>
+        <p:nvSpPr>
+          <p:cNvPr id="3" name="슬라이드 노트 개체 틀 2"/>
+          <p:cNvSpPr>
+            <a:spLocks noGrp="1"/>
+          </p:cNvSpPr>
+          <p:nvPr>
+            <p:ph type="body" idx="1"/>
+          </p:nvPr>
+        </p:nvSpPr>
+        <p:spPr/>
+        <p:txBody>
+          <a:bodyPr/>
+          <a:lstStyle/>
+          <a:p>
+            <a:endParaRPr lang="ko-KR" altLang="en-US" dirty="0"/>
+          </a:p>
+        </p:txBody>
+      </p:sp>
+      <p:sp>
+        <p:nvSpPr>
+          <p:cNvPr id="4" name="슬라이드 번호 개체 틀 3"/>
+          <p:cNvSpPr>
+            <a:spLocks noGrp="1"/>
+          </p:cNvSpPr>
+          <p:nvPr>
+            <p:ph type="sldNum" sz="quarter" idx="10"/>
+          </p:nvPr>
+        </p:nvSpPr>
+        <p:spPr/>
+        <p:txBody>
+          <a:bodyPr/>
+          <a:lstStyle/>
+          <a:p>
+            <a:fld id="{0EEAD409-0A73-4A8A-B948-17E588047228}" type="slidenum">
+              <a:rPr lang="ko-KR" altLang="en-US" smtClean="0"/>
+              <a:t>3</a:t>
+            </a:fld>
+            <a:endParaRPr lang="ko-KR" altLang="en-US"/>
+          </a:p>
+        </p:txBody>
+      </p:sp>
+    </p:spTree>
+    <p:extLst>
+      <p:ext uri="{BB962C8B-B14F-4D97-AF65-F5344CB8AC3E}">
+        <p14:creationId xmlns:p14="http://schemas.microsoft.com/office/powerpoint/2010/main" val="3202042974"/>
+      </p:ext>
+    </p:extLst>
+  </p:cSld>
+  <p:clrMapOvr>
+    <a:masterClrMapping/>
+  </p:clrMapOvr>
+</p:notes>
+</file>
+
 <file path=ppt/slideLayouts/slideLayout1.xml><?xml version="1.0" encoding="utf-8"?>
 <p:sldLayout xmlns:a="http://schemas.openxmlformats.org/drawingml/2006/main" xmlns:r="http://schemas.openxmlformats.org/officeDocument/2006/relationships" xmlns:p="http://schemas.openxmlformats.org/presentationml/2006/main" type="title" preserve="1">
   <p:cSld name="제목 슬라이드">
@@ -244,7 +682,7 @@
           <a:p>
             <a:fld id="{0CB960C3-B77A-4865-944D-F41BAAC8ADB3}" type="datetimeFigureOut">
               <a:rPr lang="ko-KR" altLang="en-US" smtClean="0"/>
-              <a:t>2022-07-24</a:t>
+              <a:t>2022-09-24</a:t>
             </a:fld>
             <a:endParaRPr lang="ko-KR" altLang="en-US"/>
           </a:p>
@@ -414,7 +852,7 @@
           <a:p>
             <a:fld id="{0CB960C3-B77A-4865-944D-F41BAAC8ADB3}" type="datetimeFigureOut">
               <a:rPr lang="ko-KR" altLang="en-US" smtClean="0"/>
-              <a:t>2022-07-24</a:t>
+              <a:t>2022-09-24</a:t>
             </a:fld>
             <a:endParaRPr lang="ko-KR" altLang="en-US"/>
           </a:p>
@@ -594,7 +1032,7 @@
           <a:p>
             <a:fld id="{0CB960C3-B77A-4865-944D-F41BAAC8ADB3}" type="datetimeFigureOut">
               <a:rPr lang="ko-KR" altLang="en-US" smtClean="0"/>
-              <a:t>2022-07-24</a:t>
+              <a:t>2022-09-24</a:t>
             </a:fld>
             <a:endParaRPr lang="ko-KR" altLang="en-US"/>
           </a:p>
@@ -764,7 +1202,7 @@
           <a:p>
             <a:fld id="{0CB960C3-B77A-4865-944D-F41BAAC8ADB3}" type="datetimeFigureOut">
               <a:rPr lang="ko-KR" altLang="en-US" smtClean="0"/>
-              <a:t>2022-07-24</a:t>
+              <a:t>2022-09-24</a:t>
             </a:fld>
             <a:endParaRPr lang="ko-KR" altLang="en-US"/>
           </a:p>
@@ -1010,7 +1448,7 @@
           <a:p>
             <a:fld id="{0CB960C3-B77A-4865-944D-F41BAAC8ADB3}" type="datetimeFigureOut">
               <a:rPr lang="ko-KR" altLang="en-US" smtClean="0"/>
-              <a:t>2022-07-24</a:t>
+              <a:t>2022-09-24</a:t>
             </a:fld>
             <a:endParaRPr lang="ko-KR" altLang="en-US"/>
           </a:p>
@@ -1242,7 +1680,7 @@
           <a:p>
             <a:fld id="{0CB960C3-B77A-4865-944D-F41BAAC8ADB3}" type="datetimeFigureOut">
               <a:rPr lang="ko-KR" altLang="en-US" smtClean="0"/>
-              <a:t>2022-07-24</a:t>
+              <a:t>2022-09-24</a:t>
             </a:fld>
             <a:endParaRPr lang="ko-KR" altLang="en-US"/>
           </a:p>
@@ -1609,7 +2047,7 @@
           <a:p>
             <a:fld id="{0CB960C3-B77A-4865-944D-F41BAAC8ADB3}" type="datetimeFigureOut">
               <a:rPr lang="ko-KR" altLang="en-US" smtClean="0"/>
-              <a:t>2022-07-24</a:t>
+              <a:t>2022-09-24</a:t>
             </a:fld>
             <a:endParaRPr lang="ko-KR" altLang="en-US"/>
           </a:p>
@@ -1727,7 +2165,7 @@
           <a:p>
             <a:fld id="{0CB960C3-B77A-4865-944D-F41BAAC8ADB3}" type="datetimeFigureOut">
               <a:rPr lang="ko-KR" altLang="en-US" smtClean="0"/>
-              <a:t>2022-07-24</a:t>
+              <a:t>2022-09-24</a:t>
             </a:fld>
             <a:endParaRPr lang="ko-KR" altLang="en-US"/>
           </a:p>
@@ -1822,7 +2260,7 @@
           <a:p>
             <a:fld id="{0CB960C3-B77A-4865-944D-F41BAAC8ADB3}" type="datetimeFigureOut">
               <a:rPr lang="ko-KR" altLang="en-US" smtClean="0"/>
-              <a:t>2022-07-24</a:t>
+              <a:t>2022-09-24</a:t>
             </a:fld>
             <a:endParaRPr lang="ko-KR" altLang="en-US"/>
           </a:p>
@@ -2099,7 +2537,7 @@
           <a:p>
             <a:fld id="{0CB960C3-B77A-4865-944D-F41BAAC8ADB3}" type="datetimeFigureOut">
               <a:rPr lang="ko-KR" altLang="en-US" smtClean="0"/>
-              <a:t>2022-07-24</a:t>
+              <a:t>2022-09-24</a:t>
             </a:fld>
             <a:endParaRPr lang="ko-KR" altLang="en-US"/>
           </a:p>
@@ -2352,7 +2790,7 @@
           <a:p>
             <a:fld id="{0CB960C3-B77A-4865-944D-F41BAAC8ADB3}" type="datetimeFigureOut">
               <a:rPr lang="ko-KR" altLang="en-US" smtClean="0"/>
-              <a:t>2022-07-24</a:t>
+              <a:t>2022-09-24</a:t>
             </a:fld>
             <a:endParaRPr lang="ko-KR" altLang="en-US"/>
           </a:p>
@@ -2565,7 +3003,7 @@
           <a:p>
             <a:fld id="{0CB960C3-B77A-4865-944D-F41BAAC8ADB3}" type="datetimeFigureOut">
               <a:rPr lang="ko-KR" altLang="en-US" smtClean="0"/>
-              <a:t>2022-07-24</a:t>
+              <a:t>2022-09-24</a:t>
             </a:fld>
             <a:endParaRPr lang="ko-KR" altLang="en-US"/>
           </a:p>
@@ -4925,52 +5363,15 @@
           </a:p>
         </p:txBody>
       </p:sp>
-    </p:spTree>
-    <p:extLst>
-      <p:ext uri="{BB962C8B-B14F-4D97-AF65-F5344CB8AC3E}">
-        <p14:creationId xmlns:p14="http://schemas.microsoft.com/office/powerpoint/2010/main" val="727138208"/>
-      </p:ext>
-    </p:extLst>
-  </p:cSld>
-  <p:clrMapOvr>
-    <a:masterClrMapping/>
-  </p:clrMapOvr>
-  <p:timing>
-    <p:tnLst>
-      <p:par>
-        <p:cTn id="1" dur="indefinite" restart="never" nodeType="tmRoot"/>
-      </p:par>
-    </p:tnLst>
-  </p:timing>
-</p:sld>
-</file>
-
-<file path=ppt/slides/slide2.xml><?xml version="1.0" encoding="utf-8"?>
-<p:sld xmlns:a="http://schemas.openxmlformats.org/drawingml/2006/main" xmlns:r="http://schemas.openxmlformats.org/officeDocument/2006/relationships" xmlns:p="http://schemas.openxmlformats.org/presentationml/2006/main">
-  <p:cSld>
-    <p:spTree>
-      <p:nvGrpSpPr>
-        <p:cNvPr id="1" name=""/>
-        <p:cNvGrpSpPr/>
-        <p:nvPr/>
-      </p:nvGrpSpPr>
-      <p:grpSpPr>
-        <a:xfrm>
-          <a:off x="0" y="0"/>
-          <a:ext cx="0" cy="0"/>
-          <a:chOff x="0" y="0"/>
-          <a:chExt cx="0" cy="0"/>
-        </a:xfrm>
-      </p:grpSpPr>
-      <p:sp>
-        <p:nvSpPr>
-          <p:cNvPr id="5" name="모서리가 둥근 직사각형 4"/>
+      <p:sp>
+        <p:nvSpPr>
+          <p:cNvPr id="45" name="모서리가 둥근 직사각형 44"/>
           <p:cNvSpPr/>
           <p:nvPr/>
         </p:nvSpPr>
         <p:spPr>
           <a:xfrm>
-            <a:off x="2831950" y="1589162"/>
+            <a:off x="6008783" y="5115711"/>
             <a:ext cx="5400000" cy="1260000"/>
           </a:xfrm>
           <a:prstGeom prst="roundRect">
@@ -5010,13 +5411,13 @@
       </p:sp>
       <p:sp>
         <p:nvSpPr>
-          <p:cNvPr id="4" name="모서리가 둥근 직사각형 3"/>
+          <p:cNvPr id="50" name="모서리가 둥근 직사각형 49"/>
           <p:cNvSpPr/>
           <p:nvPr/>
         </p:nvSpPr>
         <p:spPr>
           <a:xfrm>
-            <a:off x="4361950" y="1413487"/>
+            <a:off x="7538783" y="4940036"/>
             <a:ext cx="2340000" cy="360000"/>
           </a:xfrm>
           <a:prstGeom prst="roundRect">
@@ -5066,13 +5467,13 @@
       </p:sp>
       <p:grpSp>
         <p:nvGrpSpPr>
-          <p:cNvPr id="11" name="그룹 10"/>
+          <p:cNvPr id="51" name="그룹 50"/>
           <p:cNvGrpSpPr/>
           <p:nvPr/>
         </p:nvGrpSpPr>
         <p:grpSpPr>
           <a:xfrm>
-            <a:off x="3034244" y="1861324"/>
+            <a:off x="6211077" y="5387873"/>
             <a:ext cx="4995411" cy="900000"/>
             <a:chOff x="3050670" y="2783904"/>
             <a:chExt cx="4995411" cy="900000"/>
@@ -5080,7 +5481,7 @@
         </p:grpSpPr>
         <p:sp>
           <p:nvSpPr>
-            <p:cNvPr id="6" name="모서리가 둥근 직사각형 5"/>
+            <p:cNvPr id="52" name="모서리가 둥근 직사각형 51"/>
             <p:cNvSpPr/>
             <p:nvPr/>
           </p:nvSpPr>
@@ -5146,7 +5547,7 @@
         </p:sp>
         <p:sp>
           <p:nvSpPr>
-            <p:cNvPr id="8" name="모서리가 둥근 직사각형 7"/>
+            <p:cNvPr id="53" name="모서리가 둥근 직사각형 52"/>
             <p:cNvSpPr/>
             <p:nvPr/>
           </p:nvSpPr>
@@ -5196,7 +5597,7 @@
         </p:sp>
         <p:sp>
           <p:nvSpPr>
-            <p:cNvPr id="7" name="모서리가 둥근 직사각형 6"/>
+            <p:cNvPr id="54" name="모서리가 둥근 직사각형 53"/>
             <p:cNvSpPr/>
             <p:nvPr/>
           </p:nvSpPr>
@@ -5254,10 +5655,10 @@
         </p:sp>
         <p:cxnSp>
           <p:nvCxnSpPr>
-            <p:cNvPr id="10" name="직선 화살표 연결선 9"/>
+            <p:cNvPr id="55" name="직선 화살표 연결선 54"/>
             <p:cNvCxnSpPr>
-              <a:stCxn id="6" idx="3"/>
-              <a:endCxn id="7" idx="1"/>
+              <a:stCxn id="52" idx="3"/>
+              <a:endCxn id="54" idx="1"/>
             </p:cNvCxnSpPr>
             <p:nvPr/>
           </p:nvCxnSpPr>
@@ -5296,13 +5697,2509 @@
     </p:spTree>
     <p:extLst>
       <p:ext uri="{BB962C8B-B14F-4D97-AF65-F5344CB8AC3E}">
-        <p14:creationId xmlns:p14="http://schemas.microsoft.com/office/powerpoint/2010/main" val="2067360014"/>
+        <p14:creationId xmlns:p14="http://schemas.microsoft.com/office/powerpoint/2010/main" val="727138208"/>
       </p:ext>
     </p:extLst>
   </p:cSld>
   <p:clrMapOvr>
     <a:masterClrMapping/>
   </p:clrMapOvr>
+  <p:timing>
+    <p:tnLst>
+      <p:par>
+        <p:cTn id="1" dur="indefinite" restart="never" nodeType="tmRoot"/>
+      </p:par>
+    </p:tnLst>
+  </p:timing>
+</p:sld>
+</file>
+
+<file path=ppt/slides/slide2.xml><?xml version="1.0" encoding="utf-8"?>
+<p:sld xmlns:a="http://schemas.openxmlformats.org/drawingml/2006/main" xmlns:r="http://schemas.openxmlformats.org/officeDocument/2006/relationships" xmlns:p="http://schemas.openxmlformats.org/presentationml/2006/main">
+  <p:cSld>
+    <p:spTree>
+      <p:nvGrpSpPr>
+        <p:cNvPr id="1" name=""/>
+        <p:cNvGrpSpPr/>
+        <p:nvPr/>
+      </p:nvGrpSpPr>
+      <p:grpSpPr>
+        <a:xfrm>
+          <a:off x="0" y="0"/>
+          <a:ext cx="0" cy="0"/>
+          <a:chOff x="0" y="0"/>
+          <a:chExt cx="0" cy="0"/>
+        </a:xfrm>
+      </p:grpSpPr>
+      <p:pic>
+        <p:nvPicPr>
+          <p:cNvPr id="48" name="그림 47"/>
+          <p:cNvPicPr>
+            <a:picLocks noChangeAspect="1"/>
+          </p:cNvPicPr>
+          <p:nvPr/>
+        </p:nvPicPr>
+        <p:blipFill>
+          <a:blip r:embed="rId2">
+            <a:extLst>
+              <a:ext uri="{28A0092B-C50C-407E-A947-70E740481C1C}">
+                <a14:useLocalDpi xmlns:a14="http://schemas.microsoft.com/office/drawing/2010/main" val="0"/>
+              </a:ext>
+            </a:extLst>
+          </a:blip>
+          <a:stretch>
+            <a:fillRect/>
+          </a:stretch>
+        </p:blipFill>
+        <p:spPr>
+          <a:xfrm>
+            <a:off x="1706250" y="590572"/>
+            <a:ext cx="917151" cy="893142"/>
+          </a:xfrm>
+          <a:prstGeom prst="rect">
+            <a:avLst/>
+          </a:prstGeom>
+        </p:spPr>
+      </p:pic>
+      <p:sp>
+        <p:nvSpPr>
+          <p:cNvPr id="4" name="모서리가 둥근 직사각형 3"/>
+          <p:cNvSpPr/>
+          <p:nvPr/>
+        </p:nvSpPr>
+        <p:spPr>
+          <a:xfrm>
+            <a:off x="2677487" y="590572"/>
+            <a:ext cx="6480000" cy="5400000"/>
+          </a:xfrm>
+          <a:prstGeom prst="roundRect">
+            <a:avLst/>
+          </a:prstGeom>
+          <a:noFill/>
+          <a:ln w="19050">
+            <a:solidFill>
+              <a:srgbClr val="00B0F0"/>
+            </a:solidFill>
+          </a:ln>
+          <a:effectLst>
+            <a:outerShdw blurRad="50800" dist="38100" dir="2700000" algn="tl" rotWithShape="0">
+              <a:prstClr val="black">
+                <a:alpha val="40000"/>
+              </a:prstClr>
+            </a:outerShdw>
+          </a:effectLst>
+        </p:spPr>
+        <p:style>
+          <a:lnRef idx="2">
+            <a:schemeClr val="accent1">
+              <a:shade val="50000"/>
+            </a:schemeClr>
+          </a:lnRef>
+          <a:fillRef idx="1">
+            <a:schemeClr val="accent1"/>
+          </a:fillRef>
+          <a:effectRef idx="0">
+            <a:schemeClr val="accent1"/>
+          </a:effectRef>
+          <a:fontRef idx="minor">
+            <a:schemeClr val="lt1"/>
+          </a:fontRef>
+        </p:style>
+        <p:txBody>
+          <a:bodyPr lIns="36000" tIns="36000" rIns="36000" bIns="36000" rtlCol="0" anchor="t"/>
+          <a:lstStyle/>
+          <a:p>
+            <a:pPr algn="ctr"/>
+            <a:r>
+              <a:rPr lang="en-US" altLang="ko-KR" sz="2400" b="1" dirty="0" smtClean="0">
+                <a:solidFill>
+                  <a:schemeClr val="tx1"/>
+                </a:solidFill>
+              </a:rPr>
+              <a:t>Cluster</a:t>
+            </a:r>
+            <a:endParaRPr lang="ko-KR" altLang="en-US" sz="2400" b="1" dirty="0">
+              <a:solidFill>
+                <a:schemeClr val="tx1"/>
+              </a:solidFill>
+            </a:endParaRPr>
+          </a:p>
+        </p:txBody>
+      </p:sp>
+      <p:grpSp>
+        <p:nvGrpSpPr>
+          <p:cNvPr id="45" name="그룹 44"/>
+          <p:cNvGrpSpPr/>
+          <p:nvPr/>
+        </p:nvGrpSpPr>
+        <p:grpSpPr>
+          <a:xfrm>
+            <a:off x="2966539" y="1528047"/>
+            <a:ext cx="5901896" cy="3909098"/>
+            <a:chOff x="2714497" y="1476718"/>
+            <a:chExt cx="5901896" cy="3909098"/>
+          </a:xfrm>
+        </p:grpSpPr>
+        <p:grpSp>
+          <p:nvGrpSpPr>
+            <p:cNvPr id="13" name="그룹 12"/>
+            <p:cNvGrpSpPr/>
+            <p:nvPr/>
+          </p:nvGrpSpPr>
+          <p:grpSpPr>
+            <a:xfrm>
+              <a:off x="2714497" y="1480016"/>
+              <a:ext cx="2014370" cy="3905800"/>
+              <a:chOff x="1690369" y="1754336"/>
+              <a:chExt cx="2014370" cy="3905800"/>
+            </a:xfrm>
+          </p:grpSpPr>
+          <p:sp>
+            <p:nvSpPr>
+              <p:cNvPr id="5" name="모서리가 둥근 직사각형 4"/>
+              <p:cNvSpPr/>
+              <p:nvPr/>
+            </p:nvSpPr>
+            <p:spPr>
+              <a:xfrm>
+                <a:off x="1690369" y="1754336"/>
+                <a:ext cx="2014370" cy="3905800"/>
+              </a:xfrm>
+              <a:prstGeom prst="roundRect">
+                <a:avLst/>
+              </a:prstGeom>
+              <a:solidFill>
+                <a:schemeClr val="accent5">
+                  <a:lumMod val="75000"/>
+                </a:schemeClr>
+              </a:solidFill>
+              <a:ln>
+                <a:noFill/>
+              </a:ln>
+            </p:spPr>
+            <p:style>
+              <a:lnRef idx="2">
+                <a:schemeClr val="accent1">
+                  <a:shade val="50000"/>
+                </a:schemeClr>
+              </a:lnRef>
+              <a:fillRef idx="1">
+                <a:schemeClr val="accent1"/>
+              </a:fillRef>
+              <a:effectRef idx="0">
+                <a:schemeClr val="accent1"/>
+              </a:effectRef>
+              <a:fontRef idx="minor">
+                <a:schemeClr val="lt1"/>
+              </a:fontRef>
+            </p:style>
+            <p:txBody>
+              <a:bodyPr lIns="36000" tIns="36000" rIns="36000" bIns="36000" rtlCol="0" anchor="t"/>
+              <a:lstStyle/>
+              <a:p>
+                <a:pPr algn="ctr"/>
+                <a:r>
+                  <a:rPr lang="en-US" altLang="ko-KR" sz="1600" b="1" dirty="0" smtClean="0"/>
+                  <a:t>Master Node</a:t>
+                </a:r>
+                <a:endParaRPr lang="ko-KR" altLang="en-US" sz="1600" b="1" dirty="0"/>
+              </a:p>
+            </p:txBody>
+          </p:sp>
+          <p:grpSp>
+            <p:nvGrpSpPr>
+              <p:cNvPr id="11" name="그룹 10"/>
+              <p:cNvGrpSpPr/>
+              <p:nvPr/>
+            </p:nvGrpSpPr>
+            <p:grpSpPr>
+              <a:xfrm>
+                <a:off x="1885083" y="2359740"/>
+                <a:ext cx="1624942" cy="3144948"/>
+                <a:chOff x="1847088" y="1957404"/>
+                <a:chExt cx="1624942" cy="3144948"/>
+              </a:xfrm>
+            </p:grpSpPr>
+            <p:sp>
+              <p:nvSpPr>
+                <p:cNvPr id="10" name="모서리가 둥근 직사각형 9"/>
+                <p:cNvSpPr/>
+                <p:nvPr/>
+              </p:nvSpPr>
+              <p:spPr>
+                <a:xfrm>
+                  <a:off x="1847088" y="1957404"/>
+                  <a:ext cx="1624942" cy="3144948"/>
+                </a:xfrm>
+                <a:prstGeom prst="roundRect">
+                  <a:avLst/>
+                </a:prstGeom>
+                <a:solidFill>
+                  <a:schemeClr val="accent5">
+                    <a:lumMod val="60000"/>
+                    <a:lumOff val="40000"/>
+                  </a:schemeClr>
+                </a:solidFill>
+                <a:ln>
+                  <a:noFill/>
+                </a:ln>
+              </p:spPr>
+              <p:style>
+                <a:lnRef idx="2">
+                  <a:schemeClr val="accent1">
+                    <a:shade val="50000"/>
+                  </a:schemeClr>
+                </a:lnRef>
+                <a:fillRef idx="1">
+                  <a:schemeClr val="accent1"/>
+                </a:fillRef>
+                <a:effectRef idx="0">
+                  <a:schemeClr val="accent1"/>
+                </a:effectRef>
+                <a:fontRef idx="minor">
+                  <a:schemeClr val="lt1"/>
+                </a:fontRef>
+              </p:style>
+              <p:txBody>
+                <a:bodyPr lIns="36000" tIns="36000" rIns="36000" bIns="36000" rtlCol="0" anchor="t"/>
+                <a:lstStyle/>
+                <a:p>
+                  <a:pPr algn="ctr"/>
+                  <a:r>
+                    <a:rPr lang="en-US" altLang="ko-KR" sz="1400" b="1" dirty="0" smtClean="0"/>
+                    <a:t>Control Plane</a:t>
+                  </a:r>
+                  <a:endParaRPr lang="ko-KR" altLang="en-US" sz="1400" b="1" dirty="0"/>
+                </a:p>
+              </p:txBody>
+            </p:sp>
+            <p:sp>
+              <p:nvSpPr>
+                <p:cNvPr id="6" name="모서리가 둥근 직사각형 5"/>
+                <p:cNvSpPr/>
+                <p:nvPr/>
+              </p:nvSpPr>
+              <p:spPr>
+                <a:xfrm>
+                  <a:off x="1986122" y="2425404"/>
+                  <a:ext cx="1368000" cy="432000"/>
+                </a:xfrm>
+                <a:prstGeom prst="roundRect">
+                  <a:avLst/>
+                </a:prstGeom>
+                <a:solidFill>
+                  <a:schemeClr val="accent1">
+                    <a:lumMod val="60000"/>
+                    <a:lumOff val="40000"/>
+                  </a:schemeClr>
+                </a:solidFill>
+                <a:ln>
+                  <a:noFill/>
+                </a:ln>
+              </p:spPr>
+              <p:style>
+                <a:lnRef idx="2">
+                  <a:schemeClr val="accent1">
+                    <a:shade val="50000"/>
+                  </a:schemeClr>
+                </a:lnRef>
+                <a:fillRef idx="1">
+                  <a:schemeClr val="accent1"/>
+                </a:fillRef>
+                <a:effectRef idx="0">
+                  <a:schemeClr val="accent1"/>
+                </a:effectRef>
+                <a:fontRef idx="minor">
+                  <a:schemeClr val="lt1"/>
+                </a:fontRef>
+              </p:style>
+              <p:txBody>
+                <a:bodyPr lIns="36000" tIns="36000" rIns="36000" bIns="36000" rtlCol="0" anchor="ctr"/>
+                <a:lstStyle/>
+                <a:p>
+                  <a:pPr algn="ctr"/>
+                  <a:r>
+                    <a:rPr lang="en-US" altLang="ko-KR" sz="1400" b="1" dirty="0" smtClean="0"/>
+                    <a:t>API </a:t>
+                  </a:r>
+                  <a:r>
+                    <a:rPr lang="en-US" altLang="ko-KR" sz="1400" b="1" dirty="0" smtClean="0"/>
+                    <a:t>Sever</a:t>
+                  </a:r>
+                  <a:endParaRPr lang="ko-KR" altLang="en-US" sz="1400" b="1" dirty="0"/>
+                </a:p>
+              </p:txBody>
+            </p:sp>
+            <p:sp>
+              <p:nvSpPr>
+                <p:cNvPr id="7" name="모서리가 둥근 직사각형 6"/>
+                <p:cNvSpPr/>
+                <p:nvPr/>
+              </p:nvSpPr>
+              <p:spPr>
+                <a:xfrm>
+                  <a:off x="1986122" y="2938348"/>
+                  <a:ext cx="1368000" cy="432000"/>
+                </a:xfrm>
+                <a:prstGeom prst="roundRect">
+                  <a:avLst/>
+                </a:prstGeom>
+                <a:solidFill>
+                  <a:schemeClr val="accent1">
+                    <a:lumMod val="60000"/>
+                    <a:lumOff val="40000"/>
+                  </a:schemeClr>
+                </a:solidFill>
+                <a:ln>
+                  <a:noFill/>
+                </a:ln>
+              </p:spPr>
+              <p:style>
+                <a:lnRef idx="2">
+                  <a:schemeClr val="accent1">
+                    <a:shade val="50000"/>
+                  </a:schemeClr>
+                </a:lnRef>
+                <a:fillRef idx="1">
+                  <a:schemeClr val="accent1"/>
+                </a:fillRef>
+                <a:effectRef idx="0">
+                  <a:schemeClr val="accent1"/>
+                </a:effectRef>
+                <a:fontRef idx="minor">
+                  <a:schemeClr val="lt1"/>
+                </a:fontRef>
+              </p:style>
+              <p:txBody>
+                <a:bodyPr lIns="36000" tIns="36000" rIns="36000" bIns="36000" rtlCol="0" anchor="ctr"/>
+                <a:lstStyle/>
+                <a:p>
+                  <a:pPr algn="ctr"/>
+                  <a:r>
+                    <a:rPr lang="en-US" altLang="ko-KR" sz="1400" b="1" dirty="0" smtClean="0"/>
+                    <a:t>Scheduler</a:t>
+                  </a:r>
+                  <a:endParaRPr lang="ko-KR" altLang="en-US" sz="1400" b="1" dirty="0"/>
+                </a:p>
+              </p:txBody>
+            </p:sp>
+            <p:sp>
+              <p:nvSpPr>
+                <p:cNvPr id="8" name="모서리가 둥근 직사각형 7"/>
+                <p:cNvSpPr/>
+                <p:nvPr/>
+              </p:nvSpPr>
+              <p:spPr>
+                <a:xfrm>
+                  <a:off x="1986122" y="3451292"/>
+                  <a:ext cx="1368000" cy="720000"/>
+                </a:xfrm>
+                <a:prstGeom prst="roundRect">
+                  <a:avLst/>
+                </a:prstGeom>
+                <a:solidFill>
+                  <a:schemeClr val="accent1">
+                    <a:lumMod val="60000"/>
+                    <a:lumOff val="40000"/>
+                  </a:schemeClr>
+                </a:solidFill>
+                <a:ln>
+                  <a:noFill/>
+                </a:ln>
+              </p:spPr>
+              <p:style>
+                <a:lnRef idx="2">
+                  <a:schemeClr val="accent1">
+                    <a:shade val="50000"/>
+                  </a:schemeClr>
+                </a:lnRef>
+                <a:fillRef idx="1">
+                  <a:schemeClr val="accent1"/>
+                </a:fillRef>
+                <a:effectRef idx="0">
+                  <a:schemeClr val="accent1"/>
+                </a:effectRef>
+                <a:fontRef idx="minor">
+                  <a:schemeClr val="lt1"/>
+                </a:fontRef>
+              </p:style>
+              <p:txBody>
+                <a:bodyPr lIns="36000" tIns="36000" rIns="36000" bIns="36000" rtlCol="0" anchor="ctr"/>
+                <a:lstStyle/>
+                <a:p>
+                  <a:pPr algn="ctr"/>
+                  <a:r>
+                    <a:rPr lang="en-US" altLang="ko-KR" sz="1400" b="1" dirty="0" err="1" smtClean="0"/>
+                    <a:t>Kube</a:t>
+                  </a:r>
+                  <a:r>
+                    <a:rPr lang="en-US" altLang="ko-KR" sz="1400" b="1" dirty="0" smtClean="0"/>
+                    <a:t>-Controller-Manager</a:t>
+                  </a:r>
+                  <a:endParaRPr lang="ko-KR" altLang="en-US" sz="1400" b="1" dirty="0"/>
+                </a:p>
+              </p:txBody>
+            </p:sp>
+            <p:sp>
+              <p:nvSpPr>
+                <p:cNvPr id="9" name="모서리가 둥근 직사각형 8"/>
+                <p:cNvSpPr/>
+                <p:nvPr/>
+              </p:nvSpPr>
+              <p:spPr>
+                <a:xfrm>
+                  <a:off x="1986122" y="4252236"/>
+                  <a:ext cx="1368000" cy="720000"/>
+                </a:xfrm>
+                <a:prstGeom prst="roundRect">
+                  <a:avLst/>
+                </a:prstGeom>
+                <a:solidFill>
+                  <a:schemeClr val="accent1">
+                    <a:lumMod val="60000"/>
+                    <a:lumOff val="40000"/>
+                  </a:schemeClr>
+                </a:solidFill>
+                <a:ln>
+                  <a:noFill/>
+                </a:ln>
+              </p:spPr>
+              <p:style>
+                <a:lnRef idx="2">
+                  <a:schemeClr val="accent1">
+                    <a:shade val="50000"/>
+                  </a:schemeClr>
+                </a:lnRef>
+                <a:fillRef idx="1">
+                  <a:schemeClr val="accent1"/>
+                </a:fillRef>
+                <a:effectRef idx="0">
+                  <a:schemeClr val="accent1"/>
+                </a:effectRef>
+                <a:fontRef idx="minor">
+                  <a:schemeClr val="lt1"/>
+                </a:fontRef>
+              </p:style>
+              <p:txBody>
+                <a:bodyPr lIns="36000" tIns="36000" rIns="36000" bIns="36000" rtlCol="0" anchor="ctr"/>
+                <a:lstStyle/>
+                <a:p>
+                  <a:pPr algn="ctr"/>
+                  <a:r>
+                    <a:rPr lang="en-US" altLang="ko-KR" sz="1400" b="1" dirty="0" smtClean="0"/>
+                    <a:t>Cloud-Controller-Manager</a:t>
+                  </a:r>
+                  <a:endParaRPr lang="ko-KR" altLang="en-US" sz="1400" b="1" dirty="0"/>
+                </a:p>
+              </p:txBody>
+            </p:sp>
+          </p:grpSp>
+        </p:grpSp>
+        <p:grpSp>
+          <p:nvGrpSpPr>
+            <p:cNvPr id="36" name="그룹 35"/>
+            <p:cNvGrpSpPr/>
+            <p:nvPr/>
+          </p:nvGrpSpPr>
+          <p:grpSpPr>
+            <a:xfrm>
+              <a:off x="6602023" y="1476718"/>
+              <a:ext cx="2014370" cy="3909098"/>
+              <a:chOff x="7150663" y="1751038"/>
+              <a:chExt cx="2014370" cy="3909098"/>
+            </a:xfrm>
+          </p:grpSpPr>
+          <p:grpSp>
+            <p:nvGrpSpPr>
+              <p:cNvPr id="27" name="그룹 26"/>
+              <p:cNvGrpSpPr/>
+              <p:nvPr/>
+            </p:nvGrpSpPr>
+            <p:grpSpPr>
+              <a:xfrm>
+                <a:off x="7150663" y="1751038"/>
+                <a:ext cx="2014370" cy="1224000"/>
+                <a:chOff x="7150663" y="1751038"/>
+                <a:chExt cx="2014370" cy="1224000"/>
+              </a:xfrm>
+            </p:grpSpPr>
+            <p:sp>
+              <p:nvSpPr>
+                <p:cNvPr id="12" name="모서리가 둥근 직사각형 11"/>
+                <p:cNvSpPr/>
+                <p:nvPr/>
+              </p:nvSpPr>
+              <p:spPr>
+                <a:xfrm>
+                  <a:off x="7150663" y="1751038"/>
+                  <a:ext cx="2014370" cy="1224000"/>
+                </a:xfrm>
+                <a:prstGeom prst="roundRect">
+                  <a:avLst/>
+                </a:prstGeom>
+                <a:solidFill>
+                  <a:schemeClr val="accent1">
+                    <a:lumMod val="75000"/>
+                  </a:schemeClr>
+                </a:solidFill>
+                <a:ln>
+                  <a:noFill/>
+                </a:ln>
+              </p:spPr>
+              <p:style>
+                <a:lnRef idx="2">
+                  <a:schemeClr val="accent1">
+                    <a:shade val="50000"/>
+                  </a:schemeClr>
+                </a:lnRef>
+                <a:fillRef idx="1">
+                  <a:schemeClr val="accent1"/>
+                </a:fillRef>
+                <a:effectRef idx="0">
+                  <a:schemeClr val="accent1"/>
+                </a:effectRef>
+                <a:fontRef idx="minor">
+                  <a:schemeClr val="lt1"/>
+                </a:fontRef>
+              </p:style>
+              <p:txBody>
+                <a:bodyPr lIns="36000" tIns="36000" rIns="36000" bIns="36000" rtlCol="0" anchor="t"/>
+                <a:lstStyle/>
+                <a:p>
+                  <a:pPr algn="ctr"/>
+                  <a:r>
+                    <a:rPr lang="en-US" altLang="ko-KR" sz="1600" b="1" dirty="0" smtClean="0"/>
+                    <a:t>Worker Node</a:t>
+                  </a:r>
+                  <a:endParaRPr lang="ko-KR" altLang="en-US" sz="1600" b="1" dirty="0"/>
+                </a:p>
+              </p:txBody>
+            </p:sp>
+            <p:sp>
+              <p:nvSpPr>
+                <p:cNvPr id="14" name="모서리가 둥근 직사각형 13"/>
+                <p:cNvSpPr/>
+                <p:nvPr/>
+              </p:nvSpPr>
+              <p:spPr>
+                <a:xfrm>
+                  <a:off x="7473848" y="2138156"/>
+                  <a:ext cx="1368000" cy="324000"/>
+                </a:xfrm>
+                <a:prstGeom prst="roundRect">
+                  <a:avLst/>
+                </a:prstGeom>
+                <a:solidFill>
+                  <a:srgbClr val="BDD7EE"/>
+                </a:solidFill>
+                <a:ln>
+                  <a:noFill/>
+                </a:ln>
+              </p:spPr>
+              <p:style>
+                <a:lnRef idx="2">
+                  <a:schemeClr val="accent1">
+                    <a:shade val="50000"/>
+                  </a:schemeClr>
+                </a:lnRef>
+                <a:fillRef idx="1">
+                  <a:schemeClr val="accent1"/>
+                </a:fillRef>
+                <a:effectRef idx="0">
+                  <a:schemeClr val="accent1"/>
+                </a:effectRef>
+                <a:fontRef idx="minor">
+                  <a:schemeClr val="lt1"/>
+                </a:fontRef>
+              </p:style>
+              <p:txBody>
+                <a:bodyPr lIns="36000" tIns="36000" rIns="36000" bIns="36000" rtlCol="0" anchor="ctr"/>
+                <a:lstStyle/>
+                <a:p>
+                  <a:pPr algn="ctr"/>
+                  <a:r>
+                    <a:rPr lang="en-US" altLang="ko-KR" sz="1400" b="1" dirty="0" smtClean="0">
+                      <a:solidFill>
+                        <a:schemeClr val="tx1"/>
+                      </a:solidFill>
+                    </a:rPr>
+                    <a:t>Proxy / </a:t>
+                  </a:r>
+                  <a:r>
+                    <a:rPr lang="en-US" altLang="ko-KR" sz="1400" b="1" dirty="0" err="1" smtClean="0">
+                      <a:solidFill>
+                        <a:schemeClr val="tx1"/>
+                      </a:solidFill>
+                    </a:rPr>
+                    <a:t>Config</a:t>
+                  </a:r>
+                  <a:endParaRPr lang="ko-KR" altLang="en-US" sz="1400" b="1" dirty="0">
+                    <a:solidFill>
+                      <a:schemeClr val="tx1"/>
+                    </a:solidFill>
+                  </a:endParaRPr>
+                </a:p>
+              </p:txBody>
+            </p:sp>
+            <p:sp>
+              <p:nvSpPr>
+                <p:cNvPr id="15" name="모서리가 둥근 직사각형 14"/>
+                <p:cNvSpPr/>
+                <p:nvPr/>
+              </p:nvSpPr>
+              <p:spPr>
+                <a:xfrm>
+                  <a:off x="7473848" y="2538597"/>
+                  <a:ext cx="1368000" cy="324000"/>
+                </a:xfrm>
+                <a:prstGeom prst="roundRect">
+                  <a:avLst/>
+                </a:prstGeom>
+                <a:solidFill>
+                  <a:srgbClr val="BDD7EE"/>
+                </a:solidFill>
+                <a:ln>
+                  <a:noFill/>
+                </a:ln>
+              </p:spPr>
+              <p:style>
+                <a:lnRef idx="2">
+                  <a:schemeClr val="accent1">
+                    <a:shade val="50000"/>
+                  </a:schemeClr>
+                </a:lnRef>
+                <a:fillRef idx="1">
+                  <a:schemeClr val="accent1"/>
+                </a:fillRef>
+                <a:effectRef idx="0">
+                  <a:schemeClr val="accent1"/>
+                </a:effectRef>
+                <a:fontRef idx="minor">
+                  <a:schemeClr val="lt1"/>
+                </a:fontRef>
+              </p:style>
+              <p:txBody>
+                <a:bodyPr lIns="36000" tIns="36000" rIns="36000" bIns="36000" rtlCol="0" anchor="ctr"/>
+                <a:lstStyle/>
+                <a:p>
+                  <a:pPr algn="ctr"/>
+                  <a:r>
+                    <a:rPr lang="en-US" altLang="ko-KR" sz="1400" b="1" dirty="0" smtClean="0">
+                      <a:solidFill>
+                        <a:schemeClr val="tx1"/>
+                      </a:solidFill>
+                    </a:rPr>
+                    <a:t>Pod</a:t>
+                  </a:r>
+                  <a:endParaRPr lang="ko-KR" altLang="en-US" sz="1400" b="1" dirty="0">
+                    <a:solidFill>
+                      <a:schemeClr val="tx1"/>
+                    </a:solidFill>
+                  </a:endParaRPr>
+                </a:p>
+              </p:txBody>
+            </p:sp>
+          </p:grpSp>
+          <p:grpSp>
+            <p:nvGrpSpPr>
+              <p:cNvPr id="28" name="그룹 27"/>
+              <p:cNvGrpSpPr/>
+              <p:nvPr/>
+            </p:nvGrpSpPr>
+            <p:grpSpPr>
+              <a:xfrm>
+                <a:off x="7150663" y="4436136"/>
+                <a:ext cx="2014370" cy="1224000"/>
+                <a:chOff x="7150663" y="1751038"/>
+                <a:chExt cx="2014370" cy="1224000"/>
+              </a:xfrm>
+            </p:grpSpPr>
+            <p:sp>
+              <p:nvSpPr>
+                <p:cNvPr id="29" name="모서리가 둥근 직사각형 28"/>
+                <p:cNvSpPr/>
+                <p:nvPr/>
+              </p:nvSpPr>
+              <p:spPr>
+                <a:xfrm>
+                  <a:off x="7150663" y="1751038"/>
+                  <a:ext cx="2014370" cy="1224000"/>
+                </a:xfrm>
+                <a:prstGeom prst="roundRect">
+                  <a:avLst/>
+                </a:prstGeom>
+                <a:solidFill>
+                  <a:schemeClr val="accent1">
+                    <a:lumMod val="75000"/>
+                  </a:schemeClr>
+                </a:solidFill>
+                <a:ln>
+                  <a:noFill/>
+                </a:ln>
+              </p:spPr>
+              <p:style>
+                <a:lnRef idx="2">
+                  <a:schemeClr val="accent1">
+                    <a:shade val="50000"/>
+                  </a:schemeClr>
+                </a:lnRef>
+                <a:fillRef idx="1">
+                  <a:schemeClr val="accent1"/>
+                </a:fillRef>
+                <a:effectRef idx="0">
+                  <a:schemeClr val="accent1"/>
+                </a:effectRef>
+                <a:fontRef idx="minor">
+                  <a:schemeClr val="lt1"/>
+                </a:fontRef>
+              </p:style>
+              <p:txBody>
+                <a:bodyPr lIns="36000" tIns="36000" rIns="36000" bIns="36000" rtlCol="0" anchor="t"/>
+                <a:lstStyle/>
+                <a:p>
+                  <a:pPr algn="ctr"/>
+                  <a:r>
+                    <a:rPr lang="en-US" altLang="ko-KR" sz="1600" b="1" dirty="0" smtClean="0"/>
+                    <a:t>Worker Node</a:t>
+                  </a:r>
+                  <a:endParaRPr lang="ko-KR" altLang="en-US" sz="1600" b="1" dirty="0"/>
+                </a:p>
+              </p:txBody>
+            </p:sp>
+            <p:sp>
+              <p:nvSpPr>
+                <p:cNvPr id="30" name="모서리가 둥근 직사각형 29"/>
+                <p:cNvSpPr/>
+                <p:nvPr/>
+              </p:nvSpPr>
+              <p:spPr>
+                <a:xfrm>
+                  <a:off x="7473848" y="2138156"/>
+                  <a:ext cx="1368000" cy="324000"/>
+                </a:xfrm>
+                <a:prstGeom prst="roundRect">
+                  <a:avLst/>
+                </a:prstGeom>
+                <a:solidFill>
+                  <a:srgbClr val="BDD7EE"/>
+                </a:solidFill>
+                <a:ln>
+                  <a:noFill/>
+                </a:ln>
+              </p:spPr>
+              <p:style>
+                <a:lnRef idx="2">
+                  <a:schemeClr val="accent1">
+                    <a:shade val="50000"/>
+                  </a:schemeClr>
+                </a:lnRef>
+                <a:fillRef idx="1">
+                  <a:schemeClr val="accent1"/>
+                </a:fillRef>
+                <a:effectRef idx="0">
+                  <a:schemeClr val="accent1"/>
+                </a:effectRef>
+                <a:fontRef idx="minor">
+                  <a:schemeClr val="lt1"/>
+                </a:fontRef>
+              </p:style>
+              <p:txBody>
+                <a:bodyPr lIns="36000" tIns="36000" rIns="36000" bIns="36000" rtlCol="0" anchor="ctr"/>
+                <a:lstStyle/>
+                <a:p>
+                  <a:pPr algn="ctr"/>
+                  <a:r>
+                    <a:rPr lang="en-US" altLang="ko-KR" sz="1400" b="1" dirty="0" smtClean="0">
+                      <a:solidFill>
+                        <a:schemeClr val="tx1"/>
+                      </a:solidFill>
+                    </a:rPr>
+                    <a:t>Proxy / </a:t>
+                  </a:r>
+                  <a:r>
+                    <a:rPr lang="en-US" altLang="ko-KR" sz="1400" b="1" dirty="0" err="1" smtClean="0">
+                      <a:solidFill>
+                        <a:schemeClr val="tx1"/>
+                      </a:solidFill>
+                    </a:rPr>
+                    <a:t>Config</a:t>
+                  </a:r>
+                  <a:endParaRPr lang="ko-KR" altLang="en-US" sz="1400" b="1" dirty="0">
+                    <a:solidFill>
+                      <a:schemeClr val="tx1"/>
+                    </a:solidFill>
+                  </a:endParaRPr>
+                </a:p>
+              </p:txBody>
+            </p:sp>
+            <p:sp>
+              <p:nvSpPr>
+                <p:cNvPr id="31" name="모서리가 둥근 직사각형 30"/>
+                <p:cNvSpPr/>
+                <p:nvPr/>
+              </p:nvSpPr>
+              <p:spPr>
+                <a:xfrm>
+                  <a:off x="7473848" y="2538597"/>
+                  <a:ext cx="1368000" cy="324000"/>
+                </a:xfrm>
+                <a:prstGeom prst="roundRect">
+                  <a:avLst/>
+                </a:prstGeom>
+                <a:solidFill>
+                  <a:srgbClr val="BDD7EE"/>
+                </a:solidFill>
+                <a:ln>
+                  <a:noFill/>
+                </a:ln>
+              </p:spPr>
+              <p:style>
+                <a:lnRef idx="2">
+                  <a:schemeClr val="accent1">
+                    <a:shade val="50000"/>
+                  </a:schemeClr>
+                </a:lnRef>
+                <a:fillRef idx="1">
+                  <a:schemeClr val="accent1"/>
+                </a:fillRef>
+                <a:effectRef idx="0">
+                  <a:schemeClr val="accent1"/>
+                </a:effectRef>
+                <a:fontRef idx="minor">
+                  <a:schemeClr val="lt1"/>
+                </a:fontRef>
+              </p:style>
+              <p:txBody>
+                <a:bodyPr lIns="36000" tIns="36000" rIns="36000" bIns="36000" rtlCol="0" anchor="ctr"/>
+                <a:lstStyle/>
+                <a:p>
+                  <a:pPr algn="ctr"/>
+                  <a:r>
+                    <a:rPr lang="en-US" altLang="ko-KR" sz="1400" b="1" dirty="0" smtClean="0">
+                      <a:solidFill>
+                        <a:schemeClr val="tx1"/>
+                      </a:solidFill>
+                    </a:rPr>
+                    <a:t>Pod</a:t>
+                  </a:r>
+                  <a:endParaRPr lang="ko-KR" altLang="en-US" sz="1400" b="1" dirty="0">
+                    <a:solidFill>
+                      <a:schemeClr val="tx1"/>
+                    </a:solidFill>
+                  </a:endParaRPr>
+                </a:p>
+              </p:txBody>
+            </p:sp>
+          </p:grpSp>
+          <p:grpSp>
+            <p:nvGrpSpPr>
+              <p:cNvPr id="32" name="그룹 31"/>
+              <p:cNvGrpSpPr/>
+              <p:nvPr/>
+            </p:nvGrpSpPr>
+            <p:grpSpPr>
+              <a:xfrm>
+                <a:off x="7150663" y="3093587"/>
+                <a:ext cx="2014370" cy="1224000"/>
+                <a:chOff x="7150663" y="1751038"/>
+                <a:chExt cx="2014370" cy="1224000"/>
+              </a:xfrm>
+            </p:grpSpPr>
+            <p:sp>
+              <p:nvSpPr>
+                <p:cNvPr id="33" name="모서리가 둥근 직사각형 32"/>
+                <p:cNvSpPr/>
+                <p:nvPr/>
+              </p:nvSpPr>
+              <p:spPr>
+                <a:xfrm>
+                  <a:off x="7150663" y="1751038"/>
+                  <a:ext cx="2014370" cy="1224000"/>
+                </a:xfrm>
+                <a:prstGeom prst="roundRect">
+                  <a:avLst/>
+                </a:prstGeom>
+                <a:solidFill>
+                  <a:schemeClr val="accent1">
+                    <a:lumMod val="75000"/>
+                  </a:schemeClr>
+                </a:solidFill>
+                <a:ln>
+                  <a:noFill/>
+                </a:ln>
+              </p:spPr>
+              <p:style>
+                <a:lnRef idx="2">
+                  <a:schemeClr val="accent1">
+                    <a:shade val="50000"/>
+                  </a:schemeClr>
+                </a:lnRef>
+                <a:fillRef idx="1">
+                  <a:schemeClr val="accent1"/>
+                </a:fillRef>
+                <a:effectRef idx="0">
+                  <a:schemeClr val="accent1"/>
+                </a:effectRef>
+                <a:fontRef idx="minor">
+                  <a:schemeClr val="lt1"/>
+                </a:fontRef>
+              </p:style>
+              <p:txBody>
+                <a:bodyPr lIns="36000" tIns="36000" rIns="36000" bIns="36000" rtlCol="0" anchor="t"/>
+                <a:lstStyle/>
+                <a:p>
+                  <a:pPr algn="ctr"/>
+                  <a:r>
+                    <a:rPr lang="en-US" altLang="ko-KR" sz="1600" b="1" dirty="0" smtClean="0"/>
+                    <a:t>Worker Node</a:t>
+                  </a:r>
+                  <a:endParaRPr lang="ko-KR" altLang="en-US" sz="1600" b="1" dirty="0"/>
+                </a:p>
+              </p:txBody>
+            </p:sp>
+            <p:sp>
+              <p:nvSpPr>
+                <p:cNvPr id="34" name="모서리가 둥근 직사각형 33"/>
+                <p:cNvSpPr/>
+                <p:nvPr/>
+              </p:nvSpPr>
+              <p:spPr>
+                <a:xfrm>
+                  <a:off x="7473848" y="2138156"/>
+                  <a:ext cx="1368000" cy="324000"/>
+                </a:xfrm>
+                <a:prstGeom prst="roundRect">
+                  <a:avLst/>
+                </a:prstGeom>
+                <a:solidFill>
+                  <a:srgbClr val="BDD7EE"/>
+                </a:solidFill>
+                <a:ln>
+                  <a:noFill/>
+                </a:ln>
+              </p:spPr>
+              <p:style>
+                <a:lnRef idx="2">
+                  <a:schemeClr val="accent1">
+                    <a:shade val="50000"/>
+                  </a:schemeClr>
+                </a:lnRef>
+                <a:fillRef idx="1">
+                  <a:schemeClr val="accent1"/>
+                </a:fillRef>
+                <a:effectRef idx="0">
+                  <a:schemeClr val="accent1"/>
+                </a:effectRef>
+                <a:fontRef idx="minor">
+                  <a:schemeClr val="lt1"/>
+                </a:fontRef>
+              </p:style>
+              <p:txBody>
+                <a:bodyPr lIns="36000" tIns="36000" rIns="36000" bIns="36000" rtlCol="0" anchor="ctr"/>
+                <a:lstStyle/>
+                <a:p>
+                  <a:pPr algn="ctr"/>
+                  <a:r>
+                    <a:rPr lang="en-US" altLang="ko-KR" sz="1400" b="1" dirty="0" smtClean="0">
+                      <a:solidFill>
+                        <a:schemeClr val="tx1"/>
+                      </a:solidFill>
+                    </a:rPr>
+                    <a:t>Proxy / </a:t>
+                  </a:r>
+                  <a:r>
+                    <a:rPr lang="en-US" altLang="ko-KR" sz="1400" b="1" dirty="0" err="1" smtClean="0">
+                      <a:solidFill>
+                        <a:schemeClr val="tx1"/>
+                      </a:solidFill>
+                    </a:rPr>
+                    <a:t>Config</a:t>
+                  </a:r>
+                  <a:endParaRPr lang="ko-KR" altLang="en-US" sz="1400" b="1" dirty="0">
+                    <a:solidFill>
+                      <a:schemeClr val="tx1"/>
+                    </a:solidFill>
+                  </a:endParaRPr>
+                </a:p>
+              </p:txBody>
+            </p:sp>
+            <p:sp>
+              <p:nvSpPr>
+                <p:cNvPr id="35" name="모서리가 둥근 직사각형 34"/>
+                <p:cNvSpPr/>
+                <p:nvPr/>
+              </p:nvSpPr>
+              <p:spPr>
+                <a:xfrm>
+                  <a:off x="7473848" y="2538597"/>
+                  <a:ext cx="1368000" cy="324000"/>
+                </a:xfrm>
+                <a:prstGeom prst="roundRect">
+                  <a:avLst/>
+                </a:prstGeom>
+                <a:solidFill>
+                  <a:srgbClr val="BDD7EE"/>
+                </a:solidFill>
+                <a:ln>
+                  <a:noFill/>
+                </a:ln>
+              </p:spPr>
+              <p:style>
+                <a:lnRef idx="2">
+                  <a:schemeClr val="accent1">
+                    <a:shade val="50000"/>
+                  </a:schemeClr>
+                </a:lnRef>
+                <a:fillRef idx="1">
+                  <a:schemeClr val="accent1"/>
+                </a:fillRef>
+                <a:effectRef idx="0">
+                  <a:schemeClr val="accent1"/>
+                </a:effectRef>
+                <a:fontRef idx="minor">
+                  <a:schemeClr val="lt1"/>
+                </a:fontRef>
+              </p:style>
+              <p:txBody>
+                <a:bodyPr lIns="36000" tIns="36000" rIns="36000" bIns="36000" rtlCol="0" anchor="ctr"/>
+                <a:lstStyle/>
+                <a:p>
+                  <a:pPr algn="ctr"/>
+                  <a:r>
+                    <a:rPr lang="en-US" altLang="ko-KR" sz="1400" b="1" dirty="0" smtClean="0">
+                      <a:solidFill>
+                        <a:schemeClr val="tx1"/>
+                      </a:solidFill>
+                    </a:rPr>
+                    <a:t>Pod</a:t>
+                  </a:r>
+                  <a:endParaRPr lang="ko-KR" altLang="en-US" sz="1400" b="1" dirty="0">
+                    <a:solidFill>
+                      <a:schemeClr val="tx1"/>
+                    </a:solidFill>
+                  </a:endParaRPr>
+                </a:p>
+              </p:txBody>
+            </p:sp>
+          </p:grpSp>
+        </p:grpSp>
+        <p:cxnSp>
+          <p:nvCxnSpPr>
+            <p:cNvPr id="38" name="꺾인 연결선 37"/>
+            <p:cNvCxnSpPr>
+              <a:stCxn id="5" idx="3"/>
+              <a:endCxn id="12" idx="1"/>
+            </p:cNvCxnSpPr>
+            <p:nvPr/>
+          </p:nvCxnSpPr>
+          <p:spPr>
+            <a:xfrm flipV="1">
+              <a:off x="4728867" y="2088718"/>
+              <a:ext cx="1873156" cy="1344198"/>
+            </a:xfrm>
+            <a:prstGeom prst="bentConnector3">
+              <a:avLst/>
+            </a:prstGeom>
+            <a:ln w="19050">
+              <a:solidFill>
+                <a:schemeClr val="tx2"/>
+              </a:solidFill>
+              <a:tailEnd type="triangle"/>
+            </a:ln>
+          </p:spPr>
+          <p:style>
+            <a:lnRef idx="1">
+              <a:schemeClr val="accent1"/>
+            </a:lnRef>
+            <a:fillRef idx="0">
+              <a:schemeClr val="accent1"/>
+            </a:fillRef>
+            <a:effectRef idx="0">
+              <a:schemeClr val="accent1"/>
+            </a:effectRef>
+            <a:fontRef idx="minor">
+              <a:schemeClr val="tx1"/>
+            </a:fontRef>
+          </p:style>
+        </p:cxnSp>
+        <p:cxnSp>
+          <p:nvCxnSpPr>
+            <p:cNvPr id="39" name="꺾인 연결선 38"/>
+            <p:cNvCxnSpPr>
+              <a:stCxn id="5" idx="3"/>
+              <a:endCxn id="29" idx="1"/>
+            </p:cNvCxnSpPr>
+            <p:nvPr/>
+          </p:nvCxnSpPr>
+          <p:spPr>
+            <a:xfrm>
+              <a:off x="4728867" y="3432916"/>
+              <a:ext cx="1873156" cy="1340900"/>
+            </a:xfrm>
+            <a:prstGeom prst="bentConnector3">
+              <a:avLst/>
+            </a:prstGeom>
+            <a:ln w="19050">
+              <a:solidFill>
+                <a:schemeClr val="tx2"/>
+              </a:solidFill>
+              <a:tailEnd type="triangle"/>
+            </a:ln>
+          </p:spPr>
+          <p:style>
+            <a:lnRef idx="1">
+              <a:schemeClr val="accent1"/>
+            </a:lnRef>
+            <a:fillRef idx="0">
+              <a:schemeClr val="accent1"/>
+            </a:fillRef>
+            <a:effectRef idx="0">
+              <a:schemeClr val="accent1"/>
+            </a:effectRef>
+            <a:fontRef idx="minor">
+              <a:schemeClr val="tx1"/>
+            </a:fontRef>
+          </p:style>
+        </p:cxnSp>
+        <p:cxnSp>
+          <p:nvCxnSpPr>
+            <p:cNvPr id="42" name="꺾인 연결선 41"/>
+            <p:cNvCxnSpPr>
+              <a:stCxn id="5" idx="3"/>
+              <a:endCxn id="33" idx="1"/>
+            </p:cNvCxnSpPr>
+            <p:nvPr/>
+          </p:nvCxnSpPr>
+          <p:spPr>
+            <a:xfrm flipV="1">
+              <a:off x="4728867" y="3431267"/>
+              <a:ext cx="1873156" cy="1649"/>
+            </a:xfrm>
+            <a:prstGeom prst="straightConnector1">
+              <a:avLst/>
+            </a:prstGeom>
+            <a:ln w="19050">
+              <a:solidFill>
+                <a:schemeClr val="tx2"/>
+              </a:solidFill>
+              <a:tailEnd type="triangle"/>
+            </a:ln>
+          </p:spPr>
+          <p:style>
+            <a:lnRef idx="1">
+              <a:schemeClr val="accent1"/>
+            </a:lnRef>
+            <a:fillRef idx="0">
+              <a:schemeClr val="accent1"/>
+            </a:fillRef>
+            <a:effectRef idx="0">
+              <a:schemeClr val="accent1"/>
+            </a:effectRef>
+            <a:fontRef idx="minor">
+              <a:schemeClr val="tx1"/>
+            </a:fontRef>
+          </p:style>
+        </p:cxnSp>
+      </p:grpSp>
+      <p:sp>
+        <p:nvSpPr>
+          <p:cNvPr id="46" name="모서리가 둥근 직사각형 45"/>
+          <p:cNvSpPr/>
+          <p:nvPr/>
+        </p:nvSpPr>
+        <p:spPr>
+          <a:xfrm>
+            <a:off x="489493" y="2042596"/>
+            <a:ext cx="1080000" cy="2880000"/>
+          </a:xfrm>
+          <a:prstGeom prst="roundRect">
+            <a:avLst/>
+          </a:prstGeom>
+          <a:noFill/>
+          <a:ln w="28575">
+            <a:solidFill>
+              <a:srgbClr val="9DC3E6"/>
+            </a:solidFill>
+            <a:prstDash val="dash"/>
+          </a:ln>
+          <a:effectLst/>
+        </p:spPr>
+        <p:style>
+          <a:lnRef idx="2">
+            <a:schemeClr val="accent1">
+              <a:shade val="50000"/>
+            </a:schemeClr>
+          </a:lnRef>
+          <a:fillRef idx="1">
+            <a:schemeClr val="accent1"/>
+          </a:fillRef>
+          <a:effectRef idx="0">
+            <a:schemeClr val="accent1"/>
+          </a:effectRef>
+          <a:fontRef idx="minor">
+            <a:schemeClr val="lt1"/>
+          </a:fontRef>
+        </p:style>
+        <p:txBody>
+          <a:bodyPr lIns="36000" tIns="36000" rIns="36000" bIns="36000" rtlCol="0" anchor="ctr"/>
+          <a:lstStyle/>
+          <a:p>
+            <a:pPr algn="ctr"/>
+            <a:r>
+              <a:rPr lang="en-US" altLang="ko-KR" sz="1600" b="1" dirty="0" smtClean="0">
+                <a:solidFill>
+                  <a:schemeClr val="tx1"/>
+                </a:solidFill>
+              </a:rPr>
+              <a:t>Cloud</a:t>
+            </a:r>
+          </a:p>
+          <a:p>
+            <a:pPr algn="ctr"/>
+            <a:r>
+              <a:rPr lang="en-US" altLang="ko-KR" sz="1600" b="1" dirty="0" smtClean="0">
+                <a:solidFill>
+                  <a:schemeClr val="tx1"/>
+                </a:solidFill>
+              </a:rPr>
+              <a:t>Provider</a:t>
+            </a:r>
+          </a:p>
+          <a:p>
+            <a:pPr algn="ctr"/>
+            <a:r>
+              <a:rPr lang="en-US" altLang="ko-KR" sz="1600" b="1" dirty="0" smtClean="0">
+                <a:solidFill>
+                  <a:schemeClr val="tx1"/>
+                </a:solidFill>
+              </a:rPr>
+              <a:t>API</a:t>
+            </a:r>
+            <a:endParaRPr lang="ko-KR" altLang="en-US" sz="1600" b="1" dirty="0">
+              <a:solidFill>
+                <a:schemeClr val="tx1"/>
+              </a:solidFill>
+            </a:endParaRPr>
+          </a:p>
+        </p:txBody>
+      </p:sp>
+      <p:sp>
+        <p:nvSpPr>
+          <p:cNvPr id="47" name="오른쪽 화살표 46"/>
+          <p:cNvSpPr/>
+          <p:nvPr/>
+        </p:nvSpPr>
+        <p:spPr>
+          <a:xfrm rot="10800000">
+            <a:off x="1469753" y="3196099"/>
+            <a:ext cx="1638000" cy="572981"/>
+          </a:xfrm>
+          <a:prstGeom prst="rightArrow">
+            <a:avLst/>
+          </a:prstGeom>
+          <a:solidFill>
+            <a:schemeClr val="tx2"/>
+          </a:solidFill>
+          <a:ln>
+            <a:noFill/>
+          </a:ln>
+          <a:effectLst>
+            <a:outerShdw blurRad="50800" dist="38100" dir="2700000" algn="tl" rotWithShape="0">
+              <a:prstClr val="black">
+                <a:alpha val="40000"/>
+              </a:prstClr>
+            </a:outerShdw>
+          </a:effectLst>
+        </p:spPr>
+        <p:style>
+          <a:lnRef idx="2">
+            <a:schemeClr val="accent1">
+              <a:shade val="50000"/>
+            </a:schemeClr>
+          </a:lnRef>
+          <a:fillRef idx="1">
+            <a:schemeClr val="accent1"/>
+          </a:fillRef>
+          <a:effectRef idx="0">
+            <a:schemeClr val="accent1"/>
+          </a:effectRef>
+          <a:fontRef idx="minor">
+            <a:schemeClr val="lt1"/>
+          </a:fontRef>
+        </p:style>
+        <p:txBody>
+          <a:bodyPr rtlCol="0" anchor="ctr"/>
+          <a:lstStyle/>
+          <a:p>
+            <a:pPr algn="ctr"/>
+            <a:endParaRPr lang="ko-KR" altLang="en-US"/>
+          </a:p>
+        </p:txBody>
+      </p:sp>
+    </p:spTree>
+    <p:extLst>
+      <p:ext uri="{BB962C8B-B14F-4D97-AF65-F5344CB8AC3E}">
+        <p14:creationId xmlns:p14="http://schemas.microsoft.com/office/powerpoint/2010/main" val="2300739816"/>
+      </p:ext>
+    </p:extLst>
+  </p:cSld>
+  <p:clrMapOvr>
+    <a:masterClrMapping/>
+  </p:clrMapOvr>
+  <p:timing>
+    <p:tnLst>
+      <p:par>
+        <p:cTn id="1" dur="indefinite" restart="never" nodeType="tmRoot"/>
+      </p:par>
+    </p:tnLst>
+  </p:timing>
+</p:sld>
+</file>
+
+<file path=ppt/slides/slide3.xml><?xml version="1.0" encoding="utf-8"?>
+<p:sld xmlns:a="http://schemas.openxmlformats.org/drawingml/2006/main" xmlns:r="http://schemas.openxmlformats.org/officeDocument/2006/relationships" xmlns:p="http://schemas.openxmlformats.org/presentationml/2006/main">
+  <p:cSld>
+    <p:spTree>
+      <p:nvGrpSpPr>
+        <p:cNvPr id="1" name=""/>
+        <p:cNvGrpSpPr/>
+        <p:nvPr/>
+      </p:nvGrpSpPr>
+      <p:grpSpPr>
+        <a:xfrm>
+          <a:off x="0" y="0"/>
+          <a:ext cx="0" cy="0"/>
+          <a:chOff x="0" y="0"/>
+          <a:chExt cx="0" cy="0"/>
+        </a:xfrm>
+      </p:grpSpPr>
+      <p:sp>
+        <p:nvSpPr>
+          <p:cNvPr id="4" name="모서리가 둥근 직사각형 3"/>
+          <p:cNvSpPr/>
+          <p:nvPr/>
+        </p:nvSpPr>
+        <p:spPr>
+          <a:xfrm>
+            <a:off x="1744736" y="1088930"/>
+            <a:ext cx="7201301" cy="4331482"/>
+          </a:xfrm>
+          <a:prstGeom prst="roundRect">
+            <a:avLst/>
+          </a:prstGeom>
+          <a:solidFill>
+            <a:schemeClr val="accent1">
+              <a:lumMod val="75000"/>
+            </a:schemeClr>
+          </a:solidFill>
+          <a:ln>
+            <a:noFill/>
+          </a:ln>
+        </p:spPr>
+        <p:style>
+          <a:lnRef idx="2">
+            <a:schemeClr val="accent1">
+              <a:shade val="50000"/>
+            </a:schemeClr>
+          </a:lnRef>
+          <a:fillRef idx="1">
+            <a:schemeClr val="accent1"/>
+          </a:fillRef>
+          <a:effectRef idx="0">
+            <a:schemeClr val="accent1"/>
+          </a:effectRef>
+          <a:fontRef idx="minor">
+            <a:schemeClr val="lt1"/>
+          </a:fontRef>
+        </p:style>
+        <p:txBody>
+          <a:bodyPr lIns="36000" tIns="36000" rIns="36000" bIns="36000" rtlCol="0" anchor="t"/>
+          <a:lstStyle/>
+          <a:p>
+            <a:pPr algn="ctr"/>
+            <a:r>
+              <a:rPr lang="en-US" altLang="ko-KR" sz="2000" b="1" dirty="0" smtClean="0"/>
+              <a:t>Worker Node</a:t>
+            </a:r>
+            <a:endParaRPr lang="ko-KR" altLang="en-US" sz="2000" b="1" dirty="0"/>
+          </a:p>
+        </p:txBody>
+      </p:sp>
+      <p:sp>
+        <p:nvSpPr>
+          <p:cNvPr id="5" name="모서리가 둥근 직사각형 4"/>
+          <p:cNvSpPr/>
+          <p:nvPr/>
+        </p:nvSpPr>
+        <p:spPr>
+          <a:xfrm>
+            <a:off x="2096762" y="1960333"/>
+            <a:ext cx="1980000" cy="432000"/>
+          </a:xfrm>
+          <a:prstGeom prst="roundRect">
+            <a:avLst/>
+          </a:prstGeom>
+          <a:solidFill>
+            <a:schemeClr val="accent5">
+              <a:lumMod val="40000"/>
+              <a:lumOff val="60000"/>
+            </a:schemeClr>
+          </a:solidFill>
+          <a:ln>
+            <a:noFill/>
+          </a:ln>
+        </p:spPr>
+        <p:style>
+          <a:lnRef idx="2">
+            <a:schemeClr val="accent1">
+              <a:shade val="50000"/>
+            </a:schemeClr>
+          </a:lnRef>
+          <a:fillRef idx="1">
+            <a:schemeClr val="accent1"/>
+          </a:fillRef>
+          <a:effectRef idx="0">
+            <a:schemeClr val="accent1"/>
+          </a:effectRef>
+          <a:fontRef idx="minor">
+            <a:schemeClr val="lt1"/>
+          </a:fontRef>
+        </p:style>
+        <p:txBody>
+          <a:bodyPr lIns="36000" tIns="36000" rIns="36000" bIns="36000" rtlCol="0" anchor="ctr"/>
+          <a:lstStyle/>
+          <a:p>
+            <a:pPr algn="ctr"/>
+            <a:r>
+              <a:rPr lang="en-US" altLang="ko-KR" b="1" dirty="0" err="1" smtClean="0">
+                <a:solidFill>
+                  <a:schemeClr val="tx1"/>
+                </a:solidFill>
+              </a:rPr>
+              <a:t>Kublet</a:t>
+            </a:r>
+            <a:endParaRPr lang="ko-KR" altLang="en-US" b="1" dirty="0">
+              <a:solidFill>
+                <a:schemeClr val="tx1"/>
+              </a:solidFill>
+            </a:endParaRPr>
+          </a:p>
+        </p:txBody>
+      </p:sp>
+      <p:sp>
+        <p:nvSpPr>
+          <p:cNvPr id="6" name="모서리가 둥근 직사각형 5"/>
+          <p:cNvSpPr/>
+          <p:nvPr/>
+        </p:nvSpPr>
+        <p:spPr>
+          <a:xfrm>
+            <a:off x="2096762" y="2648932"/>
+            <a:ext cx="1800000" cy="2566797"/>
+          </a:xfrm>
+          <a:prstGeom prst="roundRect">
+            <a:avLst/>
+          </a:prstGeom>
+          <a:solidFill>
+            <a:srgbClr val="BDD7EE"/>
+          </a:solidFill>
+          <a:ln>
+            <a:noFill/>
+          </a:ln>
+        </p:spPr>
+        <p:style>
+          <a:lnRef idx="2">
+            <a:schemeClr val="accent1">
+              <a:shade val="50000"/>
+            </a:schemeClr>
+          </a:lnRef>
+          <a:fillRef idx="1">
+            <a:schemeClr val="accent1"/>
+          </a:fillRef>
+          <a:effectRef idx="0">
+            <a:schemeClr val="accent1"/>
+          </a:effectRef>
+          <a:fontRef idx="minor">
+            <a:schemeClr val="lt1"/>
+          </a:fontRef>
+        </p:style>
+        <p:txBody>
+          <a:bodyPr lIns="36000" tIns="36000" rIns="36000" bIns="36000" rtlCol="0" anchor="t"/>
+          <a:lstStyle/>
+          <a:p>
+            <a:pPr algn="ctr"/>
+            <a:r>
+              <a:rPr lang="en-US" altLang="ko-KR" b="1" dirty="0" smtClean="0">
+                <a:solidFill>
+                  <a:schemeClr val="tx1"/>
+                </a:solidFill>
+              </a:rPr>
+              <a:t>Pod</a:t>
+            </a:r>
+            <a:endParaRPr lang="ko-KR" altLang="en-US" b="1" dirty="0">
+              <a:solidFill>
+                <a:schemeClr val="tx1"/>
+              </a:solidFill>
+            </a:endParaRPr>
+          </a:p>
+        </p:txBody>
+      </p:sp>
+      <p:sp>
+        <p:nvSpPr>
+          <p:cNvPr id="8" name="모서리가 둥근 직사각형 7"/>
+          <p:cNvSpPr/>
+          <p:nvPr/>
+        </p:nvSpPr>
+        <p:spPr>
+          <a:xfrm>
+            <a:off x="4371887" y="1960333"/>
+            <a:ext cx="1980000" cy="432000"/>
+          </a:xfrm>
+          <a:prstGeom prst="roundRect">
+            <a:avLst/>
+          </a:prstGeom>
+          <a:solidFill>
+            <a:schemeClr val="accent5">
+              <a:lumMod val="40000"/>
+              <a:lumOff val="60000"/>
+            </a:schemeClr>
+          </a:solidFill>
+          <a:ln>
+            <a:noFill/>
+          </a:ln>
+        </p:spPr>
+        <p:style>
+          <a:lnRef idx="2">
+            <a:schemeClr val="accent1">
+              <a:shade val="50000"/>
+            </a:schemeClr>
+          </a:lnRef>
+          <a:fillRef idx="1">
+            <a:schemeClr val="accent1"/>
+          </a:fillRef>
+          <a:effectRef idx="0">
+            <a:schemeClr val="accent1"/>
+          </a:effectRef>
+          <a:fontRef idx="minor">
+            <a:schemeClr val="lt1"/>
+          </a:fontRef>
+        </p:style>
+        <p:txBody>
+          <a:bodyPr lIns="36000" tIns="36000" rIns="36000" bIns="36000" rtlCol="0" anchor="ctr"/>
+          <a:lstStyle/>
+          <a:p>
+            <a:pPr algn="ctr"/>
+            <a:r>
+              <a:rPr lang="en-US" altLang="ko-KR" b="1" dirty="0" smtClean="0">
+                <a:solidFill>
+                  <a:schemeClr val="tx1"/>
+                </a:solidFill>
+              </a:rPr>
+              <a:t>Docker</a:t>
+            </a:r>
+            <a:endParaRPr lang="ko-KR" altLang="en-US" b="1" dirty="0">
+              <a:solidFill>
+                <a:schemeClr val="tx1"/>
+              </a:solidFill>
+            </a:endParaRPr>
+          </a:p>
+        </p:txBody>
+      </p:sp>
+      <p:sp>
+        <p:nvSpPr>
+          <p:cNvPr id="9" name="모서리가 둥근 직사각형 8"/>
+          <p:cNvSpPr/>
+          <p:nvPr/>
+        </p:nvSpPr>
+        <p:spPr>
+          <a:xfrm>
+            <a:off x="6647012" y="1960333"/>
+            <a:ext cx="1980000" cy="432000"/>
+          </a:xfrm>
+          <a:prstGeom prst="roundRect">
+            <a:avLst/>
+          </a:prstGeom>
+          <a:solidFill>
+            <a:schemeClr val="accent5">
+              <a:lumMod val="40000"/>
+              <a:lumOff val="60000"/>
+            </a:schemeClr>
+          </a:solidFill>
+          <a:ln>
+            <a:noFill/>
+          </a:ln>
+        </p:spPr>
+        <p:style>
+          <a:lnRef idx="2">
+            <a:schemeClr val="accent1">
+              <a:shade val="50000"/>
+            </a:schemeClr>
+          </a:lnRef>
+          <a:fillRef idx="1">
+            <a:schemeClr val="accent1"/>
+          </a:fillRef>
+          <a:effectRef idx="0">
+            <a:schemeClr val="accent1"/>
+          </a:effectRef>
+          <a:fontRef idx="minor">
+            <a:schemeClr val="lt1"/>
+          </a:fontRef>
+        </p:style>
+        <p:txBody>
+          <a:bodyPr lIns="36000" tIns="36000" rIns="36000" bIns="36000" rtlCol="0" anchor="ctr"/>
+          <a:lstStyle/>
+          <a:p>
+            <a:pPr algn="ctr"/>
+            <a:r>
+              <a:rPr lang="en-US" altLang="ko-KR" b="1" dirty="0" err="1" smtClean="0">
+                <a:solidFill>
+                  <a:schemeClr val="tx1"/>
+                </a:solidFill>
+              </a:rPr>
+              <a:t>Kube</a:t>
+            </a:r>
+            <a:r>
+              <a:rPr lang="en-US" altLang="ko-KR" b="1" dirty="0" smtClean="0">
+                <a:solidFill>
+                  <a:schemeClr val="tx1"/>
+                </a:solidFill>
+              </a:rPr>
+              <a:t>-proxy</a:t>
+            </a:r>
+            <a:endParaRPr lang="ko-KR" altLang="en-US" b="1" dirty="0">
+              <a:solidFill>
+                <a:schemeClr val="tx1"/>
+              </a:solidFill>
+            </a:endParaRPr>
+          </a:p>
+        </p:txBody>
+      </p:sp>
+      <p:sp>
+        <p:nvSpPr>
+          <p:cNvPr id="10" name="모서리가 둥근 직사각형 9"/>
+          <p:cNvSpPr/>
+          <p:nvPr/>
+        </p:nvSpPr>
+        <p:spPr>
+          <a:xfrm>
+            <a:off x="4461887" y="2648932"/>
+            <a:ext cx="1800000" cy="2566797"/>
+          </a:xfrm>
+          <a:prstGeom prst="roundRect">
+            <a:avLst/>
+          </a:prstGeom>
+          <a:solidFill>
+            <a:srgbClr val="BDD7EE"/>
+          </a:solidFill>
+          <a:ln>
+            <a:noFill/>
+          </a:ln>
+        </p:spPr>
+        <p:style>
+          <a:lnRef idx="2">
+            <a:schemeClr val="accent1">
+              <a:shade val="50000"/>
+            </a:schemeClr>
+          </a:lnRef>
+          <a:fillRef idx="1">
+            <a:schemeClr val="accent1"/>
+          </a:fillRef>
+          <a:effectRef idx="0">
+            <a:schemeClr val="accent1"/>
+          </a:effectRef>
+          <a:fontRef idx="minor">
+            <a:schemeClr val="lt1"/>
+          </a:fontRef>
+        </p:style>
+        <p:txBody>
+          <a:bodyPr lIns="36000" tIns="36000" rIns="36000" bIns="36000" rtlCol="0" anchor="t"/>
+          <a:lstStyle/>
+          <a:p>
+            <a:pPr algn="ctr"/>
+            <a:r>
+              <a:rPr lang="en-US" altLang="ko-KR" b="1" dirty="0" smtClean="0">
+                <a:solidFill>
+                  <a:schemeClr val="tx1"/>
+                </a:solidFill>
+              </a:rPr>
+              <a:t>Pod</a:t>
+            </a:r>
+            <a:endParaRPr lang="ko-KR" altLang="en-US" b="1" dirty="0">
+              <a:solidFill>
+                <a:schemeClr val="tx1"/>
+              </a:solidFill>
+            </a:endParaRPr>
+          </a:p>
+        </p:txBody>
+      </p:sp>
+      <p:sp>
+        <p:nvSpPr>
+          <p:cNvPr id="11" name="모서리가 둥근 직사각형 10"/>
+          <p:cNvSpPr/>
+          <p:nvPr/>
+        </p:nvSpPr>
+        <p:spPr>
+          <a:xfrm>
+            <a:off x="6827012" y="2648932"/>
+            <a:ext cx="1800000" cy="2566797"/>
+          </a:xfrm>
+          <a:prstGeom prst="roundRect">
+            <a:avLst/>
+          </a:prstGeom>
+          <a:solidFill>
+            <a:srgbClr val="BDD7EE"/>
+          </a:solidFill>
+          <a:ln>
+            <a:noFill/>
+          </a:ln>
+        </p:spPr>
+        <p:style>
+          <a:lnRef idx="2">
+            <a:schemeClr val="accent1">
+              <a:shade val="50000"/>
+            </a:schemeClr>
+          </a:lnRef>
+          <a:fillRef idx="1">
+            <a:schemeClr val="accent1"/>
+          </a:fillRef>
+          <a:effectRef idx="0">
+            <a:schemeClr val="accent1"/>
+          </a:effectRef>
+          <a:fontRef idx="minor">
+            <a:schemeClr val="lt1"/>
+          </a:fontRef>
+        </p:style>
+        <p:txBody>
+          <a:bodyPr lIns="36000" tIns="36000" rIns="36000" bIns="36000" rtlCol="0" anchor="t"/>
+          <a:lstStyle/>
+          <a:p>
+            <a:pPr algn="ctr"/>
+            <a:r>
+              <a:rPr lang="en-US" altLang="ko-KR" b="1" dirty="0" smtClean="0">
+                <a:solidFill>
+                  <a:schemeClr val="tx1"/>
+                </a:solidFill>
+              </a:rPr>
+              <a:t>Pod</a:t>
+            </a:r>
+            <a:endParaRPr lang="ko-KR" altLang="en-US" b="1" dirty="0">
+              <a:solidFill>
+                <a:schemeClr val="tx1"/>
+              </a:solidFill>
+            </a:endParaRPr>
+          </a:p>
+        </p:txBody>
+      </p:sp>
+      <p:sp>
+        <p:nvSpPr>
+          <p:cNvPr id="13" name="모서리가 둥근 직사각형 12"/>
+          <p:cNvSpPr/>
+          <p:nvPr/>
+        </p:nvSpPr>
+        <p:spPr>
+          <a:xfrm>
+            <a:off x="2267689" y="3167056"/>
+            <a:ext cx="1458146" cy="431209"/>
+          </a:xfrm>
+          <a:prstGeom prst="roundRect">
+            <a:avLst/>
+          </a:prstGeom>
+          <a:solidFill>
+            <a:schemeClr val="accent1">
+              <a:lumMod val="20000"/>
+              <a:lumOff val="80000"/>
+            </a:schemeClr>
+          </a:solidFill>
+          <a:ln>
+            <a:noFill/>
+          </a:ln>
+        </p:spPr>
+        <p:style>
+          <a:lnRef idx="2">
+            <a:schemeClr val="accent1">
+              <a:shade val="50000"/>
+            </a:schemeClr>
+          </a:lnRef>
+          <a:fillRef idx="1">
+            <a:schemeClr val="accent1"/>
+          </a:fillRef>
+          <a:effectRef idx="0">
+            <a:schemeClr val="accent1"/>
+          </a:effectRef>
+          <a:fontRef idx="minor">
+            <a:schemeClr val="lt1"/>
+          </a:fontRef>
+        </p:style>
+        <p:txBody>
+          <a:bodyPr lIns="36000" tIns="36000" rIns="36000" bIns="36000" rtlCol="0" anchor="ctr"/>
+          <a:lstStyle/>
+          <a:p>
+            <a:pPr algn="ctr"/>
+            <a:r>
+              <a:rPr lang="en-US" altLang="ko-KR" sz="1400" b="1" dirty="0" smtClean="0">
+                <a:solidFill>
+                  <a:schemeClr val="tx1"/>
+                </a:solidFill>
+              </a:rPr>
+              <a:t>Volume</a:t>
+            </a:r>
+            <a:endParaRPr lang="ko-KR" altLang="en-US" sz="1400" b="1" dirty="0">
+              <a:solidFill>
+                <a:schemeClr val="tx1"/>
+              </a:solidFill>
+            </a:endParaRPr>
+          </a:p>
+        </p:txBody>
+      </p:sp>
+      <p:sp>
+        <p:nvSpPr>
+          <p:cNvPr id="14" name="모서리가 둥근 직사각형 13"/>
+          <p:cNvSpPr/>
+          <p:nvPr/>
+        </p:nvSpPr>
+        <p:spPr>
+          <a:xfrm>
+            <a:off x="2267689" y="3841177"/>
+            <a:ext cx="1458146" cy="431209"/>
+          </a:xfrm>
+          <a:prstGeom prst="roundRect">
+            <a:avLst/>
+          </a:prstGeom>
+          <a:solidFill>
+            <a:schemeClr val="accent1">
+              <a:lumMod val="20000"/>
+              <a:lumOff val="80000"/>
+            </a:schemeClr>
+          </a:solidFill>
+          <a:ln>
+            <a:noFill/>
+          </a:ln>
+        </p:spPr>
+        <p:style>
+          <a:lnRef idx="2">
+            <a:schemeClr val="accent1">
+              <a:shade val="50000"/>
+            </a:schemeClr>
+          </a:lnRef>
+          <a:fillRef idx="1">
+            <a:schemeClr val="accent1"/>
+          </a:fillRef>
+          <a:effectRef idx="0">
+            <a:schemeClr val="accent1"/>
+          </a:effectRef>
+          <a:fontRef idx="minor">
+            <a:schemeClr val="lt1"/>
+          </a:fontRef>
+        </p:style>
+        <p:txBody>
+          <a:bodyPr lIns="36000" tIns="36000" rIns="36000" bIns="36000" rtlCol="0" anchor="ctr"/>
+          <a:lstStyle/>
+          <a:p>
+            <a:pPr algn="ctr"/>
+            <a:r>
+              <a:rPr lang="en-US" altLang="ko-KR" sz="1400" b="1" dirty="0" smtClean="0">
+                <a:solidFill>
+                  <a:schemeClr val="tx1"/>
+                </a:solidFill>
+              </a:rPr>
+              <a:t>Container</a:t>
+            </a:r>
+            <a:endParaRPr lang="ko-KR" altLang="en-US" sz="1400" b="1" dirty="0">
+              <a:solidFill>
+                <a:schemeClr val="tx1"/>
+              </a:solidFill>
+            </a:endParaRPr>
+          </a:p>
+        </p:txBody>
+      </p:sp>
+      <p:sp>
+        <p:nvSpPr>
+          <p:cNvPr id="15" name="모서리가 둥근 직사각형 14"/>
+          <p:cNvSpPr/>
+          <p:nvPr/>
+        </p:nvSpPr>
+        <p:spPr>
+          <a:xfrm>
+            <a:off x="2267689" y="4515297"/>
+            <a:ext cx="1458146" cy="431209"/>
+          </a:xfrm>
+          <a:prstGeom prst="roundRect">
+            <a:avLst/>
+          </a:prstGeom>
+          <a:solidFill>
+            <a:schemeClr val="accent1">
+              <a:lumMod val="20000"/>
+              <a:lumOff val="80000"/>
+            </a:schemeClr>
+          </a:solidFill>
+          <a:ln>
+            <a:noFill/>
+          </a:ln>
+        </p:spPr>
+        <p:style>
+          <a:lnRef idx="2">
+            <a:schemeClr val="accent1">
+              <a:shade val="50000"/>
+            </a:schemeClr>
+          </a:lnRef>
+          <a:fillRef idx="1">
+            <a:schemeClr val="accent1"/>
+          </a:fillRef>
+          <a:effectRef idx="0">
+            <a:schemeClr val="accent1"/>
+          </a:effectRef>
+          <a:fontRef idx="minor">
+            <a:schemeClr val="lt1"/>
+          </a:fontRef>
+        </p:style>
+        <p:txBody>
+          <a:bodyPr lIns="36000" tIns="36000" rIns="36000" bIns="36000" rtlCol="0" anchor="ctr"/>
+          <a:lstStyle/>
+          <a:p>
+            <a:pPr algn="ctr"/>
+            <a:r>
+              <a:rPr lang="en-US" altLang="ko-KR" sz="1400" b="1" dirty="0" smtClean="0">
+                <a:solidFill>
+                  <a:schemeClr val="tx1"/>
+                </a:solidFill>
+              </a:rPr>
+              <a:t>Container</a:t>
+            </a:r>
+            <a:endParaRPr lang="ko-KR" altLang="en-US" sz="1400" b="1" dirty="0">
+              <a:solidFill>
+                <a:schemeClr val="tx1"/>
+              </a:solidFill>
+            </a:endParaRPr>
+          </a:p>
+        </p:txBody>
+      </p:sp>
+      <p:sp>
+        <p:nvSpPr>
+          <p:cNvPr id="16" name="모서리가 둥근 직사각형 15"/>
+          <p:cNvSpPr/>
+          <p:nvPr/>
+        </p:nvSpPr>
+        <p:spPr>
+          <a:xfrm>
+            <a:off x="4632814" y="3167056"/>
+            <a:ext cx="1458146" cy="431209"/>
+          </a:xfrm>
+          <a:prstGeom prst="roundRect">
+            <a:avLst/>
+          </a:prstGeom>
+          <a:solidFill>
+            <a:schemeClr val="accent1">
+              <a:lumMod val="20000"/>
+              <a:lumOff val="80000"/>
+            </a:schemeClr>
+          </a:solidFill>
+          <a:ln>
+            <a:noFill/>
+          </a:ln>
+        </p:spPr>
+        <p:style>
+          <a:lnRef idx="2">
+            <a:schemeClr val="accent1">
+              <a:shade val="50000"/>
+            </a:schemeClr>
+          </a:lnRef>
+          <a:fillRef idx="1">
+            <a:schemeClr val="accent1"/>
+          </a:fillRef>
+          <a:effectRef idx="0">
+            <a:schemeClr val="accent1"/>
+          </a:effectRef>
+          <a:fontRef idx="minor">
+            <a:schemeClr val="lt1"/>
+          </a:fontRef>
+        </p:style>
+        <p:txBody>
+          <a:bodyPr lIns="36000" tIns="36000" rIns="36000" bIns="36000" rtlCol="0" anchor="ctr"/>
+          <a:lstStyle/>
+          <a:p>
+            <a:pPr algn="ctr"/>
+            <a:r>
+              <a:rPr lang="en-US" altLang="ko-KR" sz="1400" b="1" dirty="0" smtClean="0">
+                <a:solidFill>
+                  <a:schemeClr val="tx1"/>
+                </a:solidFill>
+              </a:rPr>
+              <a:t>Volume</a:t>
+            </a:r>
+            <a:endParaRPr lang="ko-KR" altLang="en-US" sz="1400" b="1" dirty="0">
+              <a:solidFill>
+                <a:schemeClr val="tx1"/>
+              </a:solidFill>
+            </a:endParaRPr>
+          </a:p>
+        </p:txBody>
+      </p:sp>
+      <p:sp>
+        <p:nvSpPr>
+          <p:cNvPr id="17" name="모서리가 둥근 직사각형 16"/>
+          <p:cNvSpPr/>
+          <p:nvPr/>
+        </p:nvSpPr>
+        <p:spPr>
+          <a:xfrm>
+            <a:off x="4632814" y="3841177"/>
+            <a:ext cx="1458146" cy="431209"/>
+          </a:xfrm>
+          <a:prstGeom prst="roundRect">
+            <a:avLst/>
+          </a:prstGeom>
+          <a:solidFill>
+            <a:schemeClr val="accent1">
+              <a:lumMod val="20000"/>
+              <a:lumOff val="80000"/>
+            </a:schemeClr>
+          </a:solidFill>
+          <a:ln>
+            <a:noFill/>
+          </a:ln>
+        </p:spPr>
+        <p:style>
+          <a:lnRef idx="2">
+            <a:schemeClr val="accent1">
+              <a:shade val="50000"/>
+            </a:schemeClr>
+          </a:lnRef>
+          <a:fillRef idx="1">
+            <a:schemeClr val="accent1"/>
+          </a:fillRef>
+          <a:effectRef idx="0">
+            <a:schemeClr val="accent1"/>
+          </a:effectRef>
+          <a:fontRef idx="minor">
+            <a:schemeClr val="lt1"/>
+          </a:fontRef>
+        </p:style>
+        <p:txBody>
+          <a:bodyPr lIns="36000" tIns="36000" rIns="36000" bIns="36000" rtlCol="0" anchor="ctr"/>
+          <a:lstStyle/>
+          <a:p>
+            <a:pPr algn="ctr"/>
+            <a:r>
+              <a:rPr lang="en-US" altLang="ko-KR" sz="1400" b="1" dirty="0" smtClean="0">
+                <a:solidFill>
+                  <a:schemeClr val="tx1"/>
+                </a:solidFill>
+              </a:rPr>
+              <a:t>Container</a:t>
+            </a:r>
+            <a:endParaRPr lang="ko-KR" altLang="en-US" sz="1400" b="1" dirty="0">
+              <a:solidFill>
+                <a:schemeClr val="tx1"/>
+              </a:solidFill>
+            </a:endParaRPr>
+          </a:p>
+        </p:txBody>
+      </p:sp>
+      <p:sp>
+        <p:nvSpPr>
+          <p:cNvPr id="18" name="모서리가 둥근 직사각형 17"/>
+          <p:cNvSpPr/>
+          <p:nvPr/>
+        </p:nvSpPr>
+        <p:spPr>
+          <a:xfrm>
+            <a:off x="4632814" y="4515297"/>
+            <a:ext cx="1458146" cy="431209"/>
+          </a:xfrm>
+          <a:prstGeom prst="roundRect">
+            <a:avLst/>
+          </a:prstGeom>
+          <a:solidFill>
+            <a:schemeClr val="accent1">
+              <a:lumMod val="20000"/>
+              <a:lumOff val="80000"/>
+            </a:schemeClr>
+          </a:solidFill>
+          <a:ln>
+            <a:noFill/>
+          </a:ln>
+        </p:spPr>
+        <p:style>
+          <a:lnRef idx="2">
+            <a:schemeClr val="accent1">
+              <a:shade val="50000"/>
+            </a:schemeClr>
+          </a:lnRef>
+          <a:fillRef idx="1">
+            <a:schemeClr val="accent1"/>
+          </a:fillRef>
+          <a:effectRef idx="0">
+            <a:schemeClr val="accent1"/>
+          </a:effectRef>
+          <a:fontRef idx="minor">
+            <a:schemeClr val="lt1"/>
+          </a:fontRef>
+        </p:style>
+        <p:txBody>
+          <a:bodyPr lIns="36000" tIns="36000" rIns="36000" bIns="36000" rtlCol="0" anchor="ctr"/>
+          <a:lstStyle/>
+          <a:p>
+            <a:pPr algn="ctr"/>
+            <a:r>
+              <a:rPr lang="en-US" altLang="ko-KR" sz="1400" b="1" dirty="0" smtClean="0">
+                <a:solidFill>
+                  <a:schemeClr val="tx1"/>
+                </a:solidFill>
+              </a:rPr>
+              <a:t>Container</a:t>
+            </a:r>
+            <a:endParaRPr lang="ko-KR" altLang="en-US" sz="1400" b="1" dirty="0">
+              <a:solidFill>
+                <a:schemeClr val="tx1"/>
+              </a:solidFill>
+            </a:endParaRPr>
+          </a:p>
+        </p:txBody>
+      </p:sp>
+      <p:sp>
+        <p:nvSpPr>
+          <p:cNvPr id="19" name="모서리가 둥근 직사각형 18"/>
+          <p:cNvSpPr/>
+          <p:nvPr/>
+        </p:nvSpPr>
+        <p:spPr>
+          <a:xfrm>
+            <a:off x="6997939" y="3167056"/>
+            <a:ext cx="1458146" cy="431209"/>
+          </a:xfrm>
+          <a:prstGeom prst="roundRect">
+            <a:avLst/>
+          </a:prstGeom>
+          <a:solidFill>
+            <a:schemeClr val="accent1">
+              <a:lumMod val="20000"/>
+              <a:lumOff val="80000"/>
+            </a:schemeClr>
+          </a:solidFill>
+          <a:ln>
+            <a:noFill/>
+          </a:ln>
+        </p:spPr>
+        <p:style>
+          <a:lnRef idx="2">
+            <a:schemeClr val="accent1">
+              <a:shade val="50000"/>
+            </a:schemeClr>
+          </a:lnRef>
+          <a:fillRef idx="1">
+            <a:schemeClr val="accent1"/>
+          </a:fillRef>
+          <a:effectRef idx="0">
+            <a:schemeClr val="accent1"/>
+          </a:effectRef>
+          <a:fontRef idx="minor">
+            <a:schemeClr val="lt1"/>
+          </a:fontRef>
+        </p:style>
+        <p:txBody>
+          <a:bodyPr lIns="36000" tIns="36000" rIns="36000" bIns="36000" rtlCol="0" anchor="ctr"/>
+          <a:lstStyle/>
+          <a:p>
+            <a:pPr algn="ctr"/>
+            <a:r>
+              <a:rPr lang="en-US" altLang="ko-KR" sz="1400" b="1" dirty="0" smtClean="0">
+                <a:solidFill>
+                  <a:schemeClr val="tx1"/>
+                </a:solidFill>
+              </a:rPr>
+              <a:t>Volume</a:t>
+            </a:r>
+            <a:endParaRPr lang="ko-KR" altLang="en-US" sz="1400" b="1" dirty="0">
+              <a:solidFill>
+                <a:schemeClr val="tx1"/>
+              </a:solidFill>
+            </a:endParaRPr>
+          </a:p>
+        </p:txBody>
+      </p:sp>
+      <p:sp>
+        <p:nvSpPr>
+          <p:cNvPr id="20" name="모서리가 둥근 직사각형 19"/>
+          <p:cNvSpPr/>
+          <p:nvPr/>
+        </p:nvSpPr>
+        <p:spPr>
+          <a:xfrm>
+            <a:off x="6997939" y="3841177"/>
+            <a:ext cx="1458146" cy="431209"/>
+          </a:xfrm>
+          <a:prstGeom prst="roundRect">
+            <a:avLst/>
+          </a:prstGeom>
+          <a:solidFill>
+            <a:schemeClr val="accent1">
+              <a:lumMod val="20000"/>
+              <a:lumOff val="80000"/>
+            </a:schemeClr>
+          </a:solidFill>
+          <a:ln>
+            <a:noFill/>
+          </a:ln>
+        </p:spPr>
+        <p:style>
+          <a:lnRef idx="2">
+            <a:schemeClr val="accent1">
+              <a:shade val="50000"/>
+            </a:schemeClr>
+          </a:lnRef>
+          <a:fillRef idx="1">
+            <a:schemeClr val="accent1"/>
+          </a:fillRef>
+          <a:effectRef idx="0">
+            <a:schemeClr val="accent1"/>
+          </a:effectRef>
+          <a:fontRef idx="minor">
+            <a:schemeClr val="lt1"/>
+          </a:fontRef>
+        </p:style>
+        <p:txBody>
+          <a:bodyPr lIns="36000" tIns="36000" rIns="36000" bIns="36000" rtlCol="0" anchor="ctr"/>
+          <a:lstStyle/>
+          <a:p>
+            <a:pPr algn="ctr"/>
+            <a:r>
+              <a:rPr lang="en-US" altLang="ko-KR" sz="1400" b="1" dirty="0" smtClean="0">
+                <a:solidFill>
+                  <a:schemeClr val="tx1"/>
+                </a:solidFill>
+              </a:rPr>
+              <a:t>Container</a:t>
+            </a:r>
+            <a:endParaRPr lang="ko-KR" altLang="en-US" sz="1400" b="1" dirty="0">
+              <a:solidFill>
+                <a:schemeClr val="tx1"/>
+              </a:solidFill>
+            </a:endParaRPr>
+          </a:p>
+        </p:txBody>
+      </p:sp>
+      <p:sp>
+        <p:nvSpPr>
+          <p:cNvPr id="21" name="모서리가 둥근 직사각형 20"/>
+          <p:cNvSpPr/>
+          <p:nvPr/>
+        </p:nvSpPr>
+        <p:spPr>
+          <a:xfrm>
+            <a:off x="6997939" y="4515297"/>
+            <a:ext cx="1458146" cy="431209"/>
+          </a:xfrm>
+          <a:prstGeom prst="roundRect">
+            <a:avLst/>
+          </a:prstGeom>
+          <a:solidFill>
+            <a:schemeClr val="accent1">
+              <a:lumMod val="20000"/>
+              <a:lumOff val="80000"/>
+            </a:schemeClr>
+          </a:solidFill>
+          <a:ln>
+            <a:noFill/>
+          </a:ln>
+        </p:spPr>
+        <p:style>
+          <a:lnRef idx="2">
+            <a:schemeClr val="accent1">
+              <a:shade val="50000"/>
+            </a:schemeClr>
+          </a:lnRef>
+          <a:fillRef idx="1">
+            <a:schemeClr val="accent1"/>
+          </a:fillRef>
+          <a:effectRef idx="0">
+            <a:schemeClr val="accent1"/>
+          </a:effectRef>
+          <a:fontRef idx="minor">
+            <a:schemeClr val="lt1"/>
+          </a:fontRef>
+        </p:style>
+        <p:txBody>
+          <a:bodyPr lIns="36000" tIns="36000" rIns="36000" bIns="36000" rtlCol="0" anchor="ctr"/>
+          <a:lstStyle/>
+          <a:p>
+            <a:pPr algn="ctr"/>
+            <a:r>
+              <a:rPr lang="en-US" altLang="ko-KR" sz="1400" b="1" dirty="0" smtClean="0">
+                <a:solidFill>
+                  <a:schemeClr val="tx1"/>
+                </a:solidFill>
+              </a:rPr>
+              <a:t>Container</a:t>
+            </a:r>
+            <a:endParaRPr lang="ko-KR" altLang="en-US" sz="1400" b="1" dirty="0">
+              <a:solidFill>
+                <a:schemeClr val="tx1"/>
+              </a:solidFill>
+            </a:endParaRPr>
+          </a:p>
+        </p:txBody>
+      </p:sp>
+      <p:pic>
+        <p:nvPicPr>
+          <p:cNvPr id="7" name="그림 6"/>
+          <p:cNvPicPr>
+            <a:picLocks noChangeAspect="1"/>
+          </p:cNvPicPr>
+          <p:nvPr/>
+        </p:nvPicPr>
+        <p:blipFill>
+          <a:blip r:embed="rId3"/>
+          <a:stretch>
+            <a:fillRect/>
+          </a:stretch>
+        </p:blipFill>
+        <p:spPr>
+          <a:xfrm>
+            <a:off x="2140968" y="3692755"/>
+            <a:ext cx="452100" cy="324218"/>
+          </a:xfrm>
+          <a:prstGeom prst="rect">
+            <a:avLst/>
+          </a:prstGeom>
+        </p:spPr>
+      </p:pic>
+      <p:pic>
+        <p:nvPicPr>
+          <p:cNvPr id="22" name="그림 21"/>
+          <p:cNvPicPr>
+            <a:picLocks noChangeAspect="1"/>
+          </p:cNvPicPr>
+          <p:nvPr/>
+        </p:nvPicPr>
+        <p:blipFill>
+          <a:blip r:embed="rId3"/>
+          <a:stretch>
+            <a:fillRect/>
+          </a:stretch>
+        </p:blipFill>
+        <p:spPr>
+          <a:xfrm>
+            <a:off x="2140968" y="4353188"/>
+            <a:ext cx="452100" cy="324218"/>
+          </a:xfrm>
+          <a:prstGeom prst="rect">
+            <a:avLst/>
+          </a:prstGeom>
+        </p:spPr>
+      </p:pic>
+      <p:pic>
+        <p:nvPicPr>
+          <p:cNvPr id="23" name="그림 22"/>
+          <p:cNvPicPr>
+            <a:picLocks noChangeAspect="1"/>
+          </p:cNvPicPr>
+          <p:nvPr/>
+        </p:nvPicPr>
+        <p:blipFill>
+          <a:blip r:embed="rId3"/>
+          <a:stretch>
+            <a:fillRect/>
+          </a:stretch>
+        </p:blipFill>
+        <p:spPr>
+          <a:xfrm>
+            <a:off x="4500485" y="3692755"/>
+            <a:ext cx="452100" cy="324218"/>
+          </a:xfrm>
+          <a:prstGeom prst="rect">
+            <a:avLst/>
+          </a:prstGeom>
+        </p:spPr>
+      </p:pic>
+      <p:pic>
+        <p:nvPicPr>
+          <p:cNvPr id="24" name="그림 23"/>
+          <p:cNvPicPr>
+            <a:picLocks noChangeAspect="1"/>
+          </p:cNvPicPr>
+          <p:nvPr/>
+        </p:nvPicPr>
+        <p:blipFill>
+          <a:blip r:embed="rId3"/>
+          <a:stretch>
+            <a:fillRect/>
+          </a:stretch>
+        </p:blipFill>
+        <p:spPr>
+          <a:xfrm>
+            <a:off x="4500485" y="4353188"/>
+            <a:ext cx="452100" cy="324218"/>
+          </a:xfrm>
+          <a:prstGeom prst="rect">
+            <a:avLst/>
+          </a:prstGeom>
+        </p:spPr>
+      </p:pic>
+      <p:pic>
+        <p:nvPicPr>
+          <p:cNvPr id="25" name="그림 24"/>
+          <p:cNvPicPr>
+            <a:picLocks noChangeAspect="1"/>
+          </p:cNvPicPr>
+          <p:nvPr/>
+        </p:nvPicPr>
+        <p:blipFill>
+          <a:blip r:embed="rId3"/>
+          <a:stretch>
+            <a:fillRect/>
+          </a:stretch>
+        </p:blipFill>
+        <p:spPr>
+          <a:xfrm>
+            <a:off x="6876039" y="3692755"/>
+            <a:ext cx="452100" cy="324218"/>
+          </a:xfrm>
+          <a:prstGeom prst="rect">
+            <a:avLst/>
+          </a:prstGeom>
+        </p:spPr>
+      </p:pic>
+      <p:pic>
+        <p:nvPicPr>
+          <p:cNvPr id="26" name="그림 25"/>
+          <p:cNvPicPr>
+            <a:picLocks noChangeAspect="1"/>
+          </p:cNvPicPr>
+          <p:nvPr/>
+        </p:nvPicPr>
+        <p:blipFill>
+          <a:blip r:embed="rId3"/>
+          <a:stretch>
+            <a:fillRect/>
+          </a:stretch>
+        </p:blipFill>
+        <p:spPr>
+          <a:xfrm>
+            <a:off x="6876039" y="4353188"/>
+            <a:ext cx="452100" cy="324218"/>
+          </a:xfrm>
+          <a:prstGeom prst="rect">
+            <a:avLst/>
+          </a:prstGeom>
+        </p:spPr>
+      </p:pic>
+    </p:spTree>
+    <p:extLst>
+      <p:ext uri="{BB962C8B-B14F-4D97-AF65-F5344CB8AC3E}">
+        <p14:creationId xmlns:p14="http://schemas.microsoft.com/office/powerpoint/2010/main" val="4131734532"/>
+      </p:ext>
+    </p:extLst>
+  </p:cSld>
+  <p:clrMapOvr>
+    <a:masterClrMapping/>
+  </p:clrMapOvr>
+  <p:timing>
+    <p:tnLst>
+      <p:par>
+        <p:cTn id="1" dur="indefinite" restart="never" nodeType="tmRoot"/>
+      </p:par>
+    </p:tnLst>
+  </p:timing>
 </p:sld>
 </file>
 
@@ -5565,4 +8462,265 @@
     </a:ext>
   </a:extLst>
 </a:theme>
+</file>
+
+<file path=ppt/theme/theme2.xml><?xml version="1.0" encoding="utf-8"?>
+<a:theme xmlns:a="http://schemas.openxmlformats.org/drawingml/2006/main" name="Office 테마">
+  <a:themeElements>
+    <a:clrScheme name="Office">
+      <a:dk1>
+        <a:sysClr val="windowText" lastClr="000000"/>
+      </a:dk1>
+      <a:lt1>
+        <a:sysClr val="window" lastClr="FFFFFF"/>
+      </a:lt1>
+      <a:dk2>
+        <a:srgbClr val="44546A"/>
+      </a:dk2>
+      <a:lt2>
+        <a:srgbClr val="E7E6E6"/>
+      </a:lt2>
+      <a:accent1>
+        <a:srgbClr val="5B9BD5"/>
+      </a:accent1>
+      <a:accent2>
+        <a:srgbClr val="ED7D31"/>
+      </a:accent2>
+      <a:accent3>
+        <a:srgbClr val="A5A5A5"/>
+      </a:accent3>
+      <a:accent4>
+        <a:srgbClr val="FFC000"/>
+      </a:accent4>
+      <a:accent5>
+        <a:srgbClr val="4472C4"/>
+      </a:accent5>
+      <a:accent6>
+        <a:srgbClr val="70AD47"/>
+      </a:accent6>
+      <a:hlink>
+        <a:srgbClr val="0563C1"/>
+      </a:hlink>
+      <a:folHlink>
+        <a:srgbClr val="954F72"/>
+      </a:folHlink>
+    </a:clrScheme>
+    <a:fontScheme name="Office">
+      <a:majorFont>
+        <a:latin typeface="맑은 고딕" panose="020F0302020204030204"/>
+        <a:ea typeface=""/>
+        <a:cs typeface=""/>
+        <a:font script="Jpan" typeface="游ゴシック Light"/>
+        <a:font script="Hang" typeface="맑은 고딕"/>
+        <a:font script="Hans" typeface="等线 Light"/>
+        <a:font script="Hant" typeface="新細明體"/>
+        <a:font script="Arab" typeface="Times New Roman"/>
+        <a:font script="Hebr" typeface="Times New Roman"/>
+        <a:font script="Thai" typeface="Angsana New"/>
+        <a:font script="Ethi" typeface="Nyala"/>
+        <a:font script="Beng" typeface="Vrinda"/>
+        <a:font script="Gujr" typeface="Shruti"/>
+        <a:font script="Khmr" typeface="MoolBoran"/>
+        <a:font script="Knda" typeface="Tunga"/>
+        <a:font script="Guru" typeface="Raavi"/>
+        <a:font script="Cans" typeface="Euphemia"/>
+        <a:font script="Cher" typeface="Plantagenet Cherokee"/>
+        <a:font script="Yiii" typeface="Microsoft Yi Baiti"/>
+        <a:font script="Tibt" typeface="Microsoft Himalaya"/>
+        <a:font script="Thaa" typeface="MV Boli"/>
+        <a:font script="Deva" typeface="Mangal"/>
+        <a:font script="Telu" typeface="Gautami"/>
+        <a:font script="Taml" typeface="Latha"/>
+        <a:font script="Syrc" typeface="Estrangelo Edessa"/>
+        <a:font script="Orya" typeface="Kalinga"/>
+        <a:font script="Mlym" typeface="Kartika"/>
+        <a:font script="Laoo" typeface="DokChampa"/>
+        <a:font script="Sinh" typeface="Iskoola Pota"/>
+        <a:font script="Mong" typeface="Mongolian Baiti"/>
+        <a:font script="Viet" typeface="Times New Roman"/>
+        <a:font script="Uigh" typeface="Microsoft Uighur"/>
+        <a:font script="Geor" typeface="Sylfaen"/>
+      </a:majorFont>
+      <a:minorFont>
+        <a:latin typeface="맑은 고딕" panose="020F0502020204030204"/>
+        <a:ea typeface=""/>
+        <a:cs typeface=""/>
+        <a:font script="Jpan" typeface="游ゴシック"/>
+        <a:font script="Hang" typeface="맑은 고딕"/>
+        <a:font script="Hans" typeface="等线"/>
+        <a:font script="Hant" typeface="新細明體"/>
+        <a:font script="Arab" typeface="Arial"/>
+        <a:font script="Hebr" typeface="Arial"/>
+        <a:font script="Thai" typeface="Cordia New"/>
+        <a:font script="Ethi" typeface="Nyala"/>
+        <a:font script="Beng" typeface="Vrinda"/>
+        <a:font script="Gujr" typeface="Shruti"/>
+        <a:font script="Khmr" typeface="DaunPenh"/>
+        <a:font script="Knda" typeface="Tunga"/>
+        <a:font script="Guru" typeface="Raavi"/>
+        <a:font script="Cans" typeface="Euphemia"/>
+        <a:font script="Cher" typeface="Plantagenet Cherokee"/>
+        <a:font script="Yiii" typeface="Microsoft Yi Baiti"/>
+        <a:font script="Tibt" typeface="Microsoft Himalaya"/>
+        <a:font script="Thaa" typeface="MV Boli"/>
+        <a:font script="Deva" typeface="Mangal"/>
+        <a:font script="Telu" typeface="Gautami"/>
+        <a:font script="Taml" typeface="Latha"/>
+        <a:font script="Syrc" typeface="Estrangelo Edessa"/>
+        <a:font script="Orya" typeface="Kalinga"/>
+        <a:font script="Mlym" typeface="Kartika"/>
+        <a:font script="Laoo" typeface="DokChampa"/>
+        <a:font script="Sinh" typeface="Iskoola Pota"/>
+        <a:font script="Mong" typeface="Mongolian Baiti"/>
+        <a:font script="Viet" typeface="Arial"/>
+        <a:font script="Uigh" typeface="Microsoft Uighur"/>
+        <a:font script="Geor" typeface="Sylfaen"/>
+      </a:minorFont>
+    </a:fontScheme>
+    <a:fmtScheme name="Office">
+      <a:fillStyleLst>
+        <a:solidFill>
+          <a:schemeClr val="phClr"/>
+        </a:solidFill>
+        <a:gradFill rotWithShape="1">
+          <a:gsLst>
+            <a:gs pos="0">
+              <a:schemeClr val="phClr">
+                <a:lumMod val="110000"/>
+                <a:satMod val="105000"/>
+                <a:tint val="67000"/>
+              </a:schemeClr>
+            </a:gs>
+            <a:gs pos="50000">
+              <a:schemeClr val="phClr">
+                <a:lumMod val="105000"/>
+                <a:satMod val="103000"/>
+                <a:tint val="73000"/>
+              </a:schemeClr>
+            </a:gs>
+            <a:gs pos="100000">
+              <a:schemeClr val="phClr">
+                <a:lumMod val="105000"/>
+                <a:satMod val="109000"/>
+                <a:tint val="81000"/>
+              </a:schemeClr>
+            </a:gs>
+          </a:gsLst>
+          <a:lin ang="5400000" scaled="0"/>
+        </a:gradFill>
+        <a:gradFill rotWithShape="1">
+          <a:gsLst>
+            <a:gs pos="0">
+              <a:schemeClr val="phClr">
+                <a:satMod val="103000"/>
+                <a:lumMod val="102000"/>
+                <a:tint val="94000"/>
+              </a:schemeClr>
+            </a:gs>
+            <a:gs pos="50000">
+              <a:schemeClr val="phClr">
+                <a:satMod val="110000"/>
+                <a:lumMod val="100000"/>
+                <a:shade val="100000"/>
+              </a:schemeClr>
+            </a:gs>
+            <a:gs pos="100000">
+              <a:schemeClr val="phClr">
+                <a:lumMod val="99000"/>
+                <a:satMod val="120000"/>
+                <a:shade val="78000"/>
+              </a:schemeClr>
+            </a:gs>
+          </a:gsLst>
+          <a:lin ang="5400000" scaled="0"/>
+        </a:gradFill>
+      </a:fillStyleLst>
+      <a:lnStyleLst>
+        <a:ln w="6350" cap="flat" cmpd="sng" algn="ctr">
+          <a:solidFill>
+            <a:schemeClr val="phClr"/>
+          </a:solidFill>
+          <a:prstDash val="solid"/>
+          <a:miter lim="800000"/>
+        </a:ln>
+        <a:ln w="12700" cap="flat" cmpd="sng" algn="ctr">
+          <a:solidFill>
+            <a:schemeClr val="phClr"/>
+          </a:solidFill>
+          <a:prstDash val="solid"/>
+          <a:miter lim="800000"/>
+        </a:ln>
+        <a:ln w="19050" cap="flat" cmpd="sng" algn="ctr">
+          <a:solidFill>
+            <a:schemeClr val="phClr"/>
+          </a:solidFill>
+          <a:prstDash val="solid"/>
+          <a:miter lim="800000"/>
+        </a:ln>
+      </a:lnStyleLst>
+      <a:effectStyleLst>
+        <a:effectStyle>
+          <a:effectLst/>
+        </a:effectStyle>
+        <a:effectStyle>
+          <a:effectLst/>
+        </a:effectStyle>
+        <a:effectStyle>
+          <a:effectLst>
+            <a:outerShdw blurRad="57150" dist="19050" dir="5400000" algn="ctr" rotWithShape="0">
+              <a:srgbClr val="000000">
+                <a:alpha val="63000"/>
+              </a:srgbClr>
+            </a:outerShdw>
+          </a:effectLst>
+        </a:effectStyle>
+      </a:effectStyleLst>
+      <a:bgFillStyleLst>
+        <a:solidFill>
+          <a:schemeClr val="phClr"/>
+        </a:solidFill>
+        <a:solidFill>
+          <a:schemeClr val="phClr">
+            <a:tint val="95000"/>
+            <a:satMod val="170000"/>
+          </a:schemeClr>
+        </a:solidFill>
+        <a:gradFill rotWithShape="1">
+          <a:gsLst>
+            <a:gs pos="0">
+              <a:schemeClr val="phClr">
+                <a:tint val="93000"/>
+                <a:satMod val="150000"/>
+                <a:shade val="98000"/>
+                <a:lumMod val="102000"/>
+              </a:schemeClr>
+            </a:gs>
+            <a:gs pos="50000">
+              <a:schemeClr val="phClr">
+                <a:tint val="98000"/>
+                <a:satMod val="130000"/>
+                <a:shade val="90000"/>
+                <a:lumMod val="103000"/>
+              </a:schemeClr>
+            </a:gs>
+            <a:gs pos="100000">
+              <a:schemeClr val="phClr">
+                <a:shade val="63000"/>
+                <a:satMod val="120000"/>
+              </a:schemeClr>
+            </a:gs>
+          </a:gsLst>
+          <a:lin ang="5400000" scaled="0"/>
+        </a:gradFill>
+      </a:bgFillStyleLst>
+    </a:fmtScheme>
+  </a:themeElements>
+  <a:objectDefaults/>
+  <a:extraClrSchemeLst/>
+  <a:extLst>
+    <a:ext uri="{05A4C25C-085E-4340-85A3-A5531E510DB2}">
+      <thm15:themeFamily xmlns:thm15="http://schemas.microsoft.com/office/thememl/2012/main" name="Office Theme" id="{62F939B6-93AF-4DB8-9C6B-D6C7DFDC589F}" vid="{4A3C46E8-61CC-4603-A589-7422A47A8E4A}"/>
+    </a:ext>
+  </a:extLst>
+</a:theme>
 </file>
--- a/markdown_image.pptx
+++ b/markdown_image.pptx
@@ -5,12 +5,13 @@
     <p:sldMasterId id="2147483648" r:id="rId1"/>
   </p:sldMasterIdLst>
   <p:notesMasterIdLst>
-    <p:notesMasterId r:id="rId5"/>
+    <p:notesMasterId r:id="rId6"/>
   </p:notesMasterIdLst>
   <p:sldIdLst>
     <p:sldId id="256" r:id="rId2"/>
     <p:sldId id="258" r:id="rId3"/>
     <p:sldId id="259" r:id="rId4"/>
+    <p:sldId id="260" r:id="rId5"/>
   </p:sldIdLst>
   <p:sldSz cx="12192000" cy="6858000"/>
   <p:notesSz cx="6858000" cy="9144000"/>
@@ -199,7 +200,7 @@
           <a:p>
             <a:fld id="{06073691-9509-499D-804B-789F8428B2A1}" type="datetimeFigureOut">
               <a:rPr lang="ko-KR" altLang="en-US" smtClean="0"/>
-              <a:t>2022-09-24</a:t>
+              <a:t>2022-10-22</a:t>
             </a:fld>
             <a:endParaRPr lang="ko-KR" altLang="en-US"/>
           </a:p>
@@ -551,6 +552,90 @@
 </p:notes>
 </file>
 
+<file path=ppt/notesSlides/notesSlide2.xml><?xml version="1.0" encoding="utf-8"?>
+<p:notes xmlns:a="http://schemas.openxmlformats.org/drawingml/2006/main" xmlns:r="http://schemas.openxmlformats.org/officeDocument/2006/relationships" xmlns:p="http://schemas.openxmlformats.org/presentationml/2006/main">
+  <p:cSld>
+    <p:spTree>
+      <p:nvGrpSpPr>
+        <p:cNvPr id="1" name=""/>
+        <p:cNvGrpSpPr/>
+        <p:nvPr/>
+      </p:nvGrpSpPr>
+      <p:grpSpPr>
+        <a:xfrm>
+          <a:off x="0" y="0"/>
+          <a:ext cx="0" cy="0"/>
+          <a:chOff x="0" y="0"/>
+          <a:chExt cx="0" cy="0"/>
+        </a:xfrm>
+      </p:grpSpPr>
+      <p:sp>
+        <p:nvSpPr>
+          <p:cNvPr id="2" name="슬라이드 이미지 개체 틀 1"/>
+          <p:cNvSpPr>
+            <a:spLocks noGrp="1" noRot="1" noChangeAspect="1"/>
+          </p:cNvSpPr>
+          <p:nvPr>
+            <p:ph type="sldImg"/>
+          </p:nvPr>
+        </p:nvSpPr>
+        <p:spPr/>
+      </p:sp>
+      <p:sp>
+        <p:nvSpPr>
+          <p:cNvPr id="3" name="슬라이드 노트 개체 틀 2"/>
+          <p:cNvSpPr>
+            <a:spLocks noGrp="1"/>
+          </p:cNvSpPr>
+          <p:nvPr>
+            <p:ph type="body" idx="1"/>
+          </p:nvPr>
+        </p:nvSpPr>
+        <p:spPr/>
+        <p:txBody>
+          <a:bodyPr/>
+          <a:lstStyle/>
+          <a:p>
+            <a:endParaRPr lang="ko-KR" altLang="en-US" dirty="0"/>
+          </a:p>
+        </p:txBody>
+      </p:sp>
+      <p:sp>
+        <p:nvSpPr>
+          <p:cNvPr id="4" name="슬라이드 번호 개체 틀 3"/>
+          <p:cNvSpPr>
+            <a:spLocks noGrp="1"/>
+          </p:cNvSpPr>
+          <p:nvPr>
+            <p:ph type="sldNum" sz="quarter" idx="10"/>
+          </p:nvPr>
+        </p:nvSpPr>
+        <p:spPr/>
+        <p:txBody>
+          <a:bodyPr/>
+          <a:lstStyle/>
+          <a:p>
+            <a:fld id="{0EEAD409-0A73-4A8A-B948-17E588047228}" type="slidenum">
+              <a:rPr lang="ko-KR" altLang="en-US" smtClean="0"/>
+              <a:t>4</a:t>
+            </a:fld>
+            <a:endParaRPr lang="ko-KR" altLang="en-US"/>
+          </a:p>
+        </p:txBody>
+      </p:sp>
+    </p:spTree>
+    <p:extLst>
+      <p:ext uri="{BB962C8B-B14F-4D97-AF65-F5344CB8AC3E}">
+        <p14:creationId xmlns:p14="http://schemas.microsoft.com/office/powerpoint/2010/main" val="111019997"/>
+      </p:ext>
+    </p:extLst>
+  </p:cSld>
+  <p:clrMapOvr>
+    <a:masterClrMapping/>
+  </p:clrMapOvr>
+</p:notes>
+</file>
+
 <file path=ppt/slideLayouts/slideLayout1.xml><?xml version="1.0" encoding="utf-8"?>
 <p:sldLayout xmlns:a="http://schemas.openxmlformats.org/drawingml/2006/main" xmlns:r="http://schemas.openxmlformats.org/officeDocument/2006/relationships" xmlns:p="http://schemas.openxmlformats.org/presentationml/2006/main" type="title" preserve="1">
   <p:cSld name="제목 슬라이드">
@@ -682,7 +767,7 @@
           <a:p>
             <a:fld id="{0CB960C3-B77A-4865-944D-F41BAAC8ADB3}" type="datetimeFigureOut">
               <a:rPr lang="ko-KR" altLang="en-US" smtClean="0"/>
-              <a:t>2022-09-24</a:t>
+              <a:t>2022-10-22</a:t>
             </a:fld>
             <a:endParaRPr lang="ko-KR" altLang="en-US"/>
           </a:p>
@@ -852,7 +937,7 @@
           <a:p>
             <a:fld id="{0CB960C3-B77A-4865-944D-F41BAAC8ADB3}" type="datetimeFigureOut">
               <a:rPr lang="ko-KR" altLang="en-US" smtClean="0"/>
-              <a:t>2022-09-24</a:t>
+              <a:t>2022-10-22</a:t>
             </a:fld>
             <a:endParaRPr lang="ko-KR" altLang="en-US"/>
           </a:p>
@@ -1032,7 +1117,7 @@
           <a:p>
             <a:fld id="{0CB960C3-B77A-4865-944D-F41BAAC8ADB3}" type="datetimeFigureOut">
               <a:rPr lang="ko-KR" altLang="en-US" smtClean="0"/>
-              <a:t>2022-09-24</a:t>
+              <a:t>2022-10-22</a:t>
             </a:fld>
             <a:endParaRPr lang="ko-KR" altLang="en-US"/>
           </a:p>
@@ -1202,7 +1287,7 @@
           <a:p>
             <a:fld id="{0CB960C3-B77A-4865-944D-F41BAAC8ADB3}" type="datetimeFigureOut">
               <a:rPr lang="ko-KR" altLang="en-US" smtClean="0"/>
-              <a:t>2022-09-24</a:t>
+              <a:t>2022-10-22</a:t>
             </a:fld>
             <a:endParaRPr lang="ko-KR" altLang="en-US"/>
           </a:p>
@@ -1448,7 +1533,7 @@
           <a:p>
             <a:fld id="{0CB960C3-B77A-4865-944D-F41BAAC8ADB3}" type="datetimeFigureOut">
               <a:rPr lang="ko-KR" altLang="en-US" smtClean="0"/>
-              <a:t>2022-09-24</a:t>
+              <a:t>2022-10-22</a:t>
             </a:fld>
             <a:endParaRPr lang="ko-KR" altLang="en-US"/>
           </a:p>
@@ -1680,7 +1765,7 @@
           <a:p>
             <a:fld id="{0CB960C3-B77A-4865-944D-F41BAAC8ADB3}" type="datetimeFigureOut">
               <a:rPr lang="ko-KR" altLang="en-US" smtClean="0"/>
-              <a:t>2022-09-24</a:t>
+              <a:t>2022-10-22</a:t>
             </a:fld>
             <a:endParaRPr lang="ko-KR" altLang="en-US"/>
           </a:p>
@@ -2047,7 +2132,7 @@
           <a:p>
             <a:fld id="{0CB960C3-B77A-4865-944D-F41BAAC8ADB3}" type="datetimeFigureOut">
               <a:rPr lang="ko-KR" altLang="en-US" smtClean="0"/>
-              <a:t>2022-09-24</a:t>
+              <a:t>2022-10-22</a:t>
             </a:fld>
             <a:endParaRPr lang="ko-KR" altLang="en-US"/>
           </a:p>
@@ -2165,7 +2250,7 @@
           <a:p>
             <a:fld id="{0CB960C3-B77A-4865-944D-F41BAAC8ADB3}" type="datetimeFigureOut">
               <a:rPr lang="ko-KR" altLang="en-US" smtClean="0"/>
-              <a:t>2022-09-24</a:t>
+              <a:t>2022-10-22</a:t>
             </a:fld>
             <a:endParaRPr lang="ko-KR" altLang="en-US"/>
           </a:p>
@@ -2260,7 +2345,7 @@
           <a:p>
             <a:fld id="{0CB960C3-B77A-4865-944D-F41BAAC8ADB3}" type="datetimeFigureOut">
               <a:rPr lang="ko-KR" altLang="en-US" smtClean="0"/>
-              <a:t>2022-09-24</a:t>
+              <a:t>2022-10-22</a:t>
             </a:fld>
             <a:endParaRPr lang="ko-KR" altLang="en-US"/>
           </a:p>
@@ -2537,7 +2622,7 @@
           <a:p>
             <a:fld id="{0CB960C3-B77A-4865-944D-F41BAAC8ADB3}" type="datetimeFigureOut">
               <a:rPr lang="ko-KR" altLang="en-US" smtClean="0"/>
-              <a:t>2022-09-24</a:t>
+              <a:t>2022-10-22</a:t>
             </a:fld>
             <a:endParaRPr lang="ko-KR" altLang="en-US"/>
           </a:p>
@@ -2790,7 +2875,7 @@
           <a:p>
             <a:fld id="{0CB960C3-B77A-4865-944D-F41BAAC8ADB3}" type="datetimeFigureOut">
               <a:rPr lang="ko-KR" altLang="en-US" smtClean="0"/>
-              <a:t>2022-09-24</a:t>
+              <a:t>2022-10-22</a:t>
             </a:fld>
             <a:endParaRPr lang="ko-KR" altLang="en-US"/>
           </a:p>
@@ -3003,7 +3088,7 @@
           <a:p>
             <a:fld id="{0CB960C3-B77A-4865-944D-F41BAAC8ADB3}" type="datetimeFigureOut">
               <a:rPr lang="ko-KR" altLang="en-US" smtClean="0"/>
-              <a:t>2022-09-24</a:t>
+              <a:t>2022-10-22</a:t>
             </a:fld>
             <a:endParaRPr lang="ko-KR" altLang="en-US"/>
           </a:p>
@@ -6020,11 +6105,7 @@
                   <a:pPr algn="ctr"/>
                   <a:r>
                     <a:rPr lang="en-US" altLang="ko-KR" sz="1400" b="1" dirty="0" smtClean="0"/>
-                    <a:t>API </a:t>
-                  </a:r>
-                  <a:r>
-                    <a:rPr lang="en-US" altLang="ko-KR" sz="1400" b="1" dirty="0" smtClean="0"/>
-                    <a:t>Sever</a:t>
+                    <a:t>API Sever</a:t>
                   </a:r>
                   <a:endParaRPr lang="ko-KR" altLang="en-US" sz="1400" b="1" dirty="0"/>
                 </a:p>
@@ -8203,6 +8284,678 @@
 </p:sld>
 </file>
 
+<file path=ppt/slides/slide4.xml><?xml version="1.0" encoding="utf-8"?>
+<p:sld xmlns:a="http://schemas.openxmlformats.org/drawingml/2006/main" xmlns:r="http://schemas.openxmlformats.org/officeDocument/2006/relationships" xmlns:p="http://schemas.openxmlformats.org/presentationml/2006/main">
+  <p:cSld>
+    <p:spTree>
+      <p:nvGrpSpPr>
+        <p:cNvPr id="1" name=""/>
+        <p:cNvGrpSpPr/>
+        <p:nvPr/>
+      </p:nvGrpSpPr>
+      <p:grpSpPr>
+        <a:xfrm>
+          <a:off x="0" y="0"/>
+          <a:ext cx="0" cy="0"/>
+          <a:chOff x="0" y="0"/>
+          <a:chExt cx="0" cy="0"/>
+        </a:xfrm>
+      </p:grpSpPr>
+      <p:pic>
+        <p:nvPicPr>
+          <p:cNvPr id="3" name="그림 2"/>
+          <p:cNvPicPr>
+            <a:picLocks noChangeAspect="1"/>
+          </p:cNvPicPr>
+          <p:nvPr/>
+        </p:nvPicPr>
+        <p:blipFill>
+          <a:blip r:embed="rId3">
+            <a:extLst>
+              <a:ext uri="{28A0092B-C50C-407E-A947-70E740481C1C}">
+                <a14:useLocalDpi xmlns:a14="http://schemas.microsoft.com/office/drawing/2010/main" val="0"/>
+              </a:ext>
+            </a:extLst>
+          </a:blip>
+          <a:stretch>
+            <a:fillRect/>
+          </a:stretch>
+        </p:blipFill>
+        <p:spPr>
+          <a:xfrm>
+            <a:off x="5019829" y="3730752"/>
+            <a:ext cx="1512000" cy="1474200"/>
+          </a:xfrm>
+          <a:prstGeom prst="rect">
+            <a:avLst/>
+          </a:prstGeom>
+        </p:spPr>
+      </p:pic>
+      <p:sp>
+        <p:nvSpPr>
+          <p:cNvPr id="28" name="모서리가 둥근 직사각형 27"/>
+          <p:cNvSpPr/>
+          <p:nvPr/>
+        </p:nvSpPr>
+        <p:spPr>
+          <a:xfrm>
+            <a:off x="368546" y="5831045"/>
+            <a:ext cx="1697998" cy="533179"/>
+          </a:xfrm>
+          <a:prstGeom prst="roundRect">
+            <a:avLst/>
+          </a:prstGeom>
+          <a:solidFill>
+            <a:srgbClr val="BDD7EE"/>
+          </a:solidFill>
+          <a:ln>
+            <a:solidFill>
+              <a:schemeClr val="accent1"/>
+            </a:solidFill>
+          </a:ln>
+        </p:spPr>
+        <p:style>
+          <a:lnRef idx="2">
+            <a:schemeClr val="accent1">
+              <a:shade val="50000"/>
+            </a:schemeClr>
+          </a:lnRef>
+          <a:fillRef idx="1">
+            <a:schemeClr val="accent1"/>
+          </a:fillRef>
+          <a:effectRef idx="0">
+            <a:schemeClr val="accent1"/>
+          </a:effectRef>
+          <a:fontRef idx="minor">
+            <a:schemeClr val="lt1"/>
+          </a:fontRef>
+        </p:style>
+        <p:txBody>
+          <a:bodyPr lIns="36000" tIns="36000" rIns="36000" bIns="36000" rtlCol="0" anchor="ctr"/>
+          <a:lstStyle/>
+          <a:p>
+            <a:pPr algn="ctr"/>
+            <a:r>
+              <a:rPr lang="en-US" altLang="ko-KR" b="1" dirty="0" smtClean="0">
+                <a:solidFill>
+                  <a:schemeClr val="tx1"/>
+                </a:solidFill>
+              </a:rPr>
+              <a:t>Pod</a:t>
+            </a:r>
+            <a:endParaRPr lang="ko-KR" altLang="en-US" b="1" dirty="0">
+              <a:solidFill>
+                <a:schemeClr val="tx1"/>
+              </a:solidFill>
+            </a:endParaRPr>
+          </a:p>
+        </p:txBody>
+      </p:sp>
+      <p:sp>
+        <p:nvSpPr>
+          <p:cNvPr id="29" name="모서리가 둥근 직사각형 28"/>
+          <p:cNvSpPr/>
+          <p:nvPr/>
+        </p:nvSpPr>
+        <p:spPr>
+          <a:xfrm>
+            <a:off x="2647688" y="5831045"/>
+            <a:ext cx="1697998" cy="533179"/>
+          </a:xfrm>
+          <a:prstGeom prst="roundRect">
+            <a:avLst/>
+          </a:prstGeom>
+          <a:solidFill>
+            <a:srgbClr val="BDD7EE"/>
+          </a:solidFill>
+          <a:ln>
+            <a:solidFill>
+              <a:schemeClr val="accent1"/>
+            </a:solidFill>
+          </a:ln>
+        </p:spPr>
+        <p:style>
+          <a:lnRef idx="2">
+            <a:schemeClr val="accent1">
+              <a:shade val="50000"/>
+            </a:schemeClr>
+          </a:lnRef>
+          <a:fillRef idx="1">
+            <a:schemeClr val="accent1"/>
+          </a:fillRef>
+          <a:effectRef idx="0">
+            <a:schemeClr val="accent1"/>
+          </a:effectRef>
+          <a:fontRef idx="minor">
+            <a:schemeClr val="lt1"/>
+          </a:fontRef>
+        </p:style>
+        <p:txBody>
+          <a:bodyPr lIns="36000" tIns="36000" rIns="36000" bIns="36000" rtlCol="0" anchor="ctr"/>
+          <a:lstStyle/>
+          <a:p>
+            <a:pPr algn="ctr"/>
+            <a:r>
+              <a:rPr lang="en-US" altLang="ko-KR" b="1" dirty="0" smtClean="0">
+                <a:solidFill>
+                  <a:schemeClr val="tx1"/>
+                </a:solidFill>
+              </a:rPr>
+              <a:t>deployment</a:t>
+            </a:r>
+            <a:endParaRPr lang="ko-KR" altLang="en-US" b="1" dirty="0">
+              <a:solidFill>
+                <a:schemeClr val="tx1"/>
+              </a:solidFill>
+            </a:endParaRPr>
+          </a:p>
+        </p:txBody>
+      </p:sp>
+      <p:sp>
+        <p:nvSpPr>
+          <p:cNvPr id="30" name="모서리가 둥근 직사각형 29"/>
+          <p:cNvSpPr/>
+          <p:nvPr/>
+        </p:nvSpPr>
+        <p:spPr>
+          <a:xfrm>
+            <a:off x="4926830" y="5831044"/>
+            <a:ext cx="1697998" cy="533179"/>
+          </a:xfrm>
+          <a:prstGeom prst="roundRect">
+            <a:avLst/>
+          </a:prstGeom>
+          <a:solidFill>
+            <a:srgbClr val="BDD7EE"/>
+          </a:solidFill>
+          <a:ln>
+            <a:solidFill>
+              <a:schemeClr val="accent1"/>
+            </a:solidFill>
+          </a:ln>
+        </p:spPr>
+        <p:style>
+          <a:lnRef idx="2">
+            <a:schemeClr val="accent1">
+              <a:shade val="50000"/>
+            </a:schemeClr>
+          </a:lnRef>
+          <a:fillRef idx="1">
+            <a:schemeClr val="accent1"/>
+          </a:fillRef>
+          <a:effectRef idx="0">
+            <a:schemeClr val="accent1"/>
+          </a:effectRef>
+          <a:fontRef idx="minor">
+            <a:schemeClr val="lt1"/>
+          </a:fontRef>
+        </p:style>
+        <p:txBody>
+          <a:bodyPr lIns="36000" tIns="36000" rIns="36000" bIns="36000" rtlCol="0" anchor="ctr"/>
+          <a:lstStyle/>
+          <a:p>
+            <a:pPr algn="ctr"/>
+            <a:r>
+              <a:rPr lang="en-US" altLang="ko-KR" b="1" dirty="0" smtClean="0">
+                <a:solidFill>
+                  <a:schemeClr val="tx1"/>
+                </a:solidFill>
+              </a:rPr>
+              <a:t>service</a:t>
+            </a:r>
+            <a:endParaRPr lang="ko-KR" altLang="en-US" b="1" dirty="0">
+              <a:solidFill>
+                <a:schemeClr val="tx1"/>
+              </a:solidFill>
+            </a:endParaRPr>
+          </a:p>
+        </p:txBody>
+      </p:sp>
+      <p:sp>
+        <p:nvSpPr>
+          <p:cNvPr id="31" name="모서리가 둥근 직사각형 30"/>
+          <p:cNvSpPr/>
+          <p:nvPr/>
+        </p:nvSpPr>
+        <p:spPr>
+          <a:xfrm>
+            <a:off x="7205972" y="5831045"/>
+            <a:ext cx="1697998" cy="533179"/>
+          </a:xfrm>
+          <a:prstGeom prst="roundRect">
+            <a:avLst/>
+          </a:prstGeom>
+          <a:solidFill>
+            <a:srgbClr val="BDD7EE"/>
+          </a:solidFill>
+          <a:ln>
+            <a:solidFill>
+              <a:schemeClr val="accent1"/>
+            </a:solidFill>
+          </a:ln>
+        </p:spPr>
+        <p:style>
+          <a:lnRef idx="2">
+            <a:schemeClr val="accent1">
+              <a:shade val="50000"/>
+            </a:schemeClr>
+          </a:lnRef>
+          <a:fillRef idx="1">
+            <a:schemeClr val="accent1"/>
+          </a:fillRef>
+          <a:effectRef idx="0">
+            <a:schemeClr val="accent1"/>
+          </a:effectRef>
+          <a:fontRef idx="minor">
+            <a:schemeClr val="lt1"/>
+          </a:fontRef>
+        </p:style>
+        <p:txBody>
+          <a:bodyPr lIns="36000" tIns="36000" rIns="36000" bIns="36000" rtlCol="0" anchor="ctr"/>
+          <a:lstStyle/>
+          <a:p>
+            <a:pPr algn="ctr"/>
+            <a:r>
+              <a:rPr lang="en-US" altLang="ko-KR" b="1" dirty="0" smtClean="0">
+                <a:solidFill>
+                  <a:schemeClr val="tx1"/>
+                </a:solidFill>
+              </a:rPr>
+              <a:t>volume</a:t>
+            </a:r>
+            <a:endParaRPr lang="ko-KR" altLang="en-US" b="1" dirty="0">
+              <a:solidFill>
+                <a:schemeClr val="tx1"/>
+              </a:solidFill>
+            </a:endParaRPr>
+          </a:p>
+        </p:txBody>
+      </p:sp>
+      <p:sp>
+        <p:nvSpPr>
+          <p:cNvPr id="32" name="모서리가 둥근 직사각형 31"/>
+          <p:cNvSpPr/>
+          <p:nvPr/>
+        </p:nvSpPr>
+        <p:spPr>
+          <a:xfrm>
+            <a:off x="9485114" y="5831045"/>
+            <a:ext cx="1697998" cy="533179"/>
+          </a:xfrm>
+          <a:prstGeom prst="roundRect">
+            <a:avLst/>
+          </a:prstGeom>
+          <a:solidFill>
+            <a:srgbClr val="BDD7EE"/>
+          </a:solidFill>
+          <a:ln>
+            <a:solidFill>
+              <a:schemeClr val="accent1"/>
+            </a:solidFill>
+          </a:ln>
+        </p:spPr>
+        <p:style>
+          <a:lnRef idx="2">
+            <a:schemeClr val="accent1">
+              <a:shade val="50000"/>
+            </a:schemeClr>
+          </a:lnRef>
+          <a:fillRef idx="1">
+            <a:schemeClr val="accent1"/>
+          </a:fillRef>
+          <a:effectRef idx="0">
+            <a:schemeClr val="accent1"/>
+          </a:effectRef>
+          <a:fontRef idx="minor">
+            <a:schemeClr val="lt1"/>
+          </a:fontRef>
+        </p:style>
+        <p:txBody>
+          <a:bodyPr lIns="36000" tIns="36000" rIns="36000" bIns="36000" rtlCol="0" anchor="ctr"/>
+          <a:lstStyle/>
+          <a:p>
+            <a:pPr algn="ctr"/>
+            <a:r>
+              <a:rPr lang="en-US" altLang="ko-KR" b="1" dirty="0" smtClean="0">
+                <a:solidFill>
+                  <a:schemeClr val="tx1"/>
+                </a:solidFill>
+              </a:rPr>
+              <a:t>…</a:t>
+            </a:r>
+            <a:endParaRPr lang="ko-KR" altLang="en-US" b="1" dirty="0">
+              <a:solidFill>
+                <a:schemeClr val="tx1"/>
+              </a:solidFill>
+            </a:endParaRPr>
+          </a:p>
+        </p:txBody>
+      </p:sp>
+      <p:cxnSp>
+        <p:nvCxnSpPr>
+          <p:cNvPr id="33" name="꺾인 연결선 32"/>
+          <p:cNvCxnSpPr>
+            <a:stCxn id="3" idx="2"/>
+            <a:endCxn id="28" idx="0"/>
+          </p:cNvCxnSpPr>
+          <p:nvPr/>
+        </p:nvCxnSpPr>
+        <p:spPr>
+          <a:xfrm rot="5400000">
+            <a:off x="3183641" y="3238856"/>
+            <a:ext cx="626093" cy="4558284"/>
+          </a:xfrm>
+          <a:prstGeom prst="bentConnector3">
+            <a:avLst/>
+          </a:prstGeom>
+        </p:spPr>
+        <p:style>
+          <a:lnRef idx="1">
+            <a:schemeClr val="accent1"/>
+          </a:lnRef>
+          <a:fillRef idx="0">
+            <a:schemeClr val="accent1"/>
+          </a:fillRef>
+          <a:effectRef idx="0">
+            <a:schemeClr val="accent1"/>
+          </a:effectRef>
+          <a:fontRef idx="minor">
+            <a:schemeClr val="tx1"/>
+          </a:fontRef>
+        </p:style>
+      </p:cxnSp>
+      <p:cxnSp>
+        <p:nvCxnSpPr>
+          <p:cNvPr id="34" name="꺾인 연결선 33"/>
+          <p:cNvCxnSpPr>
+            <a:stCxn id="3" idx="2"/>
+            <a:endCxn id="29" idx="0"/>
+          </p:cNvCxnSpPr>
+          <p:nvPr/>
+        </p:nvCxnSpPr>
+        <p:spPr>
+          <a:xfrm rot="5400000">
+            <a:off x="4323212" y="4378427"/>
+            <a:ext cx="626093" cy="2279142"/>
+          </a:xfrm>
+          <a:prstGeom prst="bentConnector3">
+            <a:avLst>
+              <a:gd name="adj1" fmla="val 50000"/>
+            </a:avLst>
+          </a:prstGeom>
+        </p:spPr>
+        <p:style>
+          <a:lnRef idx="1">
+            <a:schemeClr val="accent1"/>
+          </a:lnRef>
+          <a:fillRef idx="0">
+            <a:schemeClr val="accent1"/>
+          </a:fillRef>
+          <a:effectRef idx="0">
+            <a:schemeClr val="accent1"/>
+          </a:effectRef>
+          <a:fontRef idx="minor">
+            <a:schemeClr val="tx1"/>
+          </a:fontRef>
+        </p:style>
+      </p:cxnSp>
+      <p:cxnSp>
+        <p:nvCxnSpPr>
+          <p:cNvPr id="37" name="꺾인 연결선 36"/>
+          <p:cNvCxnSpPr>
+            <a:stCxn id="3" idx="2"/>
+            <a:endCxn id="31" idx="0"/>
+          </p:cNvCxnSpPr>
+          <p:nvPr/>
+        </p:nvCxnSpPr>
+        <p:spPr>
+          <a:xfrm rot="16200000" flipH="1">
+            <a:off x="6602354" y="4378427"/>
+            <a:ext cx="626093" cy="2279142"/>
+          </a:xfrm>
+          <a:prstGeom prst="bentConnector3">
+            <a:avLst>
+              <a:gd name="adj1" fmla="val 50000"/>
+            </a:avLst>
+          </a:prstGeom>
+        </p:spPr>
+        <p:style>
+          <a:lnRef idx="1">
+            <a:schemeClr val="accent1"/>
+          </a:lnRef>
+          <a:fillRef idx="0">
+            <a:schemeClr val="accent1"/>
+          </a:fillRef>
+          <a:effectRef idx="0">
+            <a:schemeClr val="accent1"/>
+          </a:effectRef>
+          <a:fontRef idx="minor">
+            <a:schemeClr val="tx1"/>
+          </a:fontRef>
+        </p:style>
+      </p:cxnSp>
+      <p:cxnSp>
+        <p:nvCxnSpPr>
+          <p:cNvPr id="40" name="꺾인 연결선 39"/>
+          <p:cNvCxnSpPr>
+            <a:stCxn id="3" idx="2"/>
+            <a:endCxn id="32" idx="0"/>
+          </p:cNvCxnSpPr>
+          <p:nvPr/>
+        </p:nvCxnSpPr>
+        <p:spPr>
+          <a:xfrm rot="16200000" flipH="1">
+            <a:off x="7741925" y="3238856"/>
+            <a:ext cx="626093" cy="4558284"/>
+          </a:xfrm>
+          <a:prstGeom prst="bentConnector3">
+            <a:avLst>
+              <a:gd name="adj1" fmla="val 50000"/>
+            </a:avLst>
+          </a:prstGeom>
+        </p:spPr>
+        <p:style>
+          <a:lnRef idx="1">
+            <a:schemeClr val="accent1"/>
+          </a:lnRef>
+          <a:fillRef idx="0">
+            <a:schemeClr val="accent1"/>
+          </a:fillRef>
+          <a:effectRef idx="0">
+            <a:schemeClr val="accent1"/>
+          </a:effectRef>
+          <a:fontRef idx="minor">
+            <a:schemeClr val="tx1"/>
+          </a:fontRef>
+        </p:style>
+      </p:cxnSp>
+      <p:cxnSp>
+        <p:nvCxnSpPr>
+          <p:cNvPr id="44" name="직선 연결선 43"/>
+          <p:cNvCxnSpPr>
+            <a:stCxn id="3" idx="2"/>
+            <a:endCxn id="30" idx="0"/>
+          </p:cNvCxnSpPr>
+          <p:nvPr/>
+        </p:nvCxnSpPr>
+        <p:spPr>
+          <a:xfrm>
+            <a:off x="5775829" y="5204952"/>
+            <a:ext cx="0" cy="626092"/>
+          </a:xfrm>
+          <a:prstGeom prst="line">
+            <a:avLst/>
+          </a:prstGeom>
+        </p:spPr>
+        <p:style>
+          <a:lnRef idx="1">
+            <a:schemeClr val="accent1"/>
+          </a:lnRef>
+          <a:fillRef idx="0">
+            <a:schemeClr val="accent1"/>
+          </a:fillRef>
+          <a:effectRef idx="0">
+            <a:schemeClr val="accent1"/>
+          </a:effectRef>
+          <a:fontRef idx="minor">
+            <a:schemeClr val="tx1"/>
+          </a:fontRef>
+        </p:style>
+      </p:cxnSp>
+      <p:pic>
+        <p:nvPicPr>
+          <p:cNvPr id="97" name="그림 96"/>
+          <p:cNvPicPr>
+            <a:picLocks noChangeAspect="1"/>
+          </p:cNvPicPr>
+          <p:nvPr/>
+        </p:nvPicPr>
+        <p:blipFill>
+          <a:blip r:embed="rId4"/>
+          <a:stretch>
+            <a:fillRect/>
+          </a:stretch>
+        </p:blipFill>
+        <p:spPr>
+          <a:xfrm>
+            <a:off x="7364471" y="1444752"/>
+            <a:ext cx="4241285" cy="3548111"/>
+          </a:xfrm>
+          <a:prstGeom prst="rect">
+            <a:avLst/>
+          </a:prstGeom>
+        </p:spPr>
+      </p:pic>
+      <p:sp>
+        <p:nvSpPr>
+          <p:cNvPr id="98" name="오른쪽 화살표 97"/>
+          <p:cNvSpPr/>
+          <p:nvPr/>
+        </p:nvSpPr>
+        <p:spPr>
+          <a:xfrm rot="5400000">
+            <a:off x="9116123" y="994073"/>
+            <a:ext cx="737981" cy="572981"/>
+          </a:xfrm>
+          <a:prstGeom prst="rightArrow">
+            <a:avLst/>
+          </a:prstGeom>
+          <a:solidFill>
+            <a:schemeClr val="tx2"/>
+          </a:solidFill>
+          <a:ln>
+            <a:noFill/>
+          </a:ln>
+          <a:effectLst>
+            <a:outerShdw blurRad="50800" dist="38100" dir="2700000" algn="tl" rotWithShape="0">
+              <a:prstClr val="black">
+                <a:alpha val="40000"/>
+              </a:prstClr>
+            </a:outerShdw>
+          </a:effectLst>
+        </p:spPr>
+        <p:style>
+          <a:lnRef idx="2">
+            <a:schemeClr val="accent1">
+              <a:shade val="50000"/>
+            </a:schemeClr>
+          </a:lnRef>
+          <a:fillRef idx="1">
+            <a:schemeClr val="accent1"/>
+          </a:fillRef>
+          <a:effectRef idx="0">
+            <a:schemeClr val="accent1"/>
+          </a:effectRef>
+          <a:fontRef idx="minor">
+            <a:schemeClr val="lt1"/>
+          </a:fontRef>
+        </p:style>
+        <p:txBody>
+          <a:bodyPr rtlCol="0" anchor="ctr"/>
+          <a:lstStyle/>
+          <a:p>
+            <a:pPr algn="ctr"/>
+            <a:endParaRPr lang="ko-KR" altLang="en-US"/>
+          </a:p>
+        </p:txBody>
+      </p:sp>
+      <p:sp>
+        <p:nvSpPr>
+          <p:cNvPr id="99" name="타원 98"/>
+          <p:cNvSpPr/>
+          <p:nvPr/>
+        </p:nvSpPr>
+        <p:spPr>
+          <a:xfrm>
+            <a:off x="8405113" y="121311"/>
+            <a:ext cx="2160000" cy="720000"/>
+          </a:xfrm>
+          <a:prstGeom prst="ellipse">
+            <a:avLst/>
+          </a:prstGeom>
+          <a:solidFill>
+            <a:schemeClr val="tx2"/>
+          </a:solidFill>
+          <a:ln>
+            <a:noFill/>
+          </a:ln>
+          <a:effectLst>
+            <a:outerShdw blurRad="50800" dist="38100" dir="2700000" algn="tl" rotWithShape="0">
+              <a:prstClr val="black">
+                <a:alpha val="40000"/>
+              </a:prstClr>
+            </a:outerShdw>
+          </a:effectLst>
+        </p:spPr>
+        <p:style>
+          <a:lnRef idx="2">
+            <a:schemeClr val="accent1">
+              <a:shade val="50000"/>
+            </a:schemeClr>
+          </a:lnRef>
+          <a:fillRef idx="1">
+            <a:schemeClr val="accent1"/>
+          </a:fillRef>
+          <a:effectRef idx="0">
+            <a:schemeClr val="accent1"/>
+          </a:effectRef>
+          <a:fontRef idx="minor">
+            <a:schemeClr val="lt1"/>
+          </a:fontRef>
+        </p:style>
+        <p:txBody>
+          <a:bodyPr lIns="0" tIns="0" rIns="0" bIns="0" rtlCol="0" anchor="ctr"/>
+          <a:lstStyle/>
+          <a:p>
+            <a:pPr algn="ctr"/>
+            <a:r>
+              <a:rPr lang="en-US" altLang="ko-KR" b="1" dirty="0" err="1" smtClean="0"/>
+              <a:t>Kubectl</a:t>
+            </a:r>
+            <a:endParaRPr lang="ko-KR" altLang="en-US" b="1" dirty="0"/>
+          </a:p>
+        </p:txBody>
+      </p:sp>
+    </p:spTree>
+    <p:extLst>
+      <p:ext uri="{BB962C8B-B14F-4D97-AF65-F5344CB8AC3E}">
+        <p14:creationId xmlns:p14="http://schemas.microsoft.com/office/powerpoint/2010/main" val="231320470"/>
+      </p:ext>
+    </p:extLst>
+  </p:cSld>
+  <p:clrMapOvr>
+    <a:masterClrMapping/>
+  </p:clrMapOvr>
+  <p:timing>
+    <p:tnLst>
+      <p:par>
+        <p:cTn id="1" dur="indefinite" restart="never" nodeType="tmRoot"/>
+      </p:par>
+    </p:tnLst>
+  </p:timing>
+</p:sld>
+</file>
+
 <file path=ppt/theme/theme1.xml><?xml version="1.0" encoding="utf-8"?>
 <a:theme xmlns:a="http://schemas.openxmlformats.org/drawingml/2006/main" name="Office 테마">
   <a:themeElements>

--- a/markdown_image.pptx
+++ b/markdown_image.pptx
@@ -200,7 +200,7 @@
           <a:p>
             <a:fld id="{06073691-9509-499D-804B-789F8428B2A1}" type="datetimeFigureOut">
               <a:rPr lang="ko-KR" altLang="en-US" smtClean="0"/>
-              <a:t>2022-10-22</a:t>
+              <a:t>2022-10-27</a:t>
             </a:fld>
             <a:endParaRPr lang="ko-KR" altLang="en-US"/>
           </a:p>
@@ -767,7 +767,7 @@
           <a:p>
             <a:fld id="{0CB960C3-B77A-4865-944D-F41BAAC8ADB3}" type="datetimeFigureOut">
               <a:rPr lang="ko-KR" altLang="en-US" smtClean="0"/>
-              <a:t>2022-10-22</a:t>
+              <a:t>2022-10-27</a:t>
             </a:fld>
             <a:endParaRPr lang="ko-KR" altLang="en-US"/>
           </a:p>
@@ -937,7 +937,7 @@
           <a:p>
             <a:fld id="{0CB960C3-B77A-4865-944D-F41BAAC8ADB3}" type="datetimeFigureOut">
               <a:rPr lang="ko-KR" altLang="en-US" smtClean="0"/>
-              <a:t>2022-10-22</a:t>
+              <a:t>2022-10-27</a:t>
             </a:fld>
             <a:endParaRPr lang="ko-KR" altLang="en-US"/>
           </a:p>
@@ -1117,7 +1117,7 @@
           <a:p>
             <a:fld id="{0CB960C3-B77A-4865-944D-F41BAAC8ADB3}" type="datetimeFigureOut">
               <a:rPr lang="ko-KR" altLang="en-US" smtClean="0"/>
-              <a:t>2022-10-22</a:t>
+              <a:t>2022-10-27</a:t>
             </a:fld>
             <a:endParaRPr lang="ko-KR" altLang="en-US"/>
           </a:p>
@@ -1287,7 +1287,7 @@
           <a:p>
             <a:fld id="{0CB960C3-B77A-4865-944D-F41BAAC8ADB3}" type="datetimeFigureOut">
               <a:rPr lang="ko-KR" altLang="en-US" smtClean="0"/>
-              <a:t>2022-10-22</a:t>
+              <a:t>2022-10-27</a:t>
             </a:fld>
             <a:endParaRPr lang="ko-KR" altLang="en-US"/>
           </a:p>
@@ -1533,7 +1533,7 @@
           <a:p>
             <a:fld id="{0CB960C3-B77A-4865-944D-F41BAAC8ADB3}" type="datetimeFigureOut">
               <a:rPr lang="ko-KR" altLang="en-US" smtClean="0"/>
-              <a:t>2022-10-22</a:t>
+              <a:t>2022-10-27</a:t>
             </a:fld>
             <a:endParaRPr lang="ko-KR" altLang="en-US"/>
           </a:p>
@@ -1765,7 +1765,7 @@
           <a:p>
             <a:fld id="{0CB960C3-B77A-4865-944D-F41BAAC8ADB3}" type="datetimeFigureOut">
               <a:rPr lang="ko-KR" altLang="en-US" smtClean="0"/>
-              <a:t>2022-10-22</a:t>
+              <a:t>2022-10-27</a:t>
             </a:fld>
             <a:endParaRPr lang="ko-KR" altLang="en-US"/>
           </a:p>
@@ -2132,7 +2132,7 @@
           <a:p>
             <a:fld id="{0CB960C3-B77A-4865-944D-F41BAAC8ADB3}" type="datetimeFigureOut">
               <a:rPr lang="ko-KR" altLang="en-US" smtClean="0"/>
-              <a:t>2022-10-22</a:t>
+              <a:t>2022-10-27</a:t>
             </a:fld>
             <a:endParaRPr lang="ko-KR" altLang="en-US"/>
           </a:p>
@@ -2250,7 +2250,7 @@
           <a:p>
             <a:fld id="{0CB960C3-B77A-4865-944D-F41BAAC8ADB3}" type="datetimeFigureOut">
               <a:rPr lang="ko-KR" altLang="en-US" smtClean="0"/>
-              <a:t>2022-10-22</a:t>
+              <a:t>2022-10-27</a:t>
             </a:fld>
             <a:endParaRPr lang="ko-KR" altLang="en-US"/>
           </a:p>
@@ -2345,7 +2345,7 @@
           <a:p>
             <a:fld id="{0CB960C3-B77A-4865-944D-F41BAAC8ADB3}" type="datetimeFigureOut">
               <a:rPr lang="ko-KR" altLang="en-US" smtClean="0"/>
-              <a:t>2022-10-22</a:t>
+              <a:t>2022-10-27</a:t>
             </a:fld>
             <a:endParaRPr lang="ko-KR" altLang="en-US"/>
           </a:p>
@@ -2622,7 +2622,7 @@
           <a:p>
             <a:fld id="{0CB960C3-B77A-4865-944D-F41BAAC8ADB3}" type="datetimeFigureOut">
               <a:rPr lang="ko-KR" altLang="en-US" smtClean="0"/>
-              <a:t>2022-10-22</a:t>
+              <a:t>2022-10-27</a:t>
             </a:fld>
             <a:endParaRPr lang="ko-KR" altLang="en-US"/>
           </a:p>
@@ -2875,7 +2875,7 @@
           <a:p>
             <a:fld id="{0CB960C3-B77A-4865-944D-F41BAAC8ADB3}" type="datetimeFigureOut">
               <a:rPr lang="ko-KR" altLang="en-US" smtClean="0"/>
-              <a:t>2022-10-22</a:t>
+              <a:t>2022-10-27</a:t>
             </a:fld>
             <a:endParaRPr lang="ko-KR" altLang="en-US"/>
           </a:p>
@@ -3088,7 +3088,7 @@
           <a:p>
             <a:fld id="{0CB960C3-B77A-4865-944D-F41BAAC8ADB3}" type="datetimeFigureOut">
               <a:rPr lang="ko-KR" altLang="en-US" smtClean="0"/>
-              <a:t>2022-10-22</a:t>
+              <a:t>2022-10-27</a:t>
             </a:fld>
             <a:endParaRPr lang="ko-KR" altLang="en-US"/>
           </a:p>
@@ -5816,36 +5816,6 @@
           <a:chExt cx="0" cy="0"/>
         </a:xfrm>
       </p:grpSpPr>
-      <p:pic>
-        <p:nvPicPr>
-          <p:cNvPr id="48" name="그림 47"/>
-          <p:cNvPicPr>
-            <a:picLocks noChangeAspect="1"/>
-          </p:cNvPicPr>
-          <p:nvPr/>
-        </p:nvPicPr>
-        <p:blipFill>
-          <a:blip r:embed="rId2">
-            <a:extLst>
-              <a:ext uri="{28A0092B-C50C-407E-A947-70E740481C1C}">
-                <a14:useLocalDpi xmlns:a14="http://schemas.microsoft.com/office/drawing/2010/main" val="0"/>
-              </a:ext>
-            </a:extLst>
-          </a:blip>
-          <a:stretch>
-            <a:fillRect/>
-          </a:stretch>
-        </p:blipFill>
-        <p:spPr>
-          <a:xfrm>
-            <a:off x="1706250" y="590572"/>
-            <a:ext cx="917151" cy="893142"/>
-          </a:xfrm>
-          <a:prstGeom prst="rect">
-            <a:avLst/>
-          </a:prstGeom>
-        </p:spPr>
-      </p:pic>
       <p:sp>
         <p:nvSpPr>
           <p:cNvPr id="4" name="모서리가 둥근 직사각형 3"/>
@@ -5855,7 +5825,7 @@
         <p:spPr>
           <a:xfrm>
             <a:off x="2677487" y="590572"/>
-            <a:ext cx="6480000" cy="5400000"/>
+            <a:ext cx="6480000" cy="5760000"/>
           </a:xfrm>
           <a:prstGeom prst="roundRect">
             <a:avLst/>
@@ -5891,10 +5861,10 @@
           </a:fontRef>
         </p:style>
         <p:txBody>
-          <a:bodyPr lIns="36000" tIns="36000" rIns="36000" bIns="36000" rtlCol="0" anchor="t"/>
+          <a:bodyPr lIns="36000" tIns="0" rIns="36000" bIns="36000" rtlCol="0" anchor="t"/>
           <a:lstStyle/>
           <a:p>
-            <a:pPr algn="ctr"/>
+            <a:pPr algn="ctr" latinLnBrk="0"/>
             <a:r>
               <a:rPr lang="en-US" altLang="ko-KR" sz="2400" b="1" dirty="0" smtClean="0">
                 <a:solidFill>
@@ -5911,55 +5881,364 @@
           </a:p>
         </p:txBody>
       </p:sp>
+      <p:cxnSp>
+        <p:nvCxnSpPr>
+          <p:cNvPr id="38" name="꺾인 연결선 37"/>
+          <p:cNvCxnSpPr>
+            <a:stCxn id="5" idx="3"/>
+            <a:endCxn id="12" idx="1"/>
+          </p:cNvCxnSpPr>
+          <p:nvPr/>
+        </p:nvCxnSpPr>
+        <p:spPr>
+          <a:xfrm flipV="1">
+            <a:off x="4980909" y="2001127"/>
+            <a:ext cx="1873156" cy="1615749"/>
+          </a:xfrm>
+          <a:prstGeom prst="bentConnector3">
+            <a:avLst/>
+          </a:prstGeom>
+          <a:ln w="19050">
+            <a:solidFill>
+              <a:schemeClr val="tx2"/>
+            </a:solidFill>
+            <a:tailEnd type="triangle"/>
+          </a:ln>
+        </p:spPr>
+        <p:style>
+          <a:lnRef idx="1">
+            <a:schemeClr val="accent1"/>
+          </a:lnRef>
+          <a:fillRef idx="0">
+            <a:schemeClr val="accent1"/>
+          </a:fillRef>
+          <a:effectRef idx="0">
+            <a:schemeClr val="accent1"/>
+          </a:effectRef>
+          <a:fontRef idx="minor">
+            <a:schemeClr val="tx1"/>
+          </a:fontRef>
+        </p:style>
+      </p:cxnSp>
+      <p:cxnSp>
+        <p:nvCxnSpPr>
+          <p:cNvPr id="39" name="꺾인 연결선 38"/>
+          <p:cNvCxnSpPr>
+            <a:stCxn id="5" idx="3"/>
+          </p:cNvCxnSpPr>
+          <p:nvPr/>
+        </p:nvCxnSpPr>
+        <p:spPr>
+          <a:xfrm>
+            <a:off x="4980909" y="3616876"/>
+            <a:ext cx="1873156" cy="1354573"/>
+          </a:xfrm>
+          <a:prstGeom prst="bentConnector3">
+            <a:avLst>
+              <a:gd name="adj1" fmla="val 49720"/>
+            </a:avLst>
+          </a:prstGeom>
+          <a:ln w="19050">
+            <a:solidFill>
+              <a:schemeClr val="tx2"/>
+            </a:solidFill>
+            <a:tailEnd type="triangle"/>
+          </a:ln>
+        </p:spPr>
+        <p:style>
+          <a:lnRef idx="1">
+            <a:schemeClr val="accent1"/>
+          </a:lnRef>
+          <a:fillRef idx="0">
+            <a:schemeClr val="accent1"/>
+          </a:fillRef>
+          <a:effectRef idx="0">
+            <a:schemeClr val="accent1"/>
+          </a:effectRef>
+          <a:fontRef idx="minor">
+            <a:schemeClr val="tx1"/>
+          </a:fontRef>
+        </p:style>
+      </p:cxnSp>
+      <p:cxnSp>
+        <p:nvCxnSpPr>
+          <p:cNvPr id="42" name="꺾인 연결선 41"/>
+          <p:cNvCxnSpPr>
+            <a:stCxn id="5" idx="3"/>
+          </p:cNvCxnSpPr>
+          <p:nvPr/>
+        </p:nvCxnSpPr>
+        <p:spPr>
+          <a:xfrm>
+            <a:off x="4980909" y="3616876"/>
+            <a:ext cx="1873156" cy="12024"/>
+          </a:xfrm>
+          <a:prstGeom prst="straightConnector1">
+            <a:avLst/>
+          </a:prstGeom>
+          <a:ln w="19050">
+            <a:solidFill>
+              <a:schemeClr val="tx2"/>
+            </a:solidFill>
+            <a:tailEnd type="triangle"/>
+          </a:ln>
+        </p:spPr>
+        <p:style>
+          <a:lnRef idx="1">
+            <a:schemeClr val="accent1"/>
+          </a:lnRef>
+          <a:fillRef idx="0">
+            <a:schemeClr val="accent1"/>
+          </a:fillRef>
+          <a:effectRef idx="0">
+            <a:schemeClr val="accent1"/>
+          </a:effectRef>
+          <a:fontRef idx="minor">
+            <a:schemeClr val="tx1"/>
+          </a:fontRef>
+        </p:style>
+      </p:cxnSp>
+      <p:sp>
+        <p:nvSpPr>
+          <p:cNvPr id="46" name="모서리가 둥근 직사각형 45"/>
+          <p:cNvSpPr/>
+          <p:nvPr/>
+        </p:nvSpPr>
+        <p:spPr>
+          <a:xfrm>
+            <a:off x="489493" y="2188900"/>
+            <a:ext cx="1080000" cy="2880000"/>
+          </a:xfrm>
+          <a:prstGeom prst="roundRect">
+            <a:avLst/>
+          </a:prstGeom>
+          <a:noFill/>
+          <a:ln w="28575">
+            <a:solidFill>
+              <a:srgbClr val="9DC3E6"/>
+            </a:solidFill>
+            <a:prstDash val="dash"/>
+          </a:ln>
+          <a:effectLst/>
+        </p:spPr>
+        <p:style>
+          <a:lnRef idx="2">
+            <a:schemeClr val="accent1">
+              <a:shade val="50000"/>
+            </a:schemeClr>
+          </a:lnRef>
+          <a:fillRef idx="1">
+            <a:schemeClr val="accent1"/>
+          </a:fillRef>
+          <a:effectRef idx="0">
+            <a:schemeClr val="accent1"/>
+          </a:effectRef>
+          <a:fontRef idx="minor">
+            <a:schemeClr val="lt1"/>
+          </a:fontRef>
+        </p:style>
+        <p:txBody>
+          <a:bodyPr lIns="36000" tIns="36000" rIns="36000" bIns="36000" rtlCol="0" anchor="ctr"/>
+          <a:lstStyle/>
+          <a:p>
+            <a:pPr algn="ctr"/>
+            <a:r>
+              <a:rPr lang="en-US" altLang="ko-KR" sz="1600" b="1" dirty="0" smtClean="0">
+                <a:solidFill>
+                  <a:schemeClr val="tx1"/>
+                </a:solidFill>
+              </a:rPr>
+              <a:t>Cloud</a:t>
+            </a:r>
+          </a:p>
+          <a:p>
+            <a:pPr algn="ctr"/>
+            <a:r>
+              <a:rPr lang="en-US" altLang="ko-KR" sz="1600" b="1" dirty="0" smtClean="0">
+                <a:solidFill>
+                  <a:schemeClr val="tx1"/>
+                </a:solidFill>
+              </a:rPr>
+              <a:t>Provider</a:t>
+            </a:r>
+          </a:p>
+          <a:p>
+            <a:pPr algn="ctr"/>
+            <a:r>
+              <a:rPr lang="en-US" altLang="ko-KR" sz="1600" b="1" dirty="0" smtClean="0">
+                <a:solidFill>
+                  <a:schemeClr val="tx1"/>
+                </a:solidFill>
+              </a:rPr>
+              <a:t>API</a:t>
+            </a:r>
+            <a:endParaRPr lang="ko-KR" altLang="en-US" sz="1600" b="1" dirty="0">
+              <a:solidFill>
+                <a:schemeClr val="tx1"/>
+              </a:solidFill>
+            </a:endParaRPr>
+          </a:p>
+        </p:txBody>
+      </p:sp>
+      <p:sp>
+        <p:nvSpPr>
+          <p:cNvPr id="47" name="오른쪽 화살표 46"/>
+          <p:cNvSpPr/>
+          <p:nvPr/>
+        </p:nvSpPr>
+        <p:spPr>
+          <a:xfrm rot="10800000">
+            <a:off x="1469753" y="3342403"/>
+            <a:ext cx="1638000" cy="572981"/>
+          </a:xfrm>
+          <a:prstGeom prst="rightArrow">
+            <a:avLst/>
+          </a:prstGeom>
+          <a:solidFill>
+            <a:schemeClr val="tx2"/>
+          </a:solidFill>
+          <a:ln>
+            <a:noFill/>
+          </a:ln>
+          <a:effectLst>
+            <a:outerShdw blurRad="50800" dist="38100" dir="2700000" algn="tl" rotWithShape="0">
+              <a:prstClr val="black">
+                <a:alpha val="40000"/>
+              </a:prstClr>
+            </a:outerShdw>
+          </a:effectLst>
+        </p:spPr>
+        <p:style>
+          <a:lnRef idx="2">
+            <a:schemeClr val="accent1">
+              <a:shade val="50000"/>
+            </a:schemeClr>
+          </a:lnRef>
+          <a:fillRef idx="1">
+            <a:schemeClr val="accent1"/>
+          </a:fillRef>
+          <a:effectRef idx="0">
+            <a:schemeClr val="accent1"/>
+          </a:effectRef>
+          <a:fontRef idx="minor">
+            <a:schemeClr val="lt1"/>
+          </a:fontRef>
+        </p:style>
+        <p:txBody>
+          <a:bodyPr rtlCol="0" anchor="ctr"/>
+          <a:lstStyle/>
+          <a:p>
+            <a:pPr algn="ctr"/>
+            <a:endParaRPr lang="ko-KR" altLang="en-US"/>
+          </a:p>
+        </p:txBody>
+      </p:sp>
       <p:grpSp>
         <p:nvGrpSpPr>
-          <p:cNvPr id="45" name="그룹 44"/>
+          <p:cNvPr id="40" name="그룹 39"/>
           <p:cNvGrpSpPr/>
           <p:nvPr/>
         </p:nvGrpSpPr>
         <p:grpSpPr>
           <a:xfrm>
-            <a:off x="2966539" y="1528047"/>
-            <a:ext cx="5901896" cy="3909098"/>
-            <a:chOff x="2714497" y="1476718"/>
-            <a:chExt cx="5901896" cy="3909098"/>
+            <a:off x="2966539" y="1456876"/>
+            <a:ext cx="2014370" cy="4320000"/>
+            <a:chOff x="2966539" y="1318155"/>
+            <a:chExt cx="2014370" cy="4320000"/>
           </a:xfrm>
         </p:grpSpPr>
+        <p:sp>
+          <p:nvSpPr>
+            <p:cNvPr id="5" name="모서리가 둥근 직사각형 4"/>
+            <p:cNvSpPr/>
+            <p:nvPr/>
+          </p:nvSpPr>
+          <p:spPr>
+            <a:xfrm>
+              <a:off x="2966539" y="1318155"/>
+              <a:ext cx="2014370" cy="4320000"/>
+            </a:xfrm>
+            <a:prstGeom prst="roundRect">
+              <a:avLst/>
+            </a:prstGeom>
+            <a:solidFill>
+              <a:schemeClr val="accent5">
+                <a:lumMod val="75000"/>
+              </a:schemeClr>
+            </a:solidFill>
+            <a:ln>
+              <a:solidFill>
+                <a:schemeClr val="tx2"/>
+              </a:solidFill>
+            </a:ln>
+          </p:spPr>
+          <p:style>
+            <a:lnRef idx="2">
+              <a:schemeClr val="accent1">
+                <a:shade val="50000"/>
+              </a:schemeClr>
+            </a:lnRef>
+            <a:fillRef idx="1">
+              <a:schemeClr val="accent1"/>
+            </a:fillRef>
+            <a:effectRef idx="0">
+              <a:schemeClr val="accent1"/>
+            </a:effectRef>
+            <a:fontRef idx="minor">
+              <a:schemeClr val="lt1"/>
+            </a:fontRef>
+          </p:style>
+          <p:txBody>
+            <a:bodyPr lIns="36000" tIns="36000" rIns="36000" bIns="36000" rtlCol="0" anchor="t"/>
+            <a:lstStyle/>
+            <a:p>
+              <a:pPr algn="ctr"/>
+              <a:r>
+                <a:rPr lang="en-US" altLang="ko-KR" sz="1600" b="1" dirty="0" smtClean="0"/>
+                <a:t>Master Node</a:t>
+              </a:r>
+              <a:endParaRPr lang="ko-KR" altLang="en-US" sz="1600" b="1" dirty="0"/>
+            </a:p>
+          </p:txBody>
+        </p:sp>
         <p:grpSp>
           <p:nvGrpSpPr>
-            <p:cNvPr id="13" name="그룹 12"/>
+            <p:cNvPr id="37" name="그룹 36"/>
             <p:cNvGrpSpPr/>
             <p:nvPr/>
           </p:nvGrpSpPr>
           <p:grpSpPr>
             <a:xfrm>
-              <a:off x="2714497" y="1480016"/>
-              <a:ext cx="2014370" cy="3905800"/>
-              <a:chOff x="1690369" y="1754336"/>
-              <a:chExt cx="2014370" cy="3905800"/>
+              <a:off x="3161253" y="1847240"/>
+              <a:ext cx="1624942" cy="3600000"/>
+              <a:chOff x="3161253" y="1847240"/>
+              <a:chExt cx="1624942" cy="3600000"/>
             </a:xfrm>
           </p:grpSpPr>
           <p:sp>
             <p:nvSpPr>
-              <p:cNvPr id="5" name="모서리가 둥근 직사각형 4"/>
+              <p:cNvPr id="10" name="모서리가 둥근 직사각형 9"/>
               <p:cNvSpPr/>
               <p:nvPr/>
             </p:nvSpPr>
             <p:spPr>
               <a:xfrm>
-                <a:off x="1690369" y="1754336"/>
-                <a:ext cx="2014370" cy="3905800"/>
+                <a:off x="3161253" y="1847240"/>
+                <a:ext cx="1624942" cy="3600000"/>
               </a:xfrm>
               <a:prstGeom prst="roundRect">
                 <a:avLst/>
               </a:prstGeom>
               <a:solidFill>
                 <a:schemeClr val="accent5">
-                  <a:lumMod val="75000"/>
+                  <a:lumMod val="60000"/>
+                  <a:lumOff val="40000"/>
                 </a:schemeClr>
               </a:solidFill>
               <a:ln>
-                <a:noFill/>
+                <a:solidFill>
+                  <a:schemeClr val="tx2"/>
+                </a:solidFill>
               </a:ln>
             </p:spPr>
             <p:style>
@@ -5984,80 +6263,27 @@
               <a:p>
                 <a:pPr algn="ctr"/>
                 <a:r>
-                  <a:rPr lang="en-US" altLang="ko-KR" sz="1600" b="1" dirty="0" smtClean="0"/>
-                  <a:t>Master Node</a:t>
+                  <a:rPr lang="en-US" altLang="ko-KR" sz="1400" b="1" dirty="0" smtClean="0"/>
+                  <a:t>Control Plane</a:t>
                 </a:r>
-                <a:endParaRPr lang="ko-KR" altLang="en-US" sz="1600" b="1" dirty="0"/>
+                <a:endParaRPr lang="ko-KR" altLang="en-US" sz="1400" b="1" dirty="0"/>
               </a:p>
             </p:txBody>
           </p:sp>
           <p:grpSp>
             <p:nvGrpSpPr>
-              <p:cNvPr id="11" name="그룹 10"/>
+              <p:cNvPr id="26" name="그룹 25"/>
               <p:cNvGrpSpPr/>
               <p:nvPr/>
             </p:nvGrpSpPr>
             <p:grpSpPr>
               <a:xfrm>
-                <a:off x="1885083" y="2359740"/>
-                <a:ext cx="1624942" cy="3144948"/>
-                <a:chOff x="1847088" y="1957404"/>
-                <a:chExt cx="1624942" cy="3144948"/>
+                <a:off x="3289724" y="2315240"/>
+                <a:ext cx="1368000" cy="3006396"/>
+                <a:chOff x="3289724" y="2315240"/>
+                <a:chExt cx="1368000" cy="3006396"/>
               </a:xfrm>
             </p:grpSpPr>
-            <p:sp>
-              <p:nvSpPr>
-                <p:cNvPr id="10" name="모서리가 둥근 직사각형 9"/>
-                <p:cNvSpPr/>
-                <p:nvPr/>
-              </p:nvSpPr>
-              <p:spPr>
-                <a:xfrm>
-                  <a:off x="1847088" y="1957404"/>
-                  <a:ext cx="1624942" cy="3144948"/>
-                </a:xfrm>
-                <a:prstGeom prst="roundRect">
-                  <a:avLst/>
-                </a:prstGeom>
-                <a:solidFill>
-                  <a:schemeClr val="accent5">
-                    <a:lumMod val="60000"/>
-                    <a:lumOff val="40000"/>
-                  </a:schemeClr>
-                </a:solidFill>
-                <a:ln>
-                  <a:noFill/>
-                </a:ln>
-              </p:spPr>
-              <p:style>
-                <a:lnRef idx="2">
-                  <a:schemeClr val="accent1">
-                    <a:shade val="50000"/>
-                  </a:schemeClr>
-                </a:lnRef>
-                <a:fillRef idx="1">
-                  <a:schemeClr val="accent1"/>
-                </a:fillRef>
-                <a:effectRef idx="0">
-                  <a:schemeClr val="accent1"/>
-                </a:effectRef>
-                <a:fontRef idx="minor">
-                  <a:schemeClr val="lt1"/>
-                </a:fontRef>
-              </p:style>
-              <p:txBody>
-                <a:bodyPr lIns="36000" tIns="36000" rIns="36000" bIns="36000" rtlCol="0" anchor="t"/>
-                <a:lstStyle/>
-                <a:p>
-                  <a:pPr algn="ctr"/>
-                  <a:r>
-                    <a:rPr lang="en-US" altLang="ko-KR" sz="1400" b="1" dirty="0" smtClean="0"/>
-                    <a:t>Control Plane</a:t>
-                  </a:r>
-                  <a:endParaRPr lang="ko-KR" altLang="en-US" sz="1400" b="1" dirty="0"/>
-                </a:p>
-              </p:txBody>
-            </p:sp>
             <p:sp>
               <p:nvSpPr>
                 <p:cNvPr id="6" name="모서리가 둥근 직사각형 5"/>
@@ -6066,7 +6292,7 @@
               </p:nvSpPr>
               <p:spPr>
                 <a:xfrm>
-                  <a:off x="1986122" y="2425404"/>
+                  <a:off x="3289724" y="2315240"/>
                   <a:ext cx="1368000" cy="432000"/>
                 </a:xfrm>
                 <a:prstGeom prst="roundRect">
@@ -6079,7 +6305,12 @@
                   </a:schemeClr>
                 </a:solidFill>
                 <a:ln>
-                  <a:noFill/>
+                  <a:solidFill>
+                    <a:schemeClr val="accent1">
+                      <a:lumMod val="40000"/>
+                      <a:lumOff val="60000"/>
+                    </a:schemeClr>
+                  </a:solidFill>
                 </a:ln>
               </p:spPr>
               <p:style>
@@ -6119,7 +6350,7 @@
               </p:nvSpPr>
               <p:spPr>
                 <a:xfrm>
-                  <a:off x="1986122" y="2938348"/>
+                  <a:off x="3289724" y="2814839"/>
                   <a:ext cx="1368000" cy="432000"/>
                 </a:xfrm>
                 <a:prstGeom prst="roundRect">
@@ -6132,7 +6363,12 @@
                   </a:schemeClr>
                 </a:solidFill>
                 <a:ln>
-                  <a:noFill/>
+                  <a:solidFill>
+                    <a:schemeClr val="accent1">
+                      <a:lumMod val="40000"/>
+                      <a:lumOff val="60000"/>
+                    </a:schemeClr>
+                  </a:solidFill>
                 </a:ln>
               </p:spPr>
               <p:style>
@@ -6172,7 +6408,7 @@
               </p:nvSpPr>
               <p:spPr>
                 <a:xfrm>
-                  <a:off x="1986122" y="3451292"/>
+                  <a:off x="3289724" y="3314438"/>
                   <a:ext cx="1368000" cy="720000"/>
                 </a:xfrm>
                 <a:prstGeom prst="roundRect">
@@ -6185,7 +6421,12 @@
                   </a:schemeClr>
                 </a:solidFill>
                 <a:ln>
-                  <a:noFill/>
+                  <a:solidFill>
+                    <a:schemeClr val="accent1">
+                      <a:lumMod val="40000"/>
+                      <a:lumOff val="60000"/>
+                    </a:schemeClr>
+                  </a:solidFill>
                 </a:ln>
               </p:spPr>
               <p:style>
@@ -6229,7 +6470,7 @@
               </p:nvSpPr>
               <p:spPr>
                 <a:xfrm>
-                  <a:off x="1986122" y="4252236"/>
+                  <a:off x="3289724" y="4102037"/>
                   <a:ext cx="1368000" cy="720000"/>
                 </a:xfrm>
                 <a:prstGeom prst="roundRect">
@@ -6242,7 +6483,12 @@
                   </a:schemeClr>
                 </a:solidFill>
                 <a:ln>
-                  <a:noFill/>
+                  <a:solidFill>
+                    <a:schemeClr val="accent1">
+                      <a:lumMod val="40000"/>
+                      <a:lumOff val="60000"/>
+                    </a:schemeClr>
+                  </a:solidFill>
                 </a:ln>
               </p:spPr>
               <p:style>
@@ -6274,107 +6520,33 @@
                 </a:p>
               </p:txBody>
             </p:sp>
-          </p:grpSp>
-        </p:grpSp>
-        <p:grpSp>
-          <p:nvGrpSpPr>
-            <p:cNvPr id="36" name="그룹 35"/>
-            <p:cNvGrpSpPr/>
-            <p:nvPr/>
-          </p:nvGrpSpPr>
-          <p:grpSpPr>
-            <a:xfrm>
-              <a:off x="6602023" y="1476718"/>
-              <a:ext cx="2014370" cy="3909098"/>
-              <a:chOff x="7150663" y="1751038"/>
-              <a:chExt cx="2014370" cy="3909098"/>
-            </a:xfrm>
-          </p:grpSpPr>
-          <p:grpSp>
-            <p:nvGrpSpPr>
-              <p:cNvPr id="27" name="그룹 26"/>
-              <p:cNvGrpSpPr/>
-              <p:nvPr/>
-            </p:nvGrpSpPr>
-            <p:grpSpPr>
-              <a:xfrm>
-                <a:off x="7150663" y="1751038"/>
-                <a:ext cx="2014370" cy="1224000"/>
-                <a:chOff x="7150663" y="1751038"/>
-                <a:chExt cx="2014370" cy="1224000"/>
-              </a:xfrm>
-            </p:grpSpPr>
             <p:sp>
               <p:nvSpPr>
-                <p:cNvPr id="12" name="모서리가 둥근 직사각형 11"/>
+                <p:cNvPr id="43" name="모서리가 둥근 직사각형 42"/>
                 <p:cNvSpPr/>
                 <p:nvPr/>
               </p:nvSpPr>
               <p:spPr>
                 <a:xfrm>
-                  <a:off x="7150663" y="1751038"/>
-                  <a:ext cx="2014370" cy="1224000"/>
+                  <a:off x="3289724" y="4889636"/>
+                  <a:ext cx="1368000" cy="432000"/>
                 </a:xfrm>
                 <a:prstGeom prst="roundRect">
                   <a:avLst/>
                 </a:prstGeom>
                 <a:solidFill>
                   <a:schemeClr val="accent1">
-                    <a:lumMod val="75000"/>
+                    <a:lumMod val="60000"/>
+                    <a:lumOff val="40000"/>
                   </a:schemeClr>
                 </a:solidFill>
                 <a:ln>
-                  <a:noFill/>
-                </a:ln>
-              </p:spPr>
-              <p:style>
-                <a:lnRef idx="2">
-                  <a:schemeClr val="accent1">
-                    <a:shade val="50000"/>
-                  </a:schemeClr>
-                </a:lnRef>
-                <a:fillRef idx="1">
-                  <a:schemeClr val="accent1"/>
-                </a:fillRef>
-                <a:effectRef idx="0">
-                  <a:schemeClr val="accent1"/>
-                </a:effectRef>
-                <a:fontRef idx="minor">
-                  <a:schemeClr val="lt1"/>
-                </a:fontRef>
-              </p:style>
-              <p:txBody>
-                <a:bodyPr lIns="36000" tIns="36000" rIns="36000" bIns="36000" rtlCol="0" anchor="t"/>
-                <a:lstStyle/>
-                <a:p>
-                  <a:pPr algn="ctr"/>
-                  <a:r>
-                    <a:rPr lang="en-US" altLang="ko-KR" sz="1600" b="1" dirty="0" smtClean="0"/>
-                    <a:t>Worker Node</a:t>
-                  </a:r>
-                  <a:endParaRPr lang="ko-KR" altLang="en-US" sz="1600" b="1" dirty="0"/>
-                </a:p>
-              </p:txBody>
-            </p:sp>
-            <p:sp>
-              <p:nvSpPr>
-                <p:cNvPr id="14" name="모서리가 둥근 직사각형 13"/>
-                <p:cNvSpPr/>
-                <p:nvPr/>
-              </p:nvSpPr>
-              <p:spPr>
-                <a:xfrm>
-                  <a:off x="7473848" y="2138156"/>
-                  <a:ext cx="1368000" cy="324000"/>
-                </a:xfrm>
-                <a:prstGeom prst="roundRect">
-                  <a:avLst/>
-                </a:prstGeom>
-                <a:solidFill>
-                  <a:srgbClr val="BDD7EE"/>
-                </a:solidFill>
-                <a:ln>
-                  <a:noFill/>
+                  <a:solidFill>
+                    <a:schemeClr val="accent1">
+                      <a:lumMod val="40000"/>
+                      <a:lumOff val="60000"/>
+                    </a:schemeClr>
+                  </a:solidFill>
                 </a:ln>
               </p:spPr>
               <p:style>
@@ -6399,724 +6571,862 @@
                 <a:p>
                   <a:pPr algn="ctr"/>
                   <a:r>
-                    <a:rPr lang="en-US" altLang="ko-KR" sz="1400" b="1" dirty="0" smtClean="0">
-                      <a:solidFill>
-                        <a:schemeClr val="tx1"/>
-                      </a:solidFill>
-                    </a:rPr>
-                    <a:t>Proxy / </a:t>
+                    <a:rPr lang="en-US" altLang="ko-KR" sz="1400" b="1" dirty="0" err="1" smtClean="0"/>
+                    <a:t>etcd</a:t>
                   </a:r>
-                  <a:r>
-                    <a:rPr lang="en-US" altLang="ko-KR" sz="1400" b="1" dirty="0" err="1" smtClean="0">
-                      <a:solidFill>
-                        <a:schemeClr val="tx1"/>
-                      </a:solidFill>
-                    </a:rPr>
-                    <a:t>Config</a:t>
-                  </a:r>
-                  <a:endParaRPr lang="ko-KR" altLang="en-US" sz="1400" b="1" dirty="0">
-                    <a:solidFill>
-                      <a:schemeClr val="tx1"/>
-                    </a:solidFill>
-                  </a:endParaRPr>
-                </a:p>
-              </p:txBody>
-            </p:sp>
-            <p:sp>
-              <p:nvSpPr>
-                <p:cNvPr id="15" name="모서리가 둥근 직사각형 14"/>
-                <p:cNvSpPr/>
-                <p:nvPr/>
-              </p:nvSpPr>
-              <p:spPr>
-                <a:xfrm>
-                  <a:off x="7473848" y="2538597"/>
-                  <a:ext cx="1368000" cy="324000"/>
-                </a:xfrm>
-                <a:prstGeom prst="roundRect">
-                  <a:avLst/>
-                </a:prstGeom>
-                <a:solidFill>
-                  <a:srgbClr val="BDD7EE"/>
-                </a:solidFill>
-                <a:ln>
-                  <a:noFill/>
-                </a:ln>
-              </p:spPr>
-              <p:style>
-                <a:lnRef idx="2">
-                  <a:schemeClr val="accent1">
-                    <a:shade val="50000"/>
-                  </a:schemeClr>
-                </a:lnRef>
-                <a:fillRef idx="1">
-                  <a:schemeClr val="accent1"/>
-                </a:fillRef>
-                <a:effectRef idx="0">
-                  <a:schemeClr val="accent1"/>
-                </a:effectRef>
-                <a:fontRef idx="minor">
-                  <a:schemeClr val="lt1"/>
-                </a:fontRef>
-              </p:style>
-              <p:txBody>
-                <a:bodyPr lIns="36000" tIns="36000" rIns="36000" bIns="36000" rtlCol="0" anchor="ctr"/>
-                <a:lstStyle/>
-                <a:p>
-                  <a:pPr algn="ctr"/>
-                  <a:r>
-                    <a:rPr lang="en-US" altLang="ko-KR" sz="1400" b="1" dirty="0" smtClean="0">
-                      <a:solidFill>
-                        <a:schemeClr val="tx1"/>
-                      </a:solidFill>
-                    </a:rPr>
-                    <a:t>Pod</a:t>
-                  </a:r>
-                  <a:endParaRPr lang="ko-KR" altLang="en-US" sz="1400" b="1" dirty="0">
-                    <a:solidFill>
-                      <a:schemeClr val="tx1"/>
-                    </a:solidFill>
-                  </a:endParaRPr>
-                </a:p>
-              </p:txBody>
-            </p:sp>
-          </p:grpSp>
-          <p:grpSp>
-            <p:nvGrpSpPr>
-              <p:cNvPr id="28" name="그룹 27"/>
-              <p:cNvGrpSpPr/>
-              <p:nvPr/>
-            </p:nvGrpSpPr>
-            <p:grpSpPr>
-              <a:xfrm>
-                <a:off x="7150663" y="4436136"/>
-                <a:ext cx="2014370" cy="1224000"/>
-                <a:chOff x="7150663" y="1751038"/>
-                <a:chExt cx="2014370" cy="1224000"/>
-              </a:xfrm>
-            </p:grpSpPr>
-            <p:sp>
-              <p:nvSpPr>
-                <p:cNvPr id="29" name="모서리가 둥근 직사각형 28"/>
-                <p:cNvSpPr/>
-                <p:nvPr/>
-              </p:nvSpPr>
-              <p:spPr>
-                <a:xfrm>
-                  <a:off x="7150663" y="1751038"/>
-                  <a:ext cx="2014370" cy="1224000"/>
-                </a:xfrm>
-                <a:prstGeom prst="roundRect">
-                  <a:avLst/>
-                </a:prstGeom>
-                <a:solidFill>
-                  <a:schemeClr val="accent1">
-                    <a:lumMod val="75000"/>
-                  </a:schemeClr>
-                </a:solidFill>
-                <a:ln>
-                  <a:noFill/>
-                </a:ln>
-              </p:spPr>
-              <p:style>
-                <a:lnRef idx="2">
-                  <a:schemeClr val="accent1">
-                    <a:shade val="50000"/>
-                  </a:schemeClr>
-                </a:lnRef>
-                <a:fillRef idx="1">
-                  <a:schemeClr val="accent1"/>
-                </a:fillRef>
-                <a:effectRef idx="0">
-                  <a:schemeClr val="accent1"/>
-                </a:effectRef>
-                <a:fontRef idx="minor">
-                  <a:schemeClr val="lt1"/>
-                </a:fontRef>
-              </p:style>
-              <p:txBody>
-                <a:bodyPr lIns="36000" tIns="36000" rIns="36000" bIns="36000" rtlCol="0" anchor="t"/>
-                <a:lstStyle/>
-                <a:p>
-                  <a:pPr algn="ctr"/>
-                  <a:r>
-                    <a:rPr lang="en-US" altLang="ko-KR" sz="1600" b="1" dirty="0" smtClean="0"/>
-                    <a:t>Worker Node</a:t>
-                  </a:r>
-                  <a:endParaRPr lang="ko-KR" altLang="en-US" sz="1600" b="1" dirty="0"/>
-                </a:p>
-              </p:txBody>
-            </p:sp>
-            <p:sp>
-              <p:nvSpPr>
-                <p:cNvPr id="30" name="모서리가 둥근 직사각형 29"/>
-                <p:cNvSpPr/>
-                <p:nvPr/>
-              </p:nvSpPr>
-              <p:spPr>
-                <a:xfrm>
-                  <a:off x="7473848" y="2138156"/>
-                  <a:ext cx="1368000" cy="324000"/>
-                </a:xfrm>
-                <a:prstGeom prst="roundRect">
-                  <a:avLst/>
-                </a:prstGeom>
-                <a:solidFill>
-                  <a:srgbClr val="BDD7EE"/>
-                </a:solidFill>
-                <a:ln>
-                  <a:noFill/>
-                </a:ln>
-              </p:spPr>
-              <p:style>
-                <a:lnRef idx="2">
-                  <a:schemeClr val="accent1">
-                    <a:shade val="50000"/>
-                  </a:schemeClr>
-                </a:lnRef>
-                <a:fillRef idx="1">
-                  <a:schemeClr val="accent1"/>
-                </a:fillRef>
-                <a:effectRef idx="0">
-                  <a:schemeClr val="accent1"/>
-                </a:effectRef>
-                <a:fontRef idx="minor">
-                  <a:schemeClr val="lt1"/>
-                </a:fontRef>
-              </p:style>
-              <p:txBody>
-                <a:bodyPr lIns="36000" tIns="36000" rIns="36000" bIns="36000" rtlCol="0" anchor="ctr"/>
-                <a:lstStyle/>
-                <a:p>
-                  <a:pPr algn="ctr"/>
-                  <a:r>
-                    <a:rPr lang="en-US" altLang="ko-KR" sz="1400" b="1" dirty="0" smtClean="0">
-                      <a:solidFill>
-                        <a:schemeClr val="tx1"/>
-                      </a:solidFill>
-                    </a:rPr>
-                    <a:t>Proxy / </a:t>
-                  </a:r>
-                  <a:r>
-                    <a:rPr lang="en-US" altLang="ko-KR" sz="1400" b="1" dirty="0" err="1" smtClean="0">
-                      <a:solidFill>
-                        <a:schemeClr val="tx1"/>
-                      </a:solidFill>
-                    </a:rPr>
-                    <a:t>Config</a:t>
-                  </a:r>
-                  <a:endParaRPr lang="ko-KR" altLang="en-US" sz="1400" b="1" dirty="0">
-                    <a:solidFill>
-                      <a:schemeClr val="tx1"/>
-                    </a:solidFill>
-                  </a:endParaRPr>
-                </a:p>
-              </p:txBody>
-            </p:sp>
-            <p:sp>
-              <p:nvSpPr>
-                <p:cNvPr id="31" name="모서리가 둥근 직사각형 30"/>
-                <p:cNvSpPr/>
-                <p:nvPr/>
-              </p:nvSpPr>
-              <p:spPr>
-                <a:xfrm>
-                  <a:off x="7473848" y="2538597"/>
-                  <a:ext cx="1368000" cy="324000"/>
-                </a:xfrm>
-                <a:prstGeom prst="roundRect">
-                  <a:avLst/>
-                </a:prstGeom>
-                <a:solidFill>
-                  <a:srgbClr val="BDD7EE"/>
-                </a:solidFill>
-                <a:ln>
-                  <a:noFill/>
-                </a:ln>
-              </p:spPr>
-              <p:style>
-                <a:lnRef idx="2">
-                  <a:schemeClr val="accent1">
-                    <a:shade val="50000"/>
-                  </a:schemeClr>
-                </a:lnRef>
-                <a:fillRef idx="1">
-                  <a:schemeClr val="accent1"/>
-                </a:fillRef>
-                <a:effectRef idx="0">
-                  <a:schemeClr val="accent1"/>
-                </a:effectRef>
-                <a:fontRef idx="minor">
-                  <a:schemeClr val="lt1"/>
-                </a:fontRef>
-              </p:style>
-              <p:txBody>
-                <a:bodyPr lIns="36000" tIns="36000" rIns="36000" bIns="36000" rtlCol="0" anchor="ctr"/>
-                <a:lstStyle/>
-                <a:p>
-                  <a:pPr algn="ctr"/>
-                  <a:r>
-                    <a:rPr lang="en-US" altLang="ko-KR" sz="1400" b="1" dirty="0" smtClean="0">
-                      <a:solidFill>
-                        <a:schemeClr val="tx1"/>
-                      </a:solidFill>
-                    </a:rPr>
-                    <a:t>Pod</a:t>
-                  </a:r>
-                  <a:endParaRPr lang="ko-KR" altLang="en-US" sz="1400" b="1" dirty="0">
-                    <a:solidFill>
-                      <a:schemeClr val="tx1"/>
-                    </a:solidFill>
-                  </a:endParaRPr>
-                </a:p>
-              </p:txBody>
-            </p:sp>
-          </p:grpSp>
-          <p:grpSp>
-            <p:nvGrpSpPr>
-              <p:cNvPr id="32" name="그룹 31"/>
-              <p:cNvGrpSpPr/>
-              <p:nvPr/>
-            </p:nvGrpSpPr>
-            <p:grpSpPr>
-              <a:xfrm>
-                <a:off x="7150663" y="3093587"/>
-                <a:ext cx="2014370" cy="1224000"/>
-                <a:chOff x="7150663" y="1751038"/>
-                <a:chExt cx="2014370" cy="1224000"/>
-              </a:xfrm>
-            </p:grpSpPr>
-            <p:sp>
-              <p:nvSpPr>
-                <p:cNvPr id="33" name="모서리가 둥근 직사각형 32"/>
-                <p:cNvSpPr/>
-                <p:nvPr/>
-              </p:nvSpPr>
-              <p:spPr>
-                <a:xfrm>
-                  <a:off x="7150663" y="1751038"/>
-                  <a:ext cx="2014370" cy="1224000"/>
-                </a:xfrm>
-                <a:prstGeom prst="roundRect">
-                  <a:avLst/>
-                </a:prstGeom>
-                <a:solidFill>
-                  <a:schemeClr val="accent1">
-                    <a:lumMod val="75000"/>
-                  </a:schemeClr>
-                </a:solidFill>
-                <a:ln>
-                  <a:noFill/>
-                </a:ln>
-              </p:spPr>
-              <p:style>
-                <a:lnRef idx="2">
-                  <a:schemeClr val="accent1">
-                    <a:shade val="50000"/>
-                  </a:schemeClr>
-                </a:lnRef>
-                <a:fillRef idx="1">
-                  <a:schemeClr val="accent1"/>
-                </a:fillRef>
-                <a:effectRef idx="0">
-                  <a:schemeClr val="accent1"/>
-                </a:effectRef>
-                <a:fontRef idx="minor">
-                  <a:schemeClr val="lt1"/>
-                </a:fontRef>
-              </p:style>
-              <p:txBody>
-                <a:bodyPr lIns="36000" tIns="36000" rIns="36000" bIns="36000" rtlCol="0" anchor="t"/>
-                <a:lstStyle/>
-                <a:p>
-                  <a:pPr algn="ctr"/>
-                  <a:r>
-                    <a:rPr lang="en-US" altLang="ko-KR" sz="1600" b="1" dirty="0" smtClean="0"/>
-                    <a:t>Worker Node</a:t>
-                  </a:r>
-                  <a:endParaRPr lang="ko-KR" altLang="en-US" sz="1600" b="1" dirty="0"/>
-                </a:p>
-              </p:txBody>
-            </p:sp>
-            <p:sp>
-              <p:nvSpPr>
-                <p:cNvPr id="34" name="모서리가 둥근 직사각형 33"/>
-                <p:cNvSpPr/>
-                <p:nvPr/>
-              </p:nvSpPr>
-              <p:spPr>
-                <a:xfrm>
-                  <a:off x="7473848" y="2138156"/>
-                  <a:ext cx="1368000" cy="324000"/>
-                </a:xfrm>
-                <a:prstGeom prst="roundRect">
-                  <a:avLst/>
-                </a:prstGeom>
-                <a:solidFill>
-                  <a:srgbClr val="BDD7EE"/>
-                </a:solidFill>
-                <a:ln>
-                  <a:noFill/>
-                </a:ln>
-              </p:spPr>
-              <p:style>
-                <a:lnRef idx="2">
-                  <a:schemeClr val="accent1">
-                    <a:shade val="50000"/>
-                  </a:schemeClr>
-                </a:lnRef>
-                <a:fillRef idx="1">
-                  <a:schemeClr val="accent1"/>
-                </a:fillRef>
-                <a:effectRef idx="0">
-                  <a:schemeClr val="accent1"/>
-                </a:effectRef>
-                <a:fontRef idx="minor">
-                  <a:schemeClr val="lt1"/>
-                </a:fontRef>
-              </p:style>
-              <p:txBody>
-                <a:bodyPr lIns="36000" tIns="36000" rIns="36000" bIns="36000" rtlCol="0" anchor="ctr"/>
-                <a:lstStyle/>
-                <a:p>
-                  <a:pPr algn="ctr"/>
-                  <a:r>
-                    <a:rPr lang="en-US" altLang="ko-KR" sz="1400" b="1" dirty="0" smtClean="0">
-                      <a:solidFill>
-                        <a:schemeClr val="tx1"/>
-                      </a:solidFill>
-                    </a:rPr>
-                    <a:t>Proxy / </a:t>
-                  </a:r>
-                  <a:r>
-                    <a:rPr lang="en-US" altLang="ko-KR" sz="1400" b="1" dirty="0" err="1" smtClean="0">
-                      <a:solidFill>
-                        <a:schemeClr val="tx1"/>
-                      </a:solidFill>
-                    </a:rPr>
-                    <a:t>Config</a:t>
-                  </a:r>
-                  <a:endParaRPr lang="ko-KR" altLang="en-US" sz="1400" b="1" dirty="0">
-                    <a:solidFill>
-                      <a:schemeClr val="tx1"/>
-                    </a:solidFill>
-                  </a:endParaRPr>
-                </a:p>
-              </p:txBody>
-            </p:sp>
-            <p:sp>
-              <p:nvSpPr>
-                <p:cNvPr id="35" name="모서리가 둥근 직사각형 34"/>
-                <p:cNvSpPr/>
-                <p:nvPr/>
-              </p:nvSpPr>
-              <p:spPr>
-                <a:xfrm>
-                  <a:off x="7473848" y="2538597"/>
-                  <a:ext cx="1368000" cy="324000"/>
-                </a:xfrm>
-                <a:prstGeom prst="roundRect">
-                  <a:avLst/>
-                </a:prstGeom>
-                <a:solidFill>
-                  <a:srgbClr val="BDD7EE"/>
-                </a:solidFill>
-                <a:ln>
-                  <a:noFill/>
-                </a:ln>
-              </p:spPr>
-              <p:style>
-                <a:lnRef idx="2">
-                  <a:schemeClr val="accent1">
-                    <a:shade val="50000"/>
-                  </a:schemeClr>
-                </a:lnRef>
-                <a:fillRef idx="1">
-                  <a:schemeClr val="accent1"/>
-                </a:fillRef>
-                <a:effectRef idx="0">
-                  <a:schemeClr val="accent1"/>
-                </a:effectRef>
-                <a:fontRef idx="minor">
-                  <a:schemeClr val="lt1"/>
-                </a:fontRef>
-              </p:style>
-              <p:txBody>
-                <a:bodyPr lIns="36000" tIns="36000" rIns="36000" bIns="36000" rtlCol="0" anchor="ctr"/>
-                <a:lstStyle/>
-                <a:p>
-                  <a:pPr algn="ctr"/>
-                  <a:r>
-                    <a:rPr lang="en-US" altLang="ko-KR" sz="1400" b="1" dirty="0" smtClean="0">
-                      <a:solidFill>
-                        <a:schemeClr val="tx1"/>
-                      </a:solidFill>
-                    </a:rPr>
-                    <a:t>Pod</a:t>
-                  </a:r>
-                  <a:endParaRPr lang="ko-KR" altLang="en-US" sz="1400" b="1" dirty="0">
-                    <a:solidFill>
-                      <a:schemeClr val="tx1"/>
-                    </a:solidFill>
-                  </a:endParaRPr>
+                  <a:endParaRPr lang="ko-KR" altLang="en-US" sz="1400" b="1" dirty="0"/>
                 </a:p>
               </p:txBody>
             </p:sp>
           </p:grpSp>
         </p:grpSp>
-        <p:cxnSp>
-          <p:nvCxnSpPr>
-            <p:cNvPr id="38" name="꺾인 연결선 37"/>
-            <p:cNvCxnSpPr>
-              <a:stCxn id="5" idx="3"/>
-              <a:endCxn id="12" idx="1"/>
-            </p:cNvCxnSpPr>
+      </p:grpSp>
+      <p:grpSp>
+        <p:nvGrpSpPr>
+          <p:cNvPr id="50" name="그룹 49"/>
+          <p:cNvGrpSpPr/>
+          <p:nvPr/>
+        </p:nvGrpSpPr>
+        <p:grpSpPr>
+          <a:xfrm>
+            <a:off x="6854065" y="1281127"/>
+            <a:ext cx="2014370" cy="1440000"/>
+            <a:chOff x="6854065" y="1318155"/>
+            <a:chExt cx="2014370" cy="1440000"/>
+          </a:xfrm>
+        </p:grpSpPr>
+        <p:sp>
+          <p:nvSpPr>
+            <p:cNvPr id="12" name="모서리가 둥근 직사각형 11"/>
+            <p:cNvSpPr/>
             <p:nvPr/>
-          </p:nvCxnSpPr>
+          </p:nvSpPr>
           <p:spPr>
-            <a:xfrm flipV="1">
-              <a:off x="4728867" y="2088718"/>
-              <a:ext cx="1873156" cy="1344198"/>
+            <a:xfrm>
+              <a:off x="6854065" y="1318155"/>
+              <a:ext cx="2014370" cy="1440000"/>
             </a:xfrm>
-            <a:prstGeom prst="bentConnector3">
+            <a:prstGeom prst="roundRect">
               <a:avLst/>
             </a:prstGeom>
-            <a:ln w="19050">
+            <a:solidFill>
+              <a:schemeClr val="accent1">
+                <a:lumMod val="75000"/>
+              </a:schemeClr>
+            </a:solidFill>
+            <a:ln>
               <a:solidFill>
-                <a:schemeClr val="tx2"/>
+                <a:schemeClr val="accent5"/>
               </a:solidFill>
-              <a:tailEnd type="triangle"/>
             </a:ln>
           </p:spPr>
           <p:style>
-            <a:lnRef idx="1">
-              <a:schemeClr val="accent1"/>
+            <a:lnRef idx="2">
+              <a:schemeClr val="accent1">
+                <a:shade val="50000"/>
+              </a:schemeClr>
             </a:lnRef>
-            <a:fillRef idx="0">
+            <a:fillRef idx="1">
               <a:schemeClr val="accent1"/>
             </a:fillRef>
             <a:effectRef idx="0">
               <a:schemeClr val="accent1"/>
             </a:effectRef>
             <a:fontRef idx="minor">
-              <a:schemeClr val="tx1"/>
+              <a:schemeClr val="lt1"/>
             </a:fontRef>
           </p:style>
-        </p:cxnSp>
-        <p:cxnSp>
-          <p:nvCxnSpPr>
-            <p:cNvPr id="39" name="꺾인 연결선 38"/>
-            <p:cNvCxnSpPr>
-              <a:stCxn id="5" idx="3"/>
-              <a:endCxn id="29" idx="1"/>
-            </p:cNvCxnSpPr>
+          <p:txBody>
+            <a:bodyPr lIns="36000" tIns="0" rIns="36000" bIns="36000" rtlCol="0" anchor="t"/>
+            <a:lstStyle/>
+            <a:p>
+              <a:pPr algn="ctr"/>
+              <a:r>
+                <a:rPr lang="en-US" altLang="ko-KR" sz="1600" b="1" dirty="0" smtClean="0"/>
+                <a:t>Worker Node</a:t>
+              </a:r>
+              <a:endParaRPr lang="ko-KR" altLang="en-US" sz="1600" b="1" dirty="0"/>
+            </a:p>
+          </p:txBody>
+        </p:sp>
+        <p:grpSp>
+          <p:nvGrpSpPr>
+            <p:cNvPr id="44" name="그룹 43"/>
+            <p:cNvGrpSpPr/>
             <p:nvPr/>
-          </p:nvCxnSpPr>
+          </p:nvGrpSpPr>
+          <p:grpSpPr>
+            <a:xfrm>
+              <a:off x="7141250" y="1684386"/>
+              <a:ext cx="1440000" cy="990934"/>
+              <a:chOff x="7141250" y="1684386"/>
+              <a:chExt cx="1440000" cy="990934"/>
+            </a:xfrm>
+          </p:grpSpPr>
+          <p:sp>
+            <p:nvSpPr>
+              <p:cNvPr id="14" name="모서리가 둥근 직사각형 13"/>
+              <p:cNvSpPr/>
+              <p:nvPr/>
+            </p:nvSpPr>
+            <p:spPr>
+              <a:xfrm>
+                <a:off x="7141250" y="1684386"/>
+                <a:ext cx="1440000" cy="288000"/>
+              </a:xfrm>
+              <a:prstGeom prst="roundRect">
+                <a:avLst/>
+              </a:prstGeom>
+              <a:solidFill>
+                <a:srgbClr val="BDD7EE"/>
+              </a:solidFill>
+              <a:ln>
+                <a:solidFill>
+                  <a:schemeClr val="accent1"/>
+                </a:solidFill>
+              </a:ln>
+            </p:spPr>
+            <p:style>
+              <a:lnRef idx="2">
+                <a:schemeClr val="accent1">
+                  <a:shade val="50000"/>
+                </a:schemeClr>
+              </a:lnRef>
+              <a:fillRef idx="1">
+                <a:schemeClr val="accent1"/>
+              </a:fillRef>
+              <a:effectRef idx="0">
+                <a:schemeClr val="accent1"/>
+              </a:effectRef>
+              <a:fontRef idx="minor">
+                <a:schemeClr val="lt1"/>
+              </a:fontRef>
+            </p:style>
+            <p:txBody>
+              <a:bodyPr lIns="36000" tIns="36000" rIns="36000" bIns="36000" rtlCol="0" anchor="ctr"/>
+              <a:lstStyle/>
+              <a:p>
+                <a:pPr algn="ctr"/>
+                <a:r>
+                  <a:rPr lang="en-US" altLang="ko-KR" sz="1400" b="1" dirty="0" err="1" smtClean="0">
+                    <a:solidFill>
+                      <a:schemeClr val="tx1"/>
+                    </a:solidFill>
+                  </a:rPr>
+                  <a:t>kubelet</a:t>
+                </a:r>
+                <a:endParaRPr lang="ko-KR" altLang="en-US" sz="1400" b="1" dirty="0">
+                  <a:solidFill>
+                    <a:schemeClr val="tx1"/>
+                  </a:solidFill>
+                </a:endParaRPr>
+              </a:p>
+            </p:txBody>
+          </p:sp>
+          <p:sp>
+            <p:nvSpPr>
+              <p:cNvPr id="15" name="모서리가 둥근 직사각형 14"/>
+              <p:cNvSpPr/>
+              <p:nvPr/>
+            </p:nvSpPr>
+            <p:spPr>
+              <a:xfrm>
+                <a:off x="7141250" y="2035853"/>
+                <a:ext cx="1440000" cy="288000"/>
+              </a:xfrm>
+              <a:prstGeom prst="roundRect">
+                <a:avLst/>
+              </a:prstGeom>
+              <a:solidFill>
+                <a:srgbClr val="BDD7EE"/>
+              </a:solidFill>
+              <a:ln>
+                <a:solidFill>
+                  <a:schemeClr val="accent1"/>
+                </a:solidFill>
+              </a:ln>
+            </p:spPr>
+            <p:style>
+              <a:lnRef idx="2">
+                <a:schemeClr val="accent1">
+                  <a:shade val="50000"/>
+                </a:schemeClr>
+              </a:lnRef>
+              <a:fillRef idx="1">
+                <a:schemeClr val="accent1"/>
+              </a:fillRef>
+              <a:effectRef idx="0">
+                <a:schemeClr val="accent1"/>
+              </a:effectRef>
+              <a:fontRef idx="minor">
+                <a:schemeClr val="lt1"/>
+              </a:fontRef>
+            </p:style>
+            <p:txBody>
+              <a:bodyPr lIns="36000" tIns="36000" rIns="36000" bIns="36000" rtlCol="0" anchor="ctr"/>
+              <a:lstStyle/>
+              <a:p>
+                <a:pPr algn="ctr"/>
+                <a:r>
+                  <a:rPr lang="en-US" altLang="ko-KR" sz="1400" b="1" dirty="0">
+                    <a:solidFill>
+                      <a:schemeClr val="tx1"/>
+                    </a:solidFill>
+                  </a:rPr>
+                  <a:t>Proxy / </a:t>
+                </a:r>
+                <a:r>
+                  <a:rPr lang="en-US" altLang="ko-KR" sz="1400" b="1" dirty="0" err="1">
+                    <a:solidFill>
+                      <a:schemeClr val="tx1"/>
+                    </a:solidFill>
+                  </a:rPr>
+                  <a:t>Config</a:t>
+                </a:r>
+                <a:endParaRPr lang="ko-KR" altLang="en-US" sz="1400" b="1" dirty="0">
+                  <a:solidFill>
+                    <a:schemeClr val="tx1"/>
+                  </a:solidFill>
+                </a:endParaRPr>
+              </a:p>
+            </p:txBody>
+          </p:sp>
+          <p:sp>
+            <p:nvSpPr>
+              <p:cNvPr id="49" name="모서리가 둥근 직사각형 48"/>
+              <p:cNvSpPr/>
+              <p:nvPr/>
+            </p:nvSpPr>
+            <p:spPr>
+              <a:xfrm>
+                <a:off x="7141250" y="2387320"/>
+                <a:ext cx="1440000" cy="288000"/>
+              </a:xfrm>
+              <a:prstGeom prst="roundRect">
+                <a:avLst/>
+              </a:prstGeom>
+              <a:solidFill>
+                <a:srgbClr val="BDD7EE"/>
+              </a:solidFill>
+              <a:ln>
+                <a:solidFill>
+                  <a:schemeClr val="accent1"/>
+                </a:solidFill>
+              </a:ln>
+            </p:spPr>
+            <p:style>
+              <a:lnRef idx="2">
+                <a:schemeClr val="accent1">
+                  <a:shade val="50000"/>
+                </a:schemeClr>
+              </a:lnRef>
+              <a:fillRef idx="1">
+                <a:schemeClr val="accent1"/>
+              </a:fillRef>
+              <a:effectRef idx="0">
+                <a:schemeClr val="accent1"/>
+              </a:effectRef>
+              <a:fontRef idx="minor">
+                <a:schemeClr val="lt1"/>
+              </a:fontRef>
+            </p:style>
+            <p:txBody>
+              <a:bodyPr lIns="36000" tIns="36000" rIns="36000" bIns="36000" rtlCol="0" anchor="ctr"/>
+              <a:lstStyle/>
+              <a:p>
+                <a:pPr algn="ctr"/>
+                <a:r>
+                  <a:rPr lang="en-US" altLang="ko-KR" sz="1400" b="1" dirty="0" smtClean="0">
+                    <a:solidFill>
+                      <a:schemeClr val="tx1"/>
+                    </a:solidFill>
+                  </a:rPr>
+                  <a:t>Pod</a:t>
+                </a:r>
+                <a:endParaRPr lang="ko-KR" altLang="en-US" sz="1400" b="1" dirty="0">
+                  <a:solidFill>
+                    <a:schemeClr val="tx1"/>
+                  </a:solidFill>
+                </a:endParaRPr>
+              </a:p>
+            </p:txBody>
+          </p:sp>
+        </p:grpSp>
+      </p:grpSp>
+      <p:grpSp>
+        <p:nvGrpSpPr>
+          <p:cNvPr id="51" name="그룹 50"/>
+          <p:cNvGrpSpPr/>
+          <p:nvPr/>
+        </p:nvGrpSpPr>
+        <p:grpSpPr>
+          <a:xfrm>
+            <a:off x="6854065" y="2896876"/>
+            <a:ext cx="2014370" cy="1440000"/>
+            <a:chOff x="6854065" y="1318155"/>
+            <a:chExt cx="2014370" cy="1440000"/>
+          </a:xfrm>
+        </p:grpSpPr>
+        <p:sp>
+          <p:nvSpPr>
+            <p:cNvPr id="52" name="모서리가 둥근 직사각형 51"/>
+            <p:cNvSpPr/>
+            <p:nvPr/>
+          </p:nvSpPr>
           <p:spPr>
             <a:xfrm>
-              <a:off x="4728867" y="3432916"/>
-              <a:ext cx="1873156" cy="1340900"/>
+              <a:off x="6854065" y="1318155"/>
+              <a:ext cx="2014370" cy="1440000"/>
             </a:xfrm>
-            <a:prstGeom prst="bentConnector3">
+            <a:prstGeom prst="roundRect">
               <a:avLst/>
             </a:prstGeom>
-            <a:ln w="19050">
+            <a:solidFill>
+              <a:schemeClr val="accent1">
+                <a:lumMod val="75000"/>
+              </a:schemeClr>
+            </a:solidFill>
+            <a:ln>
               <a:solidFill>
-                <a:schemeClr val="tx2"/>
+                <a:schemeClr val="accent5"/>
               </a:solidFill>
-              <a:tailEnd type="triangle"/>
             </a:ln>
           </p:spPr>
           <p:style>
-            <a:lnRef idx="1">
-              <a:schemeClr val="accent1"/>
+            <a:lnRef idx="2">
+              <a:schemeClr val="accent1">
+                <a:shade val="50000"/>
+              </a:schemeClr>
             </a:lnRef>
-            <a:fillRef idx="0">
+            <a:fillRef idx="1">
               <a:schemeClr val="accent1"/>
             </a:fillRef>
             <a:effectRef idx="0">
               <a:schemeClr val="accent1"/>
             </a:effectRef>
             <a:fontRef idx="minor">
-              <a:schemeClr val="tx1"/>
+              <a:schemeClr val="lt1"/>
             </a:fontRef>
           </p:style>
-        </p:cxnSp>
-        <p:cxnSp>
-          <p:nvCxnSpPr>
-            <p:cNvPr id="42" name="꺾인 연결선 41"/>
-            <p:cNvCxnSpPr>
-              <a:stCxn id="5" idx="3"/>
-              <a:endCxn id="33" idx="1"/>
-            </p:cNvCxnSpPr>
+          <p:txBody>
+            <a:bodyPr lIns="36000" tIns="0" rIns="36000" bIns="36000" rtlCol="0" anchor="t"/>
+            <a:lstStyle/>
+            <a:p>
+              <a:pPr algn="ctr"/>
+              <a:r>
+                <a:rPr lang="en-US" altLang="ko-KR" sz="1600" b="1" dirty="0" smtClean="0"/>
+                <a:t>Worker Node</a:t>
+              </a:r>
+              <a:endParaRPr lang="ko-KR" altLang="en-US" sz="1600" b="1" dirty="0"/>
+            </a:p>
+          </p:txBody>
+        </p:sp>
+        <p:grpSp>
+          <p:nvGrpSpPr>
+            <p:cNvPr id="53" name="그룹 52"/>
+            <p:cNvGrpSpPr/>
             <p:nvPr/>
-          </p:nvCxnSpPr>
+          </p:nvGrpSpPr>
+          <p:grpSpPr>
+            <a:xfrm>
+              <a:off x="7141250" y="1684386"/>
+              <a:ext cx="1440000" cy="990934"/>
+              <a:chOff x="7141250" y="1684386"/>
+              <a:chExt cx="1440000" cy="990934"/>
+            </a:xfrm>
+          </p:grpSpPr>
+          <p:sp>
+            <p:nvSpPr>
+              <p:cNvPr id="54" name="모서리가 둥근 직사각형 53"/>
+              <p:cNvSpPr/>
+              <p:nvPr/>
+            </p:nvSpPr>
+            <p:spPr>
+              <a:xfrm>
+                <a:off x="7141250" y="1684386"/>
+                <a:ext cx="1440000" cy="288000"/>
+              </a:xfrm>
+              <a:prstGeom prst="roundRect">
+                <a:avLst/>
+              </a:prstGeom>
+              <a:solidFill>
+                <a:srgbClr val="BDD7EE"/>
+              </a:solidFill>
+              <a:ln>
+                <a:solidFill>
+                  <a:schemeClr val="accent1"/>
+                </a:solidFill>
+              </a:ln>
+            </p:spPr>
+            <p:style>
+              <a:lnRef idx="2">
+                <a:schemeClr val="accent1">
+                  <a:shade val="50000"/>
+                </a:schemeClr>
+              </a:lnRef>
+              <a:fillRef idx="1">
+                <a:schemeClr val="accent1"/>
+              </a:fillRef>
+              <a:effectRef idx="0">
+                <a:schemeClr val="accent1"/>
+              </a:effectRef>
+              <a:fontRef idx="minor">
+                <a:schemeClr val="lt1"/>
+              </a:fontRef>
+            </p:style>
+            <p:txBody>
+              <a:bodyPr lIns="36000" tIns="36000" rIns="36000" bIns="36000" rtlCol="0" anchor="ctr"/>
+              <a:lstStyle/>
+              <a:p>
+                <a:pPr algn="ctr"/>
+                <a:r>
+                  <a:rPr lang="en-US" altLang="ko-KR" sz="1400" b="1" dirty="0" err="1" smtClean="0">
+                    <a:solidFill>
+                      <a:schemeClr val="tx1"/>
+                    </a:solidFill>
+                  </a:rPr>
+                  <a:t>kubelet</a:t>
+                </a:r>
+                <a:endParaRPr lang="ko-KR" altLang="en-US" sz="1400" b="1" dirty="0">
+                  <a:solidFill>
+                    <a:schemeClr val="tx1"/>
+                  </a:solidFill>
+                </a:endParaRPr>
+              </a:p>
+            </p:txBody>
+          </p:sp>
+          <p:sp>
+            <p:nvSpPr>
+              <p:cNvPr id="55" name="모서리가 둥근 직사각형 54"/>
+              <p:cNvSpPr/>
+              <p:nvPr/>
+            </p:nvSpPr>
+            <p:spPr>
+              <a:xfrm>
+                <a:off x="7141250" y="2035853"/>
+                <a:ext cx="1440000" cy="288000"/>
+              </a:xfrm>
+              <a:prstGeom prst="roundRect">
+                <a:avLst/>
+              </a:prstGeom>
+              <a:solidFill>
+                <a:srgbClr val="BDD7EE"/>
+              </a:solidFill>
+              <a:ln>
+                <a:solidFill>
+                  <a:schemeClr val="accent1"/>
+                </a:solidFill>
+              </a:ln>
+            </p:spPr>
+            <p:style>
+              <a:lnRef idx="2">
+                <a:schemeClr val="accent1">
+                  <a:shade val="50000"/>
+                </a:schemeClr>
+              </a:lnRef>
+              <a:fillRef idx="1">
+                <a:schemeClr val="accent1"/>
+              </a:fillRef>
+              <a:effectRef idx="0">
+                <a:schemeClr val="accent1"/>
+              </a:effectRef>
+              <a:fontRef idx="minor">
+                <a:schemeClr val="lt1"/>
+              </a:fontRef>
+            </p:style>
+            <p:txBody>
+              <a:bodyPr lIns="36000" tIns="36000" rIns="36000" bIns="36000" rtlCol="0" anchor="ctr"/>
+              <a:lstStyle/>
+              <a:p>
+                <a:pPr algn="ctr"/>
+                <a:r>
+                  <a:rPr lang="en-US" altLang="ko-KR" sz="1400" b="1" dirty="0">
+                    <a:solidFill>
+                      <a:schemeClr val="tx1"/>
+                    </a:solidFill>
+                  </a:rPr>
+                  <a:t>Proxy / </a:t>
+                </a:r>
+                <a:r>
+                  <a:rPr lang="en-US" altLang="ko-KR" sz="1400" b="1" dirty="0" err="1">
+                    <a:solidFill>
+                      <a:schemeClr val="tx1"/>
+                    </a:solidFill>
+                  </a:rPr>
+                  <a:t>Config</a:t>
+                </a:r>
+                <a:endParaRPr lang="ko-KR" altLang="en-US" sz="1400" b="1" dirty="0">
+                  <a:solidFill>
+                    <a:schemeClr val="tx1"/>
+                  </a:solidFill>
+                </a:endParaRPr>
+              </a:p>
+            </p:txBody>
+          </p:sp>
+          <p:sp>
+            <p:nvSpPr>
+              <p:cNvPr id="56" name="모서리가 둥근 직사각형 55"/>
+              <p:cNvSpPr/>
+              <p:nvPr/>
+            </p:nvSpPr>
+            <p:spPr>
+              <a:xfrm>
+                <a:off x="7141250" y="2387320"/>
+                <a:ext cx="1440000" cy="288000"/>
+              </a:xfrm>
+              <a:prstGeom prst="roundRect">
+                <a:avLst/>
+              </a:prstGeom>
+              <a:solidFill>
+                <a:srgbClr val="BDD7EE"/>
+              </a:solidFill>
+              <a:ln>
+                <a:solidFill>
+                  <a:schemeClr val="accent1"/>
+                </a:solidFill>
+              </a:ln>
+            </p:spPr>
+            <p:style>
+              <a:lnRef idx="2">
+                <a:schemeClr val="accent1">
+                  <a:shade val="50000"/>
+                </a:schemeClr>
+              </a:lnRef>
+              <a:fillRef idx="1">
+                <a:schemeClr val="accent1"/>
+              </a:fillRef>
+              <a:effectRef idx="0">
+                <a:schemeClr val="accent1"/>
+              </a:effectRef>
+              <a:fontRef idx="minor">
+                <a:schemeClr val="lt1"/>
+              </a:fontRef>
+            </p:style>
+            <p:txBody>
+              <a:bodyPr lIns="36000" tIns="36000" rIns="36000" bIns="36000" rtlCol="0" anchor="ctr"/>
+              <a:lstStyle/>
+              <a:p>
+                <a:pPr algn="ctr"/>
+                <a:r>
+                  <a:rPr lang="en-US" altLang="ko-KR" sz="1400" b="1" dirty="0" smtClean="0">
+                    <a:solidFill>
+                      <a:schemeClr val="tx1"/>
+                    </a:solidFill>
+                  </a:rPr>
+                  <a:t>Pod</a:t>
+                </a:r>
+                <a:endParaRPr lang="ko-KR" altLang="en-US" sz="1400" b="1" dirty="0">
+                  <a:solidFill>
+                    <a:schemeClr val="tx1"/>
+                  </a:solidFill>
+                </a:endParaRPr>
+              </a:p>
+            </p:txBody>
+          </p:sp>
+        </p:grpSp>
+      </p:grpSp>
+      <p:grpSp>
+        <p:nvGrpSpPr>
+          <p:cNvPr id="57" name="그룹 56"/>
+          <p:cNvGrpSpPr/>
+          <p:nvPr/>
+        </p:nvGrpSpPr>
+        <p:grpSpPr>
+          <a:xfrm>
+            <a:off x="6854065" y="4570070"/>
+            <a:ext cx="2014370" cy="1440000"/>
+            <a:chOff x="6854065" y="1318155"/>
+            <a:chExt cx="2014370" cy="1440000"/>
+          </a:xfrm>
+        </p:grpSpPr>
+        <p:sp>
+          <p:nvSpPr>
+            <p:cNvPr id="58" name="모서리가 둥근 직사각형 57"/>
+            <p:cNvSpPr/>
+            <p:nvPr/>
+          </p:nvSpPr>
           <p:spPr>
-            <a:xfrm flipV="1">
-              <a:off x="4728867" y="3431267"/>
-              <a:ext cx="1873156" cy="1649"/>
+            <a:xfrm>
+              <a:off x="6854065" y="1318155"/>
+              <a:ext cx="2014370" cy="1440000"/>
             </a:xfrm>
-            <a:prstGeom prst="straightConnector1">
+            <a:prstGeom prst="roundRect">
               <a:avLst/>
             </a:prstGeom>
-            <a:ln w="19050">
+            <a:solidFill>
+              <a:schemeClr val="accent1">
+                <a:lumMod val="75000"/>
+              </a:schemeClr>
+            </a:solidFill>
+            <a:ln>
               <a:solidFill>
-                <a:schemeClr val="tx2"/>
+                <a:schemeClr val="accent5"/>
               </a:solidFill>
-              <a:tailEnd type="triangle"/>
             </a:ln>
           </p:spPr>
           <p:style>
-            <a:lnRef idx="1">
-              <a:schemeClr val="accent1"/>
+            <a:lnRef idx="2">
+              <a:schemeClr val="accent1">
+                <a:shade val="50000"/>
+              </a:schemeClr>
             </a:lnRef>
-            <a:fillRef idx="0">
+            <a:fillRef idx="1">
               <a:schemeClr val="accent1"/>
             </a:fillRef>
             <a:effectRef idx="0">
               <a:schemeClr val="accent1"/>
             </a:effectRef>
             <a:fontRef idx="minor">
-              <a:schemeClr val="tx1"/>
+              <a:schemeClr val="lt1"/>
             </a:fontRef>
           </p:style>
-        </p:cxnSp>
+          <p:txBody>
+            <a:bodyPr lIns="36000" tIns="0" rIns="36000" bIns="36000" rtlCol="0" anchor="t"/>
+            <a:lstStyle/>
+            <a:p>
+              <a:pPr algn="ctr"/>
+              <a:r>
+                <a:rPr lang="en-US" altLang="ko-KR" sz="1600" b="1" dirty="0" smtClean="0"/>
+                <a:t>Worker Node</a:t>
+              </a:r>
+              <a:endParaRPr lang="ko-KR" altLang="en-US" sz="1600" b="1" dirty="0"/>
+            </a:p>
+          </p:txBody>
+        </p:sp>
+        <p:grpSp>
+          <p:nvGrpSpPr>
+            <p:cNvPr id="59" name="그룹 58"/>
+            <p:cNvGrpSpPr/>
+            <p:nvPr/>
+          </p:nvGrpSpPr>
+          <p:grpSpPr>
+            <a:xfrm>
+              <a:off x="7141250" y="1684386"/>
+              <a:ext cx="1440000" cy="990934"/>
+              <a:chOff x="7141250" y="1684386"/>
+              <a:chExt cx="1440000" cy="990934"/>
+            </a:xfrm>
+          </p:grpSpPr>
+          <p:sp>
+            <p:nvSpPr>
+              <p:cNvPr id="60" name="모서리가 둥근 직사각형 59"/>
+              <p:cNvSpPr/>
+              <p:nvPr/>
+            </p:nvSpPr>
+            <p:spPr>
+              <a:xfrm>
+                <a:off x="7141250" y="1684386"/>
+                <a:ext cx="1440000" cy="288000"/>
+              </a:xfrm>
+              <a:prstGeom prst="roundRect">
+                <a:avLst/>
+              </a:prstGeom>
+              <a:solidFill>
+                <a:srgbClr val="BDD7EE"/>
+              </a:solidFill>
+              <a:ln>
+                <a:solidFill>
+                  <a:schemeClr val="accent1"/>
+                </a:solidFill>
+              </a:ln>
+            </p:spPr>
+            <p:style>
+              <a:lnRef idx="2">
+                <a:schemeClr val="accent1">
+                  <a:shade val="50000"/>
+                </a:schemeClr>
+              </a:lnRef>
+              <a:fillRef idx="1">
+                <a:schemeClr val="accent1"/>
+              </a:fillRef>
+              <a:effectRef idx="0">
+                <a:schemeClr val="accent1"/>
+              </a:effectRef>
+              <a:fontRef idx="minor">
+                <a:schemeClr val="lt1"/>
+              </a:fontRef>
+            </p:style>
+            <p:txBody>
+              <a:bodyPr lIns="36000" tIns="36000" rIns="36000" bIns="36000" rtlCol="0" anchor="ctr"/>
+              <a:lstStyle/>
+              <a:p>
+                <a:pPr algn="ctr"/>
+                <a:r>
+                  <a:rPr lang="en-US" altLang="ko-KR" sz="1400" b="1" dirty="0" err="1" smtClean="0">
+                    <a:solidFill>
+                      <a:schemeClr val="tx1"/>
+                    </a:solidFill>
+                  </a:rPr>
+                  <a:t>kubelet</a:t>
+                </a:r>
+                <a:endParaRPr lang="ko-KR" altLang="en-US" sz="1400" b="1" dirty="0">
+                  <a:solidFill>
+                    <a:schemeClr val="tx1"/>
+                  </a:solidFill>
+                </a:endParaRPr>
+              </a:p>
+            </p:txBody>
+          </p:sp>
+          <p:sp>
+            <p:nvSpPr>
+              <p:cNvPr id="61" name="모서리가 둥근 직사각형 60"/>
+              <p:cNvSpPr/>
+              <p:nvPr/>
+            </p:nvSpPr>
+            <p:spPr>
+              <a:xfrm>
+                <a:off x="7141250" y="2035853"/>
+                <a:ext cx="1440000" cy="288000"/>
+              </a:xfrm>
+              <a:prstGeom prst="roundRect">
+                <a:avLst/>
+              </a:prstGeom>
+              <a:solidFill>
+                <a:srgbClr val="BDD7EE"/>
+              </a:solidFill>
+              <a:ln>
+                <a:solidFill>
+                  <a:schemeClr val="accent1"/>
+                </a:solidFill>
+              </a:ln>
+            </p:spPr>
+            <p:style>
+              <a:lnRef idx="2">
+                <a:schemeClr val="accent1">
+                  <a:shade val="50000"/>
+                </a:schemeClr>
+              </a:lnRef>
+              <a:fillRef idx="1">
+                <a:schemeClr val="accent1"/>
+              </a:fillRef>
+              <a:effectRef idx="0">
+                <a:schemeClr val="accent1"/>
+              </a:effectRef>
+              <a:fontRef idx="minor">
+                <a:schemeClr val="lt1"/>
+              </a:fontRef>
+            </p:style>
+            <p:txBody>
+              <a:bodyPr lIns="36000" tIns="36000" rIns="36000" bIns="36000" rtlCol="0" anchor="ctr"/>
+              <a:lstStyle/>
+              <a:p>
+                <a:pPr algn="ctr"/>
+                <a:r>
+                  <a:rPr lang="en-US" altLang="ko-KR" sz="1400" b="1" dirty="0">
+                    <a:solidFill>
+                      <a:schemeClr val="tx1"/>
+                    </a:solidFill>
+                  </a:rPr>
+                  <a:t>Proxy / </a:t>
+                </a:r>
+                <a:r>
+                  <a:rPr lang="en-US" altLang="ko-KR" sz="1400" b="1" dirty="0" err="1">
+                    <a:solidFill>
+                      <a:schemeClr val="tx1"/>
+                    </a:solidFill>
+                  </a:rPr>
+                  <a:t>Config</a:t>
+                </a:r>
+                <a:endParaRPr lang="ko-KR" altLang="en-US" sz="1400" b="1" dirty="0">
+                  <a:solidFill>
+                    <a:schemeClr val="tx1"/>
+                  </a:solidFill>
+                </a:endParaRPr>
+              </a:p>
+            </p:txBody>
+          </p:sp>
+          <p:sp>
+            <p:nvSpPr>
+              <p:cNvPr id="62" name="모서리가 둥근 직사각형 61"/>
+              <p:cNvSpPr/>
+              <p:nvPr/>
+            </p:nvSpPr>
+            <p:spPr>
+              <a:xfrm>
+                <a:off x="7141250" y="2387320"/>
+                <a:ext cx="1440000" cy="288000"/>
+              </a:xfrm>
+              <a:prstGeom prst="roundRect">
+                <a:avLst/>
+              </a:prstGeom>
+              <a:solidFill>
+                <a:srgbClr val="BDD7EE"/>
+              </a:solidFill>
+              <a:ln>
+                <a:solidFill>
+                  <a:schemeClr val="accent1"/>
+                </a:solidFill>
+              </a:ln>
+            </p:spPr>
+            <p:style>
+              <a:lnRef idx="2">
+                <a:schemeClr val="accent1">
+                  <a:shade val="50000"/>
+                </a:schemeClr>
+              </a:lnRef>
+              <a:fillRef idx="1">
+                <a:schemeClr val="accent1"/>
+              </a:fillRef>
+              <a:effectRef idx="0">
+                <a:schemeClr val="accent1"/>
+              </a:effectRef>
+              <a:fontRef idx="minor">
+                <a:schemeClr val="lt1"/>
+              </a:fontRef>
+            </p:style>
+            <p:txBody>
+              <a:bodyPr lIns="36000" tIns="36000" rIns="36000" bIns="36000" rtlCol="0" anchor="ctr"/>
+              <a:lstStyle/>
+              <a:p>
+                <a:pPr algn="ctr"/>
+                <a:r>
+                  <a:rPr lang="en-US" altLang="ko-KR" sz="1400" b="1" dirty="0" smtClean="0">
+                    <a:solidFill>
+                      <a:schemeClr val="tx1"/>
+                    </a:solidFill>
+                  </a:rPr>
+                  <a:t>Pod</a:t>
+                </a:r>
+                <a:endParaRPr lang="ko-KR" altLang="en-US" sz="1400" b="1" dirty="0">
+                  <a:solidFill>
+                    <a:schemeClr val="tx1"/>
+                  </a:solidFill>
+                </a:endParaRPr>
+              </a:p>
+            </p:txBody>
+          </p:sp>
+        </p:grpSp>
       </p:grpSp>
-      <p:sp>
-        <p:nvSpPr>
-          <p:cNvPr id="46" name="모서리가 둥근 직사각형 45"/>
-          <p:cNvSpPr/>
+      <p:pic>
+        <p:nvPicPr>
+          <p:cNvPr id="48" name="그림 47"/>
+          <p:cNvPicPr>
+            <a:picLocks noChangeAspect="1"/>
+          </p:cNvPicPr>
           <p:nvPr/>
-        </p:nvSpPr>
+        </p:nvPicPr>
+        <p:blipFill>
+          <a:blip r:embed="rId2">
+            <a:extLst>
+              <a:ext uri="{28A0092B-C50C-407E-A947-70E740481C1C}">
+                <a14:useLocalDpi xmlns:a14="http://schemas.microsoft.com/office/drawing/2010/main" val="0"/>
+              </a:ext>
+            </a:extLst>
+          </a:blip>
+          <a:stretch>
+            <a:fillRect/>
+          </a:stretch>
+        </p:blipFill>
         <p:spPr>
           <a:xfrm>
-            <a:off x="489493" y="2042596"/>
-            <a:ext cx="1080000" cy="2880000"/>
+            <a:off x="2372573" y="433554"/>
+            <a:ext cx="917151" cy="893142"/>
           </a:xfrm>
-          <a:prstGeom prst="roundRect">
+          <a:prstGeom prst="rect">
             <a:avLst/>
           </a:prstGeom>
-          <a:noFill/>
-          <a:ln w="28575">
-            <a:solidFill>
-              <a:srgbClr val="9DC3E6"/>
-            </a:solidFill>
-            <a:prstDash val="dash"/>
-          </a:ln>
-          <a:effectLst/>
         </p:spPr>
-        <p:style>
-          <a:lnRef idx="2">
-            <a:schemeClr val="accent1">
-              <a:shade val="50000"/>
-            </a:schemeClr>
-          </a:lnRef>
-          <a:fillRef idx="1">
-            <a:schemeClr val="accent1"/>
-          </a:fillRef>
-          <a:effectRef idx="0">
-            <a:schemeClr val="accent1"/>
-          </a:effectRef>
-          <a:fontRef idx="minor">
-            <a:schemeClr val="lt1"/>
-          </a:fontRef>
-        </p:style>
-        <p:txBody>
-          <a:bodyPr lIns="36000" tIns="36000" rIns="36000" bIns="36000" rtlCol="0" anchor="ctr"/>
-          <a:lstStyle/>
-          <a:p>
-            <a:pPr algn="ctr"/>
-            <a:r>
-              <a:rPr lang="en-US" altLang="ko-KR" sz="1600" b="1" dirty="0" smtClean="0">
-                <a:solidFill>
-                  <a:schemeClr val="tx1"/>
-                </a:solidFill>
-              </a:rPr>
-              <a:t>Cloud</a:t>
-            </a:r>
-          </a:p>
-          <a:p>
-            <a:pPr algn="ctr"/>
-            <a:r>
-              <a:rPr lang="en-US" altLang="ko-KR" sz="1600" b="1" dirty="0" smtClean="0">
-                <a:solidFill>
-                  <a:schemeClr val="tx1"/>
-                </a:solidFill>
-              </a:rPr>
-              <a:t>Provider</a:t>
-            </a:r>
-          </a:p>
-          <a:p>
-            <a:pPr algn="ctr"/>
-            <a:r>
-              <a:rPr lang="en-US" altLang="ko-KR" sz="1600" b="1" dirty="0" smtClean="0">
-                <a:solidFill>
-                  <a:schemeClr val="tx1"/>
-                </a:solidFill>
-              </a:rPr>
-              <a:t>API</a:t>
-            </a:r>
-            <a:endParaRPr lang="ko-KR" altLang="en-US" sz="1600" b="1" dirty="0">
-              <a:solidFill>
-                <a:schemeClr val="tx1"/>
-              </a:solidFill>
-            </a:endParaRPr>
-          </a:p>
-        </p:txBody>
-      </p:sp>
-      <p:sp>
-        <p:nvSpPr>
-          <p:cNvPr id="47" name="오른쪽 화살표 46"/>
-          <p:cNvSpPr/>
-          <p:nvPr/>
-        </p:nvSpPr>
-        <p:spPr>
-          <a:xfrm rot="10800000">
-            <a:off x="1469753" y="3196099"/>
-            <a:ext cx="1638000" cy="572981"/>
-          </a:xfrm>
-          <a:prstGeom prst="rightArrow">
-            <a:avLst/>
-          </a:prstGeom>
-          <a:solidFill>
-            <a:schemeClr val="tx2"/>
-          </a:solidFill>
-          <a:ln>
-            <a:noFill/>
-          </a:ln>
-          <a:effectLst>
-            <a:outerShdw blurRad="50800" dist="38100" dir="2700000" algn="tl" rotWithShape="0">
-              <a:prstClr val="black">
-                <a:alpha val="40000"/>
-              </a:prstClr>
-            </a:outerShdw>
-          </a:effectLst>
-        </p:spPr>
-        <p:style>
-          <a:lnRef idx="2">
-            <a:schemeClr val="accent1">
-              <a:shade val="50000"/>
-            </a:schemeClr>
-          </a:lnRef>
-          <a:fillRef idx="1">
-            <a:schemeClr val="accent1"/>
-          </a:fillRef>
-          <a:effectRef idx="0">
-            <a:schemeClr val="accent1"/>
-          </a:effectRef>
-          <a:fontRef idx="minor">
-            <a:schemeClr val="lt1"/>
-          </a:fontRef>
-        </p:style>
-        <p:txBody>
-          <a:bodyPr rtlCol="0" anchor="ctr"/>
-          <a:lstStyle/>
-          <a:p>
-            <a:pPr algn="ctr"/>
-            <a:endParaRPr lang="ko-KR" altLang="en-US"/>
-          </a:p>
-        </p:txBody>
-      </p:sp>
+      </p:pic>
     </p:spTree>
     <p:extLst>
       <p:ext uri="{BB962C8B-B14F-4D97-AF65-F5344CB8AC3E}">
@@ -7174,7 +7484,9 @@
             </a:schemeClr>
           </a:solidFill>
           <a:ln>
-            <a:noFill/>
+            <a:solidFill>
+              <a:schemeClr val="tx2"/>
+            </a:solidFill>
           </a:ln>
         </p:spPr>
         <p:style>
@@ -7194,15 +7506,18 @@
           </a:fontRef>
         </p:style>
         <p:txBody>
-          <a:bodyPr lIns="36000" tIns="36000" rIns="36000" bIns="36000" rtlCol="0" anchor="t"/>
+          <a:bodyPr lIns="36000" tIns="0" rIns="36000" bIns="36000" rtlCol="0" anchor="t"/>
           <a:lstStyle/>
           <a:p>
             <a:pPr algn="ctr"/>
             <a:r>
               <a:rPr lang="en-US" altLang="ko-KR" sz="2000" b="1" dirty="0" smtClean="0"/>
-              <a:t>Worker Node</a:t>
-            </a:r>
-            <a:endParaRPr lang="ko-KR" altLang="en-US" sz="2000" b="1" dirty="0"/>
+              <a:t>Worker </a:t>
+            </a:r>
+            <a:r>
+              <a:rPr lang="en-US" altLang="ko-KR" sz="2000" b="1" dirty="0" smtClean="0"/>
+              <a:t>Node</a:t>
+            </a:r>
           </a:p>
         </p:txBody>
       </p:sp>
@@ -7227,7 +7542,12 @@
             </a:schemeClr>
           </a:solidFill>
           <a:ln>
-            <a:noFill/>
+            <a:solidFill>
+              <a:schemeClr val="accent5">
+                <a:lumMod val="60000"/>
+                <a:lumOff val="40000"/>
+              </a:schemeClr>
+            </a:solidFill>
           </a:ln>
         </p:spPr>
         <p:style>
@@ -7257,7 +7577,7 @@
                   <a:schemeClr val="tx1"/>
                 </a:solidFill>
               </a:rPr>
-              <a:t>Kublet</a:t>
+              <a:t>Kubelet</a:t>
             </a:r>
             <a:endParaRPr lang="ko-KR" altLang="en-US" b="1" dirty="0">
               <a:solidFill>
@@ -7285,7 +7605,9 @@
             <a:srgbClr val="BDD7EE"/>
           </a:solidFill>
           <a:ln>
-            <a:noFill/>
+            <a:solidFill>
+              <a:schemeClr val="accent5"/>
+            </a:solidFill>
           </a:ln>
         </p:spPr>
         <p:style>
@@ -7346,7 +7668,12 @@
             </a:schemeClr>
           </a:solidFill>
           <a:ln>
-            <a:noFill/>
+            <a:solidFill>
+              <a:schemeClr val="accent5">
+                <a:lumMod val="60000"/>
+                <a:lumOff val="40000"/>
+              </a:schemeClr>
+            </a:solidFill>
           </a:ln>
         </p:spPr>
         <p:style>
@@ -7407,7 +7734,12 @@
             </a:schemeClr>
           </a:solidFill>
           <a:ln>
-            <a:noFill/>
+            <a:solidFill>
+              <a:schemeClr val="accent5">
+                <a:lumMod val="60000"/>
+                <a:lumOff val="40000"/>
+              </a:schemeClr>
+            </a:solidFill>
           </a:ln>
         </p:spPr>
         <p:style>
@@ -7473,7 +7805,9 @@
             <a:srgbClr val="BDD7EE"/>
           </a:solidFill>
           <a:ln>
-            <a:noFill/>
+            <a:solidFill>
+              <a:schemeClr val="accent5"/>
+            </a:solidFill>
           </a:ln>
         </p:spPr>
         <p:style>
@@ -7531,7 +7865,9 @@
             <a:srgbClr val="BDD7EE"/>
           </a:solidFill>
           <a:ln>
-            <a:noFill/>
+            <a:solidFill>
+              <a:schemeClr val="accent5"/>
+            </a:solidFill>
           </a:ln>
         </p:spPr>
         <p:style>
@@ -7592,7 +7928,12 @@
             </a:schemeClr>
           </a:solidFill>
           <a:ln>
-            <a:noFill/>
+            <a:solidFill>
+              <a:schemeClr val="accent1">
+                <a:lumMod val="60000"/>
+                <a:lumOff val="40000"/>
+              </a:schemeClr>
+            </a:solidFill>
           </a:ln>
         </p:spPr>
         <p:style>
@@ -7653,7 +7994,12 @@
             </a:schemeClr>
           </a:solidFill>
           <a:ln>
-            <a:noFill/>
+            <a:solidFill>
+              <a:schemeClr val="accent1">
+                <a:lumMod val="60000"/>
+                <a:lumOff val="40000"/>
+              </a:schemeClr>
+            </a:solidFill>
           </a:ln>
         </p:spPr>
         <p:style>
@@ -7714,7 +8060,12 @@
             </a:schemeClr>
           </a:solidFill>
           <a:ln>
-            <a:noFill/>
+            <a:solidFill>
+              <a:schemeClr val="accent1">
+                <a:lumMod val="60000"/>
+                <a:lumOff val="40000"/>
+              </a:schemeClr>
+            </a:solidFill>
           </a:ln>
         </p:spPr>
         <p:style>
@@ -7775,7 +8126,12 @@
             </a:schemeClr>
           </a:solidFill>
           <a:ln>
-            <a:noFill/>
+            <a:solidFill>
+              <a:schemeClr val="accent1">
+                <a:lumMod val="60000"/>
+                <a:lumOff val="40000"/>
+              </a:schemeClr>
+            </a:solidFill>
           </a:ln>
         </p:spPr>
         <p:style>
@@ -7836,7 +8192,12 @@
             </a:schemeClr>
           </a:solidFill>
           <a:ln>
-            <a:noFill/>
+            <a:solidFill>
+              <a:schemeClr val="accent1">
+                <a:lumMod val="60000"/>
+                <a:lumOff val="40000"/>
+              </a:schemeClr>
+            </a:solidFill>
           </a:ln>
         </p:spPr>
         <p:style>
@@ -7897,7 +8258,12 @@
             </a:schemeClr>
           </a:solidFill>
           <a:ln>
-            <a:noFill/>
+            <a:solidFill>
+              <a:schemeClr val="accent1">
+                <a:lumMod val="60000"/>
+                <a:lumOff val="40000"/>
+              </a:schemeClr>
+            </a:solidFill>
           </a:ln>
         </p:spPr>
         <p:style>
@@ -7958,7 +8324,12 @@
             </a:schemeClr>
           </a:solidFill>
           <a:ln>
-            <a:noFill/>
+            <a:solidFill>
+              <a:schemeClr val="accent1">
+                <a:lumMod val="60000"/>
+                <a:lumOff val="40000"/>
+              </a:schemeClr>
+            </a:solidFill>
           </a:ln>
         </p:spPr>
         <p:style>
@@ -8019,7 +8390,12 @@
             </a:schemeClr>
           </a:solidFill>
           <a:ln>
-            <a:noFill/>
+            <a:solidFill>
+              <a:schemeClr val="accent1">
+                <a:lumMod val="60000"/>
+                <a:lumOff val="40000"/>
+              </a:schemeClr>
+            </a:solidFill>
           </a:ln>
         </p:spPr>
         <p:style>
@@ -8080,7 +8456,12 @@
             </a:schemeClr>
           </a:solidFill>
           <a:ln>
-            <a:noFill/>
+            <a:solidFill>
+              <a:schemeClr val="accent1">
+                <a:lumMod val="60000"/>
+                <a:lumOff val="40000"/>
+              </a:schemeClr>
+            </a:solidFill>
           </a:ln>
         </p:spPr>
         <p:style>

--- a/markdown_image.pptx
+++ b/markdown_image.pptx
@@ -5,13 +5,14 @@
     <p:sldMasterId id="2147483648" r:id="rId1"/>
   </p:sldMasterIdLst>
   <p:notesMasterIdLst>
-    <p:notesMasterId r:id="rId6"/>
+    <p:notesMasterId r:id="rId7"/>
   </p:notesMasterIdLst>
   <p:sldIdLst>
     <p:sldId id="256" r:id="rId2"/>
     <p:sldId id="258" r:id="rId3"/>
     <p:sldId id="259" r:id="rId4"/>
     <p:sldId id="260" r:id="rId5"/>
+    <p:sldId id="261" r:id="rId6"/>
   </p:sldIdLst>
   <p:sldSz cx="12192000" cy="6858000"/>
   <p:notesSz cx="6858000" cy="9144000"/>
@@ -7464,1187 +7465,1347 @@
           <a:chExt cx="0" cy="0"/>
         </a:xfrm>
       </p:grpSpPr>
-      <p:sp>
-        <p:nvSpPr>
-          <p:cNvPr id="4" name="모서리가 둥근 직사각형 3"/>
-          <p:cNvSpPr/>
+      <p:grpSp>
+        <p:nvGrpSpPr>
+          <p:cNvPr id="2" name="그룹 1"/>
+          <p:cNvGrpSpPr/>
           <p:nvPr/>
-        </p:nvSpPr>
-        <p:spPr>
+        </p:nvGrpSpPr>
+        <p:grpSpPr>
           <a:xfrm>
-            <a:off x="1744736" y="1088930"/>
+            <a:off x="117104" y="1088930"/>
             <a:ext cx="7201301" cy="4331482"/>
+            <a:chOff x="437144" y="1088930"/>
+            <a:chExt cx="7201301" cy="4331482"/>
           </a:xfrm>
-          <a:prstGeom prst="roundRect">
-            <a:avLst/>
-          </a:prstGeom>
-          <a:solidFill>
-            <a:schemeClr val="accent1">
-              <a:lumMod val="75000"/>
-            </a:schemeClr>
-          </a:solidFill>
-          <a:ln>
+        </p:grpSpPr>
+        <p:sp>
+          <p:nvSpPr>
+            <p:cNvPr id="4" name="모서리가 둥근 직사각형 3"/>
+            <p:cNvSpPr/>
+            <p:nvPr/>
+          </p:nvSpPr>
+          <p:spPr>
+            <a:xfrm>
+              <a:off x="437144" y="1088930"/>
+              <a:ext cx="7201301" cy="4331482"/>
+            </a:xfrm>
+            <a:prstGeom prst="roundRect">
+              <a:avLst/>
+            </a:prstGeom>
+            <a:solidFill>
+              <a:schemeClr val="accent1">
+                <a:lumMod val="75000"/>
+              </a:schemeClr>
+            </a:solidFill>
+            <a:ln>
+              <a:solidFill>
+                <a:schemeClr val="tx2"/>
+              </a:solidFill>
+            </a:ln>
+          </p:spPr>
+          <p:style>
+            <a:lnRef idx="2">
+              <a:schemeClr val="accent1">
+                <a:shade val="50000"/>
+              </a:schemeClr>
+            </a:lnRef>
+            <a:fillRef idx="1">
+              <a:schemeClr val="accent1"/>
+            </a:fillRef>
+            <a:effectRef idx="0">
+              <a:schemeClr val="accent1"/>
+            </a:effectRef>
+            <a:fontRef idx="minor">
+              <a:schemeClr val="lt1"/>
+            </a:fontRef>
+          </p:style>
+          <p:txBody>
+            <a:bodyPr lIns="36000" tIns="0" rIns="36000" bIns="36000" rtlCol="0" anchor="t"/>
+            <a:lstStyle/>
+            <a:p>
+              <a:pPr algn="ctr"/>
+              <a:r>
+                <a:rPr lang="en-US" altLang="ko-KR" sz="2000" b="1" dirty="0" smtClean="0"/>
+                <a:t>Worker Node</a:t>
+              </a:r>
+            </a:p>
+          </p:txBody>
+        </p:sp>
+        <p:sp>
+          <p:nvSpPr>
+            <p:cNvPr id="5" name="모서리가 둥근 직사각형 4"/>
+            <p:cNvSpPr/>
+            <p:nvPr/>
+          </p:nvSpPr>
+          <p:spPr>
+            <a:xfrm>
+              <a:off x="789170" y="1960333"/>
+              <a:ext cx="1980000" cy="432000"/>
+            </a:xfrm>
+            <a:prstGeom prst="roundRect">
+              <a:avLst/>
+            </a:prstGeom>
+            <a:solidFill>
+              <a:schemeClr val="accent5">
+                <a:lumMod val="40000"/>
+                <a:lumOff val="60000"/>
+              </a:schemeClr>
+            </a:solidFill>
+            <a:ln>
+              <a:solidFill>
+                <a:schemeClr val="accent5">
+                  <a:lumMod val="60000"/>
+                  <a:lumOff val="40000"/>
+                </a:schemeClr>
+              </a:solidFill>
+            </a:ln>
+          </p:spPr>
+          <p:style>
+            <a:lnRef idx="2">
+              <a:schemeClr val="accent1">
+                <a:shade val="50000"/>
+              </a:schemeClr>
+            </a:lnRef>
+            <a:fillRef idx="1">
+              <a:schemeClr val="accent1"/>
+            </a:fillRef>
+            <a:effectRef idx="0">
+              <a:schemeClr val="accent1"/>
+            </a:effectRef>
+            <a:fontRef idx="minor">
+              <a:schemeClr val="lt1"/>
+            </a:fontRef>
+          </p:style>
+          <p:txBody>
+            <a:bodyPr lIns="36000" tIns="36000" rIns="36000" bIns="36000" rtlCol="0" anchor="ctr"/>
+            <a:lstStyle/>
+            <a:p>
+              <a:pPr algn="ctr"/>
+              <a:r>
+                <a:rPr lang="en-US" altLang="ko-KR" b="1" dirty="0" err="1" smtClean="0">
+                  <a:solidFill>
+                    <a:schemeClr val="tx1"/>
+                  </a:solidFill>
+                </a:rPr>
+                <a:t>Kubelet</a:t>
+              </a:r>
+              <a:endParaRPr lang="ko-KR" altLang="en-US" b="1" dirty="0">
+                <a:solidFill>
+                  <a:schemeClr val="tx1"/>
+                </a:solidFill>
+              </a:endParaRPr>
+            </a:p>
+          </p:txBody>
+        </p:sp>
+        <p:sp>
+          <p:nvSpPr>
+            <p:cNvPr id="6" name="모서리가 둥근 직사각형 5"/>
+            <p:cNvSpPr/>
+            <p:nvPr/>
+          </p:nvSpPr>
+          <p:spPr>
+            <a:xfrm>
+              <a:off x="789170" y="2648932"/>
+              <a:ext cx="1800000" cy="2566797"/>
+            </a:xfrm>
+            <a:prstGeom prst="roundRect">
+              <a:avLst/>
+            </a:prstGeom>
+            <a:solidFill>
+              <a:srgbClr val="BDD7EE"/>
+            </a:solidFill>
+            <a:ln>
+              <a:solidFill>
+                <a:schemeClr val="accent5"/>
+              </a:solidFill>
+            </a:ln>
+          </p:spPr>
+          <p:style>
+            <a:lnRef idx="2">
+              <a:schemeClr val="accent1">
+                <a:shade val="50000"/>
+              </a:schemeClr>
+            </a:lnRef>
+            <a:fillRef idx="1">
+              <a:schemeClr val="accent1"/>
+            </a:fillRef>
+            <a:effectRef idx="0">
+              <a:schemeClr val="accent1"/>
+            </a:effectRef>
+            <a:fontRef idx="minor">
+              <a:schemeClr val="lt1"/>
+            </a:fontRef>
+          </p:style>
+          <p:txBody>
+            <a:bodyPr lIns="36000" tIns="36000" rIns="36000" bIns="36000" rtlCol="0" anchor="t"/>
+            <a:lstStyle/>
+            <a:p>
+              <a:pPr algn="ctr"/>
+              <a:r>
+                <a:rPr lang="en-US" altLang="ko-KR" b="1" dirty="0" smtClean="0">
+                  <a:solidFill>
+                    <a:schemeClr val="tx1"/>
+                  </a:solidFill>
+                </a:rPr>
+                <a:t>Pod</a:t>
+              </a:r>
+              <a:endParaRPr lang="ko-KR" altLang="en-US" b="1" dirty="0">
+                <a:solidFill>
+                  <a:schemeClr val="tx1"/>
+                </a:solidFill>
+              </a:endParaRPr>
+            </a:p>
+          </p:txBody>
+        </p:sp>
+        <p:sp>
+          <p:nvSpPr>
+            <p:cNvPr id="8" name="모서리가 둥근 직사각형 7"/>
+            <p:cNvSpPr/>
+            <p:nvPr/>
+          </p:nvSpPr>
+          <p:spPr>
+            <a:xfrm>
+              <a:off x="3064295" y="1960333"/>
+              <a:ext cx="1980000" cy="432000"/>
+            </a:xfrm>
+            <a:prstGeom prst="roundRect">
+              <a:avLst/>
+            </a:prstGeom>
+            <a:solidFill>
+              <a:schemeClr val="accent5">
+                <a:lumMod val="40000"/>
+                <a:lumOff val="60000"/>
+              </a:schemeClr>
+            </a:solidFill>
+            <a:ln>
+              <a:solidFill>
+                <a:schemeClr val="accent5">
+                  <a:lumMod val="60000"/>
+                  <a:lumOff val="40000"/>
+                </a:schemeClr>
+              </a:solidFill>
+            </a:ln>
+          </p:spPr>
+          <p:style>
+            <a:lnRef idx="2">
+              <a:schemeClr val="accent1">
+                <a:shade val="50000"/>
+              </a:schemeClr>
+            </a:lnRef>
+            <a:fillRef idx="1">
+              <a:schemeClr val="accent1"/>
+            </a:fillRef>
+            <a:effectRef idx="0">
+              <a:schemeClr val="accent1"/>
+            </a:effectRef>
+            <a:fontRef idx="minor">
+              <a:schemeClr val="lt1"/>
+            </a:fontRef>
+          </p:style>
+          <p:txBody>
+            <a:bodyPr lIns="36000" tIns="36000" rIns="36000" bIns="36000" rtlCol="0" anchor="ctr"/>
+            <a:lstStyle/>
+            <a:p>
+              <a:pPr algn="ctr"/>
+              <a:r>
+                <a:rPr lang="en-US" altLang="ko-KR" b="1" dirty="0" smtClean="0">
+                  <a:solidFill>
+                    <a:schemeClr val="tx1"/>
+                  </a:solidFill>
+                </a:rPr>
+                <a:t>Docker</a:t>
+              </a:r>
+              <a:endParaRPr lang="ko-KR" altLang="en-US" b="1" dirty="0">
+                <a:solidFill>
+                  <a:schemeClr val="tx1"/>
+                </a:solidFill>
+              </a:endParaRPr>
+            </a:p>
+          </p:txBody>
+        </p:sp>
+        <p:sp>
+          <p:nvSpPr>
+            <p:cNvPr id="9" name="모서리가 둥근 직사각형 8"/>
+            <p:cNvSpPr/>
+            <p:nvPr/>
+          </p:nvSpPr>
+          <p:spPr>
+            <a:xfrm>
+              <a:off x="5339420" y="1960333"/>
+              <a:ext cx="1980000" cy="432000"/>
+            </a:xfrm>
+            <a:prstGeom prst="roundRect">
+              <a:avLst/>
+            </a:prstGeom>
+            <a:solidFill>
+              <a:schemeClr val="accent5">
+                <a:lumMod val="40000"/>
+                <a:lumOff val="60000"/>
+              </a:schemeClr>
+            </a:solidFill>
+            <a:ln>
+              <a:solidFill>
+                <a:schemeClr val="accent5">
+                  <a:lumMod val="60000"/>
+                  <a:lumOff val="40000"/>
+                </a:schemeClr>
+              </a:solidFill>
+            </a:ln>
+          </p:spPr>
+          <p:style>
+            <a:lnRef idx="2">
+              <a:schemeClr val="accent1">
+                <a:shade val="50000"/>
+              </a:schemeClr>
+            </a:lnRef>
+            <a:fillRef idx="1">
+              <a:schemeClr val="accent1"/>
+            </a:fillRef>
+            <a:effectRef idx="0">
+              <a:schemeClr val="accent1"/>
+            </a:effectRef>
+            <a:fontRef idx="minor">
+              <a:schemeClr val="lt1"/>
+            </a:fontRef>
+          </p:style>
+          <p:txBody>
+            <a:bodyPr lIns="36000" tIns="36000" rIns="36000" bIns="36000" rtlCol="0" anchor="ctr"/>
+            <a:lstStyle/>
+            <a:p>
+              <a:pPr algn="ctr"/>
+              <a:r>
+                <a:rPr lang="en-US" altLang="ko-KR" b="1" dirty="0" err="1" smtClean="0">
+                  <a:solidFill>
+                    <a:schemeClr val="tx1"/>
+                  </a:solidFill>
+                </a:rPr>
+                <a:t>Kube</a:t>
+              </a:r>
+              <a:r>
+                <a:rPr lang="en-US" altLang="ko-KR" b="1" dirty="0" smtClean="0">
+                  <a:solidFill>
+                    <a:schemeClr val="tx1"/>
+                  </a:solidFill>
+                </a:rPr>
+                <a:t>-proxy</a:t>
+              </a:r>
+              <a:endParaRPr lang="ko-KR" altLang="en-US" b="1" dirty="0">
+                <a:solidFill>
+                  <a:schemeClr val="tx1"/>
+                </a:solidFill>
+              </a:endParaRPr>
+            </a:p>
+          </p:txBody>
+        </p:sp>
+        <p:sp>
+          <p:nvSpPr>
+            <p:cNvPr id="10" name="모서리가 둥근 직사각형 9"/>
+            <p:cNvSpPr/>
+            <p:nvPr/>
+          </p:nvSpPr>
+          <p:spPr>
+            <a:xfrm>
+              <a:off x="3154295" y="2648932"/>
+              <a:ext cx="1800000" cy="2566797"/>
+            </a:xfrm>
+            <a:prstGeom prst="roundRect">
+              <a:avLst/>
+            </a:prstGeom>
+            <a:solidFill>
+              <a:srgbClr val="BDD7EE"/>
+            </a:solidFill>
+            <a:ln>
+              <a:solidFill>
+                <a:schemeClr val="accent5"/>
+              </a:solidFill>
+            </a:ln>
+          </p:spPr>
+          <p:style>
+            <a:lnRef idx="2">
+              <a:schemeClr val="accent1">
+                <a:shade val="50000"/>
+              </a:schemeClr>
+            </a:lnRef>
+            <a:fillRef idx="1">
+              <a:schemeClr val="accent1"/>
+            </a:fillRef>
+            <a:effectRef idx="0">
+              <a:schemeClr val="accent1"/>
+            </a:effectRef>
+            <a:fontRef idx="minor">
+              <a:schemeClr val="lt1"/>
+            </a:fontRef>
+          </p:style>
+          <p:txBody>
+            <a:bodyPr lIns="36000" tIns="36000" rIns="36000" bIns="36000" rtlCol="0" anchor="t"/>
+            <a:lstStyle/>
+            <a:p>
+              <a:pPr algn="ctr"/>
+              <a:r>
+                <a:rPr lang="en-US" altLang="ko-KR" b="1" dirty="0" smtClean="0">
+                  <a:solidFill>
+                    <a:schemeClr val="tx1"/>
+                  </a:solidFill>
+                </a:rPr>
+                <a:t>Pod</a:t>
+              </a:r>
+              <a:endParaRPr lang="ko-KR" altLang="en-US" b="1" dirty="0">
+                <a:solidFill>
+                  <a:schemeClr val="tx1"/>
+                </a:solidFill>
+              </a:endParaRPr>
+            </a:p>
+          </p:txBody>
+        </p:sp>
+        <p:sp>
+          <p:nvSpPr>
+            <p:cNvPr id="11" name="모서리가 둥근 직사각형 10"/>
+            <p:cNvSpPr/>
+            <p:nvPr/>
+          </p:nvSpPr>
+          <p:spPr>
+            <a:xfrm>
+              <a:off x="5519420" y="2648932"/>
+              <a:ext cx="1800000" cy="2566797"/>
+            </a:xfrm>
+            <a:prstGeom prst="roundRect">
+              <a:avLst/>
+            </a:prstGeom>
+            <a:solidFill>
+              <a:srgbClr val="BDD7EE"/>
+            </a:solidFill>
+            <a:ln>
+              <a:solidFill>
+                <a:schemeClr val="accent5"/>
+              </a:solidFill>
+            </a:ln>
+          </p:spPr>
+          <p:style>
+            <a:lnRef idx="2">
+              <a:schemeClr val="accent1">
+                <a:shade val="50000"/>
+              </a:schemeClr>
+            </a:lnRef>
+            <a:fillRef idx="1">
+              <a:schemeClr val="accent1"/>
+            </a:fillRef>
+            <a:effectRef idx="0">
+              <a:schemeClr val="accent1"/>
+            </a:effectRef>
+            <a:fontRef idx="minor">
+              <a:schemeClr val="lt1"/>
+            </a:fontRef>
+          </p:style>
+          <p:txBody>
+            <a:bodyPr lIns="36000" tIns="36000" rIns="36000" bIns="36000" rtlCol="0" anchor="t"/>
+            <a:lstStyle/>
+            <a:p>
+              <a:pPr algn="ctr"/>
+              <a:r>
+                <a:rPr lang="en-US" altLang="ko-KR" b="1" dirty="0" smtClean="0">
+                  <a:solidFill>
+                    <a:schemeClr val="tx1"/>
+                  </a:solidFill>
+                </a:rPr>
+                <a:t>Pod</a:t>
+              </a:r>
+              <a:endParaRPr lang="ko-KR" altLang="en-US" b="1" dirty="0">
+                <a:solidFill>
+                  <a:schemeClr val="tx1"/>
+                </a:solidFill>
+              </a:endParaRPr>
+            </a:p>
+          </p:txBody>
+        </p:sp>
+        <p:sp>
+          <p:nvSpPr>
+            <p:cNvPr id="13" name="모서리가 둥근 직사각형 12"/>
+            <p:cNvSpPr/>
+            <p:nvPr/>
+          </p:nvSpPr>
+          <p:spPr>
+            <a:xfrm>
+              <a:off x="960097" y="3167056"/>
+              <a:ext cx="1458146" cy="431209"/>
+            </a:xfrm>
+            <a:prstGeom prst="roundRect">
+              <a:avLst/>
+            </a:prstGeom>
+            <a:solidFill>
+              <a:schemeClr val="accent1">
+                <a:lumMod val="20000"/>
+                <a:lumOff val="80000"/>
+              </a:schemeClr>
+            </a:solidFill>
+            <a:ln>
+              <a:solidFill>
+                <a:schemeClr val="accent1">
+                  <a:lumMod val="60000"/>
+                  <a:lumOff val="40000"/>
+                </a:schemeClr>
+              </a:solidFill>
+            </a:ln>
+          </p:spPr>
+          <p:style>
+            <a:lnRef idx="2">
+              <a:schemeClr val="accent1">
+                <a:shade val="50000"/>
+              </a:schemeClr>
+            </a:lnRef>
+            <a:fillRef idx="1">
+              <a:schemeClr val="accent1"/>
+            </a:fillRef>
+            <a:effectRef idx="0">
+              <a:schemeClr val="accent1"/>
+            </a:effectRef>
+            <a:fontRef idx="minor">
+              <a:schemeClr val="lt1"/>
+            </a:fontRef>
+          </p:style>
+          <p:txBody>
+            <a:bodyPr lIns="36000" tIns="36000" rIns="36000" bIns="36000" rtlCol="0" anchor="ctr"/>
+            <a:lstStyle/>
+            <a:p>
+              <a:pPr algn="ctr"/>
+              <a:r>
+                <a:rPr lang="en-US" altLang="ko-KR" sz="1400" b="1" dirty="0" smtClean="0">
+                  <a:solidFill>
+                    <a:schemeClr val="tx1"/>
+                  </a:solidFill>
+                </a:rPr>
+                <a:t>Volume</a:t>
+              </a:r>
+              <a:endParaRPr lang="ko-KR" altLang="en-US" sz="1400" b="1" dirty="0">
+                <a:solidFill>
+                  <a:schemeClr val="tx1"/>
+                </a:solidFill>
+              </a:endParaRPr>
+            </a:p>
+          </p:txBody>
+        </p:sp>
+        <p:sp>
+          <p:nvSpPr>
+            <p:cNvPr id="14" name="모서리가 둥근 직사각형 13"/>
+            <p:cNvSpPr/>
+            <p:nvPr/>
+          </p:nvSpPr>
+          <p:spPr>
+            <a:xfrm>
+              <a:off x="960097" y="3841177"/>
+              <a:ext cx="1458146" cy="431209"/>
+            </a:xfrm>
+            <a:prstGeom prst="roundRect">
+              <a:avLst/>
+            </a:prstGeom>
+            <a:solidFill>
+              <a:schemeClr val="accent1">
+                <a:lumMod val="20000"/>
+                <a:lumOff val="80000"/>
+              </a:schemeClr>
+            </a:solidFill>
+            <a:ln>
+              <a:solidFill>
+                <a:schemeClr val="accent1">
+                  <a:lumMod val="60000"/>
+                  <a:lumOff val="40000"/>
+                </a:schemeClr>
+              </a:solidFill>
+            </a:ln>
+          </p:spPr>
+          <p:style>
+            <a:lnRef idx="2">
+              <a:schemeClr val="accent1">
+                <a:shade val="50000"/>
+              </a:schemeClr>
+            </a:lnRef>
+            <a:fillRef idx="1">
+              <a:schemeClr val="accent1"/>
+            </a:fillRef>
+            <a:effectRef idx="0">
+              <a:schemeClr val="accent1"/>
+            </a:effectRef>
+            <a:fontRef idx="minor">
+              <a:schemeClr val="lt1"/>
+            </a:fontRef>
+          </p:style>
+          <p:txBody>
+            <a:bodyPr lIns="36000" tIns="36000" rIns="36000" bIns="36000" rtlCol="0" anchor="ctr"/>
+            <a:lstStyle/>
+            <a:p>
+              <a:pPr algn="ctr"/>
+              <a:r>
+                <a:rPr lang="en-US" altLang="ko-KR" sz="1400" b="1" dirty="0" smtClean="0">
+                  <a:solidFill>
+                    <a:schemeClr val="tx1"/>
+                  </a:solidFill>
+                </a:rPr>
+                <a:t>Container</a:t>
+              </a:r>
+              <a:endParaRPr lang="ko-KR" altLang="en-US" sz="1400" b="1" dirty="0">
+                <a:solidFill>
+                  <a:schemeClr val="tx1"/>
+                </a:solidFill>
+              </a:endParaRPr>
+            </a:p>
+          </p:txBody>
+        </p:sp>
+        <p:sp>
+          <p:nvSpPr>
+            <p:cNvPr id="15" name="모서리가 둥근 직사각형 14"/>
+            <p:cNvSpPr/>
+            <p:nvPr/>
+          </p:nvSpPr>
+          <p:spPr>
+            <a:xfrm>
+              <a:off x="960097" y="4515297"/>
+              <a:ext cx="1458146" cy="431209"/>
+            </a:xfrm>
+            <a:prstGeom prst="roundRect">
+              <a:avLst/>
+            </a:prstGeom>
+            <a:solidFill>
+              <a:schemeClr val="accent1">
+                <a:lumMod val="20000"/>
+                <a:lumOff val="80000"/>
+              </a:schemeClr>
+            </a:solidFill>
+            <a:ln>
+              <a:solidFill>
+                <a:schemeClr val="accent1">
+                  <a:lumMod val="60000"/>
+                  <a:lumOff val="40000"/>
+                </a:schemeClr>
+              </a:solidFill>
+            </a:ln>
+          </p:spPr>
+          <p:style>
+            <a:lnRef idx="2">
+              <a:schemeClr val="accent1">
+                <a:shade val="50000"/>
+              </a:schemeClr>
+            </a:lnRef>
+            <a:fillRef idx="1">
+              <a:schemeClr val="accent1"/>
+            </a:fillRef>
+            <a:effectRef idx="0">
+              <a:schemeClr val="accent1"/>
+            </a:effectRef>
+            <a:fontRef idx="minor">
+              <a:schemeClr val="lt1"/>
+            </a:fontRef>
+          </p:style>
+          <p:txBody>
+            <a:bodyPr lIns="36000" tIns="36000" rIns="36000" bIns="36000" rtlCol="0" anchor="ctr"/>
+            <a:lstStyle/>
+            <a:p>
+              <a:pPr algn="ctr"/>
+              <a:r>
+                <a:rPr lang="en-US" altLang="ko-KR" sz="1400" b="1" dirty="0" smtClean="0">
+                  <a:solidFill>
+                    <a:schemeClr val="tx1"/>
+                  </a:solidFill>
+                </a:rPr>
+                <a:t>Container</a:t>
+              </a:r>
+              <a:endParaRPr lang="ko-KR" altLang="en-US" sz="1400" b="1" dirty="0">
+                <a:solidFill>
+                  <a:schemeClr val="tx1"/>
+                </a:solidFill>
+              </a:endParaRPr>
+            </a:p>
+          </p:txBody>
+        </p:sp>
+        <p:sp>
+          <p:nvSpPr>
+            <p:cNvPr id="16" name="모서리가 둥근 직사각형 15"/>
+            <p:cNvSpPr/>
+            <p:nvPr/>
+          </p:nvSpPr>
+          <p:spPr>
+            <a:xfrm>
+              <a:off x="3325222" y="3167056"/>
+              <a:ext cx="1458146" cy="431209"/>
+            </a:xfrm>
+            <a:prstGeom prst="roundRect">
+              <a:avLst/>
+            </a:prstGeom>
+            <a:solidFill>
+              <a:schemeClr val="accent1">
+                <a:lumMod val="20000"/>
+                <a:lumOff val="80000"/>
+              </a:schemeClr>
+            </a:solidFill>
+            <a:ln>
+              <a:solidFill>
+                <a:schemeClr val="accent1">
+                  <a:lumMod val="60000"/>
+                  <a:lumOff val="40000"/>
+                </a:schemeClr>
+              </a:solidFill>
+            </a:ln>
+          </p:spPr>
+          <p:style>
+            <a:lnRef idx="2">
+              <a:schemeClr val="accent1">
+                <a:shade val="50000"/>
+              </a:schemeClr>
+            </a:lnRef>
+            <a:fillRef idx="1">
+              <a:schemeClr val="accent1"/>
+            </a:fillRef>
+            <a:effectRef idx="0">
+              <a:schemeClr val="accent1"/>
+            </a:effectRef>
+            <a:fontRef idx="minor">
+              <a:schemeClr val="lt1"/>
+            </a:fontRef>
+          </p:style>
+          <p:txBody>
+            <a:bodyPr lIns="36000" tIns="36000" rIns="36000" bIns="36000" rtlCol="0" anchor="ctr"/>
+            <a:lstStyle/>
+            <a:p>
+              <a:pPr algn="ctr"/>
+              <a:r>
+                <a:rPr lang="en-US" altLang="ko-KR" sz="1400" b="1" dirty="0" smtClean="0">
+                  <a:solidFill>
+                    <a:schemeClr val="tx1"/>
+                  </a:solidFill>
+                </a:rPr>
+                <a:t>Volume</a:t>
+              </a:r>
+              <a:endParaRPr lang="ko-KR" altLang="en-US" sz="1400" b="1" dirty="0">
+                <a:solidFill>
+                  <a:schemeClr val="tx1"/>
+                </a:solidFill>
+              </a:endParaRPr>
+            </a:p>
+          </p:txBody>
+        </p:sp>
+        <p:sp>
+          <p:nvSpPr>
+            <p:cNvPr id="17" name="모서리가 둥근 직사각형 16"/>
+            <p:cNvSpPr/>
+            <p:nvPr/>
+          </p:nvSpPr>
+          <p:spPr>
+            <a:xfrm>
+              <a:off x="3325222" y="3841177"/>
+              <a:ext cx="1458146" cy="431209"/>
+            </a:xfrm>
+            <a:prstGeom prst="roundRect">
+              <a:avLst/>
+            </a:prstGeom>
+            <a:solidFill>
+              <a:schemeClr val="accent1">
+                <a:lumMod val="20000"/>
+                <a:lumOff val="80000"/>
+              </a:schemeClr>
+            </a:solidFill>
+            <a:ln>
+              <a:solidFill>
+                <a:schemeClr val="accent1">
+                  <a:lumMod val="60000"/>
+                  <a:lumOff val="40000"/>
+                </a:schemeClr>
+              </a:solidFill>
+            </a:ln>
+          </p:spPr>
+          <p:style>
+            <a:lnRef idx="2">
+              <a:schemeClr val="accent1">
+                <a:shade val="50000"/>
+              </a:schemeClr>
+            </a:lnRef>
+            <a:fillRef idx="1">
+              <a:schemeClr val="accent1"/>
+            </a:fillRef>
+            <a:effectRef idx="0">
+              <a:schemeClr val="accent1"/>
+            </a:effectRef>
+            <a:fontRef idx="minor">
+              <a:schemeClr val="lt1"/>
+            </a:fontRef>
+          </p:style>
+          <p:txBody>
+            <a:bodyPr lIns="36000" tIns="36000" rIns="36000" bIns="36000" rtlCol="0" anchor="ctr"/>
+            <a:lstStyle/>
+            <a:p>
+              <a:pPr algn="ctr"/>
+              <a:r>
+                <a:rPr lang="en-US" altLang="ko-KR" sz="1400" b="1" dirty="0" smtClean="0">
+                  <a:solidFill>
+                    <a:schemeClr val="tx1"/>
+                  </a:solidFill>
+                </a:rPr>
+                <a:t>Container</a:t>
+              </a:r>
+              <a:endParaRPr lang="ko-KR" altLang="en-US" sz="1400" b="1" dirty="0">
+                <a:solidFill>
+                  <a:schemeClr val="tx1"/>
+                </a:solidFill>
+              </a:endParaRPr>
+            </a:p>
+          </p:txBody>
+        </p:sp>
+        <p:sp>
+          <p:nvSpPr>
+            <p:cNvPr id="18" name="모서리가 둥근 직사각형 17"/>
+            <p:cNvSpPr/>
+            <p:nvPr/>
+          </p:nvSpPr>
+          <p:spPr>
+            <a:xfrm>
+              <a:off x="3325222" y="4515297"/>
+              <a:ext cx="1458146" cy="431209"/>
+            </a:xfrm>
+            <a:prstGeom prst="roundRect">
+              <a:avLst/>
+            </a:prstGeom>
+            <a:solidFill>
+              <a:schemeClr val="accent1">
+                <a:lumMod val="20000"/>
+                <a:lumOff val="80000"/>
+              </a:schemeClr>
+            </a:solidFill>
+            <a:ln>
+              <a:solidFill>
+                <a:schemeClr val="accent1">
+                  <a:lumMod val="60000"/>
+                  <a:lumOff val="40000"/>
+                </a:schemeClr>
+              </a:solidFill>
+            </a:ln>
+          </p:spPr>
+          <p:style>
+            <a:lnRef idx="2">
+              <a:schemeClr val="accent1">
+                <a:shade val="50000"/>
+              </a:schemeClr>
+            </a:lnRef>
+            <a:fillRef idx="1">
+              <a:schemeClr val="accent1"/>
+            </a:fillRef>
+            <a:effectRef idx="0">
+              <a:schemeClr val="accent1"/>
+            </a:effectRef>
+            <a:fontRef idx="minor">
+              <a:schemeClr val="lt1"/>
+            </a:fontRef>
+          </p:style>
+          <p:txBody>
+            <a:bodyPr lIns="36000" tIns="36000" rIns="36000" bIns="36000" rtlCol="0" anchor="ctr"/>
+            <a:lstStyle/>
+            <a:p>
+              <a:pPr algn="ctr"/>
+              <a:r>
+                <a:rPr lang="en-US" altLang="ko-KR" sz="1400" b="1" dirty="0" smtClean="0">
+                  <a:solidFill>
+                    <a:schemeClr val="tx1"/>
+                  </a:solidFill>
+                </a:rPr>
+                <a:t>Container</a:t>
+              </a:r>
+              <a:endParaRPr lang="ko-KR" altLang="en-US" sz="1400" b="1" dirty="0">
+                <a:solidFill>
+                  <a:schemeClr val="tx1"/>
+                </a:solidFill>
+              </a:endParaRPr>
+            </a:p>
+          </p:txBody>
+        </p:sp>
+        <p:sp>
+          <p:nvSpPr>
+            <p:cNvPr id="19" name="모서리가 둥근 직사각형 18"/>
+            <p:cNvSpPr/>
+            <p:nvPr/>
+          </p:nvSpPr>
+          <p:spPr>
+            <a:xfrm>
+              <a:off x="5690347" y="3167056"/>
+              <a:ext cx="1458146" cy="431209"/>
+            </a:xfrm>
+            <a:prstGeom prst="roundRect">
+              <a:avLst/>
+            </a:prstGeom>
+            <a:solidFill>
+              <a:schemeClr val="accent1">
+                <a:lumMod val="20000"/>
+                <a:lumOff val="80000"/>
+              </a:schemeClr>
+            </a:solidFill>
+            <a:ln>
+              <a:solidFill>
+                <a:schemeClr val="accent1">
+                  <a:lumMod val="60000"/>
+                  <a:lumOff val="40000"/>
+                </a:schemeClr>
+              </a:solidFill>
+            </a:ln>
+          </p:spPr>
+          <p:style>
+            <a:lnRef idx="2">
+              <a:schemeClr val="accent1">
+                <a:shade val="50000"/>
+              </a:schemeClr>
+            </a:lnRef>
+            <a:fillRef idx="1">
+              <a:schemeClr val="accent1"/>
+            </a:fillRef>
+            <a:effectRef idx="0">
+              <a:schemeClr val="accent1"/>
+            </a:effectRef>
+            <a:fontRef idx="minor">
+              <a:schemeClr val="lt1"/>
+            </a:fontRef>
+          </p:style>
+          <p:txBody>
+            <a:bodyPr lIns="36000" tIns="36000" rIns="36000" bIns="36000" rtlCol="0" anchor="ctr"/>
+            <a:lstStyle/>
+            <a:p>
+              <a:pPr algn="ctr"/>
+              <a:r>
+                <a:rPr lang="en-US" altLang="ko-KR" sz="1400" b="1" dirty="0" smtClean="0">
+                  <a:solidFill>
+                    <a:schemeClr val="tx1"/>
+                  </a:solidFill>
+                </a:rPr>
+                <a:t>Volume</a:t>
+              </a:r>
+              <a:endParaRPr lang="ko-KR" altLang="en-US" sz="1400" b="1" dirty="0">
+                <a:solidFill>
+                  <a:schemeClr val="tx1"/>
+                </a:solidFill>
+              </a:endParaRPr>
+            </a:p>
+          </p:txBody>
+        </p:sp>
+        <p:sp>
+          <p:nvSpPr>
+            <p:cNvPr id="20" name="모서리가 둥근 직사각형 19"/>
+            <p:cNvSpPr/>
+            <p:nvPr/>
+          </p:nvSpPr>
+          <p:spPr>
+            <a:xfrm>
+              <a:off x="5690347" y="3841177"/>
+              <a:ext cx="1458146" cy="431209"/>
+            </a:xfrm>
+            <a:prstGeom prst="roundRect">
+              <a:avLst/>
+            </a:prstGeom>
+            <a:solidFill>
+              <a:schemeClr val="accent1">
+                <a:lumMod val="20000"/>
+                <a:lumOff val="80000"/>
+              </a:schemeClr>
+            </a:solidFill>
+            <a:ln>
+              <a:solidFill>
+                <a:schemeClr val="accent1">
+                  <a:lumMod val="60000"/>
+                  <a:lumOff val="40000"/>
+                </a:schemeClr>
+              </a:solidFill>
+            </a:ln>
+          </p:spPr>
+          <p:style>
+            <a:lnRef idx="2">
+              <a:schemeClr val="accent1">
+                <a:shade val="50000"/>
+              </a:schemeClr>
+            </a:lnRef>
+            <a:fillRef idx="1">
+              <a:schemeClr val="accent1"/>
+            </a:fillRef>
+            <a:effectRef idx="0">
+              <a:schemeClr val="accent1"/>
+            </a:effectRef>
+            <a:fontRef idx="minor">
+              <a:schemeClr val="lt1"/>
+            </a:fontRef>
+          </p:style>
+          <p:txBody>
+            <a:bodyPr lIns="36000" tIns="36000" rIns="36000" bIns="36000" rtlCol="0" anchor="ctr"/>
+            <a:lstStyle/>
+            <a:p>
+              <a:pPr algn="ctr"/>
+              <a:r>
+                <a:rPr lang="en-US" altLang="ko-KR" sz="1400" b="1" dirty="0" smtClean="0">
+                  <a:solidFill>
+                    <a:schemeClr val="tx1"/>
+                  </a:solidFill>
+                </a:rPr>
+                <a:t>Container</a:t>
+              </a:r>
+              <a:endParaRPr lang="ko-KR" altLang="en-US" sz="1400" b="1" dirty="0">
+                <a:solidFill>
+                  <a:schemeClr val="tx1"/>
+                </a:solidFill>
+              </a:endParaRPr>
+            </a:p>
+          </p:txBody>
+        </p:sp>
+        <p:sp>
+          <p:nvSpPr>
+            <p:cNvPr id="21" name="모서리가 둥근 직사각형 20"/>
+            <p:cNvSpPr/>
+            <p:nvPr/>
+          </p:nvSpPr>
+          <p:spPr>
+            <a:xfrm>
+              <a:off x="5690347" y="4515297"/>
+              <a:ext cx="1458146" cy="431209"/>
+            </a:xfrm>
+            <a:prstGeom prst="roundRect">
+              <a:avLst/>
+            </a:prstGeom>
+            <a:solidFill>
+              <a:schemeClr val="accent1">
+                <a:lumMod val="20000"/>
+                <a:lumOff val="80000"/>
+              </a:schemeClr>
+            </a:solidFill>
+            <a:ln>
+              <a:solidFill>
+                <a:schemeClr val="accent1">
+                  <a:lumMod val="60000"/>
+                  <a:lumOff val="40000"/>
+                </a:schemeClr>
+              </a:solidFill>
+            </a:ln>
+          </p:spPr>
+          <p:style>
+            <a:lnRef idx="2">
+              <a:schemeClr val="accent1">
+                <a:shade val="50000"/>
+              </a:schemeClr>
+            </a:lnRef>
+            <a:fillRef idx="1">
+              <a:schemeClr val="accent1"/>
+            </a:fillRef>
+            <a:effectRef idx="0">
+              <a:schemeClr val="accent1"/>
+            </a:effectRef>
+            <a:fontRef idx="minor">
+              <a:schemeClr val="lt1"/>
+            </a:fontRef>
+          </p:style>
+          <p:txBody>
+            <a:bodyPr lIns="36000" tIns="36000" rIns="36000" bIns="36000" rtlCol="0" anchor="ctr"/>
+            <a:lstStyle/>
+            <a:p>
+              <a:pPr algn="ctr"/>
+              <a:r>
+                <a:rPr lang="en-US" altLang="ko-KR" sz="1400" b="1" dirty="0" smtClean="0">
+                  <a:solidFill>
+                    <a:schemeClr val="tx1"/>
+                  </a:solidFill>
+                </a:rPr>
+                <a:t>Container</a:t>
+              </a:r>
+              <a:endParaRPr lang="ko-KR" altLang="en-US" sz="1400" b="1" dirty="0">
+                <a:solidFill>
+                  <a:schemeClr val="tx1"/>
+                </a:solidFill>
+              </a:endParaRPr>
+            </a:p>
+          </p:txBody>
+        </p:sp>
+        <p:pic>
+          <p:nvPicPr>
+            <p:cNvPr id="7" name="그림 6"/>
+            <p:cNvPicPr>
+              <a:picLocks noChangeAspect="1"/>
+            </p:cNvPicPr>
+            <p:nvPr/>
+          </p:nvPicPr>
+          <p:blipFill>
+            <a:blip r:embed="rId3"/>
+            <a:stretch>
+              <a:fillRect/>
+            </a:stretch>
+          </p:blipFill>
+          <p:spPr>
+            <a:xfrm>
+              <a:off x="833376" y="3692755"/>
+              <a:ext cx="452100" cy="324218"/>
+            </a:xfrm>
+            <a:prstGeom prst="rect">
+              <a:avLst/>
+            </a:prstGeom>
+          </p:spPr>
+        </p:pic>
+        <p:pic>
+          <p:nvPicPr>
+            <p:cNvPr id="22" name="그림 21"/>
+            <p:cNvPicPr>
+              <a:picLocks noChangeAspect="1"/>
+            </p:cNvPicPr>
+            <p:nvPr/>
+          </p:nvPicPr>
+          <p:blipFill>
+            <a:blip r:embed="rId3"/>
+            <a:stretch>
+              <a:fillRect/>
+            </a:stretch>
+          </p:blipFill>
+          <p:spPr>
+            <a:xfrm>
+              <a:off x="833376" y="4353188"/>
+              <a:ext cx="452100" cy="324218"/>
+            </a:xfrm>
+            <a:prstGeom prst="rect">
+              <a:avLst/>
+            </a:prstGeom>
+          </p:spPr>
+        </p:pic>
+        <p:pic>
+          <p:nvPicPr>
+            <p:cNvPr id="23" name="그림 22"/>
+            <p:cNvPicPr>
+              <a:picLocks noChangeAspect="1"/>
+            </p:cNvPicPr>
+            <p:nvPr/>
+          </p:nvPicPr>
+          <p:blipFill>
+            <a:blip r:embed="rId3"/>
+            <a:stretch>
+              <a:fillRect/>
+            </a:stretch>
+          </p:blipFill>
+          <p:spPr>
+            <a:xfrm>
+              <a:off x="3192893" y="3692755"/>
+              <a:ext cx="452100" cy="324218"/>
+            </a:xfrm>
+            <a:prstGeom prst="rect">
+              <a:avLst/>
+            </a:prstGeom>
+          </p:spPr>
+        </p:pic>
+        <p:pic>
+          <p:nvPicPr>
+            <p:cNvPr id="24" name="그림 23"/>
+            <p:cNvPicPr>
+              <a:picLocks noChangeAspect="1"/>
+            </p:cNvPicPr>
+            <p:nvPr/>
+          </p:nvPicPr>
+          <p:blipFill>
+            <a:blip r:embed="rId3"/>
+            <a:stretch>
+              <a:fillRect/>
+            </a:stretch>
+          </p:blipFill>
+          <p:spPr>
+            <a:xfrm>
+              <a:off x="3192893" y="4353188"/>
+              <a:ext cx="452100" cy="324218"/>
+            </a:xfrm>
+            <a:prstGeom prst="rect">
+              <a:avLst/>
+            </a:prstGeom>
+          </p:spPr>
+        </p:pic>
+        <p:pic>
+          <p:nvPicPr>
+            <p:cNvPr id="25" name="그림 24"/>
+            <p:cNvPicPr>
+              <a:picLocks noChangeAspect="1"/>
+            </p:cNvPicPr>
+            <p:nvPr/>
+          </p:nvPicPr>
+          <p:blipFill>
+            <a:blip r:embed="rId3"/>
+            <a:stretch>
+              <a:fillRect/>
+            </a:stretch>
+          </p:blipFill>
+          <p:spPr>
+            <a:xfrm>
+              <a:off x="5568447" y="3692755"/>
+              <a:ext cx="452100" cy="324218"/>
+            </a:xfrm>
+            <a:prstGeom prst="rect">
+              <a:avLst/>
+            </a:prstGeom>
+          </p:spPr>
+        </p:pic>
+        <p:pic>
+          <p:nvPicPr>
+            <p:cNvPr id="26" name="그림 25"/>
+            <p:cNvPicPr>
+              <a:picLocks noChangeAspect="1"/>
+            </p:cNvPicPr>
+            <p:nvPr/>
+          </p:nvPicPr>
+          <p:blipFill>
+            <a:blip r:embed="rId3"/>
+            <a:stretch>
+              <a:fillRect/>
+            </a:stretch>
+          </p:blipFill>
+          <p:spPr>
+            <a:xfrm>
+              <a:off x="5568447" y="4353188"/>
+              <a:ext cx="452100" cy="324218"/>
+            </a:xfrm>
+            <a:prstGeom prst="rect">
+              <a:avLst/>
+            </a:prstGeom>
+          </p:spPr>
+        </p:pic>
+      </p:grpSp>
+      <p:grpSp>
+        <p:nvGrpSpPr>
+          <p:cNvPr id="3" name="그룹 2"/>
+          <p:cNvGrpSpPr/>
+          <p:nvPr/>
+        </p:nvGrpSpPr>
+        <p:grpSpPr>
+          <a:xfrm>
+            <a:off x="7670431" y="298058"/>
+            <a:ext cx="4241285" cy="4871553"/>
+            <a:chOff x="7809372" y="298058"/>
+            <a:chExt cx="4241285" cy="4871553"/>
+          </a:xfrm>
+        </p:grpSpPr>
+        <p:pic>
+          <p:nvPicPr>
+            <p:cNvPr id="27" name="그림 26"/>
+            <p:cNvPicPr>
+              <a:picLocks noChangeAspect="1"/>
+            </p:cNvPicPr>
+            <p:nvPr/>
+          </p:nvPicPr>
+          <p:blipFill>
+            <a:blip r:embed="rId4"/>
+            <a:stretch>
+              <a:fillRect/>
+            </a:stretch>
+          </p:blipFill>
+          <p:spPr>
+            <a:xfrm>
+              <a:off x="7809372" y="1621499"/>
+              <a:ext cx="4241285" cy="3548112"/>
+            </a:xfrm>
+            <a:prstGeom prst="rect">
+              <a:avLst/>
+            </a:prstGeom>
+          </p:spPr>
+        </p:pic>
+        <p:sp>
+          <p:nvSpPr>
+            <p:cNvPr id="28" name="오른쪽 화살표 27"/>
+            <p:cNvSpPr/>
+            <p:nvPr/>
+          </p:nvSpPr>
+          <p:spPr>
+            <a:xfrm rot="5400000">
+              <a:off x="9561025" y="1170820"/>
+              <a:ext cx="737981" cy="572981"/>
+            </a:xfrm>
+            <a:prstGeom prst="rightArrow">
+              <a:avLst/>
+            </a:prstGeom>
             <a:solidFill>
               <a:schemeClr val="tx2"/>
             </a:solidFill>
-          </a:ln>
-        </p:spPr>
-        <p:style>
-          <a:lnRef idx="2">
-            <a:schemeClr val="accent1">
-              <a:shade val="50000"/>
-            </a:schemeClr>
-          </a:lnRef>
-          <a:fillRef idx="1">
-            <a:schemeClr val="accent1"/>
-          </a:fillRef>
-          <a:effectRef idx="0">
-            <a:schemeClr val="accent1"/>
-          </a:effectRef>
-          <a:fontRef idx="minor">
-            <a:schemeClr val="lt1"/>
-          </a:fontRef>
-        </p:style>
-        <p:txBody>
-          <a:bodyPr lIns="36000" tIns="0" rIns="36000" bIns="36000" rtlCol="0" anchor="t"/>
-          <a:lstStyle/>
-          <a:p>
-            <a:pPr algn="ctr"/>
-            <a:r>
-              <a:rPr lang="en-US" altLang="ko-KR" sz="2000" b="1" dirty="0" smtClean="0"/>
-              <a:t>Worker </a:t>
-            </a:r>
-            <a:r>
-              <a:rPr lang="en-US" altLang="ko-KR" sz="2000" b="1" dirty="0" smtClean="0"/>
-              <a:t>Node</a:t>
-            </a:r>
-          </a:p>
-        </p:txBody>
-      </p:sp>
-      <p:sp>
-        <p:nvSpPr>
-          <p:cNvPr id="5" name="모서리가 둥근 직사각형 4"/>
-          <p:cNvSpPr/>
-          <p:nvPr/>
-        </p:nvSpPr>
-        <p:spPr>
-          <a:xfrm>
-            <a:off x="2096762" y="1960333"/>
-            <a:ext cx="1980000" cy="432000"/>
-          </a:xfrm>
-          <a:prstGeom prst="roundRect">
-            <a:avLst/>
-          </a:prstGeom>
-          <a:solidFill>
-            <a:schemeClr val="accent5">
-              <a:lumMod val="40000"/>
-              <a:lumOff val="60000"/>
-            </a:schemeClr>
-          </a:solidFill>
-          <a:ln>
+            <a:ln>
+              <a:noFill/>
+            </a:ln>
+            <a:effectLst>
+              <a:outerShdw blurRad="50800" dist="38100" dir="2700000" algn="tl" rotWithShape="0">
+                <a:prstClr val="black">
+                  <a:alpha val="40000"/>
+                </a:prstClr>
+              </a:outerShdw>
+            </a:effectLst>
+          </p:spPr>
+          <p:style>
+            <a:lnRef idx="2">
+              <a:schemeClr val="accent1">
+                <a:shade val="50000"/>
+              </a:schemeClr>
+            </a:lnRef>
+            <a:fillRef idx="1">
+              <a:schemeClr val="accent1"/>
+            </a:fillRef>
+            <a:effectRef idx="0">
+              <a:schemeClr val="accent1"/>
+            </a:effectRef>
+            <a:fontRef idx="minor">
+              <a:schemeClr val="lt1"/>
+            </a:fontRef>
+          </p:style>
+          <p:txBody>
+            <a:bodyPr rtlCol="0" anchor="ctr"/>
+            <a:lstStyle/>
+            <a:p>
+              <a:pPr algn="ctr"/>
+              <a:endParaRPr lang="ko-KR" altLang="en-US"/>
+            </a:p>
+          </p:txBody>
+        </p:sp>
+        <p:sp>
+          <p:nvSpPr>
+            <p:cNvPr id="29" name="타원 28"/>
+            <p:cNvSpPr/>
+            <p:nvPr/>
+          </p:nvSpPr>
+          <p:spPr>
+            <a:xfrm>
+              <a:off x="8850015" y="298058"/>
+              <a:ext cx="2160000" cy="720000"/>
+            </a:xfrm>
+            <a:prstGeom prst="ellipse">
+              <a:avLst/>
+            </a:prstGeom>
             <a:solidFill>
-              <a:schemeClr val="accent5">
-                <a:lumMod val="60000"/>
-                <a:lumOff val="40000"/>
+              <a:schemeClr val="tx2"/>
+            </a:solidFill>
+            <a:ln>
+              <a:noFill/>
+            </a:ln>
+            <a:effectLst>
+              <a:outerShdw blurRad="50800" dist="38100" dir="2700000" algn="tl" rotWithShape="0">
+                <a:prstClr val="black">
+                  <a:alpha val="40000"/>
+                </a:prstClr>
+              </a:outerShdw>
+            </a:effectLst>
+          </p:spPr>
+          <p:style>
+            <a:lnRef idx="2">
+              <a:schemeClr val="accent1">
+                <a:shade val="50000"/>
               </a:schemeClr>
-            </a:solidFill>
-          </a:ln>
-        </p:spPr>
-        <p:style>
-          <a:lnRef idx="2">
-            <a:schemeClr val="accent1">
-              <a:shade val="50000"/>
-            </a:schemeClr>
-          </a:lnRef>
-          <a:fillRef idx="1">
-            <a:schemeClr val="accent1"/>
-          </a:fillRef>
-          <a:effectRef idx="0">
-            <a:schemeClr val="accent1"/>
-          </a:effectRef>
-          <a:fontRef idx="minor">
-            <a:schemeClr val="lt1"/>
-          </a:fontRef>
-        </p:style>
-        <p:txBody>
-          <a:bodyPr lIns="36000" tIns="36000" rIns="36000" bIns="36000" rtlCol="0" anchor="ctr"/>
-          <a:lstStyle/>
-          <a:p>
-            <a:pPr algn="ctr"/>
-            <a:r>
-              <a:rPr lang="en-US" altLang="ko-KR" b="1" dirty="0" err="1" smtClean="0">
-                <a:solidFill>
-                  <a:schemeClr val="tx1"/>
-                </a:solidFill>
-              </a:rPr>
-              <a:t>Kubelet</a:t>
-            </a:r>
-            <a:endParaRPr lang="ko-KR" altLang="en-US" b="1" dirty="0">
-              <a:solidFill>
-                <a:schemeClr val="tx1"/>
-              </a:solidFill>
-            </a:endParaRPr>
-          </a:p>
-        </p:txBody>
-      </p:sp>
-      <p:sp>
-        <p:nvSpPr>
-          <p:cNvPr id="6" name="모서리가 둥근 직사각형 5"/>
-          <p:cNvSpPr/>
-          <p:nvPr/>
-        </p:nvSpPr>
-        <p:spPr>
-          <a:xfrm>
-            <a:off x="2096762" y="2648932"/>
-            <a:ext cx="1800000" cy="2566797"/>
-          </a:xfrm>
-          <a:prstGeom prst="roundRect">
-            <a:avLst/>
-          </a:prstGeom>
-          <a:solidFill>
-            <a:srgbClr val="BDD7EE"/>
-          </a:solidFill>
-          <a:ln>
-            <a:solidFill>
-              <a:schemeClr val="accent5"/>
-            </a:solidFill>
-          </a:ln>
-        </p:spPr>
-        <p:style>
-          <a:lnRef idx="2">
-            <a:schemeClr val="accent1">
-              <a:shade val="50000"/>
-            </a:schemeClr>
-          </a:lnRef>
-          <a:fillRef idx="1">
-            <a:schemeClr val="accent1"/>
-          </a:fillRef>
-          <a:effectRef idx="0">
-            <a:schemeClr val="accent1"/>
-          </a:effectRef>
-          <a:fontRef idx="minor">
-            <a:schemeClr val="lt1"/>
-          </a:fontRef>
-        </p:style>
-        <p:txBody>
-          <a:bodyPr lIns="36000" tIns="36000" rIns="36000" bIns="36000" rtlCol="0" anchor="t"/>
-          <a:lstStyle/>
-          <a:p>
-            <a:pPr algn="ctr"/>
-            <a:r>
-              <a:rPr lang="en-US" altLang="ko-KR" b="1" dirty="0" smtClean="0">
-                <a:solidFill>
-                  <a:schemeClr val="tx1"/>
-                </a:solidFill>
-              </a:rPr>
-              <a:t>Pod</a:t>
-            </a:r>
-            <a:endParaRPr lang="ko-KR" altLang="en-US" b="1" dirty="0">
-              <a:solidFill>
-                <a:schemeClr val="tx1"/>
-              </a:solidFill>
-            </a:endParaRPr>
-          </a:p>
-        </p:txBody>
-      </p:sp>
-      <p:sp>
-        <p:nvSpPr>
-          <p:cNvPr id="8" name="모서리가 둥근 직사각형 7"/>
-          <p:cNvSpPr/>
-          <p:nvPr/>
-        </p:nvSpPr>
-        <p:spPr>
-          <a:xfrm>
-            <a:off x="4371887" y="1960333"/>
-            <a:ext cx="1980000" cy="432000"/>
-          </a:xfrm>
-          <a:prstGeom prst="roundRect">
-            <a:avLst/>
-          </a:prstGeom>
-          <a:solidFill>
-            <a:schemeClr val="accent5">
-              <a:lumMod val="40000"/>
-              <a:lumOff val="60000"/>
-            </a:schemeClr>
-          </a:solidFill>
-          <a:ln>
-            <a:solidFill>
-              <a:schemeClr val="accent5">
-                <a:lumMod val="60000"/>
-                <a:lumOff val="40000"/>
-              </a:schemeClr>
-            </a:solidFill>
-          </a:ln>
-        </p:spPr>
-        <p:style>
-          <a:lnRef idx="2">
-            <a:schemeClr val="accent1">
-              <a:shade val="50000"/>
-            </a:schemeClr>
-          </a:lnRef>
-          <a:fillRef idx="1">
-            <a:schemeClr val="accent1"/>
-          </a:fillRef>
-          <a:effectRef idx="0">
-            <a:schemeClr val="accent1"/>
-          </a:effectRef>
-          <a:fontRef idx="minor">
-            <a:schemeClr val="lt1"/>
-          </a:fontRef>
-        </p:style>
-        <p:txBody>
-          <a:bodyPr lIns="36000" tIns="36000" rIns="36000" bIns="36000" rtlCol="0" anchor="ctr"/>
-          <a:lstStyle/>
-          <a:p>
-            <a:pPr algn="ctr"/>
-            <a:r>
-              <a:rPr lang="en-US" altLang="ko-KR" b="1" dirty="0" smtClean="0">
-                <a:solidFill>
-                  <a:schemeClr val="tx1"/>
-                </a:solidFill>
-              </a:rPr>
-              <a:t>Docker</a:t>
-            </a:r>
-            <a:endParaRPr lang="ko-KR" altLang="en-US" b="1" dirty="0">
-              <a:solidFill>
-                <a:schemeClr val="tx1"/>
-              </a:solidFill>
-            </a:endParaRPr>
-          </a:p>
-        </p:txBody>
-      </p:sp>
-      <p:sp>
-        <p:nvSpPr>
-          <p:cNvPr id="9" name="모서리가 둥근 직사각형 8"/>
-          <p:cNvSpPr/>
-          <p:nvPr/>
-        </p:nvSpPr>
-        <p:spPr>
-          <a:xfrm>
-            <a:off x="6647012" y="1960333"/>
-            <a:ext cx="1980000" cy="432000"/>
-          </a:xfrm>
-          <a:prstGeom prst="roundRect">
-            <a:avLst/>
-          </a:prstGeom>
-          <a:solidFill>
-            <a:schemeClr val="accent5">
-              <a:lumMod val="40000"/>
-              <a:lumOff val="60000"/>
-            </a:schemeClr>
-          </a:solidFill>
-          <a:ln>
-            <a:solidFill>
-              <a:schemeClr val="accent5">
-                <a:lumMod val="60000"/>
-                <a:lumOff val="40000"/>
-              </a:schemeClr>
-            </a:solidFill>
-          </a:ln>
-        </p:spPr>
-        <p:style>
-          <a:lnRef idx="2">
-            <a:schemeClr val="accent1">
-              <a:shade val="50000"/>
-            </a:schemeClr>
-          </a:lnRef>
-          <a:fillRef idx="1">
-            <a:schemeClr val="accent1"/>
-          </a:fillRef>
-          <a:effectRef idx="0">
-            <a:schemeClr val="accent1"/>
-          </a:effectRef>
-          <a:fontRef idx="minor">
-            <a:schemeClr val="lt1"/>
-          </a:fontRef>
-        </p:style>
-        <p:txBody>
-          <a:bodyPr lIns="36000" tIns="36000" rIns="36000" bIns="36000" rtlCol="0" anchor="ctr"/>
-          <a:lstStyle/>
-          <a:p>
-            <a:pPr algn="ctr"/>
-            <a:r>
-              <a:rPr lang="en-US" altLang="ko-KR" b="1" dirty="0" err="1" smtClean="0">
-                <a:solidFill>
-                  <a:schemeClr val="tx1"/>
-                </a:solidFill>
-              </a:rPr>
-              <a:t>Kube</a:t>
-            </a:r>
-            <a:r>
-              <a:rPr lang="en-US" altLang="ko-KR" b="1" dirty="0" smtClean="0">
-                <a:solidFill>
-                  <a:schemeClr val="tx1"/>
-                </a:solidFill>
-              </a:rPr>
-              <a:t>-proxy</a:t>
-            </a:r>
-            <a:endParaRPr lang="ko-KR" altLang="en-US" b="1" dirty="0">
-              <a:solidFill>
-                <a:schemeClr val="tx1"/>
-              </a:solidFill>
-            </a:endParaRPr>
-          </a:p>
-        </p:txBody>
-      </p:sp>
-      <p:sp>
-        <p:nvSpPr>
-          <p:cNvPr id="10" name="모서리가 둥근 직사각형 9"/>
-          <p:cNvSpPr/>
-          <p:nvPr/>
-        </p:nvSpPr>
-        <p:spPr>
-          <a:xfrm>
-            <a:off x="4461887" y="2648932"/>
-            <a:ext cx="1800000" cy="2566797"/>
-          </a:xfrm>
-          <a:prstGeom prst="roundRect">
-            <a:avLst/>
-          </a:prstGeom>
-          <a:solidFill>
-            <a:srgbClr val="BDD7EE"/>
-          </a:solidFill>
-          <a:ln>
-            <a:solidFill>
-              <a:schemeClr val="accent5"/>
-            </a:solidFill>
-          </a:ln>
-        </p:spPr>
-        <p:style>
-          <a:lnRef idx="2">
-            <a:schemeClr val="accent1">
-              <a:shade val="50000"/>
-            </a:schemeClr>
-          </a:lnRef>
-          <a:fillRef idx="1">
-            <a:schemeClr val="accent1"/>
-          </a:fillRef>
-          <a:effectRef idx="0">
-            <a:schemeClr val="accent1"/>
-          </a:effectRef>
-          <a:fontRef idx="minor">
-            <a:schemeClr val="lt1"/>
-          </a:fontRef>
-        </p:style>
-        <p:txBody>
-          <a:bodyPr lIns="36000" tIns="36000" rIns="36000" bIns="36000" rtlCol="0" anchor="t"/>
-          <a:lstStyle/>
-          <a:p>
-            <a:pPr algn="ctr"/>
-            <a:r>
-              <a:rPr lang="en-US" altLang="ko-KR" b="1" dirty="0" smtClean="0">
-                <a:solidFill>
-                  <a:schemeClr val="tx1"/>
-                </a:solidFill>
-              </a:rPr>
-              <a:t>Pod</a:t>
-            </a:r>
-            <a:endParaRPr lang="ko-KR" altLang="en-US" b="1" dirty="0">
-              <a:solidFill>
-                <a:schemeClr val="tx1"/>
-              </a:solidFill>
-            </a:endParaRPr>
-          </a:p>
-        </p:txBody>
-      </p:sp>
-      <p:sp>
-        <p:nvSpPr>
-          <p:cNvPr id="11" name="모서리가 둥근 직사각형 10"/>
-          <p:cNvSpPr/>
-          <p:nvPr/>
-        </p:nvSpPr>
-        <p:spPr>
-          <a:xfrm>
-            <a:off x="6827012" y="2648932"/>
-            <a:ext cx="1800000" cy="2566797"/>
-          </a:xfrm>
-          <a:prstGeom prst="roundRect">
-            <a:avLst/>
-          </a:prstGeom>
-          <a:solidFill>
-            <a:srgbClr val="BDD7EE"/>
-          </a:solidFill>
-          <a:ln>
-            <a:solidFill>
-              <a:schemeClr val="accent5"/>
-            </a:solidFill>
-          </a:ln>
-        </p:spPr>
-        <p:style>
-          <a:lnRef idx="2">
-            <a:schemeClr val="accent1">
-              <a:shade val="50000"/>
-            </a:schemeClr>
-          </a:lnRef>
-          <a:fillRef idx="1">
-            <a:schemeClr val="accent1"/>
-          </a:fillRef>
-          <a:effectRef idx="0">
-            <a:schemeClr val="accent1"/>
-          </a:effectRef>
-          <a:fontRef idx="minor">
-            <a:schemeClr val="lt1"/>
-          </a:fontRef>
-        </p:style>
-        <p:txBody>
-          <a:bodyPr lIns="36000" tIns="36000" rIns="36000" bIns="36000" rtlCol="0" anchor="t"/>
-          <a:lstStyle/>
-          <a:p>
-            <a:pPr algn="ctr"/>
-            <a:r>
-              <a:rPr lang="en-US" altLang="ko-KR" b="1" dirty="0" smtClean="0">
-                <a:solidFill>
-                  <a:schemeClr val="tx1"/>
-                </a:solidFill>
-              </a:rPr>
-              <a:t>Pod</a:t>
-            </a:r>
-            <a:endParaRPr lang="ko-KR" altLang="en-US" b="1" dirty="0">
-              <a:solidFill>
-                <a:schemeClr val="tx1"/>
-              </a:solidFill>
-            </a:endParaRPr>
-          </a:p>
-        </p:txBody>
-      </p:sp>
-      <p:sp>
-        <p:nvSpPr>
-          <p:cNvPr id="13" name="모서리가 둥근 직사각형 12"/>
-          <p:cNvSpPr/>
-          <p:nvPr/>
-        </p:nvSpPr>
-        <p:spPr>
-          <a:xfrm>
-            <a:off x="2267689" y="3167056"/>
-            <a:ext cx="1458146" cy="431209"/>
-          </a:xfrm>
-          <a:prstGeom prst="roundRect">
-            <a:avLst/>
-          </a:prstGeom>
-          <a:solidFill>
-            <a:schemeClr val="accent1">
-              <a:lumMod val="20000"/>
-              <a:lumOff val="80000"/>
-            </a:schemeClr>
-          </a:solidFill>
-          <a:ln>
-            <a:solidFill>
-              <a:schemeClr val="accent1">
-                <a:lumMod val="60000"/>
-                <a:lumOff val="40000"/>
-              </a:schemeClr>
-            </a:solidFill>
-          </a:ln>
-        </p:spPr>
-        <p:style>
-          <a:lnRef idx="2">
-            <a:schemeClr val="accent1">
-              <a:shade val="50000"/>
-            </a:schemeClr>
-          </a:lnRef>
-          <a:fillRef idx="1">
-            <a:schemeClr val="accent1"/>
-          </a:fillRef>
-          <a:effectRef idx="0">
-            <a:schemeClr val="accent1"/>
-          </a:effectRef>
-          <a:fontRef idx="minor">
-            <a:schemeClr val="lt1"/>
-          </a:fontRef>
-        </p:style>
-        <p:txBody>
-          <a:bodyPr lIns="36000" tIns="36000" rIns="36000" bIns="36000" rtlCol="0" anchor="ctr"/>
-          <a:lstStyle/>
-          <a:p>
-            <a:pPr algn="ctr"/>
-            <a:r>
-              <a:rPr lang="en-US" altLang="ko-KR" sz="1400" b="1" dirty="0" smtClean="0">
-                <a:solidFill>
-                  <a:schemeClr val="tx1"/>
-                </a:solidFill>
-              </a:rPr>
-              <a:t>Volume</a:t>
-            </a:r>
-            <a:endParaRPr lang="ko-KR" altLang="en-US" sz="1400" b="1" dirty="0">
-              <a:solidFill>
-                <a:schemeClr val="tx1"/>
-              </a:solidFill>
-            </a:endParaRPr>
-          </a:p>
-        </p:txBody>
-      </p:sp>
-      <p:sp>
-        <p:nvSpPr>
-          <p:cNvPr id="14" name="모서리가 둥근 직사각형 13"/>
-          <p:cNvSpPr/>
-          <p:nvPr/>
-        </p:nvSpPr>
-        <p:spPr>
-          <a:xfrm>
-            <a:off x="2267689" y="3841177"/>
-            <a:ext cx="1458146" cy="431209"/>
-          </a:xfrm>
-          <a:prstGeom prst="roundRect">
-            <a:avLst/>
-          </a:prstGeom>
-          <a:solidFill>
-            <a:schemeClr val="accent1">
-              <a:lumMod val="20000"/>
-              <a:lumOff val="80000"/>
-            </a:schemeClr>
-          </a:solidFill>
-          <a:ln>
-            <a:solidFill>
-              <a:schemeClr val="accent1">
-                <a:lumMod val="60000"/>
-                <a:lumOff val="40000"/>
-              </a:schemeClr>
-            </a:solidFill>
-          </a:ln>
-        </p:spPr>
-        <p:style>
-          <a:lnRef idx="2">
-            <a:schemeClr val="accent1">
-              <a:shade val="50000"/>
-            </a:schemeClr>
-          </a:lnRef>
-          <a:fillRef idx="1">
-            <a:schemeClr val="accent1"/>
-          </a:fillRef>
-          <a:effectRef idx="0">
-            <a:schemeClr val="accent1"/>
-          </a:effectRef>
-          <a:fontRef idx="minor">
-            <a:schemeClr val="lt1"/>
-          </a:fontRef>
-        </p:style>
-        <p:txBody>
-          <a:bodyPr lIns="36000" tIns="36000" rIns="36000" bIns="36000" rtlCol="0" anchor="ctr"/>
-          <a:lstStyle/>
-          <a:p>
-            <a:pPr algn="ctr"/>
-            <a:r>
-              <a:rPr lang="en-US" altLang="ko-KR" sz="1400" b="1" dirty="0" smtClean="0">
-                <a:solidFill>
-                  <a:schemeClr val="tx1"/>
-                </a:solidFill>
-              </a:rPr>
-              <a:t>Container</a:t>
-            </a:r>
-            <a:endParaRPr lang="ko-KR" altLang="en-US" sz="1400" b="1" dirty="0">
-              <a:solidFill>
-                <a:schemeClr val="tx1"/>
-              </a:solidFill>
-            </a:endParaRPr>
-          </a:p>
-        </p:txBody>
-      </p:sp>
-      <p:sp>
-        <p:nvSpPr>
-          <p:cNvPr id="15" name="모서리가 둥근 직사각형 14"/>
-          <p:cNvSpPr/>
-          <p:nvPr/>
-        </p:nvSpPr>
-        <p:spPr>
-          <a:xfrm>
-            <a:off x="2267689" y="4515297"/>
-            <a:ext cx="1458146" cy="431209"/>
-          </a:xfrm>
-          <a:prstGeom prst="roundRect">
-            <a:avLst/>
-          </a:prstGeom>
-          <a:solidFill>
-            <a:schemeClr val="accent1">
-              <a:lumMod val="20000"/>
-              <a:lumOff val="80000"/>
-            </a:schemeClr>
-          </a:solidFill>
-          <a:ln>
-            <a:solidFill>
-              <a:schemeClr val="accent1">
-                <a:lumMod val="60000"/>
-                <a:lumOff val="40000"/>
-              </a:schemeClr>
-            </a:solidFill>
-          </a:ln>
-        </p:spPr>
-        <p:style>
-          <a:lnRef idx="2">
-            <a:schemeClr val="accent1">
-              <a:shade val="50000"/>
-            </a:schemeClr>
-          </a:lnRef>
-          <a:fillRef idx="1">
-            <a:schemeClr val="accent1"/>
-          </a:fillRef>
-          <a:effectRef idx="0">
-            <a:schemeClr val="accent1"/>
-          </a:effectRef>
-          <a:fontRef idx="minor">
-            <a:schemeClr val="lt1"/>
-          </a:fontRef>
-        </p:style>
-        <p:txBody>
-          <a:bodyPr lIns="36000" tIns="36000" rIns="36000" bIns="36000" rtlCol="0" anchor="ctr"/>
-          <a:lstStyle/>
-          <a:p>
-            <a:pPr algn="ctr"/>
-            <a:r>
-              <a:rPr lang="en-US" altLang="ko-KR" sz="1400" b="1" dirty="0" smtClean="0">
-                <a:solidFill>
-                  <a:schemeClr val="tx1"/>
-                </a:solidFill>
-              </a:rPr>
-              <a:t>Container</a:t>
-            </a:r>
-            <a:endParaRPr lang="ko-KR" altLang="en-US" sz="1400" b="1" dirty="0">
-              <a:solidFill>
-                <a:schemeClr val="tx1"/>
-              </a:solidFill>
-            </a:endParaRPr>
-          </a:p>
-        </p:txBody>
-      </p:sp>
-      <p:sp>
-        <p:nvSpPr>
-          <p:cNvPr id="16" name="모서리가 둥근 직사각형 15"/>
-          <p:cNvSpPr/>
-          <p:nvPr/>
-        </p:nvSpPr>
-        <p:spPr>
-          <a:xfrm>
-            <a:off x="4632814" y="3167056"/>
-            <a:ext cx="1458146" cy="431209"/>
-          </a:xfrm>
-          <a:prstGeom prst="roundRect">
-            <a:avLst/>
-          </a:prstGeom>
-          <a:solidFill>
-            <a:schemeClr val="accent1">
-              <a:lumMod val="20000"/>
-              <a:lumOff val="80000"/>
-            </a:schemeClr>
-          </a:solidFill>
-          <a:ln>
-            <a:solidFill>
-              <a:schemeClr val="accent1">
-                <a:lumMod val="60000"/>
-                <a:lumOff val="40000"/>
-              </a:schemeClr>
-            </a:solidFill>
-          </a:ln>
-        </p:spPr>
-        <p:style>
-          <a:lnRef idx="2">
-            <a:schemeClr val="accent1">
-              <a:shade val="50000"/>
-            </a:schemeClr>
-          </a:lnRef>
-          <a:fillRef idx="1">
-            <a:schemeClr val="accent1"/>
-          </a:fillRef>
-          <a:effectRef idx="0">
-            <a:schemeClr val="accent1"/>
-          </a:effectRef>
-          <a:fontRef idx="minor">
-            <a:schemeClr val="lt1"/>
-          </a:fontRef>
-        </p:style>
-        <p:txBody>
-          <a:bodyPr lIns="36000" tIns="36000" rIns="36000" bIns="36000" rtlCol="0" anchor="ctr"/>
-          <a:lstStyle/>
-          <a:p>
-            <a:pPr algn="ctr"/>
-            <a:r>
-              <a:rPr lang="en-US" altLang="ko-KR" sz="1400" b="1" dirty="0" smtClean="0">
-                <a:solidFill>
-                  <a:schemeClr val="tx1"/>
-                </a:solidFill>
-              </a:rPr>
-              <a:t>Volume</a:t>
-            </a:r>
-            <a:endParaRPr lang="ko-KR" altLang="en-US" sz="1400" b="1" dirty="0">
-              <a:solidFill>
-                <a:schemeClr val="tx1"/>
-              </a:solidFill>
-            </a:endParaRPr>
-          </a:p>
-        </p:txBody>
-      </p:sp>
-      <p:sp>
-        <p:nvSpPr>
-          <p:cNvPr id="17" name="모서리가 둥근 직사각형 16"/>
-          <p:cNvSpPr/>
-          <p:nvPr/>
-        </p:nvSpPr>
-        <p:spPr>
-          <a:xfrm>
-            <a:off x="4632814" y="3841177"/>
-            <a:ext cx="1458146" cy="431209"/>
-          </a:xfrm>
-          <a:prstGeom prst="roundRect">
-            <a:avLst/>
-          </a:prstGeom>
-          <a:solidFill>
-            <a:schemeClr val="accent1">
-              <a:lumMod val="20000"/>
-              <a:lumOff val="80000"/>
-            </a:schemeClr>
-          </a:solidFill>
-          <a:ln>
-            <a:solidFill>
-              <a:schemeClr val="accent1">
-                <a:lumMod val="60000"/>
-                <a:lumOff val="40000"/>
-              </a:schemeClr>
-            </a:solidFill>
-          </a:ln>
-        </p:spPr>
-        <p:style>
-          <a:lnRef idx="2">
-            <a:schemeClr val="accent1">
-              <a:shade val="50000"/>
-            </a:schemeClr>
-          </a:lnRef>
-          <a:fillRef idx="1">
-            <a:schemeClr val="accent1"/>
-          </a:fillRef>
-          <a:effectRef idx="0">
-            <a:schemeClr val="accent1"/>
-          </a:effectRef>
-          <a:fontRef idx="minor">
-            <a:schemeClr val="lt1"/>
-          </a:fontRef>
-        </p:style>
-        <p:txBody>
-          <a:bodyPr lIns="36000" tIns="36000" rIns="36000" bIns="36000" rtlCol="0" anchor="ctr"/>
-          <a:lstStyle/>
-          <a:p>
-            <a:pPr algn="ctr"/>
-            <a:r>
-              <a:rPr lang="en-US" altLang="ko-KR" sz="1400" b="1" dirty="0" smtClean="0">
-                <a:solidFill>
-                  <a:schemeClr val="tx1"/>
-                </a:solidFill>
-              </a:rPr>
-              <a:t>Container</a:t>
-            </a:r>
-            <a:endParaRPr lang="ko-KR" altLang="en-US" sz="1400" b="1" dirty="0">
-              <a:solidFill>
-                <a:schemeClr val="tx1"/>
-              </a:solidFill>
-            </a:endParaRPr>
-          </a:p>
-        </p:txBody>
-      </p:sp>
-      <p:sp>
-        <p:nvSpPr>
-          <p:cNvPr id="18" name="모서리가 둥근 직사각형 17"/>
-          <p:cNvSpPr/>
-          <p:nvPr/>
-        </p:nvSpPr>
-        <p:spPr>
-          <a:xfrm>
-            <a:off x="4632814" y="4515297"/>
-            <a:ext cx="1458146" cy="431209"/>
-          </a:xfrm>
-          <a:prstGeom prst="roundRect">
-            <a:avLst/>
-          </a:prstGeom>
-          <a:solidFill>
-            <a:schemeClr val="accent1">
-              <a:lumMod val="20000"/>
-              <a:lumOff val="80000"/>
-            </a:schemeClr>
-          </a:solidFill>
-          <a:ln>
-            <a:solidFill>
-              <a:schemeClr val="accent1">
-                <a:lumMod val="60000"/>
-                <a:lumOff val="40000"/>
-              </a:schemeClr>
-            </a:solidFill>
-          </a:ln>
-        </p:spPr>
-        <p:style>
-          <a:lnRef idx="2">
-            <a:schemeClr val="accent1">
-              <a:shade val="50000"/>
-            </a:schemeClr>
-          </a:lnRef>
-          <a:fillRef idx="1">
-            <a:schemeClr val="accent1"/>
-          </a:fillRef>
-          <a:effectRef idx="0">
-            <a:schemeClr val="accent1"/>
-          </a:effectRef>
-          <a:fontRef idx="minor">
-            <a:schemeClr val="lt1"/>
-          </a:fontRef>
-        </p:style>
-        <p:txBody>
-          <a:bodyPr lIns="36000" tIns="36000" rIns="36000" bIns="36000" rtlCol="0" anchor="ctr"/>
-          <a:lstStyle/>
-          <a:p>
-            <a:pPr algn="ctr"/>
-            <a:r>
-              <a:rPr lang="en-US" altLang="ko-KR" sz="1400" b="1" dirty="0" smtClean="0">
-                <a:solidFill>
-                  <a:schemeClr val="tx1"/>
-                </a:solidFill>
-              </a:rPr>
-              <a:t>Container</a:t>
-            </a:r>
-            <a:endParaRPr lang="ko-KR" altLang="en-US" sz="1400" b="1" dirty="0">
-              <a:solidFill>
-                <a:schemeClr val="tx1"/>
-              </a:solidFill>
-            </a:endParaRPr>
-          </a:p>
-        </p:txBody>
-      </p:sp>
-      <p:sp>
-        <p:nvSpPr>
-          <p:cNvPr id="19" name="모서리가 둥근 직사각형 18"/>
-          <p:cNvSpPr/>
-          <p:nvPr/>
-        </p:nvSpPr>
-        <p:spPr>
-          <a:xfrm>
-            <a:off x="6997939" y="3167056"/>
-            <a:ext cx="1458146" cy="431209"/>
-          </a:xfrm>
-          <a:prstGeom prst="roundRect">
-            <a:avLst/>
-          </a:prstGeom>
-          <a:solidFill>
-            <a:schemeClr val="accent1">
-              <a:lumMod val="20000"/>
-              <a:lumOff val="80000"/>
-            </a:schemeClr>
-          </a:solidFill>
-          <a:ln>
-            <a:solidFill>
-              <a:schemeClr val="accent1">
-                <a:lumMod val="60000"/>
-                <a:lumOff val="40000"/>
-              </a:schemeClr>
-            </a:solidFill>
-          </a:ln>
-        </p:spPr>
-        <p:style>
-          <a:lnRef idx="2">
-            <a:schemeClr val="accent1">
-              <a:shade val="50000"/>
-            </a:schemeClr>
-          </a:lnRef>
-          <a:fillRef idx="1">
-            <a:schemeClr val="accent1"/>
-          </a:fillRef>
-          <a:effectRef idx="0">
-            <a:schemeClr val="accent1"/>
-          </a:effectRef>
-          <a:fontRef idx="minor">
-            <a:schemeClr val="lt1"/>
-          </a:fontRef>
-        </p:style>
-        <p:txBody>
-          <a:bodyPr lIns="36000" tIns="36000" rIns="36000" bIns="36000" rtlCol="0" anchor="ctr"/>
-          <a:lstStyle/>
-          <a:p>
-            <a:pPr algn="ctr"/>
-            <a:r>
-              <a:rPr lang="en-US" altLang="ko-KR" sz="1400" b="1" dirty="0" smtClean="0">
-                <a:solidFill>
-                  <a:schemeClr val="tx1"/>
-                </a:solidFill>
-              </a:rPr>
-              <a:t>Volume</a:t>
-            </a:r>
-            <a:endParaRPr lang="ko-KR" altLang="en-US" sz="1400" b="1" dirty="0">
-              <a:solidFill>
-                <a:schemeClr val="tx1"/>
-              </a:solidFill>
-            </a:endParaRPr>
-          </a:p>
-        </p:txBody>
-      </p:sp>
-      <p:sp>
-        <p:nvSpPr>
-          <p:cNvPr id="20" name="모서리가 둥근 직사각형 19"/>
-          <p:cNvSpPr/>
-          <p:nvPr/>
-        </p:nvSpPr>
-        <p:spPr>
-          <a:xfrm>
-            <a:off x="6997939" y="3841177"/>
-            <a:ext cx="1458146" cy="431209"/>
-          </a:xfrm>
-          <a:prstGeom prst="roundRect">
-            <a:avLst/>
-          </a:prstGeom>
-          <a:solidFill>
-            <a:schemeClr val="accent1">
-              <a:lumMod val="20000"/>
-              <a:lumOff val="80000"/>
-            </a:schemeClr>
-          </a:solidFill>
-          <a:ln>
-            <a:solidFill>
-              <a:schemeClr val="accent1">
-                <a:lumMod val="60000"/>
-                <a:lumOff val="40000"/>
-              </a:schemeClr>
-            </a:solidFill>
-          </a:ln>
-        </p:spPr>
-        <p:style>
-          <a:lnRef idx="2">
-            <a:schemeClr val="accent1">
-              <a:shade val="50000"/>
-            </a:schemeClr>
-          </a:lnRef>
-          <a:fillRef idx="1">
-            <a:schemeClr val="accent1"/>
-          </a:fillRef>
-          <a:effectRef idx="0">
-            <a:schemeClr val="accent1"/>
-          </a:effectRef>
-          <a:fontRef idx="minor">
-            <a:schemeClr val="lt1"/>
-          </a:fontRef>
-        </p:style>
-        <p:txBody>
-          <a:bodyPr lIns="36000" tIns="36000" rIns="36000" bIns="36000" rtlCol="0" anchor="ctr"/>
-          <a:lstStyle/>
-          <a:p>
-            <a:pPr algn="ctr"/>
-            <a:r>
-              <a:rPr lang="en-US" altLang="ko-KR" sz="1400" b="1" dirty="0" smtClean="0">
-                <a:solidFill>
-                  <a:schemeClr val="tx1"/>
-                </a:solidFill>
-              </a:rPr>
-              <a:t>Container</a:t>
-            </a:r>
-            <a:endParaRPr lang="ko-KR" altLang="en-US" sz="1400" b="1" dirty="0">
-              <a:solidFill>
-                <a:schemeClr val="tx1"/>
-              </a:solidFill>
-            </a:endParaRPr>
-          </a:p>
-        </p:txBody>
-      </p:sp>
-      <p:sp>
-        <p:nvSpPr>
-          <p:cNvPr id="21" name="모서리가 둥근 직사각형 20"/>
-          <p:cNvSpPr/>
-          <p:nvPr/>
-        </p:nvSpPr>
-        <p:spPr>
-          <a:xfrm>
-            <a:off x="6997939" y="4515297"/>
-            <a:ext cx="1458146" cy="431209"/>
-          </a:xfrm>
-          <a:prstGeom prst="roundRect">
-            <a:avLst/>
-          </a:prstGeom>
-          <a:solidFill>
-            <a:schemeClr val="accent1">
-              <a:lumMod val="20000"/>
-              <a:lumOff val="80000"/>
-            </a:schemeClr>
-          </a:solidFill>
-          <a:ln>
-            <a:solidFill>
-              <a:schemeClr val="accent1">
-                <a:lumMod val="60000"/>
-                <a:lumOff val="40000"/>
-              </a:schemeClr>
-            </a:solidFill>
-          </a:ln>
-        </p:spPr>
-        <p:style>
-          <a:lnRef idx="2">
-            <a:schemeClr val="accent1">
-              <a:shade val="50000"/>
-            </a:schemeClr>
-          </a:lnRef>
-          <a:fillRef idx="1">
-            <a:schemeClr val="accent1"/>
-          </a:fillRef>
-          <a:effectRef idx="0">
-            <a:schemeClr val="accent1"/>
-          </a:effectRef>
-          <a:fontRef idx="minor">
-            <a:schemeClr val="lt1"/>
-          </a:fontRef>
-        </p:style>
-        <p:txBody>
-          <a:bodyPr lIns="36000" tIns="36000" rIns="36000" bIns="36000" rtlCol="0" anchor="ctr"/>
-          <a:lstStyle/>
-          <a:p>
-            <a:pPr algn="ctr"/>
-            <a:r>
-              <a:rPr lang="en-US" altLang="ko-KR" sz="1400" b="1" dirty="0" smtClean="0">
-                <a:solidFill>
-                  <a:schemeClr val="tx1"/>
-                </a:solidFill>
-              </a:rPr>
-              <a:t>Container</a:t>
-            </a:r>
-            <a:endParaRPr lang="ko-KR" altLang="en-US" sz="1400" b="1" dirty="0">
-              <a:solidFill>
-                <a:schemeClr val="tx1"/>
-              </a:solidFill>
-            </a:endParaRPr>
-          </a:p>
-        </p:txBody>
-      </p:sp>
-      <p:pic>
-        <p:nvPicPr>
-          <p:cNvPr id="7" name="그림 6"/>
-          <p:cNvPicPr>
-            <a:picLocks noChangeAspect="1"/>
-          </p:cNvPicPr>
-          <p:nvPr/>
-        </p:nvPicPr>
-        <p:blipFill>
-          <a:blip r:embed="rId3"/>
-          <a:stretch>
-            <a:fillRect/>
-          </a:stretch>
-        </p:blipFill>
-        <p:spPr>
-          <a:xfrm>
-            <a:off x="2140968" y="3692755"/>
-            <a:ext cx="452100" cy="324218"/>
-          </a:xfrm>
-          <a:prstGeom prst="rect">
-            <a:avLst/>
-          </a:prstGeom>
-        </p:spPr>
-      </p:pic>
-      <p:pic>
-        <p:nvPicPr>
-          <p:cNvPr id="22" name="그림 21"/>
-          <p:cNvPicPr>
-            <a:picLocks noChangeAspect="1"/>
-          </p:cNvPicPr>
-          <p:nvPr/>
-        </p:nvPicPr>
-        <p:blipFill>
-          <a:blip r:embed="rId3"/>
-          <a:stretch>
-            <a:fillRect/>
-          </a:stretch>
-        </p:blipFill>
-        <p:spPr>
-          <a:xfrm>
-            <a:off x="2140968" y="4353188"/>
-            <a:ext cx="452100" cy="324218"/>
-          </a:xfrm>
-          <a:prstGeom prst="rect">
-            <a:avLst/>
-          </a:prstGeom>
-        </p:spPr>
-      </p:pic>
-      <p:pic>
-        <p:nvPicPr>
-          <p:cNvPr id="23" name="그림 22"/>
-          <p:cNvPicPr>
-            <a:picLocks noChangeAspect="1"/>
-          </p:cNvPicPr>
-          <p:nvPr/>
-        </p:nvPicPr>
-        <p:blipFill>
-          <a:blip r:embed="rId3"/>
-          <a:stretch>
-            <a:fillRect/>
-          </a:stretch>
-        </p:blipFill>
-        <p:spPr>
-          <a:xfrm>
-            <a:off x="4500485" y="3692755"/>
-            <a:ext cx="452100" cy="324218"/>
-          </a:xfrm>
-          <a:prstGeom prst="rect">
-            <a:avLst/>
-          </a:prstGeom>
-        </p:spPr>
-      </p:pic>
-      <p:pic>
-        <p:nvPicPr>
-          <p:cNvPr id="24" name="그림 23"/>
-          <p:cNvPicPr>
-            <a:picLocks noChangeAspect="1"/>
-          </p:cNvPicPr>
-          <p:nvPr/>
-        </p:nvPicPr>
-        <p:blipFill>
-          <a:blip r:embed="rId3"/>
-          <a:stretch>
-            <a:fillRect/>
-          </a:stretch>
-        </p:blipFill>
-        <p:spPr>
-          <a:xfrm>
-            <a:off x="4500485" y="4353188"/>
-            <a:ext cx="452100" cy="324218"/>
-          </a:xfrm>
-          <a:prstGeom prst="rect">
-            <a:avLst/>
-          </a:prstGeom>
-        </p:spPr>
-      </p:pic>
-      <p:pic>
-        <p:nvPicPr>
-          <p:cNvPr id="25" name="그림 24"/>
-          <p:cNvPicPr>
-            <a:picLocks noChangeAspect="1"/>
-          </p:cNvPicPr>
-          <p:nvPr/>
-        </p:nvPicPr>
-        <p:blipFill>
-          <a:blip r:embed="rId3"/>
-          <a:stretch>
-            <a:fillRect/>
-          </a:stretch>
-        </p:blipFill>
-        <p:spPr>
-          <a:xfrm>
-            <a:off x="6876039" y="3692755"/>
-            <a:ext cx="452100" cy="324218"/>
-          </a:xfrm>
-          <a:prstGeom prst="rect">
-            <a:avLst/>
-          </a:prstGeom>
-        </p:spPr>
-      </p:pic>
-      <p:pic>
-        <p:nvPicPr>
-          <p:cNvPr id="26" name="그림 25"/>
-          <p:cNvPicPr>
-            <a:picLocks noChangeAspect="1"/>
-          </p:cNvPicPr>
-          <p:nvPr/>
-        </p:nvPicPr>
-        <p:blipFill>
-          <a:blip r:embed="rId3"/>
-          <a:stretch>
-            <a:fillRect/>
-          </a:stretch>
-        </p:blipFill>
-        <p:spPr>
-          <a:xfrm>
-            <a:off x="6876039" y="4353188"/>
-            <a:ext cx="452100" cy="324218"/>
-          </a:xfrm>
-          <a:prstGeom prst="rect">
-            <a:avLst/>
-          </a:prstGeom>
-        </p:spPr>
-      </p:pic>
+            </a:lnRef>
+            <a:fillRef idx="1">
+              <a:schemeClr val="accent1"/>
+            </a:fillRef>
+            <a:effectRef idx="0">
+              <a:schemeClr val="accent1"/>
+            </a:effectRef>
+            <a:fontRef idx="minor">
+              <a:schemeClr val="lt1"/>
+            </a:fontRef>
+          </p:style>
+          <p:txBody>
+            <a:bodyPr lIns="0" tIns="0" rIns="0" bIns="0" rtlCol="0" anchor="ctr"/>
+            <a:lstStyle/>
+            <a:p>
+              <a:pPr algn="ctr"/>
+              <a:r>
+                <a:rPr lang="en-US" altLang="ko-KR" b="1" dirty="0" err="1" smtClean="0"/>
+                <a:t>Kubectl</a:t>
+              </a:r>
+              <a:endParaRPr lang="ko-KR" altLang="en-US" b="1" dirty="0"/>
+            </a:p>
+          </p:txBody>
+        </p:sp>
+      </p:grpSp>
     </p:spTree>
     <p:extLst>
       <p:ext uri="{BB962C8B-B14F-4D97-AF65-F5344CB8AC3E}">
@@ -8682,56 +8843,1137 @@
           <a:chExt cx="0" cy="0"/>
         </a:xfrm>
       </p:grpSpPr>
-      <p:pic>
-        <p:nvPicPr>
-          <p:cNvPr id="3" name="그림 2"/>
-          <p:cNvPicPr>
-            <a:picLocks noChangeAspect="1"/>
-          </p:cNvPicPr>
+      <p:grpSp>
+        <p:nvGrpSpPr>
+          <p:cNvPr id="48" name="그룹 47"/>
+          <p:cNvGrpSpPr/>
           <p:nvPr/>
-        </p:nvPicPr>
-        <p:blipFill>
-          <a:blip r:embed="rId3">
+        </p:nvGrpSpPr>
+        <p:grpSpPr>
+          <a:xfrm>
+            <a:off x="368546" y="237744"/>
+            <a:ext cx="11445224" cy="2577437"/>
+            <a:chOff x="368546" y="237744"/>
+            <a:chExt cx="11445224" cy="2577437"/>
+          </a:xfrm>
+        </p:grpSpPr>
+        <p:pic>
+          <p:nvPicPr>
+            <p:cNvPr id="3" name="그림 2"/>
+            <p:cNvPicPr>
+              <a:picLocks/>
+            </p:cNvPicPr>
+            <p:nvPr/>
+          </p:nvPicPr>
+          <p:blipFill>
+            <a:blip r:embed="rId3">
+              <a:extLst>
+                <a:ext uri="{28A0092B-C50C-407E-A947-70E740481C1C}">
+                  <a14:useLocalDpi xmlns:a14="http://schemas.microsoft.com/office/drawing/2010/main" val="0"/>
+                </a:ext>
+              </a:extLst>
+            </a:blip>
+            <a:stretch>
+              <a:fillRect/>
+            </a:stretch>
+          </p:blipFill>
+          <p:spPr>
+            <a:xfrm>
+              <a:off x="5407159" y="237744"/>
+              <a:ext cx="1368000" cy="1368900"/>
+            </a:xfrm>
+            <a:prstGeom prst="rect">
+              <a:avLst/>
+            </a:prstGeom>
+          </p:spPr>
+        </p:pic>
+        <p:sp>
+          <p:nvSpPr>
+            <p:cNvPr id="28" name="모서리가 둥근 직사각형 27"/>
+            <p:cNvSpPr/>
+            <p:nvPr/>
+          </p:nvSpPr>
+          <p:spPr>
+            <a:xfrm>
+              <a:off x="368546" y="2347181"/>
+              <a:ext cx="1512000" cy="468000"/>
+            </a:xfrm>
+            <a:prstGeom prst="roundRect">
+              <a:avLst/>
+            </a:prstGeom>
+            <a:solidFill>
+              <a:srgbClr val="BDD7EE"/>
+            </a:solidFill>
+            <a:ln>
+              <a:solidFill>
+                <a:schemeClr val="accent1"/>
+              </a:solidFill>
+            </a:ln>
+          </p:spPr>
+          <p:style>
+            <a:lnRef idx="2">
+              <a:schemeClr val="accent1">
+                <a:shade val="50000"/>
+              </a:schemeClr>
+            </a:lnRef>
+            <a:fillRef idx="1">
+              <a:schemeClr val="accent1"/>
+            </a:fillRef>
+            <a:effectRef idx="0">
+              <a:schemeClr val="accent1"/>
+            </a:effectRef>
+            <a:fontRef idx="minor">
+              <a:schemeClr val="lt1"/>
+            </a:fontRef>
+          </p:style>
+          <p:txBody>
+            <a:bodyPr lIns="36000" tIns="36000" rIns="36000" bIns="36000" rtlCol="0" anchor="ctr"/>
+            <a:lstStyle/>
+            <a:p>
+              <a:pPr algn="ctr"/>
+              <a:r>
+                <a:rPr lang="en-US" altLang="ko-KR" b="1" dirty="0" smtClean="0">
+                  <a:solidFill>
+                    <a:schemeClr val="tx1"/>
+                  </a:solidFill>
+                </a:rPr>
+                <a:t>Pod</a:t>
+              </a:r>
+              <a:endParaRPr lang="ko-KR" altLang="en-US" b="1" dirty="0">
+                <a:solidFill>
+                  <a:schemeClr val="tx1"/>
+                </a:solidFill>
+              </a:endParaRPr>
+            </a:p>
+          </p:txBody>
+        </p:sp>
+        <p:sp>
+          <p:nvSpPr>
+            <p:cNvPr id="29" name="모서리가 둥근 직사각형 28"/>
+            <p:cNvSpPr/>
+            <p:nvPr/>
+          </p:nvSpPr>
+          <p:spPr>
+            <a:xfrm>
+              <a:off x="4341836" y="2347181"/>
+              <a:ext cx="1512000" cy="468000"/>
+            </a:xfrm>
+            <a:prstGeom prst="roundRect">
+              <a:avLst/>
+            </a:prstGeom>
+            <a:solidFill>
+              <a:srgbClr val="BDD7EE"/>
+            </a:solidFill>
+            <a:ln>
+              <a:solidFill>
+                <a:schemeClr val="accent1"/>
+              </a:solidFill>
+            </a:ln>
+          </p:spPr>
+          <p:style>
+            <a:lnRef idx="2">
+              <a:schemeClr val="accent1">
+                <a:shade val="50000"/>
+              </a:schemeClr>
+            </a:lnRef>
+            <a:fillRef idx="1">
+              <a:schemeClr val="accent1"/>
+            </a:fillRef>
+            <a:effectRef idx="0">
+              <a:schemeClr val="accent1"/>
+            </a:effectRef>
+            <a:fontRef idx="minor">
+              <a:schemeClr val="lt1"/>
+            </a:fontRef>
+          </p:style>
+          <p:txBody>
+            <a:bodyPr lIns="36000" tIns="36000" rIns="36000" bIns="36000" rtlCol="0" anchor="ctr"/>
+            <a:lstStyle/>
+            <a:p>
+              <a:pPr algn="ctr"/>
+              <a:r>
+                <a:rPr lang="en-US" altLang="ko-KR" b="1" dirty="0" smtClean="0">
+                  <a:solidFill>
+                    <a:schemeClr val="tx1"/>
+                  </a:solidFill>
+                </a:rPr>
+                <a:t>Deployment</a:t>
+              </a:r>
+              <a:endParaRPr lang="ko-KR" altLang="en-US" b="1" dirty="0">
+                <a:solidFill>
+                  <a:schemeClr val="tx1"/>
+                </a:solidFill>
+              </a:endParaRPr>
+            </a:p>
+          </p:txBody>
+        </p:sp>
+        <p:sp>
+          <p:nvSpPr>
+            <p:cNvPr id="30" name="모서리가 둥근 직사각형 29"/>
+            <p:cNvSpPr/>
+            <p:nvPr/>
+          </p:nvSpPr>
+          <p:spPr>
+            <a:xfrm>
+              <a:off x="6328481" y="2347180"/>
+              <a:ext cx="1512000" cy="468000"/>
+            </a:xfrm>
+            <a:prstGeom prst="roundRect">
+              <a:avLst/>
+            </a:prstGeom>
+            <a:solidFill>
+              <a:srgbClr val="BDD7EE"/>
+            </a:solidFill>
+            <a:ln>
+              <a:solidFill>
+                <a:schemeClr val="accent1"/>
+              </a:solidFill>
+            </a:ln>
+          </p:spPr>
+          <p:style>
+            <a:lnRef idx="2">
+              <a:schemeClr val="accent1">
+                <a:shade val="50000"/>
+              </a:schemeClr>
+            </a:lnRef>
+            <a:fillRef idx="1">
+              <a:schemeClr val="accent1"/>
+            </a:fillRef>
+            <a:effectRef idx="0">
+              <a:schemeClr val="accent1"/>
+            </a:effectRef>
+            <a:fontRef idx="minor">
+              <a:schemeClr val="lt1"/>
+            </a:fontRef>
+          </p:style>
+          <p:txBody>
+            <a:bodyPr lIns="36000" tIns="36000" rIns="36000" bIns="36000" rtlCol="0" anchor="ctr"/>
+            <a:lstStyle/>
+            <a:p>
+              <a:pPr algn="ctr"/>
+              <a:r>
+                <a:rPr lang="en-US" altLang="ko-KR" b="1" dirty="0" smtClean="0">
+                  <a:solidFill>
+                    <a:schemeClr val="tx1"/>
+                  </a:solidFill>
+                </a:rPr>
+                <a:t>Service</a:t>
+              </a:r>
+              <a:endParaRPr lang="ko-KR" altLang="en-US" b="1" dirty="0">
+                <a:solidFill>
+                  <a:schemeClr val="tx1"/>
+                </a:solidFill>
+              </a:endParaRPr>
+            </a:p>
+          </p:txBody>
+        </p:sp>
+        <p:sp>
+          <p:nvSpPr>
+            <p:cNvPr id="31" name="모서리가 둥근 직사각형 30"/>
+            <p:cNvSpPr/>
+            <p:nvPr/>
+          </p:nvSpPr>
+          <p:spPr>
+            <a:xfrm>
+              <a:off x="8315126" y="2347181"/>
+              <a:ext cx="1512000" cy="468000"/>
+            </a:xfrm>
+            <a:prstGeom prst="roundRect">
+              <a:avLst/>
+            </a:prstGeom>
+            <a:solidFill>
+              <a:srgbClr val="BDD7EE"/>
+            </a:solidFill>
+            <a:ln>
+              <a:solidFill>
+                <a:schemeClr val="accent1"/>
+              </a:solidFill>
+            </a:ln>
+          </p:spPr>
+          <p:style>
+            <a:lnRef idx="2">
+              <a:schemeClr val="accent1">
+                <a:shade val="50000"/>
+              </a:schemeClr>
+            </a:lnRef>
+            <a:fillRef idx="1">
+              <a:schemeClr val="accent1"/>
+            </a:fillRef>
+            <a:effectRef idx="0">
+              <a:schemeClr val="accent1"/>
+            </a:effectRef>
+            <a:fontRef idx="minor">
+              <a:schemeClr val="lt1"/>
+            </a:fontRef>
+          </p:style>
+          <p:txBody>
+            <a:bodyPr lIns="36000" tIns="36000" rIns="36000" bIns="36000" rtlCol="0" anchor="ctr"/>
+            <a:lstStyle/>
+            <a:p>
+              <a:pPr algn="ctr"/>
+              <a:r>
+                <a:rPr lang="en-US" altLang="ko-KR" b="1" dirty="0" smtClean="0">
+                  <a:solidFill>
+                    <a:schemeClr val="tx1"/>
+                  </a:solidFill>
+                </a:rPr>
+                <a:t>Volume</a:t>
+              </a:r>
+              <a:endParaRPr lang="ko-KR" altLang="en-US" b="1" dirty="0">
+                <a:solidFill>
+                  <a:schemeClr val="tx1"/>
+                </a:solidFill>
+              </a:endParaRPr>
+            </a:p>
+          </p:txBody>
+        </p:sp>
+        <p:sp>
+          <p:nvSpPr>
+            <p:cNvPr id="32" name="모서리가 둥근 직사각형 31"/>
+            <p:cNvSpPr/>
+            <p:nvPr/>
+          </p:nvSpPr>
+          <p:spPr>
+            <a:xfrm>
+              <a:off x="10301770" y="2347181"/>
+              <a:ext cx="1512000" cy="468000"/>
+            </a:xfrm>
+            <a:prstGeom prst="roundRect">
+              <a:avLst/>
+            </a:prstGeom>
+            <a:solidFill>
+              <a:srgbClr val="BDD7EE"/>
+            </a:solidFill>
+            <a:ln>
+              <a:solidFill>
+                <a:schemeClr val="accent1"/>
+              </a:solidFill>
+            </a:ln>
+          </p:spPr>
+          <p:style>
+            <a:lnRef idx="2">
+              <a:schemeClr val="accent1">
+                <a:shade val="50000"/>
+              </a:schemeClr>
+            </a:lnRef>
+            <a:fillRef idx="1">
+              <a:schemeClr val="accent1"/>
+            </a:fillRef>
+            <a:effectRef idx="0">
+              <a:schemeClr val="accent1"/>
+            </a:effectRef>
+            <a:fontRef idx="minor">
+              <a:schemeClr val="lt1"/>
+            </a:fontRef>
+          </p:style>
+          <p:txBody>
+            <a:bodyPr lIns="36000" tIns="36000" rIns="36000" bIns="36000" rtlCol="0" anchor="ctr"/>
+            <a:lstStyle/>
+            <a:p>
+              <a:pPr algn="ctr"/>
+              <a:r>
+                <a:rPr lang="en-US" altLang="ko-KR" b="1" dirty="0" smtClean="0">
+                  <a:solidFill>
+                    <a:schemeClr val="tx1"/>
+                  </a:solidFill>
+                </a:rPr>
+                <a:t>…</a:t>
+              </a:r>
+              <a:endParaRPr lang="ko-KR" altLang="en-US" b="1" dirty="0">
+                <a:solidFill>
+                  <a:schemeClr val="tx1"/>
+                </a:solidFill>
+              </a:endParaRPr>
+            </a:p>
+          </p:txBody>
+        </p:sp>
+        <p:cxnSp>
+          <p:nvCxnSpPr>
+            <p:cNvPr id="33" name="꺾인 연결선 32"/>
+            <p:cNvCxnSpPr>
+              <a:stCxn id="3" idx="2"/>
+              <a:endCxn id="28" idx="0"/>
+            </p:cNvCxnSpPr>
+            <p:nvPr/>
+          </p:nvCxnSpPr>
+          <p:spPr>
+            <a:xfrm rot="5400000">
+              <a:off x="3237585" y="-506394"/>
+              <a:ext cx="740537" cy="4966613"/>
+            </a:xfrm>
+            <a:prstGeom prst="bentConnector3">
+              <a:avLst/>
+            </a:prstGeom>
+          </p:spPr>
+          <p:style>
+            <a:lnRef idx="1">
+              <a:schemeClr val="accent1"/>
+            </a:lnRef>
+            <a:fillRef idx="0">
+              <a:schemeClr val="accent1"/>
+            </a:fillRef>
+            <a:effectRef idx="0">
+              <a:schemeClr val="accent1"/>
+            </a:effectRef>
+            <a:fontRef idx="minor">
+              <a:schemeClr val="tx1"/>
+            </a:fontRef>
+          </p:style>
+        </p:cxnSp>
+        <p:cxnSp>
+          <p:nvCxnSpPr>
+            <p:cNvPr id="34" name="꺾인 연결선 33"/>
+            <p:cNvCxnSpPr>
+              <a:stCxn id="3" idx="2"/>
+              <a:endCxn id="29" idx="0"/>
+            </p:cNvCxnSpPr>
+            <p:nvPr/>
+          </p:nvCxnSpPr>
+          <p:spPr>
+            <a:xfrm rot="5400000">
+              <a:off x="5224230" y="1480251"/>
+              <a:ext cx="740537" cy="993323"/>
+            </a:xfrm>
+            <a:prstGeom prst="bentConnector3">
+              <a:avLst>
+                <a:gd name="adj1" fmla="val 50000"/>
+              </a:avLst>
+            </a:prstGeom>
+          </p:spPr>
+          <p:style>
+            <a:lnRef idx="1">
+              <a:schemeClr val="accent1"/>
+            </a:lnRef>
+            <a:fillRef idx="0">
+              <a:schemeClr val="accent1"/>
+            </a:fillRef>
+            <a:effectRef idx="0">
+              <a:schemeClr val="accent1"/>
+            </a:effectRef>
+            <a:fontRef idx="minor">
+              <a:schemeClr val="tx1"/>
+            </a:fontRef>
+          </p:style>
+        </p:cxnSp>
+        <p:cxnSp>
+          <p:nvCxnSpPr>
+            <p:cNvPr id="37" name="꺾인 연결선 36"/>
+            <p:cNvCxnSpPr>
+              <a:stCxn id="3" idx="2"/>
+              <a:endCxn id="31" idx="0"/>
+            </p:cNvCxnSpPr>
+            <p:nvPr/>
+          </p:nvCxnSpPr>
+          <p:spPr>
+            <a:xfrm rot="16200000" flipH="1">
+              <a:off x="7210874" y="486928"/>
+              <a:ext cx="740537" cy="2979967"/>
+            </a:xfrm>
+            <a:prstGeom prst="bentConnector3">
+              <a:avLst>
+                <a:gd name="adj1" fmla="val 50000"/>
+              </a:avLst>
+            </a:prstGeom>
+          </p:spPr>
+          <p:style>
+            <a:lnRef idx="1">
+              <a:schemeClr val="accent1"/>
+            </a:lnRef>
+            <a:fillRef idx="0">
+              <a:schemeClr val="accent1"/>
+            </a:fillRef>
+            <a:effectRef idx="0">
+              <a:schemeClr val="accent1"/>
+            </a:effectRef>
+            <a:fontRef idx="minor">
+              <a:schemeClr val="tx1"/>
+            </a:fontRef>
+          </p:style>
+        </p:cxnSp>
+        <p:cxnSp>
+          <p:nvCxnSpPr>
+            <p:cNvPr id="40" name="꺾인 연결선 39"/>
+            <p:cNvCxnSpPr>
+              <a:stCxn id="3" idx="2"/>
+              <a:endCxn id="32" idx="0"/>
+            </p:cNvCxnSpPr>
+            <p:nvPr/>
+          </p:nvCxnSpPr>
+          <p:spPr>
+            <a:xfrm rot="16200000" flipH="1">
+              <a:off x="8204196" y="-506394"/>
+              <a:ext cx="740537" cy="4966611"/>
+            </a:xfrm>
+            <a:prstGeom prst="bentConnector3">
+              <a:avLst>
+                <a:gd name="adj1" fmla="val 50000"/>
+              </a:avLst>
+            </a:prstGeom>
+          </p:spPr>
+          <p:style>
+            <a:lnRef idx="1">
+              <a:schemeClr val="accent1"/>
+            </a:lnRef>
+            <a:fillRef idx="0">
+              <a:schemeClr val="accent1"/>
+            </a:fillRef>
+            <a:effectRef idx="0">
+              <a:schemeClr val="accent1"/>
+            </a:effectRef>
+            <a:fontRef idx="minor">
+              <a:schemeClr val="tx1"/>
+            </a:fontRef>
+          </p:style>
+        </p:cxnSp>
+        <p:sp>
+          <p:nvSpPr>
+            <p:cNvPr id="36" name="모서리가 둥근 직사각형 35"/>
+            <p:cNvSpPr/>
+            <p:nvPr/>
+          </p:nvSpPr>
+          <p:spPr>
+            <a:xfrm>
+              <a:off x="2355191" y="2347181"/>
+              <a:ext cx="1512000" cy="468000"/>
+            </a:xfrm>
+            <a:prstGeom prst="roundRect">
+              <a:avLst/>
+            </a:prstGeom>
+            <a:solidFill>
+              <a:srgbClr val="BDD7EE"/>
+            </a:solidFill>
+            <a:ln>
+              <a:solidFill>
+                <a:schemeClr val="accent1"/>
+              </a:solidFill>
+            </a:ln>
+          </p:spPr>
+          <p:style>
+            <a:lnRef idx="2">
+              <a:schemeClr val="accent1">
+                <a:shade val="50000"/>
+              </a:schemeClr>
+            </a:lnRef>
+            <a:fillRef idx="1">
+              <a:schemeClr val="accent1"/>
+            </a:fillRef>
+            <a:effectRef idx="0">
+              <a:schemeClr val="accent1"/>
+            </a:effectRef>
+            <a:fontRef idx="minor">
+              <a:schemeClr val="lt1"/>
+            </a:fontRef>
+          </p:style>
+          <p:txBody>
+            <a:bodyPr lIns="36000" tIns="36000" rIns="36000" bIns="36000" rtlCol="0" anchor="ctr"/>
+            <a:lstStyle/>
+            <a:p>
+              <a:pPr algn="ctr"/>
+              <a:r>
+                <a:rPr lang="en-US" altLang="ko-KR" b="1" dirty="0" smtClean="0">
+                  <a:solidFill>
+                    <a:schemeClr val="tx1"/>
+                  </a:solidFill>
+                </a:rPr>
+                <a:t>Replica Set</a:t>
+              </a:r>
+              <a:endParaRPr lang="ko-KR" altLang="en-US" b="1" dirty="0">
+                <a:solidFill>
+                  <a:schemeClr val="tx1"/>
+                </a:solidFill>
+              </a:endParaRPr>
+            </a:p>
+          </p:txBody>
+        </p:sp>
+        <p:cxnSp>
+          <p:nvCxnSpPr>
+            <p:cNvPr id="38" name="꺾인 연결선 37"/>
+            <p:cNvCxnSpPr>
+              <a:stCxn id="3" idx="2"/>
+              <a:endCxn id="30" idx="0"/>
+            </p:cNvCxnSpPr>
+            <p:nvPr/>
+          </p:nvCxnSpPr>
+          <p:spPr>
+            <a:xfrm rot="16200000" flipH="1">
+              <a:off x="6217552" y="1480251"/>
+              <a:ext cx="740536" cy="993322"/>
+            </a:xfrm>
+            <a:prstGeom prst="bentConnector3">
+              <a:avLst>
+                <a:gd name="adj1" fmla="val 50000"/>
+              </a:avLst>
+            </a:prstGeom>
+          </p:spPr>
+          <p:style>
+            <a:lnRef idx="1">
+              <a:schemeClr val="accent1"/>
+            </a:lnRef>
+            <a:fillRef idx="0">
+              <a:schemeClr val="accent1"/>
+            </a:fillRef>
+            <a:effectRef idx="0">
+              <a:schemeClr val="accent1"/>
+            </a:effectRef>
+            <a:fontRef idx="minor">
+              <a:schemeClr val="tx1"/>
+            </a:fontRef>
+          </p:style>
+        </p:cxnSp>
+        <p:cxnSp>
+          <p:nvCxnSpPr>
+            <p:cNvPr id="39" name="꺾인 연결선 38"/>
+            <p:cNvCxnSpPr>
+              <a:stCxn id="3" idx="2"/>
+              <a:endCxn id="36" idx="0"/>
+            </p:cNvCxnSpPr>
+            <p:nvPr/>
+          </p:nvCxnSpPr>
+          <p:spPr>
+            <a:xfrm rot="5400000">
+              <a:off x="4230907" y="486928"/>
+              <a:ext cx="740537" cy="2979968"/>
+            </a:xfrm>
+            <a:prstGeom prst="bentConnector3">
+              <a:avLst>
+                <a:gd name="adj1" fmla="val 50000"/>
+              </a:avLst>
+            </a:prstGeom>
+          </p:spPr>
+          <p:style>
+            <a:lnRef idx="1">
+              <a:schemeClr val="accent1"/>
+            </a:lnRef>
+            <a:fillRef idx="0">
+              <a:schemeClr val="accent1"/>
+            </a:fillRef>
+            <a:effectRef idx="0">
+              <a:schemeClr val="accent1"/>
+            </a:effectRef>
+            <a:fontRef idx="minor">
+              <a:schemeClr val="tx1"/>
+            </a:fontRef>
+          </p:style>
+        </p:cxnSp>
+      </p:grpSp>
+      <p:grpSp>
+        <p:nvGrpSpPr>
+          <p:cNvPr id="66" name="그룹 65"/>
+          <p:cNvGrpSpPr/>
+          <p:nvPr/>
+        </p:nvGrpSpPr>
+        <p:grpSpPr>
+          <a:xfrm>
+            <a:off x="534338" y="4384932"/>
+            <a:ext cx="3959211" cy="2001378"/>
+            <a:chOff x="534338" y="4384932"/>
+            <a:chExt cx="3959211" cy="2001378"/>
+          </a:xfrm>
+        </p:grpSpPr>
+        <p:grpSp>
+          <p:nvGrpSpPr>
+            <p:cNvPr id="53" name="그룹 52"/>
+            <p:cNvGrpSpPr/>
+            <p:nvPr/>
+          </p:nvGrpSpPr>
+          <p:grpSpPr>
+            <a:xfrm>
+              <a:off x="534338" y="4384932"/>
+              <a:ext cx="1346208" cy="2001378"/>
+              <a:chOff x="534338" y="4384932"/>
+              <a:chExt cx="1346208" cy="2001378"/>
+            </a:xfrm>
+          </p:grpSpPr>
+          <p:pic>
+            <p:nvPicPr>
+              <p:cNvPr id="1028" name="Picture 4" descr="https://cdn-icons-png.flaticon.com/512/2493/2493293.png"/>
+              <p:cNvPicPr>
+                <a:picLocks noChangeAspect="1" noChangeArrowheads="1"/>
+              </p:cNvPicPr>
+              <p:nvPr/>
+            </p:nvPicPr>
+            <p:blipFill>
+              <a:blip r:embed="rId4" cstate="print">
+                <a:extLst>
+                  <a:ext uri="{28A0092B-C50C-407E-A947-70E740481C1C}">
+                    <a14:useLocalDpi xmlns:a14="http://schemas.microsoft.com/office/drawing/2010/main" val="0"/>
+                  </a:ext>
+                </a:extLst>
+              </a:blip>
+              <a:srcRect/>
+              <a:stretch>
+                <a:fillRect/>
+              </a:stretch>
+            </p:blipFill>
+            <p:spPr bwMode="auto">
+              <a:xfrm>
+                <a:off x="560809" y="4732630"/>
+                <a:ext cx="1293266" cy="1293266"/>
+              </a:xfrm>
+              <a:prstGeom prst="rect">
+                <a:avLst/>
+              </a:prstGeom>
+              <a:noFill/>
+              <a:extLst>
+                <a:ext uri="{909E8E84-426E-40DD-AFC4-6F175D3DCCD1}">
+                  <a14:hiddenFill xmlns:a14="http://schemas.microsoft.com/office/drawing/2010/main">
+                    <a:solidFill>
+                      <a:srgbClr val="FFFFFF"/>
+                    </a:solidFill>
+                  </a14:hiddenFill>
+                </a:ext>
+              </a:extLst>
+            </p:spPr>
+          </p:pic>
+          <p:sp>
+            <p:nvSpPr>
+              <p:cNvPr id="49" name="TextBox 48"/>
+              <p:cNvSpPr txBox="1"/>
+              <p:nvPr/>
+            </p:nvSpPr>
+            <p:spPr>
+              <a:xfrm>
+                <a:off x="685857" y="6047756"/>
+                <a:ext cx="1043170" cy="338554"/>
+              </a:xfrm>
+              <a:prstGeom prst="rect">
+                <a:avLst/>
+              </a:prstGeom>
+              <a:noFill/>
+            </p:spPr>
+            <p:txBody>
+              <a:bodyPr wrap="square" rtlCol="0">
+                <a:spAutoFit/>
+              </a:bodyPr>
+              <a:lstStyle/>
+              <a:p>
+                <a:pPr algn="ctr"/>
+                <a:r>
+                  <a:rPr lang="ko-KR" altLang="en-US" sz="1600" b="1" dirty="0" smtClean="0"/>
+                  <a:t>컴퓨터</a:t>
+                </a:r>
+                <a:r>
+                  <a:rPr lang="en-US" altLang="ko-KR" sz="1600" b="1" dirty="0" smtClean="0"/>
+                  <a:t>1</a:t>
+                </a:r>
+                <a:endParaRPr lang="ko-KR" altLang="en-US" sz="1600" b="1" dirty="0"/>
+              </a:p>
+            </p:txBody>
+          </p:sp>
+          <p:sp>
+            <p:nvSpPr>
+              <p:cNvPr id="59" name="TextBox 58"/>
+              <p:cNvSpPr txBox="1"/>
+              <p:nvPr/>
+            </p:nvSpPr>
+            <p:spPr>
+              <a:xfrm>
+                <a:off x="534338" y="4384932"/>
+                <a:ext cx="1346208" cy="338554"/>
+              </a:xfrm>
+              <a:prstGeom prst="rect">
+                <a:avLst/>
+              </a:prstGeom>
+              <a:noFill/>
+            </p:spPr>
+            <p:txBody>
+              <a:bodyPr wrap="square" rtlCol="0">
+                <a:spAutoFit/>
+              </a:bodyPr>
+              <a:lstStyle/>
+              <a:p>
+                <a:pPr algn="ctr"/>
+                <a:r>
+                  <a:rPr lang="ko-KR" altLang="en-US" sz="1600" b="1" dirty="0" smtClean="0">
+                    <a:solidFill>
+                      <a:schemeClr val="accent5"/>
+                    </a:solidFill>
+                  </a:rPr>
+                  <a:t>마스터 노드</a:t>
+                </a:r>
+                <a:endParaRPr lang="ko-KR" altLang="en-US" sz="1600" b="1" dirty="0">
+                  <a:solidFill>
+                    <a:schemeClr val="accent5"/>
+                  </a:solidFill>
+                </a:endParaRPr>
+              </a:p>
+            </p:txBody>
+          </p:sp>
+        </p:grpSp>
+        <p:grpSp>
+          <p:nvGrpSpPr>
+            <p:cNvPr id="56" name="그룹 55"/>
+            <p:cNvGrpSpPr/>
+            <p:nvPr/>
+          </p:nvGrpSpPr>
+          <p:grpSpPr>
+            <a:xfrm>
+              <a:off x="1827604" y="4384932"/>
+              <a:ext cx="1346208" cy="2001378"/>
+              <a:chOff x="1827604" y="4384932"/>
+              <a:chExt cx="1346208" cy="2001378"/>
+            </a:xfrm>
+          </p:grpSpPr>
+          <p:pic>
+            <p:nvPicPr>
+              <p:cNvPr id="54" name="Picture 4" descr="https://cdn-icons-png.flaticon.com/512/2493/2493293.png"/>
+              <p:cNvPicPr>
+                <a:picLocks noChangeAspect="1" noChangeArrowheads="1"/>
+              </p:cNvPicPr>
+              <p:nvPr/>
+            </p:nvPicPr>
+            <p:blipFill>
+              <a:blip r:embed="rId4" cstate="print">
+                <a:extLst>
+                  <a:ext uri="{28A0092B-C50C-407E-A947-70E740481C1C}">
+                    <a14:useLocalDpi xmlns:a14="http://schemas.microsoft.com/office/drawing/2010/main" val="0"/>
+                  </a:ext>
+                </a:extLst>
+              </a:blip>
+              <a:srcRect/>
+              <a:stretch>
+                <a:fillRect/>
+              </a:stretch>
+            </p:blipFill>
+            <p:spPr bwMode="auto">
+              <a:xfrm>
+                <a:off x="1867310" y="4732630"/>
+                <a:ext cx="1293266" cy="1293266"/>
+              </a:xfrm>
+              <a:prstGeom prst="rect">
+                <a:avLst/>
+              </a:prstGeom>
+              <a:noFill/>
+              <a:extLst>
+                <a:ext uri="{909E8E84-426E-40DD-AFC4-6F175D3DCCD1}">
+                  <a14:hiddenFill xmlns:a14="http://schemas.microsoft.com/office/drawing/2010/main">
+                    <a:solidFill>
+                      <a:srgbClr val="FFFFFF"/>
+                    </a:solidFill>
+                  </a14:hiddenFill>
+                </a:ext>
+              </a:extLst>
+            </p:spPr>
+          </p:pic>
+          <p:sp>
+            <p:nvSpPr>
+              <p:cNvPr id="57" name="TextBox 56"/>
+              <p:cNvSpPr txBox="1"/>
+              <p:nvPr/>
+            </p:nvSpPr>
+            <p:spPr>
+              <a:xfrm>
+                <a:off x="1992358" y="6047756"/>
+                <a:ext cx="1043170" cy="338554"/>
+              </a:xfrm>
+              <a:prstGeom prst="rect">
+                <a:avLst/>
+              </a:prstGeom>
+              <a:noFill/>
+            </p:spPr>
+            <p:txBody>
+              <a:bodyPr wrap="square" rtlCol="0">
+                <a:spAutoFit/>
+              </a:bodyPr>
+              <a:lstStyle/>
+              <a:p>
+                <a:pPr algn="ctr"/>
+                <a:r>
+                  <a:rPr lang="ko-KR" altLang="en-US" sz="1600" b="1" dirty="0" smtClean="0"/>
+                  <a:t>컴퓨터</a:t>
+                </a:r>
+                <a:r>
+                  <a:rPr lang="en-US" altLang="ko-KR" sz="1600" b="1" dirty="0" smtClean="0"/>
+                  <a:t>2</a:t>
+                </a:r>
+                <a:endParaRPr lang="ko-KR" altLang="en-US" sz="1600" b="1" dirty="0"/>
+              </a:p>
+            </p:txBody>
+          </p:sp>
+          <p:sp>
+            <p:nvSpPr>
+              <p:cNvPr id="60" name="TextBox 59"/>
+              <p:cNvSpPr txBox="1"/>
+              <p:nvPr/>
+            </p:nvSpPr>
+            <p:spPr>
+              <a:xfrm>
+                <a:off x="1827604" y="4384932"/>
+                <a:ext cx="1346208" cy="338554"/>
+              </a:xfrm>
+              <a:prstGeom prst="rect">
+                <a:avLst/>
+              </a:prstGeom>
+              <a:noFill/>
+            </p:spPr>
+            <p:txBody>
+              <a:bodyPr wrap="square" rtlCol="0">
+                <a:spAutoFit/>
+              </a:bodyPr>
+              <a:lstStyle/>
+              <a:p>
+                <a:pPr algn="ctr"/>
+                <a:r>
+                  <a:rPr lang="ko-KR" altLang="en-US" sz="1600" b="1" dirty="0" smtClean="0">
+                    <a:solidFill>
+                      <a:schemeClr val="accent1"/>
+                    </a:solidFill>
+                  </a:rPr>
+                  <a:t>워커 노드</a:t>
+                </a:r>
+                <a:endParaRPr lang="ko-KR" altLang="en-US" sz="1600" b="1" dirty="0">
+                  <a:solidFill>
+                    <a:schemeClr val="accent1"/>
+                  </a:solidFill>
+                </a:endParaRPr>
+              </a:p>
+            </p:txBody>
+          </p:sp>
+        </p:grpSp>
+        <p:grpSp>
+          <p:nvGrpSpPr>
+            <p:cNvPr id="63" name="그룹 62"/>
+            <p:cNvGrpSpPr/>
+            <p:nvPr/>
+          </p:nvGrpSpPr>
+          <p:grpSpPr>
+            <a:xfrm>
+              <a:off x="3147341" y="4384932"/>
+              <a:ext cx="1346208" cy="2001378"/>
+              <a:chOff x="3147341" y="4384932"/>
+              <a:chExt cx="1346208" cy="2001378"/>
+            </a:xfrm>
+          </p:grpSpPr>
+          <p:pic>
+            <p:nvPicPr>
+              <p:cNvPr id="55" name="Picture 4" descr="https://cdn-icons-png.flaticon.com/512/2493/2493293.png"/>
+              <p:cNvPicPr>
+                <a:picLocks noChangeAspect="1" noChangeArrowheads="1"/>
+              </p:cNvPicPr>
+              <p:nvPr/>
+            </p:nvPicPr>
+            <p:blipFill>
+              <a:blip r:embed="rId4" cstate="print">
+                <a:extLst>
+                  <a:ext uri="{28A0092B-C50C-407E-A947-70E740481C1C}">
+                    <a14:useLocalDpi xmlns:a14="http://schemas.microsoft.com/office/drawing/2010/main" val="0"/>
+                  </a:ext>
+                </a:extLst>
+              </a:blip>
+              <a:srcRect/>
+              <a:stretch>
+                <a:fillRect/>
+              </a:stretch>
+            </p:blipFill>
+            <p:spPr bwMode="auto">
+              <a:xfrm>
+                <a:off x="3173812" y="4732630"/>
+                <a:ext cx="1293266" cy="1293266"/>
+              </a:xfrm>
+              <a:prstGeom prst="rect">
+                <a:avLst/>
+              </a:prstGeom>
+              <a:noFill/>
+              <a:extLst>
+                <a:ext uri="{909E8E84-426E-40DD-AFC4-6F175D3DCCD1}">
+                  <a14:hiddenFill xmlns:a14="http://schemas.microsoft.com/office/drawing/2010/main">
+                    <a:solidFill>
+                      <a:srgbClr val="FFFFFF"/>
+                    </a:solidFill>
+                  </a14:hiddenFill>
+                </a:ext>
+              </a:extLst>
+            </p:spPr>
+          </p:pic>
+          <p:sp>
+            <p:nvSpPr>
+              <p:cNvPr id="58" name="TextBox 57"/>
+              <p:cNvSpPr txBox="1"/>
+              <p:nvPr/>
+            </p:nvSpPr>
+            <p:spPr>
+              <a:xfrm>
+                <a:off x="3298860" y="6047756"/>
+                <a:ext cx="1043170" cy="338554"/>
+              </a:xfrm>
+              <a:prstGeom prst="rect">
+                <a:avLst/>
+              </a:prstGeom>
+              <a:noFill/>
+            </p:spPr>
+            <p:txBody>
+              <a:bodyPr wrap="square" rtlCol="0">
+                <a:spAutoFit/>
+              </a:bodyPr>
+              <a:lstStyle/>
+              <a:p>
+                <a:pPr algn="ctr"/>
+                <a:r>
+                  <a:rPr lang="ko-KR" altLang="en-US" sz="1600" b="1" dirty="0" smtClean="0"/>
+                  <a:t>컴퓨터</a:t>
+                </a:r>
+                <a:r>
+                  <a:rPr lang="en-US" altLang="ko-KR" sz="1600" b="1" dirty="0" smtClean="0"/>
+                  <a:t>3</a:t>
+                </a:r>
+                <a:endParaRPr lang="ko-KR" altLang="en-US" sz="1600" b="1" dirty="0"/>
+              </a:p>
+            </p:txBody>
+          </p:sp>
+          <p:sp>
+            <p:nvSpPr>
+              <p:cNvPr id="62" name="TextBox 61"/>
+              <p:cNvSpPr txBox="1"/>
+              <p:nvPr/>
+            </p:nvSpPr>
+            <p:spPr>
+              <a:xfrm>
+                <a:off x="3147341" y="4384932"/>
+                <a:ext cx="1346208" cy="338554"/>
+              </a:xfrm>
+              <a:prstGeom prst="rect">
+                <a:avLst/>
+              </a:prstGeom>
+              <a:noFill/>
+            </p:spPr>
+            <p:txBody>
+              <a:bodyPr wrap="square" rtlCol="0">
+                <a:spAutoFit/>
+              </a:bodyPr>
+              <a:lstStyle/>
+              <a:p>
+                <a:pPr algn="ctr"/>
+                <a:r>
+                  <a:rPr lang="ko-KR" altLang="en-US" sz="1600" b="1" dirty="0" smtClean="0">
+                    <a:solidFill>
+                      <a:schemeClr val="accent1"/>
+                    </a:solidFill>
+                  </a:rPr>
+                  <a:t>워커 노드</a:t>
+                </a:r>
+                <a:endParaRPr lang="ko-KR" altLang="en-US" sz="1600" b="1" dirty="0">
+                  <a:solidFill>
+                    <a:schemeClr val="accent1"/>
+                  </a:solidFill>
+                </a:endParaRPr>
+              </a:p>
+            </p:txBody>
+          </p:sp>
+        </p:grpSp>
+      </p:grpSp>
+      <p:grpSp>
+        <p:nvGrpSpPr>
+          <p:cNvPr id="68" name="그룹 67"/>
+          <p:cNvGrpSpPr/>
+          <p:nvPr/>
+        </p:nvGrpSpPr>
+        <p:grpSpPr>
+          <a:xfrm>
+            <a:off x="6934509" y="4754490"/>
+            <a:ext cx="1293266" cy="1631820"/>
+            <a:chOff x="6934509" y="4754490"/>
+            <a:chExt cx="1293266" cy="1631820"/>
+          </a:xfrm>
+        </p:grpSpPr>
+        <p:pic>
+          <p:nvPicPr>
+            <p:cNvPr id="64" name="Picture 4" descr="https://cdn-icons-png.flaticon.com/512/2493/2493293.png"/>
+            <p:cNvPicPr>
+              <a:picLocks noChangeAspect="1" noChangeArrowheads="1"/>
+            </p:cNvPicPr>
+            <p:nvPr/>
+          </p:nvPicPr>
+          <p:blipFill>
+            <a:blip r:embed="rId4" cstate="print">
+              <a:extLst>
+                <a:ext uri="{28A0092B-C50C-407E-A947-70E740481C1C}">
+                  <a14:useLocalDpi xmlns:a14="http://schemas.microsoft.com/office/drawing/2010/main" val="0"/>
+                </a:ext>
+              </a:extLst>
+            </a:blip>
+            <a:srcRect/>
+            <a:stretch>
+              <a:fillRect/>
+            </a:stretch>
+          </p:blipFill>
+          <p:spPr bwMode="auto">
+            <a:xfrm>
+              <a:off x="6934509" y="4754490"/>
+              <a:ext cx="1293266" cy="1293266"/>
+            </a:xfrm>
+            <a:prstGeom prst="rect">
+              <a:avLst/>
+            </a:prstGeom>
+            <a:noFill/>
             <a:extLst>
-              <a:ext uri="{28A0092B-C50C-407E-A947-70E740481C1C}">
-                <a14:useLocalDpi xmlns:a14="http://schemas.microsoft.com/office/drawing/2010/main" val="0"/>
+              <a:ext uri="{909E8E84-426E-40DD-AFC4-6F175D3DCCD1}">
+                <a14:hiddenFill xmlns:a14="http://schemas.microsoft.com/office/drawing/2010/main">
+                  <a:solidFill>
+                    <a:srgbClr val="FFFFFF"/>
+                  </a:solidFill>
+                </a14:hiddenFill>
               </a:ext>
             </a:extLst>
-          </a:blip>
-          <a:stretch>
-            <a:fillRect/>
-          </a:stretch>
-        </p:blipFill>
-        <p:spPr>
-          <a:xfrm>
-            <a:off x="5019829" y="3730752"/>
-            <a:ext cx="1512000" cy="1474200"/>
-          </a:xfrm>
-          <a:prstGeom prst="rect">
-            <a:avLst/>
-          </a:prstGeom>
-        </p:spPr>
-      </p:pic>
+          </p:spPr>
+        </p:pic>
+        <p:sp>
+          <p:nvSpPr>
+            <p:cNvPr id="65" name="TextBox 64"/>
+            <p:cNvSpPr txBox="1"/>
+            <p:nvPr/>
+          </p:nvSpPr>
+          <p:spPr>
+            <a:xfrm>
+              <a:off x="7059557" y="6047756"/>
+              <a:ext cx="1043170" cy="338554"/>
+            </a:xfrm>
+            <a:prstGeom prst="rect">
+              <a:avLst/>
+            </a:prstGeom>
+            <a:noFill/>
+          </p:spPr>
+          <p:txBody>
+            <a:bodyPr wrap="square" rtlCol="0">
+              <a:spAutoFit/>
+            </a:bodyPr>
+            <a:lstStyle/>
+            <a:p>
+              <a:pPr algn="ctr"/>
+              <a:r>
+                <a:rPr lang="ko-KR" altLang="en-US" sz="1600" b="1" dirty="0" smtClean="0"/>
+                <a:t>컴퓨터</a:t>
+              </a:r>
+              <a:r>
+                <a:rPr lang="en-US" altLang="ko-KR" sz="1600" b="1" dirty="0" smtClean="0"/>
+                <a:t>1</a:t>
+              </a:r>
+              <a:endParaRPr lang="ko-KR" altLang="en-US" sz="1600" b="1" dirty="0"/>
+            </a:p>
+          </p:txBody>
+        </p:sp>
+      </p:grpSp>
       <p:sp>
         <p:nvSpPr>
-          <p:cNvPr id="28" name="모서리가 둥근 직사각형 27"/>
+          <p:cNvPr id="52" name="모서리가 둥근 사각형 설명선 51"/>
           <p:cNvSpPr/>
           <p:nvPr/>
         </p:nvSpPr>
         <p:spPr>
-          <a:xfrm>
-            <a:off x="368546" y="5831045"/>
-            <a:ext cx="1697998" cy="533179"/>
+          <a:xfrm rot="5400000">
+            <a:off x="8932530" y="3840985"/>
+            <a:ext cx="1800000" cy="2880000"/>
           </a:xfrm>
-          <a:prstGeom prst="roundRect">
-            <a:avLst/>
+          <a:prstGeom prst="wedgeRoundRectCallout">
+            <a:avLst>
+              <a:gd name="adj1" fmla="val -20834"/>
+              <a:gd name="adj2" fmla="val 59484"/>
+              <a:gd name="adj3" fmla="val 16667"/>
+            </a:avLst>
           </a:prstGeom>
-          <a:solidFill>
-            <a:srgbClr val="BDD7EE"/>
-          </a:solidFill>
+          <a:noFill/>
           <a:ln>
             <a:solidFill>
-              <a:schemeClr val="accent1"/>
+              <a:schemeClr val="tx2"/>
             </a:solidFill>
           </a:ln>
         </p:spPr>
@@ -8752,488 +9994,633 @@
           </a:fontRef>
         </p:style>
         <p:txBody>
-          <a:bodyPr lIns="36000" tIns="36000" rIns="36000" bIns="36000" rtlCol="0" anchor="ctr"/>
+          <a:bodyPr rtlCol="0" anchor="ctr"/>
           <a:lstStyle/>
           <a:p>
             <a:pPr algn="ctr"/>
-            <a:r>
-              <a:rPr lang="en-US" altLang="ko-KR" b="1" dirty="0" smtClean="0">
-                <a:solidFill>
-                  <a:schemeClr val="tx1"/>
-                </a:solidFill>
-              </a:rPr>
-              <a:t>Pod</a:t>
-            </a:r>
-            <a:endParaRPr lang="ko-KR" altLang="en-US" b="1" dirty="0">
-              <a:solidFill>
-                <a:schemeClr val="tx1"/>
-              </a:solidFill>
-            </a:endParaRPr>
+            <a:endParaRPr lang="ko-KR" altLang="en-US"/>
           </a:p>
         </p:txBody>
       </p:sp>
-      <p:sp>
-        <p:nvSpPr>
-          <p:cNvPr id="29" name="모서리가 둥근 직사각형 28"/>
-          <p:cNvSpPr/>
-          <p:nvPr/>
-        </p:nvSpPr>
-        <p:spPr>
-          <a:xfrm>
-            <a:off x="2647688" y="5831045"/>
-            <a:ext cx="1697998" cy="533179"/>
-          </a:xfrm>
-          <a:prstGeom prst="roundRect">
-            <a:avLst/>
-          </a:prstGeom>
-          <a:solidFill>
-            <a:srgbClr val="BDD7EE"/>
-          </a:solidFill>
-          <a:ln>
-            <a:solidFill>
-              <a:schemeClr val="accent1"/>
-            </a:solidFill>
-          </a:ln>
-        </p:spPr>
-        <p:style>
-          <a:lnRef idx="2">
-            <a:schemeClr val="accent1">
-              <a:shade val="50000"/>
-            </a:schemeClr>
-          </a:lnRef>
-          <a:fillRef idx="1">
-            <a:schemeClr val="accent1"/>
-          </a:fillRef>
-          <a:effectRef idx="0">
-            <a:schemeClr val="accent1"/>
-          </a:effectRef>
-          <a:fontRef idx="minor">
-            <a:schemeClr val="lt1"/>
-          </a:fontRef>
-        </p:style>
-        <p:txBody>
-          <a:bodyPr lIns="36000" tIns="36000" rIns="36000" bIns="36000" rtlCol="0" anchor="ctr"/>
-          <a:lstStyle/>
-          <a:p>
-            <a:pPr algn="ctr"/>
-            <a:r>
-              <a:rPr lang="en-US" altLang="ko-KR" b="1" dirty="0" smtClean="0">
-                <a:solidFill>
-                  <a:schemeClr val="tx1"/>
-                </a:solidFill>
-              </a:rPr>
-              <a:t>deployment</a:t>
-            </a:r>
-            <a:endParaRPr lang="ko-KR" altLang="en-US" b="1" dirty="0">
-              <a:solidFill>
-                <a:schemeClr val="tx1"/>
-              </a:solidFill>
-            </a:endParaRPr>
-          </a:p>
-        </p:txBody>
-      </p:sp>
-      <p:sp>
-        <p:nvSpPr>
-          <p:cNvPr id="30" name="모서리가 둥근 직사각형 29"/>
-          <p:cNvSpPr/>
-          <p:nvPr/>
-        </p:nvSpPr>
-        <p:spPr>
-          <a:xfrm>
-            <a:off x="4926830" y="5831044"/>
-            <a:ext cx="1697998" cy="533179"/>
-          </a:xfrm>
-          <a:prstGeom prst="roundRect">
-            <a:avLst/>
-          </a:prstGeom>
-          <a:solidFill>
-            <a:srgbClr val="BDD7EE"/>
-          </a:solidFill>
-          <a:ln>
-            <a:solidFill>
-              <a:schemeClr val="accent1"/>
-            </a:solidFill>
-          </a:ln>
-        </p:spPr>
-        <p:style>
-          <a:lnRef idx="2">
-            <a:schemeClr val="accent1">
-              <a:shade val="50000"/>
-            </a:schemeClr>
-          </a:lnRef>
-          <a:fillRef idx="1">
-            <a:schemeClr val="accent1"/>
-          </a:fillRef>
-          <a:effectRef idx="0">
-            <a:schemeClr val="accent1"/>
-          </a:effectRef>
-          <a:fontRef idx="minor">
-            <a:schemeClr val="lt1"/>
-          </a:fontRef>
-        </p:style>
-        <p:txBody>
-          <a:bodyPr lIns="36000" tIns="36000" rIns="36000" bIns="36000" rtlCol="0" anchor="ctr"/>
-          <a:lstStyle/>
-          <a:p>
-            <a:pPr algn="ctr"/>
-            <a:r>
-              <a:rPr lang="en-US" altLang="ko-KR" b="1" dirty="0" smtClean="0">
-                <a:solidFill>
-                  <a:schemeClr val="tx1"/>
-                </a:solidFill>
-              </a:rPr>
-              <a:t>service</a:t>
-            </a:r>
-            <a:endParaRPr lang="ko-KR" altLang="en-US" b="1" dirty="0">
-              <a:solidFill>
-                <a:schemeClr val="tx1"/>
-              </a:solidFill>
-            </a:endParaRPr>
-          </a:p>
-        </p:txBody>
-      </p:sp>
-      <p:sp>
-        <p:nvSpPr>
-          <p:cNvPr id="31" name="모서리가 둥근 직사각형 30"/>
-          <p:cNvSpPr/>
-          <p:nvPr/>
-        </p:nvSpPr>
-        <p:spPr>
-          <a:xfrm>
-            <a:off x="7205972" y="5831045"/>
-            <a:ext cx="1697998" cy="533179"/>
-          </a:xfrm>
-          <a:prstGeom prst="roundRect">
-            <a:avLst/>
-          </a:prstGeom>
-          <a:solidFill>
-            <a:srgbClr val="BDD7EE"/>
-          </a:solidFill>
-          <a:ln>
-            <a:solidFill>
-              <a:schemeClr val="accent1"/>
-            </a:solidFill>
-          </a:ln>
-        </p:spPr>
-        <p:style>
-          <a:lnRef idx="2">
-            <a:schemeClr val="accent1">
-              <a:shade val="50000"/>
-            </a:schemeClr>
-          </a:lnRef>
-          <a:fillRef idx="1">
-            <a:schemeClr val="accent1"/>
-          </a:fillRef>
-          <a:effectRef idx="0">
-            <a:schemeClr val="accent1"/>
-          </a:effectRef>
-          <a:fontRef idx="minor">
-            <a:schemeClr val="lt1"/>
-          </a:fontRef>
-        </p:style>
-        <p:txBody>
-          <a:bodyPr lIns="36000" tIns="36000" rIns="36000" bIns="36000" rtlCol="0" anchor="ctr"/>
-          <a:lstStyle/>
-          <a:p>
-            <a:pPr algn="ctr"/>
-            <a:r>
-              <a:rPr lang="en-US" altLang="ko-KR" b="1" dirty="0" smtClean="0">
-                <a:solidFill>
-                  <a:schemeClr val="tx1"/>
-                </a:solidFill>
-              </a:rPr>
-              <a:t>volume</a:t>
-            </a:r>
-            <a:endParaRPr lang="ko-KR" altLang="en-US" b="1" dirty="0">
-              <a:solidFill>
-                <a:schemeClr val="tx1"/>
-              </a:solidFill>
-            </a:endParaRPr>
-          </a:p>
-        </p:txBody>
-      </p:sp>
-      <p:sp>
-        <p:nvSpPr>
-          <p:cNvPr id="32" name="모서리가 둥근 직사각형 31"/>
-          <p:cNvSpPr/>
-          <p:nvPr/>
-        </p:nvSpPr>
-        <p:spPr>
-          <a:xfrm>
-            <a:off x="9485114" y="5831045"/>
-            <a:ext cx="1697998" cy="533179"/>
-          </a:xfrm>
-          <a:prstGeom prst="roundRect">
-            <a:avLst/>
-          </a:prstGeom>
-          <a:solidFill>
-            <a:srgbClr val="BDD7EE"/>
-          </a:solidFill>
-          <a:ln>
-            <a:solidFill>
-              <a:schemeClr val="accent1"/>
-            </a:solidFill>
-          </a:ln>
-        </p:spPr>
-        <p:style>
-          <a:lnRef idx="2">
-            <a:schemeClr val="accent1">
-              <a:shade val="50000"/>
-            </a:schemeClr>
-          </a:lnRef>
-          <a:fillRef idx="1">
-            <a:schemeClr val="accent1"/>
-          </a:fillRef>
-          <a:effectRef idx="0">
-            <a:schemeClr val="accent1"/>
-          </a:effectRef>
-          <a:fontRef idx="minor">
-            <a:schemeClr val="lt1"/>
-          </a:fontRef>
-        </p:style>
-        <p:txBody>
-          <a:bodyPr lIns="36000" tIns="36000" rIns="36000" bIns="36000" rtlCol="0" anchor="ctr"/>
-          <a:lstStyle/>
-          <a:p>
-            <a:pPr algn="ctr"/>
-            <a:r>
-              <a:rPr lang="en-US" altLang="ko-KR" b="1" dirty="0" smtClean="0">
-                <a:solidFill>
-                  <a:schemeClr val="tx1"/>
-                </a:solidFill>
-              </a:rPr>
-              <a:t>…</a:t>
-            </a:r>
-            <a:endParaRPr lang="ko-KR" altLang="en-US" b="1" dirty="0">
-              <a:solidFill>
-                <a:schemeClr val="tx1"/>
-              </a:solidFill>
-            </a:endParaRPr>
-          </a:p>
-        </p:txBody>
-      </p:sp>
-      <p:cxnSp>
-        <p:nvCxnSpPr>
-          <p:cNvPr id="33" name="꺾인 연결선 32"/>
-          <p:cNvCxnSpPr>
-            <a:stCxn id="3" idx="2"/>
-            <a:endCxn id="28" idx="0"/>
-          </p:cNvCxnSpPr>
-          <p:nvPr/>
-        </p:nvCxnSpPr>
-        <p:spPr>
-          <a:xfrm rot="5400000">
-            <a:off x="3183641" y="3238856"/>
-            <a:ext cx="626093" cy="4558284"/>
-          </a:xfrm>
-          <a:prstGeom prst="bentConnector3">
-            <a:avLst/>
-          </a:prstGeom>
-        </p:spPr>
-        <p:style>
-          <a:lnRef idx="1">
-            <a:schemeClr val="accent1"/>
-          </a:lnRef>
-          <a:fillRef idx="0">
-            <a:schemeClr val="accent1"/>
-          </a:fillRef>
-          <a:effectRef idx="0">
-            <a:schemeClr val="accent1"/>
-          </a:effectRef>
-          <a:fontRef idx="minor">
-            <a:schemeClr val="tx1"/>
-          </a:fontRef>
-        </p:style>
-      </p:cxnSp>
-      <p:cxnSp>
-        <p:nvCxnSpPr>
-          <p:cNvPr id="34" name="꺾인 연결선 33"/>
-          <p:cNvCxnSpPr>
-            <a:stCxn id="3" idx="2"/>
-            <a:endCxn id="29" idx="0"/>
-          </p:cNvCxnSpPr>
-          <p:nvPr/>
-        </p:nvCxnSpPr>
-        <p:spPr>
-          <a:xfrm rot="5400000">
-            <a:off x="4323212" y="4378427"/>
-            <a:ext cx="626093" cy="2279142"/>
-          </a:xfrm>
-          <a:prstGeom prst="bentConnector3">
-            <a:avLst>
-              <a:gd name="adj1" fmla="val 50000"/>
-            </a:avLst>
-          </a:prstGeom>
-        </p:spPr>
-        <p:style>
-          <a:lnRef idx="1">
-            <a:schemeClr val="accent1"/>
-          </a:lnRef>
-          <a:fillRef idx="0">
-            <a:schemeClr val="accent1"/>
-          </a:fillRef>
-          <a:effectRef idx="0">
-            <a:schemeClr val="accent1"/>
-          </a:effectRef>
-          <a:fontRef idx="minor">
-            <a:schemeClr val="tx1"/>
-          </a:fontRef>
-        </p:style>
-      </p:cxnSp>
-      <p:cxnSp>
-        <p:nvCxnSpPr>
-          <p:cNvPr id="37" name="꺾인 연결선 36"/>
-          <p:cNvCxnSpPr>
-            <a:stCxn id="3" idx="2"/>
-            <a:endCxn id="31" idx="0"/>
-          </p:cNvCxnSpPr>
-          <p:nvPr/>
-        </p:nvCxnSpPr>
-        <p:spPr>
-          <a:xfrm rot="16200000" flipH="1">
-            <a:off x="6602354" y="4378427"/>
-            <a:ext cx="626093" cy="2279142"/>
-          </a:xfrm>
-          <a:prstGeom prst="bentConnector3">
-            <a:avLst>
-              <a:gd name="adj1" fmla="val 50000"/>
-            </a:avLst>
-          </a:prstGeom>
-        </p:spPr>
-        <p:style>
-          <a:lnRef idx="1">
-            <a:schemeClr val="accent1"/>
-          </a:lnRef>
-          <a:fillRef idx="0">
-            <a:schemeClr val="accent1"/>
-          </a:fillRef>
-          <a:effectRef idx="0">
-            <a:schemeClr val="accent1"/>
-          </a:effectRef>
-          <a:fontRef idx="minor">
-            <a:schemeClr val="tx1"/>
-          </a:fontRef>
-        </p:style>
-      </p:cxnSp>
-      <p:cxnSp>
-        <p:nvCxnSpPr>
-          <p:cNvPr id="40" name="꺾인 연결선 39"/>
-          <p:cNvCxnSpPr>
-            <a:stCxn id="3" idx="2"/>
-            <a:endCxn id="32" idx="0"/>
-          </p:cNvCxnSpPr>
-          <p:nvPr/>
-        </p:nvCxnSpPr>
-        <p:spPr>
-          <a:xfrm rot="16200000" flipH="1">
-            <a:off x="7741925" y="3238856"/>
-            <a:ext cx="626093" cy="4558284"/>
-          </a:xfrm>
-          <a:prstGeom prst="bentConnector3">
-            <a:avLst>
-              <a:gd name="adj1" fmla="val 50000"/>
-            </a:avLst>
-          </a:prstGeom>
-        </p:spPr>
-        <p:style>
-          <a:lnRef idx="1">
-            <a:schemeClr val="accent1"/>
-          </a:lnRef>
-          <a:fillRef idx="0">
-            <a:schemeClr val="accent1"/>
-          </a:fillRef>
-          <a:effectRef idx="0">
-            <a:schemeClr val="accent1"/>
-          </a:effectRef>
-          <a:fontRef idx="minor">
-            <a:schemeClr val="tx1"/>
-          </a:fontRef>
-        </p:style>
-      </p:cxnSp>
-      <p:cxnSp>
-        <p:nvCxnSpPr>
-          <p:cNvPr id="44" name="직선 연결선 43"/>
-          <p:cNvCxnSpPr>
-            <a:stCxn id="3" idx="2"/>
-            <a:endCxn id="30" idx="0"/>
-          </p:cNvCxnSpPr>
-          <p:nvPr/>
-        </p:nvCxnSpPr>
-        <p:spPr>
-          <a:xfrm>
-            <a:off x="5775829" y="5204952"/>
-            <a:ext cx="0" cy="626092"/>
-          </a:xfrm>
-          <a:prstGeom prst="line">
-            <a:avLst/>
-          </a:prstGeom>
-        </p:spPr>
-        <p:style>
-          <a:lnRef idx="1">
-            <a:schemeClr val="accent1"/>
-          </a:lnRef>
-          <a:fillRef idx="0">
-            <a:schemeClr val="accent1"/>
-          </a:fillRef>
-          <a:effectRef idx="0">
-            <a:schemeClr val="accent1"/>
-          </a:effectRef>
-          <a:fontRef idx="minor">
-            <a:schemeClr val="tx1"/>
-          </a:fontRef>
-        </p:style>
-      </p:cxnSp>
       <p:pic>
         <p:nvPicPr>
-          <p:cNvPr id="97" name="그림 96"/>
+          <p:cNvPr id="67" name="그림 66"/>
           <p:cNvPicPr>
             <a:picLocks noChangeAspect="1"/>
           </p:cNvPicPr>
           <p:nvPr/>
         </p:nvPicPr>
         <p:blipFill>
-          <a:blip r:embed="rId4"/>
+          <a:blip r:embed="rId5"/>
           <a:stretch>
             <a:fillRect/>
           </a:stretch>
         </p:blipFill>
         <p:spPr>
           <a:xfrm>
-            <a:off x="7364471" y="1444752"/>
-            <a:ext cx="4241285" cy="3548111"/>
+            <a:off x="8624019" y="4507104"/>
+            <a:ext cx="2417022" cy="1709929"/>
           </a:xfrm>
           <a:prstGeom prst="rect">
             <a:avLst/>
           </a:prstGeom>
         </p:spPr>
       </p:pic>
+    </p:spTree>
+    <p:extLst>
+      <p:ext uri="{BB962C8B-B14F-4D97-AF65-F5344CB8AC3E}">
+        <p14:creationId xmlns:p14="http://schemas.microsoft.com/office/powerpoint/2010/main" val="231320470"/>
+      </p:ext>
+    </p:extLst>
+  </p:cSld>
+  <p:clrMapOvr>
+    <a:masterClrMapping/>
+  </p:clrMapOvr>
+  <p:timing>
+    <p:tnLst>
+      <p:par>
+        <p:cTn id="1" dur="indefinite" restart="never" nodeType="tmRoot"/>
+      </p:par>
+    </p:tnLst>
+  </p:timing>
+</p:sld>
+</file>
+
+<file path=ppt/slides/slide5.xml><?xml version="1.0" encoding="utf-8"?>
+<p:sld xmlns:a="http://schemas.openxmlformats.org/drawingml/2006/main" xmlns:r="http://schemas.openxmlformats.org/officeDocument/2006/relationships" xmlns:p="http://schemas.openxmlformats.org/presentationml/2006/main">
+  <p:cSld>
+    <p:spTree>
+      <p:nvGrpSpPr>
+        <p:cNvPr id="1" name=""/>
+        <p:cNvGrpSpPr/>
+        <p:nvPr/>
+      </p:nvGrpSpPr>
+      <p:grpSpPr>
+        <a:xfrm>
+          <a:off x="0" y="0"/>
+          <a:ext cx="0" cy="0"/>
+          <a:chOff x="0" y="0"/>
+          <a:chExt cx="0" cy="0"/>
+        </a:xfrm>
+      </p:grpSpPr>
+      <p:pic>
+        <p:nvPicPr>
+          <p:cNvPr id="37" name="Shape 716"/>
+          <p:cNvPicPr preferRelativeResize="0"/>
+          <p:nvPr/>
+        </p:nvPicPr>
+        <p:blipFill>
+          <a:blip r:embed="rId2">
+            <a:alphaModFix/>
+          </a:blip>
+          <a:stretch>
+            <a:fillRect/>
+          </a:stretch>
+        </p:blipFill>
+        <p:spPr>
+          <a:xfrm>
+            <a:off x="5420205" y="1398004"/>
+            <a:ext cx="720000" cy="720000"/>
+          </a:xfrm>
+          <a:prstGeom prst="rect">
+            <a:avLst/>
+          </a:prstGeom>
+          <a:noFill/>
+          <a:ln>
+            <a:noFill/>
+          </a:ln>
+        </p:spPr>
+      </p:pic>
+      <p:grpSp>
+        <p:nvGrpSpPr>
+          <p:cNvPr id="54" name="그룹 53"/>
+          <p:cNvGrpSpPr/>
+          <p:nvPr/>
+        </p:nvGrpSpPr>
+        <p:grpSpPr>
+          <a:xfrm>
+            <a:off x="2224386" y="3029011"/>
+            <a:ext cx="2914542" cy="2351007"/>
+            <a:chOff x="2224386" y="3029011"/>
+            <a:chExt cx="2914542" cy="2351007"/>
+          </a:xfrm>
+        </p:grpSpPr>
+        <p:sp>
+          <p:nvSpPr>
+            <p:cNvPr id="44" name="모서리가 둥근 직사각형 43"/>
+            <p:cNvSpPr/>
+            <p:nvPr/>
+          </p:nvSpPr>
+          <p:spPr>
+            <a:xfrm>
+              <a:off x="2452872" y="3436018"/>
+              <a:ext cx="2686056" cy="1944000"/>
+            </a:xfrm>
+            <a:prstGeom prst="roundRect">
+              <a:avLst/>
+            </a:prstGeom>
+            <a:noFill/>
+            <a:ln w="19050">
+              <a:solidFill>
+                <a:srgbClr val="326CE5"/>
+              </a:solidFill>
+            </a:ln>
+          </p:spPr>
+          <p:style>
+            <a:lnRef idx="2">
+              <a:schemeClr val="accent1">
+                <a:shade val="50000"/>
+              </a:schemeClr>
+            </a:lnRef>
+            <a:fillRef idx="1">
+              <a:schemeClr val="accent1"/>
+            </a:fillRef>
+            <a:effectRef idx="0">
+              <a:schemeClr val="accent1"/>
+            </a:effectRef>
+            <a:fontRef idx="minor">
+              <a:schemeClr val="lt1"/>
+            </a:fontRef>
+          </p:style>
+          <p:txBody>
+            <a:bodyPr rtlCol="0" anchor="ctr"/>
+            <a:lstStyle/>
+            <a:p>
+              <a:pPr algn="ctr"/>
+              <a:endParaRPr lang="ko-KR" altLang="en-US"/>
+            </a:p>
+          </p:txBody>
+        </p:sp>
+        <p:pic>
+          <p:nvPicPr>
+            <p:cNvPr id="40" name="Shape 718"/>
+            <p:cNvPicPr preferRelativeResize="0"/>
+            <p:nvPr/>
+          </p:nvPicPr>
+          <p:blipFill>
+            <a:blip r:embed="rId3">
+              <a:alphaModFix/>
+            </a:blip>
+            <a:stretch>
+              <a:fillRect/>
+            </a:stretch>
+          </p:blipFill>
+          <p:spPr>
+            <a:xfrm>
+              <a:off x="2224386" y="3029011"/>
+              <a:ext cx="720000" cy="720000"/>
+            </a:xfrm>
+            <a:prstGeom prst="rect">
+              <a:avLst/>
+            </a:prstGeom>
+            <a:noFill/>
+            <a:ln>
+              <a:noFill/>
+            </a:ln>
+          </p:spPr>
+        </p:pic>
+        <p:pic>
+          <p:nvPicPr>
+            <p:cNvPr id="41" name="Shape 711"/>
+            <p:cNvPicPr preferRelativeResize="0"/>
+            <p:nvPr/>
+          </p:nvPicPr>
+          <p:blipFill>
+            <a:blip r:embed="rId4">
+              <a:alphaModFix/>
+            </a:blip>
+            <a:stretch>
+              <a:fillRect/>
+            </a:stretch>
+          </p:blipFill>
+          <p:spPr>
+            <a:xfrm>
+              <a:off x="2715900" y="4408018"/>
+              <a:ext cx="720000" cy="720000"/>
+            </a:xfrm>
+            <a:prstGeom prst="rect">
+              <a:avLst/>
+            </a:prstGeom>
+            <a:noFill/>
+            <a:ln>
+              <a:noFill/>
+            </a:ln>
+          </p:spPr>
+        </p:pic>
+        <p:pic>
+          <p:nvPicPr>
+            <p:cNvPr id="43" name="Shape 709"/>
+            <p:cNvPicPr preferRelativeResize="0"/>
+            <p:nvPr/>
+          </p:nvPicPr>
+          <p:blipFill>
+            <a:blip r:embed="rId5">
+              <a:alphaModFix/>
+            </a:blip>
+            <a:stretch>
+              <a:fillRect/>
+            </a:stretch>
+          </p:blipFill>
+          <p:spPr>
+            <a:xfrm>
+              <a:off x="3435900" y="3214914"/>
+              <a:ext cx="720000" cy="720000"/>
+            </a:xfrm>
+            <a:prstGeom prst="rect">
+              <a:avLst/>
+            </a:prstGeom>
+            <a:noFill/>
+            <a:ln>
+              <a:noFill/>
+            </a:ln>
+          </p:spPr>
+        </p:pic>
+        <p:pic>
+          <p:nvPicPr>
+            <p:cNvPr id="45" name="Shape 711"/>
+            <p:cNvPicPr preferRelativeResize="0"/>
+            <p:nvPr/>
+          </p:nvPicPr>
+          <p:blipFill>
+            <a:blip r:embed="rId4">
+              <a:alphaModFix/>
+            </a:blip>
+            <a:stretch>
+              <a:fillRect/>
+            </a:stretch>
+          </p:blipFill>
+          <p:spPr>
+            <a:xfrm>
+              <a:off x="4155900" y="4408018"/>
+              <a:ext cx="720000" cy="720000"/>
+            </a:xfrm>
+            <a:prstGeom prst="rect">
+              <a:avLst/>
+            </a:prstGeom>
+            <a:noFill/>
+            <a:ln>
+              <a:noFill/>
+            </a:ln>
+          </p:spPr>
+        </p:pic>
+        <p:cxnSp>
+          <p:nvCxnSpPr>
+            <p:cNvPr id="49" name="꺾인 연결선 48"/>
+            <p:cNvCxnSpPr>
+              <a:stCxn id="43" idx="2"/>
+              <a:endCxn id="41" idx="0"/>
+            </p:cNvCxnSpPr>
+            <p:nvPr/>
+          </p:nvCxnSpPr>
+          <p:spPr>
+            <a:xfrm rot="5400000">
+              <a:off x="3199348" y="3811466"/>
+              <a:ext cx="473104" cy="720000"/>
+            </a:xfrm>
+            <a:prstGeom prst="bentConnector3">
+              <a:avLst>
+                <a:gd name="adj1" fmla="val 50000"/>
+              </a:avLst>
+            </a:prstGeom>
+            <a:ln w="12700">
+              <a:solidFill>
+                <a:schemeClr val="tx2"/>
+              </a:solidFill>
+              <a:tailEnd type="triangle"/>
+            </a:ln>
+          </p:spPr>
+          <p:style>
+            <a:lnRef idx="1">
+              <a:schemeClr val="accent1"/>
+            </a:lnRef>
+            <a:fillRef idx="0">
+              <a:schemeClr val="accent1"/>
+            </a:fillRef>
+            <a:effectRef idx="0">
+              <a:schemeClr val="accent1"/>
+            </a:effectRef>
+            <a:fontRef idx="minor">
+              <a:schemeClr val="tx1"/>
+            </a:fontRef>
+          </p:style>
+        </p:cxnSp>
+        <p:cxnSp>
+          <p:nvCxnSpPr>
+            <p:cNvPr id="51" name="꺾인 연결선 50"/>
+            <p:cNvCxnSpPr>
+              <a:stCxn id="43" idx="2"/>
+              <a:endCxn id="45" idx="0"/>
+            </p:cNvCxnSpPr>
+            <p:nvPr/>
+          </p:nvCxnSpPr>
+          <p:spPr>
+            <a:xfrm rot="16200000" flipH="1">
+              <a:off x="3919348" y="3811466"/>
+              <a:ext cx="473104" cy="720000"/>
+            </a:xfrm>
+            <a:prstGeom prst="bentConnector3">
+              <a:avLst>
+                <a:gd name="adj1" fmla="val 50000"/>
+              </a:avLst>
+            </a:prstGeom>
+            <a:ln w="12700">
+              <a:solidFill>
+                <a:schemeClr val="tx2"/>
+              </a:solidFill>
+              <a:tailEnd type="triangle"/>
+            </a:ln>
+          </p:spPr>
+          <p:style>
+            <a:lnRef idx="1">
+              <a:schemeClr val="accent1"/>
+            </a:lnRef>
+            <a:fillRef idx="0">
+              <a:schemeClr val="accent1"/>
+            </a:fillRef>
+            <a:effectRef idx="0">
+              <a:schemeClr val="accent1"/>
+            </a:effectRef>
+            <a:fontRef idx="minor">
+              <a:schemeClr val="tx1"/>
+            </a:fontRef>
+          </p:style>
+        </p:cxnSp>
+      </p:grpSp>
+      <p:grpSp>
+        <p:nvGrpSpPr>
+          <p:cNvPr id="55" name="그룹 54"/>
+          <p:cNvGrpSpPr/>
+          <p:nvPr/>
+        </p:nvGrpSpPr>
+        <p:grpSpPr>
+          <a:xfrm>
+            <a:off x="6421482" y="3029011"/>
+            <a:ext cx="2914542" cy="2351007"/>
+            <a:chOff x="2224386" y="3029011"/>
+            <a:chExt cx="2914542" cy="2351007"/>
+          </a:xfrm>
+        </p:grpSpPr>
+        <p:sp>
+          <p:nvSpPr>
+            <p:cNvPr id="56" name="모서리가 둥근 직사각형 55"/>
+            <p:cNvSpPr/>
+            <p:nvPr/>
+          </p:nvSpPr>
+          <p:spPr>
+            <a:xfrm>
+              <a:off x="2452872" y="3436018"/>
+              <a:ext cx="2686056" cy="1944000"/>
+            </a:xfrm>
+            <a:prstGeom prst="roundRect">
+              <a:avLst/>
+            </a:prstGeom>
+            <a:noFill/>
+            <a:ln w="19050">
+              <a:solidFill>
+                <a:srgbClr val="326CE5"/>
+              </a:solidFill>
+            </a:ln>
+          </p:spPr>
+          <p:style>
+            <a:lnRef idx="2">
+              <a:schemeClr val="accent1">
+                <a:shade val="50000"/>
+              </a:schemeClr>
+            </a:lnRef>
+            <a:fillRef idx="1">
+              <a:schemeClr val="accent1"/>
+            </a:fillRef>
+            <a:effectRef idx="0">
+              <a:schemeClr val="accent1"/>
+            </a:effectRef>
+            <a:fontRef idx="minor">
+              <a:schemeClr val="lt1"/>
+            </a:fontRef>
+          </p:style>
+          <p:txBody>
+            <a:bodyPr rtlCol="0" anchor="ctr"/>
+            <a:lstStyle/>
+            <a:p>
+              <a:pPr algn="ctr"/>
+              <a:endParaRPr lang="ko-KR" altLang="en-US"/>
+            </a:p>
+          </p:txBody>
+        </p:sp>
+        <p:pic>
+          <p:nvPicPr>
+            <p:cNvPr id="57" name="Shape 718"/>
+            <p:cNvPicPr preferRelativeResize="0"/>
+            <p:nvPr/>
+          </p:nvPicPr>
+          <p:blipFill>
+            <a:blip r:embed="rId3">
+              <a:alphaModFix/>
+            </a:blip>
+            <a:stretch>
+              <a:fillRect/>
+            </a:stretch>
+          </p:blipFill>
+          <p:spPr>
+            <a:xfrm>
+              <a:off x="2224386" y="3029011"/>
+              <a:ext cx="720000" cy="720000"/>
+            </a:xfrm>
+            <a:prstGeom prst="rect">
+              <a:avLst/>
+            </a:prstGeom>
+            <a:noFill/>
+            <a:ln>
+              <a:noFill/>
+            </a:ln>
+          </p:spPr>
+        </p:pic>
+        <p:pic>
+          <p:nvPicPr>
+            <p:cNvPr id="58" name="Shape 711"/>
+            <p:cNvPicPr preferRelativeResize="0"/>
+            <p:nvPr/>
+          </p:nvPicPr>
+          <p:blipFill>
+            <a:blip r:embed="rId4">
+              <a:alphaModFix/>
+            </a:blip>
+            <a:stretch>
+              <a:fillRect/>
+            </a:stretch>
+          </p:blipFill>
+          <p:spPr>
+            <a:xfrm>
+              <a:off x="2715900" y="4408018"/>
+              <a:ext cx="720000" cy="720000"/>
+            </a:xfrm>
+            <a:prstGeom prst="rect">
+              <a:avLst/>
+            </a:prstGeom>
+            <a:noFill/>
+            <a:ln>
+              <a:noFill/>
+            </a:ln>
+          </p:spPr>
+        </p:pic>
+        <p:pic>
+          <p:nvPicPr>
+            <p:cNvPr id="59" name="Shape 709"/>
+            <p:cNvPicPr preferRelativeResize="0"/>
+            <p:nvPr/>
+          </p:nvPicPr>
+          <p:blipFill>
+            <a:blip r:embed="rId5">
+              <a:alphaModFix/>
+            </a:blip>
+            <a:stretch>
+              <a:fillRect/>
+            </a:stretch>
+          </p:blipFill>
+          <p:spPr>
+            <a:xfrm>
+              <a:off x="3435900" y="3214914"/>
+              <a:ext cx="720000" cy="720000"/>
+            </a:xfrm>
+            <a:prstGeom prst="rect">
+              <a:avLst/>
+            </a:prstGeom>
+            <a:noFill/>
+            <a:ln>
+              <a:noFill/>
+            </a:ln>
+          </p:spPr>
+        </p:pic>
+        <p:pic>
+          <p:nvPicPr>
+            <p:cNvPr id="60" name="Shape 711"/>
+            <p:cNvPicPr preferRelativeResize="0"/>
+            <p:nvPr/>
+          </p:nvPicPr>
+          <p:blipFill>
+            <a:blip r:embed="rId4">
+              <a:alphaModFix/>
+            </a:blip>
+            <a:stretch>
+              <a:fillRect/>
+            </a:stretch>
+          </p:blipFill>
+          <p:spPr>
+            <a:xfrm>
+              <a:off x="4155900" y="4408018"/>
+              <a:ext cx="720000" cy="720000"/>
+            </a:xfrm>
+            <a:prstGeom prst="rect">
+              <a:avLst/>
+            </a:prstGeom>
+            <a:noFill/>
+            <a:ln>
+              <a:noFill/>
+            </a:ln>
+          </p:spPr>
+        </p:pic>
+        <p:cxnSp>
+          <p:nvCxnSpPr>
+            <p:cNvPr id="61" name="꺾인 연결선 60"/>
+            <p:cNvCxnSpPr>
+              <a:stCxn id="59" idx="2"/>
+              <a:endCxn id="58" idx="0"/>
+            </p:cNvCxnSpPr>
+            <p:nvPr/>
+          </p:nvCxnSpPr>
+          <p:spPr>
+            <a:xfrm rot="5400000">
+              <a:off x="3199348" y="3811466"/>
+              <a:ext cx="473104" cy="720000"/>
+            </a:xfrm>
+            <a:prstGeom prst="bentConnector3">
+              <a:avLst>
+                <a:gd name="adj1" fmla="val 50000"/>
+              </a:avLst>
+            </a:prstGeom>
+            <a:ln w="12700">
+              <a:solidFill>
+                <a:schemeClr val="tx2"/>
+              </a:solidFill>
+              <a:tailEnd type="triangle"/>
+            </a:ln>
+          </p:spPr>
+          <p:style>
+            <a:lnRef idx="1">
+              <a:schemeClr val="accent1"/>
+            </a:lnRef>
+            <a:fillRef idx="0">
+              <a:schemeClr val="accent1"/>
+            </a:fillRef>
+            <a:effectRef idx="0">
+              <a:schemeClr val="accent1"/>
+            </a:effectRef>
+            <a:fontRef idx="minor">
+              <a:schemeClr val="tx1"/>
+            </a:fontRef>
+          </p:style>
+        </p:cxnSp>
+        <p:cxnSp>
+          <p:nvCxnSpPr>
+            <p:cNvPr id="62" name="꺾인 연결선 61"/>
+            <p:cNvCxnSpPr>
+              <a:stCxn id="59" idx="2"/>
+              <a:endCxn id="60" idx="0"/>
+            </p:cNvCxnSpPr>
+            <p:nvPr/>
+          </p:nvCxnSpPr>
+          <p:spPr>
+            <a:xfrm rot="16200000" flipH="1">
+              <a:off x="3919348" y="3811466"/>
+              <a:ext cx="473104" cy="720000"/>
+            </a:xfrm>
+            <a:prstGeom prst="bentConnector3">
+              <a:avLst>
+                <a:gd name="adj1" fmla="val 50000"/>
+              </a:avLst>
+            </a:prstGeom>
+            <a:ln w="12700">
+              <a:solidFill>
+                <a:schemeClr val="tx2"/>
+              </a:solidFill>
+              <a:tailEnd type="triangle"/>
+            </a:ln>
+          </p:spPr>
+          <p:style>
+            <a:lnRef idx="1">
+              <a:schemeClr val="accent1"/>
+            </a:lnRef>
+            <a:fillRef idx="0">
+              <a:schemeClr val="accent1"/>
+            </a:fillRef>
+            <a:effectRef idx="0">
+              <a:schemeClr val="accent1"/>
+            </a:effectRef>
+            <a:fontRef idx="minor">
+              <a:schemeClr val="tx1"/>
+            </a:fontRef>
+          </p:style>
+        </p:cxnSp>
+      </p:grpSp>
       <p:sp>
         <p:nvSpPr>
-          <p:cNvPr id="98" name="오른쪽 화살표 97"/>
+          <p:cNvPr id="63" name="모서리가 둥근 직사각형 62"/>
           <p:cNvSpPr/>
           <p:nvPr/>
         </p:nvSpPr>
         <p:spPr>
-          <a:xfrm rot="5400000">
-            <a:off x="9116123" y="994073"/>
-            <a:ext cx="737981" cy="572981"/>
+          <a:xfrm>
+            <a:off x="3215874" y="2875762"/>
+            <a:ext cx="1160052" cy="228600"/>
           </a:xfrm>
-          <a:prstGeom prst="rightArrow">
+          <a:prstGeom prst="roundRect">
             <a:avLst/>
           </a:prstGeom>
           <a:solidFill>
-            <a:schemeClr val="tx2"/>
+            <a:srgbClr val="326CE5"/>
           </a:solidFill>
           <a:ln>
             <a:noFill/>
           </a:ln>
-          <a:effectLst>
-            <a:outerShdw blurRad="50800" dist="38100" dir="2700000" algn="tl" rotWithShape="0">
-              <a:prstClr val="black">
-                <a:alpha val="40000"/>
-              </a:prstClr>
-            </a:outerShdw>
-          </a:effectLst>
         </p:spPr>
         <p:style>
           <a:lnRef idx="2">
@@ -9256,37 +10643,42 @@
           <a:lstStyle/>
           <a:p>
             <a:pPr algn="ctr"/>
-            <a:endParaRPr lang="ko-KR" altLang="en-US"/>
+            <a:r>
+              <a:rPr lang="en-US" altLang="ko-KR" sz="1200" b="1" dirty="0" err="1" smtClean="0">
+                <a:solidFill>
+                  <a:schemeClr val="bg1"/>
+                </a:solidFill>
+              </a:rPr>
+              <a:t>ClusterIP</a:t>
+            </a:r>
+            <a:endParaRPr lang="ko-KR" altLang="en-US" sz="1200" b="1" dirty="0">
+              <a:solidFill>
+                <a:schemeClr val="bg1"/>
+              </a:solidFill>
+            </a:endParaRPr>
           </a:p>
         </p:txBody>
       </p:sp>
       <p:sp>
         <p:nvSpPr>
-          <p:cNvPr id="99" name="타원 98"/>
+          <p:cNvPr id="64" name="모서리가 둥근 직사각형 63"/>
           <p:cNvSpPr/>
           <p:nvPr/>
         </p:nvSpPr>
         <p:spPr>
           <a:xfrm>
-            <a:off x="8405113" y="121311"/>
-            <a:ext cx="2160000" cy="720000"/>
+            <a:off x="7412970" y="2875762"/>
+            <a:ext cx="1160052" cy="228600"/>
           </a:xfrm>
-          <a:prstGeom prst="ellipse">
+          <a:prstGeom prst="roundRect">
             <a:avLst/>
           </a:prstGeom>
           <a:solidFill>
-            <a:schemeClr val="tx2"/>
+            <a:srgbClr val="326CE5"/>
           </a:solidFill>
           <a:ln>
             <a:noFill/>
           </a:ln>
-          <a:effectLst>
-            <a:outerShdw blurRad="50800" dist="38100" dir="2700000" algn="tl" rotWithShape="0">
-              <a:prstClr val="black">
-                <a:alpha val="40000"/>
-              </a:prstClr>
-            </a:outerShdw>
-          </a:effectLst>
         </p:spPr>
         <p:style>
           <a:lnRef idx="2">
@@ -9305,22 +10697,421 @@
           </a:fontRef>
         </p:style>
         <p:txBody>
-          <a:bodyPr lIns="0" tIns="0" rIns="0" bIns="0" rtlCol="0" anchor="ctr"/>
+          <a:bodyPr rtlCol="0" anchor="ctr"/>
           <a:lstStyle/>
           <a:p>
             <a:pPr algn="ctr"/>
             <a:r>
-              <a:rPr lang="en-US" altLang="ko-KR" b="1" dirty="0" err="1" smtClean="0"/>
-              <a:t>Kubectl</a:t>
+              <a:rPr lang="en-US" altLang="ko-KR" sz="1200" b="1" dirty="0" err="1" smtClean="0">
+                <a:solidFill>
+                  <a:schemeClr val="bg1"/>
+                </a:solidFill>
+              </a:rPr>
+              <a:t>ClusterIP</a:t>
             </a:r>
-            <a:endParaRPr lang="ko-KR" altLang="en-US" b="1" dirty="0"/>
+            <a:endParaRPr lang="ko-KR" altLang="en-US" sz="1200" b="1" dirty="0">
+              <a:solidFill>
+                <a:schemeClr val="bg1"/>
+              </a:solidFill>
+            </a:endParaRPr>
+          </a:p>
+        </p:txBody>
+      </p:sp>
+      <p:cxnSp>
+        <p:nvCxnSpPr>
+          <p:cNvPr id="65" name="꺾인 연결선 64"/>
+          <p:cNvCxnSpPr>
+            <a:stCxn id="37" idx="2"/>
+            <a:endCxn id="63" idx="0"/>
+          </p:cNvCxnSpPr>
+          <p:nvPr/>
+        </p:nvCxnSpPr>
+        <p:spPr>
+          <a:xfrm rot="5400000">
+            <a:off x="4409174" y="1504731"/>
+            <a:ext cx="757758" cy="1984305"/>
+          </a:xfrm>
+          <a:prstGeom prst="bentConnector3">
+            <a:avLst>
+              <a:gd name="adj1" fmla="val 50000"/>
+            </a:avLst>
+          </a:prstGeom>
+          <a:ln w="12700">
+            <a:solidFill>
+              <a:schemeClr val="tx2"/>
+            </a:solidFill>
+            <a:tailEnd type="triangle"/>
+          </a:ln>
+        </p:spPr>
+        <p:style>
+          <a:lnRef idx="1">
+            <a:schemeClr val="accent1"/>
+          </a:lnRef>
+          <a:fillRef idx="0">
+            <a:schemeClr val="accent1"/>
+          </a:fillRef>
+          <a:effectRef idx="0">
+            <a:schemeClr val="accent1"/>
+          </a:effectRef>
+          <a:fontRef idx="minor">
+            <a:schemeClr val="tx1"/>
+          </a:fontRef>
+        </p:style>
+      </p:cxnSp>
+      <p:cxnSp>
+        <p:nvCxnSpPr>
+          <p:cNvPr id="68" name="꺾인 연결선 67"/>
+          <p:cNvCxnSpPr>
+            <a:stCxn id="37" idx="2"/>
+            <a:endCxn id="64" idx="0"/>
+          </p:cNvCxnSpPr>
+          <p:nvPr/>
+        </p:nvCxnSpPr>
+        <p:spPr>
+          <a:xfrm rot="16200000" flipH="1">
+            <a:off x="6507721" y="1390487"/>
+            <a:ext cx="757758" cy="2212791"/>
+          </a:xfrm>
+          <a:prstGeom prst="bentConnector3">
+            <a:avLst>
+              <a:gd name="adj1" fmla="val 50000"/>
+            </a:avLst>
+          </a:prstGeom>
+          <a:ln w="12700">
+            <a:solidFill>
+              <a:schemeClr val="tx2"/>
+            </a:solidFill>
+            <a:tailEnd type="triangle"/>
+          </a:ln>
+        </p:spPr>
+        <p:style>
+          <a:lnRef idx="1">
+            <a:schemeClr val="accent1"/>
+          </a:lnRef>
+          <a:fillRef idx="0">
+            <a:schemeClr val="accent1"/>
+          </a:fillRef>
+          <a:effectRef idx="0">
+            <a:schemeClr val="accent1"/>
+          </a:effectRef>
+          <a:fontRef idx="minor">
+            <a:schemeClr val="tx1"/>
+          </a:fontRef>
+        </p:style>
+      </p:cxnSp>
+      <p:cxnSp>
+        <p:nvCxnSpPr>
+          <p:cNvPr id="71" name="꺾인 연결선 70"/>
+          <p:cNvCxnSpPr>
+            <a:stCxn id="64" idx="2"/>
+            <a:endCxn id="59" idx="0"/>
+          </p:cNvCxnSpPr>
+          <p:nvPr/>
+        </p:nvCxnSpPr>
+        <p:spPr>
+          <a:xfrm>
+            <a:off x="7992996" y="3104362"/>
+            <a:ext cx="0" cy="110552"/>
+          </a:xfrm>
+          <a:prstGeom prst="straightConnector1">
+            <a:avLst/>
+          </a:prstGeom>
+          <a:ln w="12700">
+            <a:solidFill>
+              <a:schemeClr val="tx2"/>
+            </a:solidFill>
+            <a:tailEnd type="triangle"/>
+          </a:ln>
+        </p:spPr>
+        <p:style>
+          <a:lnRef idx="1">
+            <a:schemeClr val="accent1"/>
+          </a:lnRef>
+          <a:fillRef idx="0">
+            <a:schemeClr val="accent1"/>
+          </a:fillRef>
+          <a:effectRef idx="0">
+            <a:schemeClr val="accent1"/>
+          </a:effectRef>
+          <a:fontRef idx="minor">
+            <a:schemeClr val="tx1"/>
+          </a:fontRef>
+        </p:style>
+      </p:cxnSp>
+      <p:cxnSp>
+        <p:nvCxnSpPr>
+          <p:cNvPr id="79" name="꺾인 연결선 70"/>
+          <p:cNvCxnSpPr>
+            <a:stCxn id="63" idx="2"/>
+            <a:endCxn id="43" idx="0"/>
+          </p:cNvCxnSpPr>
+          <p:nvPr/>
+        </p:nvCxnSpPr>
+        <p:spPr>
+          <a:xfrm>
+            <a:off x="3795900" y="3104362"/>
+            <a:ext cx="0" cy="110552"/>
+          </a:xfrm>
+          <a:prstGeom prst="straightConnector1">
+            <a:avLst/>
+          </a:prstGeom>
+          <a:ln w="12700">
+            <a:solidFill>
+              <a:schemeClr val="tx2"/>
+            </a:solidFill>
+            <a:tailEnd type="triangle"/>
+          </a:ln>
+        </p:spPr>
+        <p:style>
+          <a:lnRef idx="1">
+            <a:schemeClr val="accent1"/>
+          </a:lnRef>
+          <a:fillRef idx="0">
+            <a:schemeClr val="accent1"/>
+          </a:fillRef>
+          <a:effectRef idx="0">
+            <a:schemeClr val="accent1"/>
+          </a:effectRef>
+          <a:fontRef idx="minor">
+            <a:schemeClr val="tx1"/>
+          </a:fontRef>
+        </p:style>
+      </p:cxnSp>
+      <p:cxnSp>
+        <p:nvCxnSpPr>
+          <p:cNvPr id="82" name="꺾인 연결선 70"/>
+          <p:cNvCxnSpPr/>
+          <p:nvPr/>
+        </p:nvCxnSpPr>
+        <p:spPr>
+          <a:xfrm>
+            <a:off x="5780205" y="678004"/>
+            <a:ext cx="1" cy="720000"/>
+          </a:xfrm>
+          <a:prstGeom prst="straightConnector1">
+            <a:avLst/>
+          </a:prstGeom>
+          <a:ln w="12700">
+            <a:solidFill>
+              <a:schemeClr val="tx2"/>
+            </a:solidFill>
+            <a:tailEnd type="triangle"/>
+          </a:ln>
+        </p:spPr>
+        <p:style>
+          <a:lnRef idx="1">
+            <a:schemeClr val="accent1"/>
+          </a:lnRef>
+          <a:fillRef idx="0">
+            <a:schemeClr val="accent1"/>
+          </a:fillRef>
+          <a:effectRef idx="0">
+            <a:schemeClr val="accent1"/>
+          </a:effectRef>
+          <a:fontRef idx="minor">
+            <a:schemeClr val="tx1"/>
+          </a:fontRef>
+        </p:style>
+      </p:cxnSp>
+      <p:sp>
+        <p:nvSpPr>
+          <p:cNvPr id="86" name="TextBox 85"/>
+          <p:cNvSpPr txBox="1"/>
+          <p:nvPr/>
+        </p:nvSpPr>
+        <p:spPr>
+          <a:xfrm>
+            <a:off x="5753809" y="884116"/>
+            <a:ext cx="667673" cy="307777"/>
+          </a:xfrm>
+          <a:prstGeom prst="rect">
+            <a:avLst/>
+          </a:prstGeom>
+          <a:noFill/>
+        </p:spPr>
+        <p:txBody>
+          <a:bodyPr wrap="square" rtlCol="0">
+            <a:spAutoFit/>
+          </a:bodyPr>
+          <a:lstStyle/>
+          <a:p>
+            <a:pPr algn="ctr"/>
+            <a:r>
+              <a:rPr lang="ko-KR" altLang="en-US" sz="1400" b="1" dirty="0" smtClean="0">
+                <a:solidFill>
+                  <a:schemeClr val="tx2"/>
+                </a:solidFill>
+              </a:rPr>
+              <a:t>요청</a:t>
+            </a:r>
+            <a:endParaRPr lang="ko-KR" altLang="en-US" sz="1400" b="1" dirty="0">
+              <a:solidFill>
+                <a:schemeClr val="tx2"/>
+              </a:solidFill>
+            </a:endParaRPr>
+          </a:p>
+        </p:txBody>
+      </p:sp>
+      <p:sp>
+        <p:nvSpPr>
+          <p:cNvPr id="87" name="TextBox 86"/>
+          <p:cNvSpPr txBox="1"/>
+          <p:nvPr/>
+        </p:nvSpPr>
+        <p:spPr>
+          <a:xfrm>
+            <a:off x="5753809" y="2189105"/>
+            <a:ext cx="667673" cy="307777"/>
+          </a:xfrm>
+          <a:prstGeom prst="rect">
+            <a:avLst/>
+          </a:prstGeom>
+          <a:noFill/>
+        </p:spPr>
+        <p:txBody>
+          <a:bodyPr wrap="square" rtlCol="0">
+            <a:spAutoFit/>
+          </a:bodyPr>
+          <a:lstStyle/>
+          <a:p>
+            <a:pPr algn="ctr"/>
+            <a:r>
+              <a:rPr lang="ko-KR" altLang="en-US" sz="1400" b="1" dirty="0" smtClean="0">
+                <a:solidFill>
+                  <a:schemeClr val="tx2"/>
+                </a:solidFill>
+              </a:rPr>
+              <a:t>분배</a:t>
+            </a:r>
+            <a:endParaRPr lang="ko-KR" altLang="en-US" sz="1400" b="1" dirty="0">
+              <a:solidFill>
+                <a:schemeClr val="tx2"/>
+              </a:solidFill>
+            </a:endParaRPr>
+          </a:p>
+        </p:txBody>
+      </p:sp>
+      <p:sp>
+        <p:nvSpPr>
+          <p:cNvPr id="88" name="TextBox 87"/>
+          <p:cNvSpPr txBox="1"/>
+          <p:nvPr/>
+        </p:nvSpPr>
+        <p:spPr>
+          <a:xfrm>
+            <a:off x="6043065" y="1613140"/>
+            <a:ext cx="2351742" cy="307777"/>
+          </a:xfrm>
+          <a:prstGeom prst="rect">
+            <a:avLst/>
+          </a:prstGeom>
+          <a:noFill/>
+        </p:spPr>
+        <p:txBody>
+          <a:bodyPr wrap="square" rtlCol="0">
+            <a:spAutoFit/>
+          </a:bodyPr>
+          <a:lstStyle/>
+          <a:p>
+            <a:pPr algn="ctr"/>
+            <a:r>
+              <a:rPr lang="en-US" altLang="ko-KR" sz="1400" b="1" dirty="0" smtClean="0">
+                <a:solidFill>
+                  <a:srgbClr val="326CE5"/>
+                </a:solidFill>
+              </a:rPr>
+              <a:t>Ingress / Load Balancer</a:t>
+            </a:r>
+            <a:endParaRPr lang="ko-KR" altLang="en-US" sz="1400" b="1" dirty="0">
+              <a:solidFill>
+                <a:srgbClr val="326CE5"/>
+              </a:solidFill>
+            </a:endParaRPr>
+          </a:p>
+        </p:txBody>
+      </p:sp>
+      <p:sp>
+        <p:nvSpPr>
+          <p:cNvPr id="89" name="TextBox 88"/>
+          <p:cNvSpPr txBox="1"/>
+          <p:nvPr/>
+        </p:nvSpPr>
+        <p:spPr>
+          <a:xfrm>
+            <a:off x="3124144" y="3896946"/>
+            <a:ext cx="667673" cy="276999"/>
+          </a:xfrm>
+          <a:prstGeom prst="rect">
+            <a:avLst/>
+          </a:prstGeom>
+          <a:noFill/>
+        </p:spPr>
+        <p:txBody>
+          <a:bodyPr wrap="square" rtlCol="0">
+            <a:spAutoFit/>
+          </a:bodyPr>
+          <a:lstStyle/>
+          <a:p>
+            <a:pPr algn="ctr"/>
+            <a:r>
+              <a:rPr lang="ko-KR" altLang="en-US" sz="1200" b="1" dirty="0" smtClean="0">
+                <a:solidFill>
+                  <a:schemeClr val="tx2"/>
+                </a:solidFill>
+              </a:rPr>
+              <a:t>분배</a:t>
+            </a:r>
+            <a:endParaRPr lang="ko-KR" altLang="en-US" sz="1200" b="1" dirty="0">
+              <a:solidFill>
+                <a:schemeClr val="tx2"/>
+              </a:solidFill>
+            </a:endParaRPr>
+          </a:p>
+        </p:txBody>
+      </p:sp>
+      <p:sp>
+        <p:nvSpPr>
+          <p:cNvPr id="90" name="TextBox 89"/>
+          <p:cNvSpPr txBox="1"/>
+          <p:nvPr/>
+        </p:nvSpPr>
+        <p:spPr>
+          <a:xfrm>
+            <a:off x="8013225" y="3896946"/>
+            <a:ext cx="667673" cy="276999"/>
+          </a:xfrm>
+          <a:prstGeom prst="rect">
+            <a:avLst/>
+          </a:prstGeom>
+          <a:noFill/>
+        </p:spPr>
+        <p:txBody>
+          <a:bodyPr wrap="square" rtlCol="0">
+            <a:spAutoFit/>
+          </a:bodyPr>
+          <a:lstStyle/>
+          <a:p>
+            <a:pPr algn="ctr"/>
+            <a:r>
+              <a:rPr lang="ko-KR" altLang="en-US" sz="1200" b="1" dirty="0" smtClean="0">
+                <a:solidFill>
+                  <a:schemeClr val="tx2"/>
+                </a:solidFill>
+              </a:rPr>
+              <a:t>분배</a:t>
+            </a:r>
+            <a:endParaRPr lang="ko-KR" altLang="en-US" sz="1200" b="1" dirty="0">
+              <a:solidFill>
+                <a:schemeClr val="tx2"/>
+              </a:solidFill>
+            </a:endParaRPr>
           </a:p>
         </p:txBody>
       </p:sp>
     </p:spTree>
     <p:extLst>
       <p:ext uri="{BB962C8B-B14F-4D97-AF65-F5344CB8AC3E}">
-        <p14:creationId xmlns:p14="http://schemas.microsoft.com/office/powerpoint/2010/main" val="231320470"/>
+        <p14:creationId xmlns:p14="http://schemas.microsoft.com/office/powerpoint/2010/main" val="1931450392"/>
       </p:ext>
     </p:extLst>
   </p:cSld>

--- a/markdown_image.pptx
+++ b/markdown_image.pptx
@@ -5,14 +5,15 @@
     <p:sldMasterId id="2147483648" r:id="rId1"/>
   </p:sldMasterIdLst>
   <p:notesMasterIdLst>
-    <p:notesMasterId r:id="rId7"/>
+    <p:notesMasterId r:id="rId8"/>
   </p:notesMasterIdLst>
   <p:sldIdLst>
     <p:sldId id="256" r:id="rId2"/>
     <p:sldId id="258" r:id="rId3"/>
     <p:sldId id="259" r:id="rId4"/>
-    <p:sldId id="260" r:id="rId5"/>
-    <p:sldId id="261" r:id="rId6"/>
+    <p:sldId id="262" r:id="rId5"/>
+    <p:sldId id="260" r:id="rId6"/>
+    <p:sldId id="261" r:id="rId7"/>
   </p:sldIdLst>
   <p:sldSz cx="12192000" cy="6858000"/>
   <p:notesSz cx="6858000" cy="9144000"/>
@@ -201,7 +202,7 @@
           <a:p>
             <a:fld id="{06073691-9509-499D-804B-789F8428B2A1}" type="datetimeFigureOut">
               <a:rPr lang="ko-KR" altLang="en-US" smtClean="0"/>
-              <a:t>2022-10-27</a:t>
+              <a:t>2023-01-08</a:t>
             </a:fld>
             <a:endParaRPr lang="ko-KR" altLang="en-US"/>
           </a:p>
@@ -618,7 +619,7 @@
           <a:p>
             <a:fld id="{0EEAD409-0A73-4A8A-B948-17E588047228}" type="slidenum">
               <a:rPr lang="ko-KR" altLang="en-US" smtClean="0"/>
-              <a:t>4</a:t>
+              <a:t>5</a:t>
             </a:fld>
             <a:endParaRPr lang="ko-KR" altLang="en-US"/>
           </a:p>
@@ -768,7 +769,7 @@
           <a:p>
             <a:fld id="{0CB960C3-B77A-4865-944D-F41BAAC8ADB3}" type="datetimeFigureOut">
               <a:rPr lang="ko-KR" altLang="en-US" smtClean="0"/>
-              <a:t>2022-10-27</a:t>
+              <a:t>2023-01-08</a:t>
             </a:fld>
             <a:endParaRPr lang="ko-KR" altLang="en-US"/>
           </a:p>
@@ -938,7 +939,7 @@
           <a:p>
             <a:fld id="{0CB960C3-B77A-4865-944D-F41BAAC8ADB3}" type="datetimeFigureOut">
               <a:rPr lang="ko-KR" altLang="en-US" smtClean="0"/>
-              <a:t>2022-10-27</a:t>
+              <a:t>2023-01-08</a:t>
             </a:fld>
             <a:endParaRPr lang="ko-KR" altLang="en-US"/>
           </a:p>
@@ -1118,7 +1119,7 @@
           <a:p>
             <a:fld id="{0CB960C3-B77A-4865-944D-F41BAAC8ADB3}" type="datetimeFigureOut">
               <a:rPr lang="ko-KR" altLang="en-US" smtClean="0"/>
-              <a:t>2022-10-27</a:t>
+              <a:t>2023-01-08</a:t>
             </a:fld>
             <a:endParaRPr lang="ko-KR" altLang="en-US"/>
           </a:p>
@@ -1288,7 +1289,7 @@
           <a:p>
             <a:fld id="{0CB960C3-B77A-4865-944D-F41BAAC8ADB3}" type="datetimeFigureOut">
               <a:rPr lang="ko-KR" altLang="en-US" smtClean="0"/>
-              <a:t>2022-10-27</a:t>
+              <a:t>2023-01-08</a:t>
             </a:fld>
             <a:endParaRPr lang="ko-KR" altLang="en-US"/>
           </a:p>
@@ -1534,7 +1535,7 @@
           <a:p>
             <a:fld id="{0CB960C3-B77A-4865-944D-F41BAAC8ADB3}" type="datetimeFigureOut">
               <a:rPr lang="ko-KR" altLang="en-US" smtClean="0"/>
-              <a:t>2022-10-27</a:t>
+              <a:t>2023-01-08</a:t>
             </a:fld>
             <a:endParaRPr lang="ko-KR" altLang="en-US"/>
           </a:p>
@@ -1766,7 +1767,7 @@
           <a:p>
             <a:fld id="{0CB960C3-B77A-4865-944D-F41BAAC8ADB3}" type="datetimeFigureOut">
               <a:rPr lang="ko-KR" altLang="en-US" smtClean="0"/>
-              <a:t>2022-10-27</a:t>
+              <a:t>2023-01-08</a:t>
             </a:fld>
             <a:endParaRPr lang="ko-KR" altLang="en-US"/>
           </a:p>
@@ -2133,7 +2134,7 @@
           <a:p>
             <a:fld id="{0CB960C3-B77A-4865-944D-F41BAAC8ADB3}" type="datetimeFigureOut">
               <a:rPr lang="ko-KR" altLang="en-US" smtClean="0"/>
-              <a:t>2022-10-27</a:t>
+              <a:t>2023-01-08</a:t>
             </a:fld>
             <a:endParaRPr lang="ko-KR" altLang="en-US"/>
           </a:p>
@@ -2251,7 +2252,7 @@
           <a:p>
             <a:fld id="{0CB960C3-B77A-4865-944D-F41BAAC8ADB3}" type="datetimeFigureOut">
               <a:rPr lang="ko-KR" altLang="en-US" smtClean="0"/>
-              <a:t>2022-10-27</a:t>
+              <a:t>2023-01-08</a:t>
             </a:fld>
             <a:endParaRPr lang="ko-KR" altLang="en-US"/>
           </a:p>
@@ -2346,7 +2347,7 @@
           <a:p>
             <a:fld id="{0CB960C3-B77A-4865-944D-F41BAAC8ADB3}" type="datetimeFigureOut">
               <a:rPr lang="ko-KR" altLang="en-US" smtClean="0"/>
-              <a:t>2022-10-27</a:t>
+              <a:t>2023-01-08</a:t>
             </a:fld>
             <a:endParaRPr lang="ko-KR" altLang="en-US"/>
           </a:p>
@@ -2623,7 +2624,7 @@
           <a:p>
             <a:fld id="{0CB960C3-B77A-4865-944D-F41BAAC8ADB3}" type="datetimeFigureOut">
               <a:rPr lang="ko-KR" altLang="en-US" smtClean="0"/>
-              <a:t>2022-10-27</a:t>
+              <a:t>2023-01-08</a:t>
             </a:fld>
             <a:endParaRPr lang="ko-KR" altLang="en-US"/>
           </a:p>
@@ -2876,7 +2877,7 @@
           <a:p>
             <a:fld id="{0CB960C3-B77A-4865-944D-F41BAAC8ADB3}" type="datetimeFigureOut">
               <a:rPr lang="ko-KR" altLang="en-US" smtClean="0"/>
-              <a:t>2022-10-27</a:t>
+              <a:t>2023-01-08</a:t>
             </a:fld>
             <a:endParaRPr lang="ko-KR" altLang="en-US"/>
           </a:p>
@@ -3089,7 +3090,7 @@
           <a:p>
             <a:fld id="{0CB960C3-B77A-4865-944D-F41BAAC8ADB3}" type="datetimeFigureOut">
               <a:rPr lang="ko-KR" altLang="en-US" smtClean="0"/>
-              <a:t>2022-10-27</a:t>
+              <a:t>2023-01-08</a:t>
             </a:fld>
             <a:endParaRPr lang="ko-KR" altLang="en-US"/>
           </a:p>
@@ -8843,6 +8844,1383 @@
           <a:chExt cx="0" cy="0"/>
         </a:xfrm>
       </p:grpSpPr>
+      <p:sp>
+        <p:nvSpPr>
+          <p:cNvPr id="4" name="모서리가 둥근 직사각형 3"/>
+          <p:cNvSpPr/>
+          <p:nvPr/>
+        </p:nvSpPr>
+        <p:spPr>
+          <a:xfrm>
+            <a:off x="438150" y="2249732"/>
+            <a:ext cx="5040000" cy="648000"/>
+          </a:xfrm>
+          <a:prstGeom prst="roundRect">
+            <a:avLst/>
+          </a:prstGeom>
+        </p:spPr>
+        <p:style>
+          <a:lnRef idx="2">
+            <a:schemeClr val="accent1">
+              <a:shade val="50000"/>
+            </a:schemeClr>
+          </a:lnRef>
+          <a:fillRef idx="1">
+            <a:schemeClr val="accent1"/>
+          </a:fillRef>
+          <a:effectRef idx="0">
+            <a:schemeClr val="accent1"/>
+          </a:effectRef>
+          <a:fontRef idx="minor">
+            <a:schemeClr val="lt1"/>
+          </a:fontRef>
+        </p:style>
+        <p:txBody>
+          <a:bodyPr lIns="36000" tIns="36000" rIns="36000" bIns="36000" rtlCol="0" anchor="ctr"/>
+          <a:lstStyle/>
+          <a:p>
+            <a:pPr algn="ctr"/>
+            <a:r>
+              <a:rPr lang="en-US" altLang="ko-KR" b="1" dirty="0" smtClean="0"/>
+              <a:t>Docker</a:t>
+            </a:r>
+            <a:br>
+              <a:rPr lang="en-US" altLang="ko-KR" b="1" dirty="0" smtClean="0"/>
+            </a:br>
+            <a:r>
+              <a:rPr lang="en-US" altLang="ko-KR" b="1" dirty="0" smtClean="0"/>
+              <a:t>(Host Machine)</a:t>
+            </a:r>
+            <a:endParaRPr lang="ko-KR" altLang="en-US" b="1" dirty="0"/>
+          </a:p>
+        </p:txBody>
+      </p:sp>
+      <p:sp>
+        <p:nvSpPr>
+          <p:cNvPr id="22" name="모서리가 둥근 직사각형 21"/>
+          <p:cNvSpPr/>
+          <p:nvPr/>
+        </p:nvSpPr>
+        <p:spPr>
+          <a:xfrm>
+            <a:off x="458124" y="1008147"/>
+            <a:ext cx="1416396" cy="431209"/>
+          </a:xfrm>
+          <a:prstGeom prst="roundRect">
+            <a:avLst/>
+          </a:prstGeom>
+          <a:solidFill>
+            <a:schemeClr val="accent1">
+              <a:lumMod val="20000"/>
+              <a:lumOff val="80000"/>
+            </a:schemeClr>
+          </a:solidFill>
+          <a:ln>
+            <a:solidFill>
+              <a:schemeClr val="accent1">
+                <a:lumMod val="60000"/>
+                <a:lumOff val="40000"/>
+              </a:schemeClr>
+            </a:solidFill>
+          </a:ln>
+        </p:spPr>
+        <p:style>
+          <a:lnRef idx="2">
+            <a:schemeClr val="accent1">
+              <a:shade val="50000"/>
+            </a:schemeClr>
+          </a:lnRef>
+          <a:fillRef idx="1">
+            <a:schemeClr val="accent1"/>
+          </a:fillRef>
+          <a:effectRef idx="0">
+            <a:schemeClr val="accent1"/>
+          </a:effectRef>
+          <a:fontRef idx="minor">
+            <a:schemeClr val="lt1"/>
+          </a:fontRef>
+        </p:style>
+        <p:txBody>
+          <a:bodyPr lIns="36000" tIns="36000" rIns="36000" bIns="36000" rtlCol="0" anchor="ctr"/>
+          <a:lstStyle/>
+          <a:p>
+            <a:pPr algn="ctr"/>
+            <a:r>
+              <a:rPr lang="en-US" altLang="ko-KR" sz="1600" b="1" dirty="0" smtClean="0">
+                <a:solidFill>
+                  <a:schemeClr val="tx1"/>
+                </a:solidFill>
+              </a:rPr>
+              <a:t>Container 3</a:t>
+            </a:r>
+            <a:endParaRPr lang="ko-KR" altLang="en-US" sz="1600" b="1" dirty="0">
+              <a:solidFill>
+                <a:schemeClr val="tx1"/>
+              </a:solidFill>
+            </a:endParaRPr>
+          </a:p>
+        </p:txBody>
+      </p:sp>
+      <p:sp>
+        <p:nvSpPr>
+          <p:cNvPr id="23" name="모서리가 둥근 직사각형 22"/>
+          <p:cNvSpPr/>
+          <p:nvPr/>
+        </p:nvSpPr>
+        <p:spPr>
+          <a:xfrm>
+            <a:off x="458124" y="495750"/>
+            <a:ext cx="1416396" cy="431209"/>
+          </a:xfrm>
+          <a:prstGeom prst="roundRect">
+            <a:avLst/>
+          </a:prstGeom>
+          <a:solidFill>
+            <a:schemeClr val="accent1">
+              <a:lumMod val="20000"/>
+              <a:lumOff val="80000"/>
+            </a:schemeClr>
+          </a:solidFill>
+          <a:ln>
+            <a:solidFill>
+              <a:schemeClr val="accent1">
+                <a:lumMod val="60000"/>
+                <a:lumOff val="40000"/>
+              </a:schemeClr>
+            </a:solidFill>
+          </a:ln>
+        </p:spPr>
+        <p:style>
+          <a:lnRef idx="2">
+            <a:schemeClr val="accent1">
+              <a:shade val="50000"/>
+            </a:schemeClr>
+          </a:lnRef>
+          <a:fillRef idx="1">
+            <a:schemeClr val="accent1"/>
+          </a:fillRef>
+          <a:effectRef idx="0">
+            <a:schemeClr val="accent1"/>
+          </a:effectRef>
+          <a:fontRef idx="minor">
+            <a:schemeClr val="lt1"/>
+          </a:fontRef>
+        </p:style>
+        <p:txBody>
+          <a:bodyPr lIns="36000" tIns="36000" rIns="36000" bIns="36000" rtlCol="0" anchor="ctr"/>
+          <a:lstStyle/>
+          <a:p>
+            <a:pPr algn="ctr"/>
+            <a:r>
+              <a:rPr lang="en-US" altLang="ko-KR" sz="1600" b="1" dirty="0" smtClean="0">
+                <a:solidFill>
+                  <a:schemeClr val="tx1"/>
+                </a:solidFill>
+              </a:rPr>
+              <a:t>Container 4</a:t>
+            </a:r>
+            <a:endParaRPr lang="ko-KR" altLang="en-US" sz="1600" b="1" dirty="0">
+              <a:solidFill>
+                <a:schemeClr val="tx1"/>
+              </a:solidFill>
+            </a:endParaRPr>
+          </a:p>
+        </p:txBody>
+      </p:sp>
+      <p:cxnSp>
+        <p:nvCxnSpPr>
+          <p:cNvPr id="25" name="꺾인 연결선 24"/>
+          <p:cNvCxnSpPr>
+            <a:endCxn id="23" idx="3"/>
+          </p:cNvCxnSpPr>
+          <p:nvPr/>
+        </p:nvCxnSpPr>
+        <p:spPr>
+          <a:xfrm rot="16200000" flipV="1">
+            <a:off x="1559259" y="1026617"/>
+            <a:ext cx="804259" cy="173736"/>
+          </a:xfrm>
+          <a:prstGeom prst="bentConnector2">
+            <a:avLst/>
+          </a:prstGeom>
+          <a:ln w="12700">
+            <a:solidFill>
+              <a:srgbClr val="FF0000"/>
+            </a:solidFill>
+            <a:tailEnd type="triangle"/>
+          </a:ln>
+        </p:spPr>
+        <p:style>
+          <a:lnRef idx="1">
+            <a:schemeClr val="accent1"/>
+          </a:lnRef>
+          <a:fillRef idx="0">
+            <a:schemeClr val="accent1"/>
+          </a:fillRef>
+          <a:effectRef idx="0">
+            <a:schemeClr val="accent1"/>
+          </a:effectRef>
+          <a:fontRef idx="minor">
+            <a:schemeClr val="tx1"/>
+          </a:fontRef>
+        </p:style>
+      </p:cxnSp>
+      <p:cxnSp>
+        <p:nvCxnSpPr>
+          <p:cNvPr id="34" name="꺾인 연결선 33"/>
+          <p:cNvCxnSpPr>
+            <a:endCxn id="22" idx="3"/>
+          </p:cNvCxnSpPr>
+          <p:nvPr/>
+        </p:nvCxnSpPr>
+        <p:spPr>
+          <a:xfrm rot="16200000" flipV="1">
+            <a:off x="1815458" y="1282814"/>
+            <a:ext cx="291862" cy="173737"/>
+          </a:xfrm>
+          <a:prstGeom prst="bentConnector2">
+            <a:avLst/>
+          </a:prstGeom>
+          <a:ln w="12700">
+            <a:solidFill>
+              <a:srgbClr val="FF0000"/>
+            </a:solidFill>
+            <a:tailEnd type="triangle"/>
+          </a:ln>
+        </p:spPr>
+        <p:style>
+          <a:lnRef idx="1">
+            <a:schemeClr val="accent1"/>
+          </a:lnRef>
+          <a:fillRef idx="0">
+            <a:schemeClr val="accent1"/>
+          </a:fillRef>
+          <a:effectRef idx="0">
+            <a:schemeClr val="accent1"/>
+          </a:effectRef>
+          <a:fontRef idx="minor">
+            <a:schemeClr val="tx1"/>
+          </a:fontRef>
+        </p:style>
+      </p:cxnSp>
+      <p:sp>
+        <p:nvSpPr>
+          <p:cNvPr id="38" name="TextBox 37"/>
+          <p:cNvSpPr txBox="1"/>
+          <p:nvPr/>
+        </p:nvSpPr>
+        <p:spPr>
+          <a:xfrm>
+            <a:off x="2066106" y="854258"/>
+            <a:ext cx="704088" cy="307777"/>
+          </a:xfrm>
+          <a:prstGeom prst="rect">
+            <a:avLst/>
+          </a:prstGeom>
+          <a:noFill/>
+        </p:spPr>
+        <p:txBody>
+          <a:bodyPr wrap="square" rtlCol="0">
+            <a:spAutoFit/>
+          </a:bodyPr>
+          <a:lstStyle/>
+          <a:p>
+            <a:r>
+              <a:rPr lang="en-US" altLang="ko-KR" sz="1400" dirty="0" smtClean="0">
+                <a:solidFill>
+                  <a:srgbClr val="FF0000"/>
+                </a:solidFill>
+              </a:rPr>
+              <a:t>create</a:t>
+            </a:r>
+            <a:endParaRPr lang="ko-KR" altLang="en-US" sz="1400" dirty="0">
+              <a:solidFill>
+                <a:srgbClr val="FF0000"/>
+              </a:solidFill>
+            </a:endParaRPr>
+          </a:p>
+        </p:txBody>
+      </p:sp>
+      <p:pic>
+        <p:nvPicPr>
+          <p:cNvPr id="39" name="그림 38"/>
+          <p:cNvPicPr>
+            <a:picLocks noChangeAspect="1"/>
+          </p:cNvPicPr>
+          <p:nvPr/>
+        </p:nvPicPr>
+        <p:blipFill>
+          <a:blip r:embed="rId2"/>
+          <a:stretch>
+            <a:fillRect/>
+          </a:stretch>
+        </p:blipFill>
+        <p:spPr>
+          <a:xfrm>
+            <a:off x="394301" y="351121"/>
+            <a:ext cx="360000" cy="258170"/>
+          </a:xfrm>
+          <a:prstGeom prst="rect">
+            <a:avLst/>
+          </a:prstGeom>
+        </p:spPr>
+      </p:pic>
+      <p:pic>
+        <p:nvPicPr>
+          <p:cNvPr id="40" name="그림 39"/>
+          <p:cNvPicPr>
+            <a:picLocks noChangeAspect="1"/>
+          </p:cNvPicPr>
+          <p:nvPr/>
+        </p:nvPicPr>
+        <p:blipFill>
+          <a:blip r:embed="rId2"/>
+          <a:stretch>
+            <a:fillRect/>
+          </a:stretch>
+        </p:blipFill>
+        <p:spPr>
+          <a:xfrm>
+            <a:off x="394301" y="838715"/>
+            <a:ext cx="360000" cy="258170"/>
+          </a:xfrm>
+          <a:prstGeom prst="rect">
+            <a:avLst/>
+          </a:prstGeom>
+        </p:spPr>
+      </p:pic>
+      <p:grpSp>
+        <p:nvGrpSpPr>
+          <p:cNvPr id="62" name="그룹 61"/>
+          <p:cNvGrpSpPr/>
+          <p:nvPr/>
+        </p:nvGrpSpPr>
+        <p:grpSpPr>
+          <a:xfrm>
+            <a:off x="394301" y="1375421"/>
+            <a:ext cx="2023849" cy="793123"/>
+            <a:chOff x="394301" y="1375421"/>
+            <a:chExt cx="2023849" cy="793123"/>
+          </a:xfrm>
+        </p:grpSpPr>
+        <p:sp>
+          <p:nvSpPr>
+            <p:cNvPr id="11" name="모서리가 둥근 직사각형 10"/>
+            <p:cNvSpPr/>
+            <p:nvPr/>
+          </p:nvSpPr>
+          <p:spPr>
+            <a:xfrm>
+              <a:off x="438150" y="1520544"/>
+              <a:ext cx="1980000" cy="648000"/>
+            </a:xfrm>
+            <a:prstGeom prst="roundRect">
+              <a:avLst/>
+            </a:prstGeom>
+            <a:solidFill>
+              <a:schemeClr val="accent5">
+                <a:lumMod val="40000"/>
+                <a:lumOff val="60000"/>
+              </a:schemeClr>
+            </a:solidFill>
+            <a:ln>
+              <a:solidFill>
+                <a:schemeClr val="accent5">
+                  <a:lumMod val="60000"/>
+                  <a:lumOff val="40000"/>
+                </a:schemeClr>
+              </a:solidFill>
+            </a:ln>
+          </p:spPr>
+          <p:style>
+            <a:lnRef idx="2">
+              <a:schemeClr val="accent1">
+                <a:shade val="50000"/>
+              </a:schemeClr>
+            </a:lnRef>
+            <a:fillRef idx="1">
+              <a:schemeClr val="accent1"/>
+            </a:fillRef>
+            <a:effectRef idx="0">
+              <a:schemeClr val="accent1"/>
+            </a:effectRef>
+            <a:fontRef idx="minor">
+              <a:schemeClr val="lt1"/>
+            </a:fontRef>
+          </p:style>
+          <p:txBody>
+            <a:bodyPr lIns="36000" tIns="36000" rIns="36000" bIns="36000" rtlCol="0" anchor="ctr"/>
+            <a:lstStyle/>
+            <a:p>
+              <a:pPr algn="ctr"/>
+              <a:r>
+                <a:rPr lang="en-US" altLang="ko-KR" b="1" dirty="0" smtClean="0">
+                  <a:solidFill>
+                    <a:schemeClr val="tx1"/>
+                  </a:solidFill>
+                </a:rPr>
+                <a:t>Host Container</a:t>
+              </a:r>
+              <a:endParaRPr lang="ko-KR" altLang="en-US" b="1" dirty="0">
+                <a:solidFill>
+                  <a:schemeClr val="tx1"/>
+                </a:solidFill>
+              </a:endParaRPr>
+            </a:p>
+          </p:txBody>
+        </p:sp>
+        <p:pic>
+          <p:nvPicPr>
+            <p:cNvPr id="41" name="그림 40"/>
+            <p:cNvPicPr>
+              <a:picLocks noChangeAspect="1"/>
+            </p:cNvPicPr>
+            <p:nvPr/>
+          </p:nvPicPr>
+          <p:blipFill>
+            <a:blip r:embed="rId2"/>
+            <a:stretch>
+              <a:fillRect/>
+            </a:stretch>
+          </p:blipFill>
+          <p:spPr>
+            <a:xfrm>
+              <a:off x="394301" y="1375421"/>
+              <a:ext cx="360000" cy="258170"/>
+            </a:xfrm>
+            <a:prstGeom prst="rect">
+              <a:avLst/>
+            </a:prstGeom>
+          </p:spPr>
+        </p:pic>
+      </p:grpSp>
+      <p:grpSp>
+        <p:nvGrpSpPr>
+          <p:cNvPr id="61" name="그룹 60"/>
+          <p:cNvGrpSpPr/>
+          <p:nvPr/>
+        </p:nvGrpSpPr>
+        <p:grpSpPr>
+          <a:xfrm>
+            <a:off x="2490150" y="1348400"/>
+            <a:ext cx="1440001" cy="820144"/>
+            <a:chOff x="2490149" y="1348400"/>
+            <a:chExt cx="1440001" cy="820144"/>
+          </a:xfrm>
+        </p:grpSpPr>
+        <p:sp>
+          <p:nvSpPr>
+            <p:cNvPr id="16" name="모서리가 둥근 직사각형 15"/>
+            <p:cNvSpPr/>
+            <p:nvPr/>
+          </p:nvSpPr>
+          <p:spPr>
+            <a:xfrm>
+              <a:off x="2490150" y="1515614"/>
+              <a:ext cx="1440000" cy="652930"/>
+            </a:xfrm>
+            <a:prstGeom prst="roundRect">
+              <a:avLst/>
+            </a:prstGeom>
+            <a:solidFill>
+              <a:schemeClr val="accent1">
+                <a:lumMod val="40000"/>
+                <a:lumOff val="60000"/>
+              </a:schemeClr>
+            </a:solidFill>
+          </p:spPr>
+          <p:style>
+            <a:lnRef idx="2">
+              <a:schemeClr val="accent1">
+                <a:shade val="50000"/>
+              </a:schemeClr>
+            </a:lnRef>
+            <a:fillRef idx="1">
+              <a:schemeClr val="accent1"/>
+            </a:fillRef>
+            <a:effectRef idx="0">
+              <a:schemeClr val="accent1"/>
+            </a:effectRef>
+            <a:fontRef idx="minor">
+              <a:schemeClr val="lt1"/>
+            </a:fontRef>
+          </p:style>
+          <p:txBody>
+            <a:bodyPr lIns="36000" tIns="36000" rIns="36000" bIns="36000" rtlCol="0" anchor="ctr"/>
+            <a:lstStyle/>
+            <a:p>
+              <a:pPr algn="ctr"/>
+              <a:r>
+                <a:rPr lang="en-US" altLang="ko-KR" b="1" dirty="0" smtClean="0">
+                  <a:solidFill>
+                    <a:schemeClr val="tx1"/>
+                  </a:solidFill>
+                </a:rPr>
+                <a:t>Container 1</a:t>
+              </a:r>
+              <a:endParaRPr lang="ko-KR" altLang="en-US" b="1" dirty="0">
+                <a:solidFill>
+                  <a:schemeClr val="tx1"/>
+                </a:solidFill>
+              </a:endParaRPr>
+            </a:p>
+          </p:txBody>
+        </p:sp>
+        <p:pic>
+          <p:nvPicPr>
+            <p:cNvPr id="42" name="그림 41"/>
+            <p:cNvPicPr>
+              <a:picLocks noChangeAspect="1"/>
+            </p:cNvPicPr>
+            <p:nvPr/>
+          </p:nvPicPr>
+          <p:blipFill>
+            <a:blip r:embed="rId2"/>
+            <a:stretch>
+              <a:fillRect/>
+            </a:stretch>
+          </p:blipFill>
+          <p:spPr>
+            <a:xfrm>
+              <a:off x="2490149" y="1348400"/>
+              <a:ext cx="360000" cy="258170"/>
+            </a:xfrm>
+            <a:prstGeom prst="rect">
+              <a:avLst/>
+            </a:prstGeom>
+          </p:spPr>
+        </p:pic>
+      </p:grpSp>
+      <p:grpSp>
+        <p:nvGrpSpPr>
+          <p:cNvPr id="60" name="그룹 59"/>
+          <p:cNvGrpSpPr/>
+          <p:nvPr/>
+        </p:nvGrpSpPr>
+        <p:grpSpPr>
+          <a:xfrm>
+            <a:off x="4002150" y="1348400"/>
+            <a:ext cx="1476000" cy="820144"/>
+            <a:chOff x="4002150" y="1348400"/>
+            <a:chExt cx="1476000" cy="820144"/>
+          </a:xfrm>
+        </p:grpSpPr>
+        <p:sp>
+          <p:nvSpPr>
+            <p:cNvPr id="17" name="모서리가 둥근 직사각형 16"/>
+            <p:cNvSpPr/>
+            <p:nvPr/>
+          </p:nvSpPr>
+          <p:spPr>
+            <a:xfrm>
+              <a:off x="4038150" y="1515614"/>
+              <a:ext cx="1440000" cy="652930"/>
+            </a:xfrm>
+            <a:prstGeom prst="roundRect">
+              <a:avLst/>
+            </a:prstGeom>
+            <a:solidFill>
+              <a:schemeClr val="accent1">
+                <a:lumMod val="40000"/>
+                <a:lumOff val="60000"/>
+              </a:schemeClr>
+            </a:solidFill>
+          </p:spPr>
+          <p:style>
+            <a:lnRef idx="2">
+              <a:schemeClr val="accent1">
+                <a:shade val="50000"/>
+              </a:schemeClr>
+            </a:lnRef>
+            <a:fillRef idx="1">
+              <a:schemeClr val="accent1"/>
+            </a:fillRef>
+            <a:effectRef idx="0">
+              <a:schemeClr val="accent1"/>
+            </a:effectRef>
+            <a:fontRef idx="minor">
+              <a:schemeClr val="lt1"/>
+            </a:fontRef>
+          </p:style>
+          <p:txBody>
+            <a:bodyPr lIns="36000" tIns="36000" rIns="36000" bIns="36000" rtlCol="0" anchor="ctr"/>
+            <a:lstStyle/>
+            <a:p>
+              <a:pPr algn="ctr"/>
+              <a:r>
+                <a:rPr lang="en-US" altLang="ko-KR" b="1" dirty="0" smtClean="0">
+                  <a:solidFill>
+                    <a:schemeClr val="tx1"/>
+                  </a:solidFill>
+                </a:rPr>
+                <a:t>Container 2</a:t>
+              </a:r>
+              <a:endParaRPr lang="ko-KR" altLang="en-US" b="1" dirty="0">
+                <a:solidFill>
+                  <a:schemeClr val="tx1"/>
+                </a:solidFill>
+              </a:endParaRPr>
+            </a:p>
+          </p:txBody>
+        </p:sp>
+        <p:pic>
+          <p:nvPicPr>
+            <p:cNvPr id="43" name="그림 42"/>
+            <p:cNvPicPr>
+              <a:picLocks noChangeAspect="1"/>
+            </p:cNvPicPr>
+            <p:nvPr/>
+          </p:nvPicPr>
+          <p:blipFill>
+            <a:blip r:embed="rId2"/>
+            <a:stretch>
+              <a:fillRect/>
+            </a:stretch>
+          </p:blipFill>
+          <p:spPr>
+            <a:xfrm>
+              <a:off x="4002150" y="1348400"/>
+              <a:ext cx="360000" cy="258170"/>
+            </a:xfrm>
+            <a:prstGeom prst="rect">
+              <a:avLst/>
+            </a:prstGeom>
+          </p:spPr>
+        </p:pic>
+      </p:grpSp>
+      <p:sp>
+        <p:nvSpPr>
+          <p:cNvPr id="44" name="모서리가 둥근 직사각형 43"/>
+          <p:cNvSpPr/>
+          <p:nvPr/>
+        </p:nvSpPr>
+        <p:spPr>
+          <a:xfrm>
+            <a:off x="438150" y="5413556"/>
+            <a:ext cx="8136001" cy="648000"/>
+          </a:xfrm>
+          <a:prstGeom prst="roundRect">
+            <a:avLst/>
+          </a:prstGeom>
+        </p:spPr>
+        <p:style>
+          <a:lnRef idx="2">
+            <a:schemeClr val="accent1">
+              <a:shade val="50000"/>
+            </a:schemeClr>
+          </a:lnRef>
+          <a:fillRef idx="1">
+            <a:schemeClr val="accent1"/>
+          </a:fillRef>
+          <a:effectRef idx="0">
+            <a:schemeClr val="accent1"/>
+          </a:effectRef>
+          <a:fontRef idx="minor">
+            <a:schemeClr val="lt1"/>
+          </a:fontRef>
+        </p:style>
+        <p:txBody>
+          <a:bodyPr lIns="36000" tIns="36000" rIns="36000" bIns="36000" rtlCol="0" anchor="ctr"/>
+          <a:lstStyle/>
+          <a:p>
+            <a:pPr algn="ctr"/>
+            <a:r>
+              <a:rPr lang="en-US" altLang="ko-KR" b="1" dirty="0" smtClean="0"/>
+              <a:t>Docker</a:t>
+            </a:r>
+            <a:br>
+              <a:rPr lang="en-US" altLang="ko-KR" b="1" dirty="0" smtClean="0"/>
+            </a:br>
+            <a:r>
+              <a:rPr lang="en-US" altLang="ko-KR" b="1" dirty="0" smtClean="0"/>
+              <a:t>(Host Machine)</a:t>
+            </a:r>
+            <a:endParaRPr lang="ko-KR" altLang="en-US" b="1" dirty="0"/>
+          </a:p>
+        </p:txBody>
+      </p:sp>
+      <p:grpSp>
+        <p:nvGrpSpPr>
+          <p:cNvPr id="59" name="그룹 58"/>
+          <p:cNvGrpSpPr/>
+          <p:nvPr/>
+        </p:nvGrpSpPr>
+        <p:grpSpPr>
+          <a:xfrm>
+            <a:off x="394301" y="4324751"/>
+            <a:ext cx="2023849" cy="793123"/>
+            <a:chOff x="394301" y="4456949"/>
+            <a:chExt cx="2023849" cy="793123"/>
+          </a:xfrm>
+        </p:grpSpPr>
+        <p:sp>
+          <p:nvSpPr>
+            <p:cNvPr id="45" name="모서리가 둥근 직사각형 44"/>
+            <p:cNvSpPr/>
+            <p:nvPr/>
+          </p:nvSpPr>
+          <p:spPr>
+            <a:xfrm>
+              <a:off x="438150" y="4602072"/>
+              <a:ext cx="1980000" cy="648000"/>
+            </a:xfrm>
+            <a:prstGeom prst="roundRect">
+              <a:avLst/>
+            </a:prstGeom>
+            <a:solidFill>
+              <a:schemeClr val="accent5">
+                <a:lumMod val="40000"/>
+                <a:lumOff val="60000"/>
+              </a:schemeClr>
+            </a:solidFill>
+            <a:ln>
+              <a:solidFill>
+                <a:schemeClr val="accent5">
+                  <a:lumMod val="60000"/>
+                  <a:lumOff val="40000"/>
+                </a:schemeClr>
+              </a:solidFill>
+            </a:ln>
+          </p:spPr>
+          <p:style>
+            <a:lnRef idx="2">
+              <a:schemeClr val="accent1">
+                <a:shade val="50000"/>
+              </a:schemeClr>
+            </a:lnRef>
+            <a:fillRef idx="1">
+              <a:schemeClr val="accent1"/>
+            </a:fillRef>
+            <a:effectRef idx="0">
+              <a:schemeClr val="accent1"/>
+            </a:effectRef>
+            <a:fontRef idx="minor">
+              <a:schemeClr val="lt1"/>
+            </a:fontRef>
+          </p:style>
+          <p:txBody>
+            <a:bodyPr lIns="36000" tIns="36000" rIns="36000" bIns="36000" rtlCol="0" anchor="ctr"/>
+            <a:lstStyle/>
+            <a:p>
+              <a:pPr algn="ctr"/>
+              <a:r>
+                <a:rPr lang="en-US" altLang="ko-KR" b="1" dirty="0" smtClean="0">
+                  <a:solidFill>
+                    <a:schemeClr val="tx1"/>
+                  </a:solidFill>
+                </a:rPr>
+                <a:t>Agent Container</a:t>
+              </a:r>
+              <a:endParaRPr lang="ko-KR" altLang="en-US" b="1" dirty="0">
+                <a:solidFill>
+                  <a:schemeClr val="tx1"/>
+                </a:solidFill>
+              </a:endParaRPr>
+            </a:p>
+          </p:txBody>
+        </p:sp>
+        <p:pic>
+          <p:nvPicPr>
+            <p:cNvPr id="48" name="그림 47"/>
+            <p:cNvPicPr>
+              <a:picLocks noChangeAspect="1"/>
+            </p:cNvPicPr>
+            <p:nvPr/>
+          </p:nvPicPr>
+          <p:blipFill>
+            <a:blip r:embed="rId2"/>
+            <a:stretch>
+              <a:fillRect/>
+            </a:stretch>
+          </p:blipFill>
+          <p:spPr>
+            <a:xfrm>
+              <a:off x="394301" y="4456949"/>
+              <a:ext cx="360000" cy="258170"/>
+            </a:xfrm>
+            <a:prstGeom prst="rect">
+              <a:avLst/>
+            </a:prstGeom>
+          </p:spPr>
+        </p:pic>
+      </p:grpSp>
+      <p:grpSp>
+        <p:nvGrpSpPr>
+          <p:cNvPr id="55" name="그룹 54"/>
+          <p:cNvGrpSpPr/>
+          <p:nvPr/>
+        </p:nvGrpSpPr>
+        <p:grpSpPr>
+          <a:xfrm>
+            <a:off x="2499150" y="4297730"/>
+            <a:ext cx="1440001" cy="820144"/>
+            <a:chOff x="2490149" y="4429928"/>
+            <a:chExt cx="1440001" cy="820144"/>
+          </a:xfrm>
+        </p:grpSpPr>
+        <p:sp>
+          <p:nvSpPr>
+            <p:cNvPr id="46" name="모서리가 둥근 직사각형 45"/>
+            <p:cNvSpPr/>
+            <p:nvPr/>
+          </p:nvSpPr>
+          <p:spPr>
+            <a:xfrm>
+              <a:off x="2490150" y="4597142"/>
+              <a:ext cx="1440000" cy="652930"/>
+            </a:xfrm>
+            <a:prstGeom prst="roundRect">
+              <a:avLst/>
+            </a:prstGeom>
+            <a:solidFill>
+              <a:schemeClr val="accent1">
+                <a:lumMod val="40000"/>
+                <a:lumOff val="60000"/>
+              </a:schemeClr>
+            </a:solidFill>
+          </p:spPr>
+          <p:style>
+            <a:lnRef idx="2">
+              <a:schemeClr val="accent1">
+                <a:shade val="50000"/>
+              </a:schemeClr>
+            </a:lnRef>
+            <a:fillRef idx="1">
+              <a:schemeClr val="accent1"/>
+            </a:fillRef>
+            <a:effectRef idx="0">
+              <a:schemeClr val="accent1"/>
+            </a:effectRef>
+            <a:fontRef idx="minor">
+              <a:schemeClr val="lt1"/>
+            </a:fontRef>
+          </p:style>
+          <p:txBody>
+            <a:bodyPr lIns="36000" tIns="36000" rIns="36000" bIns="36000" rtlCol="0" anchor="ctr"/>
+            <a:lstStyle/>
+            <a:p>
+              <a:pPr algn="ctr"/>
+              <a:r>
+                <a:rPr lang="en-US" altLang="ko-KR" b="1" dirty="0" smtClean="0">
+                  <a:solidFill>
+                    <a:schemeClr val="tx1"/>
+                  </a:solidFill>
+                </a:rPr>
+                <a:t>Container 3</a:t>
+              </a:r>
+              <a:endParaRPr lang="ko-KR" altLang="en-US" b="1" dirty="0">
+                <a:solidFill>
+                  <a:schemeClr val="tx1"/>
+                </a:solidFill>
+              </a:endParaRPr>
+            </a:p>
+          </p:txBody>
+        </p:sp>
+        <p:pic>
+          <p:nvPicPr>
+            <p:cNvPr id="49" name="그림 48"/>
+            <p:cNvPicPr>
+              <a:picLocks noChangeAspect="1"/>
+            </p:cNvPicPr>
+            <p:nvPr/>
+          </p:nvPicPr>
+          <p:blipFill>
+            <a:blip r:embed="rId2"/>
+            <a:stretch>
+              <a:fillRect/>
+            </a:stretch>
+          </p:blipFill>
+          <p:spPr>
+            <a:xfrm>
+              <a:off x="2490149" y="4429928"/>
+              <a:ext cx="360000" cy="258170"/>
+            </a:xfrm>
+            <a:prstGeom prst="rect">
+              <a:avLst/>
+            </a:prstGeom>
+          </p:spPr>
+        </p:pic>
+      </p:grpSp>
+      <p:grpSp>
+        <p:nvGrpSpPr>
+          <p:cNvPr id="56" name="그룹 55"/>
+          <p:cNvGrpSpPr/>
+          <p:nvPr/>
+        </p:nvGrpSpPr>
+        <p:grpSpPr>
+          <a:xfrm>
+            <a:off x="4020151" y="4297730"/>
+            <a:ext cx="1476000" cy="820144"/>
+            <a:chOff x="4002150" y="4429928"/>
+            <a:chExt cx="1476000" cy="820144"/>
+          </a:xfrm>
+        </p:grpSpPr>
+        <p:sp>
+          <p:nvSpPr>
+            <p:cNvPr id="47" name="모서리가 둥근 직사각형 46"/>
+            <p:cNvSpPr/>
+            <p:nvPr/>
+          </p:nvSpPr>
+          <p:spPr>
+            <a:xfrm>
+              <a:off x="4038150" y="4597142"/>
+              <a:ext cx="1440000" cy="652930"/>
+            </a:xfrm>
+            <a:prstGeom prst="roundRect">
+              <a:avLst/>
+            </a:prstGeom>
+            <a:solidFill>
+              <a:schemeClr val="accent1">
+                <a:lumMod val="40000"/>
+                <a:lumOff val="60000"/>
+              </a:schemeClr>
+            </a:solidFill>
+          </p:spPr>
+          <p:style>
+            <a:lnRef idx="2">
+              <a:schemeClr val="accent1">
+                <a:shade val="50000"/>
+              </a:schemeClr>
+            </a:lnRef>
+            <a:fillRef idx="1">
+              <a:schemeClr val="accent1"/>
+            </a:fillRef>
+            <a:effectRef idx="0">
+              <a:schemeClr val="accent1"/>
+            </a:effectRef>
+            <a:fontRef idx="minor">
+              <a:schemeClr val="lt1"/>
+            </a:fontRef>
+          </p:style>
+          <p:txBody>
+            <a:bodyPr lIns="36000" tIns="36000" rIns="36000" bIns="36000" rtlCol="0" anchor="ctr"/>
+            <a:lstStyle/>
+            <a:p>
+              <a:pPr algn="ctr"/>
+              <a:r>
+                <a:rPr lang="en-US" altLang="ko-KR" b="1" dirty="0" smtClean="0">
+                  <a:solidFill>
+                    <a:schemeClr val="tx1"/>
+                  </a:solidFill>
+                </a:rPr>
+                <a:t>Container 4</a:t>
+              </a:r>
+              <a:endParaRPr lang="ko-KR" altLang="en-US" b="1" dirty="0">
+                <a:solidFill>
+                  <a:schemeClr val="tx1"/>
+                </a:solidFill>
+              </a:endParaRPr>
+            </a:p>
+          </p:txBody>
+        </p:sp>
+        <p:pic>
+          <p:nvPicPr>
+            <p:cNvPr id="50" name="그림 49"/>
+            <p:cNvPicPr>
+              <a:picLocks noChangeAspect="1"/>
+            </p:cNvPicPr>
+            <p:nvPr/>
+          </p:nvPicPr>
+          <p:blipFill>
+            <a:blip r:embed="rId2"/>
+            <a:stretch>
+              <a:fillRect/>
+            </a:stretch>
+          </p:blipFill>
+          <p:spPr>
+            <a:xfrm>
+              <a:off x="4002150" y="4429928"/>
+              <a:ext cx="360000" cy="258170"/>
+            </a:xfrm>
+            <a:prstGeom prst="rect">
+              <a:avLst/>
+            </a:prstGeom>
+          </p:spPr>
+        </p:pic>
+      </p:grpSp>
+      <p:grpSp>
+        <p:nvGrpSpPr>
+          <p:cNvPr id="57" name="그룹 56"/>
+          <p:cNvGrpSpPr/>
+          <p:nvPr/>
+        </p:nvGrpSpPr>
+        <p:grpSpPr>
+          <a:xfrm>
+            <a:off x="5577151" y="4297730"/>
+            <a:ext cx="1440001" cy="820144"/>
+            <a:chOff x="5586150" y="4429928"/>
+            <a:chExt cx="1440001" cy="820144"/>
+          </a:xfrm>
+        </p:grpSpPr>
+        <p:sp>
+          <p:nvSpPr>
+            <p:cNvPr id="51" name="모서리가 둥근 직사각형 50"/>
+            <p:cNvSpPr/>
+            <p:nvPr/>
+          </p:nvSpPr>
+          <p:spPr>
+            <a:xfrm>
+              <a:off x="5586151" y="4597142"/>
+              <a:ext cx="1440000" cy="652930"/>
+            </a:xfrm>
+            <a:prstGeom prst="roundRect">
+              <a:avLst/>
+            </a:prstGeom>
+            <a:solidFill>
+              <a:schemeClr val="accent1">
+                <a:lumMod val="40000"/>
+                <a:lumOff val="60000"/>
+              </a:schemeClr>
+            </a:solidFill>
+          </p:spPr>
+          <p:style>
+            <a:lnRef idx="2">
+              <a:schemeClr val="accent1">
+                <a:shade val="50000"/>
+              </a:schemeClr>
+            </a:lnRef>
+            <a:fillRef idx="1">
+              <a:schemeClr val="accent1"/>
+            </a:fillRef>
+            <a:effectRef idx="0">
+              <a:schemeClr val="accent1"/>
+            </a:effectRef>
+            <a:fontRef idx="minor">
+              <a:schemeClr val="lt1"/>
+            </a:fontRef>
+          </p:style>
+          <p:txBody>
+            <a:bodyPr lIns="36000" tIns="36000" rIns="36000" bIns="36000" rtlCol="0" anchor="ctr"/>
+            <a:lstStyle/>
+            <a:p>
+              <a:pPr algn="ctr"/>
+              <a:r>
+                <a:rPr lang="en-US" altLang="ko-KR" b="1" dirty="0" smtClean="0">
+                  <a:solidFill>
+                    <a:schemeClr val="tx1"/>
+                  </a:solidFill>
+                </a:rPr>
+                <a:t>Container 1</a:t>
+              </a:r>
+              <a:endParaRPr lang="ko-KR" altLang="en-US" b="1" dirty="0">
+                <a:solidFill>
+                  <a:schemeClr val="tx1"/>
+                </a:solidFill>
+              </a:endParaRPr>
+            </a:p>
+          </p:txBody>
+        </p:sp>
+        <p:pic>
+          <p:nvPicPr>
+            <p:cNvPr id="53" name="그림 52"/>
+            <p:cNvPicPr>
+              <a:picLocks noChangeAspect="1"/>
+            </p:cNvPicPr>
+            <p:nvPr/>
+          </p:nvPicPr>
+          <p:blipFill>
+            <a:blip r:embed="rId2"/>
+            <a:stretch>
+              <a:fillRect/>
+            </a:stretch>
+          </p:blipFill>
+          <p:spPr>
+            <a:xfrm>
+              <a:off x="5586150" y="4429928"/>
+              <a:ext cx="360000" cy="258170"/>
+            </a:xfrm>
+            <a:prstGeom prst="rect">
+              <a:avLst/>
+            </a:prstGeom>
+          </p:spPr>
+        </p:pic>
+      </p:grpSp>
+      <p:grpSp>
+        <p:nvGrpSpPr>
+          <p:cNvPr id="58" name="그룹 57"/>
+          <p:cNvGrpSpPr/>
+          <p:nvPr/>
+        </p:nvGrpSpPr>
+        <p:grpSpPr>
+          <a:xfrm>
+            <a:off x="7098151" y="4297730"/>
+            <a:ext cx="1476000" cy="820144"/>
+            <a:chOff x="7098151" y="4429928"/>
+            <a:chExt cx="1476000" cy="820144"/>
+          </a:xfrm>
+        </p:grpSpPr>
+        <p:sp>
+          <p:nvSpPr>
+            <p:cNvPr id="52" name="모서리가 둥근 직사각형 51"/>
+            <p:cNvSpPr/>
+            <p:nvPr/>
+          </p:nvSpPr>
+          <p:spPr>
+            <a:xfrm>
+              <a:off x="7134151" y="4597142"/>
+              <a:ext cx="1440000" cy="652930"/>
+            </a:xfrm>
+            <a:prstGeom prst="roundRect">
+              <a:avLst/>
+            </a:prstGeom>
+            <a:solidFill>
+              <a:schemeClr val="accent1">
+                <a:lumMod val="40000"/>
+                <a:lumOff val="60000"/>
+              </a:schemeClr>
+            </a:solidFill>
+          </p:spPr>
+          <p:style>
+            <a:lnRef idx="2">
+              <a:schemeClr val="accent1">
+                <a:shade val="50000"/>
+              </a:schemeClr>
+            </a:lnRef>
+            <a:fillRef idx="1">
+              <a:schemeClr val="accent1"/>
+            </a:fillRef>
+            <a:effectRef idx="0">
+              <a:schemeClr val="accent1"/>
+            </a:effectRef>
+            <a:fontRef idx="minor">
+              <a:schemeClr val="lt1"/>
+            </a:fontRef>
+          </p:style>
+          <p:txBody>
+            <a:bodyPr lIns="36000" tIns="36000" rIns="36000" bIns="36000" rtlCol="0" anchor="ctr"/>
+            <a:lstStyle/>
+            <a:p>
+              <a:pPr algn="ctr"/>
+              <a:r>
+                <a:rPr lang="en-US" altLang="ko-KR" b="1" dirty="0" smtClean="0">
+                  <a:solidFill>
+                    <a:schemeClr val="tx1"/>
+                  </a:solidFill>
+                </a:rPr>
+                <a:t>Container 2</a:t>
+              </a:r>
+              <a:endParaRPr lang="ko-KR" altLang="en-US" b="1" dirty="0">
+                <a:solidFill>
+                  <a:schemeClr val="tx1"/>
+                </a:solidFill>
+              </a:endParaRPr>
+            </a:p>
+          </p:txBody>
+        </p:sp>
+        <p:pic>
+          <p:nvPicPr>
+            <p:cNvPr id="54" name="그림 53"/>
+            <p:cNvPicPr>
+              <a:picLocks noChangeAspect="1"/>
+            </p:cNvPicPr>
+            <p:nvPr/>
+          </p:nvPicPr>
+          <p:blipFill>
+            <a:blip r:embed="rId2"/>
+            <a:stretch>
+              <a:fillRect/>
+            </a:stretch>
+          </p:blipFill>
+          <p:spPr>
+            <a:xfrm>
+              <a:off x="7098151" y="4429928"/>
+              <a:ext cx="360000" cy="258170"/>
+            </a:xfrm>
+            <a:prstGeom prst="rect">
+              <a:avLst/>
+            </a:prstGeom>
+          </p:spPr>
+        </p:pic>
+      </p:grpSp>
+      <p:cxnSp>
+        <p:nvCxnSpPr>
+          <p:cNvPr id="73" name="직선 화살표 연결선 72"/>
+          <p:cNvCxnSpPr>
+            <a:stCxn id="45" idx="2"/>
+          </p:cNvCxnSpPr>
+          <p:nvPr/>
+        </p:nvCxnSpPr>
+        <p:spPr>
+          <a:xfrm>
+            <a:off x="1428150" y="5117874"/>
+            <a:ext cx="1790701" cy="268250"/>
+          </a:xfrm>
+          <a:prstGeom prst="straightConnector1">
+            <a:avLst/>
+          </a:prstGeom>
+          <a:ln w="12700">
+            <a:solidFill>
+              <a:srgbClr val="FF0000"/>
+            </a:solidFill>
+            <a:tailEnd type="triangle"/>
+          </a:ln>
+        </p:spPr>
+        <p:style>
+          <a:lnRef idx="1">
+            <a:schemeClr val="accent1"/>
+          </a:lnRef>
+          <a:fillRef idx="0">
+            <a:schemeClr val="accent1"/>
+          </a:fillRef>
+          <a:effectRef idx="0">
+            <a:schemeClr val="accent1"/>
+          </a:effectRef>
+          <a:fontRef idx="minor">
+            <a:schemeClr val="tx1"/>
+          </a:fontRef>
+        </p:style>
+      </p:cxnSp>
+      <p:cxnSp>
+        <p:nvCxnSpPr>
+          <p:cNvPr id="74" name="직선 화살표 연결선 73"/>
+          <p:cNvCxnSpPr>
+            <a:endCxn id="46" idx="2"/>
+          </p:cNvCxnSpPr>
+          <p:nvPr/>
+        </p:nvCxnSpPr>
+        <p:spPr>
+          <a:xfrm flipV="1">
+            <a:off x="3218851" y="5117874"/>
+            <a:ext cx="300" cy="288000"/>
+          </a:xfrm>
+          <a:prstGeom prst="straightConnector1">
+            <a:avLst/>
+          </a:prstGeom>
+          <a:ln w="12700">
+            <a:solidFill>
+              <a:srgbClr val="FF0000"/>
+            </a:solidFill>
+            <a:tailEnd type="triangle"/>
+          </a:ln>
+        </p:spPr>
+        <p:style>
+          <a:lnRef idx="1">
+            <a:schemeClr val="accent1"/>
+          </a:lnRef>
+          <a:fillRef idx="0">
+            <a:schemeClr val="accent1"/>
+          </a:fillRef>
+          <a:effectRef idx="0">
+            <a:schemeClr val="accent1"/>
+          </a:effectRef>
+          <a:fontRef idx="minor">
+            <a:schemeClr val="tx1"/>
+          </a:fontRef>
+        </p:style>
+      </p:cxnSp>
+      <p:cxnSp>
+        <p:nvCxnSpPr>
+          <p:cNvPr id="77" name="직선 화살표 연결선 76"/>
+          <p:cNvCxnSpPr>
+            <a:endCxn id="47" idx="2"/>
+          </p:cNvCxnSpPr>
+          <p:nvPr/>
+        </p:nvCxnSpPr>
+        <p:spPr>
+          <a:xfrm flipV="1">
+            <a:off x="4776151" y="5117873"/>
+            <a:ext cx="0" cy="288000"/>
+          </a:xfrm>
+          <a:prstGeom prst="straightConnector1">
+            <a:avLst/>
+          </a:prstGeom>
+          <a:ln w="12700">
+            <a:solidFill>
+              <a:srgbClr val="FF0000"/>
+            </a:solidFill>
+            <a:tailEnd type="triangle"/>
+          </a:ln>
+        </p:spPr>
+        <p:style>
+          <a:lnRef idx="1">
+            <a:schemeClr val="accent1"/>
+          </a:lnRef>
+          <a:fillRef idx="0">
+            <a:schemeClr val="accent1"/>
+          </a:fillRef>
+          <a:effectRef idx="0">
+            <a:schemeClr val="accent1"/>
+          </a:effectRef>
+          <a:fontRef idx="minor">
+            <a:schemeClr val="tx1"/>
+          </a:fontRef>
+        </p:style>
+      </p:cxnSp>
+      <p:sp>
+        <p:nvSpPr>
+          <p:cNvPr id="81" name="TextBox 80"/>
+          <p:cNvSpPr txBox="1"/>
+          <p:nvPr/>
+        </p:nvSpPr>
+        <p:spPr>
+          <a:xfrm>
+            <a:off x="3645307" y="5122105"/>
+            <a:ext cx="704088" cy="307777"/>
+          </a:xfrm>
+          <a:prstGeom prst="rect">
+            <a:avLst/>
+          </a:prstGeom>
+          <a:noFill/>
+        </p:spPr>
+        <p:txBody>
+          <a:bodyPr wrap="square" rtlCol="0">
+            <a:spAutoFit/>
+          </a:bodyPr>
+          <a:lstStyle/>
+          <a:p>
+            <a:r>
+              <a:rPr lang="en-US" altLang="ko-KR" sz="1400" dirty="0" smtClean="0">
+                <a:solidFill>
+                  <a:srgbClr val="FF0000"/>
+                </a:solidFill>
+              </a:rPr>
+              <a:t>create</a:t>
+            </a:r>
+            <a:endParaRPr lang="ko-KR" altLang="en-US" sz="1400" dirty="0">
+              <a:solidFill>
+                <a:srgbClr val="FF0000"/>
+              </a:solidFill>
+            </a:endParaRPr>
+          </a:p>
+        </p:txBody>
+      </p:sp>
+    </p:spTree>
+    <p:extLst>
+      <p:ext uri="{BB962C8B-B14F-4D97-AF65-F5344CB8AC3E}">
+        <p14:creationId xmlns:p14="http://schemas.microsoft.com/office/powerpoint/2010/main" val="2291894328"/>
+      </p:ext>
+    </p:extLst>
+  </p:cSld>
+  <p:clrMapOvr>
+    <a:masterClrMapping/>
+  </p:clrMapOvr>
+  <p:timing>
+    <p:tnLst>
+      <p:par>
+        <p:cTn id="1" dur="indefinite" restart="never" nodeType="tmRoot"/>
+      </p:par>
+    </p:tnLst>
+  </p:timing>
+</p:sld>
+</file>
+
+<file path=ppt/slides/slide5.xml><?xml version="1.0" encoding="utf-8"?>
+<p:sld xmlns:a="http://schemas.openxmlformats.org/drawingml/2006/main" xmlns:r="http://schemas.openxmlformats.org/officeDocument/2006/relationships" xmlns:p="http://schemas.openxmlformats.org/presentationml/2006/main">
+  <p:cSld>
+    <p:spTree>
+      <p:nvGrpSpPr>
+        <p:cNvPr id="1" name=""/>
+        <p:cNvGrpSpPr/>
+        <p:nvPr/>
+      </p:nvGrpSpPr>
+      <p:grpSpPr>
+        <a:xfrm>
+          <a:off x="0" y="0"/>
+          <a:ext cx="0" cy="0"/>
+          <a:chOff x="0" y="0"/>
+          <a:chExt cx="0" cy="0"/>
+        </a:xfrm>
+      </p:grpSpPr>
       <p:grpSp>
         <p:nvGrpSpPr>
           <p:cNvPr id="48" name="그룹 47"/>
@@ -10046,7 +11424,7 @@
 </p:sld>
 </file>
 
-<file path=ppt/slides/slide5.xml><?xml version="1.0" encoding="utf-8"?>
+<file path=ppt/slides/slide6.xml><?xml version="1.0" encoding="utf-8"?>
 <p:sld xmlns:a="http://schemas.openxmlformats.org/drawingml/2006/main" xmlns:r="http://schemas.openxmlformats.org/officeDocument/2006/relationships" xmlns:p="http://schemas.openxmlformats.org/presentationml/2006/main">
   <p:cSld>
     <p:spTree>

--- a/markdown_image.pptx
+++ b/markdown_image.pptx
@@ -5,15 +5,17 @@
     <p:sldMasterId id="2147483648" r:id="rId1"/>
   </p:sldMasterIdLst>
   <p:notesMasterIdLst>
-    <p:notesMasterId r:id="rId8"/>
+    <p:notesMasterId r:id="rId10"/>
   </p:notesMasterIdLst>
   <p:sldIdLst>
     <p:sldId id="256" r:id="rId2"/>
     <p:sldId id="258" r:id="rId3"/>
     <p:sldId id="259" r:id="rId4"/>
     <p:sldId id="262" r:id="rId5"/>
-    <p:sldId id="260" r:id="rId6"/>
-    <p:sldId id="261" r:id="rId7"/>
+    <p:sldId id="263" r:id="rId6"/>
+    <p:sldId id="264" r:id="rId7"/>
+    <p:sldId id="260" r:id="rId8"/>
+    <p:sldId id="261" r:id="rId9"/>
   </p:sldIdLst>
   <p:sldSz cx="12192000" cy="6858000"/>
   <p:notesSz cx="6858000" cy="9144000"/>
@@ -202,7 +204,7 @@
           <a:p>
             <a:fld id="{06073691-9509-499D-804B-789F8428B2A1}" type="datetimeFigureOut">
               <a:rPr lang="ko-KR" altLang="en-US" smtClean="0"/>
-              <a:t>2023-01-08</a:t>
+              <a:t>2023-02-19</a:t>
             </a:fld>
             <a:endParaRPr lang="ko-KR" altLang="en-US"/>
           </a:p>
@@ -619,7 +621,7 @@
           <a:p>
             <a:fld id="{0EEAD409-0A73-4A8A-B948-17E588047228}" type="slidenum">
               <a:rPr lang="ko-KR" altLang="en-US" smtClean="0"/>
-              <a:t>5</a:t>
+              <a:t>7</a:t>
             </a:fld>
             <a:endParaRPr lang="ko-KR" altLang="en-US"/>
           </a:p>
@@ -769,7 +771,7 @@
           <a:p>
             <a:fld id="{0CB960C3-B77A-4865-944D-F41BAAC8ADB3}" type="datetimeFigureOut">
               <a:rPr lang="ko-KR" altLang="en-US" smtClean="0"/>
-              <a:t>2023-01-08</a:t>
+              <a:t>2023-02-19</a:t>
             </a:fld>
             <a:endParaRPr lang="ko-KR" altLang="en-US"/>
           </a:p>
@@ -939,7 +941,7 @@
           <a:p>
             <a:fld id="{0CB960C3-B77A-4865-944D-F41BAAC8ADB3}" type="datetimeFigureOut">
               <a:rPr lang="ko-KR" altLang="en-US" smtClean="0"/>
-              <a:t>2023-01-08</a:t>
+              <a:t>2023-02-19</a:t>
             </a:fld>
             <a:endParaRPr lang="ko-KR" altLang="en-US"/>
           </a:p>
@@ -1119,7 +1121,7 @@
           <a:p>
             <a:fld id="{0CB960C3-B77A-4865-944D-F41BAAC8ADB3}" type="datetimeFigureOut">
               <a:rPr lang="ko-KR" altLang="en-US" smtClean="0"/>
-              <a:t>2023-01-08</a:t>
+              <a:t>2023-02-19</a:t>
             </a:fld>
             <a:endParaRPr lang="ko-KR" altLang="en-US"/>
           </a:p>
@@ -1289,7 +1291,7 @@
           <a:p>
             <a:fld id="{0CB960C3-B77A-4865-944D-F41BAAC8ADB3}" type="datetimeFigureOut">
               <a:rPr lang="ko-KR" altLang="en-US" smtClean="0"/>
-              <a:t>2023-01-08</a:t>
+              <a:t>2023-02-19</a:t>
             </a:fld>
             <a:endParaRPr lang="ko-KR" altLang="en-US"/>
           </a:p>
@@ -1535,7 +1537,7 @@
           <a:p>
             <a:fld id="{0CB960C3-B77A-4865-944D-F41BAAC8ADB3}" type="datetimeFigureOut">
               <a:rPr lang="ko-KR" altLang="en-US" smtClean="0"/>
-              <a:t>2023-01-08</a:t>
+              <a:t>2023-02-19</a:t>
             </a:fld>
             <a:endParaRPr lang="ko-KR" altLang="en-US"/>
           </a:p>
@@ -1767,7 +1769,7 @@
           <a:p>
             <a:fld id="{0CB960C3-B77A-4865-944D-F41BAAC8ADB3}" type="datetimeFigureOut">
               <a:rPr lang="ko-KR" altLang="en-US" smtClean="0"/>
-              <a:t>2023-01-08</a:t>
+              <a:t>2023-02-19</a:t>
             </a:fld>
             <a:endParaRPr lang="ko-KR" altLang="en-US"/>
           </a:p>
@@ -2134,7 +2136,7 @@
           <a:p>
             <a:fld id="{0CB960C3-B77A-4865-944D-F41BAAC8ADB3}" type="datetimeFigureOut">
               <a:rPr lang="ko-KR" altLang="en-US" smtClean="0"/>
-              <a:t>2023-01-08</a:t>
+              <a:t>2023-02-19</a:t>
             </a:fld>
             <a:endParaRPr lang="ko-KR" altLang="en-US"/>
           </a:p>
@@ -2252,7 +2254,7 @@
           <a:p>
             <a:fld id="{0CB960C3-B77A-4865-944D-F41BAAC8ADB3}" type="datetimeFigureOut">
               <a:rPr lang="ko-KR" altLang="en-US" smtClean="0"/>
-              <a:t>2023-01-08</a:t>
+              <a:t>2023-02-19</a:t>
             </a:fld>
             <a:endParaRPr lang="ko-KR" altLang="en-US"/>
           </a:p>
@@ -2347,7 +2349,7 @@
           <a:p>
             <a:fld id="{0CB960C3-B77A-4865-944D-F41BAAC8ADB3}" type="datetimeFigureOut">
               <a:rPr lang="ko-KR" altLang="en-US" smtClean="0"/>
-              <a:t>2023-01-08</a:t>
+              <a:t>2023-02-19</a:t>
             </a:fld>
             <a:endParaRPr lang="ko-KR" altLang="en-US"/>
           </a:p>
@@ -2624,7 +2626,7 @@
           <a:p>
             <a:fld id="{0CB960C3-B77A-4865-944D-F41BAAC8ADB3}" type="datetimeFigureOut">
               <a:rPr lang="ko-KR" altLang="en-US" smtClean="0"/>
-              <a:t>2023-01-08</a:t>
+              <a:t>2023-02-19</a:t>
             </a:fld>
             <a:endParaRPr lang="ko-KR" altLang="en-US"/>
           </a:p>
@@ -2877,7 +2879,7 @@
           <a:p>
             <a:fld id="{0CB960C3-B77A-4865-944D-F41BAAC8ADB3}" type="datetimeFigureOut">
               <a:rPr lang="ko-KR" altLang="en-US" smtClean="0"/>
-              <a:t>2023-01-08</a:t>
+              <a:t>2023-02-19</a:t>
             </a:fld>
             <a:endParaRPr lang="ko-KR" altLang="en-US"/>
           </a:p>
@@ -3090,7 +3092,7 @@
           <a:p>
             <a:fld id="{0CB960C3-B77A-4865-944D-F41BAAC8ADB3}" type="datetimeFigureOut">
               <a:rPr lang="ko-KR" altLang="en-US" smtClean="0"/>
-              <a:t>2023-01-08</a:t>
+              <a:t>2023-02-19</a:t>
             </a:fld>
             <a:endParaRPr lang="ko-KR" altLang="en-US"/>
           </a:p>
@@ -10221,6 +10223,2776 @@
           <a:chExt cx="0" cy="0"/>
         </a:xfrm>
       </p:grpSpPr>
+      <p:sp>
+        <p:nvSpPr>
+          <p:cNvPr id="15" name="AutoShape 2" descr="Docker Container Icon #346708 - Free Icons Library"/>
+          <p:cNvSpPr>
+            <a:spLocks noChangeAspect="1" noChangeArrowheads="1"/>
+          </p:cNvSpPr>
+          <p:nvPr/>
+        </p:nvSpPr>
+        <p:spPr bwMode="auto">
+          <a:xfrm>
+            <a:off x="155575" y="-144463"/>
+            <a:ext cx="304800" cy="304801"/>
+          </a:xfrm>
+          <a:prstGeom prst="rect">
+            <a:avLst/>
+          </a:prstGeom>
+          <a:noFill/>
+          <a:extLst>
+            <a:ext uri="{909E8E84-426E-40DD-AFC4-6F175D3DCCD1}">
+              <a14:hiddenFill xmlns:a14="http://schemas.microsoft.com/office/drawing/2010/main">
+                <a:solidFill>
+                  <a:srgbClr val="FFFFFF"/>
+                </a:solidFill>
+              </a14:hiddenFill>
+            </a:ext>
+          </a:extLst>
+        </p:spPr>
+        <p:txBody>
+          <a:bodyPr vert="horz" wrap="square" lIns="91440" tIns="45720" rIns="91440" bIns="45720" numCol="1" anchor="t" anchorCtr="0" compatLnSpc="1">
+            <a:prstTxWarp prst="textNoShape">
+              <a:avLst/>
+            </a:prstTxWarp>
+          </a:bodyPr>
+          <a:lstStyle/>
+          <a:p>
+            <a:endParaRPr lang="ko-KR" altLang="en-US"/>
+          </a:p>
+        </p:txBody>
+      </p:sp>
+      <p:grpSp>
+        <p:nvGrpSpPr>
+          <p:cNvPr id="18" name="그룹 17"/>
+          <p:cNvGrpSpPr/>
+          <p:nvPr/>
+        </p:nvGrpSpPr>
+        <p:grpSpPr>
+          <a:xfrm>
+            <a:off x="582259" y="188331"/>
+            <a:ext cx="9348083" cy="6480000"/>
+            <a:chOff x="610251" y="249712"/>
+            <a:chExt cx="9348083" cy="6480000"/>
+          </a:xfrm>
+        </p:grpSpPr>
+        <p:sp>
+          <p:nvSpPr>
+            <p:cNvPr id="4" name="모서리가 둥근 직사각형 3"/>
+            <p:cNvSpPr/>
+            <p:nvPr/>
+          </p:nvSpPr>
+          <p:spPr>
+            <a:xfrm>
+              <a:off x="1138334" y="249712"/>
+              <a:ext cx="8820000" cy="6480000"/>
+            </a:xfrm>
+            <a:prstGeom prst="roundRect">
+              <a:avLst/>
+            </a:prstGeom>
+            <a:noFill/>
+            <a:ln w="19050">
+              <a:solidFill>
+                <a:schemeClr val="accent1"/>
+              </a:solidFill>
+            </a:ln>
+          </p:spPr>
+          <p:style>
+            <a:lnRef idx="2">
+              <a:schemeClr val="accent1">
+                <a:shade val="50000"/>
+              </a:schemeClr>
+            </a:lnRef>
+            <a:fillRef idx="1">
+              <a:schemeClr val="accent1"/>
+            </a:fillRef>
+            <a:effectRef idx="0">
+              <a:schemeClr val="accent1"/>
+            </a:effectRef>
+            <a:fontRef idx="minor">
+              <a:schemeClr val="lt1"/>
+            </a:fontRef>
+          </p:style>
+          <p:txBody>
+            <a:bodyPr lIns="36000" tIns="36000" rIns="36000" bIns="36000" rtlCol="0" anchor="b"/>
+            <a:lstStyle/>
+            <a:p>
+              <a:pPr algn="ctr"/>
+              <a:r>
+                <a:rPr lang="en-US" altLang="ko-KR" b="1" dirty="0" smtClean="0">
+                  <a:solidFill>
+                    <a:schemeClr val="tx1"/>
+                  </a:solidFill>
+                </a:rPr>
+                <a:t>Host Machine</a:t>
+              </a:r>
+              <a:endParaRPr lang="ko-KR" altLang="en-US" b="1" dirty="0">
+                <a:solidFill>
+                  <a:schemeClr val="tx1"/>
+                </a:solidFill>
+              </a:endParaRPr>
+            </a:p>
+          </p:txBody>
+        </p:sp>
+        <p:grpSp>
+          <p:nvGrpSpPr>
+            <p:cNvPr id="7" name="그룹 6"/>
+            <p:cNvGrpSpPr/>
+            <p:nvPr/>
+          </p:nvGrpSpPr>
+          <p:grpSpPr>
+            <a:xfrm>
+              <a:off x="1932766" y="4601376"/>
+              <a:ext cx="7463504" cy="1228534"/>
+              <a:chOff x="3750315" y="5178490"/>
+              <a:chExt cx="7463504" cy="1228534"/>
+            </a:xfrm>
+          </p:grpSpPr>
+          <p:grpSp>
+            <p:nvGrpSpPr>
+              <p:cNvPr id="3" name="그룹 2"/>
+              <p:cNvGrpSpPr/>
+              <p:nvPr/>
+            </p:nvGrpSpPr>
+            <p:grpSpPr>
+              <a:xfrm>
+                <a:off x="3750315" y="5188525"/>
+                <a:ext cx="1925912" cy="1208465"/>
+                <a:chOff x="186021" y="4761497"/>
+                <a:chExt cx="1925912" cy="1208465"/>
+              </a:xfrm>
+            </p:grpSpPr>
+            <p:pic>
+              <p:nvPicPr>
+                <p:cNvPr id="63" name="그림 62"/>
+                <p:cNvPicPr>
+                  <a:picLocks/>
+                </p:cNvPicPr>
+                <p:nvPr/>
+              </p:nvPicPr>
+              <p:blipFill>
+                <a:blip r:embed="rId2"/>
+                <a:stretch>
+                  <a:fillRect/>
+                </a:stretch>
+              </p:blipFill>
+              <p:spPr>
+                <a:xfrm>
+                  <a:off x="742424" y="4761497"/>
+                  <a:ext cx="900000" cy="648000"/>
+                </a:xfrm>
+                <a:prstGeom prst="rect">
+                  <a:avLst/>
+                </a:prstGeom>
+              </p:spPr>
+            </p:pic>
+            <p:sp>
+              <p:nvSpPr>
+                <p:cNvPr id="64" name="TextBox 63"/>
+                <p:cNvSpPr txBox="1"/>
+                <p:nvPr/>
+              </p:nvSpPr>
+              <p:spPr>
+                <a:xfrm>
+                  <a:off x="186021" y="5409497"/>
+                  <a:ext cx="1925912" cy="560465"/>
+                </a:xfrm>
+                <a:prstGeom prst="rect">
+                  <a:avLst/>
+                </a:prstGeom>
+                <a:noFill/>
+              </p:spPr>
+              <p:txBody>
+                <a:bodyPr wrap="square" lIns="36000" tIns="36000" rIns="36000" bIns="36000" rtlCol="0">
+                  <a:spAutoFit/>
+                </a:bodyPr>
+                <a:lstStyle/>
+                <a:p>
+                  <a:pPr algn="ctr">
+                    <a:lnSpc>
+                      <a:spcPct val="110000"/>
+                    </a:lnSpc>
+                  </a:pPr>
+                  <a:r>
+                    <a:rPr lang="en-US" altLang="ko-KR" sz="1600" b="1" dirty="0" smtClean="0"/>
+                    <a:t>Docker Client</a:t>
+                  </a:r>
+                  <a:br>
+                    <a:rPr lang="en-US" altLang="ko-KR" sz="1600" b="1" dirty="0" smtClean="0"/>
+                  </a:br>
+                  <a:r>
+                    <a:rPr lang="en-US" altLang="ko-KR" sz="1400" b="1" dirty="0" smtClean="0">
+                      <a:solidFill>
+                        <a:schemeClr val="tx1">
+                          <a:lumMod val="50000"/>
+                          <a:lumOff val="50000"/>
+                        </a:schemeClr>
+                      </a:solidFill>
+                    </a:rPr>
+                    <a:t>/</a:t>
+                  </a:r>
+                  <a:r>
+                    <a:rPr lang="en-US" altLang="ko-KR" sz="1400" b="1" dirty="0" err="1" smtClean="0">
+                      <a:solidFill>
+                        <a:schemeClr val="tx1">
+                          <a:lumMod val="50000"/>
+                          <a:lumOff val="50000"/>
+                        </a:schemeClr>
+                      </a:solidFill>
+                    </a:rPr>
+                    <a:t>usr</a:t>
+                  </a:r>
+                  <a:r>
+                    <a:rPr lang="en-US" altLang="ko-KR" sz="1400" b="1" dirty="0" smtClean="0">
+                      <a:solidFill>
+                        <a:schemeClr val="tx1">
+                          <a:lumMod val="50000"/>
+                          <a:lumOff val="50000"/>
+                        </a:schemeClr>
+                      </a:solidFill>
+                    </a:rPr>
+                    <a:t>/bin/</a:t>
+                  </a:r>
+                  <a:r>
+                    <a:rPr lang="en-US" altLang="ko-KR" sz="1400" b="1" dirty="0" err="1" smtClean="0">
+                      <a:solidFill>
+                        <a:schemeClr val="tx1">
+                          <a:lumMod val="50000"/>
+                          <a:lumOff val="50000"/>
+                        </a:schemeClr>
+                      </a:solidFill>
+                    </a:rPr>
+                    <a:t>docker</a:t>
+                  </a:r>
+                  <a:endParaRPr lang="ko-KR" altLang="en-US" sz="1400" b="1" dirty="0">
+                    <a:solidFill>
+                      <a:schemeClr val="tx1">
+                        <a:lumMod val="50000"/>
+                        <a:lumOff val="50000"/>
+                      </a:schemeClr>
+                    </a:solidFill>
+                  </a:endParaRPr>
+                </a:p>
+              </p:txBody>
+            </p:sp>
+          </p:grpSp>
+          <p:grpSp>
+            <p:nvGrpSpPr>
+              <p:cNvPr id="5" name="그룹 4"/>
+              <p:cNvGrpSpPr/>
+              <p:nvPr/>
+            </p:nvGrpSpPr>
+            <p:grpSpPr>
+              <a:xfrm>
+                <a:off x="6519111" y="5178490"/>
+                <a:ext cx="1925912" cy="1228534"/>
+                <a:chOff x="2911370" y="4761497"/>
+                <a:chExt cx="1925912" cy="1228534"/>
+              </a:xfrm>
+            </p:grpSpPr>
+            <p:pic>
+              <p:nvPicPr>
+                <p:cNvPr id="65" name="그림 64"/>
+                <p:cNvPicPr>
+                  <a:picLocks/>
+                </p:cNvPicPr>
+                <p:nvPr/>
+              </p:nvPicPr>
+              <p:blipFill>
+                <a:blip r:embed="rId2"/>
+                <a:stretch>
+                  <a:fillRect/>
+                </a:stretch>
+              </p:blipFill>
+              <p:spPr>
+                <a:xfrm>
+                  <a:off x="3467773" y="4761497"/>
+                  <a:ext cx="900000" cy="648000"/>
+                </a:xfrm>
+                <a:prstGeom prst="rect">
+                  <a:avLst/>
+                </a:prstGeom>
+              </p:spPr>
+            </p:pic>
+            <p:sp>
+              <p:nvSpPr>
+                <p:cNvPr id="66" name="TextBox 65"/>
+                <p:cNvSpPr txBox="1"/>
+                <p:nvPr/>
+              </p:nvSpPr>
+              <p:spPr>
+                <a:xfrm>
+                  <a:off x="2911370" y="5409497"/>
+                  <a:ext cx="1925912" cy="580534"/>
+                </a:xfrm>
+                <a:prstGeom prst="rect">
+                  <a:avLst/>
+                </a:prstGeom>
+                <a:noFill/>
+              </p:spPr>
+              <p:txBody>
+                <a:bodyPr wrap="square" lIns="36000" tIns="36000" rIns="36000" bIns="36000" rtlCol="0">
+                  <a:spAutoFit/>
+                </a:bodyPr>
+                <a:lstStyle/>
+                <a:p>
+                  <a:pPr algn="ctr">
+                    <a:lnSpc>
+                      <a:spcPct val="110000"/>
+                    </a:lnSpc>
+                  </a:pPr>
+                  <a:r>
+                    <a:rPr lang="en-US" altLang="ko-KR" sz="1600" b="1" dirty="0" smtClean="0"/>
+                    <a:t>Docker Socket</a:t>
+                  </a:r>
+                  <a:br>
+                    <a:rPr lang="en-US" altLang="ko-KR" sz="1600" b="1" dirty="0" smtClean="0"/>
+                  </a:br>
+                  <a:r>
+                    <a:rPr lang="en-US" altLang="ko-KR" sz="1400" b="1" dirty="0" smtClean="0">
+                      <a:solidFill>
+                        <a:schemeClr val="tx1">
+                          <a:lumMod val="50000"/>
+                          <a:lumOff val="50000"/>
+                        </a:schemeClr>
+                      </a:solidFill>
+                    </a:rPr>
+                    <a:t>/</a:t>
+                  </a:r>
+                  <a:r>
+                    <a:rPr lang="en-US" altLang="ko-KR" sz="1400" b="1" dirty="0" err="1" smtClean="0">
+                      <a:solidFill>
+                        <a:schemeClr val="tx1">
+                          <a:lumMod val="50000"/>
+                          <a:lumOff val="50000"/>
+                        </a:schemeClr>
+                      </a:solidFill>
+                    </a:rPr>
+                    <a:t>var</a:t>
+                  </a:r>
+                  <a:r>
+                    <a:rPr lang="en-US" altLang="ko-KR" sz="1400" b="1" dirty="0" smtClean="0">
+                      <a:solidFill>
+                        <a:schemeClr val="tx1">
+                          <a:lumMod val="50000"/>
+                          <a:lumOff val="50000"/>
+                        </a:schemeClr>
+                      </a:solidFill>
+                    </a:rPr>
+                    <a:t>/run/</a:t>
+                  </a:r>
+                  <a:r>
+                    <a:rPr lang="en-US" altLang="ko-KR" sz="1400" b="1" dirty="0" err="1" smtClean="0">
+                      <a:solidFill>
+                        <a:schemeClr val="tx1">
+                          <a:lumMod val="50000"/>
+                          <a:lumOff val="50000"/>
+                        </a:schemeClr>
+                      </a:solidFill>
+                    </a:rPr>
+                    <a:t>docker</a:t>
+                  </a:r>
+                  <a:r>
+                    <a:rPr lang="en-US" altLang="ko-KR" sz="1400" b="1" dirty="0" err="1" smtClean="0">
+                      <a:solidFill>
+                        <a:schemeClr val="tx1">
+                          <a:lumMod val="50000"/>
+                          <a:lumOff val="50000"/>
+                        </a:schemeClr>
+                      </a:solidFill>
+                    </a:rPr>
+                    <a:t>.sock</a:t>
+                  </a:r>
+                  <a:endParaRPr lang="ko-KR" altLang="en-US" sz="1400" b="1" dirty="0">
+                    <a:solidFill>
+                      <a:schemeClr val="tx1">
+                        <a:lumMod val="50000"/>
+                        <a:lumOff val="50000"/>
+                      </a:schemeClr>
+                    </a:solidFill>
+                  </a:endParaRPr>
+                </a:p>
+              </p:txBody>
+            </p:sp>
+          </p:grpSp>
+          <p:grpSp>
+            <p:nvGrpSpPr>
+              <p:cNvPr id="6" name="그룹 5"/>
+              <p:cNvGrpSpPr/>
+              <p:nvPr/>
+            </p:nvGrpSpPr>
+            <p:grpSpPr>
+              <a:xfrm>
+                <a:off x="9287907" y="5178490"/>
+                <a:ext cx="1925912" cy="1228534"/>
+                <a:chOff x="5723613" y="4761497"/>
+                <a:chExt cx="1925912" cy="1228534"/>
+              </a:xfrm>
+            </p:grpSpPr>
+            <p:pic>
+              <p:nvPicPr>
+                <p:cNvPr id="67" name="그림 66"/>
+                <p:cNvPicPr>
+                  <a:picLocks/>
+                </p:cNvPicPr>
+                <p:nvPr/>
+              </p:nvPicPr>
+              <p:blipFill>
+                <a:blip r:embed="rId2"/>
+                <a:stretch>
+                  <a:fillRect/>
+                </a:stretch>
+              </p:blipFill>
+              <p:spPr>
+                <a:xfrm>
+                  <a:off x="6280016" y="4761497"/>
+                  <a:ext cx="900000" cy="648000"/>
+                </a:xfrm>
+                <a:prstGeom prst="rect">
+                  <a:avLst/>
+                </a:prstGeom>
+              </p:spPr>
+            </p:pic>
+            <p:sp>
+              <p:nvSpPr>
+                <p:cNvPr id="68" name="TextBox 67"/>
+                <p:cNvSpPr txBox="1"/>
+                <p:nvPr/>
+              </p:nvSpPr>
+              <p:spPr>
+                <a:xfrm>
+                  <a:off x="5723613" y="5409497"/>
+                  <a:ext cx="1925912" cy="580534"/>
+                </a:xfrm>
+                <a:prstGeom prst="rect">
+                  <a:avLst/>
+                </a:prstGeom>
+                <a:noFill/>
+              </p:spPr>
+              <p:txBody>
+                <a:bodyPr wrap="square" lIns="36000" tIns="36000" rIns="36000" bIns="36000" rtlCol="0">
+                  <a:spAutoFit/>
+                </a:bodyPr>
+                <a:lstStyle/>
+                <a:p>
+                  <a:pPr algn="ctr">
+                    <a:lnSpc>
+                      <a:spcPct val="110000"/>
+                    </a:lnSpc>
+                  </a:pPr>
+                  <a:r>
+                    <a:rPr lang="en-US" altLang="ko-KR" sz="1600" b="1" dirty="0" smtClean="0"/>
+                    <a:t>Docker </a:t>
+                  </a:r>
+                  <a:r>
+                    <a:rPr lang="en-US" altLang="ko-KR" sz="1600" b="1" dirty="0" smtClean="0"/>
+                    <a:t>Daemon</a:t>
+                  </a:r>
+                  <a:r>
+                    <a:rPr lang="en-US" altLang="ko-KR" sz="1600" b="1" dirty="0" smtClean="0"/>
+                    <a:t/>
+                  </a:r>
+                  <a:br>
+                    <a:rPr lang="en-US" altLang="ko-KR" sz="1600" b="1" dirty="0" smtClean="0"/>
+                  </a:br>
+                  <a:r>
+                    <a:rPr lang="en-US" altLang="ko-KR" sz="1400" b="1" dirty="0" smtClean="0">
+                      <a:solidFill>
+                        <a:schemeClr val="tx1">
+                          <a:lumMod val="50000"/>
+                          <a:lumOff val="50000"/>
+                        </a:schemeClr>
+                      </a:solidFill>
+                    </a:rPr>
+                    <a:t>/</a:t>
+                  </a:r>
+                  <a:r>
+                    <a:rPr lang="en-US" altLang="ko-KR" sz="1400" b="1" dirty="0" err="1" smtClean="0">
+                      <a:solidFill>
+                        <a:schemeClr val="tx1">
+                          <a:lumMod val="50000"/>
+                          <a:lumOff val="50000"/>
+                        </a:schemeClr>
+                      </a:solidFill>
+                    </a:rPr>
+                    <a:t>usr</a:t>
+                  </a:r>
+                  <a:r>
+                    <a:rPr lang="en-US" altLang="ko-KR" sz="1400" b="1" dirty="0" smtClean="0">
+                      <a:solidFill>
+                        <a:schemeClr val="tx1">
+                          <a:lumMod val="50000"/>
+                          <a:lumOff val="50000"/>
+                        </a:schemeClr>
+                      </a:solidFill>
+                    </a:rPr>
+                    <a:t>/bin/</a:t>
+                  </a:r>
+                  <a:r>
+                    <a:rPr lang="en-US" altLang="ko-KR" sz="1400" b="1" dirty="0" err="1" smtClean="0">
+                      <a:solidFill>
+                        <a:schemeClr val="tx1">
+                          <a:lumMod val="50000"/>
+                          <a:lumOff val="50000"/>
+                        </a:schemeClr>
+                      </a:solidFill>
+                    </a:rPr>
+                    <a:t>dockerd</a:t>
+                  </a:r>
+                  <a:endParaRPr lang="ko-KR" altLang="en-US" sz="1400" b="1" dirty="0">
+                    <a:solidFill>
+                      <a:schemeClr val="tx1">
+                        <a:lumMod val="50000"/>
+                        <a:lumOff val="50000"/>
+                      </a:schemeClr>
+                    </a:solidFill>
+                  </a:endParaRPr>
+                </a:p>
+              </p:txBody>
+            </p:sp>
+          </p:grpSp>
+          <p:sp>
+            <p:nvSpPr>
+              <p:cNvPr id="69" name="오른쪽 화살표 68"/>
+              <p:cNvSpPr/>
+              <p:nvPr/>
+            </p:nvSpPr>
+            <p:spPr>
+              <a:xfrm>
+                <a:off x="5737669" y="5612757"/>
+                <a:ext cx="720000" cy="360000"/>
+              </a:xfrm>
+              <a:prstGeom prst="rightArrow">
+                <a:avLst/>
+              </a:prstGeom>
+              <a:solidFill>
+                <a:schemeClr val="tx2"/>
+              </a:solidFill>
+              <a:ln>
+                <a:noFill/>
+              </a:ln>
+              <a:effectLst>
+                <a:outerShdw blurRad="50800" dist="38100" dir="2700000" algn="tl" rotWithShape="0">
+                  <a:prstClr val="black">
+                    <a:alpha val="40000"/>
+                  </a:prstClr>
+                </a:outerShdw>
+              </a:effectLst>
+            </p:spPr>
+            <p:style>
+              <a:lnRef idx="2">
+                <a:schemeClr val="accent1">
+                  <a:shade val="50000"/>
+                </a:schemeClr>
+              </a:lnRef>
+              <a:fillRef idx="1">
+                <a:schemeClr val="accent1"/>
+              </a:fillRef>
+              <a:effectRef idx="0">
+                <a:schemeClr val="accent1"/>
+              </a:effectRef>
+              <a:fontRef idx="minor">
+                <a:schemeClr val="lt1"/>
+              </a:fontRef>
+            </p:style>
+            <p:txBody>
+              <a:bodyPr rtlCol="0" anchor="ctr"/>
+              <a:lstStyle/>
+              <a:p>
+                <a:pPr algn="ctr"/>
+                <a:endParaRPr lang="ko-KR" altLang="en-US"/>
+              </a:p>
+            </p:txBody>
+          </p:sp>
+          <p:sp>
+            <p:nvSpPr>
+              <p:cNvPr id="70" name="오른쪽 화살표 69"/>
+              <p:cNvSpPr/>
+              <p:nvPr/>
+            </p:nvSpPr>
+            <p:spPr>
+              <a:xfrm>
+                <a:off x="8506465" y="5612757"/>
+                <a:ext cx="720000" cy="360000"/>
+              </a:xfrm>
+              <a:prstGeom prst="rightArrow">
+                <a:avLst/>
+              </a:prstGeom>
+              <a:solidFill>
+                <a:schemeClr val="tx2"/>
+              </a:solidFill>
+              <a:ln>
+                <a:noFill/>
+              </a:ln>
+              <a:effectLst>
+                <a:outerShdw blurRad="50800" dist="38100" dir="2700000" algn="tl" rotWithShape="0">
+                  <a:prstClr val="black">
+                    <a:alpha val="40000"/>
+                  </a:prstClr>
+                </a:outerShdw>
+              </a:effectLst>
+            </p:spPr>
+            <p:style>
+              <a:lnRef idx="2">
+                <a:schemeClr val="accent1">
+                  <a:shade val="50000"/>
+                </a:schemeClr>
+              </a:lnRef>
+              <a:fillRef idx="1">
+                <a:schemeClr val="accent1"/>
+              </a:fillRef>
+              <a:effectRef idx="0">
+                <a:schemeClr val="accent1"/>
+              </a:effectRef>
+              <a:fontRef idx="minor">
+                <a:schemeClr val="lt1"/>
+              </a:fontRef>
+            </p:style>
+            <p:txBody>
+              <a:bodyPr rtlCol="0" anchor="ctr"/>
+              <a:lstStyle/>
+              <a:p>
+                <a:pPr algn="ctr"/>
+                <a:endParaRPr lang="ko-KR" altLang="en-US"/>
+              </a:p>
+            </p:txBody>
+          </p:sp>
+        </p:grpSp>
+        <p:grpSp>
+          <p:nvGrpSpPr>
+            <p:cNvPr id="10" name="그룹 9"/>
+            <p:cNvGrpSpPr/>
+            <p:nvPr/>
+          </p:nvGrpSpPr>
+          <p:grpSpPr>
+            <a:xfrm>
+              <a:off x="1489967" y="1814099"/>
+              <a:ext cx="8116735" cy="2301100"/>
+              <a:chOff x="3331925" y="1490111"/>
+              <a:chExt cx="8116735" cy="2301100"/>
+            </a:xfrm>
+          </p:grpSpPr>
+          <p:sp>
+            <p:nvSpPr>
+              <p:cNvPr id="71" name="모서리가 둥근 직사각형 70"/>
+              <p:cNvSpPr/>
+              <p:nvPr/>
+            </p:nvSpPr>
+            <p:spPr>
+              <a:xfrm>
+                <a:off x="3564293" y="1811211"/>
+                <a:ext cx="7884367" cy="1980000"/>
+              </a:xfrm>
+              <a:prstGeom prst="roundRect">
+                <a:avLst/>
+              </a:prstGeom>
+              <a:noFill/>
+              <a:ln w="19050">
+                <a:solidFill>
+                  <a:srgbClr val="C00000"/>
+                </a:solidFill>
+              </a:ln>
+            </p:spPr>
+            <p:style>
+              <a:lnRef idx="2">
+                <a:schemeClr val="accent1">
+                  <a:shade val="50000"/>
+                </a:schemeClr>
+              </a:lnRef>
+              <a:fillRef idx="1">
+                <a:schemeClr val="accent1"/>
+              </a:fillRef>
+              <a:effectRef idx="0">
+                <a:schemeClr val="accent1"/>
+              </a:effectRef>
+              <a:fontRef idx="minor">
+                <a:schemeClr val="lt1"/>
+              </a:fontRef>
+            </p:style>
+            <p:txBody>
+              <a:bodyPr lIns="36000" tIns="36000" rIns="36000" bIns="36000" rtlCol="0" anchor="t"/>
+              <a:lstStyle/>
+              <a:p>
+                <a:pPr algn="ctr"/>
+                <a:r>
+                  <a:rPr lang="en-US" altLang="ko-KR" b="1" dirty="0" smtClean="0">
+                    <a:solidFill>
+                      <a:schemeClr val="tx1"/>
+                    </a:solidFill>
+                  </a:rPr>
+                  <a:t>Jenkins Container</a:t>
+                </a:r>
+                <a:endParaRPr lang="ko-KR" altLang="en-US" b="1" dirty="0">
+                  <a:solidFill>
+                    <a:schemeClr val="tx1"/>
+                  </a:solidFill>
+                </a:endParaRPr>
+              </a:p>
+            </p:txBody>
+          </p:sp>
+          <p:grpSp>
+            <p:nvGrpSpPr>
+              <p:cNvPr id="72" name="그룹 71"/>
+              <p:cNvGrpSpPr/>
+              <p:nvPr/>
+            </p:nvGrpSpPr>
+            <p:grpSpPr>
+              <a:xfrm>
+                <a:off x="3774724" y="2371457"/>
+                <a:ext cx="7463504" cy="1228534"/>
+                <a:chOff x="3750315" y="5178490"/>
+                <a:chExt cx="7463504" cy="1228534"/>
+              </a:xfrm>
+            </p:grpSpPr>
+            <p:grpSp>
+              <p:nvGrpSpPr>
+                <p:cNvPr id="75" name="그룹 74"/>
+                <p:cNvGrpSpPr/>
+                <p:nvPr/>
+              </p:nvGrpSpPr>
+              <p:grpSpPr>
+                <a:xfrm>
+                  <a:off x="3750315" y="5188525"/>
+                  <a:ext cx="1925912" cy="1208465"/>
+                  <a:chOff x="186021" y="4761497"/>
+                  <a:chExt cx="1925912" cy="1208465"/>
+                </a:xfrm>
+              </p:grpSpPr>
+              <p:pic>
+                <p:nvPicPr>
+                  <p:cNvPr id="86" name="그림 85"/>
+                  <p:cNvPicPr>
+                    <a:picLocks/>
+                  </p:cNvPicPr>
+                  <p:nvPr/>
+                </p:nvPicPr>
+                <p:blipFill>
+                  <a:blip r:embed="rId2"/>
+                  <a:stretch>
+                    <a:fillRect/>
+                  </a:stretch>
+                </p:blipFill>
+                <p:spPr>
+                  <a:xfrm>
+                    <a:off x="742424" y="4761497"/>
+                    <a:ext cx="900000" cy="648000"/>
+                  </a:xfrm>
+                  <a:prstGeom prst="rect">
+                    <a:avLst/>
+                  </a:prstGeom>
+                </p:spPr>
+              </p:pic>
+              <p:sp>
+                <p:nvSpPr>
+                  <p:cNvPr id="87" name="TextBox 86"/>
+                  <p:cNvSpPr txBox="1"/>
+                  <p:nvPr/>
+                </p:nvSpPr>
+                <p:spPr>
+                  <a:xfrm>
+                    <a:off x="186021" y="5409497"/>
+                    <a:ext cx="1925912" cy="560465"/>
+                  </a:xfrm>
+                  <a:prstGeom prst="rect">
+                    <a:avLst/>
+                  </a:prstGeom>
+                  <a:noFill/>
+                </p:spPr>
+                <p:txBody>
+                  <a:bodyPr wrap="square" lIns="36000" tIns="36000" rIns="36000" bIns="36000" rtlCol="0">
+                    <a:spAutoFit/>
+                  </a:bodyPr>
+                  <a:lstStyle/>
+                  <a:p>
+                    <a:pPr algn="ctr">
+                      <a:lnSpc>
+                        <a:spcPct val="110000"/>
+                      </a:lnSpc>
+                    </a:pPr>
+                    <a:r>
+                      <a:rPr lang="en-US" altLang="ko-KR" sz="1600" b="1" dirty="0" smtClean="0"/>
+                      <a:t>Docker Client</a:t>
+                    </a:r>
+                    <a:br>
+                      <a:rPr lang="en-US" altLang="ko-KR" sz="1600" b="1" dirty="0" smtClean="0"/>
+                    </a:br>
+                    <a:r>
+                      <a:rPr lang="en-US" altLang="ko-KR" sz="1400" b="1" dirty="0" smtClean="0">
+                        <a:solidFill>
+                          <a:schemeClr val="tx1">
+                            <a:lumMod val="50000"/>
+                            <a:lumOff val="50000"/>
+                          </a:schemeClr>
+                        </a:solidFill>
+                      </a:rPr>
+                      <a:t>/</a:t>
+                    </a:r>
+                    <a:r>
+                      <a:rPr lang="en-US" altLang="ko-KR" sz="1400" b="1" dirty="0" err="1" smtClean="0">
+                        <a:solidFill>
+                          <a:schemeClr val="tx1">
+                            <a:lumMod val="50000"/>
+                            <a:lumOff val="50000"/>
+                          </a:schemeClr>
+                        </a:solidFill>
+                      </a:rPr>
+                      <a:t>usr</a:t>
+                    </a:r>
+                    <a:r>
+                      <a:rPr lang="en-US" altLang="ko-KR" sz="1400" b="1" dirty="0" smtClean="0">
+                        <a:solidFill>
+                          <a:schemeClr val="tx1">
+                            <a:lumMod val="50000"/>
+                            <a:lumOff val="50000"/>
+                          </a:schemeClr>
+                        </a:solidFill>
+                      </a:rPr>
+                      <a:t>/bin/</a:t>
+                    </a:r>
+                    <a:r>
+                      <a:rPr lang="en-US" altLang="ko-KR" sz="1400" b="1" dirty="0" err="1" smtClean="0">
+                        <a:solidFill>
+                          <a:schemeClr val="tx1">
+                            <a:lumMod val="50000"/>
+                            <a:lumOff val="50000"/>
+                          </a:schemeClr>
+                        </a:solidFill>
+                      </a:rPr>
+                      <a:t>docker</a:t>
+                    </a:r>
+                    <a:endParaRPr lang="ko-KR" altLang="en-US" sz="1400" b="1" dirty="0">
+                      <a:solidFill>
+                        <a:schemeClr val="tx1">
+                          <a:lumMod val="50000"/>
+                          <a:lumOff val="50000"/>
+                        </a:schemeClr>
+                      </a:solidFill>
+                    </a:endParaRPr>
+                  </a:p>
+                </p:txBody>
+              </p:sp>
+            </p:grpSp>
+            <p:grpSp>
+              <p:nvGrpSpPr>
+                <p:cNvPr id="76" name="그룹 75"/>
+                <p:cNvGrpSpPr/>
+                <p:nvPr/>
+              </p:nvGrpSpPr>
+              <p:grpSpPr>
+                <a:xfrm>
+                  <a:off x="6519111" y="5178490"/>
+                  <a:ext cx="1925912" cy="1228534"/>
+                  <a:chOff x="2911370" y="4761497"/>
+                  <a:chExt cx="1925912" cy="1228534"/>
+                </a:xfrm>
+              </p:grpSpPr>
+              <p:pic>
+                <p:nvPicPr>
+                  <p:cNvPr id="84" name="그림 83"/>
+                  <p:cNvPicPr>
+                    <a:picLocks/>
+                  </p:cNvPicPr>
+                  <p:nvPr/>
+                </p:nvPicPr>
+                <p:blipFill>
+                  <a:blip r:embed="rId2"/>
+                  <a:stretch>
+                    <a:fillRect/>
+                  </a:stretch>
+                </p:blipFill>
+                <p:spPr>
+                  <a:xfrm>
+                    <a:off x="3467773" y="4761497"/>
+                    <a:ext cx="900000" cy="648000"/>
+                  </a:xfrm>
+                  <a:prstGeom prst="rect">
+                    <a:avLst/>
+                  </a:prstGeom>
+                </p:spPr>
+              </p:pic>
+              <p:sp>
+                <p:nvSpPr>
+                  <p:cNvPr id="85" name="TextBox 84"/>
+                  <p:cNvSpPr txBox="1"/>
+                  <p:nvPr/>
+                </p:nvSpPr>
+                <p:spPr>
+                  <a:xfrm>
+                    <a:off x="2911370" y="5409497"/>
+                    <a:ext cx="1925912" cy="580534"/>
+                  </a:xfrm>
+                  <a:prstGeom prst="rect">
+                    <a:avLst/>
+                  </a:prstGeom>
+                  <a:noFill/>
+                </p:spPr>
+                <p:txBody>
+                  <a:bodyPr wrap="square" lIns="36000" tIns="36000" rIns="36000" bIns="36000" rtlCol="0">
+                    <a:spAutoFit/>
+                  </a:bodyPr>
+                  <a:lstStyle/>
+                  <a:p>
+                    <a:pPr algn="ctr">
+                      <a:lnSpc>
+                        <a:spcPct val="110000"/>
+                      </a:lnSpc>
+                    </a:pPr>
+                    <a:r>
+                      <a:rPr lang="en-US" altLang="ko-KR" sz="1600" b="1" dirty="0" smtClean="0"/>
+                      <a:t>Docker Socket</a:t>
+                    </a:r>
+                    <a:br>
+                      <a:rPr lang="en-US" altLang="ko-KR" sz="1600" b="1" dirty="0" smtClean="0"/>
+                    </a:br>
+                    <a:r>
+                      <a:rPr lang="en-US" altLang="ko-KR" sz="1400" b="1" dirty="0" smtClean="0">
+                        <a:solidFill>
+                          <a:schemeClr val="tx1">
+                            <a:lumMod val="50000"/>
+                            <a:lumOff val="50000"/>
+                          </a:schemeClr>
+                        </a:solidFill>
+                      </a:rPr>
+                      <a:t>/</a:t>
+                    </a:r>
+                    <a:r>
+                      <a:rPr lang="en-US" altLang="ko-KR" sz="1400" b="1" dirty="0" err="1" smtClean="0">
+                        <a:solidFill>
+                          <a:schemeClr val="tx1">
+                            <a:lumMod val="50000"/>
+                            <a:lumOff val="50000"/>
+                          </a:schemeClr>
+                        </a:solidFill>
+                      </a:rPr>
+                      <a:t>var</a:t>
+                    </a:r>
+                    <a:r>
+                      <a:rPr lang="en-US" altLang="ko-KR" sz="1400" b="1" dirty="0" smtClean="0">
+                        <a:solidFill>
+                          <a:schemeClr val="tx1">
+                            <a:lumMod val="50000"/>
+                            <a:lumOff val="50000"/>
+                          </a:schemeClr>
+                        </a:solidFill>
+                      </a:rPr>
+                      <a:t>/run/</a:t>
+                    </a:r>
+                    <a:r>
+                      <a:rPr lang="en-US" altLang="ko-KR" sz="1400" b="1" dirty="0" err="1" smtClean="0">
+                        <a:solidFill>
+                          <a:schemeClr val="tx1">
+                            <a:lumMod val="50000"/>
+                            <a:lumOff val="50000"/>
+                          </a:schemeClr>
+                        </a:solidFill>
+                      </a:rPr>
+                      <a:t>docker</a:t>
+                    </a:r>
+                    <a:r>
+                      <a:rPr lang="en-US" altLang="ko-KR" sz="1400" b="1" dirty="0" err="1" smtClean="0">
+                        <a:solidFill>
+                          <a:schemeClr val="tx1">
+                            <a:lumMod val="50000"/>
+                            <a:lumOff val="50000"/>
+                          </a:schemeClr>
+                        </a:solidFill>
+                      </a:rPr>
+                      <a:t>.sock</a:t>
+                    </a:r>
+                    <a:endParaRPr lang="ko-KR" altLang="en-US" sz="1400" b="1" dirty="0">
+                      <a:solidFill>
+                        <a:schemeClr val="tx1">
+                          <a:lumMod val="50000"/>
+                          <a:lumOff val="50000"/>
+                        </a:schemeClr>
+                      </a:solidFill>
+                    </a:endParaRPr>
+                  </a:p>
+                </p:txBody>
+              </p:sp>
+            </p:grpSp>
+            <p:grpSp>
+              <p:nvGrpSpPr>
+                <p:cNvPr id="78" name="그룹 77"/>
+                <p:cNvGrpSpPr/>
+                <p:nvPr/>
+              </p:nvGrpSpPr>
+              <p:grpSpPr>
+                <a:xfrm>
+                  <a:off x="9287907" y="5178490"/>
+                  <a:ext cx="1925912" cy="1228534"/>
+                  <a:chOff x="5723613" y="4761497"/>
+                  <a:chExt cx="1925912" cy="1228534"/>
+                </a:xfrm>
+              </p:grpSpPr>
+              <p:pic>
+                <p:nvPicPr>
+                  <p:cNvPr id="82" name="그림 81"/>
+                  <p:cNvPicPr>
+                    <a:picLocks/>
+                  </p:cNvPicPr>
+                  <p:nvPr/>
+                </p:nvPicPr>
+                <p:blipFill>
+                  <a:blip r:embed="rId2"/>
+                  <a:stretch>
+                    <a:fillRect/>
+                  </a:stretch>
+                </p:blipFill>
+                <p:spPr>
+                  <a:xfrm>
+                    <a:off x="6280016" y="4761497"/>
+                    <a:ext cx="900000" cy="648000"/>
+                  </a:xfrm>
+                  <a:prstGeom prst="rect">
+                    <a:avLst/>
+                  </a:prstGeom>
+                </p:spPr>
+              </p:pic>
+              <p:sp>
+                <p:nvSpPr>
+                  <p:cNvPr id="83" name="TextBox 82"/>
+                  <p:cNvSpPr txBox="1"/>
+                  <p:nvPr/>
+                </p:nvSpPr>
+                <p:spPr>
+                  <a:xfrm>
+                    <a:off x="5723613" y="5409497"/>
+                    <a:ext cx="1925912" cy="580534"/>
+                  </a:xfrm>
+                  <a:prstGeom prst="rect">
+                    <a:avLst/>
+                  </a:prstGeom>
+                  <a:noFill/>
+                </p:spPr>
+                <p:txBody>
+                  <a:bodyPr wrap="square" lIns="36000" tIns="36000" rIns="36000" bIns="36000" rtlCol="0">
+                    <a:spAutoFit/>
+                  </a:bodyPr>
+                  <a:lstStyle/>
+                  <a:p>
+                    <a:pPr algn="ctr">
+                      <a:lnSpc>
+                        <a:spcPct val="110000"/>
+                      </a:lnSpc>
+                    </a:pPr>
+                    <a:r>
+                      <a:rPr lang="en-US" altLang="ko-KR" sz="1600" b="1" dirty="0" smtClean="0"/>
+                      <a:t>Docker </a:t>
+                    </a:r>
+                    <a:r>
+                      <a:rPr lang="en-US" altLang="ko-KR" sz="1600" b="1" dirty="0" smtClean="0"/>
+                      <a:t>Daemon</a:t>
+                    </a:r>
+                    <a:r>
+                      <a:rPr lang="en-US" altLang="ko-KR" sz="1600" b="1" dirty="0" smtClean="0"/>
+                      <a:t/>
+                    </a:r>
+                    <a:br>
+                      <a:rPr lang="en-US" altLang="ko-KR" sz="1600" b="1" dirty="0" smtClean="0"/>
+                    </a:br>
+                    <a:r>
+                      <a:rPr lang="en-US" altLang="ko-KR" sz="1400" b="1" dirty="0" smtClean="0">
+                        <a:solidFill>
+                          <a:schemeClr val="tx1">
+                            <a:lumMod val="50000"/>
+                            <a:lumOff val="50000"/>
+                          </a:schemeClr>
+                        </a:solidFill>
+                      </a:rPr>
+                      <a:t>/</a:t>
+                    </a:r>
+                    <a:r>
+                      <a:rPr lang="en-US" altLang="ko-KR" sz="1400" b="1" dirty="0" err="1" smtClean="0">
+                        <a:solidFill>
+                          <a:schemeClr val="tx1">
+                            <a:lumMod val="50000"/>
+                            <a:lumOff val="50000"/>
+                          </a:schemeClr>
+                        </a:solidFill>
+                      </a:rPr>
+                      <a:t>usr</a:t>
+                    </a:r>
+                    <a:r>
+                      <a:rPr lang="en-US" altLang="ko-KR" sz="1400" b="1" dirty="0" smtClean="0">
+                        <a:solidFill>
+                          <a:schemeClr val="tx1">
+                            <a:lumMod val="50000"/>
+                            <a:lumOff val="50000"/>
+                          </a:schemeClr>
+                        </a:solidFill>
+                      </a:rPr>
+                      <a:t>/bin/</a:t>
+                    </a:r>
+                    <a:r>
+                      <a:rPr lang="en-US" altLang="ko-KR" sz="1400" b="1" dirty="0" err="1" smtClean="0">
+                        <a:solidFill>
+                          <a:schemeClr val="tx1">
+                            <a:lumMod val="50000"/>
+                            <a:lumOff val="50000"/>
+                          </a:schemeClr>
+                        </a:solidFill>
+                      </a:rPr>
+                      <a:t>dockerd</a:t>
+                    </a:r>
+                    <a:endParaRPr lang="ko-KR" altLang="en-US" sz="1400" b="1" dirty="0">
+                      <a:solidFill>
+                        <a:schemeClr val="tx1">
+                          <a:lumMod val="50000"/>
+                          <a:lumOff val="50000"/>
+                        </a:schemeClr>
+                      </a:solidFill>
+                    </a:endParaRPr>
+                  </a:p>
+                </p:txBody>
+              </p:sp>
+            </p:grpSp>
+            <p:sp>
+              <p:nvSpPr>
+                <p:cNvPr id="79" name="오른쪽 화살표 78"/>
+                <p:cNvSpPr/>
+                <p:nvPr/>
+              </p:nvSpPr>
+              <p:spPr>
+                <a:xfrm>
+                  <a:off x="5737669" y="5612757"/>
+                  <a:ext cx="720000" cy="360000"/>
+                </a:xfrm>
+                <a:prstGeom prst="rightArrow">
+                  <a:avLst/>
+                </a:prstGeom>
+                <a:solidFill>
+                  <a:srgbClr val="A50021"/>
+                </a:solidFill>
+                <a:ln>
+                  <a:noFill/>
+                </a:ln>
+                <a:effectLst>
+                  <a:outerShdw blurRad="50800" dist="38100" dir="2700000" algn="tl" rotWithShape="0">
+                    <a:prstClr val="black">
+                      <a:alpha val="40000"/>
+                    </a:prstClr>
+                  </a:outerShdw>
+                </a:effectLst>
+              </p:spPr>
+              <p:style>
+                <a:lnRef idx="2">
+                  <a:schemeClr val="accent1">
+                    <a:shade val="50000"/>
+                  </a:schemeClr>
+                </a:lnRef>
+                <a:fillRef idx="1">
+                  <a:schemeClr val="accent1"/>
+                </a:fillRef>
+                <a:effectRef idx="0">
+                  <a:schemeClr val="accent1"/>
+                </a:effectRef>
+                <a:fontRef idx="minor">
+                  <a:schemeClr val="lt1"/>
+                </a:fontRef>
+              </p:style>
+              <p:txBody>
+                <a:bodyPr rtlCol="0" anchor="ctr"/>
+                <a:lstStyle/>
+                <a:p>
+                  <a:pPr algn="ctr"/>
+                  <a:endParaRPr lang="ko-KR" altLang="en-US"/>
+                </a:p>
+              </p:txBody>
+            </p:sp>
+            <p:sp>
+              <p:nvSpPr>
+                <p:cNvPr id="80" name="오른쪽 화살표 79"/>
+                <p:cNvSpPr/>
+                <p:nvPr/>
+              </p:nvSpPr>
+              <p:spPr>
+                <a:xfrm>
+                  <a:off x="8506465" y="5612757"/>
+                  <a:ext cx="720000" cy="360000"/>
+                </a:xfrm>
+                <a:prstGeom prst="rightArrow">
+                  <a:avLst/>
+                </a:prstGeom>
+                <a:solidFill>
+                  <a:srgbClr val="A50021"/>
+                </a:solidFill>
+                <a:ln>
+                  <a:noFill/>
+                </a:ln>
+                <a:effectLst>
+                  <a:outerShdw blurRad="50800" dist="38100" dir="2700000" algn="tl" rotWithShape="0">
+                    <a:prstClr val="black">
+                      <a:alpha val="40000"/>
+                    </a:prstClr>
+                  </a:outerShdw>
+                </a:effectLst>
+              </p:spPr>
+              <p:style>
+                <a:lnRef idx="2">
+                  <a:schemeClr val="accent1">
+                    <a:shade val="50000"/>
+                  </a:schemeClr>
+                </a:lnRef>
+                <a:fillRef idx="1">
+                  <a:schemeClr val="accent1"/>
+                </a:fillRef>
+                <a:effectRef idx="0">
+                  <a:schemeClr val="accent1"/>
+                </a:effectRef>
+                <a:fontRef idx="minor">
+                  <a:schemeClr val="lt1"/>
+                </a:fontRef>
+              </p:style>
+              <p:txBody>
+                <a:bodyPr rtlCol="0" anchor="ctr"/>
+                <a:lstStyle/>
+                <a:p>
+                  <a:pPr algn="ctr"/>
+                  <a:endParaRPr lang="ko-KR" altLang="en-US" b="1" dirty="0"/>
+                </a:p>
+              </p:txBody>
+            </p:sp>
+          </p:grpSp>
+          <p:pic>
+            <p:nvPicPr>
+              <p:cNvPr id="2" name="그림 1"/>
+              <p:cNvPicPr>
+                <a:picLocks/>
+              </p:cNvPicPr>
+              <p:nvPr/>
+            </p:nvPicPr>
+            <p:blipFill>
+              <a:blip r:embed="rId3"/>
+              <a:stretch>
+                <a:fillRect/>
+              </a:stretch>
+            </p:blipFill>
+            <p:spPr>
+              <a:xfrm>
+                <a:off x="3331925" y="1490111"/>
+                <a:ext cx="720000" cy="828000"/>
+              </a:xfrm>
+              <a:prstGeom prst="rect">
+                <a:avLst/>
+              </a:prstGeom>
+            </p:spPr>
+          </p:pic>
+        </p:grpSp>
+        <p:pic>
+          <p:nvPicPr>
+            <p:cNvPr id="9" name="그림 8"/>
+            <p:cNvPicPr>
+              <a:picLocks noChangeAspect="1"/>
+            </p:cNvPicPr>
+            <p:nvPr/>
+          </p:nvPicPr>
+          <p:blipFill>
+            <a:blip r:embed="rId4">
+              <a:extLst>
+                <a:ext uri="{28A0092B-C50C-407E-A947-70E740481C1C}">
+                  <a14:useLocalDpi xmlns:a14="http://schemas.microsoft.com/office/drawing/2010/main" val="0"/>
+                </a:ext>
+              </a:extLst>
+            </a:blip>
+            <a:stretch>
+              <a:fillRect/>
+            </a:stretch>
+          </p:blipFill>
+          <p:spPr>
+            <a:xfrm>
+              <a:off x="610251" y="2820655"/>
+              <a:ext cx="1019516" cy="1338114"/>
+            </a:xfrm>
+            <a:prstGeom prst="rect">
+              <a:avLst/>
+            </a:prstGeom>
+          </p:spPr>
+        </p:pic>
+        <p:grpSp>
+          <p:nvGrpSpPr>
+            <p:cNvPr id="14" name="그룹 13"/>
+            <p:cNvGrpSpPr/>
+            <p:nvPr/>
+          </p:nvGrpSpPr>
+          <p:grpSpPr>
+            <a:xfrm>
+              <a:off x="8003157" y="497657"/>
+              <a:ext cx="1603545" cy="1091220"/>
+              <a:chOff x="8026761" y="659581"/>
+              <a:chExt cx="1603545" cy="1091220"/>
+            </a:xfrm>
+          </p:grpSpPr>
+          <p:sp>
+            <p:nvSpPr>
+              <p:cNvPr id="102" name="모서리가 둥근 직사각형 101"/>
+              <p:cNvSpPr/>
+              <p:nvPr/>
+            </p:nvSpPr>
+            <p:spPr>
+              <a:xfrm>
+                <a:off x="8190306" y="850801"/>
+                <a:ext cx="1440000" cy="900000"/>
+              </a:xfrm>
+              <a:prstGeom prst="roundRect">
+                <a:avLst/>
+              </a:prstGeom>
+              <a:noFill/>
+              <a:ln w="19050">
+                <a:solidFill>
+                  <a:srgbClr val="326CE5"/>
+                </a:solidFill>
+              </a:ln>
+            </p:spPr>
+            <p:style>
+              <a:lnRef idx="2">
+                <a:schemeClr val="accent1">
+                  <a:shade val="50000"/>
+                </a:schemeClr>
+              </a:lnRef>
+              <a:fillRef idx="1">
+                <a:schemeClr val="accent1"/>
+              </a:fillRef>
+              <a:effectRef idx="0">
+                <a:schemeClr val="accent1"/>
+              </a:effectRef>
+              <a:fontRef idx="minor">
+                <a:schemeClr val="lt1"/>
+              </a:fontRef>
+            </p:style>
+            <p:txBody>
+              <a:bodyPr lIns="36000" tIns="36000" rIns="36000" bIns="36000" rtlCol="0" anchor="ctr"/>
+              <a:lstStyle/>
+              <a:p>
+                <a:pPr algn="ctr"/>
+                <a:r>
+                  <a:rPr lang="en-US" altLang="ko-KR" sz="1600" b="1" dirty="0" smtClean="0">
+                    <a:solidFill>
+                      <a:schemeClr val="tx1"/>
+                    </a:solidFill>
+                  </a:rPr>
+                  <a:t>Container</a:t>
+                </a:r>
+                <a:endParaRPr lang="ko-KR" altLang="en-US" sz="1600" b="1" dirty="0">
+                  <a:solidFill>
+                    <a:schemeClr val="tx1"/>
+                  </a:solidFill>
+                </a:endParaRPr>
+              </a:p>
+            </p:txBody>
+          </p:sp>
+          <p:pic>
+            <p:nvPicPr>
+              <p:cNvPr id="12" name="그림 11"/>
+              <p:cNvPicPr>
+                <a:picLocks noChangeAspect="1"/>
+              </p:cNvPicPr>
+              <p:nvPr/>
+            </p:nvPicPr>
+            <p:blipFill>
+              <a:blip r:embed="rId5"/>
+              <a:stretch>
+                <a:fillRect/>
+              </a:stretch>
+            </p:blipFill>
+            <p:spPr>
+              <a:xfrm>
+                <a:off x="8026761" y="659581"/>
+                <a:ext cx="468000" cy="468000"/>
+              </a:xfrm>
+              <a:prstGeom prst="rect">
+                <a:avLst/>
+              </a:prstGeom>
+            </p:spPr>
+          </p:pic>
+        </p:grpSp>
+        <p:grpSp>
+          <p:nvGrpSpPr>
+            <p:cNvPr id="104" name="그룹 103"/>
+            <p:cNvGrpSpPr/>
+            <p:nvPr/>
+          </p:nvGrpSpPr>
+          <p:grpSpPr>
+            <a:xfrm>
+              <a:off x="5805371" y="497657"/>
+              <a:ext cx="1603545" cy="1091220"/>
+              <a:chOff x="8026761" y="659581"/>
+              <a:chExt cx="1603545" cy="1091220"/>
+            </a:xfrm>
+          </p:grpSpPr>
+          <p:sp>
+            <p:nvSpPr>
+              <p:cNvPr id="105" name="모서리가 둥근 직사각형 104"/>
+              <p:cNvSpPr/>
+              <p:nvPr/>
+            </p:nvSpPr>
+            <p:spPr>
+              <a:xfrm>
+                <a:off x="8190306" y="850801"/>
+                <a:ext cx="1440000" cy="900000"/>
+              </a:xfrm>
+              <a:prstGeom prst="roundRect">
+                <a:avLst/>
+              </a:prstGeom>
+              <a:noFill/>
+              <a:ln w="19050">
+                <a:solidFill>
+                  <a:srgbClr val="326CE5"/>
+                </a:solidFill>
+              </a:ln>
+            </p:spPr>
+            <p:style>
+              <a:lnRef idx="2">
+                <a:schemeClr val="accent1">
+                  <a:shade val="50000"/>
+                </a:schemeClr>
+              </a:lnRef>
+              <a:fillRef idx="1">
+                <a:schemeClr val="accent1"/>
+              </a:fillRef>
+              <a:effectRef idx="0">
+                <a:schemeClr val="accent1"/>
+              </a:effectRef>
+              <a:fontRef idx="minor">
+                <a:schemeClr val="lt1"/>
+              </a:fontRef>
+            </p:style>
+            <p:txBody>
+              <a:bodyPr lIns="36000" tIns="36000" rIns="36000" bIns="36000" rtlCol="0" anchor="ctr"/>
+              <a:lstStyle/>
+              <a:p>
+                <a:pPr algn="ctr"/>
+                <a:r>
+                  <a:rPr lang="en-US" altLang="ko-KR" sz="1600" b="1" dirty="0" smtClean="0">
+                    <a:solidFill>
+                      <a:schemeClr val="tx1"/>
+                    </a:solidFill>
+                  </a:rPr>
+                  <a:t>Container</a:t>
+                </a:r>
+                <a:endParaRPr lang="ko-KR" altLang="en-US" sz="1600" b="1" dirty="0">
+                  <a:solidFill>
+                    <a:schemeClr val="tx1"/>
+                  </a:solidFill>
+                </a:endParaRPr>
+              </a:p>
+            </p:txBody>
+          </p:sp>
+          <p:pic>
+            <p:nvPicPr>
+              <p:cNvPr id="106" name="그림 105"/>
+              <p:cNvPicPr>
+                <a:picLocks noChangeAspect="1"/>
+              </p:cNvPicPr>
+              <p:nvPr/>
+            </p:nvPicPr>
+            <p:blipFill>
+              <a:blip r:embed="rId5"/>
+              <a:stretch>
+                <a:fillRect/>
+              </a:stretch>
+            </p:blipFill>
+            <p:spPr>
+              <a:xfrm>
+                <a:off x="8026761" y="659581"/>
+                <a:ext cx="468000" cy="468000"/>
+              </a:xfrm>
+              <a:prstGeom prst="rect">
+                <a:avLst/>
+              </a:prstGeom>
+            </p:spPr>
+          </p:pic>
+        </p:grpSp>
+        <p:sp>
+          <p:nvSpPr>
+            <p:cNvPr id="107" name="오른쪽 화살표 106"/>
+            <p:cNvSpPr/>
+            <p:nvPr/>
+          </p:nvSpPr>
+          <p:spPr>
+            <a:xfrm rot="16200000">
+              <a:off x="8073314" y="1895054"/>
+              <a:ext cx="720000" cy="360000"/>
+            </a:xfrm>
+            <a:prstGeom prst="rightArrow">
+              <a:avLst/>
+            </a:prstGeom>
+            <a:solidFill>
+              <a:srgbClr val="A50021"/>
+            </a:solidFill>
+            <a:ln>
+              <a:noFill/>
+            </a:ln>
+            <a:effectLst>
+              <a:outerShdw blurRad="50800" dist="38100" dir="2700000" algn="tl" rotWithShape="0">
+                <a:prstClr val="black">
+                  <a:alpha val="40000"/>
+                </a:prstClr>
+              </a:outerShdw>
+            </a:effectLst>
+          </p:spPr>
+          <p:style>
+            <a:lnRef idx="2">
+              <a:schemeClr val="accent1">
+                <a:shade val="50000"/>
+              </a:schemeClr>
+            </a:lnRef>
+            <a:fillRef idx="1">
+              <a:schemeClr val="accent1"/>
+            </a:fillRef>
+            <a:effectRef idx="0">
+              <a:schemeClr val="accent1"/>
+            </a:effectRef>
+            <a:fontRef idx="minor">
+              <a:schemeClr val="lt1"/>
+            </a:fontRef>
+          </p:style>
+          <p:txBody>
+            <a:bodyPr rtlCol="0" anchor="ctr"/>
+            <a:lstStyle/>
+            <a:p>
+              <a:pPr algn="ctr"/>
+              <a:endParaRPr lang="ko-KR" altLang="en-US" b="1" dirty="0"/>
+            </a:p>
+          </p:txBody>
+        </p:sp>
+        <p:sp>
+          <p:nvSpPr>
+            <p:cNvPr id="108" name="TextBox 107"/>
+            <p:cNvSpPr txBox="1"/>
+            <p:nvPr/>
+          </p:nvSpPr>
+          <p:spPr>
+            <a:xfrm>
+              <a:off x="8613314" y="1686257"/>
+              <a:ext cx="1032688" cy="377402"/>
+            </a:xfrm>
+            <a:prstGeom prst="rect">
+              <a:avLst/>
+            </a:prstGeom>
+            <a:noFill/>
+          </p:spPr>
+          <p:txBody>
+            <a:bodyPr wrap="square" lIns="36000" tIns="36000" rIns="36000" bIns="36000" rtlCol="0">
+              <a:spAutoFit/>
+            </a:bodyPr>
+            <a:lstStyle/>
+            <a:p>
+              <a:pPr algn="ctr">
+                <a:lnSpc>
+                  <a:spcPct val="110000"/>
+                </a:lnSpc>
+              </a:pPr>
+              <a:r>
+                <a:rPr lang="en-US" altLang="ko-KR" b="1" dirty="0" smtClean="0">
+                  <a:solidFill>
+                    <a:srgbClr val="A50021"/>
+                  </a:solidFill>
+                </a:rPr>
+                <a:t>create</a:t>
+              </a:r>
+              <a:endParaRPr lang="ko-KR" altLang="en-US" b="1" dirty="0">
+                <a:solidFill>
+                  <a:srgbClr val="A50021"/>
+                </a:solidFill>
+              </a:endParaRPr>
+            </a:p>
+          </p:txBody>
+        </p:sp>
+      </p:grpSp>
+    </p:spTree>
+    <p:extLst>
+      <p:ext uri="{BB962C8B-B14F-4D97-AF65-F5344CB8AC3E}">
+        <p14:creationId xmlns:p14="http://schemas.microsoft.com/office/powerpoint/2010/main" val="3944226867"/>
+      </p:ext>
+    </p:extLst>
+  </p:cSld>
+  <p:clrMapOvr>
+    <a:masterClrMapping/>
+  </p:clrMapOvr>
+  <p:timing>
+    <p:tnLst>
+      <p:par>
+        <p:cTn id="1" dur="indefinite" restart="never" nodeType="tmRoot"/>
+      </p:par>
+    </p:tnLst>
+  </p:timing>
+</p:sld>
+</file>
+
+<file path=ppt/slides/slide6.xml><?xml version="1.0" encoding="utf-8"?>
+<p:sld xmlns:a="http://schemas.openxmlformats.org/drawingml/2006/main" xmlns:r="http://schemas.openxmlformats.org/officeDocument/2006/relationships" xmlns:p="http://schemas.openxmlformats.org/presentationml/2006/main">
+  <p:cSld>
+    <p:spTree>
+      <p:nvGrpSpPr>
+        <p:cNvPr id="1" name=""/>
+        <p:cNvGrpSpPr/>
+        <p:nvPr/>
+      </p:nvGrpSpPr>
+      <p:grpSpPr>
+        <a:xfrm>
+          <a:off x="0" y="0"/>
+          <a:ext cx="0" cy="0"/>
+          <a:chOff x="0" y="0"/>
+          <a:chExt cx="0" cy="0"/>
+        </a:xfrm>
+      </p:grpSpPr>
+      <p:sp>
+        <p:nvSpPr>
+          <p:cNvPr id="6" name="모서리가 둥근 직사각형 5"/>
+          <p:cNvSpPr/>
+          <p:nvPr/>
+        </p:nvSpPr>
+        <p:spPr>
+          <a:xfrm>
+            <a:off x="1110342" y="188331"/>
+            <a:ext cx="8820000" cy="6480000"/>
+          </a:xfrm>
+          <a:prstGeom prst="roundRect">
+            <a:avLst/>
+          </a:prstGeom>
+          <a:noFill/>
+          <a:ln w="19050">
+            <a:solidFill>
+              <a:schemeClr val="accent1"/>
+            </a:solidFill>
+          </a:ln>
+        </p:spPr>
+        <p:style>
+          <a:lnRef idx="2">
+            <a:schemeClr val="accent1">
+              <a:shade val="50000"/>
+            </a:schemeClr>
+          </a:lnRef>
+          <a:fillRef idx="1">
+            <a:schemeClr val="accent1"/>
+          </a:fillRef>
+          <a:effectRef idx="0">
+            <a:schemeClr val="accent1"/>
+          </a:effectRef>
+          <a:fontRef idx="minor">
+            <a:schemeClr val="lt1"/>
+          </a:fontRef>
+        </p:style>
+        <p:txBody>
+          <a:bodyPr lIns="36000" tIns="36000" rIns="36000" bIns="0" rtlCol="0" anchor="b"/>
+          <a:lstStyle/>
+          <a:p>
+            <a:pPr algn="ctr"/>
+            <a:r>
+              <a:rPr lang="en-US" altLang="ko-KR" b="1" dirty="0" smtClean="0">
+                <a:solidFill>
+                  <a:schemeClr val="tx1"/>
+                </a:solidFill>
+              </a:rPr>
+              <a:t>Host Machine</a:t>
+            </a:r>
+            <a:endParaRPr lang="ko-KR" altLang="en-US" b="1" dirty="0">
+              <a:solidFill>
+                <a:schemeClr val="tx1"/>
+              </a:solidFill>
+            </a:endParaRPr>
+          </a:p>
+        </p:txBody>
+      </p:sp>
+      <p:grpSp>
+        <p:nvGrpSpPr>
+          <p:cNvPr id="34" name="그룹 33"/>
+          <p:cNvGrpSpPr/>
+          <p:nvPr/>
+        </p:nvGrpSpPr>
+        <p:grpSpPr>
+          <a:xfrm>
+            <a:off x="7442366" y="3019097"/>
+            <a:ext cx="1925912" cy="1228534"/>
+            <a:chOff x="5723613" y="4761497"/>
+            <a:chExt cx="1925912" cy="1228534"/>
+          </a:xfrm>
+        </p:grpSpPr>
+        <p:pic>
+          <p:nvPicPr>
+            <p:cNvPr id="37" name="그림 36"/>
+            <p:cNvPicPr>
+              <a:picLocks/>
+            </p:cNvPicPr>
+            <p:nvPr/>
+          </p:nvPicPr>
+          <p:blipFill>
+            <a:blip r:embed="rId2"/>
+            <a:stretch>
+              <a:fillRect/>
+            </a:stretch>
+          </p:blipFill>
+          <p:spPr>
+            <a:xfrm>
+              <a:off x="6280016" y="4761497"/>
+              <a:ext cx="900000" cy="648000"/>
+            </a:xfrm>
+            <a:prstGeom prst="rect">
+              <a:avLst/>
+            </a:prstGeom>
+          </p:spPr>
+        </p:pic>
+        <p:sp>
+          <p:nvSpPr>
+            <p:cNvPr id="38" name="TextBox 37"/>
+            <p:cNvSpPr txBox="1"/>
+            <p:nvPr/>
+          </p:nvSpPr>
+          <p:spPr>
+            <a:xfrm>
+              <a:off x="5723613" y="5409497"/>
+              <a:ext cx="1925912" cy="580534"/>
+            </a:xfrm>
+            <a:prstGeom prst="rect">
+              <a:avLst/>
+            </a:prstGeom>
+            <a:noFill/>
+          </p:spPr>
+          <p:txBody>
+            <a:bodyPr wrap="square" lIns="36000" tIns="36000" rIns="36000" bIns="36000" rtlCol="0">
+              <a:spAutoFit/>
+            </a:bodyPr>
+            <a:lstStyle/>
+            <a:p>
+              <a:pPr algn="ctr">
+                <a:lnSpc>
+                  <a:spcPct val="110000"/>
+                </a:lnSpc>
+              </a:pPr>
+              <a:r>
+                <a:rPr lang="en-US" altLang="ko-KR" sz="1600" b="1" dirty="0" smtClean="0"/>
+                <a:t>Docker </a:t>
+              </a:r>
+              <a:r>
+                <a:rPr lang="en-US" altLang="ko-KR" sz="1600" b="1" dirty="0" smtClean="0"/>
+                <a:t>Daemon</a:t>
+              </a:r>
+              <a:r>
+                <a:rPr lang="en-US" altLang="ko-KR" sz="1600" b="1" dirty="0" smtClean="0"/>
+                <a:t/>
+              </a:r>
+              <a:br>
+                <a:rPr lang="en-US" altLang="ko-KR" sz="1600" b="1" dirty="0" smtClean="0"/>
+              </a:br>
+              <a:r>
+                <a:rPr lang="en-US" altLang="ko-KR" sz="1400" b="1" dirty="0" smtClean="0">
+                  <a:solidFill>
+                    <a:schemeClr val="tx1">
+                      <a:lumMod val="50000"/>
+                      <a:lumOff val="50000"/>
+                    </a:schemeClr>
+                  </a:solidFill>
+                </a:rPr>
+                <a:t>/</a:t>
+              </a:r>
+              <a:r>
+                <a:rPr lang="en-US" altLang="ko-KR" sz="1400" b="1" dirty="0" err="1" smtClean="0">
+                  <a:solidFill>
+                    <a:schemeClr val="tx1">
+                      <a:lumMod val="50000"/>
+                      <a:lumOff val="50000"/>
+                    </a:schemeClr>
+                  </a:solidFill>
+                </a:rPr>
+                <a:t>usr</a:t>
+              </a:r>
+              <a:r>
+                <a:rPr lang="en-US" altLang="ko-KR" sz="1400" b="1" dirty="0" smtClean="0">
+                  <a:solidFill>
+                    <a:schemeClr val="tx1">
+                      <a:lumMod val="50000"/>
+                      <a:lumOff val="50000"/>
+                    </a:schemeClr>
+                  </a:solidFill>
+                </a:rPr>
+                <a:t>/bin/</a:t>
+              </a:r>
+              <a:r>
+                <a:rPr lang="en-US" altLang="ko-KR" sz="1400" b="1" dirty="0" err="1" smtClean="0">
+                  <a:solidFill>
+                    <a:schemeClr val="tx1">
+                      <a:lumMod val="50000"/>
+                      <a:lumOff val="50000"/>
+                    </a:schemeClr>
+                  </a:solidFill>
+                </a:rPr>
+                <a:t>dockerd</a:t>
+              </a:r>
+              <a:endParaRPr lang="ko-KR" altLang="en-US" sz="1400" b="1" dirty="0">
+                <a:solidFill>
+                  <a:schemeClr val="tx1">
+                    <a:lumMod val="50000"/>
+                    <a:lumOff val="50000"/>
+                  </a:schemeClr>
+                </a:solidFill>
+              </a:endParaRPr>
+            </a:p>
+          </p:txBody>
+        </p:sp>
+      </p:grpSp>
+      <p:sp>
+        <p:nvSpPr>
+          <p:cNvPr id="18" name="모서리가 둥근 직사각형 17"/>
+          <p:cNvSpPr/>
+          <p:nvPr/>
+        </p:nvSpPr>
+        <p:spPr>
+          <a:xfrm>
+            <a:off x="1694343" y="711543"/>
+            <a:ext cx="7884367" cy="1980000"/>
+          </a:xfrm>
+          <a:prstGeom prst="roundRect">
+            <a:avLst/>
+          </a:prstGeom>
+          <a:noFill/>
+          <a:ln w="19050">
+            <a:solidFill>
+              <a:srgbClr val="C00000"/>
+            </a:solidFill>
+          </a:ln>
+        </p:spPr>
+        <p:style>
+          <a:lnRef idx="2">
+            <a:schemeClr val="accent1">
+              <a:shade val="50000"/>
+            </a:schemeClr>
+          </a:lnRef>
+          <a:fillRef idx="1">
+            <a:schemeClr val="accent1"/>
+          </a:fillRef>
+          <a:effectRef idx="0">
+            <a:schemeClr val="accent1"/>
+          </a:effectRef>
+          <a:fontRef idx="minor">
+            <a:schemeClr val="lt1"/>
+          </a:fontRef>
+        </p:style>
+        <p:txBody>
+          <a:bodyPr lIns="36000" tIns="36000" rIns="36000" bIns="36000" rtlCol="0" anchor="t"/>
+          <a:lstStyle/>
+          <a:p>
+            <a:pPr algn="ctr"/>
+            <a:r>
+              <a:rPr lang="en-US" altLang="ko-KR" b="1" dirty="0" smtClean="0">
+                <a:solidFill>
+                  <a:schemeClr val="tx1"/>
+                </a:solidFill>
+              </a:rPr>
+              <a:t>Jenkins Container</a:t>
+            </a:r>
+            <a:endParaRPr lang="ko-KR" altLang="en-US" b="1" dirty="0">
+              <a:solidFill>
+                <a:schemeClr val="tx1"/>
+              </a:solidFill>
+            </a:endParaRPr>
+          </a:p>
+        </p:txBody>
+      </p:sp>
+      <p:pic>
+        <p:nvPicPr>
+          <p:cNvPr id="20" name="그림 19"/>
+          <p:cNvPicPr>
+            <a:picLocks/>
+          </p:cNvPicPr>
+          <p:nvPr/>
+        </p:nvPicPr>
+        <p:blipFill>
+          <a:blip r:embed="rId3"/>
+          <a:stretch>
+            <a:fillRect/>
+          </a:stretch>
+        </p:blipFill>
+        <p:spPr>
+          <a:xfrm>
+            <a:off x="1461975" y="390443"/>
+            <a:ext cx="720000" cy="828000"/>
+          </a:xfrm>
+          <a:prstGeom prst="rect">
+            <a:avLst/>
+          </a:prstGeom>
+        </p:spPr>
+      </p:pic>
+      <p:pic>
+        <p:nvPicPr>
+          <p:cNvPr id="9" name="그림 8"/>
+          <p:cNvPicPr>
+            <a:picLocks noChangeAspect="1"/>
+          </p:cNvPicPr>
+          <p:nvPr/>
+        </p:nvPicPr>
+        <p:blipFill>
+          <a:blip r:embed="rId4">
+            <a:extLst>
+              <a:ext uri="{28A0092B-C50C-407E-A947-70E740481C1C}">
+                <a14:useLocalDpi xmlns:a14="http://schemas.microsoft.com/office/drawing/2010/main" val="0"/>
+              </a:ext>
+            </a:extLst>
+          </a:blip>
+          <a:stretch>
+            <a:fillRect/>
+          </a:stretch>
+        </p:blipFill>
+        <p:spPr>
+          <a:xfrm>
+            <a:off x="582259" y="2759274"/>
+            <a:ext cx="1019516" cy="1338114"/>
+          </a:xfrm>
+          <a:prstGeom prst="rect">
+            <a:avLst/>
+          </a:prstGeom>
+        </p:spPr>
+      </p:pic>
+      <p:grpSp>
+        <p:nvGrpSpPr>
+          <p:cNvPr id="10" name="그룹 9"/>
+          <p:cNvGrpSpPr/>
+          <p:nvPr/>
+        </p:nvGrpSpPr>
+        <p:grpSpPr>
+          <a:xfrm>
+            <a:off x="5424688" y="4812332"/>
+            <a:ext cx="1603545" cy="1091220"/>
+            <a:chOff x="8026761" y="659581"/>
+            <a:chExt cx="1603545" cy="1091220"/>
+          </a:xfrm>
+        </p:grpSpPr>
+        <p:sp>
+          <p:nvSpPr>
+            <p:cNvPr id="16" name="모서리가 둥근 직사각형 15"/>
+            <p:cNvSpPr/>
+            <p:nvPr/>
+          </p:nvSpPr>
+          <p:spPr>
+            <a:xfrm>
+              <a:off x="8190306" y="850801"/>
+              <a:ext cx="1440000" cy="900000"/>
+            </a:xfrm>
+            <a:prstGeom prst="roundRect">
+              <a:avLst/>
+            </a:prstGeom>
+            <a:noFill/>
+            <a:ln w="19050">
+              <a:solidFill>
+                <a:srgbClr val="326CE5"/>
+              </a:solidFill>
+            </a:ln>
+          </p:spPr>
+          <p:style>
+            <a:lnRef idx="2">
+              <a:schemeClr val="accent1">
+                <a:shade val="50000"/>
+              </a:schemeClr>
+            </a:lnRef>
+            <a:fillRef idx="1">
+              <a:schemeClr val="accent1"/>
+            </a:fillRef>
+            <a:effectRef idx="0">
+              <a:schemeClr val="accent1"/>
+            </a:effectRef>
+            <a:fontRef idx="minor">
+              <a:schemeClr val="lt1"/>
+            </a:fontRef>
+          </p:style>
+          <p:txBody>
+            <a:bodyPr lIns="36000" tIns="36000" rIns="36000" bIns="36000" rtlCol="0" anchor="ctr"/>
+            <a:lstStyle/>
+            <a:p>
+              <a:pPr algn="ctr"/>
+              <a:r>
+                <a:rPr lang="en-US" altLang="ko-KR" sz="1600" b="1" dirty="0" smtClean="0">
+                  <a:solidFill>
+                    <a:schemeClr val="tx1"/>
+                  </a:solidFill>
+                </a:rPr>
+                <a:t>Container</a:t>
+              </a:r>
+              <a:endParaRPr lang="ko-KR" altLang="en-US" sz="1600" b="1" dirty="0">
+                <a:solidFill>
+                  <a:schemeClr val="tx1"/>
+                </a:solidFill>
+              </a:endParaRPr>
+            </a:p>
+          </p:txBody>
+        </p:sp>
+        <p:pic>
+          <p:nvPicPr>
+            <p:cNvPr id="17" name="그림 16"/>
+            <p:cNvPicPr>
+              <a:picLocks noChangeAspect="1"/>
+            </p:cNvPicPr>
+            <p:nvPr/>
+          </p:nvPicPr>
+          <p:blipFill>
+            <a:blip r:embed="rId5"/>
+            <a:stretch>
+              <a:fillRect/>
+            </a:stretch>
+          </p:blipFill>
+          <p:spPr>
+            <a:xfrm>
+              <a:off x="8026761" y="659581"/>
+              <a:ext cx="468000" cy="468000"/>
+            </a:xfrm>
+            <a:prstGeom prst="rect">
+              <a:avLst/>
+            </a:prstGeom>
+          </p:spPr>
+        </p:pic>
+      </p:grpSp>
+      <p:grpSp>
+        <p:nvGrpSpPr>
+          <p:cNvPr id="11" name="그룹 10"/>
+          <p:cNvGrpSpPr/>
+          <p:nvPr/>
+        </p:nvGrpSpPr>
+        <p:grpSpPr>
+          <a:xfrm>
+            <a:off x="7612577" y="4812332"/>
+            <a:ext cx="1603545" cy="1091220"/>
+            <a:chOff x="8026761" y="659581"/>
+            <a:chExt cx="1603545" cy="1091220"/>
+          </a:xfrm>
+        </p:grpSpPr>
+        <p:sp>
+          <p:nvSpPr>
+            <p:cNvPr id="14" name="모서리가 둥근 직사각형 13"/>
+            <p:cNvSpPr/>
+            <p:nvPr/>
+          </p:nvSpPr>
+          <p:spPr>
+            <a:xfrm>
+              <a:off x="8190306" y="850801"/>
+              <a:ext cx="1440000" cy="900000"/>
+            </a:xfrm>
+            <a:prstGeom prst="roundRect">
+              <a:avLst/>
+            </a:prstGeom>
+            <a:noFill/>
+            <a:ln w="19050">
+              <a:solidFill>
+                <a:srgbClr val="326CE5"/>
+              </a:solidFill>
+            </a:ln>
+          </p:spPr>
+          <p:style>
+            <a:lnRef idx="2">
+              <a:schemeClr val="accent1">
+                <a:shade val="50000"/>
+              </a:schemeClr>
+            </a:lnRef>
+            <a:fillRef idx="1">
+              <a:schemeClr val="accent1"/>
+            </a:fillRef>
+            <a:effectRef idx="0">
+              <a:schemeClr val="accent1"/>
+            </a:effectRef>
+            <a:fontRef idx="minor">
+              <a:schemeClr val="lt1"/>
+            </a:fontRef>
+          </p:style>
+          <p:txBody>
+            <a:bodyPr lIns="36000" tIns="36000" rIns="36000" bIns="36000" rtlCol="0" anchor="ctr"/>
+            <a:lstStyle/>
+            <a:p>
+              <a:pPr algn="ctr"/>
+              <a:r>
+                <a:rPr lang="en-US" altLang="ko-KR" sz="1600" b="1" dirty="0" smtClean="0">
+                  <a:solidFill>
+                    <a:schemeClr val="tx1"/>
+                  </a:solidFill>
+                </a:rPr>
+                <a:t>Container</a:t>
+              </a:r>
+              <a:endParaRPr lang="ko-KR" altLang="en-US" sz="1600" b="1" dirty="0">
+                <a:solidFill>
+                  <a:schemeClr val="tx1"/>
+                </a:solidFill>
+              </a:endParaRPr>
+            </a:p>
+          </p:txBody>
+        </p:sp>
+        <p:pic>
+          <p:nvPicPr>
+            <p:cNvPr id="15" name="그림 14"/>
+            <p:cNvPicPr>
+              <a:picLocks noChangeAspect="1"/>
+            </p:cNvPicPr>
+            <p:nvPr/>
+          </p:nvPicPr>
+          <p:blipFill>
+            <a:blip r:embed="rId5"/>
+            <a:stretch>
+              <a:fillRect/>
+            </a:stretch>
+          </p:blipFill>
+          <p:spPr>
+            <a:xfrm>
+              <a:off x="8026761" y="659581"/>
+              <a:ext cx="468000" cy="468000"/>
+            </a:xfrm>
+            <a:prstGeom prst="rect">
+              <a:avLst/>
+            </a:prstGeom>
+          </p:spPr>
+        </p:pic>
+      </p:grpSp>
+      <p:sp>
+        <p:nvSpPr>
+          <p:cNvPr id="13" name="TextBox 12"/>
+          <p:cNvSpPr txBox="1"/>
+          <p:nvPr/>
+        </p:nvSpPr>
+        <p:spPr>
+          <a:xfrm>
+            <a:off x="8609117" y="4341839"/>
+            <a:ext cx="852124" cy="377402"/>
+          </a:xfrm>
+          <a:prstGeom prst="rect">
+            <a:avLst/>
+          </a:prstGeom>
+          <a:noFill/>
+        </p:spPr>
+        <p:txBody>
+          <a:bodyPr wrap="square" lIns="36000" tIns="36000" rIns="36000" bIns="36000" rtlCol="0">
+            <a:spAutoFit/>
+          </a:bodyPr>
+          <a:lstStyle/>
+          <a:p>
+            <a:pPr algn="ctr">
+              <a:lnSpc>
+                <a:spcPct val="110000"/>
+              </a:lnSpc>
+            </a:pPr>
+            <a:r>
+              <a:rPr lang="en-US" altLang="ko-KR" b="1" dirty="0" smtClean="0">
+                <a:solidFill>
+                  <a:schemeClr val="tx2"/>
+                </a:solidFill>
+              </a:rPr>
+              <a:t>create</a:t>
+            </a:r>
+            <a:endParaRPr lang="ko-KR" altLang="en-US" b="1" dirty="0">
+              <a:solidFill>
+                <a:schemeClr val="tx2"/>
+              </a:solidFill>
+            </a:endParaRPr>
+          </a:p>
+        </p:txBody>
+      </p:sp>
+      <p:grpSp>
+        <p:nvGrpSpPr>
+          <p:cNvPr id="50" name="그룹 49"/>
+          <p:cNvGrpSpPr/>
+          <p:nvPr/>
+        </p:nvGrpSpPr>
+        <p:grpSpPr>
+          <a:xfrm>
+            <a:off x="2273569" y="1855755"/>
+            <a:ext cx="1944000" cy="1728000"/>
+            <a:chOff x="2002975" y="3218030"/>
+            <a:chExt cx="1944000" cy="1728000"/>
+          </a:xfrm>
+        </p:grpSpPr>
+        <p:sp>
+          <p:nvSpPr>
+            <p:cNvPr id="43" name="모서리가 둥근 직사각형 42"/>
+            <p:cNvSpPr/>
+            <p:nvPr/>
+          </p:nvSpPr>
+          <p:spPr>
+            <a:xfrm>
+              <a:off x="2002975" y="3218030"/>
+              <a:ext cx="1944000" cy="1728000"/>
+            </a:xfrm>
+            <a:prstGeom prst="roundRect">
+              <a:avLst/>
+            </a:prstGeom>
+            <a:solidFill>
+              <a:schemeClr val="bg1"/>
+            </a:solidFill>
+            <a:ln w="19050">
+              <a:solidFill>
+                <a:schemeClr val="accent6"/>
+              </a:solidFill>
+            </a:ln>
+          </p:spPr>
+          <p:style>
+            <a:lnRef idx="2">
+              <a:schemeClr val="accent1">
+                <a:shade val="50000"/>
+              </a:schemeClr>
+            </a:lnRef>
+            <a:fillRef idx="1">
+              <a:schemeClr val="accent1"/>
+            </a:fillRef>
+            <a:effectRef idx="0">
+              <a:schemeClr val="accent1"/>
+            </a:effectRef>
+            <a:fontRef idx="minor">
+              <a:schemeClr val="lt1"/>
+            </a:fontRef>
+          </p:style>
+          <p:txBody>
+            <a:bodyPr lIns="36000" tIns="36000" rIns="36000" bIns="36000" rtlCol="0" anchor="t"/>
+            <a:lstStyle/>
+            <a:p>
+              <a:pPr algn="ctr"/>
+              <a:r>
+                <a:rPr lang="en-US" altLang="ko-KR" sz="1600" b="1" dirty="0" smtClean="0">
+                  <a:solidFill>
+                    <a:schemeClr val="tx1"/>
+                  </a:solidFill>
+                </a:rPr>
+                <a:t>Volume Mounted</a:t>
+              </a:r>
+              <a:endParaRPr lang="ko-KR" altLang="en-US" sz="1600" b="1" dirty="0">
+                <a:solidFill>
+                  <a:schemeClr val="tx1"/>
+                </a:solidFill>
+              </a:endParaRPr>
+            </a:p>
+          </p:txBody>
+        </p:sp>
+        <p:grpSp>
+          <p:nvGrpSpPr>
+            <p:cNvPr id="32" name="그룹 31"/>
+            <p:cNvGrpSpPr/>
+            <p:nvPr/>
+          </p:nvGrpSpPr>
+          <p:grpSpPr>
+            <a:xfrm>
+              <a:off x="2012019" y="3669220"/>
+              <a:ext cx="1925912" cy="1208465"/>
+              <a:chOff x="186021" y="4761497"/>
+              <a:chExt cx="1925912" cy="1208465"/>
+            </a:xfrm>
+          </p:grpSpPr>
+          <p:pic>
+            <p:nvPicPr>
+              <p:cNvPr id="41" name="그림 40"/>
+              <p:cNvPicPr>
+                <a:picLocks/>
+              </p:cNvPicPr>
+              <p:nvPr/>
+            </p:nvPicPr>
+            <p:blipFill>
+              <a:blip r:embed="rId2"/>
+              <a:stretch>
+                <a:fillRect/>
+              </a:stretch>
+            </p:blipFill>
+            <p:spPr>
+              <a:xfrm>
+                <a:off x="742424" y="4761497"/>
+                <a:ext cx="900000" cy="648000"/>
+              </a:xfrm>
+              <a:prstGeom prst="rect">
+                <a:avLst/>
+              </a:prstGeom>
+            </p:spPr>
+          </p:pic>
+          <p:sp>
+            <p:nvSpPr>
+              <p:cNvPr id="42" name="TextBox 41"/>
+              <p:cNvSpPr txBox="1"/>
+              <p:nvPr/>
+            </p:nvSpPr>
+            <p:spPr>
+              <a:xfrm>
+                <a:off x="186021" y="5409497"/>
+                <a:ext cx="1925912" cy="560465"/>
+              </a:xfrm>
+              <a:prstGeom prst="rect">
+                <a:avLst/>
+              </a:prstGeom>
+              <a:noFill/>
+            </p:spPr>
+            <p:txBody>
+              <a:bodyPr wrap="square" lIns="36000" tIns="36000" rIns="36000" bIns="36000" rtlCol="0">
+                <a:spAutoFit/>
+              </a:bodyPr>
+              <a:lstStyle/>
+              <a:p>
+                <a:pPr algn="ctr">
+                  <a:lnSpc>
+                    <a:spcPct val="110000"/>
+                  </a:lnSpc>
+                </a:pPr>
+                <a:r>
+                  <a:rPr lang="en-US" altLang="ko-KR" sz="1600" b="1" dirty="0" smtClean="0"/>
+                  <a:t>Docker Client</a:t>
+                </a:r>
+                <a:br>
+                  <a:rPr lang="en-US" altLang="ko-KR" sz="1600" b="1" dirty="0" smtClean="0"/>
+                </a:br>
+                <a:r>
+                  <a:rPr lang="en-US" altLang="ko-KR" sz="1400" b="1" dirty="0" smtClean="0">
+                    <a:solidFill>
+                      <a:schemeClr val="tx1">
+                        <a:lumMod val="50000"/>
+                        <a:lumOff val="50000"/>
+                      </a:schemeClr>
+                    </a:solidFill>
+                  </a:rPr>
+                  <a:t>/</a:t>
+                </a:r>
+                <a:r>
+                  <a:rPr lang="en-US" altLang="ko-KR" sz="1400" b="1" dirty="0" err="1" smtClean="0">
+                    <a:solidFill>
+                      <a:schemeClr val="tx1">
+                        <a:lumMod val="50000"/>
+                        <a:lumOff val="50000"/>
+                      </a:schemeClr>
+                    </a:solidFill>
+                  </a:rPr>
+                  <a:t>usr</a:t>
+                </a:r>
+                <a:r>
+                  <a:rPr lang="en-US" altLang="ko-KR" sz="1400" b="1" dirty="0" smtClean="0">
+                    <a:solidFill>
+                      <a:schemeClr val="tx1">
+                        <a:lumMod val="50000"/>
+                        <a:lumOff val="50000"/>
+                      </a:schemeClr>
+                    </a:solidFill>
+                  </a:rPr>
+                  <a:t>/bin/</a:t>
+                </a:r>
+                <a:r>
+                  <a:rPr lang="en-US" altLang="ko-KR" sz="1400" b="1" dirty="0" err="1" smtClean="0">
+                    <a:solidFill>
+                      <a:schemeClr val="tx1">
+                        <a:lumMod val="50000"/>
+                        <a:lumOff val="50000"/>
+                      </a:schemeClr>
+                    </a:solidFill>
+                  </a:rPr>
+                  <a:t>docker</a:t>
+                </a:r>
+                <a:endParaRPr lang="ko-KR" altLang="en-US" sz="1400" b="1" dirty="0">
+                  <a:solidFill>
+                    <a:schemeClr val="tx1">
+                      <a:lumMod val="50000"/>
+                      <a:lumOff val="50000"/>
+                    </a:schemeClr>
+                  </a:solidFill>
+                </a:endParaRPr>
+              </a:p>
+            </p:txBody>
+          </p:sp>
+        </p:grpSp>
+      </p:grpSp>
+      <p:grpSp>
+        <p:nvGrpSpPr>
+          <p:cNvPr id="49" name="그룹 48"/>
+          <p:cNvGrpSpPr/>
+          <p:nvPr/>
+        </p:nvGrpSpPr>
+        <p:grpSpPr>
+          <a:xfrm>
+            <a:off x="4898843" y="1855755"/>
+            <a:ext cx="1944000" cy="1728000"/>
+            <a:chOff x="4628249" y="3218030"/>
+            <a:chExt cx="1944000" cy="1728000"/>
+          </a:xfrm>
+        </p:grpSpPr>
+        <p:sp>
+          <p:nvSpPr>
+            <p:cNvPr id="44" name="모서리가 둥근 직사각형 43"/>
+            <p:cNvSpPr/>
+            <p:nvPr/>
+          </p:nvSpPr>
+          <p:spPr>
+            <a:xfrm>
+              <a:off x="4628249" y="3218030"/>
+              <a:ext cx="1944000" cy="1728000"/>
+            </a:xfrm>
+            <a:prstGeom prst="roundRect">
+              <a:avLst/>
+            </a:prstGeom>
+            <a:solidFill>
+              <a:schemeClr val="bg1"/>
+            </a:solidFill>
+            <a:ln w="19050">
+              <a:solidFill>
+                <a:schemeClr val="accent6"/>
+              </a:solidFill>
+            </a:ln>
+          </p:spPr>
+          <p:style>
+            <a:lnRef idx="2">
+              <a:schemeClr val="accent1">
+                <a:shade val="50000"/>
+              </a:schemeClr>
+            </a:lnRef>
+            <a:fillRef idx="1">
+              <a:schemeClr val="accent1"/>
+            </a:fillRef>
+            <a:effectRef idx="0">
+              <a:schemeClr val="accent1"/>
+            </a:effectRef>
+            <a:fontRef idx="minor">
+              <a:schemeClr val="lt1"/>
+            </a:fontRef>
+          </p:style>
+          <p:txBody>
+            <a:bodyPr lIns="36000" tIns="36000" rIns="36000" bIns="36000" rtlCol="0" anchor="t"/>
+            <a:lstStyle/>
+            <a:p>
+              <a:pPr algn="ctr"/>
+              <a:r>
+                <a:rPr lang="en-US" altLang="ko-KR" sz="1600" b="1" dirty="0" smtClean="0">
+                  <a:solidFill>
+                    <a:schemeClr val="tx1"/>
+                  </a:solidFill>
+                </a:rPr>
+                <a:t>Volume Mounted</a:t>
+              </a:r>
+              <a:endParaRPr lang="ko-KR" altLang="en-US" sz="1600" b="1" dirty="0">
+                <a:solidFill>
+                  <a:schemeClr val="tx1"/>
+                </a:solidFill>
+              </a:endParaRPr>
+            </a:p>
+          </p:txBody>
+        </p:sp>
+        <p:grpSp>
+          <p:nvGrpSpPr>
+            <p:cNvPr id="33" name="그룹 32"/>
+            <p:cNvGrpSpPr/>
+            <p:nvPr/>
+          </p:nvGrpSpPr>
+          <p:grpSpPr>
+            <a:xfrm>
+              <a:off x="4637293" y="3669220"/>
+              <a:ext cx="1925912" cy="1228534"/>
+              <a:chOff x="2911370" y="4761497"/>
+              <a:chExt cx="1925912" cy="1228534"/>
+            </a:xfrm>
+          </p:grpSpPr>
+          <p:pic>
+            <p:nvPicPr>
+              <p:cNvPr id="39" name="그림 38"/>
+              <p:cNvPicPr>
+                <a:picLocks/>
+              </p:cNvPicPr>
+              <p:nvPr/>
+            </p:nvPicPr>
+            <p:blipFill>
+              <a:blip r:embed="rId2"/>
+              <a:stretch>
+                <a:fillRect/>
+              </a:stretch>
+            </p:blipFill>
+            <p:spPr>
+              <a:xfrm>
+                <a:off x="3467773" y="4761497"/>
+                <a:ext cx="900000" cy="648000"/>
+              </a:xfrm>
+              <a:prstGeom prst="rect">
+                <a:avLst/>
+              </a:prstGeom>
+            </p:spPr>
+          </p:pic>
+          <p:sp>
+            <p:nvSpPr>
+              <p:cNvPr id="40" name="TextBox 39"/>
+              <p:cNvSpPr txBox="1"/>
+              <p:nvPr/>
+            </p:nvSpPr>
+            <p:spPr>
+              <a:xfrm>
+                <a:off x="2911370" y="5409497"/>
+                <a:ext cx="1925912" cy="580534"/>
+              </a:xfrm>
+              <a:prstGeom prst="rect">
+                <a:avLst/>
+              </a:prstGeom>
+              <a:noFill/>
+            </p:spPr>
+            <p:txBody>
+              <a:bodyPr wrap="square" lIns="36000" tIns="36000" rIns="36000" bIns="36000" rtlCol="0">
+                <a:spAutoFit/>
+              </a:bodyPr>
+              <a:lstStyle/>
+              <a:p>
+                <a:pPr algn="ctr">
+                  <a:lnSpc>
+                    <a:spcPct val="110000"/>
+                  </a:lnSpc>
+                </a:pPr>
+                <a:r>
+                  <a:rPr lang="en-US" altLang="ko-KR" sz="1600" b="1" dirty="0" smtClean="0"/>
+                  <a:t>Docker Socket</a:t>
+                </a:r>
+                <a:br>
+                  <a:rPr lang="en-US" altLang="ko-KR" sz="1600" b="1" dirty="0" smtClean="0"/>
+                </a:br>
+                <a:r>
+                  <a:rPr lang="en-US" altLang="ko-KR" sz="1400" b="1" dirty="0" smtClean="0">
+                    <a:solidFill>
+                      <a:schemeClr val="tx1">
+                        <a:lumMod val="50000"/>
+                        <a:lumOff val="50000"/>
+                      </a:schemeClr>
+                    </a:solidFill>
+                  </a:rPr>
+                  <a:t>/</a:t>
+                </a:r>
+                <a:r>
+                  <a:rPr lang="en-US" altLang="ko-KR" sz="1400" b="1" dirty="0" err="1" smtClean="0">
+                    <a:solidFill>
+                      <a:schemeClr val="tx1">
+                        <a:lumMod val="50000"/>
+                        <a:lumOff val="50000"/>
+                      </a:schemeClr>
+                    </a:solidFill>
+                  </a:rPr>
+                  <a:t>var</a:t>
+                </a:r>
+                <a:r>
+                  <a:rPr lang="en-US" altLang="ko-KR" sz="1400" b="1" dirty="0" smtClean="0">
+                    <a:solidFill>
+                      <a:schemeClr val="tx1">
+                        <a:lumMod val="50000"/>
+                        <a:lumOff val="50000"/>
+                      </a:schemeClr>
+                    </a:solidFill>
+                  </a:rPr>
+                  <a:t>/run/</a:t>
+                </a:r>
+                <a:r>
+                  <a:rPr lang="en-US" altLang="ko-KR" sz="1400" b="1" dirty="0" err="1" smtClean="0">
+                    <a:solidFill>
+                      <a:schemeClr val="tx1">
+                        <a:lumMod val="50000"/>
+                        <a:lumOff val="50000"/>
+                      </a:schemeClr>
+                    </a:solidFill>
+                  </a:rPr>
+                  <a:t>docker</a:t>
+                </a:r>
+                <a:r>
+                  <a:rPr lang="en-US" altLang="ko-KR" sz="1400" b="1" dirty="0" err="1" smtClean="0">
+                    <a:solidFill>
+                      <a:schemeClr val="tx1">
+                        <a:lumMod val="50000"/>
+                        <a:lumOff val="50000"/>
+                      </a:schemeClr>
+                    </a:solidFill>
+                  </a:rPr>
+                  <a:t>.sock</a:t>
+                </a:r>
+                <a:endParaRPr lang="ko-KR" altLang="en-US" sz="1400" b="1" dirty="0">
+                  <a:solidFill>
+                    <a:schemeClr val="tx1">
+                      <a:lumMod val="50000"/>
+                      <a:lumOff val="50000"/>
+                    </a:schemeClr>
+                  </a:solidFill>
+                </a:endParaRPr>
+              </a:p>
+            </p:txBody>
+          </p:sp>
+        </p:grpSp>
+      </p:grpSp>
+      <p:sp>
+        <p:nvSpPr>
+          <p:cNvPr id="35" name="오른쪽 화살표 34"/>
+          <p:cNvSpPr/>
+          <p:nvPr/>
+        </p:nvSpPr>
+        <p:spPr>
+          <a:xfrm>
+            <a:off x="4053809" y="2539755"/>
+            <a:ext cx="1008000" cy="360000"/>
+          </a:xfrm>
+          <a:prstGeom prst="rightArrow">
+            <a:avLst/>
+          </a:prstGeom>
+          <a:solidFill>
+            <a:schemeClr val="tx2"/>
+          </a:solidFill>
+          <a:ln>
+            <a:noFill/>
+          </a:ln>
+          <a:effectLst>
+            <a:outerShdw blurRad="50800" dist="38100" dir="2700000" algn="tl" rotWithShape="0">
+              <a:prstClr val="black">
+                <a:alpha val="40000"/>
+              </a:prstClr>
+            </a:outerShdw>
+          </a:effectLst>
+        </p:spPr>
+        <p:style>
+          <a:lnRef idx="2">
+            <a:schemeClr val="accent1">
+              <a:shade val="50000"/>
+            </a:schemeClr>
+          </a:lnRef>
+          <a:fillRef idx="1">
+            <a:schemeClr val="accent1"/>
+          </a:fillRef>
+          <a:effectRef idx="0">
+            <a:schemeClr val="accent1"/>
+          </a:effectRef>
+          <a:fontRef idx="minor">
+            <a:schemeClr val="lt1"/>
+          </a:fontRef>
+        </p:style>
+        <p:txBody>
+          <a:bodyPr rtlCol="0" anchor="ctr"/>
+          <a:lstStyle/>
+          <a:p>
+            <a:pPr algn="ctr"/>
+            <a:endParaRPr lang="ko-KR" altLang="en-US"/>
+          </a:p>
+        </p:txBody>
+      </p:sp>
+      <p:sp>
+        <p:nvSpPr>
+          <p:cNvPr id="51" name="오른쪽 화살표 50"/>
+          <p:cNvSpPr/>
+          <p:nvPr/>
+        </p:nvSpPr>
+        <p:spPr>
+          <a:xfrm rot="1800000">
+            <a:off x="6682484" y="2726669"/>
+            <a:ext cx="1008000" cy="360000"/>
+          </a:xfrm>
+          <a:prstGeom prst="rightArrow">
+            <a:avLst/>
+          </a:prstGeom>
+          <a:solidFill>
+            <a:schemeClr val="tx2"/>
+          </a:solidFill>
+          <a:ln>
+            <a:noFill/>
+          </a:ln>
+          <a:effectLst>
+            <a:outerShdw blurRad="50800" dist="38100" dir="2700000" algn="tl" rotWithShape="0">
+              <a:prstClr val="black">
+                <a:alpha val="40000"/>
+              </a:prstClr>
+            </a:outerShdw>
+          </a:effectLst>
+        </p:spPr>
+        <p:style>
+          <a:lnRef idx="2">
+            <a:schemeClr val="accent1">
+              <a:shade val="50000"/>
+            </a:schemeClr>
+          </a:lnRef>
+          <a:fillRef idx="1">
+            <a:schemeClr val="accent1"/>
+          </a:fillRef>
+          <a:effectRef idx="0">
+            <a:schemeClr val="accent1"/>
+          </a:effectRef>
+          <a:fontRef idx="minor">
+            <a:schemeClr val="lt1"/>
+          </a:fontRef>
+        </p:style>
+        <p:txBody>
+          <a:bodyPr rtlCol="0" anchor="ctr"/>
+          <a:lstStyle/>
+          <a:p>
+            <a:pPr algn="ctr"/>
+            <a:endParaRPr lang="ko-KR" altLang="en-US"/>
+          </a:p>
+        </p:txBody>
+      </p:sp>
+      <p:sp>
+        <p:nvSpPr>
+          <p:cNvPr id="52" name="오른쪽 화살표 51"/>
+          <p:cNvSpPr/>
+          <p:nvPr/>
+        </p:nvSpPr>
+        <p:spPr>
+          <a:xfrm rot="5400000">
+            <a:off x="8081322" y="4436443"/>
+            <a:ext cx="648000" cy="360000"/>
+          </a:xfrm>
+          <a:prstGeom prst="rightArrow">
+            <a:avLst/>
+          </a:prstGeom>
+          <a:solidFill>
+            <a:schemeClr val="tx2"/>
+          </a:solidFill>
+          <a:ln>
+            <a:noFill/>
+          </a:ln>
+          <a:effectLst>
+            <a:outerShdw blurRad="50800" dist="38100" dir="2700000" algn="tl" rotWithShape="0">
+              <a:prstClr val="black">
+                <a:alpha val="40000"/>
+              </a:prstClr>
+            </a:outerShdw>
+          </a:effectLst>
+        </p:spPr>
+        <p:style>
+          <a:lnRef idx="2">
+            <a:schemeClr val="accent1">
+              <a:shade val="50000"/>
+            </a:schemeClr>
+          </a:lnRef>
+          <a:fillRef idx="1">
+            <a:schemeClr val="accent1"/>
+          </a:fillRef>
+          <a:effectRef idx="0">
+            <a:schemeClr val="accent1"/>
+          </a:effectRef>
+          <a:fontRef idx="minor">
+            <a:schemeClr val="lt1"/>
+          </a:fontRef>
+        </p:style>
+        <p:txBody>
+          <a:bodyPr rtlCol="0" anchor="ctr"/>
+          <a:lstStyle/>
+          <a:p>
+            <a:pPr algn="ctr"/>
+            <a:endParaRPr lang="ko-KR" altLang="en-US"/>
+          </a:p>
+        </p:txBody>
+      </p:sp>
+    </p:spTree>
+    <p:extLst>
+      <p:ext uri="{BB962C8B-B14F-4D97-AF65-F5344CB8AC3E}">
+        <p14:creationId xmlns:p14="http://schemas.microsoft.com/office/powerpoint/2010/main" val="1180868979"/>
+      </p:ext>
+    </p:extLst>
+  </p:cSld>
+  <p:clrMapOvr>
+    <a:masterClrMapping/>
+  </p:clrMapOvr>
+  <p:timing>
+    <p:tnLst>
+      <p:par>
+        <p:cTn id="1" dur="indefinite" restart="never" nodeType="tmRoot"/>
+      </p:par>
+    </p:tnLst>
+  </p:timing>
+</p:sld>
+</file>
+
+<file path=ppt/slides/slide7.xml><?xml version="1.0" encoding="utf-8"?>
+<p:sld xmlns:a="http://schemas.openxmlformats.org/drawingml/2006/main" xmlns:r="http://schemas.openxmlformats.org/officeDocument/2006/relationships" xmlns:p="http://schemas.openxmlformats.org/presentationml/2006/main">
+  <p:cSld>
+    <p:spTree>
+      <p:nvGrpSpPr>
+        <p:cNvPr id="1" name=""/>
+        <p:cNvGrpSpPr/>
+        <p:nvPr/>
+      </p:nvGrpSpPr>
+      <p:grpSpPr>
+        <a:xfrm>
+          <a:off x="0" y="0"/>
+          <a:ext cx="0" cy="0"/>
+          <a:chOff x="0" y="0"/>
+          <a:chExt cx="0" cy="0"/>
+        </a:xfrm>
+      </p:grpSpPr>
       <p:grpSp>
         <p:nvGrpSpPr>
           <p:cNvPr id="48" name="그룹 47"/>
@@ -11424,7 +14196,7 @@
 </p:sld>
 </file>
 
-<file path=ppt/slides/slide6.xml><?xml version="1.0" encoding="utf-8"?>
+<file path=ppt/slides/slide8.xml><?xml version="1.0" encoding="utf-8"?>
 <p:sld xmlns:a="http://schemas.openxmlformats.org/drawingml/2006/main" xmlns:r="http://schemas.openxmlformats.org/officeDocument/2006/relationships" xmlns:p="http://schemas.openxmlformats.org/presentationml/2006/main">
   <p:cSld>
     <p:spTree>

--- a/markdown_image.pptx
+++ b/markdown_image.pptx
@@ -5,7 +5,7 @@
     <p:sldMasterId id="2147483648" r:id="rId1"/>
   </p:sldMasterIdLst>
   <p:notesMasterIdLst>
-    <p:notesMasterId r:id="rId10"/>
+    <p:notesMasterId r:id="rId11"/>
   </p:notesMasterIdLst>
   <p:sldIdLst>
     <p:sldId id="256" r:id="rId2"/>
@@ -16,6 +16,7 @@
     <p:sldId id="264" r:id="rId7"/>
     <p:sldId id="260" r:id="rId8"/>
     <p:sldId id="261" r:id="rId9"/>
+    <p:sldId id="265" r:id="rId10"/>
   </p:sldIdLst>
   <p:sldSz cx="12192000" cy="6858000"/>
   <p:notesSz cx="6858000" cy="9144000"/>
@@ -204,7 +205,7 @@
           <a:p>
             <a:fld id="{06073691-9509-499D-804B-789F8428B2A1}" type="datetimeFigureOut">
               <a:rPr lang="ko-KR" altLang="en-US" smtClean="0"/>
-              <a:t>2023-02-19</a:t>
+              <a:t>2023-03-05</a:t>
             </a:fld>
             <a:endParaRPr lang="ko-KR" altLang="en-US"/>
           </a:p>
@@ -771,7 +772,7 @@
           <a:p>
             <a:fld id="{0CB960C3-B77A-4865-944D-F41BAAC8ADB3}" type="datetimeFigureOut">
               <a:rPr lang="ko-KR" altLang="en-US" smtClean="0"/>
-              <a:t>2023-02-19</a:t>
+              <a:t>2023-03-05</a:t>
             </a:fld>
             <a:endParaRPr lang="ko-KR" altLang="en-US"/>
           </a:p>
@@ -941,7 +942,7 @@
           <a:p>
             <a:fld id="{0CB960C3-B77A-4865-944D-F41BAAC8ADB3}" type="datetimeFigureOut">
               <a:rPr lang="ko-KR" altLang="en-US" smtClean="0"/>
-              <a:t>2023-02-19</a:t>
+              <a:t>2023-03-05</a:t>
             </a:fld>
             <a:endParaRPr lang="ko-KR" altLang="en-US"/>
           </a:p>
@@ -1121,7 +1122,7 @@
           <a:p>
             <a:fld id="{0CB960C3-B77A-4865-944D-F41BAAC8ADB3}" type="datetimeFigureOut">
               <a:rPr lang="ko-KR" altLang="en-US" smtClean="0"/>
-              <a:t>2023-02-19</a:t>
+              <a:t>2023-03-05</a:t>
             </a:fld>
             <a:endParaRPr lang="ko-KR" altLang="en-US"/>
           </a:p>
@@ -1291,7 +1292,7 @@
           <a:p>
             <a:fld id="{0CB960C3-B77A-4865-944D-F41BAAC8ADB3}" type="datetimeFigureOut">
               <a:rPr lang="ko-KR" altLang="en-US" smtClean="0"/>
-              <a:t>2023-02-19</a:t>
+              <a:t>2023-03-05</a:t>
             </a:fld>
             <a:endParaRPr lang="ko-KR" altLang="en-US"/>
           </a:p>
@@ -1537,7 +1538,7 @@
           <a:p>
             <a:fld id="{0CB960C3-B77A-4865-944D-F41BAAC8ADB3}" type="datetimeFigureOut">
               <a:rPr lang="ko-KR" altLang="en-US" smtClean="0"/>
-              <a:t>2023-02-19</a:t>
+              <a:t>2023-03-05</a:t>
             </a:fld>
             <a:endParaRPr lang="ko-KR" altLang="en-US"/>
           </a:p>
@@ -1769,7 +1770,7 @@
           <a:p>
             <a:fld id="{0CB960C3-B77A-4865-944D-F41BAAC8ADB3}" type="datetimeFigureOut">
               <a:rPr lang="ko-KR" altLang="en-US" smtClean="0"/>
-              <a:t>2023-02-19</a:t>
+              <a:t>2023-03-05</a:t>
             </a:fld>
             <a:endParaRPr lang="ko-KR" altLang="en-US"/>
           </a:p>
@@ -2136,7 +2137,7 @@
           <a:p>
             <a:fld id="{0CB960C3-B77A-4865-944D-F41BAAC8ADB3}" type="datetimeFigureOut">
               <a:rPr lang="ko-KR" altLang="en-US" smtClean="0"/>
-              <a:t>2023-02-19</a:t>
+              <a:t>2023-03-05</a:t>
             </a:fld>
             <a:endParaRPr lang="ko-KR" altLang="en-US"/>
           </a:p>
@@ -2254,7 +2255,7 @@
           <a:p>
             <a:fld id="{0CB960C3-B77A-4865-944D-F41BAAC8ADB3}" type="datetimeFigureOut">
               <a:rPr lang="ko-KR" altLang="en-US" smtClean="0"/>
-              <a:t>2023-02-19</a:t>
+              <a:t>2023-03-05</a:t>
             </a:fld>
             <a:endParaRPr lang="ko-KR" altLang="en-US"/>
           </a:p>
@@ -2349,7 +2350,7 @@
           <a:p>
             <a:fld id="{0CB960C3-B77A-4865-944D-F41BAAC8ADB3}" type="datetimeFigureOut">
               <a:rPr lang="ko-KR" altLang="en-US" smtClean="0"/>
-              <a:t>2023-02-19</a:t>
+              <a:t>2023-03-05</a:t>
             </a:fld>
             <a:endParaRPr lang="ko-KR" altLang="en-US"/>
           </a:p>
@@ -2626,7 +2627,7 @@
           <a:p>
             <a:fld id="{0CB960C3-B77A-4865-944D-F41BAAC8ADB3}" type="datetimeFigureOut">
               <a:rPr lang="ko-KR" altLang="en-US" smtClean="0"/>
-              <a:t>2023-02-19</a:t>
+              <a:t>2023-03-05</a:t>
             </a:fld>
             <a:endParaRPr lang="ko-KR" altLang="en-US"/>
           </a:p>
@@ -2879,7 +2880,7 @@
           <a:p>
             <a:fld id="{0CB960C3-B77A-4865-944D-F41BAAC8ADB3}" type="datetimeFigureOut">
               <a:rPr lang="ko-KR" altLang="en-US" smtClean="0"/>
-              <a:t>2023-02-19</a:t>
+              <a:t>2023-03-05</a:t>
             </a:fld>
             <a:endParaRPr lang="ko-KR" altLang="en-US"/>
           </a:p>
@@ -3092,7 +3093,7 @@
           <a:p>
             <a:fld id="{0CB960C3-B77A-4865-944D-F41BAAC8ADB3}" type="datetimeFigureOut">
               <a:rPr lang="ko-KR" altLang="en-US" smtClean="0"/>
-              <a:t>2023-02-19</a:t>
+              <a:t>2023-03-05</a:t>
             </a:fld>
             <a:endParaRPr lang="ko-KR" altLang="en-US"/>
           </a:p>
@@ -10590,18 +10591,7 @@
                         </a:schemeClr>
                       </a:solidFill>
                     </a:rPr>
-                    <a:t>docker</a:t>
-                  </a:r>
-                  <a:r>
-                    <a:rPr lang="en-US" altLang="ko-KR" sz="1400" b="1" dirty="0" err="1" smtClean="0">
-                      <a:solidFill>
-                        <a:schemeClr val="tx1">
-                          <a:lumMod val="50000"/>
-                          <a:lumOff val="50000"/>
-                        </a:schemeClr>
-                      </a:solidFill>
-                    </a:rPr>
-                    <a:t>.sock</a:t>
+                    <a:t>docker.sock</a:t>
                   </a:r>
                   <a:endParaRPr lang="ko-KR" altLang="en-US" sz="1400" b="1" dirty="0">
                     <a:solidFill>
@@ -10682,15 +10672,7 @@
                   </a:pPr>
                   <a:r>
                     <a:rPr lang="en-US" altLang="ko-KR" sz="1600" b="1" dirty="0" smtClean="0"/>
-                    <a:t>Docker </a:t>
-                  </a:r>
-                  <a:r>
-                    <a:rPr lang="en-US" altLang="ko-KR" sz="1600" b="1" dirty="0" smtClean="0"/>
-                    <a:t>Daemon</a:t>
-                  </a:r>
-                  <a:r>
-                    <a:rPr lang="en-US" altLang="ko-KR" sz="1600" b="1" dirty="0" smtClean="0"/>
-                    <a:t/>
+                    <a:t>Docker Daemon</a:t>
                   </a:r>
                   <a:br>
                     <a:rPr lang="en-US" altLang="ko-KR" sz="1600" b="1" dirty="0" smtClean="0"/>
@@ -11186,18 +11168,7 @@
                           </a:schemeClr>
                         </a:solidFill>
                       </a:rPr>
-                      <a:t>docker</a:t>
-                    </a:r>
-                    <a:r>
-                      <a:rPr lang="en-US" altLang="ko-KR" sz="1400" b="1" dirty="0" err="1" smtClean="0">
-                        <a:solidFill>
-                          <a:schemeClr val="tx1">
-                            <a:lumMod val="50000"/>
-                            <a:lumOff val="50000"/>
-                          </a:schemeClr>
-                        </a:solidFill>
-                      </a:rPr>
-                      <a:t>.sock</a:t>
+                      <a:t>docker.sock</a:t>
                     </a:r>
                     <a:endParaRPr lang="ko-KR" altLang="en-US" sz="1400" b="1" dirty="0">
                       <a:solidFill>
@@ -11278,15 +11249,7 @@
                     </a:pPr>
                     <a:r>
                       <a:rPr lang="en-US" altLang="ko-KR" sz="1600" b="1" dirty="0" smtClean="0"/>
-                      <a:t>Docker </a:t>
-                    </a:r>
-                    <a:r>
-                      <a:rPr lang="en-US" altLang="ko-KR" sz="1600" b="1" dirty="0" smtClean="0"/>
-                      <a:t>Daemon</a:t>
-                    </a:r>
-                    <a:r>
-                      <a:rPr lang="en-US" altLang="ko-KR" sz="1600" b="1" dirty="0" smtClean="0"/>
-                      <a:t/>
+                      <a:t>Docker Daemon</a:t>
                     </a:r>
                     <a:br>
                       <a:rPr lang="en-US" altLang="ko-KR" sz="1600" b="1" dirty="0" smtClean="0"/>
@@ -11962,15 +11925,7 @@
               </a:pPr>
               <a:r>
                 <a:rPr lang="en-US" altLang="ko-KR" sz="1600" b="1" dirty="0" smtClean="0"/>
-                <a:t>Docker </a:t>
-              </a:r>
-              <a:r>
-                <a:rPr lang="en-US" altLang="ko-KR" sz="1600" b="1" dirty="0" smtClean="0"/>
-                <a:t>Daemon</a:t>
-              </a:r>
-              <a:r>
-                <a:rPr lang="en-US" altLang="ko-KR" sz="1600" b="1" dirty="0" smtClean="0"/>
-                <a:t/>
+                <a:t>Docker Daemon</a:t>
               </a:r>
               <a:br>
                 <a:rPr lang="en-US" altLang="ko-KR" sz="1600" b="1" dirty="0" smtClean="0"/>
@@ -12771,18 +12726,7 @@
                       </a:schemeClr>
                     </a:solidFill>
                   </a:rPr>
-                  <a:t>docker</a:t>
-                </a:r>
-                <a:r>
-                  <a:rPr lang="en-US" altLang="ko-KR" sz="1400" b="1" dirty="0" err="1" smtClean="0">
-                    <a:solidFill>
-                      <a:schemeClr val="tx1">
-                        <a:lumMod val="50000"/>
-                        <a:lumOff val="50000"/>
-                      </a:schemeClr>
-                    </a:solidFill>
-                  </a:rPr>
-                  <a:t>.sock</a:t>
+                  <a:t>docker.sock</a:t>
                 </a:r>
                 <a:endParaRPr lang="ko-KR" altLang="en-US" sz="1400" b="1" dirty="0">
                   <a:solidFill>
@@ -15278,6 +15222,3696 @@
 </p:sld>
 </file>
 
+<file path=ppt/slides/slide9.xml><?xml version="1.0" encoding="utf-8"?>
+<p:sld xmlns:a="http://schemas.openxmlformats.org/drawingml/2006/main" xmlns:r="http://schemas.openxmlformats.org/officeDocument/2006/relationships" xmlns:p="http://schemas.openxmlformats.org/presentationml/2006/main">
+  <p:cSld>
+    <p:spTree>
+      <p:nvGrpSpPr>
+        <p:cNvPr id="1" name=""/>
+        <p:cNvGrpSpPr/>
+        <p:nvPr/>
+      </p:nvGrpSpPr>
+      <p:grpSpPr>
+        <a:xfrm>
+          <a:off x="0" y="0"/>
+          <a:ext cx="0" cy="0"/>
+          <a:chOff x="0" y="0"/>
+          <a:chExt cx="0" cy="0"/>
+        </a:xfrm>
+      </p:grpSpPr>
+      <p:grpSp>
+        <p:nvGrpSpPr>
+          <p:cNvPr id="63" name="그룹 62"/>
+          <p:cNvGrpSpPr/>
+          <p:nvPr/>
+        </p:nvGrpSpPr>
+        <p:grpSpPr>
+          <a:xfrm>
+            <a:off x="147840" y="116642"/>
+            <a:ext cx="2087856" cy="4556229"/>
+            <a:chOff x="147840" y="116642"/>
+            <a:chExt cx="2087856" cy="4556229"/>
+          </a:xfrm>
+        </p:grpSpPr>
+        <p:grpSp>
+          <p:nvGrpSpPr>
+            <p:cNvPr id="16" name="그룹 15"/>
+            <p:cNvGrpSpPr/>
+            <p:nvPr/>
+          </p:nvGrpSpPr>
+          <p:grpSpPr>
+            <a:xfrm>
+              <a:off x="394676" y="290743"/>
+              <a:ext cx="1841020" cy="1081144"/>
+              <a:chOff x="3553940" y="893960"/>
+              <a:chExt cx="1841020" cy="1081144"/>
+            </a:xfrm>
+          </p:grpSpPr>
+          <p:sp>
+            <p:nvSpPr>
+              <p:cNvPr id="7" name="모서리가 둥근 직사각형 6"/>
+              <p:cNvSpPr/>
+              <p:nvPr/>
+            </p:nvSpPr>
+            <p:spPr>
+              <a:xfrm>
+                <a:off x="3769608" y="1229538"/>
+                <a:ext cx="1625352" cy="745566"/>
+              </a:xfrm>
+              <a:prstGeom prst="roundRect">
+                <a:avLst/>
+              </a:prstGeom>
+              <a:noFill/>
+              <a:ln w="19050">
+                <a:solidFill>
+                  <a:srgbClr val="326CE5"/>
+                </a:solidFill>
+              </a:ln>
+            </p:spPr>
+            <p:style>
+              <a:lnRef idx="2">
+                <a:schemeClr val="accent1">
+                  <a:shade val="50000"/>
+                </a:schemeClr>
+              </a:lnRef>
+              <a:fillRef idx="1">
+                <a:schemeClr val="accent1"/>
+              </a:fillRef>
+              <a:effectRef idx="0">
+                <a:schemeClr val="accent1"/>
+              </a:effectRef>
+              <a:fontRef idx="minor">
+                <a:schemeClr val="lt1"/>
+              </a:fontRef>
+            </p:style>
+            <p:txBody>
+              <a:bodyPr lIns="36000" tIns="36000" rIns="36000" bIns="36000" rtlCol="0" anchor="ctr"/>
+              <a:lstStyle/>
+              <a:p>
+                <a:pPr algn="ctr"/>
+                <a:r>
+                  <a:rPr lang="en-US" altLang="ko-KR" sz="1600" dirty="0" smtClean="0">
+                    <a:solidFill>
+                      <a:srgbClr val="326CE5"/>
+                    </a:solidFill>
+                    <a:latin typeface="삼성긴고딕OTF Bold" panose="020B0600000101010101" pitchFamily="34" charset="-127"/>
+                    <a:ea typeface="삼성긴고딕OTF Bold" panose="020B0600000101010101" pitchFamily="34" charset="-127"/>
+                  </a:rPr>
+                  <a:t>Deployment</a:t>
+                </a:r>
+                <a:endParaRPr lang="ko-KR" altLang="en-US" sz="1600" dirty="0">
+                  <a:solidFill>
+                    <a:srgbClr val="326CE5"/>
+                  </a:solidFill>
+                  <a:latin typeface="삼성긴고딕OTF Bold" panose="020B0600000101010101" pitchFamily="34" charset="-127"/>
+                  <a:ea typeface="삼성긴고딕OTF Bold" panose="020B0600000101010101" pitchFamily="34" charset="-127"/>
+                </a:endParaRPr>
+              </a:p>
+            </p:txBody>
+          </p:sp>
+          <p:pic>
+            <p:nvPicPr>
+              <p:cNvPr id="4" name="그림 3"/>
+              <p:cNvPicPr>
+                <a:picLocks noChangeAspect="1"/>
+              </p:cNvPicPr>
+              <p:nvPr/>
+            </p:nvPicPr>
+            <p:blipFill>
+              <a:blip r:embed="rId2"/>
+              <a:stretch>
+                <a:fillRect/>
+              </a:stretch>
+            </p:blipFill>
+            <p:spPr>
+              <a:xfrm>
+                <a:off x="3553940" y="893960"/>
+                <a:ext cx="603556" cy="585267"/>
+              </a:xfrm>
+              <a:prstGeom prst="rect">
+                <a:avLst/>
+              </a:prstGeom>
+            </p:spPr>
+          </p:pic>
+        </p:grpSp>
+        <p:grpSp>
+          <p:nvGrpSpPr>
+            <p:cNvPr id="15" name="그룹 14"/>
+            <p:cNvGrpSpPr/>
+            <p:nvPr/>
+          </p:nvGrpSpPr>
+          <p:grpSpPr>
+            <a:xfrm>
+              <a:off x="394676" y="1692498"/>
+              <a:ext cx="1841020" cy="1044296"/>
+              <a:chOff x="3553940" y="2310682"/>
+              <a:chExt cx="1841020" cy="1044296"/>
+            </a:xfrm>
+          </p:grpSpPr>
+          <p:sp>
+            <p:nvSpPr>
+              <p:cNvPr id="8" name="모서리가 둥근 직사각형 7"/>
+              <p:cNvSpPr/>
+              <p:nvPr/>
+            </p:nvSpPr>
+            <p:spPr>
+              <a:xfrm>
+                <a:off x="3769608" y="2609412"/>
+                <a:ext cx="1625352" cy="745566"/>
+              </a:xfrm>
+              <a:prstGeom prst="roundRect">
+                <a:avLst/>
+              </a:prstGeom>
+              <a:noFill/>
+              <a:ln w="19050">
+                <a:solidFill>
+                  <a:srgbClr val="326CE5"/>
+                </a:solidFill>
+              </a:ln>
+            </p:spPr>
+            <p:style>
+              <a:lnRef idx="2">
+                <a:schemeClr val="accent1">
+                  <a:shade val="50000"/>
+                </a:schemeClr>
+              </a:lnRef>
+              <a:fillRef idx="1">
+                <a:schemeClr val="accent1"/>
+              </a:fillRef>
+              <a:effectRef idx="0">
+                <a:schemeClr val="accent1"/>
+              </a:effectRef>
+              <a:fontRef idx="minor">
+                <a:schemeClr val="lt1"/>
+              </a:fontRef>
+            </p:style>
+            <p:txBody>
+              <a:bodyPr lIns="36000" tIns="36000" rIns="36000" bIns="36000" rtlCol="0" anchor="ctr"/>
+              <a:lstStyle/>
+              <a:p>
+                <a:pPr algn="ctr"/>
+                <a:r>
+                  <a:rPr lang="en-US" altLang="ko-KR" sz="1600" dirty="0" err="1" smtClean="0">
+                    <a:solidFill>
+                      <a:srgbClr val="326CE5"/>
+                    </a:solidFill>
+                    <a:latin typeface="삼성긴고딕OTF Bold" panose="020B0600000101010101" pitchFamily="34" charset="-127"/>
+                    <a:ea typeface="삼성긴고딕OTF Bold" panose="020B0600000101010101" pitchFamily="34" charset="-127"/>
+                  </a:rPr>
+                  <a:t>ReplicaSet</a:t>
+                </a:r>
+                <a:endParaRPr lang="ko-KR" altLang="en-US" sz="1600" dirty="0">
+                  <a:solidFill>
+                    <a:srgbClr val="326CE5"/>
+                  </a:solidFill>
+                  <a:latin typeface="삼성긴고딕OTF Bold" panose="020B0600000101010101" pitchFamily="34" charset="-127"/>
+                  <a:ea typeface="삼성긴고딕OTF Bold" panose="020B0600000101010101" pitchFamily="34" charset="-127"/>
+                </a:endParaRPr>
+              </a:p>
+            </p:txBody>
+          </p:sp>
+          <p:pic>
+            <p:nvPicPr>
+              <p:cNvPr id="5" name="그림 4"/>
+              <p:cNvPicPr>
+                <a:picLocks noChangeAspect="1"/>
+              </p:cNvPicPr>
+              <p:nvPr/>
+            </p:nvPicPr>
+            <p:blipFill>
+              <a:blip r:embed="rId3"/>
+              <a:stretch>
+                <a:fillRect/>
+              </a:stretch>
+            </p:blipFill>
+            <p:spPr>
+              <a:xfrm>
+                <a:off x="3553940" y="2310682"/>
+                <a:ext cx="615749" cy="597460"/>
+              </a:xfrm>
+              <a:prstGeom prst="rect">
+                <a:avLst/>
+              </a:prstGeom>
+            </p:spPr>
+          </p:pic>
+        </p:grpSp>
+        <p:grpSp>
+          <p:nvGrpSpPr>
+            <p:cNvPr id="17" name="그룹 16"/>
+            <p:cNvGrpSpPr/>
+            <p:nvPr/>
+          </p:nvGrpSpPr>
+          <p:grpSpPr>
+            <a:xfrm>
+              <a:off x="394676" y="3057405"/>
+              <a:ext cx="1841020" cy="1615466"/>
+              <a:chOff x="3553940" y="3660622"/>
+              <a:chExt cx="1841020" cy="1615466"/>
+            </a:xfrm>
+          </p:grpSpPr>
+          <p:sp>
+            <p:nvSpPr>
+              <p:cNvPr id="9" name="모서리가 둥근 직사각형 8"/>
+              <p:cNvSpPr/>
+              <p:nvPr/>
+            </p:nvSpPr>
+            <p:spPr>
+              <a:xfrm>
+                <a:off x="3769608" y="3959352"/>
+                <a:ext cx="1625352" cy="1316736"/>
+              </a:xfrm>
+              <a:prstGeom prst="roundRect">
+                <a:avLst/>
+              </a:prstGeom>
+              <a:noFill/>
+              <a:ln w="19050">
+                <a:solidFill>
+                  <a:srgbClr val="326CE5"/>
+                </a:solidFill>
+              </a:ln>
+            </p:spPr>
+            <p:style>
+              <a:lnRef idx="2">
+                <a:schemeClr val="accent1">
+                  <a:shade val="50000"/>
+                </a:schemeClr>
+              </a:lnRef>
+              <a:fillRef idx="1">
+                <a:schemeClr val="accent1"/>
+              </a:fillRef>
+              <a:effectRef idx="0">
+                <a:schemeClr val="accent1"/>
+              </a:effectRef>
+              <a:fontRef idx="minor">
+                <a:schemeClr val="lt1"/>
+              </a:fontRef>
+            </p:style>
+            <p:txBody>
+              <a:bodyPr lIns="36000" tIns="36000" rIns="36000" bIns="36000" rtlCol="0" anchor="t"/>
+              <a:lstStyle/>
+              <a:p>
+                <a:pPr algn="ctr"/>
+                <a:r>
+                  <a:rPr lang="en-US" altLang="ko-KR" sz="1600" dirty="0" smtClean="0">
+                    <a:solidFill>
+                      <a:srgbClr val="326CE5"/>
+                    </a:solidFill>
+                    <a:latin typeface="삼성긴고딕OTF Bold" panose="020B0600000101010101" pitchFamily="34" charset="-127"/>
+                    <a:ea typeface="삼성긴고딕OTF Bold" panose="020B0600000101010101" pitchFamily="34" charset="-127"/>
+                  </a:rPr>
+                  <a:t>Pod</a:t>
+                </a:r>
+                <a:endParaRPr lang="ko-KR" altLang="en-US" sz="1600" dirty="0">
+                  <a:solidFill>
+                    <a:srgbClr val="326CE5"/>
+                  </a:solidFill>
+                  <a:latin typeface="삼성긴고딕OTF Bold" panose="020B0600000101010101" pitchFamily="34" charset="-127"/>
+                  <a:ea typeface="삼성긴고딕OTF Bold" panose="020B0600000101010101" pitchFamily="34" charset="-127"/>
+                </a:endParaRPr>
+              </a:p>
+            </p:txBody>
+          </p:sp>
+          <p:grpSp>
+            <p:nvGrpSpPr>
+              <p:cNvPr id="14" name="그룹 13"/>
+              <p:cNvGrpSpPr/>
+              <p:nvPr/>
+            </p:nvGrpSpPr>
+            <p:grpSpPr>
+              <a:xfrm>
+                <a:off x="3800854" y="4262906"/>
+                <a:ext cx="1419583" cy="930990"/>
+                <a:chOff x="7148345" y="3161179"/>
+                <a:chExt cx="1419583" cy="930990"/>
+              </a:xfrm>
+            </p:grpSpPr>
+            <p:grpSp>
+              <p:nvGrpSpPr>
+                <p:cNvPr id="10" name="그룹 9"/>
+                <p:cNvGrpSpPr/>
+                <p:nvPr/>
+              </p:nvGrpSpPr>
+              <p:grpSpPr>
+                <a:xfrm>
+                  <a:off x="7148345" y="3161179"/>
+                  <a:ext cx="1419583" cy="930990"/>
+                  <a:chOff x="8022202" y="705748"/>
+                  <a:chExt cx="1419583" cy="930990"/>
+                </a:xfrm>
+              </p:grpSpPr>
+              <p:sp>
+                <p:nvSpPr>
+                  <p:cNvPr id="11" name="모서리가 둥근 직사각형 10"/>
+                  <p:cNvSpPr/>
+                  <p:nvPr/>
+                </p:nvSpPr>
+                <p:spPr>
+                  <a:xfrm>
+                    <a:off x="8190306" y="850801"/>
+                    <a:ext cx="1251479" cy="785937"/>
+                  </a:xfrm>
+                  <a:prstGeom prst="roundRect">
+                    <a:avLst/>
+                  </a:prstGeom>
+                  <a:noFill/>
+                  <a:ln w="19050">
+                    <a:solidFill>
+                      <a:srgbClr val="326CE5"/>
+                    </a:solidFill>
+                  </a:ln>
+                </p:spPr>
+                <p:style>
+                  <a:lnRef idx="2">
+                    <a:schemeClr val="accent1">
+                      <a:shade val="50000"/>
+                    </a:schemeClr>
+                  </a:lnRef>
+                  <a:fillRef idx="1">
+                    <a:schemeClr val="accent1"/>
+                  </a:fillRef>
+                  <a:effectRef idx="0">
+                    <a:schemeClr val="accent1"/>
+                  </a:effectRef>
+                  <a:fontRef idx="minor">
+                    <a:schemeClr val="lt1"/>
+                  </a:fontRef>
+                </p:style>
+                <p:txBody>
+                  <a:bodyPr lIns="36000" tIns="36000" rIns="36000" bIns="36000" rtlCol="0" anchor="t"/>
+                  <a:lstStyle/>
+                  <a:p>
+                    <a:pPr algn="ctr"/>
+                    <a:r>
+                      <a:rPr lang="en-US" altLang="ko-KR" sz="1400" b="1" dirty="0" smtClean="0">
+                        <a:solidFill>
+                          <a:schemeClr val="tx1"/>
+                        </a:solidFill>
+                      </a:rPr>
+                      <a:t>Container</a:t>
+                    </a:r>
+                    <a:endParaRPr lang="ko-KR" altLang="en-US" sz="1400" b="1" dirty="0">
+                      <a:solidFill>
+                        <a:schemeClr val="tx1"/>
+                      </a:solidFill>
+                    </a:endParaRPr>
+                  </a:p>
+                </p:txBody>
+              </p:sp>
+              <p:pic>
+                <p:nvPicPr>
+                  <p:cNvPr id="12" name="그림 11"/>
+                  <p:cNvPicPr>
+                    <a:picLocks noChangeAspect="1"/>
+                  </p:cNvPicPr>
+                  <p:nvPr/>
+                </p:nvPicPr>
+                <p:blipFill>
+                  <a:blip r:embed="rId4"/>
+                  <a:stretch>
+                    <a:fillRect/>
+                  </a:stretch>
+                </p:blipFill>
+                <p:spPr>
+                  <a:xfrm>
+                    <a:off x="8022202" y="705748"/>
+                    <a:ext cx="372783" cy="372783"/>
+                  </a:xfrm>
+                  <a:prstGeom prst="rect">
+                    <a:avLst/>
+                  </a:prstGeom>
+                </p:spPr>
+              </p:pic>
+            </p:grpSp>
+            <p:pic>
+              <p:nvPicPr>
+                <p:cNvPr id="13" name="그림 12"/>
+                <p:cNvPicPr>
+                  <a:picLocks noChangeAspect="1"/>
+                </p:cNvPicPr>
+                <p:nvPr/>
+              </p:nvPicPr>
+              <p:blipFill>
+                <a:blip r:embed="rId5"/>
+                <a:stretch>
+                  <a:fillRect/>
+                </a:stretch>
+              </p:blipFill>
+              <p:spPr>
+                <a:xfrm>
+                  <a:off x="7707182" y="3622157"/>
+                  <a:ext cx="470012" cy="470012"/>
+                </a:xfrm>
+                <a:prstGeom prst="rect">
+                  <a:avLst/>
+                </a:prstGeom>
+              </p:spPr>
+            </p:pic>
+          </p:grpSp>
+          <p:pic>
+            <p:nvPicPr>
+              <p:cNvPr id="6" name="그림 5"/>
+              <p:cNvPicPr>
+                <a:picLocks noChangeAspect="1"/>
+              </p:cNvPicPr>
+              <p:nvPr/>
+            </p:nvPicPr>
+            <p:blipFill>
+              <a:blip r:embed="rId6"/>
+              <a:stretch>
+                <a:fillRect/>
+              </a:stretch>
+            </p:blipFill>
+            <p:spPr>
+              <a:xfrm>
+                <a:off x="3553940" y="3660622"/>
+                <a:ext cx="615749" cy="597460"/>
+              </a:xfrm>
+              <a:prstGeom prst="rect">
+                <a:avLst/>
+              </a:prstGeom>
+            </p:spPr>
+          </p:pic>
+        </p:grpSp>
+        <p:cxnSp>
+          <p:nvCxnSpPr>
+            <p:cNvPr id="18" name="꺾인 연결선 70"/>
+            <p:cNvCxnSpPr>
+              <a:stCxn id="7" idx="2"/>
+              <a:endCxn id="8" idx="0"/>
+            </p:cNvCxnSpPr>
+            <p:nvPr/>
+          </p:nvCxnSpPr>
+          <p:spPr>
+            <a:xfrm>
+              <a:off x="1423020" y="1371887"/>
+              <a:ext cx="0" cy="619341"/>
+            </a:xfrm>
+            <a:prstGeom prst="straightConnector1">
+              <a:avLst/>
+            </a:prstGeom>
+            <a:ln w="12700">
+              <a:solidFill>
+                <a:schemeClr val="tx2"/>
+              </a:solidFill>
+              <a:tailEnd type="triangle"/>
+            </a:ln>
+          </p:spPr>
+          <p:style>
+            <a:lnRef idx="1">
+              <a:schemeClr val="accent1"/>
+            </a:lnRef>
+            <a:fillRef idx="0">
+              <a:schemeClr val="accent1"/>
+            </a:fillRef>
+            <a:effectRef idx="0">
+              <a:schemeClr val="accent1"/>
+            </a:effectRef>
+            <a:fontRef idx="minor">
+              <a:schemeClr val="tx1"/>
+            </a:fontRef>
+          </p:style>
+        </p:cxnSp>
+        <p:cxnSp>
+          <p:nvCxnSpPr>
+            <p:cNvPr id="21" name="꺾인 연결선 70"/>
+            <p:cNvCxnSpPr>
+              <a:stCxn id="8" idx="2"/>
+              <a:endCxn id="9" idx="0"/>
+            </p:cNvCxnSpPr>
+            <p:nvPr/>
+          </p:nvCxnSpPr>
+          <p:spPr>
+            <a:xfrm>
+              <a:off x="1423020" y="2736794"/>
+              <a:ext cx="0" cy="619341"/>
+            </a:xfrm>
+            <a:prstGeom prst="straightConnector1">
+              <a:avLst/>
+            </a:prstGeom>
+            <a:ln w="12700">
+              <a:solidFill>
+                <a:schemeClr val="tx2"/>
+              </a:solidFill>
+              <a:tailEnd type="triangle"/>
+            </a:ln>
+          </p:spPr>
+          <p:style>
+            <a:lnRef idx="1">
+              <a:schemeClr val="accent1"/>
+            </a:lnRef>
+            <a:fillRef idx="0">
+              <a:schemeClr val="accent1"/>
+            </a:fillRef>
+            <a:effectRef idx="0">
+              <a:schemeClr val="accent1"/>
+            </a:effectRef>
+            <a:fontRef idx="minor">
+              <a:schemeClr val="tx1"/>
+            </a:fontRef>
+          </p:style>
+        </p:cxnSp>
+        <p:sp>
+          <p:nvSpPr>
+            <p:cNvPr id="24" name="TextBox 23"/>
+            <p:cNvSpPr txBox="1"/>
+            <p:nvPr/>
+          </p:nvSpPr>
+          <p:spPr>
+            <a:xfrm>
+              <a:off x="147840" y="116642"/>
+              <a:ext cx="352044" cy="338554"/>
+            </a:xfrm>
+            <a:prstGeom prst="rect">
+              <a:avLst/>
+            </a:prstGeom>
+            <a:noFill/>
+          </p:spPr>
+          <p:txBody>
+            <a:bodyPr wrap="square" rtlCol="0">
+              <a:spAutoFit/>
+            </a:bodyPr>
+            <a:lstStyle/>
+            <a:p>
+              <a:pPr algn="ctr"/>
+              <a:r>
+                <a:rPr lang="ko-KR" altLang="en-US" sz="1600" b="1" dirty="0" smtClean="0">
+                  <a:solidFill>
+                    <a:srgbClr val="FF0000"/>
+                  </a:solidFill>
+                  <a:latin typeface="삼성긴고딕OTF Bold" panose="020B0600000101010101" pitchFamily="34" charset="-127"/>
+                  <a:ea typeface="삼성긴고딕OTF Bold" panose="020B0600000101010101" pitchFamily="34" charset="-127"/>
+                </a:rPr>
+                <a:t>①</a:t>
+              </a:r>
+              <a:endParaRPr lang="ko-KR" altLang="en-US" sz="1600" b="1" dirty="0">
+                <a:solidFill>
+                  <a:srgbClr val="FF0000"/>
+                </a:solidFill>
+                <a:latin typeface="삼성긴고딕OTF Bold" panose="020B0600000101010101" pitchFamily="34" charset="-127"/>
+                <a:ea typeface="삼성긴고딕OTF Bold" panose="020B0600000101010101" pitchFamily="34" charset="-127"/>
+              </a:endParaRPr>
+            </a:p>
+          </p:txBody>
+        </p:sp>
+        <p:sp>
+          <p:nvSpPr>
+            <p:cNvPr id="25" name="TextBox 24"/>
+            <p:cNvSpPr txBox="1"/>
+            <p:nvPr/>
+          </p:nvSpPr>
+          <p:spPr>
+            <a:xfrm>
+              <a:off x="147840" y="1587023"/>
+              <a:ext cx="352044" cy="338554"/>
+            </a:xfrm>
+            <a:prstGeom prst="rect">
+              <a:avLst/>
+            </a:prstGeom>
+            <a:noFill/>
+          </p:spPr>
+          <p:txBody>
+            <a:bodyPr wrap="square" rtlCol="0">
+              <a:spAutoFit/>
+            </a:bodyPr>
+            <a:lstStyle/>
+            <a:p>
+              <a:pPr algn="ctr"/>
+              <a:r>
+                <a:rPr lang="ko-KR" altLang="en-US" sz="1600" b="1" dirty="0" smtClean="0">
+                  <a:solidFill>
+                    <a:srgbClr val="FF0000"/>
+                  </a:solidFill>
+                  <a:latin typeface="삼성긴고딕OTF Bold" panose="020B0600000101010101" pitchFamily="34" charset="-127"/>
+                  <a:ea typeface="삼성긴고딕OTF Bold" panose="020B0600000101010101" pitchFamily="34" charset="-127"/>
+                </a:rPr>
+                <a:t>②</a:t>
+              </a:r>
+              <a:endParaRPr lang="ko-KR" altLang="en-US" sz="1600" b="1" dirty="0">
+                <a:solidFill>
+                  <a:srgbClr val="FF0000"/>
+                </a:solidFill>
+                <a:latin typeface="삼성긴고딕OTF Bold" panose="020B0600000101010101" pitchFamily="34" charset="-127"/>
+                <a:ea typeface="삼성긴고딕OTF Bold" panose="020B0600000101010101" pitchFamily="34" charset="-127"/>
+              </a:endParaRPr>
+            </a:p>
+          </p:txBody>
+        </p:sp>
+        <p:sp>
+          <p:nvSpPr>
+            <p:cNvPr id="26" name="TextBox 25"/>
+            <p:cNvSpPr txBox="1"/>
+            <p:nvPr/>
+          </p:nvSpPr>
+          <p:spPr>
+            <a:xfrm>
+              <a:off x="147840" y="2999293"/>
+              <a:ext cx="352044" cy="338554"/>
+            </a:xfrm>
+            <a:prstGeom prst="rect">
+              <a:avLst/>
+            </a:prstGeom>
+            <a:noFill/>
+          </p:spPr>
+          <p:txBody>
+            <a:bodyPr wrap="square" rtlCol="0">
+              <a:spAutoFit/>
+            </a:bodyPr>
+            <a:lstStyle/>
+            <a:p>
+              <a:pPr algn="ctr"/>
+              <a:r>
+                <a:rPr lang="ko-KR" altLang="en-US" sz="1600" b="1" dirty="0" smtClean="0">
+                  <a:solidFill>
+                    <a:srgbClr val="FF0000"/>
+                  </a:solidFill>
+                  <a:latin typeface="삼성긴고딕OTF Bold" panose="020B0600000101010101" pitchFamily="34" charset="-127"/>
+                  <a:ea typeface="삼성긴고딕OTF Bold" panose="020B0600000101010101" pitchFamily="34" charset="-127"/>
+                </a:rPr>
+                <a:t>③</a:t>
+              </a:r>
+              <a:endParaRPr lang="ko-KR" altLang="en-US" sz="1600" b="1" dirty="0">
+                <a:solidFill>
+                  <a:srgbClr val="FF0000"/>
+                </a:solidFill>
+                <a:latin typeface="삼성긴고딕OTF Bold" panose="020B0600000101010101" pitchFamily="34" charset="-127"/>
+                <a:ea typeface="삼성긴고딕OTF Bold" panose="020B0600000101010101" pitchFamily="34" charset="-127"/>
+              </a:endParaRPr>
+            </a:p>
+          </p:txBody>
+        </p:sp>
+      </p:grpSp>
+      <p:grpSp>
+        <p:nvGrpSpPr>
+          <p:cNvPr id="64" name="그룹 63"/>
+          <p:cNvGrpSpPr/>
+          <p:nvPr/>
+        </p:nvGrpSpPr>
+        <p:grpSpPr>
+          <a:xfrm>
+            <a:off x="4940039" y="80909"/>
+            <a:ext cx="7075176" cy="1368378"/>
+            <a:chOff x="4013448" y="423768"/>
+            <a:chExt cx="7075176" cy="1368378"/>
+          </a:xfrm>
+        </p:grpSpPr>
+        <p:sp>
+          <p:nvSpPr>
+            <p:cNvPr id="27" name="모서리가 둥근 직사각형 26"/>
+            <p:cNvSpPr/>
+            <p:nvPr/>
+          </p:nvSpPr>
+          <p:spPr>
+            <a:xfrm>
+              <a:off x="4013448" y="818058"/>
+              <a:ext cx="1625352" cy="936000"/>
+            </a:xfrm>
+            <a:prstGeom prst="roundRect">
+              <a:avLst/>
+            </a:prstGeom>
+            <a:noFill/>
+            <a:ln w="19050">
+              <a:solidFill>
+                <a:srgbClr val="326CE5"/>
+              </a:solidFill>
+            </a:ln>
+          </p:spPr>
+          <p:style>
+            <a:lnRef idx="2">
+              <a:schemeClr val="accent1">
+                <a:shade val="50000"/>
+              </a:schemeClr>
+            </a:lnRef>
+            <a:fillRef idx="1">
+              <a:schemeClr val="accent1"/>
+            </a:fillRef>
+            <a:effectRef idx="0">
+              <a:schemeClr val="accent1"/>
+            </a:effectRef>
+            <a:fontRef idx="minor">
+              <a:schemeClr val="lt1"/>
+            </a:fontRef>
+          </p:style>
+          <p:txBody>
+            <a:bodyPr lIns="36000" tIns="36000" rIns="36000" bIns="36000" rtlCol="0" anchor="ctr"/>
+            <a:lstStyle/>
+            <a:p>
+              <a:pPr algn="ctr"/>
+              <a:r>
+                <a:rPr lang="en-US" altLang="ko-KR" sz="1600" dirty="0" smtClean="0">
+                  <a:solidFill>
+                    <a:srgbClr val="326CE5"/>
+                  </a:solidFill>
+                  <a:latin typeface="삼성긴고딕OTF Bold" panose="020B0600000101010101" pitchFamily="34" charset="-127"/>
+                  <a:ea typeface="삼성긴고딕OTF Bold" panose="020B0600000101010101" pitchFamily="34" charset="-127"/>
+                </a:rPr>
+                <a:t>Components</a:t>
+              </a:r>
+              <a:endParaRPr lang="ko-KR" altLang="en-US" sz="1600" dirty="0">
+                <a:solidFill>
+                  <a:srgbClr val="326CE5"/>
+                </a:solidFill>
+                <a:latin typeface="삼성긴고딕OTF Bold" panose="020B0600000101010101" pitchFamily="34" charset="-127"/>
+                <a:ea typeface="삼성긴고딕OTF Bold" panose="020B0600000101010101" pitchFamily="34" charset="-127"/>
+              </a:endParaRPr>
+            </a:p>
+          </p:txBody>
+        </p:sp>
+        <p:grpSp>
+          <p:nvGrpSpPr>
+            <p:cNvPr id="44" name="그룹 43"/>
+            <p:cNvGrpSpPr/>
+            <p:nvPr/>
+          </p:nvGrpSpPr>
+          <p:grpSpPr>
+            <a:xfrm>
+              <a:off x="9261209" y="423768"/>
+              <a:ext cx="1827415" cy="1330290"/>
+              <a:chOff x="9261209" y="423768"/>
+              <a:chExt cx="1827415" cy="1330290"/>
+            </a:xfrm>
+          </p:grpSpPr>
+          <p:sp>
+            <p:nvSpPr>
+              <p:cNvPr id="29" name="모서리가 둥근 직사각형 28"/>
+              <p:cNvSpPr/>
+              <p:nvPr/>
+            </p:nvSpPr>
+            <p:spPr>
+              <a:xfrm>
+                <a:off x="9463272" y="818058"/>
+                <a:ext cx="1625352" cy="936000"/>
+              </a:xfrm>
+              <a:prstGeom prst="roundRect">
+                <a:avLst/>
+              </a:prstGeom>
+              <a:noFill/>
+              <a:ln w="19050">
+                <a:solidFill>
+                  <a:srgbClr val="326CE5"/>
+                </a:solidFill>
+              </a:ln>
+            </p:spPr>
+            <p:style>
+              <a:lnRef idx="2">
+                <a:schemeClr val="accent1">
+                  <a:shade val="50000"/>
+                </a:schemeClr>
+              </a:lnRef>
+              <a:fillRef idx="1">
+                <a:schemeClr val="accent1"/>
+              </a:fillRef>
+              <a:effectRef idx="0">
+                <a:schemeClr val="accent1"/>
+              </a:effectRef>
+              <a:fontRef idx="minor">
+                <a:schemeClr val="lt1"/>
+              </a:fontRef>
+            </p:style>
+            <p:txBody>
+              <a:bodyPr lIns="36000" tIns="36000" rIns="36000" bIns="36000" rtlCol="0" anchor="ctr"/>
+              <a:lstStyle/>
+              <a:p>
+                <a:pPr algn="ctr"/>
+                <a:r>
+                  <a:rPr lang="en-US" altLang="ko-KR" sz="1600" dirty="0" err="1" smtClean="0">
+                    <a:solidFill>
+                      <a:srgbClr val="326CE5"/>
+                    </a:solidFill>
+                    <a:latin typeface="삼성긴고딕OTF Bold" panose="020B0600000101010101" pitchFamily="34" charset="-127"/>
+                    <a:ea typeface="삼성긴고딕OTF Bold" panose="020B0600000101010101" pitchFamily="34" charset="-127"/>
+                  </a:rPr>
+                  <a:t>etcd</a:t>
+                </a:r>
+                <a:endParaRPr lang="ko-KR" altLang="en-US" sz="1600" dirty="0">
+                  <a:solidFill>
+                    <a:srgbClr val="326CE5"/>
+                  </a:solidFill>
+                  <a:latin typeface="삼성긴고딕OTF Bold" panose="020B0600000101010101" pitchFamily="34" charset="-127"/>
+                  <a:ea typeface="삼성긴고딕OTF Bold" panose="020B0600000101010101" pitchFamily="34" charset="-127"/>
+                </a:endParaRPr>
+              </a:p>
+            </p:txBody>
+          </p:sp>
+          <p:pic>
+            <p:nvPicPr>
+              <p:cNvPr id="30" name="Shape 214"/>
+              <p:cNvPicPr preferRelativeResize="0"/>
+              <p:nvPr/>
+            </p:nvPicPr>
+            <p:blipFill>
+              <a:blip r:embed="rId7">
+                <a:alphaModFix/>
+              </a:blip>
+              <a:stretch>
+                <a:fillRect/>
+              </a:stretch>
+            </p:blipFill>
+            <p:spPr>
+              <a:xfrm>
+                <a:off x="9261209" y="423768"/>
+                <a:ext cx="597007" cy="580681"/>
+              </a:xfrm>
+              <a:prstGeom prst="rect">
+                <a:avLst/>
+              </a:prstGeom>
+              <a:noFill/>
+              <a:ln>
+                <a:noFill/>
+              </a:ln>
+            </p:spPr>
+          </p:pic>
+        </p:grpSp>
+        <p:grpSp>
+          <p:nvGrpSpPr>
+            <p:cNvPr id="43" name="그룹 42"/>
+            <p:cNvGrpSpPr/>
+            <p:nvPr/>
+          </p:nvGrpSpPr>
+          <p:grpSpPr>
+            <a:xfrm>
+              <a:off x="6536297" y="423768"/>
+              <a:ext cx="1827415" cy="1330290"/>
+              <a:chOff x="6536297" y="423768"/>
+              <a:chExt cx="1827415" cy="1330290"/>
+            </a:xfrm>
+          </p:grpSpPr>
+          <p:sp>
+            <p:nvSpPr>
+              <p:cNvPr id="28" name="모서리가 둥근 직사각형 27"/>
+              <p:cNvSpPr/>
+              <p:nvPr/>
+            </p:nvSpPr>
+            <p:spPr>
+              <a:xfrm>
+                <a:off x="6738360" y="818058"/>
+                <a:ext cx="1625352" cy="936000"/>
+              </a:xfrm>
+              <a:prstGeom prst="roundRect">
+                <a:avLst/>
+              </a:prstGeom>
+              <a:noFill/>
+              <a:ln w="19050">
+                <a:solidFill>
+                  <a:srgbClr val="326CE5"/>
+                </a:solidFill>
+              </a:ln>
+            </p:spPr>
+            <p:style>
+              <a:lnRef idx="2">
+                <a:schemeClr val="accent1">
+                  <a:shade val="50000"/>
+                </a:schemeClr>
+              </a:lnRef>
+              <a:fillRef idx="1">
+                <a:schemeClr val="accent1"/>
+              </a:fillRef>
+              <a:effectRef idx="0">
+                <a:schemeClr val="accent1"/>
+              </a:effectRef>
+              <a:fontRef idx="minor">
+                <a:schemeClr val="lt1"/>
+              </a:fontRef>
+            </p:style>
+            <p:txBody>
+              <a:bodyPr lIns="36000" tIns="36000" rIns="36000" bIns="36000" rtlCol="0" anchor="ctr"/>
+              <a:lstStyle/>
+              <a:p>
+                <a:pPr algn="ctr"/>
+                <a:r>
+                  <a:rPr lang="en-US" altLang="ko-KR" sz="1600" dirty="0" smtClean="0">
+                    <a:solidFill>
+                      <a:srgbClr val="326CE5"/>
+                    </a:solidFill>
+                    <a:latin typeface="삼성긴고딕OTF Bold" panose="020B0600000101010101" pitchFamily="34" charset="-127"/>
+                    <a:ea typeface="삼성긴고딕OTF Bold" panose="020B0600000101010101" pitchFamily="34" charset="-127"/>
+                  </a:rPr>
+                  <a:t>API </a:t>
+                </a:r>
+                <a:r>
+                  <a:rPr lang="en-US" altLang="ko-KR" sz="1600" dirty="0" smtClean="0">
+                    <a:solidFill>
+                      <a:srgbClr val="326CE5"/>
+                    </a:solidFill>
+                    <a:latin typeface="삼성긴고딕OTF Bold" panose="020B0600000101010101" pitchFamily="34" charset="-127"/>
+                    <a:ea typeface="삼성긴고딕OTF Bold" panose="020B0600000101010101" pitchFamily="34" charset="-127"/>
+                  </a:rPr>
+                  <a:t>Server</a:t>
+                </a:r>
+                <a:endParaRPr lang="ko-KR" altLang="en-US" sz="1600" dirty="0">
+                  <a:solidFill>
+                    <a:srgbClr val="326CE5"/>
+                  </a:solidFill>
+                  <a:latin typeface="삼성긴고딕OTF Bold" panose="020B0600000101010101" pitchFamily="34" charset="-127"/>
+                  <a:ea typeface="삼성긴고딕OTF Bold" panose="020B0600000101010101" pitchFamily="34" charset="-127"/>
+                </a:endParaRPr>
+              </a:p>
+            </p:txBody>
+          </p:sp>
+          <p:pic>
+            <p:nvPicPr>
+              <p:cNvPr id="31" name="Shape 229"/>
+              <p:cNvPicPr preferRelativeResize="0"/>
+              <p:nvPr/>
+            </p:nvPicPr>
+            <p:blipFill>
+              <a:blip r:embed="rId8">
+                <a:alphaModFix/>
+              </a:blip>
+              <a:stretch>
+                <a:fillRect/>
+              </a:stretch>
+            </p:blipFill>
+            <p:spPr>
+              <a:xfrm>
+                <a:off x="6536297" y="423768"/>
+                <a:ext cx="597007" cy="580681"/>
+              </a:xfrm>
+              <a:prstGeom prst="rect">
+                <a:avLst/>
+              </a:prstGeom>
+              <a:noFill/>
+              <a:ln>
+                <a:noFill/>
+              </a:ln>
+            </p:spPr>
+          </p:pic>
+        </p:grpSp>
+        <p:grpSp>
+          <p:nvGrpSpPr>
+            <p:cNvPr id="56" name="그룹 55"/>
+            <p:cNvGrpSpPr/>
+            <p:nvPr/>
+          </p:nvGrpSpPr>
+          <p:grpSpPr>
+            <a:xfrm>
+              <a:off x="5638800" y="831315"/>
+              <a:ext cx="1099560" cy="960831"/>
+              <a:chOff x="5638800" y="831315"/>
+              <a:chExt cx="1099560" cy="960831"/>
+            </a:xfrm>
+          </p:grpSpPr>
+          <p:grpSp>
+            <p:nvGrpSpPr>
+              <p:cNvPr id="53" name="그룹 52"/>
+              <p:cNvGrpSpPr/>
+              <p:nvPr/>
+            </p:nvGrpSpPr>
+            <p:grpSpPr>
+              <a:xfrm>
+                <a:off x="5638800" y="1148898"/>
+                <a:ext cx="1099560" cy="274320"/>
+                <a:chOff x="5638800" y="1148898"/>
+                <a:chExt cx="1099560" cy="274320"/>
+              </a:xfrm>
+            </p:grpSpPr>
+            <p:cxnSp>
+              <p:nvCxnSpPr>
+                <p:cNvPr id="32" name="꺾인 연결선 70"/>
+                <p:cNvCxnSpPr/>
+                <p:nvPr/>
+              </p:nvCxnSpPr>
+              <p:spPr>
+                <a:xfrm>
+                  <a:off x="5638800" y="1148898"/>
+                  <a:ext cx="1099560" cy="0"/>
+                </a:xfrm>
+                <a:prstGeom prst="straightConnector1">
+                  <a:avLst/>
+                </a:prstGeom>
+                <a:ln w="12700">
+                  <a:solidFill>
+                    <a:srgbClr val="A50021"/>
+                  </a:solidFill>
+                  <a:tailEnd type="triangle"/>
+                </a:ln>
+              </p:spPr>
+              <p:style>
+                <a:lnRef idx="1">
+                  <a:schemeClr val="accent1"/>
+                </a:lnRef>
+                <a:fillRef idx="0">
+                  <a:schemeClr val="accent1"/>
+                </a:fillRef>
+                <a:effectRef idx="0">
+                  <a:schemeClr val="accent1"/>
+                </a:effectRef>
+                <a:fontRef idx="minor">
+                  <a:schemeClr val="tx1"/>
+                </a:fontRef>
+              </p:style>
+            </p:cxnSp>
+            <p:cxnSp>
+              <p:nvCxnSpPr>
+                <p:cNvPr id="36" name="꺾인 연결선 70"/>
+                <p:cNvCxnSpPr/>
+                <p:nvPr/>
+              </p:nvCxnSpPr>
+              <p:spPr>
+                <a:xfrm flipH="1">
+                  <a:off x="5638800" y="1423218"/>
+                  <a:ext cx="1099560" cy="0"/>
+                </a:xfrm>
+                <a:prstGeom prst="straightConnector1">
+                  <a:avLst/>
+                </a:prstGeom>
+                <a:ln w="12700">
+                  <a:solidFill>
+                    <a:schemeClr val="accent6"/>
+                  </a:solidFill>
+                  <a:tailEnd type="triangle"/>
+                </a:ln>
+              </p:spPr>
+              <p:style>
+                <a:lnRef idx="1">
+                  <a:schemeClr val="accent1"/>
+                </a:lnRef>
+                <a:fillRef idx="0">
+                  <a:schemeClr val="accent1"/>
+                </a:fillRef>
+                <a:effectRef idx="0">
+                  <a:schemeClr val="accent1"/>
+                </a:effectRef>
+                <a:fontRef idx="minor">
+                  <a:schemeClr val="tx1"/>
+                </a:fontRef>
+              </p:style>
+            </p:cxnSp>
+          </p:grpSp>
+          <p:sp>
+            <p:nvSpPr>
+              <p:cNvPr id="51" name="TextBox 50"/>
+              <p:cNvSpPr txBox="1"/>
+              <p:nvPr/>
+            </p:nvSpPr>
+            <p:spPr>
+              <a:xfrm>
+                <a:off x="5715000" y="831315"/>
+                <a:ext cx="947160" cy="338554"/>
+              </a:xfrm>
+              <a:prstGeom prst="rect">
+                <a:avLst/>
+              </a:prstGeom>
+              <a:noFill/>
+            </p:spPr>
+            <p:txBody>
+              <a:bodyPr wrap="square" rtlCol="0">
+                <a:spAutoFit/>
+              </a:bodyPr>
+              <a:lstStyle/>
+              <a:p>
+                <a:pPr algn="ctr"/>
+                <a:r>
+                  <a:rPr lang="en-US" altLang="ko-KR" sz="1600" dirty="0" smtClean="0">
+                    <a:solidFill>
+                      <a:srgbClr val="A50021"/>
+                    </a:solidFill>
+                    <a:latin typeface="삼성긴고딕OTF Medium" panose="020B0600000101010101" pitchFamily="34" charset="-127"/>
+                    <a:ea typeface="삼성긴고딕OTF Medium" panose="020B0600000101010101" pitchFamily="34" charset="-127"/>
+                  </a:rPr>
+                  <a:t>watch</a:t>
+                </a:r>
+                <a:endParaRPr lang="ko-KR" altLang="en-US" sz="1600" dirty="0">
+                  <a:solidFill>
+                    <a:srgbClr val="A50021"/>
+                  </a:solidFill>
+                  <a:latin typeface="삼성긴고딕OTF Medium" panose="020B0600000101010101" pitchFamily="34" charset="-127"/>
+                  <a:ea typeface="삼성긴고딕OTF Medium" panose="020B0600000101010101" pitchFamily="34" charset="-127"/>
+                </a:endParaRPr>
+              </a:p>
+            </p:txBody>
+          </p:sp>
+          <p:sp>
+            <p:nvSpPr>
+              <p:cNvPr id="55" name="TextBox 54"/>
+              <p:cNvSpPr txBox="1"/>
+              <p:nvPr/>
+            </p:nvSpPr>
+            <p:spPr>
+              <a:xfrm>
+                <a:off x="5715000" y="1453592"/>
+                <a:ext cx="947160" cy="338554"/>
+              </a:xfrm>
+              <a:prstGeom prst="rect">
+                <a:avLst/>
+              </a:prstGeom>
+              <a:noFill/>
+            </p:spPr>
+            <p:txBody>
+              <a:bodyPr wrap="square" rtlCol="0">
+                <a:spAutoFit/>
+              </a:bodyPr>
+              <a:lstStyle/>
+              <a:p>
+                <a:pPr algn="ctr"/>
+                <a:r>
+                  <a:rPr lang="en-US" altLang="ko-KR" sz="1600" dirty="0" smtClean="0">
+                    <a:solidFill>
+                      <a:schemeClr val="accent6"/>
+                    </a:solidFill>
+                    <a:latin typeface="삼성긴고딕OTF Medium" panose="020B0600000101010101" pitchFamily="34" charset="-127"/>
+                    <a:ea typeface="삼성긴고딕OTF Medium" panose="020B0600000101010101" pitchFamily="34" charset="-127"/>
+                  </a:rPr>
+                  <a:t>notify</a:t>
+                </a:r>
+                <a:endParaRPr lang="ko-KR" altLang="en-US" sz="1600" dirty="0">
+                  <a:solidFill>
+                    <a:schemeClr val="accent6"/>
+                  </a:solidFill>
+                  <a:latin typeface="삼성긴고딕OTF Medium" panose="020B0600000101010101" pitchFamily="34" charset="-127"/>
+                  <a:ea typeface="삼성긴고딕OTF Medium" panose="020B0600000101010101" pitchFamily="34" charset="-127"/>
+                </a:endParaRPr>
+              </a:p>
+            </p:txBody>
+          </p:sp>
+        </p:grpSp>
+        <p:grpSp>
+          <p:nvGrpSpPr>
+            <p:cNvPr id="57" name="그룹 56"/>
+            <p:cNvGrpSpPr/>
+            <p:nvPr/>
+          </p:nvGrpSpPr>
+          <p:grpSpPr>
+            <a:xfrm>
+              <a:off x="8363712" y="831315"/>
+              <a:ext cx="1099560" cy="960831"/>
+              <a:chOff x="5638800" y="831315"/>
+              <a:chExt cx="1099560" cy="960831"/>
+            </a:xfrm>
+          </p:grpSpPr>
+          <p:grpSp>
+            <p:nvGrpSpPr>
+              <p:cNvPr id="58" name="그룹 57"/>
+              <p:cNvGrpSpPr/>
+              <p:nvPr/>
+            </p:nvGrpSpPr>
+            <p:grpSpPr>
+              <a:xfrm>
+                <a:off x="5638800" y="1148898"/>
+                <a:ext cx="1099560" cy="274320"/>
+                <a:chOff x="5638800" y="1148898"/>
+                <a:chExt cx="1099560" cy="274320"/>
+              </a:xfrm>
+            </p:grpSpPr>
+            <p:cxnSp>
+              <p:nvCxnSpPr>
+                <p:cNvPr id="61" name="꺾인 연결선 70"/>
+                <p:cNvCxnSpPr/>
+                <p:nvPr/>
+              </p:nvCxnSpPr>
+              <p:spPr>
+                <a:xfrm>
+                  <a:off x="5638800" y="1148898"/>
+                  <a:ext cx="1099560" cy="0"/>
+                </a:xfrm>
+                <a:prstGeom prst="straightConnector1">
+                  <a:avLst/>
+                </a:prstGeom>
+                <a:ln w="12700">
+                  <a:solidFill>
+                    <a:srgbClr val="A50021"/>
+                  </a:solidFill>
+                  <a:tailEnd type="triangle"/>
+                </a:ln>
+              </p:spPr>
+              <p:style>
+                <a:lnRef idx="1">
+                  <a:schemeClr val="accent1"/>
+                </a:lnRef>
+                <a:fillRef idx="0">
+                  <a:schemeClr val="accent1"/>
+                </a:fillRef>
+                <a:effectRef idx="0">
+                  <a:schemeClr val="accent1"/>
+                </a:effectRef>
+                <a:fontRef idx="minor">
+                  <a:schemeClr val="tx1"/>
+                </a:fontRef>
+              </p:style>
+            </p:cxnSp>
+            <p:cxnSp>
+              <p:nvCxnSpPr>
+                <p:cNvPr id="62" name="꺾인 연결선 70"/>
+                <p:cNvCxnSpPr/>
+                <p:nvPr/>
+              </p:nvCxnSpPr>
+              <p:spPr>
+                <a:xfrm flipH="1">
+                  <a:off x="5638800" y="1423218"/>
+                  <a:ext cx="1099560" cy="0"/>
+                </a:xfrm>
+                <a:prstGeom prst="straightConnector1">
+                  <a:avLst/>
+                </a:prstGeom>
+                <a:ln w="12700">
+                  <a:solidFill>
+                    <a:schemeClr val="accent6"/>
+                  </a:solidFill>
+                  <a:tailEnd type="triangle"/>
+                </a:ln>
+              </p:spPr>
+              <p:style>
+                <a:lnRef idx="1">
+                  <a:schemeClr val="accent1"/>
+                </a:lnRef>
+                <a:fillRef idx="0">
+                  <a:schemeClr val="accent1"/>
+                </a:fillRef>
+                <a:effectRef idx="0">
+                  <a:schemeClr val="accent1"/>
+                </a:effectRef>
+                <a:fontRef idx="minor">
+                  <a:schemeClr val="tx1"/>
+                </a:fontRef>
+              </p:style>
+            </p:cxnSp>
+          </p:grpSp>
+          <p:sp>
+            <p:nvSpPr>
+              <p:cNvPr id="59" name="TextBox 58"/>
+              <p:cNvSpPr txBox="1"/>
+              <p:nvPr/>
+            </p:nvSpPr>
+            <p:spPr>
+              <a:xfrm>
+                <a:off x="5715000" y="831315"/>
+                <a:ext cx="947160" cy="338554"/>
+              </a:xfrm>
+              <a:prstGeom prst="rect">
+                <a:avLst/>
+              </a:prstGeom>
+              <a:noFill/>
+            </p:spPr>
+            <p:txBody>
+              <a:bodyPr wrap="square" rtlCol="0">
+                <a:spAutoFit/>
+              </a:bodyPr>
+              <a:lstStyle/>
+              <a:p>
+                <a:pPr algn="ctr"/>
+                <a:r>
+                  <a:rPr lang="en-US" altLang="ko-KR" sz="1600" dirty="0" smtClean="0">
+                    <a:solidFill>
+                      <a:srgbClr val="A50021"/>
+                    </a:solidFill>
+                    <a:latin typeface="삼성긴고딕OTF Medium" panose="020B0600000101010101" pitchFamily="34" charset="-127"/>
+                    <a:ea typeface="삼성긴고딕OTF Medium" panose="020B0600000101010101" pitchFamily="34" charset="-127"/>
+                  </a:rPr>
+                  <a:t>watch</a:t>
+                </a:r>
+                <a:endParaRPr lang="ko-KR" altLang="en-US" sz="1600" dirty="0">
+                  <a:solidFill>
+                    <a:srgbClr val="A50021"/>
+                  </a:solidFill>
+                  <a:latin typeface="삼성긴고딕OTF Medium" panose="020B0600000101010101" pitchFamily="34" charset="-127"/>
+                  <a:ea typeface="삼성긴고딕OTF Medium" panose="020B0600000101010101" pitchFamily="34" charset="-127"/>
+                </a:endParaRPr>
+              </a:p>
+            </p:txBody>
+          </p:sp>
+          <p:sp>
+            <p:nvSpPr>
+              <p:cNvPr id="60" name="TextBox 59"/>
+              <p:cNvSpPr txBox="1"/>
+              <p:nvPr/>
+            </p:nvSpPr>
+            <p:spPr>
+              <a:xfrm>
+                <a:off x="5715000" y="1453592"/>
+                <a:ext cx="947160" cy="338554"/>
+              </a:xfrm>
+              <a:prstGeom prst="rect">
+                <a:avLst/>
+              </a:prstGeom>
+              <a:noFill/>
+            </p:spPr>
+            <p:txBody>
+              <a:bodyPr wrap="square" rtlCol="0">
+                <a:spAutoFit/>
+              </a:bodyPr>
+              <a:lstStyle/>
+              <a:p>
+                <a:pPr algn="ctr"/>
+                <a:r>
+                  <a:rPr lang="en-US" altLang="ko-KR" sz="1600" dirty="0" smtClean="0">
+                    <a:solidFill>
+                      <a:schemeClr val="accent6"/>
+                    </a:solidFill>
+                    <a:latin typeface="삼성긴고딕OTF Medium" panose="020B0600000101010101" pitchFamily="34" charset="-127"/>
+                    <a:ea typeface="삼성긴고딕OTF Medium" panose="020B0600000101010101" pitchFamily="34" charset="-127"/>
+                  </a:rPr>
+                  <a:t>notify</a:t>
+                </a:r>
+                <a:endParaRPr lang="ko-KR" altLang="en-US" sz="1600" dirty="0">
+                  <a:solidFill>
+                    <a:schemeClr val="accent6"/>
+                  </a:solidFill>
+                  <a:latin typeface="삼성긴고딕OTF Medium" panose="020B0600000101010101" pitchFamily="34" charset="-127"/>
+                  <a:ea typeface="삼성긴고딕OTF Medium" panose="020B0600000101010101" pitchFamily="34" charset="-127"/>
+                </a:endParaRPr>
+              </a:p>
+            </p:txBody>
+          </p:sp>
+        </p:grpSp>
+      </p:grpSp>
+      <p:sp>
+        <p:nvSpPr>
+          <p:cNvPr id="75" name="모서리가 둥근 직사각형 74"/>
+          <p:cNvSpPr/>
+          <p:nvPr/>
+        </p:nvSpPr>
+        <p:spPr>
+          <a:xfrm>
+            <a:off x="3694494" y="2826899"/>
+            <a:ext cx="5372246" cy="3683629"/>
+          </a:xfrm>
+          <a:prstGeom prst="roundRect">
+            <a:avLst/>
+          </a:prstGeom>
+          <a:solidFill>
+            <a:srgbClr val="326CE5">
+              <a:alpha val="30000"/>
+            </a:srgbClr>
+          </a:solidFill>
+          <a:ln w="19050">
+            <a:solidFill>
+              <a:srgbClr val="326CE5"/>
+            </a:solidFill>
+          </a:ln>
+        </p:spPr>
+        <p:style>
+          <a:lnRef idx="2">
+            <a:schemeClr val="accent1">
+              <a:shade val="50000"/>
+            </a:schemeClr>
+          </a:lnRef>
+          <a:fillRef idx="1">
+            <a:schemeClr val="accent1"/>
+          </a:fillRef>
+          <a:effectRef idx="0">
+            <a:schemeClr val="accent1"/>
+          </a:effectRef>
+          <a:fontRef idx="minor">
+            <a:schemeClr val="lt1"/>
+          </a:fontRef>
+        </p:style>
+        <p:txBody>
+          <a:bodyPr lIns="0" tIns="0" rIns="0" bIns="0" rtlCol="0" anchor="t"/>
+          <a:lstStyle/>
+          <a:p>
+            <a:pPr algn="ctr"/>
+            <a:r>
+              <a:rPr lang="en-US" altLang="ko-KR" sz="1600" dirty="0" smtClean="0">
+                <a:solidFill>
+                  <a:srgbClr val="326CE5"/>
+                </a:solidFill>
+                <a:latin typeface="삼성긴고딕OTF Bold" panose="020B0600000101010101" pitchFamily="34" charset="-127"/>
+                <a:ea typeface="삼성긴고딕OTF Bold" panose="020B0600000101010101" pitchFamily="34" charset="-127"/>
+              </a:rPr>
+              <a:t>Master Node</a:t>
+            </a:r>
+            <a:endParaRPr lang="ko-KR" altLang="en-US" sz="1600" dirty="0">
+              <a:solidFill>
+                <a:srgbClr val="326CE5"/>
+              </a:solidFill>
+              <a:latin typeface="삼성긴고딕OTF Bold" panose="020B0600000101010101" pitchFamily="34" charset="-127"/>
+              <a:ea typeface="삼성긴고딕OTF Bold" panose="020B0600000101010101" pitchFamily="34" charset="-127"/>
+            </a:endParaRPr>
+          </a:p>
+        </p:txBody>
+      </p:sp>
+      <p:sp>
+        <p:nvSpPr>
+          <p:cNvPr id="74" name="모서리가 둥근 직사각형 73"/>
+          <p:cNvSpPr/>
+          <p:nvPr/>
+        </p:nvSpPr>
+        <p:spPr>
+          <a:xfrm>
+            <a:off x="3447076" y="2496060"/>
+            <a:ext cx="8568139" cy="4252211"/>
+          </a:xfrm>
+          <a:prstGeom prst="roundRect">
+            <a:avLst/>
+          </a:prstGeom>
+          <a:noFill/>
+          <a:ln w="19050">
+            <a:solidFill>
+              <a:srgbClr val="326CE5"/>
+            </a:solidFill>
+          </a:ln>
+        </p:spPr>
+        <p:style>
+          <a:lnRef idx="2">
+            <a:schemeClr val="accent1">
+              <a:shade val="50000"/>
+            </a:schemeClr>
+          </a:lnRef>
+          <a:fillRef idx="1">
+            <a:schemeClr val="accent1"/>
+          </a:fillRef>
+          <a:effectRef idx="0">
+            <a:schemeClr val="accent1"/>
+          </a:effectRef>
+          <a:fontRef idx="minor">
+            <a:schemeClr val="lt1"/>
+          </a:fontRef>
+        </p:style>
+        <p:txBody>
+          <a:bodyPr lIns="36000" tIns="36000" rIns="36000" bIns="36000" rtlCol="0" anchor="ctr"/>
+          <a:lstStyle/>
+          <a:p>
+            <a:pPr algn="ctr"/>
+            <a:endParaRPr lang="ko-KR" altLang="en-US" sz="1600" dirty="0">
+              <a:solidFill>
+                <a:srgbClr val="326CE5"/>
+              </a:solidFill>
+              <a:latin typeface="삼성긴고딕OTF Bold" panose="020B0600000101010101" pitchFamily="34" charset="-127"/>
+              <a:ea typeface="삼성긴고딕OTF Bold" panose="020B0600000101010101" pitchFamily="34" charset="-127"/>
+            </a:endParaRPr>
+          </a:p>
+        </p:txBody>
+      </p:sp>
+      <p:pic>
+        <p:nvPicPr>
+          <p:cNvPr id="66" name="Shape 212"/>
+          <p:cNvPicPr preferRelativeResize="0"/>
+          <p:nvPr/>
+        </p:nvPicPr>
+        <p:blipFill>
+          <a:blip r:embed="rId9">
+            <a:alphaModFix/>
+          </a:blip>
+          <a:stretch>
+            <a:fillRect/>
+          </a:stretch>
+        </p:blipFill>
+        <p:spPr>
+          <a:xfrm>
+            <a:off x="3654700" y="2681081"/>
+            <a:ext cx="597007" cy="580681"/>
+          </a:xfrm>
+          <a:prstGeom prst="rect">
+            <a:avLst/>
+          </a:prstGeom>
+          <a:noFill/>
+          <a:ln>
+            <a:noFill/>
+          </a:ln>
+        </p:spPr>
+      </p:pic>
+      <p:pic>
+        <p:nvPicPr>
+          <p:cNvPr id="73" name="Shape 205"/>
+          <p:cNvPicPr preferRelativeResize="0"/>
+          <p:nvPr/>
+        </p:nvPicPr>
+        <p:blipFill>
+          <a:blip r:embed="rId10">
+            <a:alphaModFix/>
+          </a:blip>
+          <a:stretch>
+            <a:fillRect/>
+          </a:stretch>
+        </p:blipFill>
+        <p:spPr>
+          <a:xfrm>
+            <a:off x="11315419" y="2241645"/>
+            <a:ext cx="626475" cy="609786"/>
+          </a:xfrm>
+          <a:prstGeom prst="rect">
+            <a:avLst/>
+          </a:prstGeom>
+          <a:noFill/>
+          <a:ln>
+            <a:noFill/>
+          </a:ln>
+        </p:spPr>
+      </p:pic>
+      <p:sp>
+        <p:nvSpPr>
+          <p:cNvPr id="77" name="모서리가 둥근 직사각형 76"/>
+          <p:cNvSpPr/>
+          <p:nvPr/>
+        </p:nvSpPr>
+        <p:spPr>
+          <a:xfrm>
+            <a:off x="4085228" y="3577101"/>
+            <a:ext cx="2012596" cy="2034138"/>
+          </a:xfrm>
+          <a:prstGeom prst="roundRect">
+            <a:avLst/>
+          </a:prstGeom>
+          <a:solidFill>
+            <a:schemeClr val="bg1"/>
+          </a:solidFill>
+          <a:ln w="19050">
+            <a:solidFill>
+              <a:srgbClr val="326CE5"/>
+            </a:solidFill>
+          </a:ln>
+        </p:spPr>
+        <p:style>
+          <a:lnRef idx="2">
+            <a:schemeClr val="accent1">
+              <a:shade val="50000"/>
+            </a:schemeClr>
+          </a:lnRef>
+          <a:fillRef idx="1">
+            <a:schemeClr val="accent1"/>
+          </a:fillRef>
+          <a:effectRef idx="0">
+            <a:schemeClr val="accent1"/>
+          </a:effectRef>
+          <a:fontRef idx="minor">
+            <a:schemeClr val="lt1"/>
+          </a:fontRef>
+        </p:style>
+        <p:txBody>
+          <a:bodyPr lIns="36000" tIns="0" rIns="36000" bIns="0" rtlCol="0" anchor="t"/>
+          <a:lstStyle/>
+          <a:p>
+            <a:pPr algn="ctr">
+              <a:lnSpc>
+                <a:spcPct val="80000"/>
+              </a:lnSpc>
+            </a:pPr>
+            <a:r>
+              <a:rPr lang="en-US" altLang="ko-KR" sz="1600" dirty="0" smtClean="0">
+                <a:solidFill>
+                  <a:srgbClr val="326CE5"/>
+                </a:solidFill>
+                <a:latin typeface="삼성긴고딕OTF Bold" panose="020B0600000101010101" pitchFamily="34" charset="-127"/>
+                <a:ea typeface="삼성긴고딕OTF Bold" panose="020B0600000101010101" pitchFamily="34" charset="-127"/>
+              </a:rPr>
+              <a:t>Controller</a:t>
+            </a:r>
+            <a:br>
+              <a:rPr lang="en-US" altLang="ko-KR" sz="1600" dirty="0" smtClean="0">
+                <a:solidFill>
+                  <a:srgbClr val="326CE5"/>
+                </a:solidFill>
+                <a:latin typeface="삼성긴고딕OTF Bold" panose="020B0600000101010101" pitchFamily="34" charset="-127"/>
+                <a:ea typeface="삼성긴고딕OTF Bold" panose="020B0600000101010101" pitchFamily="34" charset="-127"/>
+              </a:rPr>
+            </a:br>
+            <a:r>
+              <a:rPr lang="en-US" altLang="ko-KR" sz="1600" dirty="0" smtClean="0">
+                <a:solidFill>
+                  <a:srgbClr val="326CE5"/>
+                </a:solidFill>
+                <a:latin typeface="삼성긴고딕OTF Bold" panose="020B0600000101010101" pitchFamily="34" charset="-127"/>
+                <a:ea typeface="삼성긴고딕OTF Bold" panose="020B0600000101010101" pitchFamily="34" charset="-127"/>
+              </a:rPr>
+              <a:t>Manager</a:t>
+            </a:r>
+            <a:endParaRPr lang="ko-KR" altLang="en-US" sz="1600" dirty="0">
+              <a:solidFill>
+                <a:srgbClr val="326CE5"/>
+              </a:solidFill>
+              <a:latin typeface="삼성긴고딕OTF Bold" panose="020B0600000101010101" pitchFamily="34" charset="-127"/>
+              <a:ea typeface="삼성긴고딕OTF Bold" panose="020B0600000101010101" pitchFamily="34" charset="-127"/>
+            </a:endParaRPr>
+          </a:p>
+        </p:txBody>
+      </p:sp>
+      <p:pic>
+        <p:nvPicPr>
+          <p:cNvPr id="72" name="Shape 231"/>
+          <p:cNvPicPr preferRelativeResize="0"/>
+          <p:nvPr/>
+        </p:nvPicPr>
+        <p:blipFill>
+          <a:blip r:embed="rId11">
+            <a:alphaModFix/>
+          </a:blip>
+          <a:stretch>
+            <a:fillRect/>
+          </a:stretch>
+        </p:blipFill>
+        <p:spPr>
+          <a:xfrm>
+            <a:off x="3865091" y="3338665"/>
+            <a:ext cx="504000" cy="504000"/>
+          </a:xfrm>
+          <a:prstGeom prst="rect">
+            <a:avLst/>
+          </a:prstGeom>
+          <a:noFill/>
+          <a:ln>
+            <a:noFill/>
+          </a:ln>
+        </p:spPr>
+      </p:pic>
+      <p:sp>
+        <p:nvSpPr>
+          <p:cNvPr id="80" name="모서리가 둥근 직사각형 79"/>
+          <p:cNvSpPr/>
+          <p:nvPr/>
+        </p:nvSpPr>
+        <p:spPr>
+          <a:xfrm>
+            <a:off x="7406193" y="3513204"/>
+            <a:ext cx="1448149" cy="2768724"/>
+          </a:xfrm>
+          <a:prstGeom prst="roundRect">
+            <a:avLst/>
+          </a:prstGeom>
+          <a:solidFill>
+            <a:schemeClr val="bg1"/>
+          </a:solidFill>
+          <a:ln w="19050">
+            <a:solidFill>
+              <a:srgbClr val="326CE5"/>
+            </a:solidFill>
+          </a:ln>
+        </p:spPr>
+        <p:style>
+          <a:lnRef idx="2">
+            <a:schemeClr val="accent1">
+              <a:shade val="50000"/>
+            </a:schemeClr>
+          </a:lnRef>
+          <a:fillRef idx="1">
+            <a:schemeClr val="accent1"/>
+          </a:fillRef>
+          <a:effectRef idx="0">
+            <a:schemeClr val="accent1"/>
+          </a:effectRef>
+          <a:fontRef idx="minor">
+            <a:schemeClr val="lt1"/>
+          </a:fontRef>
+        </p:style>
+        <p:txBody>
+          <a:bodyPr lIns="36000" tIns="36000" rIns="36000" bIns="36000" rtlCol="0" anchor="t"/>
+          <a:lstStyle/>
+          <a:p>
+            <a:pPr algn="ctr"/>
+            <a:r>
+              <a:rPr lang="en-US" altLang="ko-KR" sz="1600" dirty="0" smtClean="0">
+                <a:solidFill>
+                  <a:srgbClr val="326CE5"/>
+                </a:solidFill>
+                <a:latin typeface="삼성긴고딕OTF Bold" panose="020B0600000101010101" pitchFamily="34" charset="-127"/>
+                <a:ea typeface="삼성긴고딕OTF Bold" panose="020B0600000101010101" pitchFamily="34" charset="-127"/>
+              </a:rPr>
+              <a:t>API Server</a:t>
+            </a:r>
+            <a:endParaRPr lang="ko-KR" altLang="en-US" sz="1600" dirty="0">
+              <a:solidFill>
+                <a:srgbClr val="326CE5"/>
+              </a:solidFill>
+              <a:latin typeface="삼성긴고딕OTF Bold" panose="020B0600000101010101" pitchFamily="34" charset="-127"/>
+              <a:ea typeface="삼성긴고딕OTF Bold" panose="020B0600000101010101" pitchFamily="34" charset="-127"/>
+            </a:endParaRPr>
+          </a:p>
+        </p:txBody>
+      </p:sp>
+      <p:pic>
+        <p:nvPicPr>
+          <p:cNvPr id="70" name="Shape 229"/>
+          <p:cNvPicPr preferRelativeResize="0"/>
+          <p:nvPr/>
+        </p:nvPicPr>
+        <p:blipFill>
+          <a:blip r:embed="rId8">
+            <a:alphaModFix/>
+          </a:blip>
+          <a:stretch>
+            <a:fillRect/>
+          </a:stretch>
+        </p:blipFill>
+        <p:spPr>
+          <a:xfrm>
+            <a:off x="7218616" y="3290522"/>
+            <a:ext cx="504000" cy="504000"/>
+          </a:xfrm>
+          <a:prstGeom prst="rect">
+            <a:avLst/>
+          </a:prstGeom>
+          <a:noFill/>
+          <a:ln>
+            <a:noFill/>
+          </a:ln>
+        </p:spPr>
+      </p:pic>
+      <p:grpSp>
+        <p:nvGrpSpPr>
+          <p:cNvPr id="117" name="그룹 116"/>
+          <p:cNvGrpSpPr/>
+          <p:nvPr/>
+        </p:nvGrpSpPr>
+        <p:grpSpPr>
+          <a:xfrm>
+            <a:off x="3865091" y="5551363"/>
+            <a:ext cx="1351254" cy="871239"/>
+            <a:chOff x="3865091" y="5414281"/>
+            <a:chExt cx="1351254" cy="871239"/>
+          </a:xfrm>
+        </p:grpSpPr>
+        <p:sp>
+          <p:nvSpPr>
+            <p:cNvPr id="81" name="모서리가 둥근 직사각형 80"/>
+            <p:cNvSpPr/>
+            <p:nvPr/>
+          </p:nvSpPr>
+          <p:spPr>
+            <a:xfrm>
+              <a:off x="4085228" y="5745520"/>
+              <a:ext cx="1131117" cy="540000"/>
+            </a:xfrm>
+            <a:prstGeom prst="roundRect">
+              <a:avLst/>
+            </a:prstGeom>
+            <a:solidFill>
+              <a:schemeClr val="bg1"/>
+            </a:solidFill>
+            <a:ln w="19050">
+              <a:solidFill>
+                <a:srgbClr val="326CE5"/>
+              </a:solidFill>
+            </a:ln>
+          </p:spPr>
+          <p:style>
+            <a:lnRef idx="2">
+              <a:schemeClr val="accent1">
+                <a:shade val="50000"/>
+              </a:schemeClr>
+            </a:lnRef>
+            <a:fillRef idx="1">
+              <a:schemeClr val="accent1"/>
+            </a:fillRef>
+            <a:effectRef idx="0">
+              <a:schemeClr val="accent1"/>
+            </a:effectRef>
+            <a:fontRef idx="minor">
+              <a:schemeClr val="lt1"/>
+            </a:fontRef>
+          </p:style>
+          <p:txBody>
+            <a:bodyPr lIns="36000" tIns="36000" rIns="36000" bIns="36000" rtlCol="0" anchor="ctr"/>
+            <a:lstStyle/>
+            <a:p>
+              <a:pPr algn="ctr"/>
+              <a:r>
+                <a:rPr lang="en-US" altLang="ko-KR" sz="1400" dirty="0" smtClean="0">
+                  <a:solidFill>
+                    <a:srgbClr val="326CE5"/>
+                  </a:solidFill>
+                  <a:latin typeface="삼성긴고딕OTF Bold" panose="020B0600000101010101" pitchFamily="34" charset="-127"/>
+                  <a:ea typeface="삼성긴고딕OTF Bold" panose="020B0600000101010101" pitchFamily="34" charset="-127"/>
+                </a:rPr>
+                <a:t>Scheduler</a:t>
+              </a:r>
+              <a:endParaRPr lang="ko-KR" altLang="en-US" sz="1400" dirty="0">
+                <a:solidFill>
+                  <a:srgbClr val="326CE5"/>
+                </a:solidFill>
+                <a:latin typeface="삼성긴고딕OTF Bold" panose="020B0600000101010101" pitchFamily="34" charset="-127"/>
+                <a:ea typeface="삼성긴고딕OTF Bold" panose="020B0600000101010101" pitchFamily="34" charset="-127"/>
+              </a:endParaRPr>
+            </a:p>
+          </p:txBody>
+        </p:sp>
+        <p:pic>
+          <p:nvPicPr>
+            <p:cNvPr id="69" name="Shape 230"/>
+            <p:cNvPicPr preferRelativeResize="0"/>
+            <p:nvPr/>
+          </p:nvPicPr>
+          <p:blipFill>
+            <a:blip r:embed="rId12">
+              <a:alphaModFix/>
+            </a:blip>
+            <a:stretch>
+              <a:fillRect/>
+            </a:stretch>
+          </p:blipFill>
+          <p:spPr>
+            <a:xfrm>
+              <a:off x="3865091" y="5414281"/>
+              <a:ext cx="504000" cy="504000"/>
+            </a:xfrm>
+            <a:prstGeom prst="rect">
+              <a:avLst/>
+            </a:prstGeom>
+            <a:noFill/>
+            <a:ln>
+              <a:noFill/>
+            </a:ln>
+          </p:spPr>
+        </p:pic>
+      </p:grpSp>
+      <p:sp>
+        <p:nvSpPr>
+          <p:cNvPr id="82" name="모서리가 둥근 직사각형 81"/>
+          <p:cNvSpPr/>
+          <p:nvPr/>
+        </p:nvSpPr>
+        <p:spPr>
+          <a:xfrm>
+            <a:off x="4525968" y="4162671"/>
+            <a:ext cx="1131117" cy="468000"/>
+          </a:xfrm>
+          <a:prstGeom prst="roundRect">
+            <a:avLst/>
+          </a:prstGeom>
+          <a:noFill/>
+          <a:ln w="19050">
+            <a:solidFill>
+              <a:srgbClr val="326CE5"/>
+            </a:solidFill>
+          </a:ln>
+        </p:spPr>
+        <p:style>
+          <a:lnRef idx="2">
+            <a:schemeClr val="accent1">
+              <a:shade val="50000"/>
+            </a:schemeClr>
+          </a:lnRef>
+          <a:fillRef idx="1">
+            <a:schemeClr val="accent1"/>
+          </a:fillRef>
+          <a:effectRef idx="0">
+            <a:schemeClr val="accent1"/>
+          </a:effectRef>
+          <a:fontRef idx="minor">
+            <a:schemeClr val="lt1"/>
+          </a:fontRef>
+        </p:style>
+        <p:txBody>
+          <a:bodyPr lIns="36000" tIns="36000" rIns="36000" bIns="36000" rtlCol="0" anchor="ctr"/>
+          <a:lstStyle/>
+          <a:p>
+            <a:pPr algn="ctr"/>
+            <a:r>
+              <a:rPr lang="en-US" altLang="ko-KR" sz="1400" dirty="0" smtClean="0">
+                <a:solidFill>
+                  <a:srgbClr val="326CE5"/>
+                </a:solidFill>
+                <a:latin typeface="삼성긴고딕OTF Bold" panose="020B0600000101010101" pitchFamily="34" charset="-127"/>
+                <a:ea typeface="삼성긴고딕OTF Bold" panose="020B0600000101010101" pitchFamily="34" charset="-127"/>
+              </a:rPr>
+              <a:t>Deployment</a:t>
+            </a:r>
+            <a:br>
+              <a:rPr lang="en-US" altLang="ko-KR" sz="1400" dirty="0" smtClean="0">
+                <a:solidFill>
+                  <a:srgbClr val="326CE5"/>
+                </a:solidFill>
+                <a:latin typeface="삼성긴고딕OTF Bold" panose="020B0600000101010101" pitchFamily="34" charset="-127"/>
+                <a:ea typeface="삼성긴고딕OTF Bold" panose="020B0600000101010101" pitchFamily="34" charset="-127"/>
+              </a:rPr>
+            </a:br>
+            <a:r>
+              <a:rPr lang="en-US" altLang="ko-KR" sz="1400" dirty="0" smtClean="0">
+                <a:solidFill>
+                  <a:srgbClr val="326CE5"/>
+                </a:solidFill>
+                <a:latin typeface="삼성긴고딕OTF Bold" panose="020B0600000101010101" pitchFamily="34" charset="-127"/>
+                <a:ea typeface="삼성긴고딕OTF Bold" panose="020B0600000101010101" pitchFamily="34" charset="-127"/>
+              </a:rPr>
+              <a:t>Controller</a:t>
+            </a:r>
+            <a:endParaRPr lang="ko-KR" altLang="en-US" sz="1400" dirty="0">
+              <a:solidFill>
+                <a:srgbClr val="326CE5"/>
+              </a:solidFill>
+              <a:latin typeface="삼성긴고딕OTF Bold" panose="020B0600000101010101" pitchFamily="34" charset="-127"/>
+              <a:ea typeface="삼성긴고딕OTF Bold" panose="020B0600000101010101" pitchFamily="34" charset="-127"/>
+            </a:endParaRPr>
+          </a:p>
+        </p:txBody>
+      </p:sp>
+      <p:sp>
+        <p:nvSpPr>
+          <p:cNvPr id="83" name="모서리가 둥근 직사각형 82"/>
+          <p:cNvSpPr/>
+          <p:nvPr/>
+        </p:nvSpPr>
+        <p:spPr>
+          <a:xfrm>
+            <a:off x="4525968" y="4907829"/>
+            <a:ext cx="1131117" cy="468000"/>
+          </a:xfrm>
+          <a:prstGeom prst="roundRect">
+            <a:avLst/>
+          </a:prstGeom>
+          <a:noFill/>
+          <a:ln w="19050">
+            <a:solidFill>
+              <a:srgbClr val="326CE5"/>
+            </a:solidFill>
+          </a:ln>
+        </p:spPr>
+        <p:style>
+          <a:lnRef idx="2">
+            <a:schemeClr val="accent1">
+              <a:shade val="50000"/>
+            </a:schemeClr>
+          </a:lnRef>
+          <a:fillRef idx="1">
+            <a:schemeClr val="accent1"/>
+          </a:fillRef>
+          <a:effectRef idx="0">
+            <a:schemeClr val="accent1"/>
+          </a:effectRef>
+          <a:fontRef idx="minor">
+            <a:schemeClr val="lt1"/>
+          </a:fontRef>
+        </p:style>
+        <p:txBody>
+          <a:bodyPr lIns="36000" tIns="36000" rIns="36000" bIns="36000" rtlCol="0" anchor="ctr"/>
+          <a:lstStyle/>
+          <a:p>
+            <a:pPr algn="ctr"/>
+            <a:r>
+              <a:rPr lang="en-US" altLang="ko-KR" sz="1400" dirty="0" smtClean="0">
+                <a:solidFill>
+                  <a:srgbClr val="326CE5"/>
+                </a:solidFill>
+                <a:latin typeface="삼성긴고딕OTF Bold" panose="020B0600000101010101" pitchFamily="34" charset="-127"/>
+                <a:ea typeface="삼성긴고딕OTF Bold" panose="020B0600000101010101" pitchFamily="34" charset="-127"/>
+              </a:rPr>
+              <a:t>Replication</a:t>
+            </a:r>
+            <a:br>
+              <a:rPr lang="en-US" altLang="ko-KR" sz="1400" dirty="0" smtClean="0">
+                <a:solidFill>
+                  <a:srgbClr val="326CE5"/>
+                </a:solidFill>
+                <a:latin typeface="삼성긴고딕OTF Bold" panose="020B0600000101010101" pitchFamily="34" charset="-127"/>
+                <a:ea typeface="삼성긴고딕OTF Bold" panose="020B0600000101010101" pitchFamily="34" charset="-127"/>
+              </a:rPr>
+            </a:br>
+            <a:r>
+              <a:rPr lang="en-US" altLang="ko-KR" sz="1400" dirty="0" smtClean="0">
+                <a:solidFill>
+                  <a:srgbClr val="326CE5"/>
+                </a:solidFill>
+                <a:latin typeface="삼성긴고딕OTF Bold" panose="020B0600000101010101" pitchFamily="34" charset="-127"/>
+                <a:ea typeface="삼성긴고딕OTF Bold" panose="020B0600000101010101" pitchFamily="34" charset="-127"/>
+              </a:rPr>
+              <a:t>Controller</a:t>
+            </a:r>
+            <a:endParaRPr lang="ko-KR" altLang="en-US" sz="1400" dirty="0">
+              <a:solidFill>
+                <a:srgbClr val="326CE5"/>
+              </a:solidFill>
+              <a:latin typeface="삼성긴고딕OTF Bold" panose="020B0600000101010101" pitchFamily="34" charset="-127"/>
+              <a:ea typeface="삼성긴고딕OTF Bold" panose="020B0600000101010101" pitchFamily="34" charset="-127"/>
+            </a:endParaRPr>
+          </a:p>
+        </p:txBody>
+      </p:sp>
+      <p:sp>
+        <p:nvSpPr>
+          <p:cNvPr id="84" name="모서리가 둥근 직사각형 83"/>
+          <p:cNvSpPr/>
+          <p:nvPr/>
+        </p:nvSpPr>
+        <p:spPr>
+          <a:xfrm>
+            <a:off x="7564708" y="4017700"/>
+            <a:ext cx="1131117" cy="468000"/>
+          </a:xfrm>
+          <a:prstGeom prst="roundRect">
+            <a:avLst/>
+          </a:prstGeom>
+          <a:noFill/>
+          <a:ln w="19050">
+            <a:solidFill>
+              <a:srgbClr val="326CE5"/>
+            </a:solidFill>
+          </a:ln>
+        </p:spPr>
+        <p:style>
+          <a:lnRef idx="2">
+            <a:schemeClr val="accent1">
+              <a:shade val="50000"/>
+            </a:schemeClr>
+          </a:lnRef>
+          <a:fillRef idx="1">
+            <a:schemeClr val="accent1"/>
+          </a:fillRef>
+          <a:effectRef idx="0">
+            <a:schemeClr val="accent1"/>
+          </a:effectRef>
+          <a:fontRef idx="minor">
+            <a:schemeClr val="lt1"/>
+          </a:fontRef>
+        </p:style>
+        <p:txBody>
+          <a:bodyPr lIns="36000" tIns="36000" rIns="36000" bIns="36000" rtlCol="0" anchor="ctr"/>
+          <a:lstStyle/>
+          <a:p>
+            <a:pPr algn="ctr"/>
+            <a:r>
+              <a:rPr lang="en-US" altLang="ko-KR" sz="1400" dirty="0" smtClean="0">
+                <a:solidFill>
+                  <a:srgbClr val="326CE5"/>
+                </a:solidFill>
+                <a:latin typeface="삼성긴고딕OTF Bold" panose="020B0600000101010101" pitchFamily="34" charset="-127"/>
+                <a:ea typeface="삼성긴고딕OTF Bold" panose="020B0600000101010101" pitchFamily="34" charset="-127"/>
+              </a:rPr>
+              <a:t>Deployment</a:t>
+            </a:r>
+            <a:br>
+              <a:rPr lang="en-US" altLang="ko-KR" sz="1400" dirty="0" smtClean="0">
+                <a:solidFill>
+                  <a:srgbClr val="326CE5"/>
+                </a:solidFill>
+                <a:latin typeface="삼성긴고딕OTF Bold" panose="020B0600000101010101" pitchFamily="34" charset="-127"/>
+                <a:ea typeface="삼성긴고딕OTF Bold" panose="020B0600000101010101" pitchFamily="34" charset="-127"/>
+              </a:rPr>
+            </a:br>
+            <a:r>
+              <a:rPr lang="en-US" altLang="ko-KR" sz="1400" dirty="0" smtClean="0">
+                <a:solidFill>
+                  <a:srgbClr val="326CE5"/>
+                </a:solidFill>
+                <a:latin typeface="삼성긴고딕OTF Bold" panose="020B0600000101010101" pitchFamily="34" charset="-127"/>
+                <a:ea typeface="삼성긴고딕OTF Bold" panose="020B0600000101010101" pitchFamily="34" charset="-127"/>
+              </a:rPr>
+              <a:t>Resources</a:t>
+            </a:r>
+            <a:endParaRPr lang="ko-KR" altLang="en-US" sz="1400" dirty="0">
+              <a:solidFill>
+                <a:srgbClr val="326CE5"/>
+              </a:solidFill>
+              <a:latin typeface="삼성긴고딕OTF Bold" panose="020B0600000101010101" pitchFamily="34" charset="-127"/>
+              <a:ea typeface="삼성긴고딕OTF Bold" panose="020B0600000101010101" pitchFamily="34" charset="-127"/>
+            </a:endParaRPr>
+          </a:p>
+        </p:txBody>
+      </p:sp>
+      <p:sp>
+        <p:nvSpPr>
+          <p:cNvPr id="85" name="모서리가 둥근 직사각형 84"/>
+          <p:cNvSpPr/>
+          <p:nvPr/>
+        </p:nvSpPr>
+        <p:spPr>
+          <a:xfrm>
+            <a:off x="7564708" y="4769313"/>
+            <a:ext cx="1131117" cy="468000"/>
+          </a:xfrm>
+          <a:prstGeom prst="roundRect">
+            <a:avLst/>
+          </a:prstGeom>
+          <a:noFill/>
+          <a:ln w="19050">
+            <a:solidFill>
+              <a:srgbClr val="326CE5"/>
+            </a:solidFill>
+          </a:ln>
+        </p:spPr>
+        <p:style>
+          <a:lnRef idx="2">
+            <a:schemeClr val="accent1">
+              <a:shade val="50000"/>
+            </a:schemeClr>
+          </a:lnRef>
+          <a:fillRef idx="1">
+            <a:schemeClr val="accent1"/>
+          </a:fillRef>
+          <a:effectRef idx="0">
+            <a:schemeClr val="accent1"/>
+          </a:effectRef>
+          <a:fontRef idx="minor">
+            <a:schemeClr val="lt1"/>
+          </a:fontRef>
+        </p:style>
+        <p:txBody>
+          <a:bodyPr lIns="36000" tIns="36000" rIns="36000" bIns="36000" rtlCol="0" anchor="ctr"/>
+          <a:lstStyle/>
+          <a:p>
+            <a:pPr algn="ctr"/>
+            <a:r>
+              <a:rPr lang="en-US" altLang="ko-KR" sz="1400" dirty="0" err="1" smtClean="0">
+                <a:solidFill>
+                  <a:srgbClr val="326CE5"/>
+                </a:solidFill>
+                <a:latin typeface="삼성긴고딕OTF Bold" panose="020B0600000101010101" pitchFamily="34" charset="-127"/>
+                <a:ea typeface="삼성긴고딕OTF Bold" panose="020B0600000101010101" pitchFamily="34" charset="-127"/>
+              </a:rPr>
+              <a:t>ReplicaSet</a:t>
+            </a:r>
+            <a:r>
+              <a:rPr lang="en-US" altLang="ko-KR" sz="1400" dirty="0" smtClean="0">
+                <a:solidFill>
+                  <a:srgbClr val="326CE5"/>
+                </a:solidFill>
+                <a:latin typeface="삼성긴고딕OTF Bold" panose="020B0600000101010101" pitchFamily="34" charset="-127"/>
+                <a:ea typeface="삼성긴고딕OTF Bold" panose="020B0600000101010101" pitchFamily="34" charset="-127"/>
+              </a:rPr>
+              <a:t/>
+            </a:r>
+            <a:br>
+              <a:rPr lang="en-US" altLang="ko-KR" sz="1400" dirty="0" smtClean="0">
+                <a:solidFill>
+                  <a:srgbClr val="326CE5"/>
+                </a:solidFill>
+                <a:latin typeface="삼성긴고딕OTF Bold" panose="020B0600000101010101" pitchFamily="34" charset="-127"/>
+                <a:ea typeface="삼성긴고딕OTF Bold" panose="020B0600000101010101" pitchFamily="34" charset="-127"/>
+              </a:rPr>
+            </a:br>
+            <a:r>
+              <a:rPr lang="en-US" altLang="ko-KR" sz="1400" dirty="0" smtClean="0">
+                <a:solidFill>
+                  <a:srgbClr val="326CE5"/>
+                </a:solidFill>
+                <a:latin typeface="삼성긴고딕OTF Bold" panose="020B0600000101010101" pitchFamily="34" charset="-127"/>
+                <a:ea typeface="삼성긴고딕OTF Bold" panose="020B0600000101010101" pitchFamily="34" charset="-127"/>
+              </a:rPr>
+              <a:t>Resources</a:t>
+            </a:r>
+            <a:endParaRPr lang="ko-KR" altLang="en-US" sz="1400" dirty="0">
+              <a:solidFill>
+                <a:srgbClr val="326CE5"/>
+              </a:solidFill>
+              <a:latin typeface="삼성긴고딕OTF Bold" panose="020B0600000101010101" pitchFamily="34" charset="-127"/>
+              <a:ea typeface="삼성긴고딕OTF Bold" panose="020B0600000101010101" pitchFamily="34" charset="-127"/>
+            </a:endParaRPr>
+          </a:p>
+        </p:txBody>
+      </p:sp>
+      <p:sp>
+        <p:nvSpPr>
+          <p:cNvPr id="86" name="모서리가 둥근 직사각형 85"/>
+          <p:cNvSpPr/>
+          <p:nvPr/>
+        </p:nvSpPr>
+        <p:spPr>
+          <a:xfrm>
+            <a:off x="7564708" y="5520926"/>
+            <a:ext cx="1131117" cy="468000"/>
+          </a:xfrm>
+          <a:prstGeom prst="roundRect">
+            <a:avLst/>
+          </a:prstGeom>
+          <a:noFill/>
+          <a:ln w="19050">
+            <a:solidFill>
+              <a:srgbClr val="326CE5"/>
+            </a:solidFill>
+          </a:ln>
+        </p:spPr>
+        <p:style>
+          <a:lnRef idx="2">
+            <a:schemeClr val="accent1">
+              <a:shade val="50000"/>
+            </a:schemeClr>
+          </a:lnRef>
+          <a:fillRef idx="1">
+            <a:schemeClr val="accent1"/>
+          </a:fillRef>
+          <a:effectRef idx="0">
+            <a:schemeClr val="accent1"/>
+          </a:effectRef>
+          <a:fontRef idx="minor">
+            <a:schemeClr val="lt1"/>
+          </a:fontRef>
+        </p:style>
+        <p:txBody>
+          <a:bodyPr lIns="36000" tIns="36000" rIns="36000" bIns="36000" rtlCol="0" anchor="ctr"/>
+          <a:lstStyle/>
+          <a:p>
+            <a:pPr algn="ctr"/>
+            <a:r>
+              <a:rPr lang="en-US" altLang="ko-KR" sz="1400" dirty="0" smtClean="0">
+                <a:solidFill>
+                  <a:srgbClr val="326CE5"/>
+                </a:solidFill>
+                <a:latin typeface="삼성긴고딕OTF Bold" panose="020B0600000101010101" pitchFamily="34" charset="-127"/>
+                <a:ea typeface="삼성긴고딕OTF Bold" panose="020B0600000101010101" pitchFamily="34" charset="-127"/>
+              </a:rPr>
+              <a:t>Pod</a:t>
+            </a:r>
+            <a:br>
+              <a:rPr lang="en-US" altLang="ko-KR" sz="1400" dirty="0" smtClean="0">
+                <a:solidFill>
+                  <a:srgbClr val="326CE5"/>
+                </a:solidFill>
+                <a:latin typeface="삼성긴고딕OTF Bold" panose="020B0600000101010101" pitchFamily="34" charset="-127"/>
+                <a:ea typeface="삼성긴고딕OTF Bold" panose="020B0600000101010101" pitchFamily="34" charset="-127"/>
+              </a:rPr>
+            </a:br>
+            <a:r>
+              <a:rPr lang="en-US" altLang="ko-KR" sz="1400" dirty="0" smtClean="0">
+                <a:solidFill>
+                  <a:srgbClr val="326CE5"/>
+                </a:solidFill>
+                <a:latin typeface="삼성긴고딕OTF Bold" panose="020B0600000101010101" pitchFamily="34" charset="-127"/>
+                <a:ea typeface="삼성긴고딕OTF Bold" panose="020B0600000101010101" pitchFamily="34" charset="-127"/>
+              </a:rPr>
+              <a:t>Resources</a:t>
+            </a:r>
+            <a:endParaRPr lang="ko-KR" altLang="en-US" sz="1400" dirty="0">
+              <a:solidFill>
+                <a:srgbClr val="326CE5"/>
+              </a:solidFill>
+              <a:latin typeface="삼성긴고딕OTF Bold" panose="020B0600000101010101" pitchFamily="34" charset="-127"/>
+              <a:ea typeface="삼성긴고딕OTF Bold" panose="020B0600000101010101" pitchFamily="34" charset="-127"/>
+            </a:endParaRPr>
+          </a:p>
+        </p:txBody>
+      </p:sp>
+      <p:sp>
+        <p:nvSpPr>
+          <p:cNvPr id="87" name="모서리가 둥근 직사각형 86"/>
+          <p:cNvSpPr/>
+          <p:nvPr/>
+        </p:nvSpPr>
+        <p:spPr>
+          <a:xfrm>
+            <a:off x="9546573" y="3091140"/>
+            <a:ext cx="2170138" cy="3419388"/>
+          </a:xfrm>
+          <a:prstGeom prst="roundRect">
+            <a:avLst/>
+          </a:prstGeom>
+          <a:solidFill>
+            <a:srgbClr val="DEEBF7">
+              <a:alpha val="30000"/>
+            </a:srgbClr>
+          </a:solidFill>
+          <a:ln w="19050">
+            <a:solidFill>
+              <a:srgbClr val="326CE5"/>
+            </a:solidFill>
+          </a:ln>
+        </p:spPr>
+        <p:style>
+          <a:lnRef idx="2">
+            <a:schemeClr val="accent1">
+              <a:shade val="50000"/>
+            </a:schemeClr>
+          </a:lnRef>
+          <a:fillRef idx="1">
+            <a:schemeClr val="accent1"/>
+          </a:fillRef>
+          <a:effectRef idx="0">
+            <a:schemeClr val="accent1"/>
+          </a:effectRef>
+          <a:fontRef idx="minor">
+            <a:schemeClr val="lt1"/>
+          </a:fontRef>
+        </p:style>
+        <p:txBody>
+          <a:bodyPr lIns="0" tIns="0" rIns="0" bIns="0" rtlCol="0" anchor="t"/>
+          <a:lstStyle/>
+          <a:p>
+            <a:pPr algn="ctr"/>
+            <a:r>
+              <a:rPr lang="en-US" altLang="ko-KR" sz="1600" dirty="0" smtClean="0">
+                <a:solidFill>
+                  <a:srgbClr val="326CE5"/>
+                </a:solidFill>
+                <a:latin typeface="삼성긴고딕OTF Bold" panose="020B0600000101010101" pitchFamily="34" charset="-127"/>
+                <a:ea typeface="삼성긴고딕OTF Bold" panose="020B0600000101010101" pitchFamily="34" charset="-127"/>
+              </a:rPr>
+              <a:t>Worker Node</a:t>
+            </a:r>
+            <a:endParaRPr lang="ko-KR" altLang="en-US" sz="1600" dirty="0">
+              <a:solidFill>
+                <a:srgbClr val="326CE5"/>
+              </a:solidFill>
+              <a:latin typeface="삼성긴고딕OTF Bold" panose="020B0600000101010101" pitchFamily="34" charset="-127"/>
+              <a:ea typeface="삼성긴고딕OTF Bold" panose="020B0600000101010101" pitchFamily="34" charset="-127"/>
+            </a:endParaRPr>
+          </a:p>
+        </p:txBody>
+      </p:sp>
+      <p:pic>
+        <p:nvPicPr>
+          <p:cNvPr id="65" name="Shape 210"/>
+          <p:cNvPicPr preferRelativeResize="0"/>
+          <p:nvPr/>
+        </p:nvPicPr>
+        <p:blipFill>
+          <a:blip r:embed="rId13">
+            <a:alphaModFix/>
+          </a:blip>
+          <a:stretch>
+            <a:fillRect/>
+          </a:stretch>
+        </p:blipFill>
+        <p:spPr>
+          <a:xfrm>
+            <a:off x="9346375" y="2875412"/>
+            <a:ext cx="614630" cy="597833"/>
+          </a:xfrm>
+          <a:prstGeom prst="rect">
+            <a:avLst/>
+          </a:prstGeom>
+          <a:noFill/>
+          <a:ln>
+            <a:noFill/>
+          </a:ln>
+        </p:spPr>
+      </p:pic>
+      <p:grpSp>
+        <p:nvGrpSpPr>
+          <p:cNvPr id="97" name="그룹 96"/>
+          <p:cNvGrpSpPr/>
+          <p:nvPr/>
+        </p:nvGrpSpPr>
+        <p:grpSpPr>
+          <a:xfrm>
+            <a:off x="9620641" y="4378856"/>
+            <a:ext cx="1839001" cy="803655"/>
+            <a:chOff x="9620641" y="4211582"/>
+            <a:chExt cx="1839001" cy="803655"/>
+          </a:xfrm>
+        </p:grpSpPr>
+        <p:sp>
+          <p:nvSpPr>
+            <p:cNvPr id="88" name="모서리가 둥근 직사각형 87"/>
+            <p:cNvSpPr/>
+            <p:nvPr/>
+          </p:nvSpPr>
+          <p:spPr>
+            <a:xfrm>
+              <a:off x="9803642" y="4547237"/>
+              <a:ext cx="1656000" cy="468000"/>
+            </a:xfrm>
+            <a:prstGeom prst="roundRect">
+              <a:avLst/>
+            </a:prstGeom>
+            <a:solidFill>
+              <a:schemeClr val="bg1"/>
+            </a:solidFill>
+            <a:ln w="19050">
+              <a:solidFill>
+                <a:srgbClr val="326CE5"/>
+              </a:solidFill>
+            </a:ln>
+          </p:spPr>
+          <p:style>
+            <a:lnRef idx="2">
+              <a:schemeClr val="accent1">
+                <a:shade val="50000"/>
+              </a:schemeClr>
+            </a:lnRef>
+            <a:fillRef idx="1">
+              <a:schemeClr val="accent1"/>
+            </a:fillRef>
+            <a:effectRef idx="0">
+              <a:schemeClr val="accent1"/>
+            </a:effectRef>
+            <a:fontRef idx="minor">
+              <a:schemeClr val="lt1"/>
+            </a:fontRef>
+          </p:style>
+          <p:txBody>
+            <a:bodyPr lIns="36000" tIns="36000" rIns="36000" bIns="36000" rtlCol="0" anchor="ctr"/>
+            <a:lstStyle/>
+            <a:p>
+              <a:pPr algn="ctr"/>
+              <a:r>
+                <a:rPr lang="en-US" altLang="ko-KR" sz="1400" dirty="0" err="1" smtClean="0">
+                  <a:solidFill>
+                    <a:srgbClr val="326CE5"/>
+                  </a:solidFill>
+                  <a:latin typeface="삼성긴고딕OTF Bold" panose="020B0600000101010101" pitchFamily="34" charset="-127"/>
+                  <a:ea typeface="삼성긴고딕OTF Bold" panose="020B0600000101010101" pitchFamily="34" charset="-127"/>
+                </a:rPr>
+                <a:t>Kublet</a:t>
+              </a:r>
+              <a:endParaRPr lang="ko-KR" altLang="en-US" sz="1400" dirty="0">
+                <a:solidFill>
+                  <a:srgbClr val="326CE5"/>
+                </a:solidFill>
+                <a:latin typeface="삼성긴고딕OTF Bold" panose="020B0600000101010101" pitchFamily="34" charset="-127"/>
+                <a:ea typeface="삼성긴고딕OTF Bold" panose="020B0600000101010101" pitchFamily="34" charset="-127"/>
+              </a:endParaRPr>
+            </a:p>
+          </p:txBody>
+        </p:sp>
+        <p:pic>
+          <p:nvPicPr>
+            <p:cNvPr id="67" name="Shape 241"/>
+            <p:cNvPicPr preferRelativeResize="0"/>
+            <p:nvPr/>
+          </p:nvPicPr>
+          <p:blipFill>
+            <a:blip r:embed="rId14">
+              <a:alphaModFix/>
+            </a:blip>
+            <a:stretch>
+              <a:fillRect/>
+            </a:stretch>
+          </p:blipFill>
+          <p:spPr>
+            <a:xfrm>
+              <a:off x="9620641" y="4211582"/>
+              <a:ext cx="504000" cy="504000"/>
+            </a:xfrm>
+            <a:prstGeom prst="rect">
+              <a:avLst/>
+            </a:prstGeom>
+            <a:noFill/>
+            <a:ln>
+              <a:noFill/>
+            </a:ln>
+          </p:spPr>
+        </p:pic>
+      </p:grpSp>
+      <p:grpSp>
+        <p:nvGrpSpPr>
+          <p:cNvPr id="98" name="그룹 97"/>
+          <p:cNvGrpSpPr/>
+          <p:nvPr/>
+        </p:nvGrpSpPr>
+        <p:grpSpPr>
+          <a:xfrm>
+            <a:off x="9620641" y="3498637"/>
+            <a:ext cx="1839001" cy="801092"/>
+            <a:chOff x="9620641" y="3434629"/>
+            <a:chExt cx="1839001" cy="801092"/>
+          </a:xfrm>
+        </p:grpSpPr>
+        <p:sp>
+          <p:nvSpPr>
+            <p:cNvPr id="89" name="모서리가 둥근 직사각형 88"/>
+            <p:cNvSpPr/>
+            <p:nvPr/>
+          </p:nvSpPr>
+          <p:spPr>
+            <a:xfrm>
+              <a:off x="9803642" y="3767721"/>
+              <a:ext cx="1656000" cy="468000"/>
+            </a:xfrm>
+            <a:prstGeom prst="roundRect">
+              <a:avLst/>
+            </a:prstGeom>
+            <a:solidFill>
+              <a:schemeClr val="bg1"/>
+            </a:solidFill>
+            <a:ln w="19050">
+              <a:solidFill>
+                <a:srgbClr val="326CE5"/>
+              </a:solidFill>
+            </a:ln>
+          </p:spPr>
+          <p:style>
+            <a:lnRef idx="2">
+              <a:schemeClr val="accent1">
+                <a:shade val="50000"/>
+              </a:schemeClr>
+            </a:lnRef>
+            <a:fillRef idx="1">
+              <a:schemeClr val="accent1"/>
+            </a:fillRef>
+            <a:effectRef idx="0">
+              <a:schemeClr val="accent1"/>
+            </a:effectRef>
+            <a:fontRef idx="minor">
+              <a:schemeClr val="lt1"/>
+            </a:fontRef>
+          </p:style>
+          <p:txBody>
+            <a:bodyPr lIns="36000" tIns="36000" rIns="36000" bIns="36000" rtlCol="0" anchor="ctr"/>
+            <a:lstStyle/>
+            <a:p>
+              <a:pPr algn="ctr"/>
+              <a:r>
+                <a:rPr lang="en-US" altLang="ko-KR" sz="1400" dirty="0" err="1" smtClean="0">
+                  <a:solidFill>
+                    <a:srgbClr val="326CE5"/>
+                  </a:solidFill>
+                  <a:latin typeface="삼성긴고딕OTF Bold" panose="020B0600000101010101" pitchFamily="34" charset="-127"/>
+                  <a:ea typeface="삼성긴고딕OTF Bold" panose="020B0600000101010101" pitchFamily="34" charset="-127"/>
+                </a:rPr>
+                <a:t>Kube</a:t>
+              </a:r>
+              <a:r>
+                <a:rPr lang="en-US" altLang="ko-KR" sz="1400" dirty="0" smtClean="0">
+                  <a:solidFill>
+                    <a:srgbClr val="326CE5"/>
+                  </a:solidFill>
+                  <a:latin typeface="삼성긴고딕OTF Bold" panose="020B0600000101010101" pitchFamily="34" charset="-127"/>
+                  <a:ea typeface="삼성긴고딕OTF Bold" panose="020B0600000101010101" pitchFamily="34" charset="-127"/>
+                </a:rPr>
+                <a:t> proxy</a:t>
+              </a:r>
+              <a:endParaRPr lang="ko-KR" altLang="en-US" sz="1400" dirty="0">
+                <a:solidFill>
+                  <a:srgbClr val="326CE5"/>
+                </a:solidFill>
+                <a:latin typeface="삼성긴고딕OTF Bold" panose="020B0600000101010101" pitchFamily="34" charset="-127"/>
+                <a:ea typeface="삼성긴고딕OTF Bold" panose="020B0600000101010101" pitchFamily="34" charset="-127"/>
+              </a:endParaRPr>
+            </a:p>
+          </p:txBody>
+        </p:sp>
+        <p:pic>
+          <p:nvPicPr>
+            <p:cNvPr id="68" name="Shape 242"/>
+            <p:cNvPicPr preferRelativeResize="0"/>
+            <p:nvPr/>
+          </p:nvPicPr>
+          <p:blipFill>
+            <a:blip r:embed="rId15">
+              <a:alphaModFix/>
+            </a:blip>
+            <a:stretch>
+              <a:fillRect/>
+            </a:stretch>
+          </p:blipFill>
+          <p:spPr>
+            <a:xfrm>
+              <a:off x="9620641" y="3434629"/>
+              <a:ext cx="504000" cy="504000"/>
+            </a:xfrm>
+            <a:prstGeom prst="rect">
+              <a:avLst/>
+            </a:prstGeom>
+            <a:noFill/>
+            <a:ln>
+              <a:noFill/>
+            </a:ln>
+          </p:spPr>
+        </p:pic>
+      </p:grpSp>
+      <p:grpSp>
+        <p:nvGrpSpPr>
+          <p:cNvPr id="96" name="그룹 95"/>
+          <p:cNvGrpSpPr/>
+          <p:nvPr/>
+        </p:nvGrpSpPr>
+        <p:grpSpPr>
+          <a:xfrm>
+            <a:off x="9620641" y="5386935"/>
+            <a:ext cx="1872226" cy="848947"/>
+            <a:chOff x="494232" y="5239326"/>
+            <a:chExt cx="1872226" cy="848947"/>
+          </a:xfrm>
+        </p:grpSpPr>
+        <p:sp>
+          <p:nvSpPr>
+            <p:cNvPr id="95" name="모서리가 둥근 직사각형 94"/>
+            <p:cNvSpPr/>
+            <p:nvPr/>
+          </p:nvSpPr>
+          <p:spPr>
+            <a:xfrm>
+              <a:off x="834079" y="5445295"/>
+              <a:ext cx="1532379" cy="468000"/>
+            </a:xfrm>
+            <a:prstGeom prst="roundRect">
+              <a:avLst/>
+            </a:prstGeom>
+            <a:solidFill>
+              <a:schemeClr val="bg1"/>
+            </a:solidFill>
+            <a:ln w="19050">
+              <a:solidFill>
+                <a:srgbClr val="326CE5"/>
+              </a:solidFill>
+            </a:ln>
+          </p:spPr>
+          <p:style>
+            <a:lnRef idx="2">
+              <a:schemeClr val="accent1">
+                <a:shade val="50000"/>
+              </a:schemeClr>
+            </a:lnRef>
+            <a:fillRef idx="1">
+              <a:schemeClr val="accent1"/>
+            </a:fillRef>
+            <a:effectRef idx="0">
+              <a:schemeClr val="accent1"/>
+            </a:effectRef>
+            <a:fontRef idx="minor">
+              <a:schemeClr val="lt1"/>
+            </a:fontRef>
+          </p:style>
+          <p:txBody>
+            <a:bodyPr lIns="36000" tIns="36000" rIns="36000" bIns="36000" rtlCol="0" anchor="ctr"/>
+            <a:lstStyle/>
+            <a:p>
+              <a:pPr algn="ctr"/>
+              <a:endParaRPr lang="ko-KR" altLang="en-US" sz="1400" dirty="0">
+                <a:solidFill>
+                  <a:srgbClr val="326CE5"/>
+                </a:solidFill>
+                <a:latin typeface="삼성긴고딕OTF Bold" panose="020B0600000101010101" pitchFamily="34" charset="-127"/>
+                <a:ea typeface="삼성긴고딕OTF Bold" panose="020B0600000101010101" pitchFamily="34" charset="-127"/>
+              </a:endParaRPr>
+            </a:p>
+          </p:txBody>
+        </p:sp>
+        <p:sp>
+          <p:nvSpPr>
+            <p:cNvPr id="93" name="모서리가 둥근 직사각형 92"/>
+            <p:cNvSpPr/>
+            <p:nvPr/>
+          </p:nvSpPr>
+          <p:spPr>
+            <a:xfrm>
+              <a:off x="769226" y="5537356"/>
+              <a:ext cx="1532379" cy="468000"/>
+            </a:xfrm>
+            <a:prstGeom prst="roundRect">
+              <a:avLst/>
+            </a:prstGeom>
+            <a:solidFill>
+              <a:schemeClr val="bg1"/>
+            </a:solidFill>
+            <a:ln w="19050">
+              <a:solidFill>
+                <a:srgbClr val="326CE5"/>
+              </a:solidFill>
+            </a:ln>
+          </p:spPr>
+          <p:style>
+            <a:lnRef idx="2">
+              <a:schemeClr val="accent1">
+                <a:shade val="50000"/>
+              </a:schemeClr>
+            </a:lnRef>
+            <a:fillRef idx="1">
+              <a:schemeClr val="accent1"/>
+            </a:fillRef>
+            <a:effectRef idx="0">
+              <a:schemeClr val="accent1"/>
+            </a:effectRef>
+            <a:fontRef idx="minor">
+              <a:schemeClr val="lt1"/>
+            </a:fontRef>
+          </p:style>
+          <p:txBody>
+            <a:bodyPr lIns="36000" tIns="36000" rIns="36000" bIns="36000" rtlCol="0" anchor="ctr"/>
+            <a:lstStyle/>
+            <a:p>
+              <a:pPr algn="ctr"/>
+              <a:endParaRPr lang="ko-KR" altLang="en-US" sz="1400" dirty="0">
+                <a:solidFill>
+                  <a:srgbClr val="326CE5"/>
+                </a:solidFill>
+                <a:latin typeface="삼성긴고딕OTF Bold" panose="020B0600000101010101" pitchFamily="34" charset="-127"/>
+                <a:ea typeface="삼성긴고딕OTF Bold" panose="020B0600000101010101" pitchFamily="34" charset="-127"/>
+              </a:endParaRPr>
+            </a:p>
+          </p:txBody>
+        </p:sp>
+        <p:sp>
+          <p:nvSpPr>
+            <p:cNvPr id="94" name="모서리가 둥근 직사각형 93"/>
+            <p:cNvSpPr/>
+            <p:nvPr/>
+          </p:nvSpPr>
+          <p:spPr>
+            <a:xfrm>
+              <a:off x="703406" y="5620273"/>
+              <a:ext cx="1532379" cy="468000"/>
+            </a:xfrm>
+            <a:prstGeom prst="roundRect">
+              <a:avLst/>
+            </a:prstGeom>
+            <a:solidFill>
+              <a:schemeClr val="bg1"/>
+            </a:solidFill>
+            <a:ln w="19050">
+              <a:solidFill>
+                <a:srgbClr val="326CE5"/>
+              </a:solidFill>
+            </a:ln>
+          </p:spPr>
+          <p:style>
+            <a:lnRef idx="2">
+              <a:schemeClr val="accent1">
+                <a:shade val="50000"/>
+              </a:schemeClr>
+            </a:lnRef>
+            <a:fillRef idx="1">
+              <a:schemeClr val="accent1"/>
+            </a:fillRef>
+            <a:effectRef idx="0">
+              <a:schemeClr val="accent1"/>
+            </a:effectRef>
+            <a:fontRef idx="minor">
+              <a:schemeClr val="lt1"/>
+            </a:fontRef>
+          </p:style>
+          <p:txBody>
+            <a:bodyPr lIns="36000" tIns="36000" rIns="36000" bIns="36000" rtlCol="0" anchor="ctr"/>
+            <a:lstStyle/>
+            <a:p>
+              <a:pPr algn="ctr"/>
+              <a:r>
+                <a:rPr lang="en-US" altLang="ko-KR" sz="1400" dirty="0" smtClean="0">
+                  <a:solidFill>
+                    <a:srgbClr val="326CE5"/>
+                  </a:solidFill>
+                  <a:latin typeface="삼성긴고딕OTF Bold" panose="020B0600000101010101" pitchFamily="34" charset="-127"/>
+                  <a:ea typeface="삼성긴고딕OTF Bold" panose="020B0600000101010101" pitchFamily="34" charset="-127"/>
+                </a:rPr>
+                <a:t>Pod</a:t>
+              </a:r>
+              <a:endParaRPr lang="ko-KR" altLang="en-US" sz="1400" dirty="0">
+                <a:solidFill>
+                  <a:srgbClr val="326CE5"/>
+                </a:solidFill>
+                <a:latin typeface="삼성긴고딕OTF Bold" panose="020B0600000101010101" pitchFamily="34" charset="-127"/>
+                <a:ea typeface="삼성긴고딕OTF Bold" panose="020B0600000101010101" pitchFamily="34" charset="-127"/>
+              </a:endParaRPr>
+            </a:p>
+          </p:txBody>
+        </p:sp>
+        <p:pic>
+          <p:nvPicPr>
+            <p:cNvPr id="92" name="Shape 80"/>
+            <p:cNvPicPr preferRelativeResize="0"/>
+            <p:nvPr/>
+          </p:nvPicPr>
+          <p:blipFill>
+            <a:blip r:embed="rId16">
+              <a:alphaModFix/>
+            </a:blip>
+            <a:stretch>
+              <a:fillRect/>
+            </a:stretch>
+          </p:blipFill>
+          <p:spPr>
+            <a:xfrm>
+              <a:off x="494232" y="5239326"/>
+              <a:ext cx="504000" cy="504000"/>
+            </a:xfrm>
+            <a:prstGeom prst="rect">
+              <a:avLst/>
+            </a:prstGeom>
+            <a:noFill/>
+            <a:ln>
+              <a:noFill/>
+            </a:ln>
+          </p:spPr>
+        </p:pic>
+      </p:grpSp>
+      <p:sp>
+        <p:nvSpPr>
+          <p:cNvPr id="99" name="모서리가 둥근 직사각형 98"/>
+          <p:cNvSpPr/>
+          <p:nvPr/>
+        </p:nvSpPr>
+        <p:spPr>
+          <a:xfrm>
+            <a:off x="4085228" y="1676814"/>
+            <a:ext cx="1131117" cy="540000"/>
+          </a:xfrm>
+          <a:prstGeom prst="roundRect">
+            <a:avLst/>
+          </a:prstGeom>
+          <a:solidFill>
+            <a:schemeClr val="bg1"/>
+          </a:solidFill>
+          <a:ln w="19050">
+            <a:solidFill>
+              <a:schemeClr val="tx2"/>
+            </a:solidFill>
+          </a:ln>
+        </p:spPr>
+        <p:style>
+          <a:lnRef idx="2">
+            <a:schemeClr val="accent1">
+              <a:shade val="50000"/>
+            </a:schemeClr>
+          </a:lnRef>
+          <a:fillRef idx="1">
+            <a:schemeClr val="accent1"/>
+          </a:fillRef>
+          <a:effectRef idx="0">
+            <a:schemeClr val="accent1"/>
+          </a:effectRef>
+          <a:fontRef idx="minor">
+            <a:schemeClr val="lt1"/>
+          </a:fontRef>
+        </p:style>
+        <p:txBody>
+          <a:bodyPr lIns="36000" tIns="36000" rIns="36000" bIns="36000" rtlCol="0" anchor="ctr"/>
+          <a:lstStyle/>
+          <a:p>
+            <a:pPr algn="ctr"/>
+            <a:r>
+              <a:rPr lang="en-US" altLang="ko-KR" sz="1400" dirty="0" err="1" smtClean="0">
+                <a:solidFill>
+                  <a:schemeClr val="tx2"/>
+                </a:solidFill>
+                <a:latin typeface="삼성긴고딕OTF Bold" panose="020B0600000101010101" pitchFamily="34" charset="-127"/>
+                <a:ea typeface="삼성긴고딕OTF Bold" panose="020B0600000101010101" pitchFamily="34" charset="-127"/>
+              </a:rPr>
+              <a:t>kubectl</a:t>
+            </a:r>
+            <a:endParaRPr lang="ko-KR" altLang="en-US" sz="1400" dirty="0">
+              <a:solidFill>
+                <a:schemeClr val="tx2"/>
+              </a:solidFill>
+              <a:latin typeface="삼성긴고딕OTF Bold" panose="020B0600000101010101" pitchFamily="34" charset="-127"/>
+              <a:ea typeface="삼성긴고딕OTF Bold" panose="020B0600000101010101" pitchFamily="34" charset="-127"/>
+            </a:endParaRPr>
+          </a:p>
+        </p:txBody>
+      </p:sp>
+      <p:cxnSp>
+        <p:nvCxnSpPr>
+          <p:cNvPr id="100" name="꺾인 연결선 99"/>
+          <p:cNvCxnSpPr>
+            <a:stCxn id="99" idx="3"/>
+            <a:endCxn id="84" idx="0"/>
+          </p:cNvCxnSpPr>
+          <p:nvPr/>
+        </p:nvCxnSpPr>
+        <p:spPr>
+          <a:xfrm>
+            <a:off x="5216345" y="1946814"/>
+            <a:ext cx="2913922" cy="2070886"/>
+          </a:xfrm>
+          <a:prstGeom prst="bentConnector2">
+            <a:avLst/>
+          </a:prstGeom>
+          <a:ln w="12700">
+            <a:solidFill>
+              <a:srgbClr val="FF0000"/>
+            </a:solidFill>
+            <a:prstDash val="dash"/>
+            <a:tailEnd type="triangle"/>
+          </a:ln>
+        </p:spPr>
+        <p:style>
+          <a:lnRef idx="1">
+            <a:schemeClr val="accent1"/>
+          </a:lnRef>
+          <a:fillRef idx="0">
+            <a:schemeClr val="accent1"/>
+          </a:fillRef>
+          <a:effectRef idx="0">
+            <a:schemeClr val="accent1"/>
+          </a:effectRef>
+          <a:fontRef idx="minor">
+            <a:schemeClr val="tx1"/>
+          </a:fontRef>
+        </p:style>
+      </p:cxnSp>
+      <p:cxnSp>
+        <p:nvCxnSpPr>
+          <p:cNvPr id="104" name="꺾인 연결선 103"/>
+          <p:cNvCxnSpPr/>
+          <p:nvPr/>
+        </p:nvCxnSpPr>
+        <p:spPr>
+          <a:xfrm rot="10800000" flipV="1">
+            <a:off x="5677460" y="4094302"/>
+            <a:ext cx="1887254" cy="120620"/>
+          </a:xfrm>
+          <a:prstGeom prst="bentConnector3">
+            <a:avLst>
+              <a:gd name="adj1" fmla="val 50000"/>
+            </a:avLst>
+          </a:prstGeom>
+          <a:ln w="12700">
+            <a:solidFill>
+              <a:srgbClr val="FF0000"/>
+            </a:solidFill>
+            <a:prstDash val="dash"/>
+            <a:tailEnd type="triangle"/>
+          </a:ln>
+        </p:spPr>
+        <p:style>
+          <a:lnRef idx="1">
+            <a:schemeClr val="accent1"/>
+          </a:lnRef>
+          <a:fillRef idx="0">
+            <a:schemeClr val="accent1"/>
+          </a:fillRef>
+          <a:effectRef idx="0">
+            <a:schemeClr val="accent1"/>
+          </a:effectRef>
+          <a:fontRef idx="minor">
+            <a:schemeClr val="tx1"/>
+          </a:fontRef>
+        </p:style>
+      </p:cxnSp>
+      <p:cxnSp>
+        <p:nvCxnSpPr>
+          <p:cNvPr id="110" name="꺾인 연결선 109"/>
+          <p:cNvCxnSpPr>
+            <a:stCxn id="82" idx="3"/>
+          </p:cNvCxnSpPr>
+          <p:nvPr/>
+        </p:nvCxnSpPr>
+        <p:spPr>
+          <a:xfrm>
+            <a:off x="5657085" y="4396671"/>
+            <a:ext cx="1907623" cy="482712"/>
+          </a:xfrm>
+          <a:prstGeom prst="bentConnector3">
+            <a:avLst>
+              <a:gd name="adj1" fmla="val 50000"/>
+            </a:avLst>
+          </a:prstGeom>
+          <a:ln w="12700">
+            <a:solidFill>
+              <a:srgbClr val="FF0000"/>
+            </a:solidFill>
+            <a:prstDash val="dash"/>
+            <a:tailEnd type="triangle"/>
+          </a:ln>
+        </p:spPr>
+        <p:style>
+          <a:lnRef idx="1">
+            <a:schemeClr val="accent1"/>
+          </a:lnRef>
+          <a:fillRef idx="0">
+            <a:schemeClr val="accent1"/>
+          </a:fillRef>
+          <a:effectRef idx="0">
+            <a:schemeClr val="accent1"/>
+          </a:effectRef>
+          <a:fontRef idx="minor">
+            <a:schemeClr val="tx1"/>
+          </a:fontRef>
+        </p:style>
+      </p:cxnSp>
+      <p:cxnSp>
+        <p:nvCxnSpPr>
+          <p:cNvPr id="119" name="꺾인 연결선 118"/>
+          <p:cNvCxnSpPr/>
+          <p:nvPr/>
+        </p:nvCxnSpPr>
+        <p:spPr>
+          <a:xfrm>
+            <a:off x="5677459" y="5255469"/>
+            <a:ext cx="1887249" cy="373926"/>
+          </a:xfrm>
+          <a:prstGeom prst="bentConnector3">
+            <a:avLst>
+              <a:gd name="adj1" fmla="val 50000"/>
+            </a:avLst>
+          </a:prstGeom>
+          <a:ln w="12700">
+            <a:solidFill>
+              <a:srgbClr val="FF0000"/>
+            </a:solidFill>
+            <a:prstDash val="dash"/>
+            <a:tailEnd type="triangle"/>
+          </a:ln>
+        </p:spPr>
+        <p:style>
+          <a:lnRef idx="1">
+            <a:schemeClr val="accent1"/>
+          </a:lnRef>
+          <a:fillRef idx="0">
+            <a:schemeClr val="accent1"/>
+          </a:fillRef>
+          <a:effectRef idx="0">
+            <a:schemeClr val="accent1"/>
+          </a:effectRef>
+          <a:fontRef idx="minor">
+            <a:schemeClr val="tx1"/>
+          </a:fontRef>
+        </p:style>
+      </p:cxnSp>
+      <p:cxnSp>
+        <p:nvCxnSpPr>
+          <p:cNvPr id="122" name="꺾인 연결선 121"/>
+          <p:cNvCxnSpPr>
+            <a:stCxn id="85" idx="1"/>
+            <a:endCxn id="83" idx="3"/>
+          </p:cNvCxnSpPr>
+          <p:nvPr/>
+        </p:nvCxnSpPr>
+        <p:spPr>
+          <a:xfrm rot="10800000" flipV="1">
+            <a:off x="5657086" y="5003313"/>
+            <a:ext cx="1907623" cy="138516"/>
+          </a:xfrm>
+          <a:prstGeom prst="bentConnector3">
+            <a:avLst>
+              <a:gd name="adj1" fmla="val 50000"/>
+            </a:avLst>
+          </a:prstGeom>
+          <a:ln w="12700">
+            <a:solidFill>
+              <a:srgbClr val="FF0000"/>
+            </a:solidFill>
+            <a:prstDash val="dash"/>
+            <a:tailEnd type="triangle"/>
+          </a:ln>
+        </p:spPr>
+        <p:style>
+          <a:lnRef idx="1">
+            <a:schemeClr val="accent1"/>
+          </a:lnRef>
+          <a:fillRef idx="0">
+            <a:schemeClr val="accent1"/>
+          </a:fillRef>
+          <a:effectRef idx="0">
+            <a:schemeClr val="accent1"/>
+          </a:effectRef>
+          <a:fontRef idx="minor">
+            <a:schemeClr val="tx1"/>
+          </a:fontRef>
+        </p:style>
+      </p:cxnSp>
+      <p:cxnSp>
+        <p:nvCxnSpPr>
+          <p:cNvPr id="125" name="꺾인 연결선 124"/>
+          <p:cNvCxnSpPr>
+            <a:stCxn id="86" idx="1"/>
+          </p:cNvCxnSpPr>
+          <p:nvPr/>
+        </p:nvCxnSpPr>
+        <p:spPr>
+          <a:xfrm rot="10800000" flipV="1">
+            <a:off x="5216344" y="5754925"/>
+            <a:ext cx="2348364" cy="291445"/>
+          </a:xfrm>
+          <a:prstGeom prst="bentConnector3">
+            <a:avLst>
+              <a:gd name="adj1" fmla="val 50000"/>
+            </a:avLst>
+          </a:prstGeom>
+          <a:ln w="12700">
+            <a:solidFill>
+              <a:srgbClr val="FF0000"/>
+            </a:solidFill>
+            <a:prstDash val="dash"/>
+            <a:tailEnd type="triangle"/>
+          </a:ln>
+        </p:spPr>
+        <p:style>
+          <a:lnRef idx="1">
+            <a:schemeClr val="accent1"/>
+          </a:lnRef>
+          <a:fillRef idx="0">
+            <a:schemeClr val="accent1"/>
+          </a:fillRef>
+          <a:effectRef idx="0">
+            <a:schemeClr val="accent1"/>
+          </a:effectRef>
+          <a:fontRef idx="minor">
+            <a:schemeClr val="tx1"/>
+          </a:fontRef>
+        </p:style>
+      </p:cxnSp>
+      <p:cxnSp>
+        <p:nvCxnSpPr>
+          <p:cNvPr id="129" name="꺾인 연결선 128"/>
+          <p:cNvCxnSpPr>
+            <a:stCxn id="81" idx="3"/>
+            <a:endCxn id="86" idx="2"/>
+          </p:cNvCxnSpPr>
+          <p:nvPr/>
+        </p:nvCxnSpPr>
+        <p:spPr>
+          <a:xfrm flipV="1">
+            <a:off x="5216345" y="5988926"/>
+            <a:ext cx="2913922" cy="163676"/>
+          </a:xfrm>
+          <a:prstGeom prst="bentConnector2">
+            <a:avLst/>
+          </a:prstGeom>
+          <a:ln w="12700">
+            <a:solidFill>
+              <a:srgbClr val="FF0000"/>
+            </a:solidFill>
+            <a:prstDash val="dash"/>
+            <a:tailEnd type="triangle"/>
+          </a:ln>
+        </p:spPr>
+        <p:style>
+          <a:lnRef idx="1">
+            <a:schemeClr val="accent1"/>
+          </a:lnRef>
+          <a:fillRef idx="0">
+            <a:schemeClr val="accent1"/>
+          </a:fillRef>
+          <a:effectRef idx="0">
+            <a:schemeClr val="accent1"/>
+          </a:effectRef>
+          <a:fontRef idx="minor">
+            <a:schemeClr val="tx1"/>
+          </a:fontRef>
+        </p:style>
+      </p:cxnSp>
+      <p:cxnSp>
+        <p:nvCxnSpPr>
+          <p:cNvPr id="132" name="꺾인 연결선 131"/>
+          <p:cNvCxnSpPr>
+            <a:stCxn id="86" idx="3"/>
+            <a:endCxn id="88" idx="1"/>
+          </p:cNvCxnSpPr>
+          <p:nvPr/>
+        </p:nvCxnSpPr>
+        <p:spPr>
+          <a:xfrm flipV="1">
+            <a:off x="8695825" y="4948511"/>
+            <a:ext cx="1107817" cy="806415"/>
+          </a:xfrm>
+          <a:prstGeom prst="bentConnector3">
+            <a:avLst>
+              <a:gd name="adj1" fmla="val 50000"/>
+            </a:avLst>
+          </a:prstGeom>
+          <a:ln w="12700">
+            <a:solidFill>
+              <a:srgbClr val="FF0000"/>
+            </a:solidFill>
+            <a:prstDash val="dash"/>
+            <a:tailEnd type="triangle"/>
+          </a:ln>
+        </p:spPr>
+        <p:style>
+          <a:lnRef idx="1">
+            <a:schemeClr val="accent1"/>
+          </a:lnRef>
+          <a:fillRef idx="0">
+            <a:schemeClr val="accent1"/>
+          </a:fillRef>
+          <a:effectRef idx="0">
+            <a:schemeClr val="accent1"/>
+          </a:effectRef>
+          <a:fontRef idx="minor">
+            <a:schemeClr val="tx1"/>
+          </a:fontRef>
+        </p:style>
+      </p:cxnSp>
+      <p:cxnSp>
+        <p:nvCxnSpPr>
+          <p:cNvPr id="135" name="꺾인 연결선 134"/>
+          <p:cNvCxnSpPr/>
+          <p:nvPr/>
+        </p:nvCxnSpPr>
+        <p:spPr>
+          <a:xfrm flipH="1">
+            <a:off x="10596004" y="5192355"/>
+            <a:ext cx="0" cy="492610"/>
+          </a:xfrm>
+          <a:prstGeom prst="straightConnector1">
+            <a:avLst/>
+          </a:prstGeom>
+          <a:ln w="12700">
+            <a:solidFill>
+              <a:srgbClr val="FF0000"/>
+            </a:solidFill>
+            <a:prstDash val="dash"/>
+            <a:tailEnd type="triangle"/>
+          </a:ln>
+        </p:spPr>
+        <p:style>
+          <a:lnRef idx="1">
+            <a:schemeClr val="accent1"/>
+          </a:lnRef>
+          <a:fillRef idx="0">
+            <a:schemeClr val="accent1"/>
+          </a:fillRef>
+          <a:effectRef idx="0">
+            <a:schemeClr val="accent1"/>
+          </a:effectRef>
+          <a:fontRef idx="minor">
+            <a:schemeClr val="tx1"/>
+          </a:fontRef>
+        </p:style>
+      </p:cxnSp>
+      <p:sp>
+        <p:nvSpPr>
+          <p:cNvPr id="140" name="TextBox 139"/>
+          <p:cNvSpPr txBox="1"/>
+          <p:nvPr/>
+        </p:nvSpPr>
+        <p:spPr>
+          <a:xfrm>
+            <a:off x="5873882" y="1676012"/>
+            <a:ext cx="1241289" cy="276999"/>
+          </a:xfrm>
+          <a:prstGeom prst="rect">
+            <a:avLst/>
+          </a:prstGeom>
+          <a:noFill/>
+        </p:spPr>
+        <p:txBody>
+          <a:bodyPr wrap="square" rtlCol="0">
+            <a:spAutoFit/>
+          </a:bodyPr>
+          <a:lstStyle/>
+          <a:p>
+            <a:pPr algn="ctr"/>
+            <a:r>
+              <a:rPr lang="en-US" altLang="ko-KR" sz="1200" dirty="0" smtClean="0">
+                <a:latin typeface="삼성긴고딕OTF Light" panose="020B0600000101010101" pitchFamily="34" charset="-127"/>
+                <a:ea typeface="삼성긴고딕OTF Light" panose="020B0600000101010101" pitchFamily="34" charset="-127"/>
+              </a:rPr>
+              <a:t>1. run </a:t>
+            </a:r>
+            <a:r>
+              <a:rPr lang="ko-KR" altLang="en-US" sz="1200" dirty="0" smtClean="0">
+                <a:latin typeface="삼성긴고딕OTF Light" panose="020B0600000101010101" pitchFamily="34" charset="-127"/>
+                <a:ea typeface="삼성긴고딕OTF Light" panose="020B0600000101010101" pitchFamily="34" charset="-127"/>
+              </a:rPr>
+              <a:t>명령</a:t>
+            </a:r>
+            <a:endParaRPr lang="ko-KR" altLang="en-US" sz="1200" dirty="0">
+              <a:latin typeface="삼성긴고딕OTF Light" panose="020B0600000101010101" pitchFamily="34" charset="-127"/>
+              <a:ea typeface="삼성긴고딕OTF Light" panose="020B0600000101010101" pitchFamily="34" charset="-127"/>
+            </a:endParaRPr>
+          </a:p>
+        </p:txBody>
+      </p:sp>
+      <p:sp>
+        <p:nvSpPr>
+          <p:cNvPr id="141" name="TextBox 140"/>
+          <p:cNvSpPr txBox="1"/>
+          <p:nvPr/>
+        </p:nvSpPr>
+        <p:spPr>
+          <a:xfrm>
+            <a:off x="6072194" y="3823777"/>
+            <a:ext cx="1241289" cy="276999"/>
+          </a:xfrm>
+          <a:prstGeom prst="rect">
+            <a:avLst/>
+          </a:prstGeom>
+          <a:noFill/>
+        </p:spPr>
+        <p:txBody>
+          <a:bodyPr wrap="square" rtlCol="0">
+            <a:spAutoFit/>
+          </a:bodyPr>
+          <a:lstStyle/>
+          <a:p>
+            <a:r>
+              <a:rPr lang="en-US" altLang="ko-KR" sz="1200" dirty="0">
+                <a:latin typeface="삼성긴고딕OTF Light" panose="020B0600000101010101" pitchFamily="34" charset="-127"/>
+                <a:ea typeface="삼성긴고딕OTF Light" panose="020B0600000101010101" pitchFamily="34" charset="-127"/>
+              </a:rPr>
+              <a:t>2</a:t>
+            </a:r>
+            <a:r>
+              <a:rPr lang="en-US" altLang="ko-KR" sz="1200" dirty="0" smtClean="0">
+                <a:latin typeface="삼성긴고딕OTF Light" panose="020B0600000101010101" pitchFamily="34" charset="-127"/>
+                <a:ea typeface="삼성긴고딕OTF Light" panose="020B0600000101010101" pitchFamily="34" charset="-127"/>
+              </a:rPr>
+              <a:t>. </a:t>
+            </a:r>
+            <a:r>
+              <a:rPr lang="ko-KR" altLang="en-US" sz="1200" dirty="0" smtClean="0">
+                <a:latin typeface="삼성긴고딕OTF Light" panose="020B0600000101010101" pitchFamily="34" charset="-127"/>
+                <a:ea typeface="삼성긴고딕OTF Light" panose="020B0600000101010101" pitchFamily="34" charset="-127"/>
+              </a:rPr>
+              <a:t>변경 사항</a:t>
+            </a:r>
+            <a:endParaRPr lang="ko-KR" altLang="en-US" sz="1200" dirty="0">
+              <a:latin typeface="삼성긴고딕OTF Light" panose="020B0600000101010101" pitchFamily="34" charset="-127"/>
+              <a:ea typeface="삼성긴고딕OTF Light" panose="020B0600000101010101" pitchFamily="34" charset="-127"/>
+            </a:endParaRPr>
+          </a:p>
+        </p:txBody>
+      </p:sp>
+      <p:sp>
+        <p:nvSpPr>
+          <p:cNvPr id="142" name="TextBox 141"/>
+          <p:cNvSpPr txBox="1"/>
+          <p:nvPr/>
+        </p:nvSpPr>
+        <p:spPr>
+          <a:xfrm>
+            <a:off x="6072194" y="4492171"/>
+            <a:ext cx="1357722" cy="276999"/>
+          </a:xfrm>
+          <a:prstGeom prst="rect">
+            <a:avLst/>
+          </a:prstGeom>
+          <a:noFill/>
+        </p:spPr>
+        <p:txBody>
+          <a:bodyPr wrap="square" rtlCol="0">
+            <a:spAutoFit/>
+          </a:bodyPr>
+          <a:lstStyle/>
+          <a:p>
+            <a:r>
+              <a:rPr lang="en-US" altLang="ko-KR" sz="1200" dirty="0" smtClean="0">
+                <a:latin typeface="삼성긴고딕OTF Light" panose="020B0600000101010101" pitchFamily="34" charset="-127"/>
+                <a:ea typeface="삼성긴고딕OTF Light" panose="020B0600000101010101" pitchFamily="34" charset="-127"/>
+              </a:rPr>
+              <a:t>3. </a:t>
+            </a:r>
+            <a:r>
+              <a:rPr lang="en-US" altLang="ko-KR" sz="1200" dirty="0" err="1" smtClean="0">
+                <a:latin typeface="삼성긴고딕OTF Light" panose="020B0600000101010101" pitchFamily="34" charset="-127"/>
+                <a:ea typeface="삼성긴고딕OTF Light" panose="020B0600000101010101" pitchFamily="34" charset="-127"/>
+              </a:rPr>
+              <a:t>ReplicaSet</a:t>
+            </a:r>
+            <a:r>
+              <a:rPr lang="en-US" altLang="ko-KR" sz="1200" dirty="0" smtClean="0">
+                <a:latin typeface="삼성긴고딕OTF Light" panose="020B0600000101010101" pitchFamily="34" charset="-127"/>
+                <a:ea typeface="삼성긴고딕OTF Light" panose="020B0600000101010101" pitchFamily="34" charset="-127"/>
+              </a:rPr>
+              <a:t> </a:t>
+            </a:r>
+            <a:r>
+              <a:rPr lang="ko-KR" altLang="en-US" sz="1200" dirty="0" smtClean="0">
+                <a:latin typeface="삼성긴고딕OTF Light" panose="020B0600000101010101" pitchFamily="34" charset="-127"/>
+                <a:ea typeface="삼성긴고딕OTF Light" panose="020B0600000101010101" pitchFamily="34" charset="-127"/>
+              </a:rPr>
+              <a:t>생성</a:t>
+            </a:r>
+            <a:endParaRPr lang="ko-KR" altLang="en-US" sz="1200" dirty="0">
+              <a:latin typeface="삼성긴고딕OTF Light" panose="020B0600000101010101" pitchFamily="34" charset="-127"/>
+              <a:ea typeface="삼성긴고딕OTF Light" panose="020B0600000101010101" pitchFamily="34" charset="-127"/>
+            </a:endParaRPr>
+          </a:p>
+        </p:txBody>
+      </p:sp>
+      <p:sp>
+        <p:nvSpPr>
+          <p:cNvPr id="143" name="TextBox 142"/>
+          <p:cNvSpPr txBox="1"/>
+          <p:nvPr/>
+        </p:nvSpPr>
+        <p:spPr>
+          <a:xfrm>
+            <a:off x="6072194" y="4929679"/>
+            <a:ext cx="1241289" cy="276999"/>
+          </a:xfrm>
+          <a:prstGeom prst="rect">
+            <a:avLst/>
+          </a:prstGeom>
+          <a:noFill/>
+        </p:spPr>
+        <p:txBody>
+          <a:bodyPr wrap="square" rtlCol="0">
+            <a:spAutoFit/>
+          </a:bodyPr>
+          <a:lstStyle/>
+          <a:p>
+            <a:r>
+              <a:rPr lang="en-US" altLang="ko-KR" sz="1200" dirty="0" smtClean="0">
+                <a:latin typeface="삼성긴고딕OTF Light" panose="020B0600000101010101" pitchFamily="34" charset="-127"/>
+                <a:ea typeface="삼성긴고딕OTF Light" panose="020B0600000101010101" pitchFamily="34" charset="-127"/>
+              </a:rPr>
+              <a:t>4</a:t>
+            </a:r>
+            <a:r>
+              <a:rPr lang="en-US" altLang="ko-KR" sz="1200" dirty="0" smtClean="0">
+                <a:latin typeface="삼성긴고딕OTF Light" panose="020B0600000101010101" pitchFamily="34" charset="-127"/>
+                <a:ea typeface="삼성긴고딕OTF Light" panose="020B0600000101010101" pitchFamily="34" charset="-127"/>
+              </a:rPr>
+              <a:t>. </a:t>
+            </a:r>
+            <a:r>
+              <a:rPr lang="ko-KR" altLang="en-US" sz="1200" dirty="0" smtClean="0">
+                <a:latin typeface="삼성긴고딕OTF Light" panose="020B0600000101010101" pitchFamily="34" charset="-127"/>
+                <a:ea typeface="삼성긴고딕OTF Light" panose="020B0600000101010101" pitchFamily="34" charset="-127"/>
+              </a:rPr>
+              <a:t>변경 사항</a:t>
+            </a:r>
+            <a:endParaRPr lang="ko-KR" altLang="en-US" sz="1200" dirty="0">
+              <a:latin typeface="삼성긴고딕OTF Light" panose="020B0600000101010101" pitchFamily="34" charset="-127"/>
+              <a:ea typeface="삼성긴고딕OTF Light" panose="020B0600000101010101" pitchFamily="34" charset="-127"/>
+            </a:endParaRPr>
+          </a:p>
+        </p:txBody>
+      </p:sp>
+      <p:sp>
+        <p:nvSpPr>
+          <p:cNvPr id="144" name="TextBox 143"/>
+          <p:cNvSpPr txBox="1"/>
+          <p:nvPr/>
+        </p:nvSpPr>
+        <p:spPr>
+          <a:xfrm>
+            <a:off x="6072194" y="5358635"/>
+            <a:ext cx="1241289" cy="276999"/>
+          </a:xfrm>
+          <a:prstGeom prst="rect">
+            <a:avLst/>
+          </a:prstGeom>
+          <a:noFill/>
+        </p:spPr>
+        <p:txBody>
+          <a:bodyPr wrap="square" rtlCol="0">
+            <a:spAutoFit/>
+          </a:bodyPr>
+          <a:lstStyle/>
+          <a:p>
+            <a:r>
+              <a:rPr lang="en-US" altLang="ko-KR" sz="1200" dirty="0" smtClean="0">
+                <a:latin typeface="삼성긴고딕OTF Light" panose="020B0600000101010101" pitchFamily="34" charset="-127"/>
+                <a:ea typeface="삼성긴고딕OTF Light" panose="020B0600000101010101" pitchFamily="34" charset="-127"/>
+              </a:rPr>
+              <a:t>5. </a:t>
+            </a:r>
+            <a:r>
+              <a:rPr lang="en-US" altLang="ko-KR" sz="1200" dirty="0" smtClean="0">
+                <a:latin typeface="삼성긴고딕OTF Light" panose="020B0600000101010101" pitchFamily="34" charset="-127"/>
+                <a:ea typeface="삼성긴고딕OTF Light" panose="020B0600000101010101" pitchFamily="34" charset="-127"/>
+              </a:rPr>
+              <a:t>Pod </a:t>
+            </a:r>
+            <a:r>
+              <a:rPr lang="ko-KR" altLang="en-US" sz="1200" dirty="0" smtClean="0">
+                <a:latin typeface="삼성긴고딕OTF Light" panose="020B0600000101010101" pitchFamily="34" charset="-127"/>
+                <a:ea typeface="삼성긴고딕OTF Light" panose="020B0600000101010101" pitchFamily="34" charset="-127"/>
+              </a:rPr>
+              <a:t>생성 요청</a:t>
+            </a:r>
+            <a:endParaRPr lang="ko-KR" altLang="en-US" sz="1200" dirty="0">
+              <a:latin typeface="삼성긴고딕OTF Light" panose="020B0600000101010101" pitchFamily="34" charset="-127"/>
+              <a:ea typeface="삼성긴고딕OTF Light" panose="020B0600000101010101" pitchFamily="34" charset="-127"/>
+            </a:endParaRPr>
+          </a:p>
+        </p:txBody>
+      </p:sp>
+      <p:sp>
+        <p:nvSpPr>
+          <p:cNvPr id="145" name="TextBox 144"/>
+          <p:cNvSpPr txBox="1"/>
+          <p:nvPr/>
+        </p:nvSpPr>
+        <p:spPr>
+          <a:xfrm>
+            <a:off x="6072194" y="5730530"/>
+            <a:ext cx="1241289" cy="276999"/>
+          </a:xfrm>
+          <a:prstGeom prst="rect">
+            <a:avLst/>
+          </a:prstGeom>
+          <a:noFill/>
+        </p:spPr>
+        <p:txBody>
+          <a:bodyPr wrap="square" rtlCol="0">
+            <a:spAutoFit/>
+          </a:bodyPr>
+          <a:lstStyle/>
+          <a:p>
+            <a:r>
+              <a:rPr lang="en-US" altLang="ko-KR" sz="1200" dirty="0">
+                <a:latin typeface="삼성긴고딕OTF Light" panose="020B0600000101010101" pitchFamily="34" charset="-127"/>
+                <a:ea typeface="삼성긴고딕OTF Light" panose="020B0600000101010101" pitchFamily="34" charset="-127"/>
+              </a:rPr>
+              <a:t>6</a:t>
+            </a:r>
+            <a:r>
+              <a:rPr lang="en-US" altLang="ko-KR" sz="1200" dirty="0" smtClean="0">
+                <a:latin typeface="삼성긴고딕OTF Light" panose="020B0600000101010101" pitchFamily="34" charset="-127"/>
+                <a:ea typeface="삼성긴고딕OTF Light" panose="020B0600000101010101" pitchFamily="34" charset="-127"/>
+              </a:rPr>
+              <a:t>. </a:t>
+            </a:r>
+            <a:r>
+              <a:rPr lang="ko-KR" altLang="en-US" sz="1200" dirty="0" smtClean="0">
+                <a:latin typeface="삼성긴고딕OTF Light" panose="020B0600000101010101" pitchFamily="34" charset="-127"/>
+                <a:ea typeface="삼성긴고딕OTF Light" panose="020B0600000101010101" pitchFamily="34" charset="-127"/>
+              </a:rPr>
+              <a:t>변경 사항</a:t>
+            </a:r>
+            <a:endParaRPr lang="ko-KR" altLang="en-US" sz="1200" dirty="0">
+              <a:latin typeface="삼성긴고딕OTF Light" panose="020B0600000101010101" pitchFamily="34" charset="-127"/>
+              <a:ea typeface="삼성긴고딕OTF Light" panose="020B0600000101010101" pitchFamily="34" charset="-127"/>
+            </a:endParaRPr>
+          </a:p>
+        </p:txBody>
+      </p:sp>
+      <p:sp>
+        <p:nvSpPr>
+          <p:cNvPr id="146" name="TextBox 145"/>
+          <p:cNvSpPr txBox="1"/>
+          <p:nvPr/>
+        </p:nvSpPr>
+        <p:spPr>
+          <a:xfrm>
+            <a:off x="6072194" y="6123444"/>
+            <a:ext cx="1241289" cy="276999"/>
+          </a:xfrm>
+          <a:prstGeom prst="rect">
+            <a:avLst/>
+          </a:prstGeom>
+          <a:noFill/>
+        </p:spPr>
+        <p:txBody>
+          <a:bodyPr wrap="square" rtlCol="0">
+            <a:spAutoFit/>
+          </a:bodyPr>
+          <a:lstStyle/>
+          <a:p>
+            <a:r>
+              <a:rPr lang="en-US" altLang="ko-KR" sz="1200" dirty="0" smtClean="0">
+                <a:latin typeface="삼성긴고딕OTF Light" panose="020B0600000101010101" pitchFamily="34" charset="-127"/>
+                <a:ea typeface="삼성긴고딕OTF Light" panose="020B0600000101010101" pitchFamily="34" charset="-127"/>
+              </a:rPr>
+              <a:t>7. Pod </a:t>
+            </a:r>
+            <a:r>
+              <a:rPr lang="ko-KR" altLang="en-US" sz="1200" dirty="0" smtClean="0">
+                <a:latin typeface="삼성긴고딕OTF Light" panose="020B0600000101010101" pitchFamily="34" charset="-127"/>
+                <a:ea typeface="삼성긴고딕OTF Light" panose="020B0600000101010101" pitchFamily="34" charset="-127"/>
+              </a:rPr>
+              <a:t>생성 명령</a:t>
+            </a:r>
+            <a:endParaRPr lang="ko-KR" altLang="en-US" sz="1200" dirty="0">
+              <a:latin typeface="삼성긴고딕OTF Light" panose="020B0600000101010101" pitchFamily="34" charset="-127"/>
+              <a:ea typeface="삼성긴고딕OTF Light" panose="020B0600000101010101" pitchFamily="34" charset="-127"/>
+            </a:endParaRPr>
+          </a:p>
+        </p:txBody>
+      </p:sp>
+      <p:sp>
+        <p:nvSpPr>
+          <p:cNvPr id="147" name="TextBox 146"/>
+          <p:cNvSpPr txBox="1"/>
+          <p:nvPr/>
+        </p:nvSpPr>
+        <p:spPr>
+          <a:xfrm>
+            <a:off x="8819422" y="5107980"/>
+            <a:ext cx="1241289" cy="276999"/>
+          </a:xfrm>
+          <a:prstGeom prst="rect">
+            <a:avLst/>
+          </a:prstGeom>
+          <a:noFill/>
+        </p:spPr>
+        <p:txBody>
+          <a:bodyPr wrap="square" rtlCol="0">
+            <a:spAutoFit/>
+          </a:bodyPr>
+          <a:lstStyle/>
+          <a:p>
+            <a:r>
+              <a:rPr lang="en-US" altLang="ko-KR" sz="1200" dirty="0">
+                <a:latin typeface="삼성긴고딕OTF Light" panose="020B0600000101010101" pitchFamily="34" charset="-127"/>
+                <a:ea typeface="삼성긴고딕OTF Light" panose="020B0600000101010101" pitchFamily="34" charset="-127"/>
+              </a:rPr>
+              <a:t>8</a:t>
+            </a:r>
+            <a:r>
+              <a:rPr lang="en-US" altLang="ko-KR" sz="1200" dirty="0" smtClean="0">
+                <a:latin typeface="삼성긴고딕OTF Light" panose="020B0600000101010101" pitchFamily="34" charset="-127"/>
+                <a:ea typeface="삼성긴고딕OTF Light" panose="020B0600000101010101" pitchFamily="34" charset="-127"/>
+              </a:rPr>
+              <a:t>. </a:t>
+            </a:r>
+            <a:r>
+              <a:rPr lang="ko-KR" altLang="en-US" sz="1200" dirty="0" smtClean="0">
+                <a:latin typeface="삼성긴고딕OTF Light" panose="020B0600000101010101" pitchFamily="34" charset="-127"/>
+                <a:ea typeface="삼성긴고딕OTF Light" panose="020B0600000101010101" pitchFamily="34" charset="-127"/>
+              </a:rPr>
+              <a:t>변경 사항</a:t>
+            </a:r>
+            <a:endParaRPr lang="ko-KR" altLang="en-US" sz="1200" dirty="0">
+              <a:latin typeface="삼성긴고딕OTF Light" panose="020B0600000101010101" pitchFamily="34" charset="-127"/>
+              <a:ea typeface="삼성긴고딕OTF Light" panose="020B0600000101010101" pitchFamily="34" charset="-127"/>
+            </a:endParaRPr>
+          </a:p>
+        </p:txBody>
+      </p:sp>
+      <p:sp>
+        <p:nvSpPr>
+          <p:cNvPr id="148" name="TextBox 147"/>
+          <p:cNvSpPr txBox="1"/>
+          <p:nvPr/>
+        </p:nvSpPr>
+        <p:spPr>
+          <a:xfrm>
+            <a:off x="10070179" y="5245636"/>
+            <a:ext cx="1321982" cy="276999"/>
+          </a:xfrm>
+          <a:prstGeom prst="rect">
+            <a:avLst/>
+          </a:prstGeom>
+          <a:noFill/>
+        </p:spPr>
+        <p:txBody>
+          <a:bodyPr wrap="square" rtlCol="0">
+            <a:spAutoFit/>
+          </a:bodyPr>
+          <a:lstStyle/>
+          <a:p>
+            <a:r>
+              <a:rPr lang="en-US" altLang="ko-KR" sz="1200" dirty="0" smtClean="0">
+                <a:latin typeface="삼성긴고딕OTF Light" panose="020B0600000101010101" pitchFamily="34" charset="-127"/>
+                <a:ea typeface="삼성긴고딕OTF Light" panose="020B0600000101010101" pitchFamily="34" charset="-127"/>
+              </a:rPr>
+              <a:t>9. Pod </a:t>
+            </a:r>
+            <a:r>
+              <a:rPr lang="ko-KR" altLang="en-US" sz="1200" dirty="0" smtClean="0">
+                <a:latin typeface="삼성긴고딕OTF Light" panose="020B0600000101010101" pitchFamily="34" charset="-127"/>
+                <a:ea typeface="삼성긴고딕OTF Light" panose="020B0600000101010101" pitchFamily="34" charset="-127"/>
+              </a:rPr>
+              <a:t>생성</a:t>
+            </a:r>
+            <a:r>
+              <a:rPr lang="en-US" altLang="ko-KR" sz="1200" dirty="0" smtClean="0">
+                <a:latin typeface="삼성긴고딕OTF Light" panose="020B0600000101010101" pitchFamily="34" charset="-127"/>
+                <a:ea typeface="삼성긴고딕OTF Light" panose="020B0600000101010101" pitchFamily="34" charset="-127"/>
+              </a:rPr>
+              <a:t>(</a:t>
+            </a:r>
+            <a:r>
+              <a:rPr lang="ko-KR" altLang="en-US" sz="1200" dirty="0" smtClean="0">
+                <a:latin typeface="삼성긴고딕OTF Light" panose="020B0600000101010101" pitchFamily="34" charset="-127"/>
+                <a:ea typeface="삼성긴고딕OTF Light" panose="020B0600000101010101" pitchFamily="34" charset="-127"/>
+              </a:rPr>
+              <a:t>할당</a:t>
+            </a:r>
+            <a:r>
+              <a:rPr lang="en-US" altLang="ko-KR" sz="1200" dirty="0" smtClean="0">
+                <a:latin typeface="삼성긴고딕OTF Light" panose="020B0600000101010101" pitchFamily="34" charset="-127"/>
+                <a:ea typeface="삼성긴고딕OTF Light" panose="020B0600000101010101" pitchFamily="34" charset="-127"/>
+              </a:rPr>
+              <a:t>)</a:t>
+            </a:r>
+            <a:endParaRPr lang="ko-KR" altLang="en-US" sz="1200" dirty="0">
+              <a:latin typeface="삼성긴고딕OTF Light" panose="020B0600000101010101" pitchFamily="34" charset="-127"/>
+              <a:ea typeface="삼성긴고딕OTF Light" panose="020B0600000101010101" pitchFamily="34" charset="-127"/>
+            </a:endParaRPr>
+          </a:p>
+        </p:txBody>
+      </p:sp>
+    </p:spTree>
+    <p:extLst>
+      <p:ext uri="{BB962C8B-B14F-4D97-AF65-F5344CB8AC3E}">
+        <p14:creationId xmlns:p14="http://schemas.microsoft.com/office/powerpoint/2010/main" val="2207698438"/>
+      </p:ext>
+    </p:extLst>
+  </p:cSld>
+  <p:clrMapOvr>
+    <a:masterClrMapping/>
+  </p:clrMapOvr>
+  <p:timing>
+    <p:tnLst>
+      <p:par>
+        <p:cTn id="1" dur="indefinite" restart="never" nodeType="tmRoot"/>
+      </p:par>
+    </p:tnLst>
+  </p:timing>
+</p:sld>
+</file>
+
 <file path=ppt/theme/theme1.xml><?xml version="1.0" encoding="utf-8"?>
 <a:theme xmlns:a="http://schemas.openxmlformats.org/drawingml/2006/main" name="Office 테마">
   <a:themeElements>

--- a/markdown_image.pptx
+++ b/markdown_image.pptx
@@ -5,7 +5,7 @@
     <p:sldMasterId id="2147483648" r:id="rId1"/>
   </p:sldMasterIdLst>
   <p:notesMasterIdLst>
-    <p:notesMasterId r:id="rId11"/>
+    <p:notesMasterId r:id="rId12"/>
   </p:notesMasterIdLst>
   <p:sldIdLst>
     <p:sldId id="256" r:id="rId2"/>
@@ -17,6 +17,7 @@
     <p:sldId id="260" r:id="rId8"/>
     <p:sldId id="261" r:id="rId9"/>
     <p:sldId id="265" r:id="rId10"/>
+    <p:sldId id="266" r:id="rId11"/>
   </p:sldIdLst>
   <p:sldSz cx="12192000" cy="6858000"/>
   <p:notesSz cx="6858000" cy="9144000"/>
@@ -205,7 +206,7 @@
           <a:p>
             <a:fld id="{06073691-9509-499D-804B-789F8428B2A1}" type="datetimeFigureOut">
               <a:rPr lang="ko-KR" altLang="en-US" smtClean="0"/>
-              <a:t>2023-03-05</a:t>
+              <a:t>2023-03-21</a:t>
             </a:fld>
             <a:endParaRPr lang="ko-KR" altLang="en-US"/>
           </a:p>
@@ -772,7 +773,7 @@
           <a:p>
             <a:fld id="{0CB960C3-B77A-4865-944D-F41BAAC8ADB3}" type="datetimeFigureOut">
               <a:rPr lang="ko-KR" altLang="en-US" smtClean="0"/>
-              <a:t>2023-03-05</a:t>
+              <a:t>2023-03-21</a:t>
             </a:fld>
             <a:endParaRPr lang="ko-KR" altLang="en-US"/>
           </a:p>
@@ -942,7 +943,7 @@
           <a:p>
             <a:fld id="{0CB960C3-B77A-4865-944D-F41BAAC8ADB3}" type="datetimeFigureOut">
               <a:rPr lang="ko-KR" altLang="en-US" smtClean="0"/>
-              <a:t>2023-03-05</a:t>
+              <a:t>2023-03-21</a:t>
             </a:fld>
             <a:endParaRPr lang="ko-KR" altLang="en-US"/>
           </a:p>
@@ -1122,7 +1123,7 @@
           <a:p>
             <a:fld id="{0CB960C3-B77A-4865-944D-F41BAAC8ADB3}" type="datetimeFigureOut">
               <a:rPr lang="ko-KR" altLang="en-US" smtClean="0"/>
-              <a:t>2023-03-05</a:t>
+              <a:t>2023-03-21</a:t>
             </a:fld>
             <a:endParaRPr lang="ko-KR" altLang="en-US"/>
           </a:p>
@@ -1292,7 +1293,7 @@
           <a:p>
             <a:fld id="{0CB960C3-B77A-4865-944D-F41BAAC8ADB3}" type="datetimeFigureOut">
               <a:rPr lang="ko-KR" altLang="en-US" smtClean="0"/>
-              <a:t>2023-03-05</a:t>
+              <a:t>2023-03-21</a:t>
             </a:fld>
             <a:endParaRPr lang="ko-KR" altLang="en-US"/>
           </a:p>
@@ -1538,7 +1539,7 @@
           <a:p>
             <a:fld id="{0CB960C3-B77A-4865-944D-F41BAAC8ADB3}" type="datetimeFigureOut">
               <a:rPr lang="ko-KR" altLang="en-US" smtClean="0"/>
-              <a:t>2023-03-05</a:t>
+              <a:t>2023-03-21</a:t>
             </a:fld>
             <a:endParaRPr lang="ko-KR" altLang="en-US"/>
           </a:p>
@@ -1770,7 +1771,7 @@
           <a:p>
             <a:fld id="{0CB960C3-B77A-4865-944D-F41BAAC8ADB3}" type="datetimeFigureOut">
               <a:rPr lang="ko-KR" altLang="en-US" smtClean="0"/>
-              <a:t>2023-03-05</a:t>
+              <a:t>2023-03-21</a:t>
             </a:fld>
             <a:endParaRPr lang="ko-KR" altLang="en-US"/>
           </a:p>
@@ -2137,7 +2138,7 @@
           <a:p>
             <a:fld id="{0CB960C3-B77A-4865-944D-F41BAAC8ADB3}" type="datetimeFigureOut">
               <a:rPr lang="ko-KR" altLang="en-US" smtClean="0"/>
-              <a:t>2023-03-05</a:t>
+              <a:t>2023-03-21</a:t>
             </a:fld>
             <a:endParaRPr lang="ko-KR" altLang="en-US"/>
           </a:p>
@@ -2255,7 +2256,7 @@
           <a:p>
             <a:fld id="{0CB960C3-B77A-4865-944D-F41BAAC8ADB3}" type="datetimeFigureOut">
               <a:rPr lang="ko-KR" altLang="en-US" smtClean="0"/>
-              <a:t>2023-03-05</a:t>
+              <a:t>2023-03-21</a:t>
             </a:fld>
             <a:endParaRPr lang="ko-KR" altLang="en-US"/>
           </a:p>
@@ -2350,7 +2351,7 @@
           <a:p>
             <a:fld id="{0CB960C3-B77A-4865-944D-F41BAAC8ADB3}" type="datetimeFigureOut">
               <a:rPr lang="ko-KR" altLang="en-US" smtClean="0"/>
-              <a:t>2023-03-05</a:t>
+              <a:t>2023-03-21</a:t>
             </a:fld>
             <a:endParaRPr lang="ko-KR" altLang="en-US"/>
           </a:p>
@@ -2627,7 +2628,7 @@
           <a:p>
             <a:fld id="{0CB960C3-B77A-4865-944D-F41BAAC8ADB3}" type="datetimeFigureOut">
               <a:rPr lang="ko-KR" altLang="en-US" smtClean="0"/>
-              <a:t>2023-03-05</a:t>
+              <a:t>2023-03-21</a:t>
             </a:fld>
             <a:endParaRPr lang="ko-KR" altLang="en-US"/>
           </a:p>
@@ -2880,7 +2881,7 @@
           <a:p>
             <a:fld id="{0CB960C3-B77A-4865-944D-F41BAAC8ADB3}" type="datetimeFigureOut">
               <a:rPr lang="ko-KR" altLang="en-US" smtClean="0"/>
-              <a:t>2023-03-05</a:t>
+              <a:t>2023-03-21</a:t>
             </a:fld>
             <a:endParaRPr lang="ko-KR" altLang="en-US"/>
           </a:p>
@@ -3093,7 +3094,7 @@
           <a:p>
             <a:fld id="{0CB960C3-B77A-4865-944D-F41BAAC8ADB3}" type="datetimeFigureOut">
               <a:rPr lang="ko-KR" altLang="en-US" smtClean="0"/>
-              <a:t>2023-03-05</a:t>
+              <a:t>2023-03-21</a:t>
             </a:fld>
             <a:endParaRPr lang="ko-KR" altLang="en-US"/>
           </a:p>
@@ -5801,6 +5802,602 @@
       </p:par>
     </p:tnLst>
   </p:timing>
+</p:sld>
+</file>
+
+<file path=ppt/slides/slide10.xml><?xml version="1.0" encoding="utf-8"?>
+<p:sld xmlns:a="http://schemas.openxmlformats.org/drawingml/2006/main" xmlns:r="http://schemas.openxmlformats.org/officeDocument/2006/relationships" xmlns:p="http://schemas.openxmlformats.org/presentationml/2006/main">
+  <p:cSld>
+    <p:spTree>
+      <p:nvGrpSpPr>
+        <p:cNvPr id="1" name=""/>
+        <p:cNvGrpSpPr/>
+        <p:nvPr/>
+      </p:nvGrpSpPr>
+      <p:grpSpPr>
+        <a:xfrm>
+          <a:off x="0" y="0"/>
+          <a:ext cx="0" cy="0"/>
+          <a:chOff x="0" y="0"/>
+          <a:chExt cx="0" cy="0"/>
+        </a:xfrm>
+      </p:grpSpPr>
+      <p:sp>
+        <p:nvSpPr>
+          <p:cNvPr id="4" name="타원 3"/>
+          <p:cNvSpPr/>
+          <p:nvPr/>
+        </p:nvSpPr>
+        <p:spPr>
+          <a:xfrm>
+            <a:off x="5085492" y="461820"/>
+            <a:ext cx="1440000" cy="1440000"/>
+          </a:xfrm>
+          <a:prstGeom prst="ellipse">
+            <a:avLst/>
+          </a:prstGeom>
+          <a:noFill/>
+          <a:ln w="28575">
+            <a:solidFill>
+              <a:srgbClr val="65BEAC"/>
+            </a:solidFill>
+          </a:ln>
+        </p:spPr>
+        <p:style>
+          <a:lnRef idx="2">
+            <a:schemeClr val="accent1">
+              <a:shade val="50000"/>
+            </a:schemeClr>
+          </a:lnRef>
+          <a:fillRef idx="1">
+            <a:schemeClr val="accent1"/>
+          </a:fillRef>
+          <a:effectRef idx="0">
+            <a:schemeClr val="accent1"/>
+          </a:effectRef>
+          <a:fontRef idx="minor">
+            <a:schemeClr val="lt1"/>
+          </a:fontRef>
+        </p:style>
+        <p:txBody>
+          <a:bodyPr lIns="0" tIns="0" rIns="0" bIns="0" rtlCol="0" anchor="ctr"/>
+          <a:lstStyle/>
+          <a:p>
+            <a:pPr algn="ctr"/>
+            <a:r>
+              <a:rPr lang="en-US" altLang="ko-KR" dirty="0" smtClean="0">
+                <a:solidFill>
+                  <a:srgbClr val="65BEAC"/>
+                </a:solidFill>
+                <a:latin typeface="삼성긴고딕OTF Bold" panose="020B0600000101010101" pitchFamily="34" charset="-127"/>
+                <a:ea typeface="삼성긴고딕OTF Bold" panose="020B0600000101010101" pitchFamily="34" charset="-127"/>
+              </a:rPr>
+              <a:t>observe</a:t>
+            </a:r>
+            <a:endParaRPr lang="ko-KR" altLang="en-US" dirty="0">
+              <a:solidFill>
+                <a:srgbClr val="65BEAC"/>
+              </a:solidFill>
+              <a:latin typeface="삼성긴고딕OTF Bold" panose="020B0600000101010101" pitchFamily="34" charset="-127"/>
+              <a:ea typeface="삼성긴고딕OTF Bold" panose="020B0600000101010101" pitchFamily="34" charset="-127"/>
+            </a:endParaRPr>
+          </a:p>
+        </p:txBody>
+      </p:sp>
+      <p:sp>
+        <p:nvSpPr>
+          <p:cNvPr id="6" name="타원 5"/>
+          <p:cNvSpPr/>
+          <p:nvPr/>
+        </p:nvSpPr>
+        <p:spPr>
+          <a:xfrm>
+            <a:off x="2845674" y="3503822"/>
+            <a:ext cx="1440000" cy="1440000"/>
+          </a:xfrm>
+          <a:prstGeom prst="ellipse">
+            <a:avLst/>
+          </a:prstGeom>
+          <a:noFill/>
+          <a:ln w="28575">
+            <a:solidFill>
+              <a:srgbClr val="CF6155"/>
+            </a:solidFill>
+          </a:ln>
+        </p:spPr>
+        <p:style>
+          <a:lnRef idx="2">
+            <a:schemeClr val="accent1">
+              <a:shade val="50000"/>
+            </a:schemeClr>
+          </a:lnRef>
+          <a:fillRef idx="1">
+            <a:schemeClr val="accent1"/>
+          </a:fillRef>
+          <a:effectRef idx="0">
+            <a:schemeClr val="accent1"/>
+          </a:effectRef>
+          <a:fontRef idx="minor">
+            <a:schemeClr val="lt1"/>
+          </a:fontRef>
+        </p:style>
+        <p:txBody>
+          <a:bodyPr lIns="0" tIns="0" rIns="0" bIns="0" rtlCol="0" anchor="ctr"/>
+          <a:lstStyle/>
+          <a:p>
+            <a:pPr algn="ctr"/>
+            <a:r>
+              <a:rPr lang="en-US" altLang="ko-KR" dirty="0" smtClean="0">
+                <a:solidFill>
+                  <a:srgbClr val="CF6155"/>
+                </a:solidFill>
+                <a:latin typeface="삼성긴고딕OTF Bold" panose="020B0600000101010101" pitchFamily="34" charset="-127"/>
+                <a:ea typeface="삼성긴고딕OTF Bold" panose="020B0600000101010101" pitchFamily="34" charset="-127"/>
+              </a:rPr>
+              <a:t>Act</a:t>
+            </a:r>
+            <a:endParaRPr lang="ko-KR" altLang="en-US" dirty="0">
+              <a:solidFill>
+                <a:srgbClr val="CF6155"/>
+              </a:solidFill>
+              <a:latin typeface="삼성긴고딕OTF Bold" panose="020B0600000101010101" pitchFamily="34" charset="-127"/>
+              <a:ea typeface="삼성긴고딕OTF Bold" panose="020B0600000101010101" pitchFamily="34" charset="-127"/>
+            </a:endParaRPr>
+          </a:p>
+        </p:txBody>
+      </p:sp>
+      <p:sp>
+        <p:nvSpPr>
+          <p:cNvPr id="7" name="타원 6"/>
+          <p:cNvSpPr/>
+          <p:nvPr/>
+        </p:nvSpPr>
+        <p:spPr>
+          <a:xfrm>
+            <a:off x="7325309" y="3503822"/>
+            <a:ext cx="1440000" cy="1440000"/>
+          </a:xfrm>
+          <a:prstGeom prst="ellipse">
+            <a:avLst/>
+          </a:prstGeom>
+          <a:noFill/>
+          <a:ln w="28575">
+            <a:solidFill>
+              <a:schemeClr val="tx2"/>
+            </a:solidFill>
+          </a:ln>
+        </p:spPr>
+        <p:style>
+          <a:lnRef idx="2">
+            <a:schemeClr val="accent1">
+              <a:shade val="50000"/>
+            </a:schemeClr>
+          </a:lnRef>
+          <a:fillRef idx="1">
+            <a:schemeClr val="accent1"/>
+          </a:fillRef>
+          <a:effectRef idx="0">
+            <a:schemeClr val="accent1"/>
+          </a:effectRef>
+          <a:fontRef idx="minor">
+            <a:schemeClr val="lt1"/>
+          </a:fontRef>
+        </p:style>
+        <p:txBody>
+          <a:bodyPr lIns="0" tIns="0" rIns="0" bIns="0" rtlCol="0" anchor="ctr"/>
+          <a:lstStyle/>
+          <a:p>
+            <a:pPr algn="ctr"/>
+            <a:r>
+              <a:rPr lang="en-US" altLang="ko-KR" dirty="0" smtClean="0">
+                <a:solidFill>
+                  <a:schemeClr val="tx2"/>
+                </a:solidFill>
+                <a:latin typeface="삼성긴고딕OTF Bold" panose="020B0600000101010101" pitchFamily="34" charset="-127"/>
+                <a:ea typeface="삼성긴고딕OTF Bold" panose="020B0600000101010101" pitchFamily="34" charset="-127"/>
+              </a:rPr>
+              <a:t>Difference</a:t>
+            </a:r>
+            <a:endParaRPr lang="ko-KR" altLang="en-US" dirty="0">
+              <a:solidFill>
+                <a:schemeClr val="tx2"/>
+              </a:solidFill>
+              <a:latin typeface="삼성긴고딕OTF Bold" panose="020B0600000101010101" pitchFamily="34" charset="-127"/>
+              <a:ea typeface="삼성긴고딕OTF Bold" panose="020B0600000101010101" pitchFamily="34" charset="-127"/>
+            </a:endParaRPr>
+          </a:p>
+        </p:txBody>
+      </p:sp>
+      <p:cxnSp>
+        <p:nvCxnSpPr>
+          <p:cNvPr id="9" name="직선 화살표 연결선 8"/>
+          <p:cNvCxnSpPr>
+            <a:stCxn id="7" idx="2"/>
+            <a:endCxn id="6" idx="6"/>
+          </p:cNvCxnSpPr>
+          <p:nvPr/>
+        </p:nvCxnSpPr>
+        <p:spPr>
+          <a:xfrm flipH="1">
+            <a:off x="4285674" y="4223822"/>
+            <a:ext cx="3039635" cy="0"/>
+          </a:xfrm>
+          <a:prstGeom prst="straightConnector1">
+            <a:avLst/>
+          </a:prstGeom>
+          <a:ln w="12700">
+            <a:solidFill>
+              <a:schemeClr val="tx1"/>
+            </a:solidFill>
+            <a:tailEnd type="triangle"/>
+          </a:ln>
+        </p:spPr>
+        <p:style>
+          <a:lnRef idx="1">
+            <a:schemeClr val="accent1"/>
+          </a:lnRef>
+          <a:fillRef idx="0">
+            <a:schemeClr val="accent1"/>
+          </a:fillRef>
+          <a:effectRef idx="0">
+            <a:schemeClr val="accent1"/>
+          </a:effectRef>
+          <a:fontRef idx="minor">
+            <a:schemeClr val="tx1"/>
+          </a:fontRef>
+        </p:style>
+      </p:cxnSp>
+      <p:cxnSp>
+        <p:nvCxnSpPr>
+          <p:cNvPr id="13" name="직선 화살표 연결선 12"/>
+          <p:cNvCxnSpPr>
+            <a:stCxn id="4" idx="5"/>
+            <a:endCxn id="7" idx="1"/>
+          </p:cNvCxnSpPr>
+          <p:nvPr/>
+        </p:nvCxnSpPr>
+        <p:spPr>
+          <a:xfrm>
+            <a:off x="6314609" y="1690937"/>
+            <a:ext cx="1221583" cy="2023768"/>
+          </a:xfrm>
+          <a:prstGeom prst="straightConnector1">
+            <a:avLst/>
+          </a:prstGeom>
+          <a:ln w="12700">
+            <a:solidFill>
+              <a:schemeClr val="tx1"/>
+            </a:solidFill>
+            <a:tailEnd type="triangle"/>
+          </a:ln>
+        </p:spPr>
+        <p:style>
+          <a:lnRef idx="1">
+            <a:schemeClr val="accent1"/>
+          </a:lnRef>
+          <a:fillRef idx="0">
+            <a:schemeClr val="accent1"/>
+          </a:fillRef>
+          <a:effectRef idx="0">
+            <a:schemeClr val="accent1"/>
+          </a:effectRef>
+          <a:fontRef idx="minor">
+            <a:schemeClr val="tx1"/>
+          </a:fontRef>
+        </p:style>
+      </p:cxnSp>
+      <p:cxnSp>
+        <p:nvCxnSpPr>
+          <p:cNvPr id="20" name="직선 화살표 연결선 19"/>
+          <p:cNvCxnSpPr>
+            <a:stCxn id="6" idx="7"/>
+            <a:endCxn id="4" idx="3"/>
+          </p:cNvCxnSpPr>
+          <p:nvPr/>
+        </p:nvCxnSpPr>
+        <p:spPr>
+          <a:xfrm flipV="1">
+            <a:off x="4074791" y="1690937"/>
+            <a:ext cx="1221584" cy="2023768"/>
+          </a:xfrm>
+          <a:prstGeom prst="straightConnector1">
+            <a:avLst/>
+          </a:prstGeom>
+          <a:ln w="12700">
+            <a:solidFill>
+              <a:schemeClr val="tx1"/>
+            </a:solidFill>
+            <a:tailEnd type="triangle"/>
+          </a:ln>
+        </p:spPr>
+        <p:style>
+          <a:lnRef idx="1">
+            <a:schemeClr val="accent1"/>
+          </a:lnRef>
+          <a:fillRef idx="0">
+            <a:schemeClr val="accent1"/>
+          </a:fillRef>
+          <a:effectRef idx="0">
+            <a:schemeClr val="accent1"/>
+          </a:effectRef>
+          <a:fontRef idx="minor">
+            <a:schemeClr val="tx1"/>
+          </a:fontRef>
+        </p:style>
+      </p:cxnSp>
+      <p:sp>
+        <p:nvSpPr>
+          <p:cNvPr id="30" name="TextBox 29"/>
+          <p:cNvSpPr txBox="1"/>
+          <p:nvPr/>
+        </p:nvSpPr>
+        <p:spPr>
+          <a:xfrm>
+            <a:off x="6525492" y="858654"/>
+            <a:ext cx="1754909" cy="584775"/>
+          </a:xfrm>
+          <a:prstGeom prst="rect">
+            <a:avLst/>
+          </a:prstGeom>
+          <a:noFill/>
+        </p:spPr>
+        <p:txBody>
+          <a:bodyPr wrap="square" rtlCol="0">
+            <a:spAutoFit/>
+          </a:bodyPr>
+          <a:lstStyle/>
+          <a:p>
+            <a:pPr algn="ctr"/>
+            <a:r>
+              <a:rPr lang="ko-KR" altLang="en-US" sz="1600" dirty="0" smtClean="0">
+                <a:latin typeface="삼성긴고딕OTF Bold" panose="020B0600000101010101" pitchFamily="34" charset="-127"/>
+                <a:ea typeface="삼성긴고딕OTF Bold" panose="020B0600000101010101" pitchFamily="34" charset="-127"/>
+              </a:rPr>
+              <a:t>현재 상태</a:t>
+            </a:r>
+            <a:r>
+              <a:rPr lang="en-US" altLang="ko-KR" sz="1600" dirty="0" smtClean="0">
+                <a:latin typeface="삼성긴고딕OTF Bold" panose="020B0600000101010101" pitchFamily="34" charset="-127"/>
+                <a:ea typeface="삼성긴고딕OTF Bold" panose="020B0600000101010101" pitchFamily="34" charset="-127"/>
+              </a:rPr>
+              <a:t/>
+            </a:r>
+            <a:br>
+              <a:rPr lang="en-US" altLang="ko-KR" sz="1600" dirty="0" smtClean="0">
+                <a:latin typeface="삼성긴고딕OTF Bold" panose="020B0600000101010101" pitchFamily="34" charset="-127"/>
+                <a:ea typeface="삼성긴고딕OTF Bold" panose="020B0600000101010101" pitchFamily="34" charset="-127"/>
+              </a:rPr>
+            </a:br>
+            <a:r>
+              <a:rPr lang="en-US" altLang="ko-KR" sz="1600" dirty="0" smtClean="0">
+                <a:latin typeface="삼성긴고딕OTF Bold" panose="020B0600000101010101" pitchFamily="34" charset="-127"/>
+                <a:ea typeface="삼성긴고딕OTF Bold" panose="020B0600000101010101" pitchFamily="34" charset="-127"/>
+              </a:rPr>
+              <a:t>(Current State)</a:t>
+            </a:r>
+            <a:endParaRPr lang="ko-KR" altLang="en-US" sz="1600" dirty="0">
+              <a:latin typeface="삼성긴고딕OTF Bold" panose="020B0600000101010101" pitchFamily="34" charset="-127"/>
+              <a:ea typeface="삼성긴고딕OTF Bold" panose="020B0600000101010101" pitchFamily="34" charset="-127"/>
+            </a:endParaRPr>
+          </a:p>
+        </p:txBody>
+      </p:sp>
+      <p:sp>
+        <p:nvSpPr>
+          <p:cNvPr id="31" name="TextBox 30"/>
+          <p:cNvSpPr txBox="1"/>
+          <p:nvPr/>
+        </p:nvSpPr>
+        <p:spPr>
+          <a:xfrm>
+            <a:off x="8898554" y="3562102"/>
+            <a:ext cx="1754909" cy="1323439"/>
+          </a:xfrm>
+          <a:prstGeom prst="rect">
+            <a:avLst/>
+          </a:prstGeom>
+          <a:noFill/>
+        </p:spPr>
+        <p:txBody>
+          <a:bodyPr wrap="square" rtlCol="0">
+            <a:spAutoFit/>
+          </a:bodyPr>
+          <a:lstStyle/>
+          <a:p>
+            <a:pPr algn="ctr"/>
+            <a:r>
+              <a:rPr lang="ko-KR" altLang="en-US" sz="1600" dirty="0" smtClean="0">
+                <a:latin typeface="삼성긴고딕OTF Bold" panose="020B0600000101010101" pitchFamily="34" charset="-127"/>
+                <a:ea typeface="삼성긴고딕OTF Bold" panose="020B0600000101010101" pitchFamily="34" charset="-127"/>
+              </a:rPr>
+              <a:t>현재 상태</a:t>
+            </a:r>
+            <a:r>
+              <a:rPr lang="en-US" altLang="ko-KR" sz="1600" dirty="0" smtClean="0">
+                <a:latin typeface="삼성긴고딕OTF Bold" panose="020B0600000101010101" pitchFamily="34" charset="-127"/>
+                <a:ea typeface="삼성긴고딕OTF Bold" panose="020B0600000101010101" pitchFamily="34" charset="-127"/>
+              </a:rPr>
+              <a:t/>
+            </a:r>
+            <a:br>
+              <a:rPr lang="en-US" altLang="ko-KR" sz="1600" dirty="0" smtClean="0">
+                <a:latin typeface="삼성긴고딕OTF Bold" panose="020B0600000101010101" pitchFamily="34" charset="-127"/>
+                <a:ea typeface="삼성긴고딕OTF Bold" panose="020B0600000101010101" pitchFamily="34" charset="-127"/>
+              </a:rPr>
+            </a:br>
+            <a:r>
+              <a:rPr lang="en-US" altLang="ko-KR" sz="1600" dirty="0" smtClean="0">
+                <a:latin typeface="삼성긴고딕OTF Bold" panose="020B0600000101010101" pitchFamily="34" charset="-127"/>
+                <a:ea typeface="삼성긴고딕OTF Bold" panose="020B0600000101010101" pitchFamily="34" charset="-127"/>
+              </a:rPr>
+              <a:t>(Current State)</a:t>
+            </a:r>
+            <a:br>
+              <a:rPr lang="en-US" altLang="ko-KR" sz="1600" dirty="0" smtClean="0">
+                <a:latin typeface="삼성긴고딕OTF Bold" panose="020B0600000101010101" pitchFamily="34" charset="-127"/>
+                <a:ea typeface="삼성긴고딕OTF Bold" panose="020B0600000101010101" pitchFamily="34" charset="-127"/>
+              </a:rPr>
+            </a:br>
+            <a:r>
+              <a:rPr lang="en-US" altLang="ko-KR" sz="1600" dirty="0" smtClean="0">
+                <a:latin typeface="삼성긴고딕OTF Bold" panose="020B0600000101010101" pitchFamily="34" charset="-127"/>
+                <a:ea typeface="삼성긴고딕OTF Bold" panose="020B0600000101010101" pitchFamily="34" charset="-127"/>
+              </a:rPr>
+              <a:t/>
+            </a:r>
+            <a:br>
+              <a:rPr lang="en-US" altLang="ko-KR" sz="1600" dirty="0" smtClean="0">
+                <a:latin typeface="삼성긴고딕OTF Bold" panose="020B0600000101010101" pitchFamily="34" charset="-127"/>
+                <a:ea typeface="삼성긴고딕OTF Bold" panose="020B0600000101010101" pitchFamily="34" charset="-127"/>
+              </a:rPr>
+            </a:br>
+            <a:r>
+              <a:rPr lang="ko-KR" altLang="en-US" sz="1600" dirty="0" smtClean="0">
+                <a:latin typeface="삼성긴고딕OTF Bold" panose="020B0600000101010101" pitchFamily="34" charset="-127"/>
+                <a:ea typeface="삼성긴고딕OTF Bold" panose="020B0600000101010101" pitchFamily="34" charset="-127"/>
+              </a:rPr>
+              <a:t>바람직한 상태</a:t>
+            </a:r>
+            <a:r>
+              <a:rPr lang="en-US" altLang="ko-KR" sz="1600" dirty="0" smtClean="0">
+                <a:latin typeface="삼성긴고딕OTF Bold" panose="020B0600000101010101" pitchFamily="34" charset="-127"/>
+                <a:ea typeface="삼성긴고딕OTF Bold" panose="020B0600000101010101" pitchFamily="34" charset="-127"/>
+              </a:rPr>
+              <a:t/>
+            </a:r>
+            <a:br>
+              <a:rPr lang="en-US" altLang="ko-KR" sz="1600" dirty="0" smtClean="0">
+                <a:latin typeface="삼성긴고딕OTF Bold" panose="020B0600000101010101" pitchFamily="34" charset="-127"/>
+                <a:ea typeface="삼성긴고딕OTF Bold" panose="020B0600000101010101" pitchFamily="34" charset="-127"/>
+              </a:rPr>
+            </a:br>
+            <a:r>
+              <a:rPr lang="en-US" altLang="ko-KR" sz="1600" dirty="0" smtClean="0">
+                <a:latin typeface="삼성긴고딕OTF Bold" panose="020B0600000101010101" pitchFamily="34" charset="-127"/>
+                <a:ea typeface="삼성긴고딕OTF Bold" panose="020B0600000101010101" pitchFamily="34" charset="-127"/>
+              </a:rPr>
+              <a:t>(Desired State)</a:t>
+            </a:r>
+            <a:endParaRPr lang="ko-KR" altLang="en-US" sz="1600" dirty="0">
+              <a:latin typeface="삼성긴고딕OTF Bold" panose="020B0600000101010101" pitchFamily="34" charset="-127"/>
+              <a:ea typeface="삼성긴고딕OTF Bold" panose="020B0600000101010101" pitchFamily="34" charset="-127"/>
+            </a:endParaRPr>
+          </a:p>
+        </p:txBody>
+      </p:sp>
+      <p:sp>
+        <p:nvSpPr>
+          <p:cNvPr id="32" name="TextBox 31"/>
+          <p:cNvSpPr txBox="1"/>
+          <p:nvPr/>
+        </p:nvSpPr>
+        <p:spPr>
+          <a:xfrm>
+            <a:off x="739102" y="3562102"/>
+            <a:ext cx="1754909" cy="1323439"/>
+          </a:xfrm>
+          <a:prstGeom prst="rect">
+            <a:avLst/>
+          </a:prstGeom>
+          <a:noFill/>
+        </p:spPr>
+        <p:txBody>
+          <a:bodyPr wrap="square" rtlCol="0">
+            <a:spAutoFit/>
+          </a:bodyPr>
+          <a:lstStyle/>
+          <a:p>
+            <a:pPr algn="ctr"/>
+            <a:r>
+              <a:rPr lang="ko-KR" altLang="en-US" sz="1600" dirty="0" smtClean="0">
+                <a:latin typeface="삼성긴고딕OTF Bold" panose="020B0600000101010101" pitchFamily="34" charset="-127"/>
+                <a:ea typeface="삼성긴고딕OTF Bold" panose="020B0600000101010101" pitchFamily="34" charset="-127"/>
+              </a:rPr>
+              <a:t>현재 상태</a:t>
+            </a:r>
+            <a:r>
+              <a:rPr lang="en-US" altLang="ko-KR" sz="1600" dirty="0" smtClean="0">
+                <a:latin typeface="삼성긴고딕OTF Bold" panose="020B0600000101010101" pitchFamily="34" charset="-127"/>
+                <a:ea typeface="삼성긴고딕OTF Bold" panose="020B0600000101010101" pitchFamily="34" charset="-127"/>
+              </a:rPr>
+              <a:t/>
+            </a:r>
+            <a:br>
+              <a:rPr lang="en-US" altLang="ko-KR" sz="1600" dirty="0" smtClean="0">
+                <a:latin typeface="삼성긴고딕OTF Bold" panose="020B0600000101010101" pitchFamily="34" charset="-127"/>
+                <a:ea typeface="삼성긴고딕OTF Bold" panose="020B0600000101010101" pitchFamily="34" charset="-127"/>
+              </a:rPr>
+            </a:br>
+            <a:r>
+              <a:rPr lang="en-US" altLang="ko-KR" sz="1600" dirty="0" smtClean="0">
+                <a:latin typeface="삼성긴고딕OTF Bold" panose="020B0600000101010101" pitchFamily="34" charset="-127"/>
+                <a:ea typeface="삼성긴고딕OTF Bold" panose="020B0600000101010101" pitchFamily="34" charset="-127"/>
+              </a:rPr>
+              <a:t>(Current State)</a:t>
+            </a:r>
+            <a:br>
+              <a:rPr lang="en-US" altLang="ko-KR" sz="1600" dirty="0" smtClean="0">
+                <a:latin typeface="삼성긴고딕OTF Bold" panose="020B0600000101010101" pitchFamily="34" charset="-127"/>
+                <a:ea typeface="삼성긴고딕OTF Bold" panose="020B0600000101010101" pitchFamily="34" charset="-127"/>
+              </a:rPr>
+            </a:br>
+            <a:r>
+              <a:rPr lang="en-US" altLang="ko-KR" sz="1600" dirty="0" smtClean="0">
+                <a:latin typeface="삼성긴고딕OTF Bold" panose="020B0600000101010101" pitchFamily="34" charset="-127"/>
+                <a:ea typeface="삼성긴고딕OTF Bold" panose="020B0600000101010101" pitchFamily="34" charset="-127"/>
+              </a:rPr>
+              <a:t/>
+            </a:r>
+            <a:br>
+              <a:rPr lang="en-US" altLang="ko-KR" sz="1600" dirty="0" smtClean="0">
+                <a:latin typeface="삼성긴고딕OTF Bold" panose="020B0600000101010101" pitchFamily="34" charset="-127"/>
+                <a:ea typeface="삼성긴고딕OTF Bold" panose="020B0600000101010101" pitchFamily="34" charset="-127"/>
+              </a:rPr>
+            </a:br>
+            <a:r>
+              <a:rPr lang="ko-KR" altLang="en-US" sz="1600" dirty="0" smtClean="0">
+                <a:latin typeface="삼성긴고딕OTF Bold" panose="020B0600000101010101" pitchFamily="34" charset="-127"/>
+                <a:ea typeface="삼성긴고딕OTF Bold" panose="020B0600000101010101" pitchFamily="34" charset="-127"/>
+              </a:rPr>
+              <a:t>바람직한 상태</a:t>
+            </a:r>
+            <a:r>
+              <a:rPr lang="en-US" altLang="ko-KR" sz="1600" dirty="0" smtClean="0">
+                <a:latin typeface="삼성긴고딕OTF Bold" panose="020B0600000101010101" pitchFamily="34" charset="-127"/>
+                <a:ea typeface="삼성긴고딕OTF Bold" panose="020B0600000101010101" pitchFamily="34" charset="-127"/>
+              </a:rPr>
+              <a:t/>
+            </a:r>
+            <a:br>
+              <a:rPr lang="en-US" altLang="ko-KR" sz="1600" dirty="0" smtClean="0">
+                <a:latin typeface="삼성긴고딕OTF Bold" panose="020B0600000101010101" pitchFamily="34" charset="-127"/>
+                <a:ea typeface="삼성긴고딕OTF Bold" panose="020B0600000101010101" pitchFamily="34" charset="-127"/>
+              </a:rPr>
+            </a:br>
+            <a:r>
+              <a:rPr lang="en-US" altLang="ko-KR" sz="1600" dirty="0" smtClean="0">
+                <a:latin typeface="삼성긴고딕OTF Bold" panose="020B0600000101010101" pitchFamily="34" charset="-127"/>
+                <a:ea typeface="삼성긴고딕OTF Bold" panose="020B0600000101010101" pitchFamily="34" charset="-127"/>
+              </a:rPr>
+              <a:t>(Desired State)</a:t>
+            </a:r>
+            <a:endParaRPr lang="ko-KR" altLang="en-US" sz="1600" dirty="0">
+              <a:latin typeface="삼성긴고딕OTF Bold" panose="020B0600000101010101" pitchFamily="34" charset="-127"/>
+              <a:ea typeface="삼성긴고딕OTF Bold" panose="020B0600000101010101" pitchFamily="34" charset="-127"/>
+            </a:endParaRPr>
+          </a:p>
+        </p:txBody>
+      </p:sp>
+    </p:spTree>
+    <p:extLst>
+      <p:ext uri="{BB962C8B-B14F-4D97-AF65-F5344CB8AC3E}">
+        <p14:creationId xmlns:p14="http://schemas.microsoft.com/office/powerpoint/2010/main" val="2862812699"/>
+      </p:ext>
+    </p:extLst>
+  </p:cSld>
+  <p:clrMapOvr>
+    <a:masterClrMapping/>
+  </p:clrMapOvr>
 </p:sld>
 </file>
 
@@ -16145,17 +16742,7 @@
                     <a:latin typeface="삼성긴고딕OTF Bold" panose="020B0600000101010101" pitchFamily="34" charset="-127"/>
                     <a:ea typeface="삼성긴고딕OTF Bold" panose="020B0600000101010101" pitchFamily="34" charset="-127"/>
                   </a:rPr>
-                  <a:t>API </a:t>
-                </a:r>
-                <a:r>
-                  <a:rPr lang="en-US" altLang="ko-KR" sz="1600" dirty="0" smtClean="0">
-                    <a:solidFill>
-                      <a:srgbClr val="326CE5"/>
-                    </a:solidFill>
-                    <a:latin typeface="삼성긴고딕OTF Bold" panose="020B0600000101010101" pitchFamily="34" charset="-127"/>
-                    <a:ea typeface="삼성긴고딕OTF Bold" panose="020B0600000101010101" pitchFamily="34" charset="-127"/>
-                  </a:rPr>
-                  <a:t>Server</a:t>
+                  <a:t>API Server</a:t>
                 </a:r>
                 <a:endParaRPr lang="ko-KR" altLang="en-US" sz="1600" dirty="0">
                   <a:solidFill>
@@ -18612,14 +19199,7 @@
                 <a:latin typeface="삼성긴고딕OTF Light" panose="020B0600000101010101" pitchFamily="34" charset="-127"/>
                 <a:ea typeface="삼성긴고딕OTF Light" panose="020B0600000101010101" pitchFamily="34" charset="-127"/>
               </a:rPr>
-              <a:t>4</a:t>
-            </a:r>
-            <a:r>
-              <a:rPr lang="en-US" altLang="ko-KR" sz="1200" dirty="0" smtClean="0">
-                <a:latin typeface="삼성긴고딕OTF Light" panose="020B0600000101010101" pitchFamily="34" charset="-127"/>
-                <a:ea typeface="삼성긴고딕OTF Light" panose="020B0600000101010101" pitchFamily="34" charset="-127"/>
-              </a:rPr>
-              <a:t>. </a:t>
+              <a:t>4. </a:t>
             </a:r>
             <a:r>
               <a:rPr lang="ko-KR" altLang="en-US" sz="1200" dirty="0" smtClean="0">
@@ -18662,14 +19242,7 @@
                 <a:latin typeface="삼성긴고딕OTF Light" panose="020B0600000101010101" pitchFamily="34" charset="-127"/>
                 <a:ea typeface="삼성긴고딕OTF Light" panose="020B0600000101010101" pitchFamily="34" charset="-127"/>
               </a:rPr>
-              <a:t>5. </a:t>
-            </a:r>
-            <a:r>
-              <a:rPr lang="en-US" altLang="ko-KR" sz="1200" dirty="0" smtClean="0">
-                <a:latin typeface="삼성긴고딕OTF Light" panose="020B0600000101010101" pitchFamily="34" charset="-127"/>
-                <a:ea typeface="삼성긴고딕OTF Light" panose="020B0600000101010101" pitchFamily="34" charset="-127"/>
-              </a:rPr>
-              <a:t>Pod </a:t>
+              <a:t>5. Pod </a:t>
             </a:r>
             <a:r>
               <a:rPr lang="ko-KR" altLang="en-US" sz="1200" dirty="0" smtClean="0">

--- a/markdown_image.pptx
+++ b/markdown_image.pptx
@@ -5822,214 +5822,895 @@
           <a:chExt cx="0" cy="0"/>
         </a:xfrm>
       </p:grpSpPr>
+      <p:grpSp>
+        <p:nvGrpSpPr>
+          <p:cNvPr id="22" name="그룹 21"/>
+          <p:cNvGrpSpPr/>
+          <p:nvPr/>
+        </p:nvGrpSpPr>
+        <p:grpSpPr>
+          <a:xfrm>
+            <a:off x="259469" y="264187"/>
+            <a:ext cx="8457551" cy="3748099"/>
+            <a:chOff x="1588649" y="1254001"/>
+            <a:chExt cx="8457551" cy="3748099"/>
+          </a:xfrm>
+        </p:grpSpPr>
+        <p:sp>
+          <p:nvSpPr>
+            <p:cNvPr id="4" name="타원 3"/>
+            <p:cNvSpPr/>
+            <p:nvPr/>
+          </p:nvSpPr>
+          <p:spPr>
+            <a:xfrm>
+              <a:off x="5097425" y="1254001"/>
+              <a:ext cx="1440000" cy="1440000"/>
+            </a:xfrm>
+            <a:prstGeom prst="ellipse">
+              <a:avLst/>
+            </a:prstGeom>
+            <a:noFill/>
+            <a:ln w="28575">
+              <a:solidFill>
+                <a:srgbClr val="65BEAC"/>
+              </a:solidFill>
+            </a:ln>
+          </p:spPr>
+          <p:style>
+            <a:lnRef idx="2">
+              <a:schemeClr val="accent1">
+                <a:shade val="50000"/>
+              </a:schemeClr>
+            </a:lnRef>
+            <a:fillRef idx="1">
+              <a:schemeClr val="accent1"/>
+            </a:fillRef>
+            <a:effectRef idx="0">
+              <a:schemeClr val="accent1"/>
+            </a:effectRef>
+            <a:fontRef idx="minor">
+              <a:schemeClr val="lt1"/>
+            </a:fontRef>
+          </p:style>
+          <p:txBody>
+            <a:bodyPr lIns="0" tIns="0" rIns="0" bIns="0" rtlCol="0" anchor="ctr"/>
+            <a:lstStyle/>
+            <a:p>
+              <a:pPr algn="ctr"/>
+              <a:r>
+                <a:rPr lang="en-US" altLang="ko-KR" dirty="0" smtClean="0">
+                  <a:solidFill>
+                    <a:srgbClr val="65BEAC"/>
+                  </a:solidFill>
+                  <a:latin typeface="삼성긴고딕OTF Bold" panose="020B0600000101010101" pitchFamily="34" charset="-127"/>
+                  <a:ea typeface="삼성긴고딕OTF Bold" panose="020B0600000101010101" pitchFamily="34" charset="-127"/>
+                </a:rPr>
+                <a:t>observe</a:t>
+              </a:r>
+              <a:endParaRPr lang="ko-KR" altLang="en-US" dirty="0">
+                <a:solidFill>
+                  <a:srgbClr val="65BEAC"/>
+                </a:solidFill>
+                <a:latin typeface="삼성긴고딕OTF Bold" panose="020B0600000101010101" pitchFamily="34" charset="-127"/>
+                <a:ea typeface="삼성긴고딕OTF Bold" panose="020B0600000101010101" pitchFamily="34" charset="-127"/>
+              </a:endParaRPr>
+            </a:p>
+          </p:txBody>
+        </p:sp>
+        <p:sp>
+          <p:nvSpPr>
+            <p:cNvPr id="6" name="타원 5"/>
+            <p:cNvSpPr/>
+            <p:nvPr/>
+          </p:nvSpPr>
+          <p:spPr>
+            <a:xfrm>
+              <a:off x="3354448" y="3503822"/>
+              <a:ext cx="1440000" cy="1440000"/>
+            </a:xfrm>
+            <a:prstGeom prst="ellipse">
+              <a:avLst/>
+            </a:prstGeom>
+            <a:noFill/>
+            <a:ln w="28575">
+              <a:solidFill>
+                <a:srgbClr val="CF6155"/>
+              </a:solidFill>
+            </a:ln>
+          </p:spPr>
+          <p:style>
+            <a:lnRef idx="2">
+              <a:schemeClr val="accent1">
+                <a:shade val="50000"/>
+              </a:schemeClr>
+            </a:lnRef>
+            <a:fillRef idx="1">
+              <a:schemeClr val="accent1"/>
+            </a:fillRef>
+            <a:effectRef idx="0">
+              <a:schemeClr val="accent1"/>
+            </a:effectRef>
+            <a:fontRef idx="minor">
+              <a:schemeClr val="lt1"/>
+            </a:fontRef>
+          </p:style>
+          <p:txBody>
+            <a:bodyPr lIns="0" tIns="0" rIns="0" bIns="0" rtlCol="0" anchor="ctr"/>
+            <a:lstStyle/>
+            <a:p>
+              <a:pPr algn="ctr"/>
+              <a:r>
+                <a:rPr lang="en-US" altLang="ko-KR" dirty="0" smtClean="0">
+                  <a:solidFill>
+                    <a:srgbClr val="CF6155"/>
+                  </a:solidFill>
+                  <a:latin typeface="삼성긴고딕OTF Bold" panose="020B0600000101010101" pitchFamily="34" charset="-127"/>
+                  <a:ea typeface="삼성긴고딕OTF Bold" panose="020B0600000101010101" pitchFamily="34" charset="-127"/>
+                </a:rPr>
+                <a:t>Act</a:t>
+              </a:r>
+              <a:endParaRPr lang="ko-KR" altLang="en-US" dirty="0">
+                <a:solidFill>
+                  <a:srgbClr val="CF6155"/>
+                </a:solidFill>
+                <a:latin typeface="삼성긴고딕OTF Bold" panose="020B0600000101010101" pitchFamily="34" charset="-127"/>
+                <a:ea typeface="삼성긴고딕OTF Bold" panose="020B0600000101010101" pitchFamily="34" charset="-127"/>
+              </a:endParaRPr>
+            </a:p>
+          </p:txBody>
+        </p:sp>
+        <p:sp>
+          <p:nvSpPr>
+            <p:cNvPr id="7" name="타원 6"/>
+            <p:cNvSpPr/>
+            <p:nvPr/>
+          </p:nvSpPr>
+          <p:spPr>
+            <a:xfrm>
+              <a:off x="6840401" y="3503822"/>
+              <a:ext cx="1440000" cy="1440000"/>
+            </a:xfrm>
+            <a:prstGeom prst="ellipse">
+              <a:avLst/>
+            </a:prstGeom>
+            <a:noFill/>
+            <a:ln w="28575">
+              <a:solidFill>
+                <a:schemeClr val="tx2"/>
+              </a:solidFill>
+            </a:ln>
+          </p:spPr>
+          <p:style>
+            <a:lnRef idx="2">
+              <a:schemeClr val="accent1">
+                <a:shade val="50000"/>
+              </a:schemeClr>
+            </a:lnRef>
+            <a:fillRef idx="1">
+              <a:schemeClr val="accent1"/>
+            </a:fillRef>
+            <a:effectRef idx="0">
+              <a:schemeClr val="accent1"/>
+            </a:effectRef>
+            <a:fontRef idx="minor">
+              <a:schemeClr val="lt1"/>
+            </a:fontRef>
+          </p:style>
+          <p:txBody>
+            <a:bodyPr lIns="0" tIns="0" rIns="0" bIns="0" rtlCol="0" anchor="ctr"/>
+            <a:lstStyle/>
+            <a:p>
+              <a:pPr algn="ctr"/>
+              <a:r>
+                <a:rPr lang="en-US" altLang="ko-KR" dirty="0" smtClean="0">
+                  <a:solidFill>
+                    <a:schemeClr val="tx2"/>
+                  </a:solidFill>
+                  <a:latin typeface="삼성긴고딕OTF Bold" panose="020B0600000101010101" pitchFamily="34" charset="-127"/>
+                  <a:ea typeface="삼성긴고딕OTF Bold" panose="020B0600000101010101" pitchFamily="34" charset="-127"/>
+                </a:rPr>
+                <a:t>Difference</a:t>
+              </a:r>
+              <a:endParaRPr lang="ko-KR" altLang="en-US" dirty="0">
+                <a:solidFill>
+                  <a:schemeClr val="tx2"/>
+                </a:solidFill>
+                <a:latin typeface="삼성긴고딕OTF Bold" panose="020B0600000101010101" pitchFamily="34" charset="-127"/>
+                <a:ea typeface="삼성긴고딕OTF Bold" panose="020B0600000101010101" pitchFamily="34" charset="-127"/>
+              </a:endParaRPr>
+            </a:p>
+          </p:txBody>
+        </p:sp>
+        <p:cxnSp>
+          <p:nvCxnSpPr>
+            <p:cNvPr id="9" name="직선 화살표 연결선 8"/>
+            <p:cNvCxnSpPr>
+              <a:stCxn id="7" idx="2"/>
+              <a:endCxn id="6" idx="6"/>
+            </p:cNvCxnSpPr>
+            <p:nvPr/>
+          </p:nvCxnSpPr>
+          <p:spPr>
+            <a:xfrm flipH="1">
+              <a:off x="4794448" y="4223822"/>
+              <a:ext cx="2045953" cy="0"/>
+            </a:xfrm>
+            <a:prstGeom prst="straightConnector1">
+              <a:avLst/>
+            </a:prstGeom>
+            <a:ln w="12700">
+              <a:solidFill>
+                <a:schemeClr val="tx1"/>
+              </a:solidFill>
+              <a:tailEnd type="triangle"/>
+            </a:ln>
+          </p:spPr>
+          <p:style>
+            <a:lnRef idx="1">
+              <a:schemeClr val="accent1"/>
+            </a:lnRef>
+            <a:fillRef idx="0">
+              <a:schemeClr val="accent1"/>
+            </a:fillRef>
+            <a:effectRef idx="0">
+              <a:schemeClr val="accent1"/>
+            </a:effectRef>
+            <a:fontRef idx="minor">
+              <a:schemeClr val="tx1"/>
+            </a:fontRef>
+          </p:style>
+        </p:cxnSp>
+        <p:cxnSp>
+          <p:nvCxnSpPr>
+            <p:cNvPr id="13" name="직선 화살표 연결선 12"/>
+            <p:cNvCxnSpPr>
+              <a:stCxn id="4" idx="5"/>
+              <a:endCxn id="7" idx="1"/>
+            </p:cNvCxnSpPr>
+            <p:nvPr/>
+          </p:nvCxnSpPr>
+          <p:spPr>
+            <a:xfrm>
+              <a:off x="6326542" y="2483118"/>
+              <a:ext cx="724742" cy="1231587"/>
+            </a:xfrm>
+            <a:prstGeom prst="straightConnector1">
+              <a:avLst/>
+            </a:prstGeom>
+            <a:ln w="12700">
+              <a:solidFill>
+                <a:schemeClr val="tx1"/>
+              </a:solidFill>
+              <a:tailEnd type="triangle"/>
+            </a:ln>
+          </p:spPr>
+          <p:style>
+            <a:lnRef idx="1">
+              <a:schemeClr val="accent1"/>
+            </a:lnRef>
+            <a:fillRef idx="0">
+              <a:schemeClr val="accent1"/>
+            </a:fillRef>
+            <a:effectRef idx="0">
+              <a:schemeClr val="accent1"/>
+            </a:effectRef>
+            <a:fontRef idx="minor">
+              <a:schemeClr val="tx1"/>
+            </a:fontRef>
+          </p:style>
+        </p:cxnSp>
+        <p:cxnSp>
+          <p:nvCxnSpPr>
+            <p:cNvPr id="20" name="직선 화살표 연결선 19"/>
+            <p:cNvCxnSpPr>
+              <a:stCxn id="6" idx="7"/>
+              <a:endCxn id="4" idx="3"/>
+            </p:cNvCxnSpPr>
+            <p:nvPr/>
+          </p:nvCxnSpPr>
+          <p:spPr>
+            <a:xfrm flipV="1">
+              <a:off x="4583565" y="2483118"/>
+              <a:ext cx="724743" cy="1231587"/>
+            </a:xfrm>
+            <a:prstGeom prst="straightConnector1">
+              <a:avLst/>
+            </a:prstGeom>
+            <a:ln w="12700">
+              <a:solidFill>
+                <a:schemeClr val="tx1"/>
+              </a:solidFill>
+              <a:tailEnd type="triangle"/>
+            </a:ln>
+          </p:spPr>
+          <p:style>
+            <a:lnRef idx="1">
+              <a:schemeClr val="accent1"/>
+            </a:lnRef>
+            <a:fillRef idx="0">
+              <a:schemeClr val="accent1"/>
+            </a:fillRef>
+            <a:effectRef idx="0">
+              <a:schemeClr val="accent1"/>
+            </a:effectRef>
+            <a:fontRef idx="minor">
+              <a:schemeClr val="tx1"/>
+            </a:fontRef>
+          </p:style>
+        </p:cxnSp>
+        <p:sp>
+          <p:nvSpPr>
+            <p:cNvPr id="30" name="TextBox 29"/>
+            <p:cNvSpPr txBox="1"/>
+            <p:nvPr/>
+          </p:nvSpPr>
+          <p:spPr>
+            <a:xfrm>
+              <a:off x="6537425" y="1681613"/>
+              <a:ext cx="1753866" cy="584775"/>
+            </a:xfrm>
+            <a:prstGeom prst="rect">
+              <a:avLst/>
+            </a:prstGeom>
+            <a:noFill/>
+          </p:spPr>
+          <p:txBody>
+            <a:bodyPr wrap="square" rtlCol="0">
+              <a:spAutoFit/>
+            </a:bodyPr>
+            <a:lstStyle/>
+            <a:p>
+              <a:pPr algn="ctr"/>
+              <a:r>
+                <a:rPr lang="ko-KR" altLang="en-US" sz="1600" dirty="0" smtClean="0">
+                  <a:latin typeface="삼성긴고딕OTF Bold" panose="020B0600000101010101" pitchFamily="34" charset="-127"/>
+                  <a:ea typeface="삼성긴고딕OTF Bold" panose="020B0600000101010101" pitchFamily="34" charset="-127"/>
+                </a:rPr>
+                <a:t>현재 상태</a:t>
+              </a:r>
+              <a:r>
+                <a:rPr lang="en-US" altLang="ko-KR" sz="1600" dirty="0" smtClean="0">
+                  <a:latin typeface="삼성긴고딕OTF Bold" panose="020B0600000101010101" pitchFamily="34" charset="-127"/>
+                  <a:ea typeface="삼성긴고딕OTF Bold" panose="020B0600000101010101" pitchFamily="34" charset="-127"/>
+                </a:rPr>
+                <a:t/>
+              </a:r>
+              <a:br>
+                <a:rPr lang="en-US" altLang="ko-KR" sz="1600" dirty="0" smtClean="0">
+                  <a:latin typeface="삼성긴고딕OTF Bold" panose="020B0600000101010101" pitchFamily="34" charset="-127"/>
+                  <a:ea typeface="삼성긴고딕OTF Bold" panose="020B0600000101010101" pitchFamily="34" charset="-127"/>
+                </a:rPr>
+              </a:br>
+              <a:r>
+                <a:rPr lang="en-US" altLang="ko-KR" sz="1600" dirty="0" smtClean="0">
+                  <a:latin typeface="삼성긴고딕OTF Bold" panose="020B0600000101010101" pitchFamily="34" charset="-127"/>
+                  <a:ea typeface="삼성긴고딕OTF Bold" panose="020B0600000101010101" pitchFamily="34" charset="-127"/>
+                </a:rPr>
+                <a:t>(Current State)</a:t>
+              </a:r>
+              <a:endParaRPr lang="ko-KR" altLang="en-US" sz="1600" dirty="0">
+                <a:latin typeface="삼성긴고딕OTF Bold" panose="020B0600000101010101" pitchFamily="34" charset="-127"/>
+                <a:ea typeface="삼성긴고딕OTF Bold" panose="020B0600000101010101" pitchFamily="34" charset="-127"/>
+              </a:endParaRPr>
+            </a:p>
+          </p:txBody>
+        </p:sp>
+        <mc:AlternateContent xmlns:mc="http://schemas.openxmlformats.org/markup-compatibility/2006">
+          <mc:Choice xmlns:a14="http://schemas.microsoft.com/office/drawing/2010/main" Requires="a14">
+            <p:sp>
+              <p:nvSpPr>
+                <p:cNvPr id="31" name="TextBox 30"/>
+                <p:cNvSpPr txBox="1"/>
+                <p:nvPr/>
+              </p:nvSpPr>
+              <p:spPr>
+                <a:xfrm>
+                  <a:off x="8291291" y="3562100"/>
+                  <a:ext cx="1754909" cy="1440000"/>
+                </a:xfrm>
+                <a:prstGeom prst="rect">
+                  <a:avLst/>
+                </a:prstGeom>
+                <a:noFill/>
+              </p:spPr>
+              <p:txBody>
+                <a:bodyPr wrap="square" rtlCol="0" anchor="ctr">
+                  <a:noAutofit/>
+                </a:bodyPr>
+                <a:lstStyle/>
+                <a:p>
+                  <a:pPr algn="ctr"/>
+                  <a:r>
+                    <a:rPr lang="ko-KR" altLang="en-US" sz="1600" dirty="0" smtClean="0">
+                      <a:latin typeface="삼성긴고딕OTF Bold" panose="020B0600000101010101" pitchFamily="34" charset="-127"/>
+                      <a:ea typeface="삼성긴고딕OTF Bold" panose="020B0600000101010101" pitchFamily="34" charset="-127"/>
+                    </a:rPr>
+                    <a:t>현재 상태</a:t>
+                  </a:r>
+                  <a:r>
+                    <a:rPr lang="en-US" altLang="ko-KR" sz="1600" dirty="0" smtClean="0">
+                      <a:latin typeface="삼성긴고딕OTF Bold" panose="020B0600000101010101" pitchFamily="34" charset="-127"/>
+                      <a:ea typeface="삼성긴고딕OTF Bold" panose="020B0600000101010101" pitchFamily="34" charset="-127"/>
+                    </a:rPr>
+                    <a:t/>
+                  </a:r>
+                  <a:br>
+                    <a:rPr lang="en-US" altLang="ko-KR" sz="1600" dirty="0" smtClean="0">
+                      <a:latin typeface="삼성긴고딕OTF Bold" panose="020B0600000101010101" pitchFamily="34" charset="-127"/>
+                      <a:ea typeface="삼성긴고딕OTF Bold" panose="020B0600000101010101" pitchFamily="34" charset="-127"/>
+                    </a:rPr>
+                  </a:br>
+                  <a:r>
+                    <a:rPr lang="en-US" altLang="ko-KR" sz="1600" dirty="0" smtClean="0">
+                      <a:latin typeface="삼성긴고딕OTF Bold" panose="020B0600000101010101" pitchFamily="34" charset="-127"/>
+                      <a:ea typeface="삼성긴고딕OTF Bold" panose="020B0600000101010101" pitchFamily="34" charset="-127"/>
+                    </a:rPr>
+                    <a:t>(Current State)</a:t>
+                  </a:r>
+                  <a:br>
+                    <a:rPr lang="en-US" altLang="ko-KR" sz="1600" dirty="0" smtClean="0">
+                      <a:latin typeface="삼성긴고딕OTF Bold" panose="020B0600000101010101" pitchFamily="34" charset="-127"/>
+                      <a:ea typeface="삼성긴고딕OTF Bold" panose="020B0600000101010101" pitchFamily="34" charset="-127"/>
+                    </a:rPr>
+                  </a:br>
+                  <a14:m>
+                    <m:oMathPara xmlns:m="http://schemas.openxmlformats.org/officeDocument/2006/math">
+                      <m:oMathParaPr>
+                        <m:jc m:val="centerGroup"/>
+                      </m:oMathParaPr>
+                      <m:oMath xmlns:m="http://schemas.openxmlformats.org/officeDocument/2006/math">
+                        <m:r>
+                          <a:rPr lang="en-US" altLang="ko-KR" sz="2000" b="1" i="1" smtClean="0">
+                            <a:solidFill>
+                              <a:srgbClr val="FF0000"/>
+                            </a:solidFill>
+                            <a:latin typeface="Cambria Math" panose="02040503050406030204" pitchFamily="18" charset="0"/>
+                            <a:ea typeface="Cambria Math" panose="02040503050406030204" pitchFamily="18" charset="0"/>
+                          </a:rPr>
+                          <m:t>≠</m:t>
+                        </m:r>
+                      </m:oMath>
+                    </m:oMathPara>
+                  </a14:m>
+                  <a:r>
+                    <a:rPr lang="en-US" altLang="ko-KR" sz="1600" dirty="0" smtClean="0">
+                      <a:latin typeface="삼성긴고딕OTF Bold" panose="020B0600000101010101" pitchFamily="34" charset="-127"/>
+                      <a:ea typeface="삼성긴고딕OTF Bold" panose="020B0600000101010101" pitchFamily="34" charset="-127"/>
+                    </a:rPr>
+                    <a:t/>
+                  </a:r>
+                  <a:br>
+                    <a:rPr lang="en-US" altLang="ko-KR" sz="1600" dirty="0" smtClean="0">
+                      <a:latin typeface="삼성긴고딕OTF Bold" panose="020B0600000101010101" pitchFamily="34" charset="-127"/>
+                      <a:ea typeface="삼성긴고딕OTF Bold" panose="020B0600000101010101" pitchFamily="34" charset="-127"/>
+                    </a:rPr>
+                  </a:br>
+                  <a:r>
+                    <a:rPr lang="ko-KR" altLang="en-US" sz="1600" dirty="0" smtClean="0">
+                      <a:solidFill>
+                        <a:srgbClr val="326CE5"/>
+                      </a:solidFill>
+                      <a:latin typeface="삼성긴고딕OTF Bold" panose="020B0600000101010101" pitchFamily="34" charset="-127"/>
+                      <a:ea typeface="삼성긴고딕OTF Bold" panose="020B0600000101010101" pitchFamily="34" charset="-127"/>
+                    </a:rPr>
+                    <a:t>바람직한 상태</a:t>
+                  </a:r>
+                  <a:r>
+                    <a:rPr lang="en-US" altLang="ko-KR" sz="1600" dirty="0" smtClean="0">
+                      <a:solidFill>
+                        <a:srgbClr val="326CE5"/>
+                      </a:solidFill>
+                      <a:latin typeface="삼성긴고딕OTF Bold" panose="020B0600000101010101" pitchFamily="34" charset="-127"/>
+                      <a:ea typeface="삼성긴고딕OTF Bold" panose="020B0600000101010101" pitchFamily="34" charset="-127"/>
+                    </a:rPr>
+                    <a:t/>
+                  </a:r>
+                  <a:br>
+                    <a:rPr lang="en-US" altLang="ko-KR" sz="1600" dirty="0" smtClean="0">
+                      <a:solidFill>
+                        <a:srgbClr val="326CE5"/>
+                      </a:solidFill>
+                      <a:latin typeface="삼성긴고딕OTF Bold" panose="020B0600000101010101" pitchFamily="34" charset="-127"/>
+                      <a:ea typeface="삼성긴고딕OTF Bold" panose="020B0600000101010101" pitchFamily="34" charset="-127"/>
+                    </a:rPr>
+                  </a:br>
+                  <a:r>
+                    <a:rPr lang="en-US" altLang="ko-KR" sz="1600" dirty="0" smtClean="0">
+                      <a:solidFill>
+                        <a:srgbClr val="326CE5"/>
+                      </a:solidFill>
+                      <a:latin typeface="삼성긴고딕OTF Bold" panose="020B0600000101010101" pitchFamily="34" charset="-127"/>
+                      <a:ea typeface="삼성긴고딕OTF Bold" panose="020B0600000101010101" pitchFamily="34" charset="-127"/>
+                    </a:rPr>
+                    <a:t>(Desired State)</a:t>
+                  </a:r>
+                  <a:endParaRPr lang="ko-KR" altLang="en-US" sz="1600" dirty="0">
+                    <a:solidFill>
+                      <a:srgbClr val="326CE5"/>
+                    </a:solidFill>
+                    <a:latin typeface="삼성긴고딕OTF Bold" panose="020B0600000101010101" pitchFamily="34" charset="-127"/>
+                    <a:ea typeface="삼성긴고딕OTF Bold" panose="020B0600000101010101" pitchFamily="34" charset="-127"/>
+                  </a:endParaRPr>
+                </a:p>
+              </p:txBody>
+            </p:sp>
+          </mc:Choice>
+          <mc:Fallback>
+            <p:sp>
+              <p:nvSpPr>
+                <p:cNvPr id="31" name="TextBox 30"/>
+                <p:cNvSpPr txBox="1">
+                  <a:spLocks noRot="1" noChangeAspect="1" noMove="1" noResize="1" noEditPoints="1" noAdjustHandles="1" noChangeArrowheads="1" noChangeShapeType="1" noTextEdit="1"/>
+                </p:cNvSpPr>
+                <p:nvPr/>
+              </p:nvSpPr>
+              <p:spPr>
+                <a:xfrm>
+                  <a:off x="8291291" y="3562100"/>
+                  <a:ext cx="1754909" cy="1440000"/>
+                </a:xfrm>
+                <a:prstGeom prst="rect">
+                  <a:avLst/>
+                </a:prstGeom>
+                <a:blipFill>
+                  <a:blip r:embed="rId2"/>
+                  <a:stretch>
+                    <a:fillRect b="-3390"/>
+                  </a:stretch>
+                </a:blipFill>
+              </p:spPr>
+              <p:txBody>
+                <a:bodyPr/>
+                <a:lstStyle/>
+                <a:p>
+                  <a:r>
+                    <a:rPr lang="ko-KR" altLang="en-US">
+                      <a:noFill/>
+                    </a:rPr>
+                    <a:t> </a:t>
+                  </a:r>
+                </a:p>
+              </p:txBody>
+            </p:sp>
+          </mc:Fallback>
+        </mc:AlternateContent>
+        <p:sp>
+          <p:nvSpPr>
+            <p:cNvPr id="32" name="TextBox 31"/>
+            <p:cNvSpPr txBox="1"/>
+            <p:nvPr/>
+          </p:nvSpPr>
+          <p:spPr>
+            <a:xfrm>
+              <a:off x="1588649" y="3562100"/>
+              <a:ext cx="1754909" cy="1440000"/>
+            </a:xfrm>
+            <a:prstGeom prst="rect">
+              <a:avLst/>
+            </a:prstGeom>
+            <a:noFill/>
+          </p:spPr>
+          <p:txBody>
+            <a:bodyPr wrap="square" rtlCol="0" anchor="ctr">
+              <a:noAutofit/>
+            </a:bodyPr>
+            <a:lstStyle/>
+            <a:p>
+              <a:pPr algn="ctr"/>
+              <a:r>
+                <a:rPr lang="ko-KR" altLang="en-US" sz="1600" dirty="0" smtClean="0">
+                  <a:latin typeface="삼성긴고딕OTF Bold" panose="020B0600000101010101" pitchFamily="34" charset="-127"/>
+                  <a:ea typeface="삼성긴고딕OTF Bold" panose="020B0600000101010101" pitchFamily="34" charset="-127"/>
+                </a:rPr>
+                <a:t>현재 상태</a:t>
+              </a:r>
+              <a:r>
+                <a:rPr lang="en-US" altLang="ko-KR" sz="1600" dirty="0" smtClean="0">
+                  <a:latin typeface="삼성긴고딕OTF Bold" panose="020B0600000101010101" pitchFamily="34" charset="-127"/>
+                  <a:ea typeface="삼성긴고딕OTF Bold" panose="020B0600000101010101" pitchFamily="34" charset="-127"/>
+                </a:rPr>
+                <a:t/>
+              </a:r>
+              <a:br>
+                <a:rPr lang="en-US" altLang="ko-KR" sz="1600" dirty="0" smtClean="0">
+                  <a:latin typeface="삼성긴고딕OTF Bold" panose="020B0600000101010101" pitchFamily="34" charset="-127"/>
+                  <a:ea typeface="삼성긴고딕OTF Bold" panose="020B0600000101010101" pitchFamily="34" charset="-127"/>
+                </a:rPr>
+              </a:br>
+              <a:r>
+                <a:rPr lang="en-US" altLang="ko-KR" sz="1600" dirty="0" smtClean="0">
+                  <a:latin typeface="삼성긴고딕OTF Bold" panose="020B0600000101010101" pitchFamily="34" charset="-127"/>
+                  <a:ea typeface="삼성긴고딕OTF Bold" panose="020B0600000101010101" pitchFamily="34" charset="-127"/>
+                </a:rPr>
+                <a:t>(Current State)</a:t>
+              </a:r>
+              <a:br>
+                <a:rPr lang="en-US" altLang="ko-KR" sz="1600" dirty="0" smtClean="0">
+                  <a:latin typeface="삼성긴고딕OTF Bold" panose="020B0600000101010101" pitchFamily="34" charset="-127"/>
+                  <a:ea typeface="삼성긴고딕OTF Bold" panose="020B0600000101010101" pitchFamily="34" charset="-127"/>
+                </a:rPr>
+              </a:br>
+              <a:r>
+                <a:rPr lang="ko-KR" altLang="en-US" sz="1600" dirty="0" smtClean="0">
+                  <a:solidFill>
+                    <a:srgbClr val="00B050"/>
+                  </a:solidFill>
+                  <a:latin typeface="삼성긴고딕OTF Bold" panose="020B0600000101010101" pitchFamily="34" charset="-127"/>
+                  <a:ea typeface="삼성긴고딕OTF Bold" panose="020B0600000101010101" pitchFamily="34" charset="-127"/>
+                </a:rPr>
+                <a:t>↓</a:t>
+              </a:r>
+              <a:r>
+                <a:rPr lang="en-US" altLang="ko-KR" sz="1600" dirty="0" smtClean="0">
+                  <a:latin typeface="삼성긴고딕OTF Bold" panose="020B0600000101010101" pitchFamily="34" charset="-127"/>
+                  <a:ea typeface="삼성긴고딕OTF Bold" panose="020B0600000101010101" pitchFamily="34" charset="-127"/>
+                </a:rPr>
+                <a:t/>
+              </a:r>
+              <a:br>
+                <a:rPr lang="en-US" altLang="ko-KR" sz="1600" dirty="0" smtClean="0">
+                  <a:latin typeface="삼성긴고딕OTF Bold" panose="020B0600000101010101" pitchFamily="34" charset="-127"/>
+                  <a:ea typeface="삼성긴고딕OTF Bold" panose="020B0600000101010101" pitchFamily="34" charset="-127"/>
+                </a:rPr>
+              </a:br>
+              <a:r>
+                <a:rPr lang="ko-KR" altLang="en-US" sz="1600" dirty="0" smtClean="0">
+                  <a:solidFill>
+                    <a:srgbClr val="326CE5"/>
+                  </a:solidFill>
+                  <a:latin typeface="삼성긴고딕OTF Bold" panose="020B0600000101010101" pitchFamily="34" charset="-127"/>
+                  <a:ea typeface="삼성긴고딕OTF Bold" panose="020B0600000101010101" pitchFamily="34" charset="-127"/>
+                </a:rPr>
+                <a:t>바람직한 상태</a:t>
+              </a:r>
+              <a:r>
+                <a:rPr lang="en-US" altLang="ko-KR" sz="1600" dirty="0" smtClean="0">
+                  <a:solidFill>
+                    <a:srgbClr val="326CE5"/>
+                  </a:solidFill>
+                  <a:latin typeface="삼성긴고딕OTF Bold" panose="020B0600000101010101" pitchFamily="34" charset="-127"/>
+                  <a:ea typeface="삼성긴고딕OTF Bold" panose="020B0600000101010101" pitchFamily="34" charset="-127"/>
+                </a:rPr>
+                <a:t/>
+              </a:r>
+              <a:br>
+                <a:rPr lang="en-US" altLang="ko-KR" sz="1600" dirty="0" smtClean="0">
+                  <a:solidFill>
+                    <a:srgbClr val="326CE5"/>
+                  </a:solidFill>
+                  <a:latin typeface="삼성긴고딕OTF Bold" panose="020B0600000101010101" pitchFamily="34" charset="-127"/>
+                  <a:ea typeface="삼성긴고딕OTF Bold" panose="020B0600000101010101" pitchFamily="34" charset="-127"/>
+                </a:rPr>
+              </a:br>
+              <a:r>
+                <a:rPr lang="en-US" altLang="ko-KR" sz="1600" dirty="0" smtClean="0">
+                  <a:solidFill>
+                    <a:srgbClr val="326CE5"/>
+                  </a:solidFill>
+                  <a:latin typeface="삼성긴고딕OTF Bold" panose="020B0600000101010101" pitchFamily="34" charset="-127"/>
+                  <a:ea typeface="삼성긴고딕OTF Bold" panose="020B0600000101010101" pitchFamily="34" charset="-127"/>
+                </a:rPr>
+                <a:t>(Desired State)</a:t>
+              </a:r>
+              <a:endParaRPr lang="ko-KR" altLang="en-US" sz="1600" dirty="0">
+                <a:solidFill>
+                  <a:srgbClr val="326CE5"/>
+                </a:solidFill>
+                <a:latin typeface="삼성긴고딕OTF Bold" panose="020B0600000101010101" pitchFamily="34" charset="-127"/>
+                <a:ea typeface="삼성긴고딕OTF Bold" panose="020B0600000101010101" pitchFamily="34" charset="-127"/>
+              </a:endParaRPr>
+            </a:p>
+          </p:txBody>
+        </p:sp>
+      </p:grpSp>
+      <p:pic>
+        <p:nvPicPr>
+          <p:cNvPr id="26" name="Shape 711"/>
+          <p:cNvPicPr preferRelativeResize="0"/>
+          <p:nvPr/>
+        </p:nvPicPr>
+        <p:blipFill>
+          <a:blip r:embed="rId3">
+            <a:alphaModFix/>
+          </a:blip>
+          <a:stretch>
+            <a:fillRect/>
+          </a:stretch>
+        </p:blipFill>
+        <p:spPr>
+          <a:xfrm>
+            <a:off x="2169146" y="5671209"/>
+            <a:ext cx="720000" cy="720000"/>
+          </a:xfrm>
+          <a:prstGeom prst="rect">
+            <a:avLst/>
+          </a:prstGeom>
+          <a:noFill/>
+          <a:ln>
+            <a:noFill/>
+          </a:ln>
+        </p:spPr>
+      </p:pic>
+      <p:pic>
+        <p:nvPicPr>
+          <p:cNvPr id="27" name="Shape 711"/>
+          <p:cNvPicPr preferRelativeResize="0"/>
+          <p:nvPr/>
+        </p:nvPicPr>
+        <p:blipFill>
+          <a:blip r:embed="rId3">
+            <a:alphaModFix/>
+          </a:blip>
+          <a:stretch>
+            <a:fillRect/>
+          </a:stretch>
+        </p:blipFill>
+        <p:spPr>
+          <a:xfrm>
+            <a:off x="3283171" y="5671209"/>
+            <a:ext cx="720000" cy="720000"/>
+          </a:xfrm>
+          <a:prstGeom prst="rect">
+            <a:avLst/>
+          </a:prstGeom>
+          <a:noFill/>
+          <a:ln>
+            <a:noFill/>
+          </a:ln>
+        </p:spPr>
+      </p:pic>
+      <p:pic>
+        <p:nvPicPr>
+          <p:cNvPr id="28" name="Shape 711"/>
+          <p:cNvPicPr preferRelativeResize="0"/>
+          <p:nvPr/>
+        </p:nvPicPr>
+        <p:blipFill>
+          <a:blip r:embed="rId3">
+            <a:alphaModFix/>
+          </a:blip>
+          <a:stretch>
+            <a:fillRect/>
+          </a:stretch>
+        </p:blipFill>
+        <p:spPr>
+          <a:xfrm>
+            <a:off x="4397196" y="5671209"/>
+            <a:ext cx="720000" cy="720000"/>
+          </a:xfrm>
+          <a:prstGeom prst="rect">
+            <a:avLst/>
+          </a:prstGeom>
+          <a:noFill/>
+          <a:ln>
+            <a:noFill/>
+          </a:ln>
+        </p:spPr>
+      </p:pic>
+      <p:pic>
+        <p:nvPicPr>
+          <p:cNvPr id="29" name="Shape 711"/>
+          <p:cNvPicPr preferRelativeResize="0"/>
+          <p:nvPr/>
+        </p:nvPicPr>
+        <p:blipFill>
+          <a:blip r:embed="rId3">
+            <a:alphaModFix/>
+          </a:blip>
+          <a:stretch>
+            <a:fillRect/>
+          </a:stretch>
+        </p:blipFill>
+        <p:spPr>
+          <a:xfrm>
+            <a:off x="5511221" y="5671209"/>
+            <a:ext cx="720000" cy="720000"/>
+          </a:xfrm>
+          <a:prstGeom prst="rect">
+            <a:avLst/>
+          </a:prstGeom>
+          <a:noFill/>
+          <a:ln>
+            <a:noFill/>
+          </a:ln>
+        </p:spPr>
+      </p:pic>
+      <p:pic>
+        <p:nvPicPr>
+          <p:cNvPr id="33" name="Shape 82"/>
+          <p:cNvPicPr preferRelativeResize="0"/>
+          <p:nvPr/>
+        </p:nvPicPr>
+        <p:blipFill>
+          <a:blip r:embed="rId4">
+            <a:alphaModFix/>
+          </a:blip>
+          <a:stretch>
+            <a:fillRect/>
+          </a:stretch>
+        </p:blipFill>
+        <p:spPr>
+          <a:xfrm>
+            <a:off x="3841668" y="4297241"/>
+            <a:ext cx="720000" cy="720000"/>
+          </a:xfrm>
+          <a:prstGeom prst="rect">
+            <a:avLst/>
+          </a:prstGeom>
+          <a:noFill/>
+          <a:ln>
+            <a:noFill/>
+          </a:ln>
+        </p:spPr>
+      </p:pic>
       <p:sp>
         <p:nvSpPr>
-          <p:cNvPr id="4" name="타원 3"/>
+          <p:cNvPr id="23" name="오른쪽 중괄호 22"/>
           <p:cNvSpPr/>
           <p:nvPr/>
         </p:nvSpPr>
         <p:spPr>
-          <a:xfrm>
-            <a:off x="5085492" y="461820"/>
-            <a:ext cx="1440000" cy="1440000"/>
+          <a:xfrm rot="16200000">
+            <a:off x="4053493" y="3642013"/>
+            <a:ext cx="274320" cy="3323014"/>
           </a:xfrm>
-          <a:prstGeom prst="ellipse">
+          <a:prstGeom prst="rightBrace">
             <a:avLst/>
           </a:prstGeom>
-          <a:noFill/>
-          <a:ln w="28575">
+          <a:ln w="19050">
             <a:solidFill>
-              <a:srgbClr val="65BEAC"/>
+              <a:schemeClr val="tx1">
+                <a:lumMod val="65000"/>
+                <a:lumOff val="35000"/>
+              </a:schemeClr>
             </a:solidFill>
           </a:ln>
         </p:spPr>
         <p:style>
-          <a:lnRef idx="2">
-            <a:schemeClr val="accent1">
-              <a:shade val="50000"/>
-            </a:schemeClr>
+          <a:lnRef idx="1">
+            <a:schemeClr val="accent1"/>
           </a:lnRef>
-          <a:fillRef idx="1">
+          <a:fillRef idx="0">
             <a:schemeClr val="accent1"/>
           </a:fillRef>
           <a:effectRef idx="0">
             <a:schemeClr val="accent1"/>
           </a:effectRef>
           <a:fontRef idx="minor">
-            <a:schemeClr val="lt1"/>
+            <a:schemeClr val="tx1"/>
           </a:fontRef>
         </p:style>
         <p:txBody>
-          <a:bodyPr lIns="0" tIns="0" rIns="0" bIns="0" rtlCol="0" anchor="ctr"/>
+          <a:bodyPr rtlCol="0" anchor="ctr"/>
           <a:lstStyle/>
           <a:p>
             <a:pPr algn="ctr"/>
-            <a:r>
-              <a:rPr lang="en-US" altLang="ko-KR" dirty="0" smtClean="0">
-                <a:solidFill>
-                  <a:srgbClr val="65BEAC"/>
-                </a:solidFill>
-                <a:latin typeface="삼성긴고딕OTF Bold" panose="020B0600000101010101" pitchFamily="34" charset="-127"/>
-                <a:ea typeface="삼성긴고딕OTF Bold" panose="020B0600000101010101" pitchFamily="34" charset="-127"/>
-              </a:rPr>
-              <a:t>observe</a:t>
-            </a:r>
-            <a:endParaRPr lang="ko-KR" altLang="en-US" dirty="0">
-              <a:solidFill>
-                <a:srgbClr val="65BEAC"/>
-              </a:solidFill>
-              <a:latin typeface="삼성긴고딕OTF Bold" panose="020B0600000101010101" pitchFamily="34" charset="-127"/>
-              <a:ea typeface="삼성긴고딕OTF Bold" panose="020B0600000101010101" pitchFamily="34" charset="-127"/>
-            </a:endParaRPr>
-          </a:p>
-        </p:txBody>
-      </p:sp>
-      <p:sp>
-        <p:nvSpPr>
-          <p:cNvPr id="6" name="타원 5"/>
-          <p:cNvSpPr/>
-          <p:nvPr/>
-        </p:nvSpPr>
-        <p:spPr>
-          <a:xfrm>
-            <a:off x="2845674" y="3503822"/>
-            <a:ext cx="1440000" cy="1440000"/>
-          </a:xfrm>
-          <a:prstGeom prst="ellipse">
-            <a:avLst/>
-          </a:prstGeom>
-          <a:noFill/>
-          <a:ln w="28575">
-            <a:solidFill>
-              <a:srgbClr val="CF6155"/>
-            </a:solidFill>
-          </a:ln>
-        </p:spPr>
-        <p:style>
-          <a:lnRef idx="2">
-            <a:schemeClr val="accent1">
-              <a:shade val="50000"/>
-            </a:schemeClr>
-          </a:lnRef>
-          <a:fillRef idx="1">
-            <a:schemeClr val="accent1"/>
-          </a:fillRef>
-          <a:effectRef idx="0">
-            <a:schemeClr val="accent1"/>
-          </a:effectRef>
-          <a:fontRef idx="minor">
-            <a:schemeClr val="lt1"/>
-          </a:fontRef>
-        </p:style>
-        <p:txBody>
-          <a:bodyPr lIns="0" tIns="0" rIns="0" bIns="0" rtlCol="0" anchor="ctr"/>
-          <a:lstStyle/>
-          <a:p>
-            <a:pPr algn="ctr"/>
-            <a:r>
-              <a:rPr lang="en-US" altLang="ko-KR" dirty="0" smtClean="0">
-                <a:solidFill>
-                  <a:srgbClr val="CF6155"/>
-                </a:solidFill>
-                <a:latin typeface="삼성긴고딕OTF Bold" panose="020B0600000101010101" pitchFamily="34" charset="-127"/>
-                <a:ea typeface="삼성긴고딕OTF Bold" panose="020B0600000101010101" pitchFamily="34" charset="-127"/>
-              </a:rPr>
-              <a:t>Act</a:t>
-            </a:r>
-            <a:endParaRPr lang="ko-KR" altLang="en-US" dirty="0">
-              <a:solidFill>
-                <a:srgbClr val="CF6155"/>
-              </a:solidFill>
-              <a:latin typeface="삼성긴고딕OTF Bold" panose="020B0600000101010101" pitchFamily="34" charset="-127"/>
-              <a:ea typeface="삼성긴고딕OTF Bold" panose="020B0600000101010101" pitchFamily="34" charset="-127"/>
-            </a:endParaRPr>
-          </a:p>
-        </p:txBody>
-      </p:sp>
-      <p:sp>
-        <p:nvSpPr>
-          <p:cNvPr id="7" name="타원 6"/>
-          <p:cNvSpPr/>
-          <p:nvPr/>
-        </p:nvSpPr>
-        <p:spPr>
-          <a:xfrm>
-            <a:off x="7325309" y="3503822"/>
-            <a:ext cx="1440000" cy="1440000"/>
-          </a:xfrm>
-          <a:prstGeom prst="ellipse">
-            <a:avLst/>
-          </a:prstGeom>
-          <a:noFill/>
-          <a:ln w="28575">
-            <a:solidFill>
-              <a:schemeClr val="tx2"/>
-            </a:solidFill>
-          </a:ln>
-        </p:spPr>
-        <p:style>
-          <a:lnRef idx="2">
-            <a:schemeClr val="accent1">
-              <a:shade val="50000"/>
-            </a:schemeClr>
-          </a:lnRef>
-          <a:fillRef idx="1">
-            <a:schemeClr val="accent1"/>
-          </a:fillRef>
-          <a:effectRef idx="0">
-            <a:schemeClr val="accent1"/>
-          </a:effectRef>
-          <a:fontRef idx="minor">
-            <a:schemeClr val="lt1"/>
-          </a:fontRef>
-        </p:style>
-        <p:txBody>
-          <a:bodyPr lIns="0" tIns="0" rIns="0" bIns="0" rtlCol="0" anchor="ctr"/>
-          <a:lstStyle/>
-          <a:p>
-            <a:pPr algn="ctr"/>
-            <a:r>
-              <a:rPr lang="en-US" altLang="ko-KR" dirty="0" smtClean="0">
-                <a:solidFill>
-                  <a:schemeClr val="tx2"/>
-                </a:solidFill>
-                <a:latin typeface="삼성긴고딕OTF Bold" panose="020B0600000101010101" pitchFamily="34" charset="-127"/>
-                <a:ea typeface="삼성긴고딕OTF Bold" panose="020B0600000101010101" pitchFamily="34" charset="-127"/>
-              </a:rPr>
-              <a:t>Difference</a:t>
-            </a:r>
-            <a:endParaRPr lang="ko-KR" altLang="en-US" dirty="0">
-              <a:solidFill>
-                <a:schemeClr val="tx2"/>
-              </a:solidFill>
-              <a:latin typeface="삼성긴고딕OTF Bold" panose="020B0600000101010101" pitchFamily="34" charset="-127"/>
-              <a:ea typeface="삼성긴고딕OTF Bold" panose="020B0600000101010101" pitchFamily="34" charset="-127"/>
-            </a:endParaRPr>
+            <a:endParaRPr lang="ko-KR" altLang="en-US"/>
           </a:p>
         </p:txBody>
       </p:sp>
       <p:cxnSp>
         <p:nvCxnSpPr>
-          <p:cNvPr id="9" name="직선 화살표 연결선 8"/>
-          <p:cNvCxnSpPr>
-            <a:stCxn id="7" idx="2"/>
-            <a:endCxn id="6" idx="6"/>
-          </p:cNvCxnSpPr>
+          <p:cNvPr id="35" name="직선 연결선 34"/>
+          <p:cNvCxnSpPr/>
           <p:nvPr/>
         </p:nvCxnSpPr>
         <p:spPr>
-          <a:xfrm flipH="1">
-            <a:off x="4285674" y="4223822"/>
-            <a:ext cx="3039635" cy="0"/>
+          <a:xfrm>
+            <a:off x="4754880" y="5311209"/>
+            <a:ext cx="0" cy="144000"/>
           </a:xfrm>
-          <a:prstGeom prst="straightConnector1">
+          <a:prstGeom prst="line">
             <a:avLst/>
           </a:prstGeom>
-          <a:ln w="12700">
+          <a:ln w="19050">
             <a:solidFill>
-              <a:schemeClr val="tx1"/>
+              <a:schemeClr val="tx1">
+                <a:lumMod val="65000"/>
+                <a:lumOff val="35000"/>
+              </a:schemeClr>
             </a:solidFill>
-            <a:tailEnd type="triangle"/>
           </a:ln>
         </p:spPr>
         <p:style>
@@ -6049,65 +6730,25 @@
       </p:cxnSp>
       <p:cxnSp>
         <p:nvCxnSpPr>
-          <p:cNvPr id="13" name="직선 화살표 연결선 12"/>
-          <p:cNvCxnSpPr>
-            <a:stCxn id="4" idx="5"/>
-            <a:endCxn id="7" idx="1"/>
-          </p:cNvCxnSpPr>
+          <p:cNvPr id="36" name="직선 연결선 35"/>
+          <p:cNvCxnSpPr/>
           <p:nvPr/>
         </p:nvCxnSpPr>
         <p:spPr>
           <a:xfrm>
-            <a:off x="6314609" y="1690937"/>
-            <a:ext cx="1221583" cy="2023768"/>
+            <a:off x="3666744" y="5311209"/>
+            <a:ext cx="0" cy="144000"/>
           </a:xfrm>
-          <a:prstGeom prst="straightConnector1">
+          <a:prstGeom prst="line">
             <a:avLst/>
           </a:prstGeom>
-          <a:ln w="12700">
+          <a:ln w="19050">
             <a:solidFill>
-              <a:schemeClr val="tx1"/>
+              <a:schemeClr val="tx1">
+                <a:lumMod val="65000"/>
+                <a:lumOff val="35000"/>
+              </a:schemeClr>
             </a:solidFill>
-            <a:tailEnd type="triangle"/>
-          </a:ln>
-        </p:spPr>
-        <p:style>
-          <a:lnRef idx="1">
-            <a:schemeClr val="accent1"/>
-          </a:lnRef>
-          <a:fillRef idx="0">
-            <a:schemeClr val="accent1"/>
-          </a:fillRef>
-          <a:effectRef idx="0">
-            <a:schemeClr val="accent1"/>
-          </a:effectRef>
-          <a:fontRef idx="minor">
-            <a:schemeClr val="tx1"/>
-          </a:fontRef>
-        </p:style>
-      </p:cxnSp>
-      <p:cxnSp>
-        <p:nvCxnSpPr>
-          <p:cNvPr id="20" name="직선 화살표 연결선 19"/>
-          <p:cNvCxnSpPr>
-            <a:stCxn id="6" idx="7"/>
-            <a:endCxn id="4" idx="3"/>
-          </p:cNvCxnSpPr>
-          <p:nvPr/>
-        </p:nvCxnSpPr>
-        <p:spPr>
-          <a:xfrm flipV="1">
-            <a:off x="4074791" y="1690937"/>
-            <a:ext cx="1221584" cy="2023768"/>
-          </a:xfrm>
-          <a:prstGeom prst="straightConnector1">
-            <a:avLst/>
-          </a:prstGeom>
-          <a:ln w="12700">
-            <a:solidFill>
-              <a:schemeClr val="tx1"/>
-            </a:solidFill>
-            <a:tailEnd type="triangle"/>
           </a:ln>
         </p:spPr>
         <p:style>
@@ -6127,14 +6768,14 @@
       </p:cxnSp>
       <p:sp>
         <p:nvSpPr>
-          <p:cNvPr id="30" name="TextBox 29"/>
+          <p:cNvPr id="37" name="TextBox 36"/>
           <p:cNvSpPr txBox="1"/>
           <p:nvPr/>
         </p:nvSpPr>
         <p:spPr>
           <a:xfrm>
-            <a:off x="6525492" y="858654"/>
-            <a:ext cx="1754909" cy="584775"/>
+            <a:off x="4631196" y="4597164"/>
+            <a:ext cx="972000" cy="215444"/>
           </a:xfrm>
           <a:prstGeom prst="rect">
             <a:avLst/>
@@ -6142,246 +6783,45 @@
           <a:noFill/>
         </p:spPr>
         <p:txBody>
-          <a:bodyPr wrap="square" rtlCol="0">
+          <a:bodyPr wrap="square" lIns="0" tIns="0" rIns="0" bIns="0" rtlCol="0">
             <a:spAutoFit/>
           </a:bodyPr>
           <a:lstStyle/>
           <a:p>
             <a:pPr algn="ctr"/>
             <a:r>
-              <a:rPr lang="ko-KR" altLang="en-US" sz="1600" dirty="0" smtClean="0">
+              <a:rPr lang="en-US" altLang="ko-KR" sz="1400" dirty="0" smtClean="0">
+                <a:solidFill>
+                  <a:schemeClr val="tx1">
+                    <a:lumMod val="75000"/>
+                    <a:lumOff val="25000"/>
+                  </a:schemeClr>
+                </a:solidFill>
                 <a:latin typeface="삼성긴고딕OTF Bold" panose="020B0600000101010101" pitchFamily="34" charset="-127"/>
                 <a:ea typeface="삼성긴고딕OTF Bold" panose="020B0600000101010101" pitchFamily="34" charset="-127"/>
               </a:rPr>
-              <a:t>현재 상태</a:t>
+              <a:t>r</a:t>
             </a:r>
             <a:r>
-              <a:rPr lang="en-US" altLang="ko-KR" sz="1600" dirty="0" smtClean="0">
+              <a:rPr lang="en-US" altLang="ko-KR" sz="1400" dirty="0" smtClean="0">
+                <a:solidFill>
+                  <a:schemeClr val="tx1">
+                    <a:lumMod val="75000"/>
+                    <a:lumOff val="25000"/>
+                  </a:schemeClr>
+                </a:solidFill>
                 <a:latin typeface="삼성긴고딕OTF Bold" panose="020B0600000101010101" pitchFamily="34" charset="-127"/>
                 <a:ea typeface="삼성긴고딕OTF Bold" panose="020B0600000101010101" pitchFamily="34" charset="-127"/>
               </a:rPr>
-              <a:t/>
+              <a:t>eplicas = 4</a:t>
             </a:r>
-            <a:br>
-              <a:rPr lang="en-US" altLang="ko-KR" sz="1600" dirty="0" smtClean="0">
-                <a:latin typeface="삼성긴고딕OTF Bold" panose="020B0600000101010101" pitchFamily="34" charset="-127"/>
-                <a:ea typeface="삼성긴고딕OTF Bold" panose="020B0600000101010101" pitchFamily="34" charset="-127"/>
-              </a:rPr>
-            </a:br>
-            <a:r>
-              <a:rPr lang="en-US" altLang="ko-KR" sz="1600" dirty="0" smtClean="0">
-                <a:latin typeface="삼성긴고딕OTF Bold" panose="020B0600000101010101" pitchFamily="34" charset="-127"/>
-                <a:ea typeface="삼성긴고딕OTF Bold" panose="020B0600000101010101" pitchFamily="34" charset="-127"/>
-              </a:rPr>
-              <a:t>(Current State)</a:t>
-            </a:r>
-            <a:endParaRPr lang="ko-KR" altLang="en-US" sz="1600" dirty="0">
-              <a:latin typeface="삼성긴고딕OTF Bold" panose="020B0600000101010101" pitchFamily="34" charset="-127"/>
-              <a:ea typeface="삼성긴고딕OTF Bold" panose="020B0600000101010101" pitchFamily="34" charset="-127"/>
-            </a:endParaRPr>
-          </a:p>
-        </p:txBody>
-      </p:sp>
-      <p:sp>
-        <p:nvSpPr>
-          <p:cNvPr id="31" name="TextBox 30"/>
-          <p:cNvSpPr txBox="1"/>
-          <p:nvPr/>
-        </p:nvSpPr>
-        <p:spPr>
-          <a:xfrm>
-            <a:off x="8898554" y="3562102"/>
-            <a:ext cx="1754909" cy="1323439"/>
-          </a:xfrm>
-          <a:prstGeom prst="rect">
-            <a:avLst/>
-          </a:prstGeom>
-          <a:noFill/>
-        </p:spPr>
-        <p:txBody>
-          <a:bodyPr wrap="square" rtlCol="0">
-            <a:spAutoFit/>
-          </a:bodyPr>
-          <a:lstStyle/>
-          <a:p>
-            <a:pPr algn="ctr"/>
-            <a:r>
-              <a:rPr lang="ko-KR" altLang="en-US" sz="1600" dirty="0" smtClean="0">
-                <a:latin typeface="삼성긴고딕OTF Bold" panose="020B0600000101010101" pitchFamily="34" charset="-127"/>
-                <a:ea typeface="삼성긴고딕OTF Bold" panose="020B0600000101010101" pitchFamily="34" charset="-127"/>
-              </a:rPr>
-              <a:t>현재 상태</a:t>
-            </a:r>
-            <a:r>
-              <a:rPr lang="en-US" altLang="ko-KR" sz="1600" dirty="0" smtClean="0">
-                <a:latin typeface="삼성긴고딕OTF Bold" panose="020B0600000101010101" pitchFamily="34" charset="-127"/>
-                <a:ea typeface="삼성긴고딕OTF Bold" panose="020B0600000101010101" pitchFamily="34" charset="-127"/>
-              </a:rPr>
-              <a:t/>
-            </a:r>
-            <a:br>
-              <a:rPr lang="en-US" altLang="ko-KR" sz="1600" dirty="0" smtClean="0">
-                <a:latin typeface="삼성긴고딕OTF Bold" panose="020B0600000101010101" pitchFamily="34" charset="-127"/>
-                <a:ea typeface="삼성긴고딕OTF Bold" panose="020B0600000101010101" pitchFamily="34" charset="-127"/>
-              </a:rPr>
-            </a:br>
-            <a:r>
-              <a:rPr lang="en-US" altLang="ko-KR" sz="1600" dirty="0" smtClean="0">
-                <a:latin typeface="삼성긴고딕OTF Bold" panose="020B0600000101010101" pitchFamily="34" charset="-127"/>
-                <a:ea typeface="삼성긴고딕OTF Bold" panose="020B0600000101010101" pitchFamily="34" charset="-127"/>
-              </a:rPr>
-              <a:t>(Current State)</a:t>
-            </a:r>
-            <a:br>
-              <a:rPr lang="en-US" altLang="ko-KR" sz="1600" dirty="0" smtClean="0">
-                <a:latin typeface="삼성긴고딕OTF Bold" panose="020B0600000101010101" pitchFamily="34" charset="-127"/>
-                <a:ea typeface="삼성긴고딕OTF Bold" panose="020B0600000101010101" pitchFamily="34" charset="-127"/>
-              </a:rPr>
-            </a:br>
-            <a:r>
-              <a:rPr lang="en-US" altLang="ko-KR" sz="1600" dirty="0" smtClean="0">
-                <a:latin typeface="삼성긴고딕OTF Bold" panose="020B0600000101010101" pitchFamily="34" charset="-127"/>
-                <a:ea typeface="삼성긴고딕OTF Bold" panose="020B0600000101010101" pitchFamily="34" charset="-127"/>
-              </a:rPr>
-              <a:t/>
-            </a:r>
-            <a:br>
-              <a:rPr lang="en-US" altLang="ko-KR" sz="1600" dirty="0" smtClean="0">
-                <a:latin typeface="삼성긴고딕OTF Bold" panose="020B0600000101010101" pitchFamily="34" charset="-127"/>
-                <a:ea typeface="삼성긴고딕OTF Bold" panose="020B0600000101010101" pitchFamily="34" charset="-127"/>
-              </a:rPr>
-            </a:br>
-            <a:r>
-              <a:rPr lang="ko-KR" altLang="en-US" sz="1600" dirty="0" smtClean="0">
-                <a:latin typeface="삼성긴고딕OTF Bold" panose="020B0600000101010101" pitchFamily="34" charset="-127"/>
-                <a:ea typeface="삼성긴고딕OTF Bold" panose="020B0600000101010101" pitchFamily="34" charset="-127"/>
-              </a:rPr>
-              <a:t>바람직한 상태</a:t>
-            </a:r>
-            <a:r>
-              <a:rPr lang="en-US" altLang="ko-KR" sz="1600" dirty="0" smtClean="0">
-                <a:latin typeface="삼성긴고딕OTF Bold" panose="020B0600000101010101" pitchFamily="34" charset="-127"/>
-                <a:ea typeface="삼성긴고딕OTF Bold" panose="020B0600000101010101" pitchFamily="34" charset="-127"/>
-              </a:rPr>
-              <a:t/>
-            </a:r>
-            <a:br>
-              <a:rPr lang="en-US" altLang="ko-KR" sz="1600" dirty="0" smtClean="0">
-                <a:latin typeface="삼성긴고딕OTF Bold" panose="020B0600000101010101" pitchFamily="34" charset="-127"/>
-                <a:ea typeface="삼성긴고딕OTF Bold" panose="020B0600000101010101" pitchFamily="34" charset="-127"/>
-              </a:rPr>
-            </a:br>
-            <a:r>
-              <a:rPr lang="en-US" altLang="ko-KR" sz="1600" dirty="0" smtClean="0">
-                <a:latin typeface="삼성긴고딕OTF Bold" panose="020B0600000101010101" pitchFamily="34" charset="-127"/>
-                <a:ea typeface="삼성긴고딕OTF Bold" panose="020B0600000101010101" pitchFamily="34" charset="-127"/>
-              </a:rPr>
-              <a:t>(Desired State)</a:t>
-            </a:r>
-            <a:endParaRPr lang="ko-KR" altLang="en-US" sz="1600" dirty="0">
-              <a:latin typeface="삼성긴고딕OTF Bold" panose="020B0600000101010101" pitchFamily="34" charset="-127"/>
-              <a:ea typeface="삼성긴고딕OTF Bold" panose="020B0600000101010101" pitchFamily="34" charset="-127"/>
-            </a:endParaRPr>
-          </a:p>
-        </p:txBody>
-      </p:sp>
-      <p:sp>
-        <p:nvSpPr>
-          <p:cNvPr id="32" name="TextBox 31"/>
-          <p:cNvSpPr txBox="1"/>
-          <p:nvPr/>
-        </p:nvSpPr>
-        <p:spPr>
-          <a:xfrm>
-            <a:off x="739102" y="3562102"/>
-            <a:ext cx="1754909" cy="1323439"/>
-          </a:xfrm>
-          <a:prstGeom prst="rect">
-            <a:avLst/>
-          </a:prstGeom>
-          <a:noFill/>
-        </p:spPr>
-        <p:txBody>
-          <a:bodyPr wrap="square" rtlCol="0">
-            <a:spAutoFit/>
-          </a:bodyPr>
-          <a:lstStyle/>
-          <a:p>
-            <a:pPr algn="ctr"/>
-            <a:r>
-              <a:rPr lang="ko-KR" altLang="en-US" sz="1600" dirty="0" smtClean="0">
-                <a:latin typeface="삼성긴고딕OTF Bold" panose="020B0600000101010101" pitchFamily="34" charset="-127"/>
-                <a:ea typeface="삼성긴고딕OTF Bold" panose="020B0600000101010101" pitchFamily="34" charset="-127"/>
-              </a:rPr>
-              <a:t>현재 상태</a:t>
-            </a:r>
-            <a:r>
-              <a:rPr lang="en-US" altLang="ko-KR" sz="1600" dirty="0" smtClean="0">
-                <a:latin typeface="삼성긴고딕OTF Bold" panose="020B0600000101010101" pitchFamily="34" charset="-127"/>
-                <a:ea typeface="삼성긴고딕OTF Bold" panose="020B0600000101010101" pitchFamily="34" charset="-127"/>
-              </a:rPr>
-              <a:t/>
-            </a:r>
-            <a:br>
-              <a:rPr lang="en-US" altLang="ko-KR" sz="1600" dirty="0" smtClean="0">
-                <a:latin typeface="삼성긴고딕OTF Bold" panose="020B0600000101010101" pitchFamily="34" charset="-127"/>
-                <a:ea typeface="삼성긴고딕OTF Bold" panose="020B0600000101010101" pitchFamily="34" charset="-127"/>
-              </a:rPr>
-            </a:br>
-            <a:r>
-              <a:rPr lang="en-US" altLang="ko-KR" sz="1600" dirty="0" smtClean="0">
-                <a:latin typeface="삼성긴고딕OTF Bold" panose="020B0600000101010101" pitchFamily="34" charset="-127"/>
-                <a:ea typeface="삼성긴고딕OTF Bold" panose="020B0600000101010101" pitchFamily="34" charset="-127"/>
-              </a:rPr>
-              <a:t>(Current State)</a:t>
-            </a:r>
-            <a:br>
-              <a:rPr lang="en-US" altLang="ko-KR" sz="1600" dirty="0" smtClean="0">
-                <a:latin typeface="삼성긴고딕OTF Bold" panose="020B0600000101010101" pitchFamily="34" charset="-127"/>
-                <a:ea typeface="삼성긴고딕OTF Bold" panose="020B0600000101010101" pitchFamily="34" charset="-127"/>
-              </a:rPr>
-            </a:br>
-            <a:r>
-              <a:rPr lang="en-US" altLang="ko-KR" sz="1600" dirty="0" smtClean="0">
-                <a:latin typeface="삼성긴고딕OTF Bold" panose="020B0600000101010101" pitchFamily="34" charset="-127"/>
-                <a:ea typeface="삼성긴고딕OTF Bold" panose="020B0600000101010101" pitchFamily="34" charset="-127"/>
-              </a:rPr>
-              <a:t/>
-            </a:r>
-            <a:br>
-              <a:rPr lang="en-US" altLang="ko-KR" sz="1600" dirty="0" smtClean="0">
-                <a:latin typeface="삼성긴고딕OTF Bold" panose="020B0600000101010101" pitchFamily="34" charset="-127"/>
-                <a:ea typeface="삼성긴고딕OTF Bold" panose="020B0600000101010101" pitchFamily="34" charset="-127"/>
-              </a:rPr>
-            </a:br>
-            <a:r>
-              <a:rPr lang="ko-KR" altLang="en-US" sz="1600" dirty="0" smtClean="0">
-                <a:latin typeface="삼성긴고딕OTF Bold" panose="020B0600000101010101" pitchFamily="34" charset="-127"/>
-                <a:ea typeface="삼성긴고딕OTF Bold" panose="020B0600000101010101" pitchFamily="34" charset="-127"/>
-              </a:rPr>
-              <a:t>바람직한 상태</a:t>
-            </a:r>
-            <a:r>
-              <a:rPr lang="en-US" altLang="ko-KR" sz="1600" dirty="0" smtClean="0">
-                <a:latin typeface="삼성긴고딕OTF Bold" panose="020B0600000101010101" pitchFamily="34" charset="-127"/>
-                <a:ea typeface="삼성긴고딕OTF Bold" panose="020B0600000101010101" pitchFamily="34" charset="-127"/>
-              </a:rPr>
-              <a:t/>
-            </a:r>
-            <a:br>
-              <a:rPr lang="en-US" altLang="ko-KR" sz="1600" dirty="0" smtClean="0">
-                <a:latin typeface="삼성긴고딕OTF Bold" panose="020B0600000101010101" pitchFamily="34" charset="-127"/>
-                <a:ea typeface="삼성긴고딕OTF Bold" panose="020B0600000101010101" pitchFamily="34" charset="-127"/>
-              </a:rPr>
-            </a:br>
-            <a:r>
-              <a:rPr lang="en-US" altLang="ko-KR" sz="1600" dirty="0" smtClean="0">
-                <a:latin typeface="삼성긴고딕OTF Bold" panose="020B0600000101010101" pitchFamily="34" charset="-127"/>
-                <a:ea typeface="삼성긴고딕OTF Bold" panose="020B0600000101010101" pitchFamily="34" charset="-127"/>
-              </a:rPr>
-              <a:t>(Desired State)</a:t>
-            </a:r>
-            <a:endParaRPr lang="ko-KR" altLang="en-US" sz="1600" dirty="0">
+            <a:endParaRPr lang="ko-KR" altLang="en-US" sz="1400" dirty="0">
+              <a:solidFill>
+                <a:schemeClr val="tx1">
+                  <a:lumMod val="75000"/>
+                  <a:lumOff val="25000"/>
+                </a:schemeClr>
+              </a:solidFill>
               <a:latin typeface="삼성긴고딕OTF Bold" panose="020B0600000101010101" pitchFamily="34" charset="-127"/>
               <a:ea typeface="삼성긴고딕OTF Bold" panose="020B0600000101010101" pitchFamily="34" charset="-127"/>
             </a:endParaRPr>
@@ -6398,6 +6838,13 @@
   <p:clrMapOvr>
     <a:masterClrMapping/>
   </p:clrMapOvr>
+  <p:timing>
+    <p:tnLst>
+      <p:par>
+        <p:cTn id="1" dur="indefinite" restart="never" nodeType="tmRoot"/>
+      </p:par>
+    </p:tnLst>
+  </p:timing>
 </p:sld>
 </file>
 

--- a/markdown_image.pptx
+++ b/markdown_image.pptx
@@ -5,7 +5,7 @@
     <p:sldMasterId id="2147483648" r:id="rId1"/>
   </p:sldMasterIdLst>
   <p:notesMasterIdLst>
-    <p:notesMasterId r:id="rId12"/>
+    <p:notesMasterId r:id="rId13"/>
   </p:notesMasterIdLst>
   <p:sldIdLst>
     <p:sldId id="256" r:id="rId2"/>
@@ -18,6 +18,7 @@
     <p:sldId id="261" r:id="rId9"/>
     <p:sldId id="265" r:id="rId10"/>
     <p:sldId id="266" r:id="rId11"/>
+    <p:sldId id="267" r:id="rId12"/>
   </p:sldIdLst>
   <p:sldSz cx="12192000" cy="6858000"/>
   <p:notesSz cx="6858000" cy="9144000"/>
@@ -206,7 +207,7 @@
           <a:p>
             <a:fld id="{06073691-9509-499D-804B-789F8428B2A1}" type="datetimeFigureOut">
               <a:rPr lang="ko-KR" altLang="en-US" smtClean="0"/>
-              <a:t>2023-03-21</a:t>
+              <a:t>2023-03-26</a:t>
             </a:fld>
             <a:endParaRPr lang="ko-KR" altLang="en-US"/>
           </a:p>
@@ -773,7 +774,7 @@
           <a:p>
             <a:fld id="{0CB960C3-B77A-4865-944D-F41BAAC8ADB3}" type="datetimeFigureOut">
               <a:rPr lang="ko-KR" altLang="en-US" smtClean="0"/>
-              <a:t>2023-03-21</a:t>
+              <a:t>2023-03-26</a:t>
             </a:fld>
             <a:endParaRPr lang="ko-KR" altLang="en-US"/>
           </a:p>
@@ -943,7 +944,7 @@
           <a:p>
             <a:fld id="{0CB960C3-B77A-4865-944D-F41BAAC8ADB3}" type="datetimeFigureOut">
               <a:rPr lang="ko-KR" altLang="en-US" smtClean="0"/>
-              <a:t>2023-03-21</a:t>
+              <a:t>2023-03-26</a:t>
             </a:fld>
             <a:endParaRPr lang="ko-KR" altLang="en-US"/>
           </a:p>
@@ -1123,7 +1124,7 @@
           <a:p>
             <a:fld id="{0CB960C3-B77A-4865-944D-F41BAAC8ADB3}" type="datetimeFigureOut">
               <a:rPr lang="ko-KR" altLang="en-US" smtClean="0"/>
-              <a:t>2023-03-21</a:t>
+              <a:t>2023-03-26</a:t>
             </a:fld>
             <a:endParaRPr lang="ko-KR" altLang="en-US"/>
           </a:p>
@@ -1293,7 +1294,7 @@
           <a:p>
             <a:fld id="{0CB960C3-B77A-4865-944D-F41BAAC8ADB3}" type="datetimeFigureOut">
               <a:rPr lang="ko-KR" altLang="en-US" smtClean="0"/>
-              <a:t>2023-03-21</a:t>
+              <a:t>2023-03-26</a:t>
             </a:fld>
             <a:endParaRPr lang="ko-KR" altLang="en-US"/>
           </a:p>
@@ -1539,7 +1540,7 @@
           <a:p>
             <a:fld id="{0CB960C3-B77A-4865-944D-F41BAAC8ADB3}" type="datetimeFigureOut">
               <a:rPr lang="ko-KR" altLang="en-US" smtClean="0"/>
-              <a:t>2023-03-21</a:t>
+              <a:t>2023-03-26</a:t>
             </a:fld>
             <a:endParaRPr lang="ko-KR" altLang="en-US"/>
           </a:p>
@@ -1771,7 +1772,7 @@
           <a:p>
             <a:fld id="{0CB960C3-B77A-4865-944D-F41BAAC8ADB3}" type="datetimeFigureOut">
               <a:rPr lang="ko-KR" altLang="en-US" smtClean="0"/>
-              <a:t>2023-03-21</a:t>
+              <a:t>2023-03-26</a:t>
             </a:fld>
             <a:endParaRPr lang="ko-KR" altLang="en-US"/>
           </a:p>
@@ -2138,7 +2139,7 @@
           <a:p>
             <a:fld id="{0CB960C3-B77A-4865-944D-F41BAAC8ADB3}" type="datetimeFigureOut">
               <a:rPr lang="ko-KR" altLang="en-US" smtClean="0"/>
-              <a:t>2023-03-21</a:t>
+              <a:t>2023-03-26</a:t>
             </a:fld>
             <a:endParaRPr lang="ko-KR" altLang="en-US"/>
           </a:p>
@@ -2256,7 +2257,7 @@
           <a:p>
             <a:fld id="{0CB960C3-B77A-4865-944D-F41BAAC8ADB3}" type="datetimeFigureOut">
               <a:rPr lang="ko-KR" altLang="en-US" smtClean="0"/>
-              <a:t>2023-03-21</a:t>
+              <a:t>2023-03-26</a:t>
             </a:fld>
             <a:endParaRPr lang="ko-KR" altLang="en-US"/>
           </a:p>
@@ -2351,7 +2352,7 @@
           <a:p>
             <a:fld id="{0CB960C3-B77A-4865-944D-F41BAAC8ADB3}" type="datetimeFigureOut">
               <a:rPr lang="ko-KR" altLang="en-US" smtClean="0"/>
-              <a:t>2023-03-21</a:t>
+              <a:t>2023-03-26</a:t>
             </a:fld>
             <a:endParaRPr lang="ko-KR" altLang="en-US"/>
           </a:p>
@@ -2628,7 +2629,7 @@
           <a:p>
             <a:fld id="{0CB960C3-B77A-4865-944D-F41BAAC8ADB3}" type="datetimeFigureOut">
               <a:rPr lang="ko-KR" altLang="en-US" smtClean="0"/>
-              <a:t>2023-03-21</a:t>
+              <a:t>2023-03-26</a:t>
             </a:fld>
             <a:endParaRPr lang="ko-KR" altLang="en-US"/>
           </a:p>
@@ -2881,7 +2882,7 @@
           <a:p>
             <a:fld id="{0CB960C3-B77A-4865-944D-F41BAAC8ADB3}" type="datetimeFigureOut">
               <a:rPr lang="ko-KR" altLang="en-US" smtClean="0"/>
-              <a:t>2023-03-21</a:t>
+              <a:t>2023-03-26</a:t>
             </a:fld>
             <a:endParaRPr lang="ko-KR" altLang="en-US"/>
           </a:p>
@@ -3094,7 +3095,7 @@
           <a:p>
             <a:fld id="{0CB960C3-B77A-4865-944D-F41BAAC8ADB3}" type="datetimeFigureOut">
               <a:rPr lang="ko-KR" altLang="en-US" smtClean="0"/>
-              <a:t>2023-03-21</a:t>
+              <a:t>2023-03-26</a:t>
             </a:fld>
             <a:endParaRPr lang="ko-KR" altLang="en-US"/>
           </a:p>
@@ -5830,7 +5831,7 @@
         </p:nvGrpSpPr>
         <p:grpSpPr>
           <a:xfrm>
-            <a:off x="259469" y="264187"/>
+            <a:off x="-17372" y="264187"/>
             <a:ext cx="8457551" cy="3748099"/>
             <a:chOff x="1588649" y="1254001"/>
             <a:chExt cx="8457551" cy="3748099"/>
@@ -6196,8 +6197,8 @@
             </a:p>
           </p:txBody>
         </p:sp>
-        <mc:AlternateContent xmlns:mc="http://schemas.openxmlformats.org/markup-compatibility/2006">
-          <mc:Choice xmlns:a14="http://schemas.microsoft.com/office/drawing/2010/main" Requires="a14">
+        <mc:AlternateContent xmlns:mc="http://schemas.openxmlformats.org/markup-compatibility/2006" xmlns:a14="http://schemas.microsoft.com/office/drawing/2010/main">
+          <mc:Choice Requires="a14">
             <p:sp>
               <p:nvSpPr>
                 <p:cNvPr id="31" name="TextBox 30"/>
@@ -6336,7 +6337,7 @@
               </p:txBody>
             </p:sp>
           </mc:Choice>
-          <mc:Fallback>
+          <mc:Fallback xmlns="">
             <p:sp>
               <p:nvSpPr>
                 <p:cNvPr id="31" name="TextBox 30"/>
@@ -6504,181 +6505,937 @@
           </p:txBody>
         </p:sp>
       </p:grpSp>
-      <p:pic>
-        <p:nvPicPr>
-          <p:cNvPr id="26" name="Shape 711"/>
-          <p:cNvPicPr preferRelativeResize="0"/>
+      <p:grpSp>
+        <p:nvGrpSpPr>
+          <p:cNvPr id="2" name="그룹 1"/>
+          <p:cNvGrpSpPr/>
           <p:nvPr/>
-        </p:nvPicPr>
-        <p:blipFill>
-          <a:blip r:embed="rId3">
-            <a:alphaModFix/>
-          </a:blip>
-          <a:stretch>
-            <a:fillRect/>
-          </a:stretch>
-        </p:blipFill>
+        </p:nvGrpSpPr>
+        <p:grpSpPr>
+          <a:xfrm>
+            <a:off x="426169" y="4297241"/>
+            <a:ext cx="4062075" cy="2093968"/>
+            <a:chOff x="2169146" y="4297241"/>
+            <a:chExt cx="4062075" cy="2093968"/>
+          </a:xfrm>
+        </p:grpSpPr>
+        <p:pic>
+          <p:nvPicPr>
+            <p:cNvPr id="26" name="Shape 711"/>
+            <p:cNvPicPr preferRelativeResize="0"/>
+            <p:nvPr/>
+          </p:nvPicPr>
+          <p:blipFill>
+            <a:blip r:embed="rId3">
+              <a:alphaModFix/>
+            </a:blip>
+            <a:stretch>
+              <a:fillRect/>
+            </a:stretch>
+          </p:blipFill>
+          <p:spPr>
+            <a:xfrm>
+              <a:off x="2169146" y="5671209"/>
+              <a:ext cx="720000" cy="720000"/>
+            </a:xfrm>
+            <a:prstGeom prst="rect">
+              <a:avLst/>
+            </a:prstGeom>
+            <a:noFill/>
+            <a:ln>
+              <a:noFill/>
+            </a:ln>
+          </p:spPr>
+        </p:pic>
+        <p:pic>
+          <p:nvPicPr>
+            <p:cNvPr id="27" name="Shape 711"/>
+            <p:cNvPicPr preferRelativeResize="0"/>
+            <p:nvPr/>
+          </p:nvPicPr>
+          <p:blipFill>
+            <a:blip r:embed="rId3">
+              <a:alphaModFix/>
+            </a:blip>
+            <a:stretch>
+              <a:fillRect/>
+            </a:stretch>
+          </p:blipFill>
+          <p:spPr>
+            <a:xfrm>
+              <a:off x="3283171" y="5671209"/>
+              <a:ext cx="720000" cy="720000"/>
+            </a:xfrm>
+            <a:prstGeom prst="rect">
+              <a:avLst/>
+            </a:prstGeom>
+            <a:noFill/>
+            <a:ln>
+              <a:noFill/>
+            </a:ln>
+          </p:spPr>
+        </p:pic>
+        <p:pic>
+          <p:nvPicPr>
+            <p:cNvPr id="28" name="Shape 711"/>
+            <p:cNvPicPr preferRelativeResize="0"/>
+            <p:nvPr/>
+          </p:nvPicPr>
+          <p:blipFill>
+            <a:blip r:embed="rId3">
+              <a:alphaModFix/>
+            </a:blip>
+            <a:stretch>
+              <a:fillRect/>
+            </a:stretch>
+          </p:blipFill>
+          <p:spPr>
+            <a:xfrm>
+              <a:off x="4397196" y="5671209"/>
+              <a:ext cx="720000" cy="720000"/>
+            </a:xfrm>
+            <a:prstGeom prst="rect">
+              <a:avLst/>
+            </a:prstGeom>
+            <a:noFill/>
+            <a:ln>
+              <a:noFill/>
+            </a:ln>
+          </p:spPr>
+        </p:pic>
+        <p:pic>
+          <p:nvPicPr>
+            <p:cNvPr id="29" name="Shape 711"/>
+            <p:cNvPicPr preferRelativeResize="0"/>
+            <p:nvPr/>
+          </p:nvPicPr>
+          <p:blipFill>
+            <a:blip r:embed="rId3">
+              <a:alphaModFix/>
+            </a:blip>
+            <a:stretch>
+              <a:fillRect/>
+            </a:stretch>
+          </p:blipFill>
+          <p:spPr>
+            <a:xfrm>
+              <a:off x="5511221" y="5671209"/>
+              <a:ext cx="720000" cy="720000"/>
+            </a:xfrm>
+            <a:prstGeom prst="rect">
+              <a:avLst/>
+            </a:prstGeom>
+            <a:noFill/>
+            <a:ln>
+              <a:noFill/>
+            </a:ln>
+          </p:spPr>
+        </p:pic>
+        <p:pic>
+          <p:nvPicPr>
+            <p:cNvPr id="33" name="Shape 82"/>
+            <p:cNvPicPr preferRelativeResize="0"/>
+            <p:nvPr/>
+          </p:nvPicPr>
+          <p:blipFill>
+            <a:blip r:embed="rId4">
+              <a:alphaModFix/>
+            </a:blip>
+            <a:stretch>
+              <a:fillRect/>
+            </a:stretch>
+          </p:blipFill>
+          <p:spPr>
+            <a:xfrm>
+              <a:off x="3841668" y="4297241"/>
+              <a:ext cx="720000" cy="720000"/>
+            </a:xfrm>
+            <a:prstGeom prst="rect">
+              <a:avLst/>
+            </a:prstGeom>
+            <a:noFill/>
+            <a:ln>
+              <a:noFill/>
+            </a:ln>
+          </p:spPr>
+        </p:pic>
+        <p:sp>
+          <p:nvSpPr>
+            <p:cNvPr id="23" name="오른쪽 중괄호 22"/>
+            <p:cNvSpPr/>
+            <p:nvPr/>
+          </p:nvSpPr>
+          <p:spPr>
+            <a:xfrm rot="16200000">
+              <a:off x="4053493" y="3642013"/>
+              <a:ext cx="274320" cy="3323014"/>
+            </a:xfrm>
+            <a:prstGeom prst="rightBrace">
+              <a:avLst/>
+            </a:prstGeom>
+            <a:ln w="19050">
+              <a:solidFill>
+                <a:schemeClr val="tx1">
+                  <a:lumMod val="65000"/>
+                  <a:lumOff val="35000"/>
+                </a:schemeClr>
+              </a:solidFill>
+            </a:ln>
+          </p:spPr>
+          <p:style>
+            <a:lnRef idx="1">
+              <a:schemeClr val="accent1"/>
+            </a:lnRef>
+            <a:fillRef idx="0">
+              <a:schemeClr val="accent1"/>
+            </a:fillRef>
+            <a:effectRef idx="0">
+              <a:schemeClr val="accent1"/>
+            </a:effectRef>
+            <a:fontRef idx="minor">
+              <a:schemeClr val="tx1"/>
+            </a:fontRef>
+          </p:style>
+          <p:txBody>
+            <a:bodyPr rtlCol="0" anchor="ctr"/>
+            <a:lstStyle/>
+            <a:p>
+              <a:pPr algn="ctr"/>
+              <a:endParaRPr lang="ko-KR" altLang="en-US"/>
+            </a:p>
+          </p:txBody>
+        </p:sp>
+        <p:cxnSp>
+          <p:nvCxnSpPr>
+            <p:cNvPr id="35" name="직선 연결선 34"/>
+            <p:cNvCxnSpPr/>
+            <p:nvPr/>
+          </p:nvCxnSpPr>
+          <p:spPr>
+            <a:xfrm>
+              <a:off x="4754880" y="5311209"/>
+              <a:ext cx="0" cy="144000"/>
+            </a:xfrm>
+            <a:prstGeom prst="line">
+              <a:avLst/>
+            </a:prstGeom>
+            <a:ln w="19050">
+              <a:solidFill>
+                <a:schemeClr val="tx1">
+                  <a:lumMod val="65000"/>
+                  <a:lumOff val="35000"/>
+                </a:schemeClr>
+              </a:solidFill>
+            </a:ln>
+          </p:spPr>
+          <p:style>
+            <a:lnRef idx="1">
+              <a:schemeClr val="accent1"/>
+            </a:lnRef>
+            <a:fillRef idx="0">
+              <a:schemeClr val="accent1"/>
+            </a:fillRef>
+            <a:effectRef idx="0">
+              <a:schemeClr val="accent1"/>
+            </a:effectRef>
+            <a:fontRef idx="minor">
+              <a:schemeClr val="tx1"/>
+            </a:fontRef>
+          </p:style>
+        </p:cxnSp>
+        <p:cxnSp>
+          <p:nvCxnSpPr>
+            <p:cNvPr id="36" name="직선 연결선 35"/>
+            <p:cNvCxnSpPr/>
+            <p:nvPr/>
+          </p:nvCxnSpPr>
+          <p:spPr>
+            <a:xfrm>
+              <a:off x="3666744" y="5311209"/>
+              <a:ext cx="0" cy="144000"/>
+            </a:xfrm>
+            <a:prstGeom prst="line">
+              <a:avLst/>
+            </a:prstGeom>
+            <a:ln w="19050">
+              <a:solidFill>
+                <a:schemeClr val="tx1">
+                  <a:lumMod val="65000"/>
+                  <a:lumOff val="35000"/>
+                </a:schemeClr>
+              </a:solidFill>
+            </a:ln>
+          </p:spPr>
+          <p:style>
+            <a:lnRef idx="1">
+              <a:schemeClr val="accent1"/>
+            </a:lnRef>
+            <a:fillRef idx="0">
+              <a:schemeClr val="accent1"/>
+            </a:fillRef>
+            <a:effectRef idx="0">
+              <a:schemeClr val="accent1"/>
+            </a:effectRef>
+            <a:fontRef idx="minor">
+              <a:schemeClr val="tx1"/>
+            </a:fontRef>
+          </p:style>
+        </p:cxnSp>
+        <p:sp>
+          <p:nvSpPr>
+            <p:cNvPr id="37" name="TextBox 36"/>
+            <p:cNvSpPr txBox="1"/>
+            <p:nvPr/>
+          </p:nvSpPr>
+          <p:spPr>
+            <a:xfrm>
+              <a:off x="4631196" y="4597164"/>
+              <a:ext cx="972000" cy="215444"/>
+            </a:xfrm>
+            <a:prstGeom prst="rect">
+              <a:avLst/>
+            </a:prstGeom>
+            <a:noFill/>
+          </p:spPr>
+          <p:txBody>
+            <a:bodyPr wrap="square" lIns="0" tIns="0" rIns="0" bIns="0" rtlCol="0">
+              <a:spAutoFit/>
+            </a:bodyPr>
+            <a:lstStyle/>
+            <a:p>
+              <a:pPr algn="ctr"/>
+              <a:r>
+                <a:rPr lang="en-US" altLang="ko-KR" sz="1400" dirty="0" smtClean="0">
+                  <a:solidFill>
+                    <a:schemeClr val="tx1">
+                      <a:lumMod val="75000"/>
+                      <a:lumOff val="25000"/>
+                    </a:schemeClr>
+                  </a:solidFill>
+                  <a:latin typeface="삼성긴고딕OTF Bold" panose="020B0600000101010101" pitchFamily="34" charset="-127"/>
+                  <a:ea typeface="삼성긴고딕OTF Bold" panose="020B0600000101010101" pitchFamily="34" charset="-127"/>
+                </a:rPr>
+                <a:t>replicas = 4</a:t>
+              </a:r>
+              <a:endParaRPr lang="ko-KR" altLang="en-US" sz="1400" dirty="0">
+                <a:solidFill>
+                  <a:schemeClr val="tx1">
+                    <a:lumMod val="75000"/>
+                    <a:lumOff val="25000"/>
+                  </a:schemeClr>
+                </a:solidFill>
+                <a:latin typeface="삼성긴고딕OTF Bold" panose="020B0600000101010101" pitchFamily="34" charset="-127"/>
+                <a:ea typeface="삼성긴고딕OTF Bold" panose="020B0600000101010101" pitchFamily="34" charset="-127"/>
+              </a:endParaRPr>
+            </a:p>
+          </p:txBody>
+        </p:sp>
+      </p:grpSp>
+      <p:grpSp>
+        <p:nvGrpSpPr>
+          <p:cNvPr id="3" name="그룹 2"/>
+          <p:cNvGrpSpPr/>
+          <p:nvPr/>
+        </p:nvGrpSpPr>
+        <p:grpSpPr>
+          <a:xfrm>
+            <a:off x="6510528" y="4194900"/>
+            <a:ext cx="5158224" cy="2491560"/>
+            <a:chOff x="338328" y="218862"/>
+            <a:chExt cx="5158224" cy="2491560"/>
+          </a:xfrm>
+        </p:grpSpPr>
+        <p:sp>
+          <p:nvSpPr>
+            <p:cNvPr id="24" name="모서리가 둥근 직사각형 23"/>
+            <p:cNvSpPr/>
+            <p:nvPr/>
+          </p:nvSpPr>
+          <p:spPr>
+            <a:xfrm>
+              <a:off x="338328" y="218862"/>
+              <a:ext cx="1080000" cy="720000"/>
+            </a:xfrm>
+            <a:prstGeom prst="roundRect">
+              <a:avLst/>
+            </a:prstGeom>
+            <a:noFill/>
+            <a:ln>
+              <a:solidFill>
+                <a:schemeClr val="tx1"/>
+              </a:solidFill>
+            </a:ln>
+          </p:spPr>
+          <p:style>
+            <a:lnRef idx="2">
+              <a:schemeClr val="accent1">
+                <a:shade val="50000"/>
+              </a:schemeClr>
+            </a:lnRef>
+            <a:fillRef idx="1">
+              <a:schemeClr val="accent1"/>
+            </a:fillRef>
+            <a:effectRef idx="0">
+              <a:schemeClr val="accent1"/>
+            </a:effectRef>
+            <a:fontRef idx="minor">
+              <a:schemeClr val="lt1"/>
+            </a:fontRef>
+          </p:style>
+          <p:txBody>
+            <a:bodyPr rtlCol="0" anchor="ctr"/>
+            <a:lstStyle/>
+            <a:p>
+              <a:pPr algn="ctr"/>
+              <a:r>
+                <a:rPr lang="en-US" altLang="ko-KR" sz="1600" dirty="0" smtClean="0">
+                  <a:solidFill>
+                    <a:schemeClr val="tx1"/>
+                  </a:solidFill>
+                  <a:latin typeface="삼성긴고딕OTF Medium" panose="020B0600000101010101" pitchFamily="34" charset="-127"/>
+                  <a:ea typeface="삼성긴고딕OTF Medium" panose="020B0600000101010101" pitchFamily="34" charset="-127"/>
+                </a:rPr>
+                <a:t>client</a:t>
+              </a:r>
+              <a:endParaRPr lang="ko-KR" altLang="en-US" sz="1600" dirty="0">
+                <a:solidFill>
+                  <a:schemeClr val="tx1"/>
+                </a:solidFill>
+                <a:latin typeface="삼성긴고딕OTF Medium" panose="020B0600000101010101" pitchFamily="34" charset="-127"/>
+                <a:ea typeface="삼성긴고딕OTF Medium" panose="020B0600000101010101" pitchFamily="34" charset="-127"/>
+              </a:endParaRPr>
+            </a:p>
+          </p:txBody>
+        </p:sp>
+        <p:sp>
+          <p:nvSpPr>
+            <p:cNvPr id="25" name="모서리가 둥근 직사각형 24"/>
+            <p:cNvSpPr/>
+            <p:nvPr/>
+          </p:nvSpPr>
+          <p:spPr>
+            <a:xfrm>
+              <a:off x="338328" y="1104642"/>
+              <a:ext cx="1080000" cy="720000"/>
+            </a:xfrm>
+            <a:prstGeom prst="roundRect">
+              <a:avLst/>
+            </a:prstGeom>
+            <a:noFill/>
+            <a:ln>
+              <a:solidFill>
+                <a:schemeClr val="tx1"/>
+              </a:solidFill>
+            </a:ln>
+          </p:spPr>
+          <p:style>
+            <a:lnRef idx="2">
+              <a:schemeClr val="accent1">
+                <a:shade val="50000"/>
+              </a:schemeClr>
+            </a:lnRef>
+            <a:fillRef idx="1">
+              <a:schemeClr val="accent1"/>
+            </a:fillRef>
+            <a:effectRef idx="0">
+              <a:schemeClr val="accent1"/>
+            </a:effectRef>
+            <a:fontRef idx="minor">
+              <a:schemeClr val="lt1"/>
+            </a:fontRef>
+          </p:style>
+          <p:txBody>
+            <a:bodyPr rtlCol="0" anchor="ctr"/>
+            <a:lstStyle/>
+            <a:p>
+              <a:pPr algn="ctr"/>
+              <a:r>
+                <a:rPr lang="en-US" altLang="ko-KR" sz="1600" dirty="0" smtClean="0">
+                  <a:solidFill>
+                    <a:schemeClr val="tx1"/>
+                  </a:solidFill>
+                  <a:latin typeface="삼성긴고딕OTF Medium" panose="020B0600000101010101" pitchFamily="34" charset="-127"/>
+                  <a:ea typeface="삼성긴고딕OTF Medium" panose="020B0600000101010101" pitchFamily="34" charset="-127"/>
+                </a:rPr>
+                <a:t>client</a:t>
+              </a:r>
+              <a:endParaRPr lang="ko-KR" altLang="en-US" sz="1600" dirty="0">
+                <a:solidFill>
+                  <a:schemeClr val="tx1"/>
+                </a:solidFill>
+                <a:latin typeface="삼성긴고딕OTF Medium" panose="020B0600000101010101" pitchFamily="34" charset="-127"/>
+                <a:ea typeface="삼성긴고딕OTF Medium" panose="020B0600000101010101" pitchFamily="34" charset="-127"/>
+              </a:endParaRPr>
+            </a:p>
+          </p:txBody>
+        </p:sp>
+        <p:sp>
+          <p:nvSpPr>
+            <p:cNvPr id="34" name="모서리가 둥근 직사각형 33"/>
+            <p:cNvSpPr/>
+            <p:nvPr/>
+          </p:nvSpPr>
+          <p:spPr>
+            <a:xfrm>
+              <a:off x="338328" y="1990422"/>
+              <a:ext cx="1080000" cy="720000"/>
+            </a:xfrm>
+            <a:prstGeom prst="roundRect">
+              <a:avLst/>
+            </a:prstGeom>
+            <a:noFill/>
+            <a:ln>
+              <a:solidFill>
+                <a:schemeClr val="tx1"/>
+              </a:solidFill>
+            </a:ln>
+          </p:spPr>
+          <p:style>
+            <a:lnRef idx="2">
+              <a:schemeClr val="accent1">
+                <a:shade val="50000"/>
+              </a:schemeClr>
+            </a:lnRef>
+            <a:fillRef idx="1">
+              <a:schemeClr val="accent1"/>
+            </a:fillRef>
+            <a:effectRef idx="0">
+              <a:schemeClr val="accent1"/>
+            </a:effectRef>
+            <a:fontRef idx="minor">
+              <a:schemeClr val="lt1"/>
+            </a:fontRef>
+          </p:style>
+          <p:txBody>
+            <a:bodyPr rtlCol="0" anchor="ctr"/>
+            <a:lstStyle/>
+            <a:p>
+              <a:pPr algn="ctr"/>
+              <a:r>
+                <a:rPr lang="en-US" altLang="ko-KR" sz="1600" dirty="0" smtClean="0">
+                  <a:solidFill>
+                    <a:schemeClr val="tx1"/>
+                  </a:solidFill>
+                  <a:latin typeface="삼성긴고딕OTF Medium" panose="020B0600000101010101" pitchFamily="34" charset="-127"/>
+                  <a:ea typeface="삼성긴고딕OTF Medium" panose="020B0600000101010101" pitchFamily="34" charset="-127"/>
+                </a:rPr>
+                <a:t>client</a:t>
+              </a:r>
+              <a:endParaRPr lang="ko-KR" altLang="en-US" sz="1600" dirty="0">
+                <a:solidFill>
+                  <a:schemeClr val="tx1"/>
+                </a:solidFill>
+                <a:latin typeface="삼성긴고딕OTF Medium" panose="020B0600000101010101" pitchFamily="34" charset="-127"/>
+                <a:ea typeface="삼성긴고딕OTF Medium" panose="020B0600000101010101" pitchFamily="34" charset="-127"/>
+              </a:endParaRPr>
+            </a:p>
+          </p:txBody>
+        </p:sp>
+        <p:sp>
+          <p:nvSpPr>
+            <p:cNvPr id="38" name="모서리가 둥근 직사각형 37"/>
+            <p:cNvSpPr/>
+            <p:nvPr/>
+          </p:nvSpPr>
+          <p:spPr>
+            <a:xfrm>
+              <a:off x="2377440" y="218862"/>
+              <a:ext cx="1080000" cy="2491560"/>
+            </a:xfrm>
+            <a:prstGeom prst="roundRect">
+              <a:avLst/>
+            </a:prstGeom>
+            <a:solidFill>
+              <a:schemeClr val="accent6">
+                <a:lumMod val="20000"/>
+                <a:lumOff val="80000"/>
+              </a:schemeClr>
+            </a:solidFill>
+            <a:ln>
+              <a:solidFill>
+                <a:schemeClr val="tx1"/>
+              </a:solidFill>
+            </a:ln>
+          </p:spPr>
+          <p:style>
+            <a:lnRef idx="2">
+              <a:schemeClr val="accent1">
+                <a:shade val="50000"/>
+              </a:schemeClr>
+            </a:lnRef>
+            <a:fillRef idx="1">
+              <a:schemeClr val="accent1"/>
+            </a:fillRef>
+            <a:effectRef idx="0">
+              <a:schemeClr val="accent1"/>
+            </a:effectRef>
+            <a:fontRef idx="minor">
+              <a:schemeClr val="lt1"/>
+            </a:fontRef>
+          </p:style>
+          <p:txBody>
+            <a:bodyPr rtlCol="0" anchor="ctr"/>
+            <a:lstStyle/>
+            <a:p>
+              <a:pPr algn="ctr"/>
+              <a:r>
+                <a:rPr lang="en-US" altLang="ko-KR" sz="1600" dirty="0" smtClean="0">
+                  <a:solidFill>
+                    <a:schemeClr val="tx1"/>
+                  </a:solidFill>
+                  <a:latin typeface="삼성긴고딕OTF Medium" panose="020B0600000101010101" pitchFamily="34" charset="-127"/>
+                  <a:ea typeface="삼성긴고딕OTF Medium" panose="020B0600000101010101" pitchFamily="34" charset="-127"/>
+                </a:rPr>
+                <a:t>Proxy</a:t>
+              </a:r>
+              <a:br>
+                <a:rPr lang="en-US" altLang="ko-KR" sz="1600" dirty="0" smtClean="0">
+                  <a:solidFill>
+                    <a:schemeClr val="tx1"/>
+                  </a:solidFill>
+                  <a:latin typeface="삼성긴고딕OTF Medium" panose="020B0600000101010101" pitchFamily="34" charset="-127"/>
+                  <a:ea typeface="삼성긴고딕OTF Medium" panose="020B0600000101010101" pitchFamily="34" charset="-127"/>
+                </a:rPr>
+              </a:br>
+              <a:r>
+                <a:rPr lang="en-US" altLang="ko-KR" sz="1600" dirty="0" smtClean="0">
+                  <a:solidFill>
+                    <a:schemeClr val="tx1"/>
+                  </a:solidFill>
+                  <a:latin typeface="삼성긴고딕OTF Medium" panose="020B0600000101010101" pitchFamily="34" charset="-127"/>
+                  <a:ea typeface="삼성긴고딕OTF Medium" panose="020B0600000101010101" pitchFamily="34" charset="-127"/>
+                </a:rPr>
+                <a:t>Server</a:t>
+              </a:r>
+              <a:endParaRPr lang="ko-KR" altLang="en-US" sz="1600" dirty="0">
+                <a:solidFill>
+                  <a:schemeClr val="tx1"/>
+                </a:solidFill>
+                <a:latin typeface="삼성긴고딕OTF Medium" panose="020B0600000101010101" pitchFamily="34" charset="-127"/>
+                <a:ea typeface="삼성긴고딕OTF Medium" panose="020B0600000101010101" pitchFamily="34" charset="-127"/>
+              </a:endParaRPr>
+            </a:p>
+          </p:txBody>
+        </p:sp>
+        <p:sp>
+          <p:nvSpPr>
+            <p:cNvPr id="39" name="모서리가 둥근 직사각형 38"/>
+            <p:cNvSpPr/>
+            <p:nvPr/>
+          </p:nvSpPr>
+          <p:spPr>
+            <a:xfrm>
+              <a:off x="4416552" y="744642"/>
+              <a:ext cx="1080000" cy="1440000"/>
+            </a:xfrm>
+            <a:prstGeom prst="roundRect">
+              <a:avLst/>
+            </a:prstGeom>
+            <a:solidFill>
+              <a:schemeClr val="accent1">
+                <a:lumMod val="20000"/>
+                <a:lumOff val="80000"/>
+              </a:schemeClr>
+            </a:solidFill>
+            <a:ln>
+              <a:solidFill>
+                <a:schemeClr val="tx1"/>
+              </a:solidFill>
+            </a:ln>
+          </p:spPr>
+          <p:style>
+            <a:lnRef idx="2">
+              <a:schemeClr val="accent1">
+                <a:shade val="50000"/>
+              </a:schemeClr>
+            </a:lnRef>
+            <a:fillRef idx="1">
+              <a:schemeClr val="accent1"/>
+            </a:fillRef>
+            <a:effectRef idx="0">
+              <a:schemeClr val="accent1"/>
+            </a:effectRef>
+            <a:fontRef idx="minor">
+              <a:schemeClr val="lt1"/>
+            </a:fontRef>
+          </p:style>
+          <p:txBody>
+            <a:bodyPr rtlCol="0" anchor="ctr"/>
+            <a:lstStyle/>
+            <a:p>
+              <a:pPr algn="ctr"/>
+              <a:r>
+                <a:rPr lang="en-US" altLang="ko-KR" sz="1600" dirty="0" smtClean="0">
+                  <a:solidFill>
+                    <a:schemeClr val="tx1"/>
+                  </a:solidFill>
+                  <a:latin typeface="삼성긴고딕OTF Medium" panose="020B0600000101010101" pitchFamily="34" charset="-127"/>
+                  <a:ea typeface="삼성긴고딕OTF Medium" panose="020B0600000101010101" pitchFamily="34" charset="-127"/>
+                </a:rPr>
+                <a:t>Web</a:t>
+              </a:r>
+              <a:br>
+                <a:rPr lang="en-US" altLang="ko-KR" sz="1600" dirty="0" smtClean="0">
+                  <a:solidFill>
+                    <a:schemeClr val="tx1"/>
+                  </a:solidFill>
+                  <a:latin typeface="삼성긴고딕OTF Medium" panose="020B0600000101010101" pitchFamily="34" charset="-127"/>
+                  <a:ea typeface="삼성긴고딕OTF Medium" panose="020B0600000101010101" pitchFamily="34" charset="-127"/>
+                </a:rPr>
+              </a:br>
+              <a:r>
+                <a:rPr lang="en-US" altLang="ko-KR" sz="1600" dirty="0" smtClean="0">
+                  <a:solidFill>
+                    <a:schemeClr val="tx1"/>
+                  </a:solidFill>
+                  <a:latin typeface="삼성긴고딕OTF Medium" panose="020B0600000101010101" pitchFamily="34" charset="-127"/>
+                  <a:ea typeface="삼성긴고딕OTF Medium" panose="020B0600000101010101" pitchFamily="34" charset="-127"/>
+                </a:rPr>
+                <a:t>Server</a:t>
+              </a:r>
+              <a:endParaRPr lang="ko-KR" altLang="en-US" sz="1600" dirty="0">
+                <a:solidFill>
+                  <a:schemeClr val="tx1"/>
+                </a:solidFill>
+                <a:latin typeface="삼성긴고딕OTF Medium" panose="020B0600000101010101" pitchFamily="34" charset="-127"/>
+                <a:ea typeface="삼성긴고딕OTF Medium" panose="020B0600000101010101" pitchFamily="34" charset="-127"/>
+              </a:endParaRPr>
+            </a:p>
+          </p:txBody>
+        </p:sp>
+        <p:cxnSp>
+          <p:nvCxnSpPr>
+            <p:cNvPr id="40" name="직선 화살표 연결선 39"/>
+            <p:cNvCxnSpPr>
+              <a:stCxn id="24" idx="3"/>
+              <a:endCxn id="38" idx="1"/>
+            </p:cNvCxnSpPr>
+            <p:nvPr/>
+          </p:nvCxnSpPr>
+          <p:spPr>
+            <a:xfrm>
+              <a:off x="1418328" y="578862"/>
+              <a:ext cx="959112" cy="885780"/>
+            </a:xfrm>
+            <a:prstGeom prst="straightConnector1">
+              <a:avLst/>
+            </a:prstGeom>
+            <a:ln w="19050">
+              <a:solidFill>
+                <a:srgbClr val="CF6155"/>
+              </a:solidFill>
+              <a:headEnd type="triangle"/>
+              <a:tailEnd type="triangle"/>
+            </a:ln>
+          </p:spPr>
+          <p:style>
+            <a:lnRef idx="1">
+              <a:schemeClr val="accent1"/>
+            </a:lnRef>
+            <a:fillRef idx="0">
+              <a:schemeClr val="accent1"/>
+            </a:fillRef>
+            <a:effectRef idx="0">
+              <a:schemeClr val="accent1"/>
+            </a:effectRef>
+            <a:fontRef idx="minor">
+              <a:schemeClr val="tx1"/>
+            </a:fontRef>
+          </p:style>
+        </p:cxnSp>
+        <p:cxnSp>
+          <p:nvCxnSpPr>
+            <p:cNvPr id="41" name="직선 화살표 연결선 40"/>
+            <p:cNvCxnSpPr>
+              <a:stCxn id="25" idx="3"/>
+              <a:endCxn id="38" idx="1"/>
+            </p:cNvCxnSpPr>
+            <p:nvPr/>
+          </p:nvCxnSpPr>
+          <p:spPr>
+            <a:xfrm>
+              <a:off x="1418328" y="1464642"/>
+              <a:ext cx="959112" cy="0"/>
+            </a:xfrm>
+            <a:prstGeom prst="straightConnector1">
+              <a:avLst/>
+            </a:prstGeom>
+            <a:ln w="19050">
+              <a:solidFill>
+                <a:srgbClr val="CF6155"/>
+              </a:solidFill>
+              <a:headEnd type="triangle"/>
+              <a:tailEnd type="triangle"/>
+            </a:ln>
+          </p:spPr>
+          <p:style>
+            <a:lnRef idx="1">
+              <a:schemeClr val="accent1"/>
+            </a:lnRef>
+            <a:fillRef idx="0">
+              <a:schemeClr val="accent1"/>
+            </a:fillRef>
+            <a:effectRef idx="0">
+              <a:schemeClr val="accent1"/>
+            </a:effectRef>
+            <a:fontRef idx="minor">
+              <a:schemeClr val="tx1"/>
+            </a:fontRef>
+          </p:style>
+        </p:cxnSp>
+        <p:cxnSp>
+          <p:nvCxnSpPr>
+            <p:cNvPr id="42" name="직선 화살표 연결선 41"/>
+            <p:cNvCxnSpPr>
+              <a:stCxn id="34" idx="3"/>
+              <a:endCxn id="38" idx="1"/>
+            </p:cNvCxnSpPr>
+            <p:nvPr/>
+          </p:nvCxnSpPr>
+          <p:spPr>
+            <a:xfrm flipV="1">
+              <a:off x="1418328" y="1464642"/>
+              <a:ext cx="959112" cy="885780"/>
+            </a:xfrm>
+            <a:prstGeom prst="straightConnector1">
+              <a:avLst/>
+            </a:prstGeom>
+            <a:ln w="19050">
+              <a:solidFill>
+                <a:srgbClr val="CF6155"/>
+              </a:solidFill>
+              <a:headEnd type="triangle"/>
+              <a:tailEnd type="triangle"/>
+            </a:ln>
+          </p:spPr>
+          <p:style>
+            <a:lnRef idx="1">
+              <a:schemeClr val="accent1"/>
+            </a:lnRef>
+            <a:fillRef idx="0">
+              <a:schemeClr val="accent1"/>
+            </a:fillRef>
+            <a:effectRef idx="0">
+              <a:schemeClr val="accent1"/>
+            </a:effectRef>
+            <a:fontRef idx="minor">
+              <a:schemeClr val="tx1"/>
+            </a:fontRef>
+          </p:style>
+        </p:cxnSp>
+        <p:cxnSp>
+          <p:nvCxnSpPr>
+            <p:cNvPr id="43" name="직선 화살표 연결선 42"/>
+            <p:cNvCxnSpPr>
+              <a:stCxn id="38" idx="3"/>
+              <a:endCxn id="39" idx="1"/>
+            </p:cNvCxnSpPr>
+            <p:nvPr/>
+          </p:nvCxnSpPr>
+          <p:spPr>
+            <a:xfrm>
+              <a:off x="3457440" y="1464642"/>
+              <a:ext cx="959112" cy="0"/>
+            </a:xfrm>
+            <a:prstGeom prst="straightConnector1">
+              <a:avLst/>
+            </a:prstGeom>
+            <a:ln w="19050">
+              <a:solidFill>
+                <a:srgbClr val="CF6155"/>
+              </a:solidFill>
+              <a:headEnd type="triangle"/>
+              <a:tailEnd type="triangle"/>
+            </a:ln>
+          </p:spPr>
+          <p:style>
+            <a:lnRef idx="1">
+              <a:schemeClr val="accent1"/>
+            </a:lnRef>
+            <a:fillRef idx="0">
+              <a:schemeClr val="accent1"/>
+            </a:fillRef>
+            <a:effectRef idx="0">
+              <a:schemeClr val="accent1"/>
+            </a:effectRef>
+            <a:fontRef idx="minor">
+              <a:schemeClr val="tx1"/>
+            </a:fontRef>
+          </p:style>
+        </p:cxnSp>
+      </p:grpSp>
+    </p:spTree>
+    <p:extLst>
+      <p:ext uri="{BB962C8B-B14F-4D97-AF65-F5344CB8AC3E}">
+        <p14:creationId xmlns:p14="http://schemas.microsoft.com/office/powerpoint/2010/main" val="2862812699"/>
+      </p:ext>
+    </p:extLst>
+  </p:cSld>
+  <p:clrMapOvr>
+    <a:masterClrMapping/>
+  </p:clrMapOvr>
+  <p:timing>
+    <p:tnLst>
+      <p:par>
+        <p:cTn id="1" dur="indefinite" restart="never" nodeType="tmRoot"/>
+      </p:par>
+    </p:tnLst>
+  </p:timing>
+</p:sld>
+</file>
+
+<file path=ppt/slides/slide11.xml><?xml version="1.0" encoding="utf-8"?>
+<p:sld xmlns:a="http://schemas.openxmlformats.org/drawingml/2006/main" xmlns:r="http://schemas.openxmlformats.org/officeDocument/2006/relationships" xmlns:p="http://schemas.openxmlformats.org/presentationml/2006/main">
+  <p:cSld>
+    <p:spTree>
+      <p:nvGrpSpPr>
+        <p:cNvPr id="1" name=""/>
+        <p:cNvGrpSpPr/>
+        <p:nvPr/>
+      </p:nvGrpSpPr>
+      <p:grpSpPr>
+        <a:xfrm>
+          <a:off x="0" y="0"/>
+          <a:ext cx="0" cy="0"/>
+          <a:chOff x="0" y="0"/>
+          <a:chExt cx="0" cy="0"/>
+        </a:xfrm>
+      </p:grpSpPr>
+      <p:sp>
+        <p:nvSpPr>
+          <p:cNvPr id="37" name="모서리가 둥근 직사각형 36"/>
+          <p:cNvSpPr/>
+          <p:nvPr/>
+        </p:nvSpPr>
         <p:spPr>
           <a:xfrm>
-            <a:off x="2169146" y="5671209"/>
-            <a:ext cx="720000" cy="720000"/>
+            <a:off x="670734" y="197640"/>
+            <a:ext cx="900000" cy="720000"/>
           </a:xfrm>
-          <a:prstGeom prst="rect">
+          <a:prstGeom prst="roundRect">
             <a:avLst/>
           </a:prstGeom>
           <a:noFill/>
           <a:ln>
-            <a:noFill/>
-          </a:ln>
-        </p:spPr>
-      </p:pic>
-      <p:pic>
-        <p:nvPicPr>
-          <p:cNvPr id="27" name="Shape 711"/>
-          <p:cNvPicPr preferRelativeResize="0"/>
-          <p:nvPr/>
-        </p:nvPicPr>
-        <p:blipFill>
-          <a:blip r:embed="rId3">
-            <a:alphaModFix/>
-          </a:blip>
-          <a:stretch>
-            <a:fillRect/>
-          </a:stretch>
-        </p:blipFill>
-        <p:spPr>
-          <a:xfrm>
-            <a:off x="3283171" y="5671209"/>
-            <a:ext cx="720000" cy="720000"/>
-          </a:xfrm>
-          <a:prstGeom prst="rect">
-            <a:avLst/>
-          </a:prstGeom>
-          <a:noFill/>
-          <a:ln>
-            <a:noFill/>
-          </a:ln>
-        </p:spPr>
-      </p:pic>
-      <p:pic>
-        <p:nvPicPr>
-          <p:cNvPr id="28" name="Shape 711"/>
-          <p:cNvPicPr preferRelativeResize="0"/>
-          <p:nvPr/>
-        </p:nvPicPr>
-        <p:blipFill>
-          <a:blip r:embed="rId3">
-            <a:alphaModFix/>
-          </a:blip>
-          <a:stretch>
-            <a:fillRect/>
-          </a:stretch>
-        </p:blipFill>
-        <p:spPr>
-          <a:xfrm>
-            <a:off x="4397196" y="5671209"/>
-            <a:ext cx="720000" cy="720000"/>
-          </a:xfrm>
-          <a:prstGeom prst="rect">
-            <a:avLst/>
-          </a:prstGeom>
-          <a:noFill/>
-          <a:ln>
-            <a:noFill/>
-          </a:ln>
-        </p:spPr>
-      </p:pic>
-      <p:pic>
-        <p:nvPicPr>
-          <p:cNvPr id="29" name="Shape 711"/>
-          <p:cNvPicPr preferRelativeResize="0"/>
-          <p:nvPr/>
-        </p:nvPicPr>
-        <p:blipFill>
-          <a:blip r:embed="rId3">
-            <a:alphaModFix/>
-          </a:blip>
-          <a:stretch>
-            <a:fillRect/>
-          </a:stretch>
-        </p:blipFill>
-        <p:spPr>
-          <a:xfrm>
-            <a:off x="5511221" y="5671209"/>
-            <a:ext cx="720000" cy="720000"/>
-          </a:xfrm>
-          <a:prstGeom prst="rect">
-            <a:avLst/>
-          </a:prstGeom>
-          <a:noFill/>
-          <a:ln>
-            <a:noFill/>
-          </a:ln>
-        </p:spPr>
-      </p:pic>
-      <p:pic>
-        <p:nvPicPr>
-          <p:cNvPr id="33" name="Shape 82"/>
-          <p:cNvPicPr preferRelativeResize="0"/>
-          <p:nvPr/>
-        </p:nvPicPr>
-        <p:blipFill>
-          <a:blip r:embed="rId4">
-            <a:alphaModFix/>
-          </a:blip>
-          <a:stretch>
-            <a:fillRect/>
-          </a:stretch>
-        </p:blipFill>
-        <p:spPr>
-          <a:xfrm>
-            <a:off x="3841668" y="4297241"/>
-            <a:ext cx="720000" cy="720000"/>
-          </a:xfrm>
-          <a:prstGeom prst="rect">
-            <a:avLst/>
-          </a:prstGeom>
-          <a:noFill/>
-          <a:ln>
-            <a:noFill/>
-          </a:ln>
-        </p:spPr>
-      </p:pic>
-      <p:sp>
-        <p:nvSpPr>
-          <p:cNvPr id="23" name="오른쪽 중괄호 22"/>
-          <p:cNvSpPr/>
-          <p:nvPr/>
-        </p:nvSpPr>
-        <p:spPr>
-          <a:xfrm rot="16200000">
-            <a:off x="4053493" y="3642013"/>
-            <a:ext cx="274320" cy="3323014"/>
-          </a:xfrm>
-          <a:prstGeom prst="rightBrace">
-            <a:avLst/>
-          </a:prstGeom>
-          <a:ln w="19050">
             <a:solidFill>
-              <a:schemeClr val="tx1">
-                <a:lumMod val="65000"/>
-                <a:lumOff val="35000"/>
-              </a:schemeClr>
+              <a:schemeClr val="tx1"/>
             </a:solidFill>
           </a:ln>
         </p:spPr>
         <p:style>
-          <a:lnRef idx="1">
-            <a:schemeClr val="accent1"/>
+          <a:lnRef idx="2">
+            <a:schemeClr val="accent1">
+              <a:shade val="50000"/>
+            </a:schemeClr>
           </a:lnRef>
-          <a:fillRef idx="0">
+          <a:fillRef idx="1">
             <a:schemeClr val="accent1"/>
           </a:fillRef>
           <a:effectRef idx="0">
             <a:schemeClr val="accent1"/>
           </a:effectRef>
           <a:fontRef idx="minor">
-            <a:schemeClr val="tx1"/>
+            <a:schemeClr val="lt1"/>
           </a:fontRef>
         </p:style>
         <p:txBody>
@@ -6686,31 +7443,345 @@
           <a:lstStyle/>
           <a:p>
             <a:pPr algn="ctr"/>
-            <a:endParaRPr lang="ko-KR" altLang="en-US"/>
+            <a:r>
+              <a:rPr lang="en-US" altLang="ko-KR" sz="1600" dirty="0" smtClean="0">
+                <a:solidFill>
+                  <a:schemeClr val="tx1"/>
+                </a:solidFill>
+                <a:latin typeface="삼성긴고딕OTF Medium" panose="020B0600000101010101" pitchFamily="34" charset="-127"/>
+                <a:ea typeface="삼성긴고딕OTF Medium" panose="020B0600000101010101" pitchFamily="34" charset="-127"/>
+              </a:rPr>
+              <a:t>client</a:t>
+            </a:r>
+            <a:endParaRPr lang="ko-KR" altLang="en-US" sz="1600" dirty="0">
+              <a:solidFill>
+                <a:schemeClr val="tx1"/>
+              </a:solidFill>
+              <a:latin typeface="삼성긴고딕OTF Medium" panose="020B0600000101010101" pitchFamily="34" charset="-127"/>
+              <a:ea typeface="삼성긴고딕OTF Medium" panose="020B0600000101010101" pitchFamily="34" charset="-127"/>
+            </a:endParaRPr>
+          </a:p>
+        </p:txBody>
+      </p:sp>
+      <p:sp>
+        <p:nvSpPr>
+          <p:cNvPr id="38" name="모서리가 둥근 직사각형 37"/>
+          <p:cNvSpPr/>
+          <p:nvPr/>
+        </p:nvSpPr>
+        <p:spPr>
+          <a:xfrm>
+            <a:off x="670734" y="1083420"/>
+            <a:ext cx="900000" cy="720000"/>
+          </a:xfrm>
+          <a:prstGeom prst="roundRect">
+            <a:avLst/>
+          </a:prstGeom>
+          <a:noFill/>
+          <a:ln>
+            <a:solidFill>
+              <a:schemeClr val="tx1"/>
+            </a:solidFill>
+          </a:ln>
+        </p:spPr>
+        <p:style>
+          <a:lnRef idx="2">
+            <a:schemeClr val="accent1">
+              <a:shade val="50000"/>
+            </a:schemeClr>
+          </a:lnRef>
+          <a:fillRef idx="1">
+            <a:schemeClr val="accent1"/>
+          </a:fillRef>
+          <a:effectRef idx="0">
+            <a:schemeClr val="accent1"/>
+          </a:effectRef>
+          <a:fontRef idx="minor">
+            <a:schemeClr val="lt1"/>
+          </a:fontRef>
+        </p:style>
+        <p:txBody>
+          <a:bodyPr rtlCol="0" anchor="ctr"/>
+          <a:lstStyle/>
+          <a:p>
+            <a:pPr algn="ctr"/>
+            <a:r>
+              <a:rPr lang="en-US" altLang="ko-KR" sz="1600" dirty="0" smtClean="0">
+                <a:solidFill>
+                  <a:schemeClr val="tx1"/>
+                </a:solidFill>
+                <a:latin typeface="삼성긴고딕OTF Medium" panose="020B0600000101010101" pitchFamily="34" charset="-127"/>
+                <a:ea typeface="삼성긴고딕OTF Medium" panose="020B0600000101010101" pitchFamily="34" charset="-127"/>
+              </a:rPr>
+              <a:t>client</a:t>
+            </a:r>
+            <a:endParaRPr lang="ko-KR" altLang="en-US" sz="1600" dirty="0">
+              <a:solidFill>
+                <a:schemeClr val="tx1"/>
+              </a:solidFill>
+              <a:latin typeface="삼성긴고딕OTF Medium" panose="020B0600000101010101" pitchFamily="34" charset="-127"/>
+              <a:ea typeface="삼성긴고딕OTF Medium" panose="020B0600000101010101" pitchFamily="34" charset="-127"/>
+            </a:endParaRPr>
+          </a:p>
+        </p:txBody>
+      </p:sp>
+      <p:sp>
+        <p:nvSpPr>
+          <p:cNvPr id="39" name="모서리가 둥근 직사각형 38"/>
+          <p:cNvSpPr/>
+          <p:nvPr/>
+        </p:nvSpPr>
+        <p:spPr>
+          <a:xfrm>
+            <a:off x="670734" y="1969200"/>
+            <a:ext cx="900000" cy="720000"/>
+          </a:xfrm>
+          <a:prstGeom prst="roundRect">
+            <a:avLst/>
+          </a:prstGeom>
+          <a:noFill/>
+          <a:ln>
+            <a:solidFill>
+              <a:schemeClr val="tx1"/>
+            </a:solidFill>
+          </a:ln>
+        </p:spPr>
+        <p:style>
+          <a:lnRef idx="2">
+            <a:schemeClr val="accent1">
+              <a:shade val="50000"/>
+            </a:schemeClr>
+          </a:lnRef>
+          <a:fillRef idx="1">
+            <a:schemeClr val="accent1"/>
+          </a:fillRef>
+          <a:effectRef idx="0">
+            <a:schemeClr val="accent1"/>
+          </a:effectRef>
+          <a:fontRef idx="minor">
+            <a:schemeClr val="lt1"/>
+          </a:fontRef>
+        </p:style>
+        <p:txBody>
+          <a:bodyPr rtlCol="0" anchor="ctr"/>
+          <a:lstStyle/>
+          <a:p>
+            <a:pPr algn="ctr"/>
+            <a:r>
+              <a:rPr lang="en-US" altLang="ko-KR" sz="1600" dirty="0" smtClean="0">
+                <a:solidFill>
+                  <a:schemeClr val="tx1"/>
+                </a:solidFill>
+                <a:latin typeface="삼성긴고딕OTF Medium" panose="020B0600000101010101" pitchFamily="34" charset="-127"/>
+                <a:ea typeface="삼성긴고딕OTF Medium" panose="020B0600000101010101" pitchFamily="34" charset="-127"/>
+              </a:rPr>
+              <a:t>client</a:t>
+            </a:r>
+            <a:endParaRPr lang="ko-KR" altLang="en-US" sz="1600" dirty="0">
+              <a:solidFill>
+                <a:schemeClr val="tx1"/>
+              </a:solidFill>
+              <a:latin typeface="삼성긴고딕OTF Medium" panose="020B0600000101010101" pitchFamily="34" charset="-127"/>
+              <a:ea typeface="삼성긴고딕OTF Medium" panose="020B0600000101010101" pitchFamily="34" charset="-127"/>
+            </a:endParaRPr>
+          </a:p>
+        </p:txBody>
+      </p:sp>
+      <p:sp>
+        <p:nvSpPr>
+          <p:cNvPr id="40" name="모서리가 둥근 직사각형 39"/>
+          <p:cNvSpPr/>
+          <p:nvPr/>
+        </p:nvSpPr>
+        <p:spPr>
+          <a:xfrm>
+            <a:off x="2726442" y="197640"/>
+            <a:ext cx="900000" cy="2491560"/>
+          </a:xfrm>
+          <a:prstGeom prst="roundRect">
+            <a:avLst/>
+          </a:prstGeom>
+          <a:solidFill>
+            <a:schemeClr val="accent6">
+              <a:lumMod val="20000"/>
+              <a:lumOff val="80000"/>
+            </a:schemeClr>
+          </a:solidFill>
+          <a:ln>
+            <a:solidFill>
+              <a:schemeClr val="tx1"/>
+            </a:solidFill>
+          </a:ln>
+        </p:spPr>
+        <p:style>
+          <a:lnRef idx="2">
+            <a:schemeClr val="accent1">
+              <a:shade val="50000"/>
+            </a:schemeClr>
+          </a:lnRef>
+          <a:fillRef idx="1">
+            <a:schemeClr val="accent1"/>
+          </a:fillRef>
+          <a:effectRef idx="0">
+            <a:schemeClr val="accent1"/>
+          </a:effectRef>
+          <a:fontRef idx="minor">
+            <a:schemeClr val="lt1"/>
+          </a:fontRef>
+        </p:style>
+        <p:txBody>
+          <a:bodyPr rtlCol="0" anchor="ctr"/>
+          <a:lstStyle/>
+          <a:p>
+            <a:pPr algn="ctr"/>
+            <a:r>
+              <a:rPr lang="en-US" altLang="ko-KR" sz="1600" dirty="0" smtClean="0">
+                <a:solidFill>
+                  <a:schemeClr val="tx1"/>
+                </a:solidFill>
+                <a:latin typeface="삼성긴고딕OTF Medium" panose="020B0600000101010101" pitchFamily="34" charset="-127"/>
+                <a:ea typeface="삼성긴고딕OTF Medium" panose="020B0600000101010101" pitchFamily="34" charset="-127"/>
+              </a:rPr>
+              <a:t>Proxy</a:t>
+            </a:r>
+            <a:br>
+              <a:rPr lang="en-US" altLang="ko-KR" sz="1600" dirty="0" smtClean="0">
+                <a:solidFill>
+                  <a:schemeClr val="tx1"/>
+                </a:solidFill>
+                <a:latin typeface="삼성긴고딕OTF Medium" panose="020B0600000101010101" pitchFamily="34" charset="-127"/>
+                <a:ea typeface="삼성긴고딕OTF Medium" panose="020B0600000101010101" pitchFamily="34" charset="-127"/>
+              </a:rPr>
+            </a:br>
+            <a:r>
+              <a:rPr lang="en-US" altLang="ko-KR" sz="1600" dirty="0" smtClean="0">
+                <a:solidFill>
+                  <a:schemeClr val="tx1"/>
+                </a:solidFill>
+                <a:latin typeface="삼성긴고딕OTF Medium" panose="020B0600000101010101" pitchFamily="34" charset="-127"/>
+                <a:ea typeface="삼성긴고딕OTF Medium" panose="020B0600000101010101" pitchFamily="34" charset="-127"/>
+              </a:rPr>
+              <a:t>Server</a:t>
+            </a:r>
+            <a:endParaRPr lang="ko-KR" altLang="en-US" sz="1600" dirty="0">
+              <a:solidFill>
+                <a:schemeClr val="tx1"/>
+              </a:solidFill>
+              <a:latin typeface="삼성긴고딕OTF Medium" panose="020B0600000101010101" pitchFamily="34" charset="-127"/>
+              <a:ea typeface="삼성긴고딕OTF Medium" panose="020B0600000101010101" pitchFamily="34" charset="-127"/>
+            </a:endParaRPr>
+          </a:p>
+        </p:txBody>
+      </p:sp>
+      <p:sp>
+        <p:nvSpPr>
+          <p:cNvPr id="41" name="모서리가 둥근 직사각형 40"/>
+          <p:cNvSpPr/>
+          <p:nvPr/>
+        </p:nvSpPr>
+        <p:spPr>
+          <a:xfrm>
+            <a:off x="7175340" y="197640"/>
+            <a:ext cx="900000" cy="1080000"/>
+          </a:xfrm>
+          <a:prstGeom prst="roundRect">
+            <a:avLst/>
+          </a:prstGeom>
+          <a:solidFill>
+            <a:schemeClr val="accent1">
+              <a:lumMod val="20000"/>
+              <a:lumOff val="80000"/>
+            </a:schemeClr>
+          </a:solidFill>
+          <a:ln>
+            <a:solidFill>
+              <a:schemeClr val="tx1"/>
+            </a:solidFill>
+          </a:ln>
+        </p:spPr>
+        <p:style>
+          <a:lnRef idx="2">
+            <a:schemeClr val="accent1">
+              <a:shade val="50000"/>
+            </a:schemeClr>
+          </a:lnRef>
+          <a:fillRef idx="1">
+            <a:schemeClr val="accent1"/>
+          </a:fillRef>
+          <a:effectRef idx="0">
+            <a:schemeClr val="accent1"/>
+          </a:effectRef>
+          <a:fontRef idx="minor">
+            <a:schemeClr val="lt1"/>
+          </a:fontRef>
+        </p:style>
+        <p:txBody>
+          <a:bodyPr rtlCol="0" anchor="ctr"/>
+          <a:lstStyle/>
+          <a:p>
+            <a:pPr algn="ctr"/>
+            <a:r>
+              <a:rPr lang="en-US" altLang="ko-KR" sz="1600" dirty="0" smtClean="0">
+                <a:solidFill>
+                  <a:schemeClr val="tx1"/>
+                </a:solidFill>
+                <a:latin typeface="삼성긴고딕OTF Medium" panose="020B0600000101010101" pitchFamily="34" charset="-127"/>
+                <a:ea typeface="삼성긴고딕OTF Medium" panose="020B0600000101010101" pitchFamily="34" charset="-127"/>
+              </a:rPr>
+              <a:t>Web</a:t>
+            </a:r>
+            <a:br>
+              <a:rPr lang="en-US" altLang="ko-KR" sz="1600" dirty="0" smtClean="0">
+                <a:solidFill>
+                  <a:schemeClr val="tx1"/>
+                </a:solidFill>
+                <a:latin typeface="삼성긴고딕OTF Medium" panose="020B0600000101010101" pitchFamily="34" charset="-127"/>
+                <a:ea typeface="삼성긴고딕OTF Medium" panose="020B0600000101010101" pitchFamily="34" charset="-127"/>
+              </a:rPr>
+            </a:br>
+            <a:r>
+              <a:rPr lang="en-US" altLang="ko-KR" sz="1600" dirty="0" smtClean="0">
+                <a:solidFill>
+                  <a:schemeClr val="tx1"/>
+                </a:solidFill>
+                <a:latin typeface="삼성긴고딕OTF Medium" panose="020B0600000101010101" pitchFamily="34" charset="-127"/>
+                <a:ea typeface="삼성긴고딕OTF Medium" panose="020B0600000101010101" pitchFamily="34" charset="-127"/>
+              </a:rPr>
+              <a:t>Server</a:t>
+            </a:r>
+            <a:endParaRPr lang="ko-KR" altLang="en-US" sz="1600" dirty="0">
+              <a:solidFill>
+                <a:schemeClr val="tx1"/>
+              </a:solidFill>
+              <a:latin typeface="삼성긴고딕OTF Medium" panose="020B0600000101010101" pitchFamily="34" charset="-127"/>
+              <a:ea typeface="삼성긴고딕OTF Medium" panose="020B0600000101010101" pitchFamily="34" charset="-127"/>
+            </a:endParaRPr>
           </a:p>
         </p:txBody>
       </p:sp>
       <p:cxnSp>
         <p:nvCxnSpPr>
-          <p:cNvPr id="35" name="직선 연결선 34"/>
-          <p:cNvCxnSpPr/>
+          <p:cNvPr id="42" name="직선 화살표 연결선 41"/>
+          <p:cNvCxnSpPr>
+            <a:stCxn id="37" idx="3"/>
+            <a:endCxn id="40" idx="1"/>
+          </p:cNvCxnSpPr>
           <p:nvPr/>
         </p:nvCxnSpPr>
         <p:spPr>
           <a:xfrm>
-            <a:off x="4754880" y="5311209"/>
-            <a:ext cx="0" cy="144000"/>
+            <a:off x="1570734" y="557640"/>
+            <a:ext cx="1155708" cy="885780"/>
           </a:xfrm>
-          <a:prstGeom prst="line">
+          <a:prstGeom prst="straightConnector1">
             <a:avLst/>
           </a:prstGeom>
           <a:ln w="19050">
             <a:solidFill>
-              <a:schemeClr val="tx1">
-                <a:lumMod val="65000"/>
-                <a:lumOff val="35000"/>
-              </a:schemeClr>
+              <a:srgbClr val="CF6155"/>
             </a:solidFill>
+            <a:headEnd type="triangle"/>
+            <a:tailEnd type="triangle"/>
           </a:ln>
         </p:spPr>
         <p:style>
@@ -6730,25 +7801,107 @@
       </p:cxnSp>
       <p:cxnSp>
         <p:nvCxnSpPr>
-          <p:cNvPr id="36" name="직선 연결선 35"/>
-          <p:cNvCxnSpPr/>
+          <p:cNvPr id="43" name="직선 화살표 연결선 42"/>
+          <p:cNvCxnSpPr>
+            <a:stCxn id="38" idx="3"/>
+            <a:endCxn id="40" idx="1"/>
+          </p:cNvCxnSpPr>
           <p:nvPr/>
         </p:nvCxnSpPr>
         <p:spPr>
           <a:xfrm>
-            <a:off x="3666744" y="5311209"/>
-            <a:ext cx="0" cy="144000"/>
+            <a:off x="1570734" y="1443420"/>
+            <a:ext cx="1155708" cy="0"/>
           </a:xfrm>
-          <a:prstGeom prst="line">
+          <a:prstGeom prst="straightConnector1">
             <a:avLst/>
           </a:prstGeom>
           <a:ln w="19050">
             <a:solidFill>
-              <a:schemeClr val="tx1">
-                <a:lumMod val="65000"/>
-                <a:lumOff val="35000"/>
-              </a:schemeClr>
+              <a:srgbClr val="CF6155"/>
             </a:solidFill>
+            <a:headEnd type="triangle"/>
+            <a:tailEnd type="triangle"/>
+          </a:ln>
+        </p:spPr>
+        <p:style>
+          <a:lnRef idx="1">
+            <a:schemeClr val="accent1"/>
+          </a:lnRef>
+          <a:fillRef idx="0">
+            <a:schemeClr val="accent1"/>
+          </a:fillRef>
+          <a:effectRef idx="0">
+            <a:schemeClr val="accent1"/>
+          </a:effectRef>
+          <a:fontRef idx="minor">
+            <a:schemeClr val="tx1"/>
+          </a:fontRef>
+        </p:style>
+      </p:cxnSp>
+      <p:cxnSp>
+        <p:nvCxnSpPr>
+          <p:cNvPr id="44" name="직선 화살표 연결선 43"/>
+          <p:cNvCxnSpPr>
+            <a:stCxn id="39" idx="3"/>
+            <a:endCxn id="40" idx="1"/>
+          </p:cNvCxnSpPr>
+          <p:nvPr/>
+        </p:nvCxnSpPr>
+        <p:spPr>
+          <a:xfrm flipV="1">
+            <a:off x="1570734" y="1443420"/>
+            <a:ext cx="1155708" cy="885780"/>
+          </a:xfrm>
+          <a:prstGeom prst="straightConnector1">
+            <a:avLst/>
+          </a:prstGeom>
+          <a:ln w="19050">
+            <a:solidFill>
+              <a:srgbClr val="CF6155"/>
+            </a:solidFill>
+            <a:headEnd type="triangle"/>
+            <a:tailEnd type="triangle"/>
+          </a:ln>
+        </p:spPr>
+        <p:style>
+          <a:lnRef idx="1">
+            <a:schemeClr val="accent1"/>
+          </a:lnRef>
+          <a:fillRef idx="0">
+            <a:schemeClr val="accent1"/>
+          </a:fillRef>
+          <a:effectRef idx="0">
+            <a:schemeClr val="accent1"/>
+          </a:effectRef>
+          <a:fontRef idx="minor">
+            <a:schemeClr val="tx1"/>
+          </a:fontRef>
+        </p:style>
+      </p:cxnSp>
+      <p:cxnSp>
+        <p:nvCxnSpPr>
+          <p:cNvPr id="45" name="직선 화살표 연결선 44"/>
+          <p:cNvCxnSpPr>
+            <a:stCxn id="40" idx="3"/>
+            <a:endCxn id="57" idx="2"/>
+          </p:cNvCxnSpPr>
+          <p:nvPr/>
+        </p:nvCxnSpPr>
+        <p:spPr>
+          <a:xfrm>
+            <a:off x="3626442" y="1443420"/>
+            <a:ext cx="995346" cy="0"/>
+          </a:xfrm>
+          <a:prstGeom prst="straightConnector1">
+            <a:avLst/>
+          </a:prstGeom>
+          <a:ln w="19050">
+            <a:solidFill>
+              <a:srgbClr val="CF6155"/>
+            </a:solidFill>
+            <a:headEnd type="triangle"/>
+            <a:tailEnd type="triangle"/>
           </a:ln>
         </p:spPr>
         <p:style>
@@ -6768,19 +7921,1079 @@
       </p:cxnSp>
       <p:sp>
         <p:nvSpPr>
-          <p:cNvPr id="37" name="TextBox 36"/>
+          <p:cNvPr id="57" name="타원 56"/>
+          <p:cNvSpPr/>
+          <p:nvPr/>
+        </p:nvSpPr>
+        <p:spPr>
+          <a:xfrm>
+            <a:off x="4621788" y="903420"/>
+            <a:ext cx="1080000" cy="1080000"/>
+          </a:xfrm>
+          <a:prstGeom prst="ellipse">
+            <a:avLst/>
+          </a:prstGeom>
+          <a:solidFill>
+            <a:schemeClr val="tx1">
+              <a:lumMod val="50000"/>
+              <a:lumOff val="50000"/>
+            </a:schemeClr>
+          </a:solidFill>
+          <a:ln>
+            <a:solidFill>
+              <a:schemeClr val="tx1"/>
+            </a:solidFill>
+          </a:ln>
+        </p:spPr>
+        <p:style>
+          <a:lnRef idx="2">
+            <a:schemeClr val="accent1">
+              <a:shade val="50000"/>
+            </a:schemeClr>
+          </a:lnRef>
+          <a:fillRef idx="1">
+            <a:schemeClr val="accent1"/>
+          </a:fillRef>
+          <a:effectRef idx="0">
+            <a:schemeClr val="accent1"/>
+          </a:effectRef>
+          <a:fontRef idx="minor">
+            <a:schemeClr val="lt1"/>
+          </a:fontRef>
+        </p:style>
+        <p:txBody>
+          <a:bodyPr lIns="0" tIns="0" rIns="0" bIns="0" rtlCol="0" anchor="ctr"/>
+          <a:lstStyle/>
+          <a:p>
+            <a:pPr algn="ctr"/>
+            <a:r>
+              <a:rPr lang="en-US" altLang="ko-KR" sz="1600" dirty="0" smtClean="0">
+                <a:latin typeface="삼성긴고딕OTF Medium" panose="020B0600000101010101" pitchFamily="34" charset="-127"/>
+                <a:ea typeface="삼성긴고딕OTF Medium" panose="020B0600000101010101" pitchFamily="34" charset="-127"/>
+              </a:rPr>
+              <a:t>Internet</a:t>
+            </a:r>
+            <a:endParaRPr lang="ko-KR" altLang="en-US" sz="1600" dirty="0">
+              <a:latin typeface="삼성긴고딕OTF Medium" panose="020B0600000101010101" pitchFamily="34" charset="-127"/>
+              <a:ea typeface="삼성긴고딕OTF Medium" panose="020B0600000101010101" pitchFamily="34" charset="-127"/>
+            </a:endParaRPr>
+          </a:p>
+        </p:txBody>
+      </p:sp>
+      <p:cxnSp>
+        <p:nvCxnSpPr>
+          <p:cNvPr id="66" name="직선 화살표 연결선 65"/>
+          <p:cNvCxnSpPr>
+            <a:stCxn id="57" idx="6"/>
+            <a:endCxn id="41" idx="1"/>
+          </p:cNvCxnSpPr>
+          <p:nvPr/>
+        </p:nvCxnSpPr>
+        <p:spPr>
+          <a:xfrm flipV="1">
+            <a:off x="5701788" y="737640"/>
+            <a:ext cx="1473552" cy="705780"/>
+          </a:xfrm>
+          <a:prstGeom prst="straightConnector1">
+            <a:avLst/>
+          </a:prstGeom>
+          <a:ln w="19050">
+            <a:solidFill>
+              <a:srgbClr val="CF6155"/>
+            </a:solidFill>
+            <a:headEnd type="triangle"/>
+            <a:tailEnd type="triangle"/>
+          </a:ln>
+        </p:spPr>
+        <p:style>
+          <a:lnRef idx="1">
+            <a:schemeClr val="accent1"/>
+          </a:lnRef>
+          <a:fillRef idx="0">
+            <a:schemeClr val="accent1"/>
+          </a:fillRef>
+          <a:effectRef idx="0">
+            <a:schemeClr val="accent1"/>
+          </a:effectRef>
+          <a:fontRef idx="minor">
+            <a:schemeClr val="tx1"/>
+          </a:fontRef>
+        </p:style>
+      </p:cxnSp>
+      <p:sp>
+        <p:nvSpPr>
+          <p:cNvPr id="69" name="TextBox 68"/>
           <p:cNvSpPr txBox="1"/>
           <p:nvPr/>
         </p:nvSpPr>
         <p:spPr>
           <a:xfrm>
-            <a:off x="4631196" y="4597164"/>
-            <a:ext cx="972000" cy="215444"/>
+            <a:off x="2408598" y="2804258"/>
+            <a:ext cx="1535688" cy="338554"/>
           </a:xfrm>
           <a:prstGeom prst="rect">
             <a:avLst/>
           </a:prstGeom>
           <a:noFill/>
+        </p:spPr>
+        <p:txBody>
+          <a:bodyPr wrap="square" rtlCol="0">
+            <a:spAutoFit/>
+          </a:bodyPr>
+          <a:lstStyle/>
+          <a:p>
+            <a:pPr algn="ctr"/>
+            <a:r>
+              <a:rPr lang="en-US" altLang="ko-KR" sz="1600" dirty="0" smtClean="0">
+                <a:solidFill>
+                  <a:srgbClr val="FF0000"/>
+                </a:solidFill>
+                <a:latin typeface="삼성긴고딕OTF Medium" panose="020B0600000101010101" pitchFamily="34" charset="-127"/>
+                <a:ea typeface="삼성긴고딕OTF Medium" panose="020B0600000101010101" pitchFamily="34" charset="-127"/>
+              </a:rPr>
+              <a:t>Forward Proxy</a:t>
+            </a:r>
+            <a:endParaRPr lang="ko-KR" altLang="en-US" sz="1600" dirty="0">
+              <a:solidFill>
+                <a:srgbClr val="FF0000"/>
+              </a:solidFill>
+              <a:latin typeface="삼성긴고딕OTF Medium" panose="020B0600000101010101" pitchFamily="34" charset="-127"/>
+              <a:ea typeface="삼성긴고딕OTF Medium" panose="020B0600000101010101" pitchFamily="34" charset="-127"/>
+            </a:endParaRPr>
+          </a:p>
+        </p:txBody>
+      </p:sp>
+      <p:sp>
+        <p:nvSpPr>
+          <p:cNvPr id="104" name="모서리가 둥근 직사각형 103"/>
+          <p:cNvSpPr/>
+          <p:nvPr/>
+        </p:nvSpPr>
+        <p:spPr>
+          <a:xfrm>
+            <a:off x="670734" y="3815064"/>
+            <a:ext cx="900000" cy="720000"/>
+          </a:xfrm>
+          <a:prstGeom prst="roundRect">
+            <a:avLst/>
+          </a:prstGeom>
+          <a:noFill/>
+          <a:ln>
+            <a:solidFill>
+              <a:schemeClr val="tx1"/>
+            </a:solidFill>
+          </a:ln>
+        </p:spPr>
+        <p:style>
+          <a:lnRef idx="2">
+            <a:schemeClr val="accent1">
+              <a:shade val="50000"/>
+            </a:schemeClr>
+          </a:lnRef>
+          <a:fillRef idx="1">
+            <a:schemeClr val="accent1"/>
+          </a:fillRef>
+          <a:effectRef idx="0">
+            <a:schemeClr val="accent1"/>
+          </a:effectRef>
+          <a:fontRef idx="minor">
+            <a:schemeClr val="lt1"/>
+          </a:fontRef>
+        </p:style>
+        <p:txBody>
+          <a:bodyPr rtlCol="0" anchor="ctr"/>
+          <a:lstStyle/>
+          <a:p>
+            <a:pPr algn="ctr"/>
+            <a:r>
+              <a:rPr lang="en-US" altLang="ko-KR" sz="1600" dirty="0" smtClean="0">
+                <a:solidFill>
+                  <a:schemeClr val="tx1"/>
+                </a:solidFill>
+                <a:latin typeface="삼성긴고딕OTF Medium" panose="020B0600000101010101" pitchFamily="34" charset="-127"/>
+                <a:ea typeface="삼성긴고딕OTF Medium" panose="020B0600000101010101" pitchFamily="34" charset="-127"/>
+              </a:rPr>
+              <a:t>client</a:t>
+            </a:r>
+            <a:endParaRPr lang="ko-KR" altLang="en-US" sz="1600" dirty="0">
+              <a:solidFill>
+                <a:schemeClr val="tx1"/>
+              </a:solidFill>
+              <a:latin typeface="삼성긴고딕OTF Medium" panose="020B0600000101010101" pitchFamily="34" charset="-127"/>
+              <a:ea typeface="삼성긴고딕OTF Medium" panose="020B0600000101010101" pitchFamily="34" charset="-127"/>
+            </a:endParaRPr>
+          </a:p>
+        </p:txBody>
+      </p:sp>
+      <p:sp>
+        <p:nvSpPr>
+          <p:cNvPr id="105" name="모서리가 둥근 직사각형 104"/>
+          <p:cNvSpPr/>
+          <p:nvPr/>
+        </p:nvSpPr>
+        <p:spPr>
+          <a:xfrm>
+            <a:off x="670734" y="4700844"/>
+            <a:ext cx="900000" cy="720000"/>
+          </a:xfrm>
+          <a:prstGeom prst="roundRect">
+            <a:avLst/>
+          </a:prstGeom>
+          <a:noFill/>
+          <a:ln>
+            <a:solidFill>
+              <a:schemeClr val="tx1"/>
+            </a:solidFill>
+          </a:ln>
+        </p:spPr>
+        <p:style>
+          <a:lnRef idx="2">
+            <a:schemeClr val="accent1">
+              <a:shade val="50000"/>
+            </a:schemeClr>
+          </a:lnRef>
+          <a:fillRef idx="1">
+            <a:schemeClr val="accent1"/>
+          </a:fillRef>
+          <a:effectRef idx="0">
+            <a:schemeClr val="accent1"/>
+          </a:effectRef>
+          <a:fontRef idx="minor">
+            <a:schemeClr val="lt1"/>
+          </a:fontRef>
+        </p:style>
+        <p:txBody>
+          <a:bodyPr rtlCol="0" anchor="ctr"/>
+          <a:lstStyle/>
+          <a:p>
+            <a:pPr algn="ctr"/>
+            <a:r>
+              <a:rPr lang="en-US" altLang="ko-KR" sz="1600" dirty="0" smtClean="0">
+                <a:solidFill>
+                  <a:schemeClr val="tx1"/>
+                </a:solidFill>
+                <a:latin typeface="삼성긴고딕OTF Medium" panose="020B0600000101010101" pitchFamily="34" charset="-127"/>
+                <a:ea typeface="삼성긴고딕OTF Medium" panose="020B0600000101010101" pitchFamily="34" charset="-127"/>
+              </a:rPr>
+              <a:t>client</a:t>
+            </a:r>
+            <a:endParaRPr lang="ko-KR" altLang="en-US" sz="1600" dirty="0">
+              <a:solidFill>
+                <a:schemeClr val="tx1"/>
+              </a:solidFill>
+              <a:latin typeface="삼성긴고딕OTF Medium" panose="020B0600000101010101" pitchFamily="34" charset="-127"/>
+              <a:ea typeface="삼성긴고딕OTF Medium" panose="020B0600000101010101" pitchFamily="34" charset="-127"/>
+            </a:endParaRPr>
+          </a:p>
+        </p:txBody>
+      </p:sp>
+      <p:sp>
+        <p:nvSpPr>
+          <p:cNvPr id="106" name="모서리가 둥근 직사각형 105"/>
+          <p:cNvSpPr/>
+          <p:nvPr/>
+        </p:nvSpPr>
+        <p:spPr>
+          <a:xfrm>
+            <a:off x="670734" y="5586624"/>
+            <a:ext cx="900000" cy="720000"/>
+          </a:xfrm>
+          <a:prstGeom prst="roundRect">
+            <a:avLst/>
+          </a:prstGeom>
+          <a:noFill/>
+          <a:ln>
+            <a:solidFill>
+              <a:schemeClr val="tx1"/>
+            </a:solidFill>
+          </a:ln>
+        </p:spPr>
+        <p:style>
+          <a:lnRef idx="2">
+            <a:schemeClr val="accent1">
+              <a:shade val="50000"/>
+            </a:schemeClr>
+          </a:lnRef>
+          <a:fillRef idx="1">
+            <a:schemeClr val="accent1"/>
+          </a:fillRef>
+          <a:effectRef idx="0">
+            <a:schemeClr val="accent1"/>
+          </a:effectRef>
+          <a:fontRef idx="minor">
+            <a:schemeClr val="lt1"/>
+          </a:fontRef>
+        </p:style>
+        <p:txBody>
+          <a:bodyPr rtlCol="0" anchor="ctr"/>
+          <a:lstStyle/>
+          <a:p>
+            <a:pPr algn="ctr"/>
+            <a:r>
+              <a:rPr lang="en-US" altLang="ko-KR" sz="1600" dirty="0" smtClean="0">
+                <a:solidFill>
+                  <a:schemeClr val="tx1"/>
+                </a:solidFill>
+                <a:latin typeface="삼성긴고딕OTF Medium" panose="020B0600000101010101" pitchFamily="34" charset="-127"/>
+                <a:ea typeface="삼성긴고딕OTF Medium" panose="020B0600000101010101" pitchFamily="34" charset="-127"/>
+              </a:rPr>
+              <a:t>client</a:t>
+            </a:r>
+            <a:endParaRPr lang="ko-KR" altLang="en-US" sz="1600" dirty="0">
+              <a:solidFill>
+                <a:schemeClr val="tx1"/>
+              </a:solidFill>
+              <a:latin typeface="삼성긴고딕OTF Medium" panose="020B0600000101010101" pitchFamily="34" charset="-127"/>
+              <a:ea typeface="삼성긴고딕OTF Medium" panose="020B0600000101010101" pitchFamily="34" charset="-127"/>
+            </a:endParaRPr>
+          </a:p>
+        </p:txBody>
+      </p:sp>
+      <p:sp>
+        <p:nvSpPr>
+          <p:cNvPr id="108" name="모서리가 둥근 직사각형 107"/>
+          <p:cNvSpPr/>
+          <p:nvPr/>
+        </p:nvSpPr>
+        <p:spPr>
+          <a:xfrm>
+            <a:off x="7175340" y="3815064"/>
+            <a:ext cx="900000" cy="1080000"/>
+          </a:xfrm>
+          <a:prstGeom prst="roundRect">
+            <a:avLst/>
+          </a:prstGeom>
+          <a:solidFill>
+            <a:schemeClr val="accent1">
+              <a:lumMod val="20000"/>
+              <a:lumOff val="80000"/>
+            </a:schemeClr>
+          </a:solidFill>
+          <a:ln>
+            <a:solidFill>
+              <a:schemeClr val="tx1"/>
+            </a:solidFill>
+          </a:ln>
+        </p:spPr>
+        <p:style>
+          <a:lnRef idx="2">
+            <a:schemeClr val="accent1">
+              <a:shade val="50000"/>
+            </a:schemeClr>
+          </a:lnRef>
+          <a:fillRef idx="1">
+            <a:schemeClr val="accent1"/>
+          </a:fillRef>
+          <a:effectRef idx="0">
+            <a:schemeClr val="accent1"/>
+          </a:effectRef>
+          <a:fontRef idx="minor">
+            <a:schemeClr val="lt1"/>
+          </a:fontRef>
+        </p:style>
+        <p:txBody>
+          <a:bodyPr rtlCol="0" anchor="ctr"/>
+          <a:lstStyle/>
+          <a:p>
+            <a:pPr algn="ctr"/>
+            <a:r>
+              <a:rPr lang="en-US" altLang="ko-KR" sz="1600" dirty="0" smtClean="0">
+                <a:solidFill>
+                  <a:schemeClr val="tx1"/>
+                </a:solidFill>
+                <a:latin typeface="삼성긴고딕OTF Medium" panose="020B0600000101010101" pitchFamily="34" charset="-127"/>
+                <a:ea typeface="삼성긴고딕OTF Medium" panose="020B0600000101010101" pitchFamily="34" charset="-127"/>
+              </a:rPr>
+              <a:t>Web</a:t>
+            </a:r>
+            <a:br>
+              <a:rPr lang="en-US" altLang="ko-KR" sz="1600" dirty="0" smtClean="0">
+                <a:solidFill>
+                  <a:schemeClr val="tx1"/>
+                </a:solidFill>
+                <a:latin typeface="삼성긴고딕OTF Medium" panose="020B0600000101010101" pitchFamily="34" charset="-127"/>
+                <a:ea typeface="삼성긴고딕OTF Medium" panose="020B0600000101010101" pitchFamily="34" charset="-127"/>
+              </a:rPr>
+            </a:br>
+            <a:r>
+              <a:rPr lang="en-US" altLang="ko-KR" sz="1600" dirty="0" smtClean="0">
+                <a:solidFill>
+                  <a:schemeClr val="tx1"/>
+                </a:solidFill>
+                <a:latin typeface="삼성긴고딕OTF Medium" panose="020B0600000101010101" pitchFamily="34" charset="-127"/>
+                <a:ea typeface="삼성긴고딕OTF Medium" panose="020B0600000101010101" pitchFamily="34" charset="-127"/>
+              </a:rPr>
+              <a:t>Server</a:t>
+            </a:r>
+            <a:endParaRPr lang="ko-KR" altLang="en-US" sz="1600" dirty="0">
+              <a:solidFill>
+                <a:schemeClr val="tx1"/>
+              </a:solidFill>
+              <a:latin typeface="삼성긴고딕OTF Medium" panose="020B0600000101010101" pitchFamily="34" charset="-127"/>
+              <a:ea typeface="삼성긴고딕OTF Medium" panose="020B0600000101010101" pitchFamily="34" charset="-127"/>
+            </a:endParaRPr>
+          </a:p>
+        </p:txBody>
+      </p:sp>
+      <p:cxnSp>
+        <p:nvCxnSpPr>
+          <p:cNvPr id="109" name="직선 화살표 연결선 108"/>
+          <p:cNvCxnSpPr>
+            <a:stCxn id="104" idx="3"/>
+            <a:endCxn id="116" idx="2"/>
+          </p:cNvCxnSpPr>
+          <p:nvPr/>
+        </p:nvCxnSpPr>
+        <p:spPr>
+          <a:xfrm>
+            <a:off x="1570734" y="4175064"/>
+            <a:ext cx="1155708" cy="885780"/>
+          </a:xfrm>
+          <a:prstGeom prst="straightConnector1">
+            <a:avLst/>
+          </a:prstGeom>
+          <a:ln w="19050">
+            <a:solidFill>
+              <a:srgbClr val="CF6155"/>
+            </a:solidFill>
+            <a:headEnd type="triangle"/>
+            <a:tailEnd type="triangle"/>
+          </a:ln>
+        </p:spPr>
+        <p:style>
+          <a:lnRef idx="1">
+            <a:schemeClr val="accent1"/>
+          </a:lnRef>
+          <a:fillRef idx="0">
+            <a:schemeClr val="accent1"/>
+          </a:fillRef>
+          <a:effectRef idx="0">
+            <a:schemeClr val="accent1"/>
+          </a:effectRef>
+          <a:fontRef idx="minor">
+            <a:schemeClr val="tx1"/>
+          </a:fontRef>
+        </p:style>
+      </p:cxnSp>
+      <p:cxnSp>
+        <p:nvCxnSpPr>
+          <p:cNvPr id="110" name="직선 화살표 연결선 109"/>
+          <p:cNvCxnSpPr>
+            <a:stCxn id="105" idx="3"/>
+            <a:endCxn id="116" idx="2"/>
+          </p:cNvCxnSpPr>
+          <p:nvPr/>
+        </p:nvCxnSpPr>
+        <p:spPr>
+          <a:xfrm>
+            <a:off x="1570734" y="5060844"/>
+            <a:ext cx="1155708" cy="0"/>
+          </a:xfrm>
+          <a:prstGeom prst="straightConnector1">
+            <a:avLst/>
+          </a:prstGeom>
+          <a:ln w="19050">
+            <a:solidFill>
+              <a:srgbClr val="CF6155"/>
+            </a:solidFill>
+            <a:headEnd type="triangle"/>
+            <a:tailEnd type="triangle"/>
+          </a:ln>
+        </p:spPr>
+        <p:style>
+          <a:lnRef idx="1">
+            <a:schemeClr val="accent1"/>
+          </a:lnRef>
+          <a:fillRef idx="0">
+            <a:schemeClr val="accent1"/>
+          </a:fillRef>
+          <a:effectRef idx="0">
+            <a:schemeClr val="accent1"/>
+          </a:effectRef>
+          <a:fontRef idx="minor">
+            <a:schemeClr val="tx1"/>
+          </a:fontRef>
+        </p:style>
+      </p:cxnSp>
+      <p:cxnSp>
+        <p:nvCxnSpPr>
+          <p:cNvPr id="111" name="직선 화살표 연결선 110"/>
+          <p:cNvCxnSpPr>
+            <a:stCxn id="106" idx="3"/>
+            <a:endCxn id="116" idx="2"/>
+          </p:cNvCxnSpPr>
+          <p:nvPr/>
+        </p:nvCxnSpPr>
+        <p:spPr>
+          <a:xfrm flipV="1">
+            <a:off x="1570734" y="5060844"/>
+            <a:ext cx="1155708" cy="885780"/>
+          </a:xfrm>
+          <a:prstGeom prst="straightConnector1">
+            <a:avLst/>
+          </a:prstGeom>
+          <a:ln w="19050">
+            <a:solidFill>
+              <a:srgbClr val="CF6155"/>
+            </a:solidFill>
+            <a:headEnd type="triangle"/>
+            <a:tailEnd type="triangle"/>
+          </a:ln>
+        </p:spPr>
+        <p:style>
+          <a:lnRef idx="1">
+            <a:schemeClr val="accent1"/>
+          </a:lnRef>
+          <a:fillRef idx="0">
+            <a:schemeClr val="accent1"/>
+          </a:fillRef>
+          <a:effectRef idx="0">
+            <a:schemeClr val="accent1"/>
+          </a:effectRef>
+          <a:fontRef idx="minor">
+            <a:schemeClr val="tx1"/>
+          </a:fontRef>
+        </p:style>
+      </p:cxnSp>
+      <p:cxnSp>
+        <p:nvCxnSpPr>
+          <p:cNvPr id="112" name="직선 화살표 연결선 111"/>
+          <p:cNvCxnSpPr>
+            <a:stCxn id="116" idx="6"/>
+            <a:endCxn id="118" idx="1"/>
+          </p:cNvCxnSpPr>
+          <p:nvPr/>
+        </p:nvCxnSpPr>
+        <p:spPr>
+          <a:xfrm>
+            <a:off x="3806442" y="5060844"/>
+            <a:ext cx="995346" cy="0"/>
+          </a:xfrm>
+          <a:prstGeom prst="straightConnector1">
+            <a:avLst/>
+          </a:prstGeom>
+          <a:ln w="19050">
+            <a:solidFill>
+              <a:srgbClr val="CF6155"/>
+            </a:solidFill>
+            <a:headEnd type="triangle"/>
+            <a:tailEnd type="triangle"/>
+          </a:ln>
+        </p:spPr>
+        <p:style>
+          <a:lnRef idx="1">
+            <a:schemeClr val="accent1"/>
+          </a:lnRef>
+          <a:fillRef idx="0">
+            <a:schemeClr val="accent1"/>
+          </a:fillRef>
+          <a:effectRef idx="0">
+            <a:schemeClr val="accent1"/>
+          </a:effectRef>
+          <a:fontRef idx="minor">
+            <a:schemeClr val="tx1"/>
+          </a:fontRef>
+        </p:style>
+      </p:cxnSp>
+      <p:cxnSp>
+        <p:nvCxnSpPr>
+          <p:cNvPr id="114" name="직선 화살표 연결선 113"/>
+          <p:cNvCxnSpPr>
+            <a:stCxn id="118" idx="3"/>
+            <a:endCxn id="108" idx="1"/>
+          </p:cNvCxnSpPr>
+          <p:nvPr/>
+        </p:nvCxnSpPr>
+        <p:spPr>
+          <a:xfrm flipV="1">
+            <a:off x="5701788" y="4355064"/>
+            <a:ext cx="1473552" cy="705780"/>
+          </a:xfrm>
+          <a:prstGeom prst="straightConnector1">
+            <a:avLst/>
+          </a:prstGeom>
+          <a:ln w="19050">
+            <a:solidFill>
+              <a:srgbClr val="CF6155"/>
+            </a:solidFill>
+            <a:headEnd type="triangle"/>
+            <a:tailEnd type="triangle"/>
+          </a:ln>
+        </p:spPr>
+        <p:style>
+          <a:lnRef idx="1">
+            <a:schemeClr val="accent1"/>
+          </a:lnRef>
+          <a:fillRef idx="0">
+            <a:schemeClr val="accent1"/>
+          </a:fillRef>
+          <a:effectRef idx="0">
+            <a:schemeClr val="accent1"/>
+          </a:effectRef>
+          <a:fontRef idx="minor">
+            <a:schemeClr val="tx1"/>
+          </a:fontRef>
+        </p:style>
+      </p:cxnSp>
+      <p:sp>
+        <p:nvSpPr>
+          <p:cNvPr id="115" name="TextBox 114"/>
+          <p:cNvSpPr txBox="1"/>
+          <p:nvPr/>
+        </p:nvSpPr>
+        <p:spPr>
+          <a:xfrm>
+            <a:off x="4483944" y="6421682"/>
+            <a:ext cx="1535688" cy="338554"/>
+          </a:xfrm>
+          <a:prstGeom prst="rect">
+            <a:avLst/>
+          </a:prstGeom>
+          <a:noFill/>
+        </p:spPr>
+        <p:txBody>
+          <a:bodyPr wrap="square" rtlCol="0">
+            <a:spAutoFit/>
+          </a:bodyPr>
+          <a:lstStyle/>
+          <a:p>
+            <a:pPr algn="ctr"/>
+            <a:r>
+              <a:rPr lang="en-US" altLang="ko-KR" sz="1600" dirty="0" smtClean="0">
+                <a:solidFill>
+                  <a:srgbClr val="FF0000"/>
+                </a:solidFill>
+                <a:latin typeface="삼성긴고딕OTF Medium" panose="020B0600000101010101" pitchFamily="34" charset="-127"/>
+                <a:ea typeface="삼성긴고딕OTF Medium" panose="020B0600000101010101" pitchFamily="34" charset="-127"/>
+              </a:rPr>
+              <a:t>Reverse Proxy</a:t>
+            </a:r>
+            <a:endParaRPr lang="ko-KR" altLang="en-US" sz="1600" dirty="0">
+              <a:solidFill>
+                <a:srgbClr val="FF0000"/>
+              </a:solidFill>
+              <a:latin typeface="삼성긴고딕OTF Medium" panose="020B0600000101010101" pitchFamily="34" charset="-127"/>
+              <a:ea typeface="삼성긴고딕OTF Medium" panose="020B0600000101010101" pitchFamily="34" charset="-127"/>
+            </a:endParaRPr>
+          </a:p>
+        </p:txBody>
+      </p:sp>
+      <p:sp>
+        <p:nvSpPr>
+          <p:cNvPr id="116" name="타원 115"/>
+          <p:cNvSpPr/>
+          <p:nvPr/>
+        </p:nvSpPr>
+        <p:spPr>
+          <a:xfrm>
+            <a:off x="2726442" y="4520844"/>
+            <a:ext cx="1080000" cy="1080000"/>
+          </a:xfrm>
+          <a:prstGeom prst="ellipse">
+            <a:avLst/>
+          </a:prstGeom>
+          <a:solidFill>
+            <a:schemeClr val="tx1">
+              <a:lumMod val="50000"/>
+              <a:lumOff val="50000"/>
+            </a:schemeClr>
+          </a:solidFill>
+          <a:ln>
+            <a:solidFill>
+              <a:schemeClr val="tx1"/>
+            </a:solidFill>
+          </a:ln>
+        </p:spPr>
+        <p:style>
+          <a:lnRef idx="2">
+            <a:schemeClr val="accent1">
+              <a:shade val="50000"/>
+            </a:schemeClr>
+          </a:lnRef>
+          <a:fillRef idx="1">
+            <a:schemeClr val="accent1"/>
+          </a:fillRef>
+          <a:effectRef idx="0">
+            <a:schemeClr val="accent1"/>
+          </a:effectRef>
+          <a:fontRef idx="minor">
+            <a:schemeClr val="lt1"/>
+          </a:fontRef>
+        </p:style>
+        <p:txBody>
+          <a:bodyPr lIns="0" tIns="0" rIns="0" bIns="0" rtlCol="0" anchor="ctr"/>
+          <a:lstStyle/>
+          <a:p>
+            <a:pPr algn="ctr"/>
+            <a:r>
+              <a:rPr lang="en-US" altLang="ko-KR" sz="1600" dirty="0" smtClean="0">
+                <a:latin typeface="삼성긴고딕OTF Medium" panose="020B0600000101010101" pitchFamily="34" charset="-127"/>
+                <a:ea typeface="삼성긴고딕OTF Medium" panose="020B0600000101010101" pitchFamily="34" charset="-127"/>
+              </a:rPr>
+              <a:t>Internet</a:t>
+            </a:r>
+            <a:endParaRPr lang="ko-KR" altLang="en-US" sz="1600" dirty="0">
+              <a:latin typeface="삼성긴고딕OTF Medium" panose="020B0600000101010101" pitchFamily="34" charset="-127"/>
+              <a:ea typeface="삼성긴고딕OTF Medium" panose="020B0600000101010101" pitchFamily="34" charset="-127"/>
+            </a:endParaRPr>
+          </a:p>
+        </p:txBody>
+      </p:sp>
+      <p:sp>
+        <p:nvSpPr>
+          <p:cNvPr id="118" name="모서리가 둥근 직사각형 117"/>
+          <p:cNvSpPr/>
+          <p:nvPr/>
+        </p:nvSpPr>
+        <p:spPr>
+          <a:xfrm>
+            <a:off x="4801788" y="3815064"/>
+            <a:ext cx="900000" cy="2491560"/>
+          </a:xfrm>
+          <a:prstGeom prst="roundRect">
+            <a:avLst/>
+          </a:prstGeom>
+          <a:solidFill>
+            <a:schemeClr val="accent6">
+              <a:lumMod val="20000"/>
+              <a:lumOff val="80000"/>
+            </a:schemeClr>
+          </a:solidFill>
+          <a:ln>
+            <a:solidFill>
+              <a:schemeClr val="tx1"/>
+            </a:solidFill>
+          </a:ln>
+        </p:spPr>
+        <p:style>
+          <a:lnRef idx="2">
+            <a:schemeClr val="accent1">
+              <a:shade val="50000"/>
+            </a:schemeClr>
+          </a:lnRef>
+          <a:fillRef idx="1">
+            <a:schemeClr val="accent1"/>
+          </a:fillRef>
+          <a:effectRef idx="0">
+            <a:schemeClr val="accent1"/>
+          </a:effectRef>
+          <a:fontRef idx="minor">
+            <a:schemeClr val="lt1"/>
+          </a:fontRef>
+        </p:style>
+        <p:txBody>
+          <a:bodyPr rtlCol="0" anchor="ctr"/>
+          <a:lstStyle/>
+          <a:p>
+            <a:pPr algn="ctr"/>
+            <a:r>
+              <a:rPr lang="en-US" altLang="ko-KR" sz="1600" dirty="0" smtClean="0">
+                <a:solidFill>
+                  <a:schemeClr val="tx1"/>
+                </a:solidFill>
+                <a:latin typeface="삼성긴고딕OTF Medium" panose="020B0600000101010101" pitchFamily="34" charset="-127"/>
+                <a:ea typeface="삼성긴고딕OTF Medium" panose="020B0600000101010101" pitchFamily="34" charset="-127"/>
+              </a:rPr>
+              <a:t>Proxy</a:t>
+            </a:r>
+            <a:br>
+              <a:rPr lang="en-US" altLang="ko-KR" sz="1600" dirty="0" smtClean="0">
+                <a:solidFill>
+                  <a:schemeClr val="tx1"/>
+                </a:solidFill>
+                <a:latin typeface="삼성긴고딕OTF Medium" panose="020B0600000101010101" pitchFamily="34" charset="-127"/>
+                <a:ea typeface="삼성긴고딕OTF Medium" panose="020B0600000101010101" pitchFamily="34" charset="-127"/>
+              </a:rPr>
+            </a:br>
+            <a:r>
+              <a:rPr lang="en-US" altLang="ko-KR" sz="1600" dirty="0" smtClean="0">
+                <a:solidFill>
+                  <a:schemeClr val="tx1"/>
+                </a:solidFill>
+                <a:latin typeface="삼성긴고딕OTF Medium" panose="020B0600000101010101" pitchFamily="34" charset="-127"/>
+                <a:ea typeface="삼성긴고딕OTF Medium" panose="020B0600000101010101" pitchFamily="34" charset="-127"/>
+              </a:rPr>
+              <a:t>Server</a:t>
+            </a:r>
+            <a:endParaRPr lang="ko-KR" altLang="en-US" sz="1600" dirty="0">
+              <a:solidFill>
+                <a:schemeClr val="tx1"/>
+              </a:solidFill>
+              <a:latin typeface="삼성긴고딕OTF Medium" panose="020B0600000101010101" pitchFamily="34" charset="-127"/>
+              <a:ea typeface="삼성긴고딕OTF Medium" panose="020B0600000101010101" pitchFamily="34" charset="-127"/>
+            </a:endParaRPr>
+          </a:p>
+        </p:txBody>
+      </p:sp>
+      <p:sp>
+        <p:nvSpPr>
+          <p:cNvPr id="130" name="모서리가 둥근 직사각형 129"/>
+          <p:cNvSpPr/>
+          <p:nvPr/>
+        </p:nvSpPr>
+        <p:spPr>
+          <a:xfrm>
+            <a:off x="7175340" y="1609200"/>
+            <a:ext cx="900000" cy="1080000"/>
+          </a:xfrm>
+          <a:prstGeom prst="roundRect">
+            <a:avLst/>
+          </a:prstGeom>
+          <a:solidFill>
+            <a:schemeClr val="accent1">
+              <a:lumMod val="20000"/>
+              <a:lumOff val="80000"/>
+            </a:schemeClr>
+          </a:solidFill>
+          <a:ln>
+            <a:solidFill>
+              <a:schemeClr val="tx1"/>
+            </a:solidFill>
+          </a:ln>
+        </p:spPr>
+        <p:style>
+          <a:lnRef idx="2">
+            <a:schemeClr val="accent1">
+              <a:shade val="50000"/>
+            </a:schemeClr>
+          </a:lnRef>
+          <a:fillRef idx="1">
+            <a:schemeClr val="accent1"/>
+          </a:fillRef>
+          <a:effectRef idx="0">
+            <a:schemeClr val="accent1"/>
+          </a:effectRef>
+          <a:fontRef idx="minor">
+            <a:schemeClr val="lt1"/>
+          </a:fontRef>
+        </p:style>
+        <p:txBody>
+          <a:bodyPr rtlCol="0" anchor="ctr"/>
+          <a:lstStyle/>
+          <a:p>
+            <a:pPr algn="ctr"/>
+            <a:r>
+              <a:rPr lang="en-US" altLang="ko-KR" sz="1600" dirty="0" smtClean="0">
+                <a:solidFill>
+                  <a:schemeClr val="tx1"/>
+                </a:solidFill>
+                <a:latin typeface="삼성긴고딕OTF Medium" panose="020B0600000101010101" pitchFamily="34" charset="-127"/>
+                <a:ea typeface="삼성긴고딕OTF Medium" panose="020B0600000101010101" pitchFamily="34" charset="-127"/>
+              </a:rPr>
+              <a:t>Web</a:t>
+            </a:r>
+            <a:br>
+              <a:rPr lang="en-US" altLang="ko-KR" sz="1600" dirty="0" smtClean="0">
+                <a:solidFill>
+                  <a:schemeClr val="tx1"/>
+                </a:solidFill>
+                <a:latin typeface="삼성긴고딕OTF Medium" panose="020B0600000101010101" pitchFamily="34" charset="-127"/>
+                <a:ea typeface="삼성긴고딕OTF Medium" panose="020B0600000101010101" pitchFamily="34" charset="-127"/>
+              </a:rPr>
+            </a:br>
+            <a:r>
+              <a:rPr lang="en-US" altLang="ko-KR" sz="1600" dirty="0" smtClean="0">
+                <a:solidFill>
+                  <a:schemeClr val="tx1"/>
+                </a:solidFill>
+                <a:latin typeface="삼성긴고딕OTF Medium" panose="020B0600000101010101" pitchFamily="34" charset="-127"/>
+                <a:ea typeface="삼성긴고딕OTF Medium" panose="020B0600000101010101" pitchFamily="34" charset="-127"/>
+              </a:rPr>
+              <a:t>Server</a:t>
+            </a:r>
+            <a:endParaRPr lang="ko-KR" altLang="en-US" sz="1600" dirty="0">
+              <a:solidFill>
+                <a:schemeClr val="tx1"/>
+              </a:solidFill>
+              <a:latin typeface="삼성긴고딕OTF Medium" panose="020B0600000101010101" pitchFamily="34" charset="-127"/>
+              <a:ea typeface="삼성긴고딕OTF Medium" panose="020B0600000101010101" pitchFamily="34" charset="-127"/>
+            </a:endParaRPr>
+          </a:p>
+        </p:txBody>
+      </p:sp>
+      <p:cxnSp>
+        <p:nvCxnSpPr>
+          <p:cNvPr id="131" name="직선 화살표 연결선 130"/>
+          <p:cNvCxnSpPr>
+            <a:stCxn id="57" idx="6"/>
+            <a:endCxn id="130" idx="1"/>
+          </p:cNvCxnSpPr>
+          <p:nvPr/>
+        </p:nvCxnSpPr>
+        <p:spPr>
+          <a:xfrm>
+            <a:off x="5701788" y="1443420"/>
+            <a:ext cx="1473552" cy="705780"/>
+          </a:xfrm>
+          <a:prstGeom prst="straightConnector1">
+            <a:avLst/>
+          </a:prstGeom>
+          <a:ln w="19050">
+            <a:solidFill>
+              <a:srgbClr val="CF6155"/>
+            </a:solidFill>
+            <a:headEnd type="triangle"/>
+            <a:tailEnd type="triangle"/>
+          </a:ln>
+        </p:spPr>
+        <p:style>
+          <a:lnRef idx="1">
+            <a:schemeClr val="accent1"/>
+          </a:lnRef>
+          <a:fillRef idx="0">
+            <a:schemeClr val="accent1"/>
+          </a:fillRef>
+          <a:effectRef idx="0">
+            <a:schemeClr val="accent1"/>
+          </a:effectRef>
+          <a:fontRef idx="minor">
+            <a:schemeClr val="tx1"/>
+          </a:fontRef>
+        </p:style>
+      </p:cxnSp>
+      <p:sp>
+        <p:nvSpPr>
+          <p:cNvPr id="136" name="모서리가 둥근 직사각형 135"/>
+          <p:cNvSpPr/>
+          <p:nvPr/>
+        </p:nvSpPr>
+        <p:spPr>
+          <a:xfrm>
+            <a:off x="7175340" y="5226624"/>
+            <a:ext cx="900000" cy="1080000"/>
+          </a:xfrm>
+          <a:prstGeom prst="roundRect">
+            <a:avLst/>
+          </a:prstGeom>
+          <a:solidFill>
+            <a:schemeClr val="accent1">
+              <a:lumMod val="20000"/>
+              <a:lumOff val="80000"/>
+            </a:schemeClr>
+          </a:solidFill>
+          <a:ln>
+            <a:solidFill>
+              <a:schemeClr val="tx1"/>
+            </a:solidFill>
+          </a:ln>
+        </p:spPr>
+        <p:style>
+          <a:lnRef idx="2">
+            <a:schemeClr val="accent1">
+              <a:shade val="50000"/>
+            </a:schemeClr>
+          </a:lnRef>
+          <a:fillRef idx="1">
+            <a:schemeClr val="accent1"/>
+          </a:fillRef>
+          <a:effectRef idx="0">
+            <a:schemeClr val="accent1"/>
+          </a:effectRef>
+          <a:fontRef idx="minor">
+            <a:schemeClr val="lt1"/>
+          </a:fontRef>
+        </p:style>
+        <p:txBody>
+          <a:bodyPr rtlCol="0" anchor="ctr"/>
+          <a:lstStyle/>
+          <a:p>
+            <a:pPr algn="ctr"/>
+            <a:r>
+              <a:rPr lang="en-US" altLang="ko-KR" sz="1600" dirty="0" smtClean="0">
+                <a:solidFill>
+                  <a:schemeClr val="tx1"/>
+                </a:solidFill>
+                <a:latin typeface="삼성긴고딕OTF Medium" panose="020B0600000101010101" pitchFamily="34" charset="-127"/>
+                <a:ea typeface="삼성긴고딕OTF Medium" panose="020B0600000101010101" pitchFamily="34" charset="-127"/>
+              </a:rPr>
+              <a:t>Web</a:t>
+            </a:r>
+            <a:br>
+              <a:rPr lang="en-US" altLang="ko-KR" sz="1600" dirty="0" smtClean="0">
+                <a:solidFill>
+                  <a:schemeClr val="tx1"/>
+                </a:solidFill>
+                <a:latin typeface="삼성긴고딕OTF Medium" panose="020B0600000101010101" pitchFamily="34" charset="-127"/>
+                <a:ea typeface="삼성긴고딕OTF Medium" panose="020B0600000101010101" pitchFamily="34" charset="-127"/>
+              </a:rPr>
+            </a:br>
+            <a:r>
+              <a:rPr lang="en-US" altLang="ko-KR" sz="1600" dirty="0" smtClean="0">
+                <a:solidFill>
+                  <a:schemeClr val="tx1"/>
+                </a:solidFill>
+                <a:latin typeface="삼성긴고딕OTF Medium" panose="020B0600000101010101" pitchFamily="34" charset="-127"/>
+                <a:ea typeface="삼성긴고딕OTF Medium" panose="020B0600000101010101" pitchFamily="34" charset="-127"/>
+              </a:rPr>
+              <a:t>Server</a:t>
+            </a:r>
+            <a:endParaRPr lang="ko-KR" altLang="en-US" sz="1600" dirty="0">
+              <a:solidFill>
+                <a:schemeClr val="tx1"/>
+              </a:solidFill>
+              <a:latin typeface="삼성긴고딕OTF Medium" panose="020B0600000101010101" pitchFamily="34" charset="-127"/>
+              <a:ea typeface="삼성긴고딕OTF Medium" panose="020B0600000101010101" pitchFamily="34" charset="-127"/>
+            </a:endParaRPr>
+          </a:p>
+        </p:txBody>
+      </p:sp>
+      <p:cxnSp>
+        <p:nvCxnSpPr>
+          <p:cNvPr id="137" name="직선 화살표 연결선 136"/>
+          <p:cNvCxnSpPr>
+            <a:stCxn id="118" idx="3"/>
+            <a:endCxn id="136" idx="1"/>
+          </p:cNvCxnSpPr>
+          <p:nvPr/>
+        </p:nvCxnSpPr>
+        <p:spPr>
+          <a:xfrm>
+            <a:off x="5701788" y="5060844"/>
+            <a:ext cx="1473552" cy="705780"/>
+          </a:xfrm>
+          <a:prstGeom prst="straightConnector1">
+            <a:avLst/>
+          </a:prstGeom>
+          <a:ln w="19050">
+            <a:solidFill>
+              <a:srgbClr val="CF6155"/>
+            </a:solidFill>
+            <a:headEnd type="triangle"/>
+            <a:tailEnd type="triangle"/>
+          </a:ln>
+        </p:spPr>
+        <p:style>
+          <a:lnRef idx="1">
+            <a:schemeClr val="accent1"/>
+          </a:lnRef>
+          <a:fillRef idx="0">
+            <a:schemeClr val="accent1"/>
+          </a:fillRef>
+          <a:effectRef idx="0">
+            <a:schemeClr val="accent1"/>
+          </a:effectRef>
+          <a:fontRef idx="minor">
+            <a:schemeClr val="tx1"/>
+          </a:fontRef>
+        </p:style>
+      </p:cxnSp>
+      <p:sp>
+        <p:nvSpPr>
+          <p:cNvPr id="159" name="TextBox 158"/>
+          <p:cNvSpPr txBox="1"/>
+          <p:nvPr/>
+        </p:nvSpPr>
+        <p:spPr>
+          <a:xfrm>
+            <a:off x="1766739" y="734143"/>
+            <a:ext cx="703995" cy="338554"/>
+          </a:xfrm>
+          <a:prstGeom prst="rect">
+            <a:avLst/>
+          </a:prstGeom>
+          <a:solidFill>
+            <a:schemeClr val="bg1"/>
+          </a:solidFill>
         </p:spPr>
         <p:txBody>
           <a:bodyPr wrap="square" lIns="0" tIns="0" rIns="0" bIns="0" rtlCol="0">
@@ -6790,40 +9003,869 @@
           <a:p>
             <a:pPr algn="ctr"/>
             <a:r>
-              <a:rPr lang="en-US" altLang="ko-KR" sz="1400" dirty="0" smtClean="0">
+              <a:rPr lang="en-US" altLang="ko-KR" sz="1100" dirty="0" smtClean="0">
                 <a:solidFill>
-                  <a:schemeClr val="tx1">
-                    <a:lumMod val="75000"/>
-                    <a:lumOff val="25000"/>
+                  <a:schemeClr val="bg1">
+                    <a:lumMod val="50000"/>
                   </a:schemeClr>
                 </a:solidFill>
-                <a:latin typeface="삼성긴고딕OTF Bold" panose="020B0600000101010101" pitchFamily="34" charset="-127"/>
-                <a:ea typeface="삼성긴고딕OTF Bold" panose="020B0600000101010101" pitchFamily="34" charset="-127"/>
+                <a:latin typeface="삼성긴고딕OTF Medium" panose="020B0600000101010101" pitchFamily="34" charset="-127"/>
+                <a:ea typeface="삼성긴고딕OTF Medium" panose="020B0600000101010101" pitchFamily="34" charset="-127"/>
               </a:rPr>
-              <a:t>r</a:t>
+              <a:t>c</a:t>
             </a:r>
             <a:r>
-              <a:rPr lang="en-US" altLang="ko-KR" sz="1400" dirty="0" smtClean="0">
+              <a:rPr lang="en-US" altLang="ko-KR" sz="1100" dirty="0" smtClean="0">
                 <a:solidFill>
-                  <a:schemeClr val="tx1">
-                    <a:lumMod val="75000"/>
-                    <a:lumOff val="25000"/>
+                  <a:schemeClr val="bg1">
+                    <a:lumMod val="50000"/>
                   </a:schemeClr>
                 </a:solidFill>
-                <a:latin typeface="삼성긴고딕OTF Bold" panose="020B0600000101010101" pitchFamily="34" charset="-127"/>
-                <a:ea typeface="삼성긴고딕OTF Bold" panose="020B0600000101010101" pitchFamily="34" charset="-127"/>
+                <a:latin typeface="삼성긴고딕OTF Medium" panose="020B0600000101010101" pitchFamily="34" charset="-127"/>
+                <a:ea typeface="삼성긴고딕OTF Medium" panose="020B0600000101010101" pitchFamily="34" charset="-127"/>
               </a:rPr>
-              <a:t>eplicas = 4</a:t>
+              <a:t>lient1 </a:t>
             </a:r>
-            <a:endParaRPr lang="ko-KR" altLang="en-US" sz="1400" dirty="0">
+            <a:r>
+              <a:rPr lang="en-US" altLang="ko-KR" sz="1100" dirty="0" err="1" smtClean="0">
+                <a:solidFill>
+                  <a:schemeClr val="bg1">
+                    <a:lumMod val="50000"/>
+                  </a:schemeClr>
+                </a:solidFill>
+                <a:latin typeface="삼성긴고딕OTF Medium" panose="020B0600000101010101" pitchFamily="34" charset="-127"/>
+                <a:ea typeface="삼성긴고딕OTF Medium" panose="020B0600000101010101" pitchFamily="34" charset="-127"/>
+              </a:rPr>
+              <a:t>ip</a:t>
+            </a:r>
+            <a:r>
+              <a:rPr lang="en-US" altLang="ko-KR" sz="1100" dirty="0" smtClean="0">
+                <a:solidFill>
+                  <a:schemeClr val="bg1">
+                    <a:lumMod val="50000"/>
+                  </a:schemeClr>
+                </a:solidFill>
+                <a:latin typeface="삼성긴고딕OTF Medium" panose="020B0600000101010101" pitchFamily="34" charset="-127"/>
+                <a:ea typeface="삼성긴고딕OTF Medium" panose="020B0600000101010101" pitchFamily="34" charset="-127"/>
+              </a:rPr>
+              <a:t>:</a:t>
+            </a:r>
+            <a:br>
+              <a:rPr lang="en-US" altLang="ko-KR" sz="1100" dirty="0" smtClean="0">
+                <a:solidFill>
+                  <a:schemeClr val="bg1">
+                    <a:lumMod val="50000"/>
+                  </a:schemeClr>
+                </a:solidFill>
+                <a:latin typeface="삼성긴고딕OTF Medium" panose="020B0600000101010101" pitchFamily="34" charset="-127"/>
+                <a:ea typeface="삼성긴고딕OTF Medium" panose="020B0600000101010101" pitchFamily="34" charset="-127"/>
+              </a:rPr>
+            </a:br>
+            <a:r>
+              <a:rPr lang="en-US" altLang="ko-KR" sz="1100" dirty="0" smtClean="0">
+                <a:solidFill>
+                  <a:schemeClr val="bg1">
+                    <a:lumMod val="50000"/>
+                  </a:schemeClr>
+                </a:solidFill>
+                <a:latin typeface="삼성긴고딕OTF Medium" panose="020B0600000101010101" pitchFamily="34" charset="-127"/>
+                <a:ea typeface="삼성긴고딕OTF Medium" panose="020B0600000101010101" pitchFamily="34" charset="-127"/>
+              </a:rPr>
+              <a:t>127.0.0.1</a:t>
+            </a:r>
+            <a:endParaRPr lang="ko-KR" altLang="en-US" sz="1100" dirty="0">
               <a:solidFill>
-                <a:schemeClr val="tx1">
-                  <a:lumMod val="75000"/>
-                  <a:lumOff val="25000"/>
+                <a:schemeClr val="bg1">
+                  <a:lumMod val="50000"/>
                 </a:schemeClr>
               </a:solidFill>
-              <a:latin typeface="삼성긴고딕OTF Bold" panose="020B0600000101010101" pitchFamily="34" charset="-127"/>
-              <a:ea typeface="삼성긴고딕OTF Bold" panose="020B0600000101010101" pitchFamily="34" charset="-127"/>
+              <a:latin typeface="삼성긴고딕OTF Medium" panose="020B0600000101010101" pitchFamily="34" charset="-127"/>
+              <a:ea typeface="삼성긴고딕OTF Medium" panose="020B0600000101010101" pitchFamily="34" charset="-127"/>
+            </a:endParaRPr>
+          </a:p>
+        </p:txBody>
+      </p:sp>
+      <p:sp>
+        <p:nvSpPr>
+          <p:cNvPr id="160" name="TextBox 159"/>
+          <p:cNvSpPr txBox="1"/>
+          <p:nvPr/>
+        </p:nvSpPr>
+        <p:spPr>
+          <a:xfrm>
+            <a:off x="1766739" y="1288668"/>
+            <a:ext cx="703995" cy="338554"/>
+          </a:xfrm>
+          <a:prstGeom prst="rect">
+            <a:avLst/>
+          </a:prstGeom>
+          <a:solidFill>
+            <a:schemeClr val="bg1"/>
+          </a:solidFill>
+        </p:spPr>
+        <p:txBody>
+          <a:bodyPr wrap="square" lIns="0" tIns="0" rIns="0" bIns="0" rtlCol="0">
+            <a:spAutoFit/>
+          </a:bodyPr>
+          <a:lstStyle/>
+          <a:p>
+            <a:pPr algn="ctr"/>
+            <a:r>
+              <a:rPr lang="en-US" altLang="ko-KR" sz="1100" dirty="0" smtClean="0">
+                <a:solidFill>
+                  <a:schemeClr val="bg1">
+                    <a:lumMod val="50000"/>
+                  </a:schemeClr>
+                </a:solidFill>
+                <a:latin typeface="삼성긴고딕OTF Medium" panose="020B0600000101010101" pitchFamily="34" charset="-127"/>
+                <a:ea typeface="삼성긴고딕OTF Medium" panose="020B0600000101010101" pitchFamily="34" charset="-127"/>
+              </a:rPr>
+              <a:t>c</a:t>
+            </a:r>
+            <a:r>
+              <a:rPr lang="en-US" altLang="ko-KR" sz="1100" dirty="0" smtClean="0">
+                <a:solidFill>
+                  <a:schemeClr val="bg1">
+                    <a:lumMod val="50000"/>
+                  </a:schemeClr>
+                </a:solidFill>
+                <a:latin typeface="삼성긴고딕OTF Medium" panose="020B0600000101010101" pitchFamily="34" charset="-127"/>
+                <a:ea typeface="삼성긴고딕OTF Medium" panose="020B0600000101010101" pitchFamily="34" charset="-127"/>
+              </a:rPr>
+              <a:t>lient2 </a:t>
+            </a:r>
+            <a:r>
+              <a:rPr lang="en-US" altLang="ko-KR" sz="1100" dirty="0" err="1" smtClean="0">
+                <a:solidFill>
+                  <a:schemeClr val="bg1">
+                    <a:lumMod val="50000"/>
+                  </a:schemeClr>
+                </a:solidFill>
+                <a:latin typeface="삼성긴고딕OTF Medium" panose="020B0600000101010101" pitchFamily="34" charset="-127"/>
+                <a:ea typeface="삼성긴고딕OTF Medium" panose="020B0600000101010101" pitchFamily="34" charset="-127"/>
+              </a:rPr>
+              <a:t>ip</a:t>
+            </a:r>
+            <a:r>
+              <a:rPr lang="en-US" altLang="ko-KR" sz="1100" dirty="0" smtClean="0">
+                <a:solidFill>
+                  <a:schemeClr val="bg1">
+                    <a:lumMod val="50000"/>
+                  </a:schemeClr>
+                </a:solidFill>
+                <a:latin typeface="삼성긴고딕OTF Medium" panose="020B0600000101010101" pitchFamily="34" charset="-127"/>
+                <a:ea typeface="삼성긴고딕OTF Medium" panose="020B0600000101010101" pitchFamily="34" charset="-127"/>
+              </a:rPr>
+              <a:t>:</a:t>
+            </a:r>
+            <a:br>
+              <a:rPr lang="en-US" altLang="ko-KR" sz="1100" dirty="0" smtClean="0">
+                <a:solidFill>
+                  <a:schemeClr val="bg1">
+                    <a:lumMod val="50000"/>
+                  </a:schemeClr>
+                </a:solidFill>
+                <a:latin typeface="삼성긴고딕OTF Medium" panose="020B0600000101010101" pitchFamily="34" charset="-127"/>
+                <a:ea typeface="삼성긴고딕OTF Medium" panose="020B0600000101010101" pitchFamily="34" charset="-127"/>
+              </a:rPr>
+            </a:br>
+            <a:r>
+              <a:rPr lang="en-US" altLang="ko-KR" sz="1100" dirty="0" smtClean="0">
+                <a:solidFill>
+                  <a:schemeClr val="bg1">
+                    <a:lumMod val="50000"/>
+                  </a:schemeClr>
+                </a:solidFill>
+                <a:latin typeface="삼성긴고딕OTF Medium" panose="020B0600000101010101" pitchFamily="34" charset="-127"/>
+                <a:ea typeface="삼성긴고딕OTF Medium" panose="020B0600000101010101" pitchFamily="34" charset="-127"/>
+              </a:rPr>
+              <a:t>256.12.3.1</a:t>
+            </a:r>
+            <a:endParaRPr lang="ko-KR" altLang="en-US" sz="1100" dirty="0">
+              <a:solidFill>
+                <a:schemeClr val="bg1">
+                  <a:lumMod val="50000"/>
+                </a:schemeClr>
+              </a:solidFill>
+              <a:latin typeface="삼성긴고딕OTF Medium" panose="020B0600000101010101" pitchFamily="34" charset="-127"/>
+              <a:ea typeface="삼성긴고딕OTF Medium" panose="020B0600000101010101" pitchFamily="34" charset="-127"/>
+            </a:endParaRPr>
+          </a:p>
+        </p:txBody>
+      </p:sp>
+      <p:sp>
+        <p:nvSpPr>
+          <p:cNvPr id="161" name="TextBox 160"/>
+          <p:cNvSpPr txBox="1"/>
+          <p:nvPr/>
+        </p:nvSpPr>
+        <p:spPr>
+          <a:xfrm>
+            <a:off x="1766739" y="1841566"/>
+            <a:ext cx="703995" cy="338554"/>
+          </a:xfrm>
+          <a:prstGeom prst="rect">
+            <a:avLst/>
+          </a:prstGeom>
+          <a:solidFill>
+            <a:schemeClr val="bg1"/>
+          </a:solidFill>
+        </p:spPr>
+        <p:txBody>
+          <a:bodyPr wrap="square" lIns="0" tIns="0" rIns="0" bIns="0" rtlCol="0">
+            <a:spAutoFit/>
+          </a:bodyPr>
+          <a:lstStyle/>
+          <a:p>
+            <a:pPr algn="ctr"/>
+            <a:r>
+              <a:rPr lang="en-US" altLang="ko-KR" sz="1100" dirty="0" smtClean="0">
+                <a:solidFill>
+                  <a:schemeClr val="bg1">
+                    <a:lumMod val="50000"/>
+                  </a:schemeClr>
+                </a:solidFill>
+                <a:latin typeface="삼성긴고딕OTF Medium" panose="020B0600000101010101" pitchFamily="34" charset="-127"/>
+                <a:ea typeface="삼성긴고딕OTF Medium" panose="020B0600000101010101" pitchFamily="34" charset="-127"/>
+              </a:rPr>
+              <a:t>c</a:t>
+            </a:r>
+            <a:r>
+              <a:rPr lang="en-US" altLang="ko-KR" sz="1100" dirty="0" smtClean="0">
+                <a:solidFill>
+                  <a:schemeClr val="bg1">
+                    <a:lumMod val="50000"/>
+                  </a:schemeClr>
+                </a:solidFill>
+                <a:latin typeface="삼성긴고딕OTF Medium" panose="020B0600000101010101" pitchFamily="34" charset="-127"/>
+                <a:ea typeface="삼성긴고딕OTF Medium" panose="020B0600000101010101" pitchFamily="34" charset="-127"/>
+              </a:rPr>
+              <a:t>lient3 </a:t>
+            </a:r>
+            <a:r>
+              <a:rPr lang="en-US" altLang="ko-KR" sz="1100" dirty="0" err="1" smtClean="0">
+                <a:solidFill>
+                  <a:schemeClr val="bg1">
+                    <a:lumMod val="50000"/>
+                  </a:schemeClr>
+                </a:solidFill>
+                <a:latin typeface="삼성긴고딕OTF Medium" panose="020B0600000101010101" pitchFamily="34" charset="-127"/>
+                <a:ea typeface="삼성긴고딕OTF Medium" panose="020B0600000101010101" pitchFamily="34" charset="-127"/>
+              </a:rPr>
+              <a:t>ip</a:t>
+            </a:r>
+            <a:r>
+              <a:rPr lang="en-US" altLang="ko-KR" sz="1100" dirty="0" smtClean="0">
+                <a:solidFill>
+                  <a:schemeClr val="bg1">
+                    <a:lumMod val="50000"/>
+                  </a:schemeClr>
+                </a:solidFill>
+                <a:latin typeface="삼성긴고딕OTF Medium" panose="020B0600000101010101" pitchFamily="34" charset="-127"/>
+                <a:ea typeface="삼성긴고딕OTF Medium" panose="020B0600000101010101" pitchFamily="34" charset="-127"/>
+              </a:rPr>
+              <a:t>:</a:t>
+            </a:r>
+            <a:br>
+              <a:rPr lang="en-US" altLang="ko-KR" sz="1100" dirty="0" smtClean="0">
+                <a:solidFill>
+                  <a:schemeClr val="bg1">
+                    <a:lumMod val="50000"/>
+                  </a:schemeClr>
+                </a:solidFill>
+                <a:latin typeface="삼성긴고딕OTF Medium" panose="020B0600000101010101" pitchFamily="34" charset="-127"/>
+                <a:ea typeface="삼성긴고딕OTF Medium" panose="020B0600000101010101" pitchFamily="34" charset="-127"/>
+              </a:rPr>
+            </a:br>
+            <a:r>
+              <a:rPr lang="en-US" altLang="ko-KR" sz="1100" dirty="0" smtClean="0">
+                <a:solidFill>
+                  <a:schemeClr val="bg1">
+                    <a:lumMod val="50000"/>
+                  </a:schemeClr>
+                </a:solidFill>
+                <a:latin typeface="삼성긴고딕OTF Medium" panose="020B0600000101010101" pitchFamily="34" charset="-127"/>
+                <a:ea typeface="삼성긴고딕OTF Medium" panose="020B0600000101010101" pitchFamily="34" charset="-127"/>
+              </a:rPr>
+              <a:t>192.12.8.54</a:t>
+            </a:r>
+            <a:endParaRPr lang="ko-KR" altLang="en-US" sz="1100" dirty="0">
+              <a:solidFill>
+                <a:schemeClr val="bg1">
+                  <a:lumMod val="50000"/>
+                </a:schemeClr>
+              </a:solidFill>
+              <a:latin typeface="삼성긴고딕OTF Medium" panose="020B0600000101010101" pitchFamily="34" charset="-127"/>
+              <a:ea typeface="삼성긴고딕OTF Medium" panose="020B0600000101010101" pitchFamily="34" charset="-127"/>
+            </a:endParaRPr>
+          </a:p>
+        </p:txBody>
+      </p:sp>
+      <p:sp>
+        <p:nvSpPr>
+          <p:cNvPr id="162" name="TextBox 161"/>
+          <p:cNvSpPr txBox="1"/>
+          <p:nvPr/>
+        </p:nvSpPr>
+        <p:spPr>
+          <a:xfrm>
+            <a:off x="1766739" y="4337136"/>
+            <a:ext cx="703995" cy="338554"/>
+          </a:xfrm>
+          <a:prstGeom prst="rect">
+            <a:avLst/>
+          </a:prstGeom>
+          <a:solidFill>
+            <a:schemeClr val="bg1"/>
+          </a:solidFill>
+        </p:spPr>
+        <p:txBody>
+          <a:bodyPr wrap="square" lIns="0" tIns="0" rIns="0" bIns="0" rtlCol="0">
+            <a:spAutoFit/>
+          </a:bodyPr>
+          <a:lstStyle/>
+          <a:p>
+            <a:pPr algn="ctr"/>
+            <a:r>
+              <a:rPr lang="en-US" altLang="ko-KR" sz="1100" dirty="0" smtClean="0">
+                <a:solidFill>
+                  <a:schemeClr val="bg1">
+                    <a:lumMod val="50000"/>
+                  </a:schemeClr>
+                </a:solidFill>
+                <a:latin typeface="삼성긴고딕OTF Medium" panose="020B0600000101010101" pitchFamily="34" charset="-127"/>
+                <a:ea typeface="삼성긴고딕OTF Medium" panose="020B0600000101010101" pitchFamily="34" charset="-127"/>
+              </a:rPr>
+              <a:t>c</a:t>
+            </a:r>
+            <a:r>
+              <a:rPr lang="en-US" altLang="ko-KR" sz="1100" dirty="0" smtClean="0">
+                <a:solidFill>
+                  <a:schemeClr val="bg1">
+                    <a:lumMod val="50000"/>
+                  </a:schemeClr>
+                </a:solidFill>
+                <a:latin typeface="삼성긴고딕OTF Medium" panose="020B0600000101010101" pitchFamily="34" charset="-127"/>
+                <a:ea typeface="삼성긴고딕OTF Medium" panose="020B0600000101010101" pitchFamily="34" charset="-127"/>
+              </a:rPr>
+              <a:t>lient1 </a:t>
+            </a:r>
+            <a:r>
+              <a:rPr lang="en-US" altLang="ko-KR" sz="1100" dirty="0" err="1" smtClean="0">
+                <a:solidFill>
+                  <a:schemeClr val="bg1">
+                    <a:lumMod val="50000"/>
+                  </a:schemeClr>
+                </a:solidFill>
+                <a:latin typeface="삼성긴고딕OTF Medium" panose="020B0600000101010101" pitchFamily="34" charset="-127"/>
+                <a:ea typeface="삼성긴고딕OTF Medium" panose="020B0600000101010101" pitchFamily="34" charset="-127"/>
+              </a:rPr>
+              <a:t>ip</a:t>
+            </a:r>
+            <a:r>
+              <a:rPr lang="en-US" altLang="ko-KR" sz="1100" dirty="0" smtClean="0">
+                <a:solidFill>
+                  <a:schemeClr val="bg1">
+                    <a:lumMod val="50000"/>
+                  </a:schemeClr>
+                </a:solidFill>
+                <a:latin typeface="삼성긴고딕OTF Medium" panose="020B0600000101010101" pitchFamily="34" charset="-127"/>
+                <a:ea typeface="삼성긴고딕OTF Medium" panose="020B0600000101010101" pitchFamily="34" charset="-127"/>
+              </a:rPr>
+              <a:t>:</a:t>
+            </a:r>
+            <a:br>
+              <a:rPr lang="en-US" altLang="ko-KR" sz="1100" dirty="0" smtClean="0">
+                <a:solidFill>
+                  <a:schemeClr val="bg1">
+                    <a:lumMod val="50000"/>
+                  </a:schemeClr>
+                </a:solidFill>
+                <a:latin typeface="삼성긴고딕OTF Medium" panose="020B0600000101010101" pitchFamily="34" charset="-127"/>
+                <a:ea typeface="삼성긴고딕OTF Medium" panose="020B0600000101010101" pitchFamily="34" charset="-127"/>
+              </a:rPr>
+            </a:br>
+            <a:r>
+              <a:rPr lang="en-US" altLang="ko-KR" sz="1100" dirty="0" smtClean="0">
+                <a:solidFill>
+                  <a:schemeClr val="bg1">
+                    <a:lumMod val="50000"/>
+                  </a:schemeClr>
+                </a:solidFill>
+                <a:latin typeface="삼성긴고딕OTF Medium" panose="020B0600000101010101" pitchFamily="34" charset="-127"/>
+                <a:ea typeface="삼성긴고딕OTF Medium" panose="020B0600000101010101" pitchFamily="34" charset="-127"/>
+              </a:rPr>
+              <a:t>127.0.0.1</a:t>
+            </a:r>
+            <a:endParaRPr lang="ko-KR" altLang="en-US" sz="1100" dirty="0">
+              <a:solidFill>
+                <a:schemeClr val="bg1">
+                  <a:lumMod val="50000"/>
+                </a:schemeClr>
+              </a:solidFill>
+              <a:latin typeface="삼성긴고딕OTF Medium" panose="020B0600000101010101" pitchFamily="34" charset="-127"/>
+              <a:ea typeface="삼성긴고딕OTF Medium" panose="020B0600000101010101" pitchFamily="34" charset="-127"/>
+            </a:endParaRPr>
+          </a:p>
+        </p:txBody>
+      </p:sp>
+      <p:sp>
+        <p:nvSpPr>
+          <p:cNvPr id="163" name="TextBox 162"/>
+          <p:cNvSpPr txBox="1"/>
+          <p:nvPr/>
+        </p:nvSpPr>
+        <p:spPr>
+          <a:xfrm>
+            <a:off x="1766739" y="4891661"/>
+            <a:ext cx="703995" cy="338554"/>
+          </a:xfrm>
+          <a:prstGeom prst="rect">
+            <a:avLst/>
+          </a:prstGeom>
+          <a:solidFill>
+            <a:schemeClr val="bg1"/>
+          </a:solidFill>
+        </p:spPr>
+        <p:txBody>
+          <a:bodyPr wrap="square" lIns="0" tIns="0" rIns="0" bIns="0" rtlCol="0">
+            <a:spAutoFit/>
+          </a:bodyPr>
+          <a:lstStyle/>
+          <a:p>
+            <a:pPr algn="ctr"/>
+            <a:r>
+              <a:rPr lang="en-US" altLang="ko-KR" sz="1100" dirty="0" smtClean="0">
+                <a:solidFill>
+                  <a:schemeClr val="bg1">
+                    <a:lumMod val="50000"/>
+                  </a:schemeClr>
+                </a:solidFill>
+                <a:latin typeface="삼성긴고딕OTF Medium" panose="020B0600000101010101" pitchFamily="34" charset="-127"/>
+                <a:ea typeface="삼성긴고딕OTF Medium" panose="020B0600000101010101" pitchFamily="34" charset="-127"/>
+              </a:rPr>
+              <a:t>c</a:t>
+            </a:r>
+            <a:r>
+              <a:rPr lang="en-US" altLang="ko-KR" sz="1100" dirty="0" smtClean="0">
+                <a:solidFill>
+                  <a:schemeClr val="bg1">
+                    <a:lumMod val="50000"/>
+                  </a:schemeClr>
+                </a:solidFill>
+                <a:latin typeface="삼성긴고딕OTF Medium" panose="020B0600000101010101" pitchFamily="34" charset="-127"/>
+                <a:ea typeface="삼성긴고딕OTF Medium" panose="020B0600000101010101" pitchFamily="34" charset="-127"/>
+              </a:rPr>
+              <a:t>lient2 </a:t>
+            </a:r>
+            <a:r>
+              <a:rPr lang="en-US" altLang="ko-KR" sz="1100" dirty="0" err="1" smtClean="0">
+                <a:solidFill>
+                  <a:schemeClr val="bg1">
+                    <a:lumMod val="50000"/>
+                  </a:schemeClr>
+                </a:solidFill>
+                <a:latin typeface="삼성긴고딕OTF Medium" panose="020B0600000101010101" pitchFamily="34" charset="-127"/>
+                <a:ea typeface="삼성긴고딕OTF Medium" panose="020B0600000101010101" pitchFamily="34" charset="-127"/>
+              </a:rPr>
+              <a:t>ip</a:t>
+            </a:r>
+            <a:r>
+              <a:rPr lang="en-US" altLang="ko-KR" sz="1100" dirty="0" smtClean="0">
+                <a:solidFill>
+                  <a:schemeClr val="bg1">
+                    <a:lumMod val="50000"/>
+                  </a:schemeClr>
+                </a:solidFill>
+                <a:latin typeface="삼성긴고딕OTF Medium" panose="020B0600000101010101" pitchFamily="34" charset="-127"/>
+                <a:ea typeface="삼성긴고딕OTF Medium" panose="020B0600000101010101" pitchFamily="34" charset="-127"/>
+              </a:rPr>
+              <a:t>:</a:t>
+            </a:r>
+            <a:br>
+              <a:rPr lang="en-US" altLang="ko-KR" sz="1100" dirty="0" smtClean="0">
+                <a:solidFill>
+                  <a:schemeClr val="bg1">
+                    <a:lumMod val="50000"/>
+                  </a:schemeClr>
+                </a:solidFill>
+                <a:latin typeface="삼성긴고딕OTF Medium" panose="020B0600000101010101" pitchFamily="34" charset="-127"/>
+                <a:ea typeface="삼성긴고딕OTF Medium" panose="020B0600000101010101" pitchFamily="34" charset="-127"/>
+              </a:rPr>
+            </a:br>
+            <a:r>
+              <a:rPr lang="en-US" altLang="ko-KR" sz="1100" dirty="0" smtClean="0">
+                <a:solidFill>
+                  <a:schemeClr val="bg1">
+                    <a:lumMod val="50000"/>
+                  </a:schemeClr>
+                </a:solidFill>
+                <a:latin typeface="삼성긴고딕OTF Medium" panose="020B0600000101010101" pitchFamily="34" charset="-127"/>
+                <a:ea typeface="삼성긴고딕OTF Medium" panose="020B0600000101010101" pitchFamily="34" charset="-127"/>
+              </a:rPr>
+              <a:t>256.12.3.1</a:t>
+            </a:r>
+            <a:endParaRPr lang="ko-KR" altLang="en-US" sz="1100" dirty="0">
+              <a:solidFill>
+                <a:schemeClr val="bg1">
+                  <a:lumMod val="50000"/>
+                </a:schemeClr>
+              </a:solidFill>
+              <a:latin typeface="삼성긴고딕OTF Medium" panose="020B0600000101010101" pitchFamily="34" charset="-127"/>
+              <a:ea typeface="삼성긴고딕OTF Medium" panose="020B0600000101010101" pitchFamily="34" charset="-127"/>
+            </a:endParaRPr>
+          </a:p>
+        </p:txBody>
+      </p:sp>
+      <p:sp>
+        <p:nvSpPr>
+          <p:cNvPr id="164" name="TextBox 163"/>
+          <p:cNvSpPr txBox="1"/>
+          <p:nvPr/>
+        </p:nvSpPr>
+        <p:spPr>
+          <a:xfrm>
+            <a:off x="1766739" y="5444559"/>
+            <a:ext cx="703995" cy="338554"/>
+          </a:xfrm>
+          <a:prstGeom prst="rect">
+            <a:avLst/>
+          </a:prstGeom>
+          <a:solidFill>
+            <a:schemeClr val="bg1"/>
+          </a:solidFill>
+        </p:spPr>
+        <p:txBody>
+          <a:bodyPr wrap="square" lIns="0" tIns="0" rIns="0" bIns="0" rtlCol="0">
+            <a:spAutoFit/>
+          </a:bodyPr>
+          <a:lstStyle/>
+          <a:p>
+            <a:pPr algn="ctr"/>
+            <a:r>
+              <a:rPr lang="en-US" altLang="ko-KR" sz="1100" dirty="0" smtClean="0">
+                <a:solidFill>
+                  <a:schemeClr val="bg1">
+                    <a:lumMod val="50000"/>
+                  </a:schemeClr>
+                </a:solidFill>
+                <a:latin typeface="삼성긴고딕OTF Medium" panose="020B0600000101010101" pitchFamily="34" charset="-127"/>
+                <a:ea typeface="삼성긴고딕OTF Medium" panose="020B0600000101010101" pitchFamily="34" charset="-127"/>
+              </a:rPr>
+              <a:t>c</a:t>
+            </a:r>
+            <a:r>
+              <a:rPr lang="en-US" altLang="ko-KR" sz="1100" dirty="0" smtClean="0">
+                <a:solidFill>
+                  <a:schemeClr val="bg1">
+                    <a:lumMod val="50000"/>
+                  </a:schemeClr>
+                </a:solidFill>
+                <a:latin typeface="삼성긴고딕OTF Medium" panose="020B0600000101010101" pitchFamily="34" charset="-127"/>
+                <a:ea typeface="삼성긴고딕OTF Medium" panose="020B0600000101010101" pitchFamily="34" charset="-127"/>
+              </a:rPr>
+              <a:t>lient3 </a:t>
+            </a:r>
+            <a:r>
+              <a:rPr lang="en-US" altLang="ko-KR" sz="1100" dirty="0" err="1" smtClean="0">
+                <a:solidFill>
+                  <a:schemeClr val="bg1">
+                    <a:lumMod val="50000"/>
+                  </a:schemeClr>
+                </a:solidFill>
+                <a:latin typeface="삼성긴고딕OTF Medium" panose="020B0600000101010101" pitchFamily="34" charset="-127"/>
+                <a:ea typeface="삼성긴고딕OTF Medium" panose="020B0600000101010101" pitchFamily="34" charset="-127"/>
+              </a:rPr>
+              <a:t>ip</a:t>
+            </a:r>
+            <a:r>
+              <a:rPr lang="en-US" altLang="ko-KR" sz="1100" dirty="0" smtClean="0">
+                <a:solidFill>
+                  <a:schemeClr val="bg1">
+                    <a:lumMod val="50000"/>
+                  </a:schemeClr>
+                </a:solidFill>
+                <a:latin typeface="삼성긴고딕OTF Medium" panose="020B0600000101010101" pitchFamily="34" charset="-127"/>
+                <a:ea typeface="삼성긴고딕OTF Medium" panose="020B0600000101010101" pitchFamily="34" charset="-127"/>
+              </a:rPr>
+              <a:t>:</a:t>
+            </a:r>
+            <a:br>
+              <a:rPr lang="en-US" altLang="ko-KR" sz="1100" dirty="0" smtClean="0">
+                <a:solidFill>
+                  <a:schemeClr val="bg1">
+                    <a:lumMod val="50000"/>
+                  </a:schemeClr>
+                </a:solidFill>
+                <a:latin typeface="삼성긴고딕OTF Medium" panose="020B0600000101010101" pitchFamily="34" charset="-127"/>
+                <a:ea typeface="삼성긴고딕OTF Medium" panose="020B0600000101010101" pitchFamily="34" charset="-127"/>
+              </a:rPr>
+            </a:br>
+            <a:r>
+              <a:rPr lang="en-US" altLang="ko-KR" sz="1100" dirty="0" smtClean="0">
+                <a:solidFill>
+                  <a:schemeClr val="bg1">
+                    <a:lumMod val="50000"/>
+                  </a:schemeClr>
+                </a:solidFill>
+                <a:latin typeface="삼성긴고딕OTF Medium" panose="020B0600000101010101" pitchFamily="34" charset="-127"/>
+                <a:ea typeface="삼성긴고딕OTF Medium" panose="020B0600000101010101" pitchFamily="34" charset="-127"/>
+              </a:rPr>
+              <a:t>192.12.8.54</a:t>
+            </a:r>
+            <a:endParaRPr lang="ko-KR" altLang="en-US" sz="1100" dirty="0">
+              <a:solidFill>
+                <a:schemeClr val="bg1">
+                  <a:lumMod val="50000"/>
+                </a:schemeClr>
+              </a:solidFill>
+              <a:latin typeface="삼성긴고딕OTF Medium" panose="020B0600000101010101" pitchFamily="34" charset="-127"/>
+              <a:ea typeface="삼성긴고딕OTF Medium" panose="020B0600000101010101" pitchFamily="34" charset="-127"/>
+            </a:endParaRPr>
+          </a:p>
+        </p:txBody>
+      </p:sp>
+      <p:sp>
+        <p:nvSpPr>
+          <p:cNvPr id="165" name="TextBox 164"/>
+          <p:cNvSpPr txBox="1"/>
+          <p:nvPr/>
+        </p:nvSpPr>
+        <p:spPr>
+          <a:xfrm>
+            <a:off x="5935739" y="897333"/>
+            <a:ext cx="1126401" cy="169277"/>
+          </a:xfrm>
+          <a:prstGeom prst="rect">
+            <a:avLst/>
+          </a:prstGeom>
+          <a:solidFill>
+            <a:schemeClr val="bg1"/>
+          </a:solidFill>
+        </p:spPr>
+        <p:txBody>
+          <a:bodyPr wrap="square" lIns="0" tIns="0" rIns="0" bIns="0" rtlCol="0">
+            <a:spAutoFit/>
+          </a:bodyPr>
+          <a:lstStyle/>
+          <a:p>
+            <a:pPr algn="ctr"/>
+            <a:r>
+              <a:rPr lang="en-US" altLang="ko-KR" sz="1100" dirty="0" smtClean="0">
+                <a:solidFill>
+                  <a:schemeClr val="bg1">
+                    <a:lumMod val="50000"/>
+                  </a:schemeClr>
+                </a:solidFill>
+                <a:latin typeface="삼성긴고딕OTF Medium" panose="020B0600000101010101" pitchFamily="34" charset="-127"/>
+                <a:ea typeface="삼성긴고딕OTF Medium" panose="020B0600000101010101" pitchFamily="34" charset="-127"/>
+              </a:rPr>
+              <a:t>www.abc.com</a:t>
+            </a:r>
+            <a:endParaRPr lang="ko-KR" altLang="en-US" sz="1100" dirty="0">
+              <a:solidFill>
+                <a:schemeClr val="bg1">
+                  <a:lumMod val="50000"/>
+                </a:schemeClr>
+              </a:solidFill>
+              <a:latin typeface="삼성긴고딕OTF Medium" panose="020B0600000101010101" pitchFamily="34" charset="-127"/>
+              <a:ea typeface="삼성긴고딕OTF Medium" panose="020B0600000101010101" pitchFamily="34" charset="-127"/>
+            </a:endParaRPr>
+          </a:p>
+        </p:txBody>
+      </p:sp>
+      <p:sp>
+        <p:nvSpPr>
+          <p:cNvPr id="170" name="TextBox 169"/>
+          <p:cNvSpPr txBox="1"/>
+          <p:nvPr/>
+        </p:nvSpPr>
+        <p:spPr>
+          <a:xfrm>
+            <a:off x="5935739" y="1814903"/>
+            <a:ext cx="1126401" cy="169277"/>
+          </a:xfrm>
+          <a:prstGeom prst="rect">
+            <a:avLst/>
+          </a:prstGeom>
+          <a:solidFill>
+            <a:schemeClr val="bg1"/>
+          </a:solidFill>
+        </p:spPr>
+        <p:txBody>
+          <a:bodyPr wrap="square" lIns="0" tIns="0" rIns="0" bIns="0" rtlCol="0">
+            <a:spAutoFit/>
+          </a:bodyPr>
+          <a:lstStyle/>
+          <a:p>
+            <a:pPr algn="ctr"/>
+            <a:r>
+              <a:rPr lang="en-US" altLang="ko-KR" sz="1100" dirty="0" smtClean="0">
+                <a:solidFill>
+                  <a:schemeClr val="bg1">
+                    <a:lumMod val="50000"/>
+                  </a:schemeClr>
+                </a:solidFill>
+                <a:latin typeface="삼성긴고딕OTF Medium" panose="020B0600000101010101" pitchFamily="34" charset="-127"/>
+                <a:ea typeface="삼성긴고딕OTF Medium" panose="020B0600000101010101" pitchFamily="34" charset="-127"/>
+              </a:rPr>
+              <a:t>www.def.com</a:t>
+            </a:r>
+            <a:endParaRPr lang="ko-KR" altLang="en-US" sz="1100" dirty="0">
+              <a:solidFill>
+                <a:schemeClr val="bg1">
+                  <a:lumMod val="50000"/>
+                </a:schemeClr>
+              </a:solidFill>
+              <a:latin typeface="삼성긴고딕OTF Medium" panose="020B0600000101010101" pitchFamily="34" charset="-127"/>
+              <a:ea typeface="삼성긴고딕OTF Medium" panose="020B0600000101010101" pitchFamily="34" charset="-127"/>
+            </a:endParaRPr>
+          </a:p>
+        </p:txBody>
+      </p:sp>
+      <p:sp>
+        <p:nvSpPr>
+          <p:cNvPr id="171" name="TextBox 170"/>
+          <p:cNvSpPr txBox="1"/>
+          <p:nvPr/>
+        </p:nvSpPr>
+        <p:spPr>
+          <a:xfrm>
+            <a:off x="4688587" y="3530729"/>
+            <a:ext cx="1126401" cy="169277"/>
+          </a:xfrm>
+          <a:prstGeom prst="rect">
+            <a:avLst/>
+          </a:prstGeom>
+          <a:solidFill>
+            <a:schemeClr val="bg1"/>
+          </a:solidFill>
+        </p:spPr>
+        <p:txBody>
+          <a:bodyPr wrap="square" lIns="0" tIns="0" rIns="0" bIns="0" rtlCol="0">
+            <a:spAutoFit/>
+          </a:bodyPr>
+          <a:lstStyle/>
+          <a:p>
+            <a:pPr algn="ctr"/>
+            <a:r>
+              <a:rPr lang="en-US" altLang="ko-KR" sz="1100" dirty="0" smtClean="0">
+                <a:solidFill>
+                  <a:schemeClr val="bg1">
+                    <a:lumMod val="50000"/>
+                  </a:schemeClr>
+                </a:solidFill>
+                <a:latin typeface="삼성긴고딕OTF Medium" panose="020B0600000101010101" pitchFamily="34" charset="-127"/>
+                <a:ea typeface="삼성긴고딕OTF Medium" panose="020B0600000101010101" pitchFamily="34" charset="-127"/>
+              </a:rPr>
+              <a:t>www.target1.com</a:t>
+            </a:r>
+            <a:endParaRPr lang="ko-KR" altLang="en-US" sz="1100" dirty="0">
+              <a:solidFill>
+                <a:schemeClr val="bg1">
+                  <a:lumMod val="50000"/>
+                </a:schemeClr>
+              </a:solidFill>
+              <a:latin typeface="삼성긴고딕OTF Medium" panose="020B0600000101010101" pitchFamily="34" charset="-127"/>
+              <a:ea typeface="삼성긴고딕OTF Medium" panose="020B0600000101010101" pitchFamily="34" charset="-127"/>
+            </a:endParaRPr>
+          </a:p>
+        </p:txBody>
+      </p:sp>
+      <p:sp>
+        <p:nvSpPr>
+          <p:cNvPr id="172" name="TextBox 171"/>
+          <p:cNvSpPr txBox="1"/>
+          <p:nvPr/>
+        </p:nvSpPr>
+        <p:spPr>
+          <a:xfrm>
+            <a:off x="6904656" y="3530729"/>
+            <a:ext cx="1441368" cy="169277"/>
+          </a:xfrm>
+          <a:prstGeom prst="rect">
+            <a:avLst/>
+          </a:prstGeom>
+          <a:solidFill>
+            <a:schemeClr val="bg1"/>
+          </a:solidFill>
+        </p:spPr>
+        <p:txBody>
+          <a:bodyPr wrap="square" lIns="0" tIns="0" rIns="0" bIns="0" rtlCol="0">
+            <a:spAutoFit/>
+          </a:bodyPr>
+          <a:lstStyle/>
+          <a:p>
+            <a:pPr algn="ctr"/>
+            <a:r>
+              <a:rPr lang="en-US" altLang="ko-KR" sz="1100" dirty="0" smtClean="0">
+                <a:solidFill>
+                  <a:schemeClr val="bg1">
+                    <a:lumMod val="50000"/>
+                  </a:schemeClr>
+                </a:solidFill>
+                <a:latin typeface="삼성긴고딕OTF Medium" panose="020B0600000101010101" pitchFamily="34" charset="-127"/>
+                <a:ea typeface="삼성긴고딕OTF Medium" panose="020B0600000101010101" pitchFamily="34" charset="-127"/>
+              </a:rPr>
+              <a:t>www.target1.com/abc</a:t>
+            </a:r>
+            <a:endParaRPr lang="ko-KR" altLang="en-US" sz="1100" dirty="0">
+              <a:solidFill>
+                <a:schemeClr val="bg1">
+                  <a:lumMod val="50000"/>
+                </a:schemeClr>
+              </a:solidFill>
+              <a:latin typeface="삼성긴고딕OTF Medium" panose="020B0600000101010101" pitchFamily="34" charset="-127"/>
+              <a:ea typeface="삼성긴고딕OTF Medium" panose="020B0600000101010101" pitchFamily="34" charset="-127"/>
+            </a:endParaRPr>
+          </a:p>
+        </p:txBody>
+      </p:sp>
+      <p:sp>
+        <p:nvSpPr>
+          <p:cNvPr id="173" name="TextBox 172"/>
+          <p:cNvSpPr txBox="1"/>
+          <p:nvPr/>
+        </p:nvSpPr>
+        <p:spPr>
+          <a:xfrm>
+            <a:off x="6904656" y="6421682"/>
+            <a:ext cx="1441368" cy="169277"/>
+          </a:xfrm>
+          <a:prstGeom prst="rect">
+            <a:avLst/>
+          </a:prstGeom>
+          <a:solidFill>
+            <a:schemeClr val="bg1"/>
+          </a:solidFill>
+        </p:spPr>
+        <p:txBody>
+          <a:bodyPr wrap="square" lIns="0" tIns="0" rIns="0" bIns="0" rtlCol="0">
+            <a:spAutoFit/>
+          </a:bodyPr>
+          <a:lstStyle/>
+          <a:p>
+            <a:pPr algn="ctr"/>
+            <a:r>
+              <a:rPr lang="en-US" altLang="ko-KR" sz="1100" dirty="0" smtClean="0">
+                <a:solidFill>
+                  <a:schemeClr val="bg1">
+                    <a:lumMod val="50000"/>
+                  </a:schemeClr>
+                </a:solidFill>
+                <a:latin typeface="삼성긴고딕OTF Medium" panose="020B0600000101010101" pitchFamily="34" charset="-127"/>
+                <a:ea typeface="삼성긴고딕OTF Medium" panose="020B0600000101010101" pitchFamily="34" charset="-127"/>
+              </a:rPr>
+              <a:t>www.target1.com/def</a:t>
+            </a:r>
+            <a:endParaRPr lang="ko-KR" altLang="en-US" sz="1100" dirty="0">
+              <a:solidFill>
+                <a:schemeClr val="bg1">
+                  <a:lumMod val="50000"/>
+                </a:schemeClr>
+              </a:solidFill>
+              <a:latin typeface="삼성긴고딕OTF Medium" panose="020B0600000101010101" pitchFamily="34" charset="-127"/>
+              <a:ea typeface="삼성긴고딕OTF Medium" panose="020B0600000101010101" pitchFamily="34" charset="-127"/>
             </a:endParaRPr>
           </a:p>
         </p:txBody>
@@ -6831,7 +9873,7 @@
     </p:spTree>
     <p:extLst>
       <p:ext uri="{BB962C8B-B14F-4D97-AF65-F5344CB8AC3E}">
-        <p14:creationId xmlns:p14="http://schemas.microsoft.com/office/powerpoint/2010/main" val="2862812699"/>
+        <p14:creationId xmlns:p14="http://schemas.microsoft.com/office/powerpoint/2010/main" val="946985785"/>
       </p:ext>
     </p:extLst>
   </p:cSld>

--- a/markdown_image.pptx
+++ b/markdown_image.pptx
@@ -5,7 +5,7 @@
     <p:sldMasterId id="2147483648" r:id="rId1"/>
   </p:sldMasterIdLst>
   <p:notesMasterIdLst>
-    <p:notesMasterId r:id="rId13"/>
+    <p:notesMasterId r:id="rId14"/>
   </p:notesMasterIdLst>
   <p:sldIdLst>
     <p:sldId id="256" r:id="rId2"/>
@@ -19,6 +19,7 @@
     <p:sldId id="265" r:id="rId10"/>
     <p:sldId id="266" r:id="rId11"/>
     <p:sldId id="267" r:id="rId12"/>
+    <p:sldId id="268" r:id="rId13"/>
   </p:sldIdLst>
   <p:sldSz cx="12192000" cy="6858000"/>
   <p:notesSz cx="6858000" cy="9144000"/>
@@ -207,7 +208,7 @@
           <a:p>
             <a:fld id="{06073691-9509-499D-804B-789F8428B2A1}" type="datetimeFigureOut">
               <a:rPr lang="ko-KR" altLang="en-US" smtClean="0"/>
-              <a:t>2023-03-26</a:t>
+              <a:t>2023-05-23</a:t>
             </a:fld>
             <a:endParaRPr lang="ko-KR" altLang="en-US"/>
           </a:p>
@@ -774,7 +775,7 @@
           <a:p>
             <a:fld id="{0CB960C3-B77A-4865-944D-F41BAAC8ADB3}" type="datetimeFigureOut">
               <a:rPr lang="ko-KR" altLang="en-US" smtClean="0"/>
-              <a:t>2023-03-26</a:t>
+              <a:t>2023-05-23</a:t>
             </a:fld>
             <a:endParaRPr lang="ko-KR" altLang="en-US"/>
           </a:p>
@@ -944,7 +945,7 @@
           <a:p>
             <a:fld id="{0CB960C3-B77A-4865-944D-F41BAAC8ADB3}" type="datetimeFigureOut">
               <a:rPr lang="ko-KR" altLang="en-US" smtClean="0"/>
-              <a:t>2023-03-26</a:t>
+              <a:t>2023-05-23</a:t>
             </a:fld>
             <a:endParaRPr lang="ko-KR" altLang="en-US"/>
           </a:p>
@@ -1124,7 +1125,7 @@
           <a:p>
             <a:fld id="{0CB960C3-B77A-4865-944D-F41BAAC8ADB3}" type="datetimeFigureOut">
               <a:rPr lang="ko-KR" altLang="en-US" smtClean="0"/>
-              <a:t>2023-03-26</a:t>
+              <a:t>2023-05-23</a:t>
             </a:fld>
             <a:endParaRPr lang="ko-KR" altLang="en-US"/>
           </a:p>
@@ -1294,7 +1295,7 @@
           <a:p>
             <a:fld id="{0CB960C3-B77A-4865-944D-F41BAAC8ADB3}" type="datetimeFigureOut">
               <a:rPr lang="ko-KR" altLang="en-US" smtClean="0"/>
-              <a:t>2023-03-26</a:t>
+              <a:t>2023-05-23</a:t>
             </a:fld>
             <a:endParaRPr lang="ko-KR" altLang="en-US"/>
           </a:p>
@@ -1540,7 +1541,7 @@
           <a:p>
             <a:fld id="{0CB960C3-B77A-4865-944D-F41BAAC8ADB3}" type="datetimeFigureOut">
               <a:rPr lang="ko-KR" altLang="en-US" smtClean="0"/>
-              <a:t>2023-03-26</a:t>
+              <a:t>2023-05-23</a:t>
             </a:fld>
             <a:endParaRPr lang="ko-KR" altLang="en-US"/>
           </a:p>
@@ -1772,7 +1773,7 @@
           <a:p>
             <a:fld id="{0CB960C3-B77A-4865-944D-F41BAAC8ADB3}" type="datetimeFigureOut">
               <a:rPr lang="ko-KR" altLang="en-US" smtClean="0"/>
-              <a:t>2023-03-26</a:t>
+              <a:t>2023-05-23</a:t>
             </a:fld>
             <a:endParaRPr lang="ko-KR" altLang="en-US"/>
           </a:p>
@@ -2139,7 +2140,7 @@
           <a:p>
             <a:fld id="{0CB960C3-B77A-4865-944D-F41BAAC8ADB3}" type="datetimeFigureOut">
               <a:rPr lang="ko-KR" altLang="en-US" smtClean="0"/>
-              <a:t>2023-03-26</a:t>
+              <a:t>2023-05-23</a:t>
             </a:fld>
             <a:endParaRPr lang="ko-KR" altLang="en-US"/>
           </a:p>
@@ -2257,7 +2258,7 @@
           <a:p>
             <a:fld id="{0CB960C3-B77A-4865-944D-F41BAAC8ADB3}" type="datetimeFigureOut">
               <a:rPr lang="ko-KR" altLang="en-US" smtClean="0"/>
-              <a:t>2023-03-26</a:t>
+              <a:t>2023-05-23</a:t>
             </a:fld>
             <a:endParaRPr lang="ko-KR" altLang="en-US"/>
           </a:p>
@@ -2352,7 +2353,7 @@
           <a:p>
             <a:fld id="{0CB960C3-B77A-4865-944D-F41BAAC8ADB3}" type="datetimeFigureOut">
               <a:rPr lang="ko-KR" altLang="en-US" smtClean="0"/>
-              <a:t>2023-03-26</a:t>
+              <a:t>2023-05-23</a:t>
             </a:fld>
             <a:endParaRPr lang="ko-KR" altLang="en-US"/>
           </a:p>
@@ -2629,7 +2630,7 @@
           <a:p>
             <a:fld id="{0CB960C3-B77A-4865-944D-F41BAAC8ADB3}" type="datetimeFigureOut">
               <a:rPr lang="ko-KR" altLang="en-US" smtClean="0"/>
-              <a:t>2023-03-26</a:t>
+              <a:t>2023-05-23</a:t>
             </a:fld>
             <a:endParaRPr lang="ko-KR" altLang="en-US"/>
           </a:p>
@@ -2882,7 +2883,7 @@
           <a:p>
             <a:fld id="{0CB960C3-B77A-4865-944D-F41BAAC8ADB3}" type="datetimeFigureOut">
               <a:rPr lang="ko-KR" altLang="en-US" smtClean="0"/>
-              <a:t>2023-03-26</a:t>
+              <a:t>2023-05-23</a:t>
             </a:fld>
             <a:endParaRPr lang="ko-KR" altLang="en-US"/>
           </a:p>
@@ -3095,7 +3096,7 @@
           <a:p>
             <a:fld id="{0CB960C3-B77A-4865-944D-F41BAAC8ADB3}" type="datetimeFigureOut">
               <a:rPr lang="ko-KR" altLang="en-US" smtClean="0"/>
-              <a:t>2023-03-26</a:t>
+              <a:t>2023-05-23</a:t>
             </a:fld>
             <a:endParaRPr lang="ko-KR" altLang="en-US"/>
           </a:p>
@@ -9012,19 +9013,7 @@
                 <a:latin typeface="삼성긴고딕OTF Medium" panose="020B0600000101010101" pitchFamily="34" charset="-127"/>
                 <a:ea typeface="삼성긴고딕OTF Medium" panose="020B0600000101010101" pitchFamily="34" charset="-127"/>
               </a:rPr>
-              <a:t>c</a:t>
-            </a:r>
-            <a:r>
-              <a:rPr lang="en-US" altLang="ko-KR" sz="1100" dirty="0" smtClean="0">
-                <a:solidFill>
-                  <a:schemeClr val="bg1">
-                    <a:lumMod val="50000"/>
-                  </a:schemeClr>
-                </a:solidFill>
-                <a:latin typeface="삼성긴고딕OTF Medium" panose="020B0600000101010101" pitchFamily="34" charset="-127"/>
-                <a:ea typeface="삼성긴고딕OTF Medium" panose="020B0600000101010101" pitchFamily="34" charset="-127"/>
-              </a:rPr>
-              <a:t>lient1 </a:t>
+              <a:t>client1 </a:t>
             </a:r>
             <a:r>
               <a:rPr lang="en-US" altLang="ko-KR" sz="1100" dirty="0" err="1" smtClean="0">
@@ -9120,19 +9109,7 @@
                 <a:latin typeface="삼성긴고딕OTF Medium" panose="020B0600000101010101" pitchFamily="34" charset="-127"/>
                 <a:ea typeface="삼성긴고딕OTF Medium" panose="020B0600000101010101" pitchFamily="34" charset="-127"/>
               </a:rPr>
-              <a:t>c</a:t>
-            </a:r>
-            <a:r>
-              <a:rPr lang="en-US" altLang="ko-KR" sz="1100" dirty="0" smtClean="0">
-                <a:solidFill>
-                  <a:schemeClr val="bg1">
-                    <a:lumMod val="50000"/>
-                  </a:schemeClr>
-                </a:solidFill>
-                <a:latin typeface="삼성긴고딕OTF Medium" panose="020B0600000101010101" pitchFamily="34" charset="-127"/>
-                <a:ea typeface="삼성긴고딕OTF Medium" panose="020B0600000101010101" pitchFamily="34" charset="-127"/>
-              </a:rPr>
-              <a:t>lient2 </a:t>
+              <a:t>client2 </a:t>
             </a:r>
             <a:r>
               <a:rPr lang="en-US" altLang="ko-KR" sz="1100" dirty="0" err="1" smtClean="0">
@@ -9228,19 +9205,7 @@
                 <a:latin typeface="삼성긴고딕OTF Medium" panose="020B0600000101010101" pitchFamily="34" charset="-127"/>
                 <a:ea typeface="삼성긴고딕OTF Medium" panose="020B0600000101010101" pitchFamily="34" charset="-127"/>
               </a:rPr>
-              <a:t>c</a:t>
-            </a:r>
-            <a:r>
-              <a:rPr lang="en-US" altLang="ko-KR" sz="1100" dirty="0" smtClean="0">
-                <a:solidFill>
-                  <a:schemeClr val="bg1">
-                    <a:lumMod val="50000"/>
-                  </a:schemeClr>
-                </a:solidFill>
-                <a:latin typeface="삼성긴고딕OTF Medium" panose="020B0600000101010101" pitchFamily="34" charset="-127"/>
-                <a:ea typeface="삼성긴고딕OTF Medium" panose="020B0600000101010101" pitchFamily="34" charset="-127"/>
-              </a:rPr>
-              <a:t>lient3 </a:t>
+              <a:t>client3 </a:t>
             </a:r>
             <a:r>
               <a:rPr lang="en-US" altLang="ko-KR" sz="1100" dirty="0" err="1" smtClean="0">
@@ -9336,19 +9301,7 @@
                 <a:latin typeface="삼성긴고딕OTF Medium" panose="020B0600000101010101" pitchFamily="34" charset="-127"/>
                 <a:ea typeface="삼성긴고딕OTF Medium" panose="020B0600000101010101" pitchFamily="34" charset="-127"/>
               </a:rPr>
-              <a:t>c</a:t>
-            </a:r>
-            <a:r>
-              <a:rPr lang="en-US" altLang="ko-KR" sz="1100" dirty="0" smtClean="0">
-                <a:solidFill>
-                  <a:schemeClr val="bg1">
-                    <a:lumMod val="50000"/>
-                  </a:schemeClr>
-                </a:solidFill>
-                <a:latin typeface="삼성긴고딕OTF Medium" panose="020B0600000101010101" pitchFamily="34" charset="-127"/>
-                <a:ea typeface="삼성긴고딕OTF Medium" panose="020B0600000101010101" pitchFamily="34" charset="-127"/>
-              </a:rPr>
-              <a:t>lient1 </a:t>
+              <a:t>client1 </a:t>
             </a:r>
             <a:r>
               <a:rPr lang="en-US" altLang="ko-KR" sz="1100" dirty="0" err="1" smtClean="0">
@@ -9444,19 +9397,7 @@
                 <a:latin typeface="삼성긴고딕OTF Medium" panose="020B0600000101010101" pitchFamily="34" charset="-127"/>
                 <a:ea typeface="삼성긴고딕OTF Medium" panose="020B0600000101010101" pitchFamily="34" charset="-127"/>
               </a:rPr>
-              <a:t>c</a:t>
-            </a:r>
-            <a:r>
-              <a:rPr lang="en-US" altLang="ko-KR" sz="1100" dirty="0" smtClean="0">
-                <a:solidFill>
-                  <a:schemeClr val="bg1">
-                    <a:lumMod val="50000"/>
-                  </a:schemeClr>
-                </a:solidFill>
-                <a:latin typeface="삼성긴고딕OTF Medium" panose="020B0600000101010101" pitchFamily="34" charset="-127"/>
-                <a:ea typeface="삼성긴고딕OTF Medium" panose="020B0600000101010101" pitchFamily="34" charset="-127"/>
-              </a:rPr>
-              <a:t>lient2 </a:t>
+              <a:t>client2 </a:t>
             </a:r>
             <a:r>
               <a:rPr lang="en-US" altLang="ko-KR" sz="1100" dirty="0" err="1" smtClean="0">
@@ -9552,19 +9493,7 @@
                 <a:latin typeface="삼성긴고딕OTF Medium" panose="020B0600000101010101" pitchFamily="34" charset="-127"/>
                 <a:ea typeface="삼성긴고딕OTF Medium" panose="020B0600000101010101" pitchFamily="34" charset="-127"/>
               </a:rPr>
-              <a:t>c</a:t>
-            </a:r>
-            <a:r>
-              <a:rPr lang="en-US" altLang="ko-KR" sz="1100" dirty="0" smtClean="0">
-                <a:solidFill>
-                  <a:schemeClr val="bg1">
-                    <a:lumMod val="50000"/>
-                  </a:schemeClr>
-                </a:solidFill>
-                <a:latin typeface="삼성긴고딕OTF Medium" panose="020B0600000101010101" pitchFamily="34" charset="-127"/>
-                <a:ea typeface="삼성긴고딕OTF Medium" panose="020B0600000101010101" pitchFamily="34" charset="-127"/>
-              </a:rPr>
-              <a:t>lient3 </a:t>
+              <a:t>client3 </a:t>
             </a:r>
             <a:r>
               <a:rPr lang="en-US" altLang="ko-KR" sz="1100" dirty="0" err="1" smtClean="0">
@@ -9874,6 +9803,1366 @@
     <p:extLst>
       <p:ext uri="{BB962C8B-B14F-4D97-AF65-F5344CB8AC3E}">
         <p14:creationId xmlns:p14="http://schemas.microsoft.com/office/powerpoint/2010/main" val="946985785"/>
+      </p:ext>
+    </p:extLst>
+  </p:cSld>
+  <p:clrMapOvr>
+    <a:masterClrMapping/>
+  </p:clrMapOvr>
+  <p:timing>
+    <p:tnLst>
+      <p:par>
+        <p:cTn id="1" dur="indefinite" restart="never" nodeType="tmRoot"/>
+      </p:par>
+    </p:tnLst>
+  </p:timing>
+</p:sld>
+</file>
+
+<file path=ppt/slides/slide12.xml><?xml version="1.0" encoding="utf-8"?>
+<p:sld xmlns:a="http://schemas.openxmlformats.org/drawingml/2006/main" xmlns:r="http://schemas.openxmlformats.org/officeDocument/2006/relationships" xmlns:p="http://schemas.openxmlformats.org/presentationml/2006/main">
+  <p:cSld>
+    <p:spTree>
+      <p:nvGrpSpPr>
+        <p:cNvPr id="1" name=""/>
+        <p:cNvGrpSpPr/>
+        <p:nvPr/>
+      </p:nvGrpSpPr>
+      <p:grpSpPr>
+        <a:xfrm>
+          <a:off x="0" y="0"/>
+          <a:ext cx="0" cy="0"/>
+          <a:chOff x="0" y="0"/>
+          <a:chExt cx="0" cy="0"/>
+        </a:xfrm>
+      </p:grpSpPr>
+      <p:grpSp>
+        <p:nvGrpSpPr>
+          <p:cNvPr id="4" name="그룹 3"/>
+          <p:cNvGrpSpPr/>
+          <p:nvPr/>
+        </p:nvGrpSpPr>
+        <p:grpSpPr>
+          <a:xfrm>
+            <a:off x="349008" y="491546"/>
+            <a:ext cx="2087856" cy="4556229"/>
+            <a:chOff x="147840" y="116642"/>
+            <a:chExt cx="2087856" cy="4556229"/>
+          </a:xfrm>
+        </p:grpSpPr>
+        <p:grpSp>
+          <p:nvGrpSpPr>
+            <p:cNvPr id="5" name="그룹 4"/>
+            <p:cNvGrpSpPr/>
+            <p:nvPr/>
+          </p:nvGrpSpPr>
+          <p:grpSpPr>
+            <a:xfrm>
+              <a:off x="394676" y="290743"/>
+              <a:ext cx="1841020" cy="1081144"/>
+              <a:chOff x="3553940" y="893960"/>
+              <a:chExt cx="1841020" cy="1081144"/>
+            </a:xfrm>
+          </p:grpSpPr>
+          <p:sp>
+            <p:nvSpPr>
+              <p:cNvPr id="22" name="모서리가 둥근 직사각형 21"/>
+              <p:cNvSpPr/>
+              <p:nvPr/>
+            </p:nvSpPr>
+            <p:spPr>
+              <a:xfrm>
+                <a:off x="3769608" y="1229538"/>
+                <a:ext cx="1625352" cy="745566"/>
+              </a:xfrm>
+              <a:prstGeom prst="roundRect">
+                <a:avLst/>
+              </a:prstGeom>
+              <a:noFill/>
+              <a:ln w="19050">
+                <a:solidFill>
+                  <a:srgbClr val="326CE5"/>
+                </a:solidFill>
+              </a:ln>
+            </p:spPr>
+            <p:style>
+              <a:lnRef idx="2">
+                <a:schemeClr val="accent1">
+                  <a:shade val="50000"/>
+                </a:schemeClr>
+              </a:lnRef>
+              <a:fillRef idx="1">
+                <a:schemeClr val="accent1"/>
+              </a:fillRef>
+              <a:effectRef idx="0">
+                <a:schemeClr val="accent1"/>
+              </a:effectRef>
+              <a:fontRef idx="minor">
+                <a:schemeClr val="lt1"/>
+              </a:fontRef>
+            </p:style>
+            <p:txBody>
+              <a:bodyPr lIns="36000" tIns="36000" rIns="36000" bIns="36000" rtlCol="0" anchor="ctr"/>
+              <a:lstStyle/>
+              <a:p>
+                <a:pPr algn="ctr"/>
+                <a:r>
+                  <a:rPr lang="en-US" altLang="ko-KR" sz="1600" dirty="0" smtClean="0">
+                    <a:solidFill>
+                      <a:srgbClr val="326CE5"/>
+                    </a:solidFill>
+                    <a:latin typeface="삼성긴고딕OTF Bold" panose="020B0600000101010101" pitchFamily="34" charset="-127"/>
+                    <a:ea typeface="삼성긴고딕OTF Bold" panose="020B0600000101010101" pitchFamily="34" charset="-127"/>
+                  </a:rPr>
+                  <a:t>Deployment</a:t>
+                </a:r>
+                <a:endParaRPr lang="ko-KR" altLang="en-US" sz="1600" dirty="0">
+                  <a:solidFill>
+                    <a:srgbClr val="326CE5"/>
+                  </a:solidFill>
+                  <a:latin typeface="삼성긴고딕OTF Bold" panose="020B0600000101010101" pitchFamily="34" charset="-127"/>
+                  <a:ea typeface="삼성긴고딕OTF Bold" panose="020B0600000101010101" pitchFamily="34" charset="-127"/>
+                </a:endParaRPr>
+              </a:p>
+            </p:txBody>
+          </p:sp>
+          <p:pic>
+            <p:nvPicPr>
+              <p:cNvPr id="23" name="그림 22"/>
+              <p:cNvPicPr>
+                <a:picLocks noChangeAspect="1"/>
+              </p:cNvPicPr>
+              <p:nvPr/>
+            </p:nvPicPr>
+            <p:blipFill>
+              <a:blip r:embed="rId2"/>
+              <a:stretch>
+                <a:fillRect/>
+              </a:stretch>
+            </p:blipFill>
+            <p:spPr>
+              <a:xfrm>
+                <a:off x="3553940" y="893960"/>
+                <a:ext cx="603556" cy="585267"/>
+              </a:xfrm>
+              <a:prstGeom prst="rect">
+                <a:avLst/>
+              </a:prstGeom>
+            </p:spPr>
+          </p:pic>
+        </p:grpSp>
+        <p:grpSp>
+          <p:nvGrpSpPr>
+            <p:cNvPr id="6" name="그룹 5"/>
+            <p:cNvGrpSpPr/>
+            <p:nvPr/>
+          </p:nvGrpSpPr>
+          <p:grpSpPr>
+            <a:xfrm>
+              <a:off x="394676" y="1692498"/>
+              <a:ext cx="1841020" cy="1044296"/>
+              <a:chOff x="3553940" y="2310682"/>
+              <a:chExt cx="1841020" cy="1044296"/>
+            </a:xfrm>
+          </p:grpSpPr>
+          <p:sp>
+            <p:nvSpPr>
+              <p:cNvPr id="20" name="모서리가 둥근 직사각형 19"/>
+              <p:cNvSpPr/>
+              <p:nvPr/>
+            </p:nvSpPr>
+            <p:spPr>
+              <a:xfrm>
+                <a:off x="3769608" y="2609412"/>
+                <a:ext cx="1625352" cy="745566"/>
+              </a:xfrm>
+              <a:prstGeom prst="roundRect">
+                <a:avLst/>
+              </a:prstGeom>
+              <a:noFill/>
+              <a:ln w="19050">
+                <a:solidFill>
+                  <a:srgbClr val="326CE5"/>
+                </a:solidFill>
+              </a:ln>
+            </p:spPr>
+            <p:style>
+              <a:lnRef idx="2">
+                <a:schemeClr val="accent1">
+                  <a:shade val="50000"/>
+                </a:schemeClr>
+              </a:lnRef>
+              <a:fillRef idx="1">
+                <a:schemeClr val="accent1"/>
+              </a:fillRef>
+              <a:effectRef idx="0">
+                <a:schemeClr val="accent1"/>
+              </a:effectRef>
+              <a:fontRef idx="minor">
+                <a:schemeClr val="lt1"/>
+              </a:fontRef>
+            </p:style>
+            <p:txBody>
+              <a:bodyPr lIns="36000" tIns="36000" rIns="36000" bIns="36000" rtlCol="0" anchor="ctr"/>
+              <a:lstStyle/>
+              <a:p>
+                <a:pPr algn="ctr"/>
+                <a:r>
+                  <a:rPr lang="en-US" altLang="ko-KR" sz="1600" dirty="0" err="1" smtClean="0">
+                    <a:solidFill>
+                      <a:srgbClr val="326CE5"/>
+                    </a:solidFill>
+                    <a:latin typeface="삼성긴고딕OTF Bold" panose="020B0600000101010101" pitchFamily="34" charset="-127"/>
+                    <a:ea typeface="삼성긴고딕OTF Bold" panose="020B0600000101010101" pitchFamily="34" charset="-127"/>
+                  </a:rPr>
+                  <a:t>ReplicaSet</a:t>
+                </a:r>
+                <a:endParaRPr lang="ko-KR" altLang="en-US" sz="1600" dirty="0">
+                  <a:solidFill>
+                    <a:srgbClr val="326CE5"/>
+                  </a:solidFill>
+                  <a:latin typeface="삼성긴고딕OTF Bold" panose="020B0600000101010101" pitchFamily="34" charset="-127"/>
+                  <a:ea typeface="삼성긴고딕OTF Bold" panose="020B0600000101010101" pitchFamily="34" charset="-127"/>
+                </a:endParaRPr>
+              </a:p>
+            </p:txBody>
+          </p:sp>
+          <p:pic>
+            <p:nvPicPr>
+              <p:cNvPr id="21" name="그림 20"/>
+              <p:cNvPicPr>
+                <a:picLocks noChangeAspect="1"/>
+              </p:cNvPicPr>
+              <p:nvPr/>
+            </p:nvPicPr>
+            <p:blipFill>
+              <a:blip r:embed="rId3"/>
+              <a:stretch>
+                <a:fillRect/>
+              </a:stretch>
+            </p:blipFill>
+            <p:spPr>
+              <a:xfrm>
+                <a:off x="3553940" y="2310682"/>
+                <a:ext cx="615749" cy="597460"/>
+              </a:xfrm>
+              <a:prstGeom prst="rect">
+                <a:avLst/>
+              </a:prstGeom>
+            </p:spPr>
+          </p:pic>
+        </p:grpSp>
+        <p:grpSp>
+          <p:nvGrpSpPr>
+            <p:cNvPr id="7" name="그룹 6"/>
+            <p:cNvGrpSpPr/>
+            <p:nvPr/>
+          </p:nvGrpSpPr>
+          <p:grpSpPr>
+            <a:xfrm>
+              <a:off x="394676" y="3057405"/>
+              <a:ext cx="1841020" cy="1615466"/>
+              <a:chOff x="3553940" y="3660622"/>
+              <a:chExt cx="1841020" cy="1615466"/>
+            </a:xfrm>
+          </p:grpSpPr>
+          <p:sp>
+            <p:nvSpPr>
+              <p:cNvPr id="13" name="모서리가 둥근 직사각형 12"/>
+              <p:cNvSpPr/>
+              <p:nvPr/>
+            </p:nvSpPr>
+            <p:spPr>
+              <a:xfrm>
+                <a:off x="3769608" y="3959352"/>
+                <a:ext cx="1625352" cy="1316736"/>
+              </a:xfrm>
+              <a:prstGeom prst="roundRect">
+                <a:avLst/>
+              </a:prstGeom>
+              <a:noFill/>
+              <a:ln w="19050">
+                <a:solidFill>
+                  <a:srgbClr val="326CE5"/>
+                </a:solidFill>
+              </a:ln>
+            </p:spPr>
+            <p:style>
+              <a:lnRef idx="2">
+                <a:schemeClr val="accent1">
+                  <a:shade val="50000"/>
+                </a:schemeClr>
+              </a:lnRef>
+              <a:fillRef idx="1">
+                <a:schemeClr val="accent1"/>
+              </a:fillRef>
+              <a:effectRef idx="0">
+                <a:schemeClr val="accent1"/>
+              </a:effectRef>
+              <a:fontRef idx="minor">
+                <a:schemeClr val="lt1"/>
+              </a:fontRef>
+            </p:style>
+            <p:txBody>
+              <a:bodyPr lIns="36000" tIns="36000" rIns="36000" bIns="36000" rtlCol="0" anchor="t"/>
+              <a:lstStyle/>
+              <a:p>
+                <a:pPr algn="ctr"/>
+                <a:r>
+                  <a:rPr lang="en-US" altLang="ko-KR" sz="1600" dirty="0" smtClean="0">
+                    <a:solidFill>
+                      <a:srgbClr val="326CE5"/>
+                    </a:solidFill>
+                    <a:latin typeface="삼성긴고딕OTF Bold" panose="020B0600000101010101" pitchFamily="34" charset="-127"/>
+                    <a:ea typeface="삼성긴고딕OTF Bold" panose="020B0600000101010101" pitchFamily="34" charset="-127"/>
+                  </a:rPr>
+                  <a:t>Pod</a:t>
+                </a:r>
+                <a:endParaRPr lang="ko-KR" altLang="en-US" sz="1600" dirty="0">
+                  <a:solidFill>
+                    <a:srgbClr val="326CE5"/>
+                  </a:solidFill>
+                  <a:latin typeface="삼성긴고딕OTF Bold" panose="020B0600000101010101" pitchFamily="34" charset="-127"/>
+                  <a:ea typeface="삼성긴고딕OTF Bold" panose="020B0600000101010101" pitchFamily="34" charset="-127"/>
+                </a:endParaRPr>
+              </a:p>
+            </p:txBody>
+          </p:sp>
+          <p:grpSp>
+            <p:nvGrpSpPr>
+              <p:cNvPr id="14" name="그룹 13"/>
+              <p:cNvGrpSpPr/>
+              <p:nvPr/>
+            </p:nvGrpSpPr>
+            <p:grpSpPr>
+              <a:xfrm>
+                <a:off x="3800854" y="4262906"/>
+                <a:ext cx="1419583" cy="930990"/>
+                <a:chOff x="7148345" y="3161179"/>
+                <a:chExt cx="1419583" cy="930990"/>
+              </a:xfrm>
+            </p:grpSpPr>
+            <p:grpSp>
+              <p:nvGrpSpPr>
+                <p:cNvPr id="16" name="그룹 15"/>
+                <p:cNvGrpSpPr/>
+                <p:nvPr/>
+              </p:nvGrpSpPr>
+              <p:grpSpPr>
+                <a:xfrm>
+                  <a:off x="7148345" y="3161179"/>
+                  <a:ext cx="1419583" cy="930990"/>
+                  <a:chOff x="8022202" y="705748"/>
+                  <a:chExt cx="1419583" cy="930990"/>
+                </a:xfrm>
+              </p:grpSpPr>
+              <p:sp>
+                <p:nvSpPr>
+                  <p:cNvPr id="18" name="모서리가 둥근 직사각형 17"/>
+                  <p:cNvSpPr/>
+                  <p:nvPr/>
+                </p:nvSpPr>
+                <p:spPr>
+                  <a:xfrm>
+                    <a:off x="8190306" y="850801"/>
+                    <a:ext cx="1251479" cy="785937"/>
+                  </a:xfrm>
+                  <a:prstGeom prst="roundRect">
+                    <a:avLst/>
+                  </a:prstGeom>
+                  <a:noFill/>
+                  <a:ln w="19050">
+                    <a:solidFill>
+                      <a:srgbClr val="326CE5"/>
+                    </a:solidFill>
+                  </a:ln>
+                </p:spPr>
+                <p:style>
+                  <a:lnRef idx="2">
+                    <a:schemeClr val="accent1">
+                      <a:shade val="50000"/>
+                    </a:schemeClr>
+                  </a:lnRef>
+                  <a:fillRef idx="1">
+                    <a:schemeClr val="accent1"/>
+                  </a:fillRef>
+                  <a:effectRef idx="0">
+                    <a:schemeClr val="accent1"/>
+                  </a:effectRef>
+                  <a:fontRef idx="minor">
+                    <a:schemeClr val="lt1"/>
+                  </a:fontRef>
+                </p:style>
+                <p:txBody>
+                  <a:bodyPr lIns="36000" tIns="36000" rIns="36000" bIns="36000" rtlCol="0" anchor="t"/>
+                  <a:lstStyle/>
+                  <a:p>
+                    <a:pPr algn="ctr"/>
+                    <a:r>
+                      <a:rPr lang="en-US" altLang="ko-KR" sz="1400" b="1" dirty="0" smtClean="0">
+                        <a:solidFill>
+                          <a:schemeClr val="tx1"/>
+                        </a:solidFill>
+                      </a:rPr>
+                      <a:t>Container</a:t>
+                    </a:r>
+                    <a:endParaRPr lang="ko-KR" altLang="en-US" sz="1400" b="1" dirty="0">
+                      <a:solidFill>
+                        <a:schemeClr val="tx1"/>
+                      </a:solidFill>
+                    </a:endParaRPr>
+                  </a:p>
+                </p:txBody>
+              </p:sp>
+              <p:pic>
+                <p:nvPicPr>
+                  <p:cNvPr id="19" name="그림 18"/>
+                  <p:cNvPicPr>
+                    <a:picLocks noChangeAspect="1"/>
+                  </p:cNvPicPr>
+                  <p:nvPr/>
+                </p:nvPicPr>
+                <p:blipFill>
+                  <a:blip r:embed="rId4"/>
+                  <a:stretch>
+                    <a:fillRect/>
+                  </a:stretch>
+                </p:blipFill>
+                <p:spPr>
+                  <a:xfrm>
+                    <a:off x="8022202" y="705748"/>
+                    <a:ext cx="372783" cy="372783"/>
+                  </a:xfrm>
+                  <a:prstGeom prst="rect">
+                    <a:avLst/>
+                  </a:prstGeom>
+                </p:spPr>
+              </p:pic>
+            </p:grpSp>
+            <p:pic>
+              <p:nvPicPr>
+                <p:cNvPr id="17" name="그림 16"/>
+                <p:cNvPicPr>
+                  <a:picLocks noChangeAspect="1"/>
+                </p:cNvPicPr>
+                <p:nvPr/>
+              </p:nvPicPr>
+              <p:blipFill>
+                <a:blip r:embed="rId5"/>
+                <a:stretch>
+                  <a:fillRect/>
+                </a:stretch>
+              </p:blipFill>
+              <p:spPr>
+                <a:xfrm>
+                  <a:off x="7707182" y="3622157"/>
+                  <a:ext cx="470012" cy="470012"/>
+                </a:xfrm>
+                <a:prstGeom prst="rect">
+                  <a:avLst/>
+                </a:prstGeom>
+              </p:spPr>
+            </p:pic>
+          </p:grpSp>
+          <p:pic>
+            <p:nvPicPr>
+              <p:cNvPr id="15" name="그림 14"/>
+              <p:cNvPicPr>
+                <a:picLocks noChangeAspect="1"/>
+              </p:cNvPicPr>
+              <p:nvPr/>
+            </p:nvPicPr>
+            <p:blipFill>
+              <a:blip r:embed="rId6"/>
+              <a:stretch>
+                <a:fillRect/>
+              </a:stretch>
+            </p:blipFill>
+            <p:spPr>
+              <a:xfrm>
+                <a:off x="3553940" y="3660622"/>
+                <a:ext cx="615749" cy="597460"/>
+              </a:xfrm>
+              <a:prstGeom prst="rect">
+                <a:avLst/>
+              </a:prstGeom>
+            </p:spPr>
+          </p:pic>
+        </p:grpSp>
+        <p:cxnSp>
+          <p:nvCxnSpPr>
+            <p:cNvPr id="8" name="꺾인 연결선 70"/>
+            <p:cNvCxnSpPr>
+              <a:stCxn id="22" idx="2"/>
+              <a:endCxn id="20" idx="0"/>
+            </p:cNvCxnSpPr>
+            <p:nvPr/>
+          </p:nvCxnSpPr>
+          <p:spPr>
+            <a:xfrm>
+              <a:off x="1423020" y="1371887"/>
+              <a:ext cx="0" cy="619341"/>
+            </a:xfrm>
+            <a:prstGeom prst="straightConnector1">
+              <a:avLst/>
+            </a:prstGeom>
+            <a:ln w="12700">
+              <a:solidFill>
+                <a:schemeClr val="tx2"/>
+              </a:solidFill>
+              <a:tailEnd type="triangle"/>
+            </a:ln>
+          </p:spPr>
+          <p:style>
+            <a:lnRef idx="1">
+              <a:schemeClr val="accent1"/>
+            </a:lnRef>
+            <a:fillRef idx="0">
+              <a:schemeClr val="accent1"/>
+            </a:fillRef>
+            <a:effectRef idx="0">
+              <a:schemeClr val="accent1"/>
+            </a:effectRef>
+            <a:fontRef idx="minor">
+              <a:schemeClr val="tx1"/>
+            </a:fontRef>
+          </p:style>
+        </p:cxnSp>
+        <p:cxnSp>
+          <p:nvCxnSpPr>
+            <p:cNvPr id="9" name="꺾인 연결선 70"/>
+            <p:cNvCxnSpPr>
+              <a:stCxn id="20" idx="2"/>
+              <a:endCxn id="13" idx="0"/>
+            </p:cNvCxnSpPr>
+            <p:nvPr/>
+          </p:nvCxnSpPr>
+          <p:spPr>
+            <a:xfrm>
+              <a:off x="1423020" y="2736794"/>
+              <a:ext cx="0" cy="619341"/>
+            </a:xfrm>
+            <a:prstGeom prst="straightConnector1">
+              <a:avLst/>
+            </a:prstGeom>
+            <a:ln w="12700">
+              <a:solidFill>
+                <a:schemeClr val="tx2"/>
+              </a:solidFill>
+              <a:tailEnd type="triangle"/>
+            </a:ln>
+          </p:spPr>
+          <p:style>
+            <a:lnRef idx="1">
+              <a:schemeClr val="accent1"/>
+            </a:lnRef>
+            <a:fillRef idx="0">
+              <a:schemeClr val="accent1"/>
+            </a:fillRef>
+            <a:effectRef idx="0">
+              <a:schemeClr val="accent1"/>
+            </a:effectRef>
+            <a:fontRef idx="minor">
+              <a:schemeClr val="tx1"/>
+            </a:fontRef>
+          </p:style>
+        </p:cxnSp>
+        <p:sp>
+          <p:nvSpPr>
+            <p:cNvPr id="10" name="TextBox 9"/>
+            <p:cNvSpPr txBox="1"/>
+            <p:nvPr/>
+          </p:nvSpPr>
+          <p:spPr>
+            <a:xfrm>
+              <a:off x="147840" y="116642"/>
+              <a:ext cx="352044" cy="338554"/>
+            </a:xfrm>
+            <a:prstGeom prst="rect">
+              <a:avLst/>
+            </a:prstGeom>
+            <a:noFill/>
+          </p:spPr>
+          <p:txBody>
+            <a:bodyPr wrap="square" rtlCol="0">
+              <a:spAutoFit/>
+            </a:bodyPr>
+            <a:lstStyle/>
+            <a:p>
+              <a:pPr algn="ctr"/>
+              <a:r>
+                <a:rPr lang="ko-KR" altLang="en-US" sz="1600" b="1" dirty="0" smtClean="0">
+                  <a:solidFill>
+                    <a:srgbClr val="FF0000"/>
+                  </a:solidFill>
+                  <a:latin typeface="삼성긴고딕OTF Bold" panose="020B0600000101010101" pitchFamily="34" charset="-127"/>
+                  <a:ea typeface="삼성긴고딕OTF Bold" panose="020B0600000101010101" pitchFamily="34" charset="-127"/>
+                </a:rPr>
+                <a:t>①</a:t>
+              </a:r>
+              <a:endParaRPr lang="ko-KR" altLang="en-US" sz="1600" b="1" dirty="0">
+                <a:solidFill>
+                  <a:srgbClr val="FF0000"/>
+                </a:solidFill>
+                <a:latin typeface="삼성긴고딕OTF Bold" panose="020B0600000101010101" pitchFamily="34" charset="-127"/>
+                <a:ea typeface="삼성긴고딕OTF Bold" panose="020B0600000101010101" pitchFamily="34" charset="-127"/>
+              </a:endParaRPr>
+            </a:p>
+          </p:txBody>
+        </p:sp>
+        <p:sp>
+          <p:nvSpPr>
+            <p:cNvPr id="11" name="TextBox 10"/>
+            <p:cNvSpPr txBox="1"/>
+            <p:nvPr/>
+          </p:nvSpPr>
+          <p:spPr>
+            <a:xfrm>
+              <a:off x="147840" y="1587023"/>
+              <a:ext cx="352044" cy="338554"/>
+            </a:xfrm>
+            <a:prstGeom prst="rect">
+              <a:avLst/>
+            </a:prstGeom>
+            <a:noFill/>
+          </p:spPr>
+          <p:txBody>
+            <a:bodyPr wrap="square" rtlCol="0">
+              <a:spAutoFit/>
+            </a:bodyPr>
+            <a:lstStyle/>
+            <a:p>
+              <a:pPr algn="ctr"/>
+              <a:r>
+                <a:rPr lang="ko-KR" altLang="en-US" sz="1600" b="1" dirty="0" smtClean="0">
+                  <a:solidFill>
+                    <a:srgbClr val="FF0000"/>
+                  </a:solidFill>
+                  <a:latin typeface="삼성긴고딕OTF Bold" panose="020B0600000101010101" pitchFamily="34" charset="-127"/>
+                  <a:ea typeface="삼성긴고딕OTF Bold" panose="020B0600000101010101" pitchFamily="34" charset="-127"/>
+                </a:rPr>
+                <a:t>②</a:t>
+              </a:r>
+              <a:endParaRPr lang="ko-KR" altLang="en-US" sz="1600" b="1" dirty="0">
+                <a:solidFill>
+                  <a:srgbClr val="FF0000"/>
+                </a:solidFill>
+                <a:latin typeface="삼성긴고딕OTF Bold" panose="020B0600000101010101" pitchFamily="34" charset="-127"/>
+                <a:ea typeface="삼성긴고딕OTF Bold" panose="020B0600000101010101" pitchFamily="34" charset="-127"/>
+              </a:endParaRPr>
+            </a:p>
+          </p:txBody>
+        </p:sp>
+        <p:sp>
+          <p:nvSpPr>
+            <p:cNvPr id="12" name="TextBox 11"/>
+            <p:cNvSpPr txBox="1"/>
+            <p:nvPr/>
+          </p:nvSpPr>
+          <p:spPr>
+            <a:xfrm>
+              <a:off x="147840" y="2999293"/>
+              <a:ext cx="352044" cy="338554"/>
+            </a:xfrm>
+            <a:prstGeom prst="rect">
+              <a:avLst/>
+            </a:prstGeom>
+            <a:noFill/>
+          </p:spPr>
+          <p:txBody>
+            <a:bodyPr wrap="square" rtlCol="0">
+              <a:spAutoFit/>
+            </a:bodyPr>
+            <a:lstStyle/>
+            <a:p>
+              <a:pPr algn="ctr"/>
+              <a:r>
+                <a:rPr lang="ko-KR" altLang="en-US" sz="1600" b="1" dirty="0" smtClean="0">
+                  <a:solidFill>
+                    <a:srgbClr val="FF0000"/>
+                  </a:solidFill>
+                  <a:latin typeface="삼성긴고딕OTF Bold" panose="020B0600000101010101" pitchFamily="34" charset="-127"/>
+                  <a:ea typeface="삼성긴고딕OTF Bold" panose="020B0600000101010101" pitchFamily="34" charset="-127"/>
+                </a:rPr>
+                <a:t>③</a:t>
+              </a:r>
+              <a:endParaRPr lang="ko-KR" altLang="en-US" sz="1600" b="1" dirty="0">
+                <a:solidFill>
+                  <a:srgbClr val="FF0000"/>
+                </a:solidFill>
+                <a:latin typeface="삼성긴고딕OTF Bold" panose="020B0600000101010101" pitchFamily="34" charset="-127"/>
+                <a:ea typeface="삼성긴고딕OTF Bold" panose="020B0600000101010101" pitchFamily="34" charset="-127"/>
+              </a:endParaRPr>
+            </a:p>
+          </p:txBody>
+        </p:sp>
+      </p:grpSp>
+      <p:sp>
+        <p:nvSpPr>
+          <p:cNvPr id="24" name="TextBox 23"/>
+          <p:cNvSpPr txBox="1"/>
+          <p:nvPr/>
+        </p:nvSpPr>
+        <p:spPr>
+          <a:xfrm>
+            <a:off x="1771433" y="3786066"/>
+            <a:ext cx="582643" cy="338554"/>
+          </a:xfrm>
+          <a:prstGeom prst="rect">
+            <a:avLst/>
+          </a:prstGeom>
+          <a:noFill/>
+        </p:spPr>
+        <p:txBody>
+          <a:bodyPr wrap="square" rtlCol="0">
+            <a:spAutoFit/>
+          </a:bodyPr>
+          <a:lstStyle/>
+          <a:p>
+            <a:r>
+              <a:rPr lang="en-US" altLang="ko-KR" sz="1600" dirty="0">
+                <a:latin typeface="삼성긴고딕OTF Bold" panose="020B0600000101010101" pitchFamily="34" charset="-127"/>
+                <a:ea typeface="삼성긴고딕OTF Bold" panose="020B0600000101010101" pitchFamily="34" charset="-127"/>
+              </a:rPr>
+              <a:t>x</a:t>
+            </a:r>
+            <a:r>
+              <a:rPr lang="en-US" altLang="ko-KR" sz="1600" dirty="0" smtClean="0">
+                <a:latin typeface="삼성긴고딕OTF Bold" panose="020B0600000101010101" pitchFamily="34" charset="-127"/>
+                <a:ea typeface="삼성긴고딕OTF Bold" panose="020B0600000101010101" pitchFamily="34" charset="-127"/>
+              </a:rPr>
+              <a:t> 4</a:t>
+            </a:r>
+            <a:endParaRPr lang="ko-KR" altLang="en-US" sz="1600" dirty="0">
+              <a:latin typeface="삼성긴고딕OTF Bold" panose="020B0600000101010101" pitchFamily="34" charset="-127"/>
+              <a:ea typeface="삼성긴고딕OTF Bold" panose="020B0600000101010101" pitchFamily="34" charset="-127"/>
+            </a:endParaRPr>
+          </a:p>
+        </p:txBody>
+      </p:sp>
+      <p:sp>
+        <p:nvSpPr>
+          <p:cNvPr id="25" name="TextBox 24"/>
+          <p:cNvSpPr txBox="1"/>
+          <p:nvPr/>
+        </p:nvSpPr>
+        <p:spPr>
+          <a:xfrm>
+            <a:off x="3062019" y="360193"/>
+            <a:ext cx="3712464" cy="1311128"/>
+          </a:xfrm>
+          <a:prstGeom prst="rect">
+            <a:avLst/>
+          </a:prstGeom>
+          <a:noFill/>
+        </p:spPr>
+        <p:txBody>
+          <a:bodyPr wrap="square" rtlCol="0">
+            <a:spAutoFit/>
+          </a:bodyPr>
+          <a:lstStyle/>
+          <a:p>
+            <a:pPr>
+              <a:lnSpc>
+                <a:spcPct val="110000"/>
+              </a:lnSpc>
+            </a:pPr>
+            <a:r>
+              <a:rPr lang="en-US" altLang="ko-KR" dirty="0" err="1" smtClean="0">
+                <a:latin typeface="삼성긴고딕OTF Regular" panose="020B0600000101010101" pitchFamily="34" charset="-127"/>
+                <a:ea typeface="삼성긴고딕OTF Regular" panose="020B0600000101010101" pitchFamily="34" charset="-127"/>
+              </a:rPr>
+              <a:t>apiVersion</a:t>
+            </a:r>
+            <a:r>
+              <a:rPr lang="en-US" altLang="ko-KR" dirty="0" smtClean="0">
+                <a:latin typeface="삼성긴고딕OTF Regular" panose="020B0600000101010101" pitchFamily="34" charset="-127"/>
+                <a:ea typeface="삼성긴고딕OTF Regular" panose="020B0600000101010101" pitchFamily="34" charset="-127"/>
+              </a:rPr>
+              <a:t>: apps/v1</a:t>
+            </a:r>
+          </a:p>
+          <a:p>
+            <a:pPr>
+              <a:lnSpc>
+                <a:spcPct val="110000"/>
+              </a:lnSpc>
+            </a:pPr>
+            <a:r>
+              <a:rPr lang="en-US" altLang="ko-KR" dirty="0" smtClean="0">
+                <a:latin typeface="삼성긴고딕OTF Regular" panose="020B0600000101010101" pitchFamily="34" charset="-127"/>
+                <a:ea typeface="삼성긴고딕OTF Regular" panose="020B0600000101010101" pitchFamily="34" charset="-127"/>
+              </a:rPr>
+              <a:t>kind: Deployment</a:t>
+            </a:r>
+          </a:p>
+          <a:p>
+            <a:pPr>
+              <a:lnSpc>
+                <a:spcPct val="110000"/>
+              </a:lnSpc>
+            </a:pPr>
+            <a:r>
+              <a:rPr lang="en-US" altLang="ko-KR" dirty="0" smtClean="0">
+                <a:latin typeface="삼성긴고딕OTF Regular" panose="020B0600000101010101" pitchFamily="34" charset="-127"/>
+                <a:ea typeface="삼성긴고딕OTF Regular" panose="020B0600000101010101" pitchFamily="34" charset="-127"/>
+              </a:rPr>
+              <a:t>metadata:</a:t>
+            </a:r>
+          </a:p>
+          <a:p>
+            <a:pPr>
+              <a:lnSpc>
+                <a:spcPct val="110000"/>
+              </a:lnSpc>
+            </a:pPr>
+            <a:r>
+              <a:rPr lang="en-US" altLang="ko-KR" dirty="0">
+                <a:latin typeface="삼성긴고딕OTF Regular" panose="020B0600000101010101" pitchFamily="34" charset="-127"/>
+                <a:ea typeface="삼성긴고딕OTF Regular" panose="020B0600000101010101" pitchFamily="34" charset="-127"/>
+              </a:rPr>
+              <a:t> </a:t>
+            </a:r>
+            <a:r>
+              <a:rPr lang="en-US" altLang="ko-KR" dirty="0" smtClean="0">
+                <a:latin typeface="삼성긴고딕OTF Regular" panose="020B0600000101010101" pitchFamily="34" charset="-127"/>
+                <a:ea typeface="삼성긴고딕OTF Regular" panose="020B0600000101010101" pitchFamily="34" charset="-127"/>
+              </a:rPr>
+              <a:t> name: my-</a:t>
+            </a:r>
+            <a:r>
+              <a:rPr lang="en-US" altLang="ko-KR" dirty="0" err="1" smtClean="0">
+                <a:latin typeface="삼성긴고딕OTF Regular" panose="020B0600000101010101" pitchFamily="34" charset="-127"/>
+                <a:ea typeface="삼성긴고딕OTF Regular" panose="020B0600000101010101" pitchFamily="34" charset="-127"/>
+              </a:rPr>
+              <a:t>nginx</a:t>
+            </a:r>
+            <a:endParaRPr lang="en-US" altLang="ko-KR" dirty="0" smtClean="0">
+              <a:latin typeface="삼성긴고딕OTF Regular" panose="020B0600000101010101" pitchFamily="34" charset="-127"/>
+              <a:ea typeface="삼성긴고딕OTF Regular" panose="020B0600000101010101" pitchFamily="34" charset="-127"/>
+            </a:endParaRPr>
+          </a:p>
+        </p:txBody>
+      </p:sp>
+      <p:sp>
+        <p:nvSpPr>
+          <p:cNvPr id="26" name="TextBox 25"/>
+          <p:cNvSpPr txBox="1"/>
+          <p:nvPr/>
+        </p:nvSpPr>
+        <p:spPr>
+          <a:xfrm>
+            <a:off x="3062019" y="1671321"/>
+            <a:ext cx="3712464" cy="1608902"/>
+          </a:xfrm>
+          <a:prstGeom prst="rect">
+            <a:avLst/>
+          </a:prstGeom>
+          <a:noFill/>
+        </p:spPr>
+        <p:txBody>
+          <a:bodyPr wrap="square" rtlCol="0">
+            <a:spAutoFit/>
+          </a:bodyPr>
+          <a:lstStyle/>
+          <a:p>
+            <a:pPr>
+              <a:lnSpc>
+                <a:spcPct val="110000"/>
+              </a:lnSpc>
+            </a:pPr>
+            <a:r>
+              <a:rPr lang="en-US" altLang="ko-KR" dirty="0" smtClean="0">
+                <a:latin typeface="삼성긴고딕OTF Regular" panose="020B0600000101010101" pitchFamily="34" charset="-127"/>
+                <a:ea typeface="삼성긴고딕OTF Regular" panose="020B0600000101010101" pitchFamily="34" charset="-127"/>
+              </a:rPr>
+              <a:t>spec:</a:t>
+            </a:r>
+          </a:p>
+          <a:p>
+            <a:pPr>
+              <a:lnSpc>
+                <a:spcPct val="110000"/>
+              </a:lnSpc>
+            </a:pPr>
+            <a:r>
+              <a:rPr lang="en-US" altLang="ko-KR" dirty="0">
+                <a:latin typeface="삼성긴고딕OTF Regular" panose="020B0600000101010101" pitchFamily="34" charset="-127"/>
+                <a:ea typeface="삼성긴고딕OTF Regular" panose="020B0600000101010101" pitchFamily="34" charset="-127"/>
+              </a:rPr>
+              <a:t> </a:t>
+            </a:r>
+            <a:r>
+              <a:rPr lang="en-US" altLang="ko-KR" dirty="0" smtClean="0">
+                <a:latin typeface="삼성긴고딕OTF Regular" panose="020B0600000101010101" pitchFamily="34" charset="-127"/>
+                <a:ea typeface="삼성긴고딕OTF Regular" panose="020B0600000101010101" pitchFamily="34" charset="-127"/>
+              </a:rPr>
+              <a:t> selector:</a:t>
+            </a:r>
+          </a:p>
+          <a:p>
+            <a:pPr>
+              <a:lnSpc>
+                <a:spcPct val="110000"/>
+              </a:lnSpc>
+            </a:pPr>
+            <a:r>
+              <a:rPr lang="en-US" altLang="ko-KR" dirty="0" smtClean="0">
+                <a:latin typeface="삼성긴고딕OTF Regular" panose="020B0600000101010101" pitchFamily="34" charset="-127"/>
+                <a:ea typeface="삼성긴고딕OTF Regular" panose="020B0600000101010101" pitchFamily="34" charset="-127"/>
+              </a:rPr>
+              <a:t>    </a:t>
+            </a:r>
+            <a:r>
+              <a:rPr lang="en-US" altLang="ko-KR" dirty="0" err="1" smtClean="0">
+                <a:latin typeface="삼성긴고딕OTF Regular" panose="020B0600000101010101" pitchFamily="34" charset="-127"/>
+                <a:ea typeface="삼성긴고딕OTF Regular" panose="020B0600000101010101" pitchFamily="34" charset="-127"/>
+              </a:rPr>
+              <a:t>matchLabels</a:t>
+            </a:r>
+            <a:r>
+              <a:rPr lang="en-US" altLang="ko-KR" dirty="0" smtClean="0">
+                <a:latin typeface="삼성긴고딕OTF Regular" panose="020B0600000101010101" pitchFamily="34" charset="-127"/>
+                <a:ea typeface="삼성긴고딕OTF Regular" panose="020B0600000101010101" pitchFamily="34" charset="-127"/>
+              </a:rPr>
+              <a:t>:</a:t>
+            </a:r>
+          </a:p>
+          <a:p>
+            <a:pPr>
+              <a:lnSpc>
+                <a:spcPct val="110000"/>
+              </a:lnSpc>
+            </a:pPr>
+            <a:r>
+              <a:rPr lang="en-US" altLang="ko-KR" dirty="0">
+                <a:latin typeface="삼성긴고딕OTF Regular" panose="020B0600000101010101" pitchFamily="34" charset="-127"/>
+                <a:ea typeface="삼성긴고딕OTF Regular" panose="020B0600000101010101" pitchFamily="34" charset="-127"/>
+              </a:rPr>
+              <a:t> </a:t>
+            </a:r>
+            <a:r>
+              <a:rPr lang="en-US" altLang="ko-KR" dirty="0" smtClean="0">
+                <a:latin typeface="삼성긴고딕OTF Regular" panose="020B0600000101010101" pitchFamily="34" charset="-127"/>
+                <a:ea typeface="삼성긴고딕OTF Regular" panose="020B0600000101010101" pitchFamily="34" charset="-127"/>
+              </a:rPr>
+              <a:t>     run: my-</a:t>
+            </a:r>
+            <a:r>
+              <a:rPr lang="en-US" altLang="ko-KR" dirty="0" err="1" smtClean="0">
+                <a:latin typeface="삼성긴고딕OTF Regular" panose="020B0600000101010101" pitchFamily="34" charset="-127"/>
+                <a:ea typeface="삼성긴고딕OTF Regular" panose="020B0600000101010101" pitchFamily="34" charset="-127"/>
+              </a:rPr>
+              <a:t>nginx</a:t>
+            </a:r>
+            <a:endParaRPr lang="en-US" altLang="ko-KR" dirty="0">
+              <a:latin typeface="삼성긴고딕OTF Regular" panose="020B0600000101010101" pitchFamily="34" charset="-127"/>
+              <a:ea typeface="삼성긴고딕OTF Regular" panose="020B0600000101010101" pitchFamily="34" charset="-127"/>
+            </a:endParaRPr>
+          </a:p>
+          <a:p>
+            <a:pPr>
+              <a:lnSpc>
+                <a:spcPct val="110000"/>
+              </a:lnSpc>
+            </a:pPr>
+            <a:r>
+              <a:rPr lang="en-US" altLang="ko-KR" dirty="0" smtClean="0">
+                <a:latin typeface="삼성긴고딕OTF Regular" panose="020B0600000101010101" pitchFamily="34" charset="-127"/>
+                <a:ea typeface="삼성긴고딕OTF Regular" panose="020B0600000101010101" pitchFamily="34" charset="-127"/>
+              </a:rPr>
+              <a:t>    replicas: 4</a:t>
+            </a:r>
+          </a:p>
+        </p:txBody>
+      </p:sp>
+      <p:sp>
+        <p:nvSpPr>
+          <p:cNvPr id="27" name="TextBox 26"/>
+          <p:cNvSpPr txBox="1"/>
+          <p:nvPr/>
+        </p:nvSpPr>
+        <p:spPr>
+          <a:xfrm>
+            <a:off x="3062019" y="3280223"/>
+            <a:ext cx="3712464" cy="3139321"/>
+          </a:xfrm>
+          <a:prstGeom prst="rect">
+            <a:avLst/>
+          </a:prstGeom>
+          <a:noFill/>
+        </p:spPr>
+        <p:txBody>
+          <a:bodyPr wrap="square" rtlCol="0">
+            <a:spAutoFit/>
+          </a:bodyPr>
+          <a:lstStyle/>
+          <a:p>
+            <a:pPr>
+              <a:lnSpc>
+                <a:spcPct val="110000"/>
+              </a:lnSpc>
+            </a:pPr>
+            <a:r>
+              <a:rPr lang="en-US" altLang="ko-KR" dirty="0" smtClean="0">
+                <a:latin typeface="삼성긴고딕OTF Regular" panose="020B0600000101010101" pitchFamily="34" charset="-127"/>
+                <a:ea typeface="삼성긴고딕OTF Regular" panose="020B0600000101010101" pitchFamily="34" charset="-127"/>
+              </a:rPr>
+              <a:t>    template:</a:t>
+            </a:r>
+          </a:p>
+          <a:p>
+            <a:pPr>
+              <a:lnSpc>
+                <a:spcPct val="110000"/>
+              </a:lnSpc>
+            </a:pPr>
+            <a:r>
+              <a:rPr lang="en-US" altLang="ko-KR" dirty="0" smtClean="0">
+                <a:latin typeface="삼성긴고딕OTF Regular" panose="020B0600000101010101" pitchFamily="34" charset="-127"/>
+                <a:ea typeface="삼성긴고딕OTF Regular" panose="020B0600000101010101" pitchFamily="34" charset="-127"/>
+              </a:rPr>
+              <a:t>      metadata:</a:t>
+            </a:r>
+          </a:p>
+          <a:p>
+            <a:pPr>
+              <a:lnSpc>
+                <a:spcPct val="110000"/>
+              </a:lnSpc>
+            </a:pPr>
+            <a:r>
+              <a:rPr lang="en-US" altLang="ko-KR" dirty="0">
+                <a:latin typeface="삼성긴고딕OTF Regular" panose="020B0600000101010101" pitchFamily="34" charset="-127"/>
+                <a:ea typeface="삼성긴고딕OTF Regular" panose="020B0600000101010101" pitchFamily="34" charset="-127"/>
+              </a:rPr>
+              <a:t> </a:t>
+            </a:r>
+            <a:r>
+              <a:rPr lang="en-US" altLang="ko-KR" dirty="0" smtClean="0">
+                <a:latin typeface="삼성긴고딕OTF Regular" panose="020B0600000101010101" pitchFamily="34" charset="-127"/>
+                <a:ea typeface="삼성긴고딕OTF Regular" panose="020B0600000101010101" pitchFamily="34" charset="-127"/>
+              </a:rPr>
+              <a:t>       labels:</a:t>
+            </a:r>
+          </a:p>
+          <a:p>
+            <a:pPr>
+              <a:lnSpc>
+                <a:spcPct val="110000"/>
+              </a:lnSpc>
+            </a:pPr>
+            <a:r>
+              <a:rPr lang="en-US" altLang="ko-KR" dirty="0">
+                <a:latin typeface="삼성긴고딕OTF Regular" panose="020B0600000101010101" pitchFamily="34" charset="-127"/>
+                <a:ea typeface="삼성긴고딕OTF Regular" panose="020B0600000101010101" pitchFamily="34" charset="-127"/>
+              </a:rPr>
+              <a:t> </a:t>
+            </a:r>
+            <a:r>
+              <a:rPr lang="en-US" altLang="ko-KR" dirty="0" smtClean="0">
+                <a:latin typeface="삼성긴고딕OTF Regular" panose="020B0600000101010101" pitchFamily="34" charset="-127"/>
+                <a:ea typeface="삼성긴고딕OTF Regular" panose="020B0600000101010101" pitchFamily="34" charset="-127"/>
+              </a:rPr>
+              <a:t>         run: my-</a:t>
+            </a:r>
+            <a:r>
+              <a:rPr lang="en-US" altLang="ko-KR" dirty="0" err="1" smtClean="0">
+                <a:latin typeface="삼성긴고딕OTF Regular" panose="020B0600000101010101" pitchFamily="34" charset="-127"/>
+                <a:ea typeface="삼성긴고딕OTF Regular" panose="020B0600000101010101" pitchFamily="34" charset="-127"/>
+              </a:rPr>
+              <a:t>nginx</a:t>
+            </a:r>
+            <a:endParaRPr lang="en-US" altLang="ko-KR" dirty="0">
+              <a:latin typeface="삼성긴고딕OTF Regular" panose="020B0600000101010101" pitchFamily="34" charset="-127"/>
+              <a:ea typeface="삼성긴고딕OTF Regular" panose="020B0600000101010101" pitchFamily="34" charset="-127"/>
+            </a:endParaRPr>
+          </a:p>
+          <a:p>
+            <a:pPr>
+              <a:lnSpc>
+                <a:spcPct val="110000"/>
+              </a:lnSpc>
+            </a:pPr>
+            <a:r>
+              <a:rPr lang="en-US" altLang="ko-KR" dirty="0" smtClean="0">
+                <a:latin typeface="삼성긴고딕OTF Regular" panose="020B0600000101010101" pitchFamily="34" charset="-127"/>
+                <a:ea typeface="삼성긴고딕OTF Regular" panose="020B0600000101010101" pitchFamily="34" charset="-127"/>
+              </a:rPr>
+              <a:t>      spec:</a:t>
+            </a:r>
+          </a:p>
+          <a:p>
+            <a:pPr>
+              <a:lnSpc>
+                <a:spcPct val="110000"/>
+              </a:lnSpc>
+            </a:pPr>
+            <a:r>
+              <a:rPr lang="en-US" altLang="ko-KR" dirty="0">
+                <a:latin typeface="삼성긴고딕OTF Regular" panose="020B0600000101010101" pitchFamily="34" charset="-127"/>
+                <a:ea typeface="삼성긴고딕OTF Regular" panose="020B0600000101010101" pitchFamily="34" charset="-127"/>
+              </a:rPr>
+              <a:t> </a:t>
+            </a:r>
+            <a:r>
+              <a:rPr lang="en-US" altLang="ko-KR" dirty="0" smtClean="0">
+                <a:latin typeface="삼성긴고딕OTF Regular" panose="020B0600000101010101" pitchFamily="34" charset="-127"/>
+                <a:ea typeface="삼성긴고딕OTF Regular" panose="020B0600000101010101" pitchFamily="34" charset="-127"/>
+              </a:rPr>
+              <a:t>       containers:</a:t>
+            </a:r>
+          </a:p>
+          <a:p>
+            <a:pPr>
+              <a:lnSpc>
+                <a:spcPct val="110000"/>
+              </a:lnSpc>
+            </a:pPr>
+            <a:r>
+              <a:rPr lang="en-US" altLang="ko-KR" dirty="0">
+                <a:latin typeface="삼성긴고딕OTF Regular" panose="020B0600000101010101" pitchFamily="34" charset="-127"/>
+                <a:ea typeface="삼성긴고딕OTF Regular" panose="020B0600000101010101" pitchFamily="34" charset="-127"/>
+              </a:rPr>
+              <a:t> </a:t>
+            </a:r>
+            <a:r>
+              <a:rPr lang="en-US" altLang="ko-KR" dirty="0" smtClean="0">
+                <a:latin typeface="삼성긴고딕OTF Regular" panose="020B0600000101010101" pitchFamily="34" charset="-127"/>
+                <a:ea typeface="삼성긴고딕OTF Regular" panose="020B0600000101010101" pitchFamily="34" charset="-127"/>
+              </a:rPr>
+              <a:t>       - name: my-</a:t>
+            </a:r>
+            <a:r>
+              <a:rPr lang="en-US" altLang="ko-KR" dirty="0" err="1" smtClean="0">
+                <a:latin typeface="삼성긴고딕OTF Regular" panose="020B0600000101010101" pitchFamily="34" charset="-127"/>
+                <a:ea typeface="삼성긴고딕OTF Regular" panose="020B0600000101010101" pitchFamily="34" charset="-127"/>
+              </a:rPr>
+              <a:t>nginx</a:t>
+            </a:r>
+            <a:endParaRPr lang="en-US" altLang="ko-KR" dirty="0">
+              <a:latin typeface="삼성긴고딕OTF Regular" panose="020B0600000101010101" pitchFamily="34" charset="-127"/>
+              <a:ea typeface="삼성긴고딕OTF Regular" panose="020B0600000101010101" pitchFamily="34" charset="-127"/>
+            </a:endParaRPr>
+          </a:p>
+          <a:p>
+            <a:pPr>
+              <a:lnSpc>
+                <a:spcPct val="110000"/>
+              </a:lnSpc>
+            </a:pPr>
+            <a:r>
+              <a:rPr lang="en-US" altLang="ko-KR" dirty="0" smtClean="0">
+                <a:latin typeface="삼성긴고딕OTF Regular" panose="020B0600000101010101" pitchFamily="34" charset="-127"/>
+                <a:ea typeface="삼성긴고딕OTF Regular" panose="020B0600000101010101" pitchFamily="34" charset="-127"/>
+              </a:rPr>
+              <a:t>           images: </a:t>
+            </a:r>
+            <a:r>
+              <a:rPr lang="en-US" altLang="ko-KR" dirty="0" err="1" smtClean="0">
+                <a:latin typeface="삼성긴고딕OTF Regular" panose="020B0600000101010101" pitchFamily="34" charset="-127"/>
+                <a:ea typeface="삼성긴고딕OTF Regular" panose="020B0600000101010101" pitchFamily="34" charset="-127"/>
+              </a:rPr>
+              <a:t>nginx:latest</a:t>
+            </a:r>
+            <a:endParaRPr lang="en-US" altLang="ko-KR" dirty="0" smtClean="0">
+              <a:latin typeface="삼성긴고딕OTF Regular" panose="020B0600000101010101" pitchFamily="34" charset="-127"/>
+              <a:ea typeface="삼성긴고딕OTF Regular" panose="020B0600000101010101" pitchFamily="34" charset="-127"/>
+            </a:endParaRPr>
+          </a:p>
+          <a:p>
+            <a:pPr>
+              <a:lnSpc>
+                <a:spcPct val="110000"/>
+              </a:lnSpc>
+            </a:pPr>
+            <a:r>
+              <a:rPr lang="en-US" altLang="ko-KR" dirty="0" smtClean="0">
+                <a:latin typeface="삼성긴고딕OTF Regular" panose="020B0600000101010101" pitchFamily="34" charset="-127"/>
+                <a:ea typeface="삼성긴고딕OTF Regular" panose="020B0600000101010101" pitchFamily="34" charset="-127"/>
+              </a:rPr>
+              <a:t>           ports:</a:t>
+            </a:r>
+          </a:p>
+          <a:p>
+            <a:pPr>
+              <a:lnSpc>
+                <a:spcPct val="110000"/>
+              </a:lnSpc>
+            </a:pPr>
+            <a:r>
+              <a:rPr lang="en-US" altLang="ko-KR" dirty="0">
+                <a:latin typeface="삼성긴고딕OTF Regular" panose="020B0600000101010101" pitchFamily="34" charset="-127"/>
+                <a:ea typeface="삼성긴고딕OTF Regular" panose="020B0600000101010101" pitchFamily="34" charset="-127"/>
+              </a:rPr>
+              <a:t> </a:t>
+            </a:r>
+            <a:r>
+              <a:rPr lang="en-US" altLang="ko-KR" dirty="0" smtClean="0">
+                <a:latin typeface="삼성긴고딕OTF Regular" panose="020B0600000101010101" pitchFamily="34" charset="-127"/>
+                <a:ea typeface="삼성긴고딕OTF Regular" panose="020B0600000101010101" pitchFamily="34" charset="-127"/>
+              </a:rPr>
+              <a:t>          - </a:t>
+            </a:r>
+            <a:r>
+              <a:rPr lang="en-US" altLang="ko-KR" dirty="0" err="1" smtClean="0">
+                <a:latin typeface="삼성긴고딕OTF Regular" panose="020B0600000101010101" pitchFamily="34" charset="-127"/>
+                <a:ea typeface="삼성긴고딕OTF Regular" panose="020B0600000101010101" pitchFamily="34" charset="-127"/>
+              </a:rPr>
+              <a:t>containerPort</a:t>
+            </a:r>
+            <a:r>
+              <a:rPr lang="en-US" altLang="ko-KR" dirty="0" smtClean="0">
+                <a:latin typeface="삼성긴고딕OTF Regular" panose="020B0600000101010101" pitchFamily="34" charset="-127"/>
+                <a:ea typeface="삼성긴고딕OTF Regular" panose="020B0600000101010101" pitchFamily="34" charset="-127"/>
+              </a:rPr>
+              <a:t>: 80</a:t>
+            </a:r>
+          </a:p>
+        </p:txBody>
+      </p:sp>
+      <p:sp>
+        <p:nvSpPr>
+          <p:cNvPr id="28" name="왼쪽 중괄호 27"/>
+          <p:cNvSpPr/>
+          <p:nvPr/>
+        </p:nvSpPr>
+        <p:spPr>
+          <a:xfrm>
+            <a:off x="2652532" y="3432309"/>
+            <a:ext cx="396535" cy="2849619"/>
+          </a:xfrm>
+          <a:prstGeom prst="leftBrace">
+            <a:avLst>
+              <a:gd name="adj1" fmla="val 8333"/>
+              <a:gd name="adj2" fmla="val 33530"/>
+            </a:avLst>
+          </a:prstGeom>
+          <a:ln w="12700">
+            <a:solidFill>
+              <a:srgbClr val="326CE5"/>
+            </a:solidFill>
+          </a:ln>
+        </p:spPr>
+        <p:style>
+          <a:lnRef idx="1">
+            <a:schemeClr val="accent1"/>
+          </a:lnRef>
+          <a:fillRef idx="0">
+            <a:schemeClr val="accent1"/>
+          </a:fillRef>
+          <a:effectRef idx="0">
+            <a:schemeClr val="accent1"/>
+          </a:effectRef>
+          <a:fontRef idx="minor">
+            <a:schemeClr val="tx1"/>
+          </a:fontRef>
+        </p:style>
+        <p:txBody>
+          <a:bodyPr rtlCol="0" anchor="ctr"/>
+          <a:lstStyle/>
+          <a:p>
+            <a:pPr algn="ctr"/>
+            <a:endParaRPr lang="ko-KR" altLang="en-US"/>
+          </a:p>
+        </p:txBody>
+      </p:sp>
+      <p:sp>
+        <p:nvSpPr>
+          <p:cNvPr id="29" name="왼쪽 중괄호 28"/>
+          <p:cNvSpPr/>
+          <p:nvPr/>
+        </p:nvSpPr>
+        <p:spPr>
+          <a:xfrm>
+            <a:off x="2652532" y="1828525"/>
+            <a:ext cx="396535" cy="1283174"/>
+          </a:xfrm>
+          <a:prstGeom prst="leftBrace">
+            <a:avLst>
+              <a:gd name="adj1" fmla="val 8333"/>
+              <a:gd name="adj2" fmla="val 69872"/>
+            </a:avLst>
+          </a:prstGeom>
+          <a:ln w="12700">
+            <a:solidFill>
+              <a:srgbClr val="326CE5"/>
+            </a:solidFill>
+          </a:ln>
+        </p:spPr>
+        <p:style>
+          <a:lnRef idx="1">
+            <a:schemeClr val="accent1"/>
+          </a:lnRef>
+          <a:fillRef idx="0">
+            <a:schemeClr val="accent1"/>
+          </a:fillRef>
+          <a:effectRef idx="0">
+            <a:schemeClr val="accent1"/>
+          </a:effectRef>
+          <a:fontRef idx="minor">
+            <a:schemeClr val="tx1"/>
+          </a:fontRef>
+        </p:style>
+        <p:txBody>
+          <a:bodyPr rtlCol="0" anchor="ctr"/>
+          <a:lstStyle/>
+          <a:p>
+            <a:pPr algn="ctr"/>
+            <a:endParaRPr lang="ko-KR" altLang="en-US"/>
+          </a:p>
+        </p:txBody>
+      </p:sp>
+      <p:sp>
+        <p:nvSpPr>
+          <p:cNvPr id="30" name="왼쪽 중괄호 29"/>
+          <p:cNvSpPr/>
+          <p:nvPr/>
+        </p:nvSpPr>
+        <p:spPr>
+          <a:xfrm>
+            <a:off x="2652532" y="491546"/>
+            <a:ext cx="396535" cy="1078112"/>
+          </a:xfrm>
+          <a:prstGeom prst="leftBrace">
+            <a:avLst>
+              <a:gd name="adj1" fmla="val 8333"/>
+              <a:gd name="adj2" fmla="val 77947"/>
+            </a:avLst>
+          </a:prstGeom>
+          <a:ln w="12700">
+            <a:solidFill>
+              <a:srgbClr val="326CE5"/>
+            </a:solidFill>
+          </a:ln>
+        </p:spPr>
+        <p:style>
+          <a:lnRef idx="1">
+            <a:schemeClr val="accent1"/>
+          </a:lnRef>
+          <a:fillRef idx="0">
+            <a:schemeClr val="accent1"/>
+          </a:fillRef>
+          <a:effectRef idx="0">
+            <a:schemeClr val="accent1"/>
+          </a:effectRef>
+          <a:fontRef idx="minor">
+            <a:schemeClr val="tx1"/>
+          </a:fontRef>
+        </p:style>
+        <p:txBody>
+          <a:bodyPr rtlCol="0" anchor="ctr"/>
+          <a:lstStyle/>
+          <a:p>
+            <a:pPr algn="ctr"/>
+            <a:endParaRPr lang="ko-KR" altLang="en-US"/>
+          </a:p>
+        </p:txBody>
+      </p:sp>
+    </p:spTree>
+    <p:extLst>
+      <p:ext uri="{BB962C8B-B14F-4D97-AF65-F5344CB8AC3E}">
+        <p14:creationId xmlns:p14="http://schemas.microsoft.com/office/powerpoint/2010/main" val="1134268084"/>
       </p:ext>
     </p:extLst>
   </p:cSld>

--- a/markdown_image.pptx
+++ b/markdown_image.pptx
@@ -10549,7 +10549,7 @@
         <p:spPr>
           <a:xfrm>
             <a:off x="3062019" y="360193"/>
-            <a:ext cx="3712464" cy="1311128"/>
+            <a:ext cx="3183333" cy="1311128"/>
           </a:xfrm>
           <a:prstGeom prst="rect">
             <a:avLst/>
@@ -10653,7 +10653,7 @@
         <p:spPr>
           <a:xfrm>
             <a:off x="3062019" y="1671321"/>
-            <a:ext cx="3712464" cy="1608902"/>
+            <a:ext cx="3183333" cy="1608902"/>
           </a:xfrm>
           <a:prstGeom prst="rect">
             <a:avLst/>
@@ -10785,7 +10785,7 @@
         <p:spPr>
           <a:xfrm>
             <a:off x="3062019" y="3280223"/>
-            <a:ext cx="3712464" cy="3139321"/>
+            <a:ext cx="3183333" cy="3139321"/>
           </a:xfrm>
           <a:prstGeom prst="rect">
             <a:avLst/>
@@ -11156,6 +11156,888 @@
           <a:p>
             <a:pPr algn="ctr"/>
             <a:endParaRPr lang="ko-KR" altLang="en-US"/>
+          </a:p>
+        </p:txBody>
+      </p:sp>
+      <p:sp>
+        <p:nvSpPr>
+          <p:cNvPr id="31" name="TextBox 30"/>
+          <p:cNvSpPr txBox="1"/>
+          <p:nvPr/>
+        </p:nvSpPr>
+        <p:spPr>
+          <a:xfrm>
+            <a:off x="5892544" y="360193"/>
+            <a:ext cx="4019552" cy="1311128"/>
+          </a:xfrm>
+          <a:prstGeom prst="rect">
+            <a:avLst/>
+          </a:prstGeom>
+          <a:noFill/>
+        </p:spPr>
+        <p:txBody>
+          <a:bodyPr wrap="square" rtlCol="0">
+            <a:spAutoFit/>
+          </a:bodyPr>
+          <a:lstStyle/>
+          <a:p>
+            <a:pPr>
+              <a:lnSpc>
+                <a:spcPct val="110000"/>
+              </a:lnSpc>
+            </a:pPr>
+            <a:r>
+              <a:rPr lang="ko-KR" altLang="en-US" dirty="0" smtClean="0">
+                <a:solidFill>
+                  <a:schemeClr val="tx1">
+                    <a:lumMod val="50000"/>
+                    <a:lumOff val="50000"/>
+                  </a:schemeClr>
+                </a:solidFill>
+                <a:latin typeface="삼성긴고딕OTF Light" panose="020B0600000101010101" pitchFamily="34" charset="-127"/>
+                <a:ea typeface="삼성긴고딕OTF Light" panose="020B0600000101010101" pitchFamily="34" charset="-127"/>
+              </a:rPr>
+              <a:t>→ </a:t>
+            </a:r>
+            <a:r>
+              <a:rPr lang="en-US" altLang="ko-KR" dirty="0" err="1" smtClean="0">
+                <a:solidFill>
+                  <a:schemeClr val="tx1">
+                    <a:lumMod val="50000"/>
+                    <a:lumOff val="50000"/>
+                  </a:schemeClr>
+                </a:solidFill>
+                <a:latin typeface="삼성긴고딕OTF Light" panose="020B0600000101010101" pitchFamily="34" charset="-127"/>
+                <a:ea typeface="삼성긴고딕OTF Light" panose="020B0600000101010101" pitchFamily="34" charset="-127"/>
+              </a:rPr>
+              <a:t>apiVersion</a:t>
+            </a:r>
+            <a:r>
+              <a:rPr lang="ko-KR" altLang="en-US" dirty="0" smtClean="0">
+                <a:solidFill>
+                  <a:schemeClr val="tx1">
+                    <a:lumMod val="50000"/>
+                    <a:lumOff val="50000"/>
+                  </a:schemeClr>
+                </a:solidFill>
+                <a:latin typeface="삼성긴고딕OTF Light" panose="020B0600000101010101" pitchFamily="34" charset="-127"/>
+                <a:ea typeface="삼성긴고딕OTF Light" panose="020B0600000101010101" pitchFamily="34" charset="-127"/>
+              </a:rPr>
+              <a:t>의</a:t>
+            </a:r>
+            <a:r>
+              <a:rPr lang="en-US" altLang="ko-KR" dirty="0" smtClean="0">
+                <a:solidFill>
+                  <a:schemeClr val="tx1">
+                    <a:lumMod val="50000"/>
+                    <a:lumOff val="50000"/>
+                  </a:schemeClr>
+                </a:solidFill>
+                <a:latin typeface="삼성긴고딕OTF Light" panose="020B0600000101010101" pitchFamily="34" charset="-127"/>
+                <a:ea typeface="삼성긴고딕OTF Light" panose="020B0600000101010101" pitchFamily="34" charset="-127"/>
+              </a:rPr>
+              <a:t> </a:t>
+            </a:r>
+            <a:r>
+              <a:rPr lang="ko-KR" altLang="en-US" dirty="0" smtClean="0">
+                <a:solidFill>
+                  <a:schemeClr val="tx1">
+                    <a:lumMod val="50000"/>
+                    <a:lumOff val="50000"/>
+                  </a:schemeClr>
+                </a:solidFill>
+                <a:latin typeface="삼성긴고딕OTF Light" panose="020B0600000101010101" pitchFamily="34" charset="-127"/>
+                <a:ea typeface="삼성긴고딕OTF Light" panose="020B0600000101010101" pitchFamily="34" charset="-127"/>
+              </a:rPr>
+              <a:t>버전</a:t>
+            </a:r>
+            <a:endParaRPr lang="en-US" altLang="ko-KR" dirty="0" smtClean="0">
+              <a:solidFill>
+                <a:schemeClr val="tx1">
+                  <a:lumMod val="50000"/>
+                  <a:lumOff val="50000"/>
+                </a:schemeClr>
+              </a:solidFill>
+              <a:latin typeface="삼성긴고딕OTF Light" panose="020B0600000101010101" pitchFamily="34" charset="-127"/>
+              <a:ea typeface="삼성긴고딕OTF Light" panose="020B0600000101010101" pitchFamily="34" charset="-127"/>
+            </a:endParaRPr>
+          </a:p>
+          <a:p>
+            <a:pPr>
+              <a:lnSpc>
+                <a:spcPct val="110000"/>
+              </a:lnSpc>
+            </a:pPr>
+            <a:r>
+              <a:rPr lang="ko-KR" altLang="en-US" dirty="0">
+                <a:solidFill>
+                  <a:schemeClr val="tx1">
+                    <a:lumMod val="50000"/>
+                    <a:lumOff val="50000"/>
+                  </a:schemeClr>
+                </a:solidFill>
+                <a:latin typeface="삼성긴고딕OTF Light" panose="020B0600000101010101" pitchFamily="34" charset="-127"/>
+                <a:ea typeface="삼성긴고딕OTF Light" panose="020B0600000101010101" pitchFamily="34" charset="-127"/>
+              </a:rPr>
+              <a:t>→ </a:t>
+            </a:r>
+            <a:r>
+              <a:rPr lang="ko-KR" altLang="en-US" dirty="0" smtClean="0">
+                <a:solidFill>
+                  <a:schemeClr val="tx1">
+                    <a:lumMod val="50000"/>
+                    <a:lumOff val="50000"/>
+                  </a:schemeClr>
+                </a:solidFill>
+                <a:latin typeface="삼성긴고딕OTF Light" panose="020B0600000101010101" pitchFamily="34" charset="-127"/>
+                <a:ea typeface="삼성긴고딕OTF Light" panose="020B0600000101010101" pitchFamily="34" charset="-127"/>
+              </a:rPr>
+              <a:t>오브젝트의 종류</a:t>
+            </a:r>
+            <a:endParaRPr lang="en-US" altLang="ko-KR" dirty="0" smtClean="0">
+              <a:solidFill>
+                <a:schemeClr val="tx1">
+                  <a:lumMod val="50000"/>
+                  <a:lumOff val="50000"/>
+                </a:schemeClr>
+              </a:solidFill>
+              <a:latin typeface="삼성긴고딕OTF Light" panose="020B0600000101010101" pitchFamily="34" charset="-127"/>
+              <a:ea typeface="삼성긴고딕OTF Light" panose="020B0600000101010101" pitchFamily="34" charset="-127"/>
+            </a:endParaRPr>
+          </a:p>
+          <a:p>
+            <a:pPr>
+              <a:lnSpc>
+                <a:spcPct val="110000"/>
+              </a:lnSpc>
+            </a:pPr>
+            <a:r>
+              <a:rPr lang="ko-KR" altLang="en-US" dirty="0">
+                <a:solidFill>
+                  <a:schemeClr val="tx1">
+                    <a:lumMod val="50000"/>
+                    <a:lumOff val="50000"/>
+                  </a:schemeClr>
+                </a:solidFill>
+                <a:latin typeface="삼성긴고딕OTF Light" panose="020B0600000101010101" pitchFamily="34" charset="-127"/>
+                <a:ea typeface="삼성긴고딕OTF Light" panose="020B0600000101010101" pitchFamily="34" charset="-127"/>
+              </a:rPr>
+              <a:t>→ </a:t>
+            </a:r>
+            <a:r>
+              <a:rPr lang="ko-KR" altLang="en-US" dirty="0" smtClean="0">
+                <a:solidFill>
+                  <a:schemeClr val="tx1">
+                    <a:lumMod val="50000"/>
+                    <a:lumOff val="50000"/>
+                  </a:schemeClr>
+                </a:solidFill>
+                <a:latin typeface="삼성긴고딕OTF Light" panose="020B0600000101010101" pitchFamily="34" charset="-127"/>
+                <a:ea typeface="삼성긴고딕OTF Light" panose="020B0600000101010101" pitchFamily="34" charset="-127"/>
+              </a:rPr>
+              <a:t>리소스의 메타데이터</a:t>
+            </a:r>
+            <a:endParaRPr lang="en-US" altLang="ko-KR" dirty="0" smtClean="0">
+              <a:solidFill>
+                <a:schemeClr val="tx1">
+                  <a:lumMod val="50000"/>
+                  <a:lumOff val="50000"/>
+                </a:schemeClr>
+              </a:solidFill>
+              <a:latin typeface="삼성긴고딕OTF Light" panose="020B0600000101010101" pitchFamily="34" charset="-127"/>
+              <a:ea typeface="삼성긴고딕OTF Light" panose="020B0600000101010101" pitchFamily="34" charset="-127"/>
+            </a:endParaRPr>
+          </a:p>
+          <a:p>
+            <a:pPr>
+              <a:lnSpc>
+                <a:spcPct val="110000"/>
+              </a:lnSpc>
+            </a:pPr>
+            <a:r>
+              <a:rPr lang="ko-KR" altLang="en-US" dirty="0">
+                <a:solidFill>
+                  <a:schemeClr val="tx1">
+                    <a:lumMod val="50000"/>
+                    <a:lumOff val="50000"/>
+                  </a:schemeClr>
+                </a:solidFill>
+                <a:latin typeface="삼성긴고딕OTF Light" panose="020B0600000101010101" pitchFamily="34" charset="-127"/>
+                <a:ea typeface="삼성긴고딕OTF Light" panose="020B0600000101010101" pitchFamily="34" charset="-127"/>
+              </a:rPr>
+              <a:t>→ </a:t>
+            </a:r>
+            <a:r>
+              <a:rPr lang="ko-KR" altLang="en-US" dirty="0" smtClean="0">
+                <a:solidFill>
+                  <a:schemeClr val="tx1">
+                    <a:lumMod val="50000"/>
+                    <a:lumOff val="50000"/>
+                  </a:schemeClr>
+                </a:solidFill>
+                <a:latin typeface="삼성긴고딕OTF Light" panose="020B0600000101010101" pitchFamily="34" charset="-127"/>
+                <a:ea typeface="삼성긴고딕OTF Light" panose="020B0600000101010101" pitchFamily="34" charset="-127"/>
+              </a:rPr>
+              <a:t>오브젝트의 이름</a:t>
+            </a:r>
+            <a:endParaRPr lang="en-US" altLang="ko-KR" dirty="0" smtClean="0">
+              <a:solidFill>
+                <a:schemeClr val="tx1">
+                  <a:lumMod val="50000"/>
+                  <a:lumOff val="50000"/>
+                </a:schemeClr>
+              </a:solidFill>
+              <a:latin typeface="삼성긴고딕OTF Light" panose="020B0600000101010101" pitchFamily="34" charset="-127"/>
+              <a:ea typeface="삼성긴고딕OTF Light" panose="020B0600000101010101" pitchFamily="34" charset="-127"/>
+            </a:endParaRPr>
+          </a:p>
+        </p:txBody>
+      </p:sp>
+      <p:sp>
+        <p:nvSpPr>
+          <p:cNvPr id="32" name="TextBox 31"/>
+          <p:cNvSpPr txBox="1"/>
+          <p:nvPr/>
+        </p:nvSpPr>
+        <p:spPr>
+          <a:xfrm>
+            <a:off x="5892544" y="1671321"/>
+            <a:ext cx="4019552" cy="1615827"/>
+          </a:xfrm>
+          <a:prstGeom prst="rect">
+            <a:avLst/>
+          </a:prstGeom>
+          <a:noFill/>
+        </p:spPr>
+        <p:txBody>
+          <a:bodyPr wrap="square" rtlCol="0">
+            <a:spAutoFit/>
+          </a:bodyPr>
+          <a:lstStyle/>
+          <a:p>
+            <a:pPr>
+              <a:lnSpc>
+                <a:spcPct val="110000"/>
+              </a:lnSpc>
+            </a:pPr>
+            <a:r>
+              <a:rPr lang="ko-KR" altLang="en-US" dirty="0">
+                <a:solidFill>
+                  <a:schemeClr val="tx1">
+                    <a:lumMod val="50000"/>
+                    <a:lumOff val="50000"/>
+                  </a:schemeClr>
+                </a:solidFill>
+                <a:latin typeface="삼성긴고딕OTF Light" panose="020B0600000101010101" pitchFamily="34" charset="-127"/>
+                <a:ea typeface="삼성긴고딕OTF Light" panose="020B0600000101010101" pitchFamily="34" charset="-127"/>
+              </a:rPr>
+              <a:t>→ </a:t>
+            </a:r>
+            <a:r>
+              <a:rPr lang="ko-KR" altLang="en-US" dirty="0" smtClean="0">
+                <a:solidFill>
+                  <a:schemeClr val="tx1">
+                    <a:lumMod val="50000"/>
+                    <a:lumOff val="50000"/>
+                  </a:schemeClr>
+                </a:solidFill>
+                <a:latin typeface="삼성긴고딕OTF Light" panose="020B0600000101010101" pitchFamily="34" charset="-127"/>
+                <a:ea typeface="삼성긴고딕OTF Light" panose="020B0600000101010101" pitchFamily="34" charset="-127"/>
+              </a:rPr>
+              <a:t>오브젝트의 스펙</a:t>
+            </a:r>
+            <a:endParaRPr lang="en-US" altLang="ko-KR" dirty="0" smtClean="0">
+              <a:solidFill>
+                <a:schemeClr val="tx1">
+                  <a:lumMod val="50000"/>
+                  <a:lumOff val="50000"/>
+                </a:schemeClr>
+              </a:solidFill>
+              <a:latin typeface="삼성긴고딕OTF Light" panose="020B0600000101010101" pitchFamily="34" charset="-127"/>
+              <a:ea typeface="삼성긴고딕OTF Light" panose="020B0600000101010101" pitchFamily="34" charset="-127"/>
+            </a:endParaRPr>
+          </a:p>
+          <a:p>
+            <a:pPr>
+              <a:lnSpc>
+                <a:spcPct val="110000"/>
+              </a:lnSpc>
+            </a:pPr>
+            <a:r>
+              <a:rPr lang="ko-KR" altLang="en-US" dirty="0" smtClean="0">
+                <a:solidFill>
+                  <a:schemeClr val="tx1">
+                    <a:lumMod val="50000"/>
+                    <a:lumOff val="50000"/>
+                  </a:schemeClr>
+                </a:solidFill>
+                <a:latin typeface="삼성긴고딕OTF Light" panose="020B0600000101010101" pitchFamily="34" charset="-127"/>
+                <a:ea typeface="삼성긴고딕OTF Light" panose="020B0600000101010101" pitchFamily="34" charset="-127"/>
+              </a:rPr>
+              <a:t>→ </a:t>
+            </a:r>
+            <a:r>
+              <a:rPr lang="ko-KR" altLang="en-US" dirty="0" err="1" smtClean="0">
+                <a:solidFill>
+                  <a:schemeClr val="tx1">
+                    <a:lumMod val="50000"/>
+                    <a:lumOff val="50000"/>
+                  </a:schemeClr>
+                </a:solidFill>
+                <a:latin typeface="삼성긴고딕OTF Light" panose="020B0600000101010101" pitchFamily="34" charset="-127"/>
+                <a:ea typeface="삼성긴고딕OTF Light" panose="020B0600000101010101" pitchFamily="34" charset="-127"/>
+              </a:rPr>
+              <a:t>선택자</a:t>
+            </a:r>
+            <a:endParaRPr lang="en-US" altLang="ko-KR" dirty="0">
+              <a:solidFill>
+                <a:schemeClr val="tx1">
+                  <a:lumMod val="50000"/>
+                  <a:lumOff val="50000"/>
+                </a:schemeClr>
+              </a:solidFill>
+              <a:latin typeface="삼성긴고딕OTF Light" panose="020B0600000101010101" pitchFamily="34" charset="-127"/>
+              <a:ea typeface="삼성긴고딕OTF Light" panose="020B0600000101010101" pitchFamily="34" charset="-127"/>
+            </a:endParaRPr>
+          </a:p>
+          <a:p>
+            <a:pPr>
+              <a:lnSpc>
+                <a:spcPct val="110000"/>
+              </a:lnSpc>
+            </a:pPr>
+            <a:r>
+              <a:rPr lang="ko-KR" altLang="en-US" dirty="0" smtClean="0">
+                <a:solidFill>
+                  <a:schemeClr val="tx1">
+                    <a:lumMod val="50000"/>
+                    <a:lumOff val="50000"/>
+                  </a:schemeClr>
+                </a:solidFill>
+                <a:latin typeface="삼성긴고딕OTF Light" panose="020B0600000101010101" pitchFamily="34" charset="-127"/>
+                <a:ea typeface="삼성긴고딕OTF Light" panose="020B0600000101010101" pitchFamily="34" charset="-127"/>
+              </a:rPr>
+              <a:t>→ 매칭되는 라벨 정의</a:t>
+            </a:r>
+            <a:endParaRPr lang="en-US" altLang="ko-KR" dirty="0" smtClean="0">
+              <a:solidFill>
+                <a:schemeClr val="tx1">
+                  <a:lumMod val="50000"/>
+                  <a:lumOff val="50000"/>
+                </a:schemeClr>
+              </a:solidFill>
+              <a:latin typeface="삼성긴고딕OTF Light" panose="020B0600000101010101" pitchFamily="34" charset="-127"/>
+              <a:ea typeface="삼성긴고딕OTF Light" panose="020B0600000101010101" pitchFamily="34" charset="-127"/>
+            </a:endParaRPr>
+          </a:p>
+          <a:p>
+            <a:pPr>
+              <a:lnSpc>
+                <a:spcPct val="110000"/>
+              </a:lnSpc>
+            </a:pPr>
+            <a:endParaRPr lang="en-US" altLang="ko-KR" dirty="0">
+              <a:solidFill>
+                <a:schemeClr val="tx1">
+                  <a:lumMod val="50000"/>
+                  <a:lumOff val="50000"/>
+                </a:schemeClr>
+              </a:solidFill>
+              <a:latin typeface="삼성긴고딕OTF Light" panose="020B0600000101010101" pitchFamily="34" charset="-127"/>
+              <a:ea typeface="삼성긴고딕OTF Light" panose="020B0600000101010101" pitchFamily="34" charset="-127"/>
+            </a:endParaRPr>
+          </a:p>
+          <a:p>
+            <a:pPr>
+              <a:lnSpc>
+                <a:spcPct val="110000"/>
+              </a:lnSpc>
+            </a:pPr>
+            <a:r>
+              <a:rPr lang="ko-KR" altLang="en-US" dirty="0">
+                <a:solidFill>
+                  <a:schemeClr val="tx1">
+                    <a:lumMod val="50000"/>
+                    <a:lumOff val="50000"/>
+                  </a:schemeClr>
+                </a:solidFill>
+                <a:latin typeface="삼성긴고딕OTF Light" panose="020B0600000101010101" pitchFamily="34" charset="-127"/>
+                <a:ea typeface="삼성긴고딕OTF Light" panose="020B0600000101010101" pitchFamily="34" charset="-127"/>
+              </a:rPr>
+              <a:t>→ </a:t>
+            </a:r>
+            <a:r>
+              <a:rPr lang="ko-KR" altLang="en-US" dirty="0" err="1" smtClean="0">
+                <a:solidFill>
+                  <a:schemeClr val="tx1">
+                    <a:lumMod val="50000"/>
+                    <a:lumOff val="50000"/>
+                  </a:schemeClr>
+                </a:solidFill>
+                <a:latin typeface="삼성긴고딕OTF Light" panose="020B0600000101010101" pitchFamily="34" charset="-127"/>
+                <a:ea typeface="삼성긴고딕OTF Light" panose="020B0600000101010101" pitchFamily="34" charset="-127"/>
+              </a:rPr>
+              <a:t>레플리카를</a:t>
+            </a:r>
+            <a:r>
+              <a:rPr lang="ko-KR" altLang="en-US" dirty="0" smtClean="0">
+                <a:solidFill>
+                  <a:schemeClr val="tx1">
+                    <a:lumMod val="50000"/>
+                    <a:lumOff val="50000"/>
+                  </a:schemeClr>
+                </a:solidFill>
+                <a:latin typeface="삼성긴고딕OTF Light" panose="020B0600000101010101" pitchFamily="34" charset="-127"/>
+                <a:ea typeface="삼성긴고딕OTF Light" panose="020B0600000101010101" pitchFamily="34" charset="-127"/>
+              </a:rPr>
+              <a:t> 통해 복제할 </a:t>
+            </a:r>
+            <a:r>
+              <a:rPr lang="ko-KR" altLang="en-US" dirty="0" err="1" smtClean="0">
+                <a:solidFill>
+                  <a:schemeClr val="tx1">
+                    <a:lumMod val="50000"/>
+                    <a:lumOff val="50000"/>
+                  </a:schemeClr>
+                </a:solidFill>
+                <a:latin typeface="삼성긴고딕OTF Light" panose="020B0600000101010101" pitchFamily="34" charset="-127"/>
+                <a:ea typeface="삼성긴고딕OTF Light" panose="020B0600000101010101" pitchFamily="34" charset="-127"/>
+              </a:rPr>
+              <a:t>파드의</a:t>
+            </a:r>
+            <a:r>
+              <a:rPr lang="ko-KR" altLang="en-US" dirty="0" smtClean="0">
+                <a:solidFill>
+                  <a:schemeClr val="tx1">
+                    <a:lumMod val="50000"/>
+                    <a:lumOff val="50000"/>
+                  </a:schemeClr>
+                </a:solidFill>
+                <a:latin typeface="삼성긴고딕OTF Light" panose="020B0600000101010101" pitchFamily="34" charset="-127"/>
+                <a:ea typeface="삼성긴고딕OTF Light" panose="020B0600000101010101" pitchFamily="34" charset="-127"/>
+              </a:rPr>
+              <a:t> 수</a:t>
+            </a:r>
+            <a:endParaRPr lang="en-US" altLang="ko-KR" dirty="0" smtClean="0">
+              <a:solidFill>
+                <a:schemeClr val="tx1">
+                  <a:lumMod val="50000"/>
+                  <a:lumOff val="50000"/>
+                </a:schemeClr>
+              </a:solidFill>
+              <a:latin typeface="삼성긴고딕OTF Light" panose="020B0600000101010101" pitchFamily="34" charset="-127"/>
+              <a:ea typeface="삼성긴고딕OTF Light" panose="020B0600000101010101" pitchFamily="34" charset="-127"/>
+            </a:endParaRPr>
+          </a:p>
+        </p:txBody>
+      </p:sp>
+      <p:sp>
+        <p:nvSpPr>
+          <p:cNvPr id="33" name="TextBox 32"/>
+          <p:cNvSpPr txBox="1"/>
+          <p:nvPr/>
+        </p:nvSpPr>
+        <p:spPr>
+          <a:xfrm>
+            <a:off x="5892544" y="3280223"/>
+            <a:ext cx="4019552" cy="2834622"/>
+          </a:xfrm>
+          <a:prstGeom prst="rect">
+            <a:avLst/>
+          </a:prstGeom>
+          <a:noFill/>
+        </p:spPr>
+        <p:txBody>
+          <a:bodyPr wrap="square" rtlCol="0">
+            <a:spAutoFit/>
+          </a:bodyPr>
+          <a:lstStyle/>
+          <a:p>
+            <a:pPr>
+              <a:lnSpc>
+                <a:spcPct val="110000"/>
+              </a:lnSpc>
+            </a:pPr>
+            <a:r>
+              <a:rPr lang="ko-KR" altLang="en-US" dirty="0" smtClean="0">
+                <a:solidFill>
+                  <a:schemeClr val="tx1">
+                    <a:lumMod val="50000"/>
+                    <a:lumOff val="50000"/>
+                  </a:schemeClr>
+                </a:solidFill>
+                <a:latin typeface="삼성긴고딕OTF Light" panose="020B0600000101010101" pitchFamily="34" charset="-127"/>
+                <a:ea typeface="삼성긴고딕OTF Light" panose="020B0600000101010101" pitchFamily="34" charset="-127"/>
+              </a:rPr>
+              <a:t>→ </a:t>
+            </a:r>
+            <a:r>
+              <a:rPr lang="ko-KR" altLang="en-US" dirty="0" err="1" smtClean="0">
+                <a:solidFill>
+                  <a:schemeClr val="tx1">
+                    <a:lumMod val="50000"/>
+                    <a:lumOff val="50000"/>
+                  </a:schemeClr>
+                </a:solidFill>
+                <a:latin typeface="삼성긴고딕OTF Light" panose="020B0600000101010101" pitchFamily="34" charset="-127"/>
+                <a:ea typeface="삼성긴고딕OTF Light" panose="020B0600000101010101" pitchFamily="34" charset="-127"/>
+              </a:rPr>
+              <a:t>파드의</a:t>
+            </a:r>
+            <a:r>
+              <a:rPr lang="ko-KR" altLang="en-US" dirty="0" smtClean="0">
+                <a:solidFill>
+                  <a:schemeClr val="tx1">
+                    <a:lumMod val="50000"/>
+                    <a:lumOff val="50000"/>
+                  </a:schemeClr>
+                </a:solidFill>
+                <a:latin typeface="삼성긴고딕OTF Light" panose="020B0600000101010101" pitchFamily="34" charset="-127"/>
+                <a:ea typeface="삼성긴고딕OTF Light" panose="020B0600000101010101" pitchFamily="34" charset="-127"/>
+              </a:rPr>
+              <a:t> 템플릿</a:t>
+            </a:r>
+            <a:endParaRPr lang="en-US" altLang="ko-KR" dirty="0" smtClean="0">
+              <a:solidFill>
+                <a:schemeClr val="tx1">
+                  <a:lumMod val="50000"/>
+                  <a:lumOff val="50000"/>
+                </a:schemeClr>
+              </a:solidFill>
+              <a:latin typeface="삼성긴고딕OTF Light" panose="020B0600000101010101" pitchFamily="34" charset="-127"/>
+              <a:ea typeface="삼성긴고딕OTF Light" panose="020B0600000101010101" pitchFamily="34" charset="-127"/>
+            </a:endParaRPr>
+          </a:p>
+          <a:p>
+            <a:pPr>
+              <a:lnSpc>
+                <a:spcPct val="110000"/>
+              </a:lnSpc>
+            </a:pPr>
+            <a:r>
+              <a:rPr lang="ko-KR" altLang="en-US" dirty="0" smtClean="0">
+                <a:solidFill>
+                  <a:schemeClr val="tx1">
+                    <a:lumMod val="50000"/>
+                    <a:lumOff val="50000"/>
+                  </a:schemeClr>
+                </a:solidFill>
+                <a:latin typeface="삼성긴고딕OTF Light" panose="020B0600000101010101" pitchFamily="34" charset="-127"/>
+                <a:ea typeface="삼성긴고딕OTF Light" panose="020B0600000101010101" pitchFamily="34" charset="-127"/>
+              </a:rPr>
+              <a:t>→ </a:t>
+            </a:r>
+            <a:r>
+              <a:rPr lang="ko-KR" altLang="en-US" dirty="0" err="1" smtClean="0">
+                <a:solidFill>
+                  <a:schemeClr val="tx1">
+                    <a:lumMod val="50000"/>
+                    <a:lumOff val="50000"/>
+                  </a:schemeClr>
+                </a:solidFill>
+                <a:latin typeface="삼성긴고딕OTF Light" panose="020B0600000101010101" pitchFamily="34" charset="-127"/>
+                <a:ea typeface="삼성긴고딕OTF Light" panose="020B0600000101010101" pitchFamily="34" charset="-127"/>
+              </a:rPr>
+              <a:t>파드의</a:t>
+            </a:r>
+            <a:r>
+              <a:rPr lang="ko-KR" altLang="en-US" dirty="0" smtClean="0">
+                <a:solidFill>
+                  <a:schemeClr val="tx1">
+                    <a:lumMod val="50000"/>
+                    <a:lumOff val="50000"/>
+                  </a:schemeClr>
+                </a:solidFill>
+                <a:latin typeface="삼성긴고딕OTF Light" panose="020B0600000101010101" pitchFamily="34" charset="-127"/>
+                <a:ea typeface="삼성긴고딕OTF Light" panose="020B0600000101010101" pitchFamily="34" charset="-127"/>
+              </a:rPr>
+              <a:t> 메타데이터</a:t>
+            </a:r>
+            <a:endParaRPr lang="en-US" altLang="ko-KR" dirty="0" smtClean="0">
+              <a:solidFill>
+                <a:schemeClr val="tx1">
+                  <a:lumMod val="50000"/>
+                  <a:lumOff val="50000"/>
+                </a:schemeClr>
+              </a:solidFill>
+              <a:latin typeface="삼성긴고딕OTF Light" panose="020B0600000101010101" pitchFamily="34" charset="-127"/>
+              <a:ea typeface="삼성긴고딕OTF Light" panose="020B0600000101010101" pitchFamily="34" charset="-127"/>
+            </a:endParaRPr>
+          </a:p>
+          <a:p>
+            <a:pPr>
+              <a:lnSpc>
+                <a:spcPct val="110000"/>
+              </a:lnSpc>
+            </a:pPr>
+            <a:r>
+              <a:rPr lang="ko-KR" altLang="en-US" dirty="0" smtClean="0">
+                <a:solidFill>
+                  <a:schemeClr val="tx1">
+                    <a:lumMod val="50000"/>
+                    <a:lumOff val="50000"/>
+                  </a:schemeClr>
+                </a:solidFill>
+                <a:latin typeface="삼성긴고딕OTF Light" panose="020B0600000101010101" pitchFamily="34" charset="-127"/>
+                <a:ea typeface="삼성긴고딕OTF Light" panose="020B0600000101010101" pitchFamily="34" charset="-127"/>
+              </a:rPr>
+              <a:t>→ </a:t>
+            </a:r>
+            <a:r>
+              <a:rPr lang="ko-KR" altLang="en-US" dirty="0" err="1" smtClean="0">
+                <a:solidFill>
+                  <a:schemeClr val="tx1">
+                    <a:lumMod val="50000"/>
+                    <a:lumOff val="50000"/>
+                  </a:schemeClr>
+                </a:solidFill>
+                <a:latin typeface="삼성긴고딕OTF Light" panose="020B0600000101010101" pitchFamily="34" charset="-127"/>
+                <a:ea typeface="삼성긴고딕OTF Light" panose="020B0600000101010101" pitchFamily="34" charset="-127"/>
+              </a:rPr>
+              <a:t>파드에</a:t>
+            </a:r>
+            <a:r>
+              <a:rPr lang="ko-KR" altLang="en-US" dirty="0" smtClean="0">
+                <a:solidFill>
+                  <a:schemeClr val="tx1">
+                    <a:lumMod val="50000"/>
+                    <a:lumOff val="50000"/>
+                  </a:schemeClr>
+                </a:solidFill>
+                <a:latin typeface="삼성긴고딕OTF Light" panose="020B0600000101010101" pitchFamily="34" charset="-127"/>
+                <a:ea typeface="삼성긴고딕OTF Light" panose="020B0600000101010101" pitchFamily="34" charset="-127"/>
+              </a:rPr>
+              <a:t> 적용되는 라벨을 지정</a:t>
+            </a:r>
+            <a:endParaRPr lang="en-US" altLang="ko-KR" dirty="0" smtClean="0">
+              <a:solidFill>
+                <a:schemeClr val="tx1">
+                  <a:lumMod val="50000"/>
+                  <a:lumOff val="50000"/>
+                </a:schemeClr>
+              </a:solidFill>
+              <a:latin typeface="삼성긴고딕OTF Light" panose="020B0600000101010101" pitchFamily="34" charset="-127"/>
+              <a:ea typeface="삼성긴고딕OTF Light" panose="020B0600000101010101" pitchFamily="34" charset="-127"/>
+            </a:endParaRPr>
+          </a:p>
+          <a:p>
+            <a:pPr>
+              <a:lnSpc>
+                <a:spcPct val="110000"/>
+              </a:lnSpc>
+            </a:pPr>
+            <a:endParaRPr lang="en-US" altLang="ko-KR" dirty="0" smtClean="0">
+              <a:solidFill>
+                <a:schemeClr val="tx1">
+                  <a:lumMod val="50000"/>
+                  <a:lumOff val="50000"/>
+                </a:schemeClr>
+              </a:solidFill>
+              <a:latin typeface="삼성긴고딕OTF Light" panose="020B0600000101010101" pitchFamily="34" charset="-127"/>
+              <a:ea typeface="삼성긴고딕OTF Light" panose="020B0600000101010101" pitchFamily="34" charset="-127"/>
+            </a:endParaRPr>
+          </a:p>
+          <a:p>
+            <a:pPr>
+              <a:lnSpc>
+                <a:spcPct val="110000"/>
+              </a:lnSpc>
+            </a:pPr>
+            <a:r>
+              <a:rPr lang="ko-KR" altLang="en-US" dirty="0">
+                <a:solidFill>
+                  <a:schemeClr val="tx1">
+                    <a:lumMod val="50000"/>
+                    <a:lumOff val="50000"/>
+                  </a:schemeClr>
+                </a:solidFill>
+                <a:latin typeface="삼성긴고딕OTF Light" panose="020B0600000101010101" pitchFamily="34" charset="-127"/>
+                <a:ea typeface="삼성긴고딕OTF Light" panose="020B0600000101010101" pitchFamily="34" charset="-127"/>
+              </a:rPr>
+              <a:t>→ </a:t>
+            </a:r>
+            <a:r>
+              <a:rPr lang="ko-KR" altLang="en-US" dirty="0" err="1" smtClean="0">
+                <a:solidFill>
+                  <a:schemeClr val="tx1">
+                    <a:lumMod val="50000"/>
+                    <a:lumOff val="50000"/>
+                  </a:schemeClr>
+                </a:solidFill>
+                <a:latin typeface="삼성긴고딕OTF Light" panose="020B0600000101010101" pitchFamily="34" charset="-127"/>
+                <a:ea typeface="삼성긴고딕OTF Light" panose="020B0600000101010101" pitchFamily="34" charset="-127"/>
+              </a:rPr>
+              <a:t>파드의</a:t>
+            </a:r>
+            <a:r>
+              <a:rPr lang="ko-KR" altLang="en-US" dirty="0" smtClean="0">
+                <a:solidFill>
+                  <a:schemeClr val="tx1">
+                    <a:lumMod val="50000"/>
+                    <a:lumOff val="50000"/>
+                  </a:schemeClr>
+                </a:solidFill>
+                <a:latin typeface="삼성긴고딕OTF Light" panose="020B0600000101010101" pitchFamily="34" charset="-127"/>
+                <a:ea typeface="삼성긴고딕OTF Light" panose="020B0600000101010101" pitchFamily="34" charset="-127"/>
+              </a:rPr>
+              <a:t> 스펙</a:t>
+            </a:r>
+            <a:endParaRPr lang="en-US" altLang="ko-KR" dirty="0" smtClean="0">
+              <a:solidFill>
+                <a:schemeClr val="tx1">
+                  <a:lumMod val="50000"/>
+                  <a:lumOff val="50000"/>
+                </a:schemeClr>
+              </a:solidFill>
+              <a:latin typeface="삼성긴고딕OTF Light" panose="020B0600000101010101" pitchFamily="34" charset="-127"/>
+              <a:ea typeface="삼성긴고딕OTF Light" panose="020B0600000101010101" pitchFamily="34" charset="-127"/>
+            </a:endParaRPr>
+          </a:p>
+          <a:p>
+            <a:pPr>
+              <a:lnSpc>
+                <a:spcPct val="110000"/>
+              </a:lnSpc>
+            </a:pPr>
+            <a:r>
+              <a:rPr lang="ko-KR" altLang="en-US" dirty="0">
+                <a:solidFill>
+                  <a:schemeClr val="tx1">
+                    <a:lumMod val="50000"/>
+                    <a:lumOff val="50000"/>
+                  </a:schemeClr>
+                </a:solidFill>
+                <a:latin typeface="삼성긴고딕OTF Light" panose="020B0600000101010101" pitchFamily="34" charset="-127"/>
+                <a:ea typeface="삼성긴고딕OTF Light" panose="020B0600000101010101" pitchFamily="34" charset="-127"/>
+              </a:rPr>
+              <a:t>→ </a:t>
+            </a:r>
+            <a:r>
+              <a:rPr lang="ko-KR" altLang="en-US" dirty="0" err="1" smtClean="0">
+                <a:solidFill>
+                  <a:schemeClr val="tx1">
+                    <a:lumMod val="50000"/>
+                    <a:lumOff val="50000"/>
+                  </a:schemeClr>
+                </a:solidFill>
+                <a:latin typeface="삼성긴고딕OTF Light" panose="020B0600000101010101" pitchFamily="34" charset="-127"/>
+                <a:ea typeface="삼성긴고딕OTF Light" panose="020B0600000101010101" pitchFamily="34" charset="-127"/>
+              </a:rPr>
+              <a:t>파드에</a:t>
+            </a:r>
+            <a:r>
+              <a:rPr lang="ko-KR" altLang="en-US" dirty="0" smtClean="0">
+                <a:solidFill>
+                  <a:schemeClr val="tx1">
+                    <a:lumMod val="50000"/>
+                    <a:lumOff val="50000"/>
+                  </a:schemeClr>
+                </a:solidFill>
+                <a:latin typeface="삼성긴고딕OTF Light" panose="020B0600000101010101" pitchFamily="34" charset="-127"/>
+                <a:ea typeface="삼성긴고딕OTF Light" panose="020B0600000101010101" pitchFamily="34" charset="-127"/>
+              </a:rPr>
+              <a:t> 할당되는 컨테이너 정보</a:t>
+            </a:r>
+            <a:endParaRPr lang="en-US" altLang="ko-KR" dirty="0" smtClean="0">
+              <a:solidFill>
+                <a:schemeClr val="tx1">
+                  <a:lumMod val="50000"/>
+                  <a:lumOff val="50000"/>
+                </a:schemeClr>
+              </a:solidFill>
+              <a:latin typeface="삼성긴고딕OTF Light" panose="020B0600000101010101" pitchFamily="34" charset="-127"/>
+              <a:ea typeface="삼성긴고딕OTF Light" panose="020B0600000101010101" pitchFamily="34" charset="-127"/>
+            </a:endParaRPr>
+          </a:p>
+          <a:p>
+            <a:pPr>
+              <a:lnSpc>
+                <a:spcPct val="110000"/>
+              </a:lnSpc>
+            </a:pPr>
+            <a:r>
+              <a:rPr lang="ko-KR" altLang="en-US" dirty="0" smtClean="0">
+                <a:solidFill>
+                  <a:schemeClr val="tx1">
+                    <a:lumMod val="50000"/>
+                    <a:lumOff val="50000"/>
+                  </a:schemeClr>
+                </a:solidFill>
+                <a:latin typeface="삼성긴고딕OTF Light" panose="020B0600000101010101" pitchFamily="34" charset="-127"/>
+                <a:ea typeface="삼성긴고딕OTF Light" panose="020B0600000101010101" pitchFamily="34" charset="-127"/>
+              </a:rPr>
+              <a:t>→ 컨테이너 이름</a:t>
+            </a:r>
+            <a:endParaRPr lang="en-US" altLang="ko-KR" dirty="0" smtClean="0">
+              <a:solidFill>
+                <a:schemeClr val="tx1">
+                  <a:lumMod val="50000"/>
+                  <a:lumOff val="50000"/>
+                </a:schemeClr>
+              </a:solidFill>
+              <a:latin typeface="삼성긴고딕OTF Light" panose="020B0600000101010101" pitchFamily="34" charset="-127"/>
+              <a:ea typeface="삼성긴고딕OTF Light" panose="020B0600000101010101" pitchFamily="34" charset="-127"/>
+            </a:endParaRPr>
+          </a:p>
+          <a:p>
+            <a:pPr>
+              <a:lnSpc>
+                <a:spcPct val="110000"/>
+              </a:lnSpc>
+            </a:pPr>
+            <a:r>
+              <a:rPr lang="ko-KR" altLang="en-US" dirty="0" smtClean="0">
+                <a:solidFill>
+                  <a:schemeClr val="tx1">
+                    <a:lumMod val="50000"/>
+                    <a:lumOff val="50000"/>
+                  </a:schemeClr>
+                </a:solidFill>
+                <a:latin typeface="삼성긴고딕OTF Light" panose="020B0600000101010101" pitchFamily="34" charset="-127"/>
+                <a:ea typeface="삼성긴고딕OTF Light" panose="020B0600000101010101" pitchFamily="34" charset="-127"/>
+              </a:rPr>
+              <a:t>→ 컨테이너에 사용되는 이미지</a:t>
+            </a:r>
+            <a:endParaRPr lang="en-US" altLang="ko-KR" dirty="0" smtClean="0">
+              <a:solidFill>
+                <a:schemeClr val="tx1">
+                  <a:lumMod val="50000"/>
+                  <a:lumOff val="50000"/>
+                </a:schemeClr>
+              </a:solidFill>
+              <a:latin typeface="삼성긴고딕OTF Light" panose="020B0600000101010101" pitchFamily="34" charset="-127"/>
+              <a:ea typeface="삼성긴고딕OTF Light" panose="020B0600000101010101" pitchFamily="34" charset="-127"/>
+            </a:endParaRPr>
+          </a:p>
+          <a:p>
+            <a:pPr>
+              <a:lnSpc>
+                <a:spcPct val="110000"/>
+              </a:lnSpc>
+            </a:pPr>
+            <a:r>
+              <a:rPr lang="ko-KR" altLang="en-US" dirty="0" smtClean="0">
+                <a:solidFill>
+                  <a:schemeClr val="tx1">
+                    <a:lumMod val="50000"/>
+                    <a:lumOff val="50000"/>
+                  </a:schemeClr>
+                </a:solidFill>
+                <a:latin typeface="삼성긴고딕OTF Light" panose="020B0600000101010101" pitchFamily="34" charset="-127"/>
+                <a:ea typeface="삼성긴고딕OTF Light" panose="020B0600000101010101" pitchFamily="34" charset="-127"/>
+              </a:rPr>
+              <a:t>→ 컨테이너의 포트</a:t>
+            </a:r>
+            <a:endParaRPr lang="en-US" altLang="ko-KR" dirty="0" smtClean="0">
+              <a:solidFill>
+                <a:schemeClr val="tx1">
+                  <a:lumMod val="50000"/>
+                  <a:lumOff val="50000"/>
+                </a:schemeClr>
+              </a:solidFill>
+              <a:latin typeface="삼성긴고딕OTF Light" panose="020B0600000101010101" pitchFamily="34" charset="-127"/>
+              <a:ea typeface="삼성긴고딕OTF Light" panose="020B0600000101010101" pitchFamily="34" charset="-127"/>
+            </a:endParaRPr>
           </a:p>
         </p:txBody>
       </p:sp>

--- a/markdown_image.pptx
+++ b/markdown_image.pptx
@@ -5,7 +5,7 @@
     <p:sldMasterId id="2147483648" r:id="rId1"/>
   </p:sldMasterIdLst>
   <p:notesMasterIdLst>
-    <p:notesMasterId r:id="rId14"/>
+    <p:notesMasterId r:id="rId15"/>
   </p:notesMasterIdLst>
   <p:sldIdLst>
     <p:sldId id="256" r:id="rId2"/>
@@ -20,6 +20,7 @@
     <p:sldId id="266" r:id="rId11"/>
     <p:sldId id="267" r:id="rId12"/>
     <p:sldId id="268" r:id="rId13"/>
+    <p:sldId id="269" r:id="rId14"/>
   </p:sldIdLst>
   <p:sldSz cx="12192000" cy="6858000"/>
   <p:notesSz cx="6858000" cy="9144000"/>
@@ -208,7 +209,7 @@
           <a:p>
             <a:fld id="{06073691-9509-499D-804B-789F8428B2A1}" type="datetimeFigureOut">
               <a:rPr lang="ko-KR" altLang="en-US" smtClean="0"/>
-              <a:t>2023-05-23</a:t>
+              <a:t>2023-05-31</a:t>
             </a:fld>
             <a:endParaRPr lang="ko-KR" altLang="en-US"/>
           </a:p>
@@ -775,7 +776,7 @@
           <a:p>
             <a:fld id="{0CB960C3-B77A-4865-944D-F41BAAC8ADB3}" type="datetimeFigureOut">
               <a:rPr lang="ko-KR" altLang="en-US" smtClean="0"/>
-              <a:t>2023-05-23</a:t>
+              <a:t>2023-05-31</a:t>
             </a:fld>
             <a:endParaRPr lang="ko-KR" altLang="en-US"/>
           </a:p>
@@ -945,7 +946,7 @@
           <a:p>
             <a:fld id="{0CB960C3-B77A-4865-944D-F41BAAC8ADB3}" type="datetimeFigureOut">
               <a:rPr lang="ko-KR" altLang="en-US" smtClean="0"/>
-              <a:t>2023-05-23</a:t>
+              <a:t>2023-05-31</a:t>
             </a:fld>
             <a:endParaRPr lang="ko-KR" altLang="en-US"/>
           </a:p>
@@ -1125,7 +1126,7 @@
           <a:p>
             <a:fld id="{0CB960C3-B77A-4865-944D-F41BAAC8ADB3}" type="datetimeFigureOut">
               <a:rPr lang="ko-KR" altLang="en-US" smtClean="0"/>
-              <a:t>2023-05-23</a:t>
+              <a:t>2023-05-31</a:t>
             </a:fld>
             <a:endParaRPr lang="ko-KR" altLang="en-US"/>
           </a:p>
@@ -1295,7 +1296,7 @@
           <a:p>
             <a:fld id="{0CB960C3-B77A-4865-944D-F41BAAC8ADB3}" type="datetimeFigureOut">
               <a:rPr lang="ko-KR" altLang="en-US" smtClean="0"/>
-              <a:t>2023-05-23</a:t>
+              <a:t>2023-05-31</a:t>
             </a:fld>
             <a:endParaRPr lang="ko-KR" altLang="en-US"/>
           </a:p>
@@ -1541,7 +1542,7 @@
           <a:p>
             <a:fld id="{0CB960C3-B77A-4865-944D-F41BAAC8ADB3}" type="datetimeFigureOut">
               <a:rPr lang="ko-KR" altLang="en-US" smtClean="0"/>
-              <a:t>2023-05-23</a:t>
+              <a:t>2023-05-31</a:t>
             </a:fld>
             <a:endParaRPr lang="ko-KR" altLang="en-US"/>
           </a:p>
@@ -1773,7 +1774,7 @@
           <a:p>
             <a:fld id="{0CB960C3-B77A-4865-944D-F41BAAC8ADB3}" type="datetimeFigureOut">
               <a:rPr lang="ko-KR" altLang="en-US" smtClean="0"/>
-              <a:t>2023-05-23</a:t>
+              <a:t>2023-05-31</a:t>
             </a:fld>
             <a:endParaRPr lang="ko-KR" altLang="en-US"/>
           </a:p>
@@ -2140,7 +2141,7 @@
           <a:p>
             <a:fld id="{0CB960C3-B77A-4865-944D-F41BAAC8ADB3}" type="datetimeFigureOut">
               <a:rPr lang="ko-KR" altLang="en-US" smtClean="0"/>
-              <a:t>2023-05-23</a:t>
+              <a:t>2023-05-31</a:t>
             </a:fld>
             <a:endParaRPr lang="ko-KR" altLang="en-US"/>
           </a:p>
@@ -2258,7 +2259,7 @@
           <a:p>
             <a:fld id="{0CB960C3-B77A-4865-944D-F41BAAC8ADB3}" type="datetimeFigureOut">
               <a:rPr lang="ko-KR" altLang="en-US" smtClean="0"/>
-              <a:t>2023-05-23</a:t>
+              <a:t>2023-05-31</a:t>
             </a:fld>
             <a:endParaRPr lang="ko-KR" altLang="en-US"/>
           </a:p>
@@ -2353,7 +2354,7 @@
           <a:p>
             <a:fld id="{0CB960C3-B77A-4865-944D-F41BAAC8ADB3}" type="datetimeFigureOut">
               <a:rPr lang="ko-KR" altLang="en-US" smtClean="0"/>
-              <a:t>2023-05-23</a:t>
+              <a:t>2023-05-31</a:t>
             </a:fld>
             <a:endParaRPr lang="ko-KR" altLang="en-US"/>
           </a:p>
@@ -2630,7 +2631,7 @@
           <a:p>
             <a:fld id="{0CB960C3-B77A-4865-944D-F41BAAC8ADB3}" type="datetimeFigureOut">
               <a:rPr lang="ko-KR" altLang="en-US" smtClean="0"/>
-              <a:t>2023-05-23</a:t>
+              <a:t>2023-05-31</a:t>
             </a:fld>
             <a:endParaRPr lang="ko-KR" altLang="en-US"/>
           </a:p>
@@ -2883,7 +2884,7 @@
           <a:p>
             <a:fld id="{0CB960C3-B77A-4865-944D-F41BAAC8ADB3}" type="datetimeFigureOut">
               <a:rPr lang="ko-KR" altLang="en-US" smtClean="0"/>
-              <a:t>2023-05-23</a:t>
+              <a:t>2023-05-31</a:t>
             </a:fld>
             <a:endParaRPr lang="ko-KR" altLang="en-US"/>
           </a:p>
@@ -3096,7 +3097,7 @@
           <a:p>
             <a:fld id="{0CB960C3-B77A-4865-944D-F41BAAC8ADB3}" type="datetimeFigureOut">
               <a:rPr lang="ko-KR" altLang="en-US" smtClean="0"/>
-              <a:t>2023-05-23</a:t>
+              <a:t>2023-05-31</a:t>
             </a:fld>
             <a:endParaRPr lang="ko-KR" altLang="en-US"/>
           </a:p>
@@ -12045,6 +12046,2663 @@
     <p:extLst>
       <p:ext uri="{BB962C8B-B14F-4D97-AF65-F5344CB8AC3E}">
         <p14:creationId xmlns:p14="http://schemas.microsoft.com/office/powerpoint/2010/main" val="1134268084"/>
+      </p:ext>
+    </p:extLst>
+  </p:cSld>
+  <p:clrMapOvr>
+    <a:masterClrMapping/>
+  </p:clrMapOvr>
+  <p:timing>
+    <p:tnLst>
+      <p:par>
+        <p:cTn id="1" dur="indefinite" restart="never" nodeType="tmRoot"/>
+      </p:par>
+    </p:tnLst>
+  </p:timing>
+</p:sld>
+</file>
+
+<file path=ppt/slides/slide13.xml><?xml version="1.0" encoding="utf-8"?>
+<p:sld xmlns:a="http://schemas.openxmlformats.org/drawingml/2006/main" xmlns:r="http://schemas.openxmlformats.org/officeDocument/2006/relationships" xmlns:p="http://schemas.openxmlformats.org/presentationml/2006/main">
+  <p:cSld>
+    <p:spTree>
+      <p:nvGrpSpPr>
+        <p:cNvPr id="1" name=""/>
+        <p:cNvGrpSpPr/>
+        <p:nvPr/>
+      </p:nvGrpSpPr>
+      <p:grpSpPr>
+        <a:xfrm>
+          <a:off x="0" y="0"/>
+          <a:ext cx="0" cy="0"/>
+          <a:chOff x="0" y="0"/>
+          <a:chExt cx="0" cy="0"/>
+        </a:xfrm>
+      </p:grpSpPr>
+      <p:sp>
+        <p:nvSpPr>
+          <p:cNvPr id="8" name="모서리가 둥근 직사각형 7"/>
+          <p:cNvSpPr/>
+          <p:nvPr/>
+        </p:nvSpPr>
+        <p:spPr>
+          <a:xfrm>
+            <a:off x="696744" y="393192"/>
+            <a:ext cx="5040000" cy="2700000"/>
+          </a:xfrm>
+          <a:prstGeom prst="roundRect">
+            <a:avLst/>
+          </a:prstGeom>
+          <a:noFill/>
+          <a:ln w="19050">
+            <a:solidFill>
+              <a:srgbClr val="326CE5"/>
+            </a:solidFill>
+          </a:ln>
+        </p:spPr>
+        <p:style>
+          <a:lnRef idx="2">
+            <a:schemeClr val="accent1">
+              <a:shade val="50000"/>
+            </a:schemeClr>
+          </a:lnRef>
+          <a:fillRef idx="1">
+            <a:schemeClr val="accent1"/>
+          </a:fillRef>
+          <a:effectRef idx="0">
+            <a:schemeClr val="accent1"/>
+          </a:effectRef>
+          <a:fontRef idx="minor">
+            <a:schemeClr val="lt1"/>
+          </a:fontRef>
+        </p:style>
+        <p:txBody>
+          <a:bodyPr lIns="36000" tIns="36000" rIns="36000" bIns="36000" rtlCol="0" anchor="ctr"/>
+          <a:lstStyle/>
+          <a:p>
+            <a:pPr algn="ctr"/>
+            <a:endParaRPr lang="ko-KR" altLang="en-US" sz="1600" dirty="0">
+              <a:solidFill>
+                <a:srgbClr val="326CE5"/>
+              </a:solidFill>
+              <a:latin typeface="삼성긴고딕OTF Bold" panose="020B0600000101010101" pitchFamily="34" charset="-127"/>
+              <a:ea typeface="삼성긴고딕OTF Bold" panose="020B0600000101010101" pitchFamily="34" charset="-127"/>
+            </a:endParaRPr>
+          </a:p>
+        </p:txBody>
+      </p:sp>
+      <p:pic>
+        <p:nvPicPr>
+          <p:cNvPr id="4" name="Shape 256"/>
+          <p:cNvPicPr preferRelativeResize="0"/>
+          <p:nvPr/>
+        </p:nvPicPr>
+        <p:blipFill>
+          <a:blip r:embed="rId2">
+            <a:alphaModFix/>
+          </a:blip>
+          <a:stretch>
+            <a:fillRect/>
+          </a:stretch>
+        </p:blipFill>
+        <p:spPr>
+          <a:xfrm>
+            <a:off x="2946744" y="123192"/>
+            <a:ext cx="540000" cy="540000"/>
+          </a:xfrm>
+          <a:prstGeom prst="rect">
+            <a:avLst/>
+          </a:prstGeom>
+          <a:noFill/>
+          <a:ln>
+            <a:noFill/>
+          </a:ln>
+        </p:spPr>
+      </p:pic>
+      <p:grpSp>
+        <p:nvGrpSpPr>
+          <p:cNvPr id="27" name="그룹 26"/>
+          <p:cNvGrpSpPr/>
+          <p:nvPr/>
+        </p:nvGrpSpPr>
+        <p:grpSpPr>
+          <a:xfrm>
+            <a:off x="962072" y="672336"/>
+            <a:ext cx="4509344" cy="2196898"/>
+            <a:chOff x="437564" y="2985081"/>
+            <a:chExt cx="4509344" cy="2196898"/>
+          </a:xfrm>
+        </p:grpSpPr>
+        <p:grpSp>
+          <p:nvGrpSpPr>
+            <p:cNvPr id="10" name="그룹 9"/>
+            <p:cNvGrpSpPr/>
+            <p:nvPr/>
+          </p:nvGrpSpPr>
+          <p:grpSpPr>
+            <a:xfrm>
+              <a:off x="596736" y="2985081"/>
+              <a:ext cx="864000" cy="863999"/>
+              <a:chOff x="7528772" y="3542865"/>
+              <a:chExt cx="864000" cy="863999"/>
+            </a:xfrm>
+          </p:grpSpPr>
+          <p:sp>
+            <p:nvSpPr>
+              <p:cNvPr id="9" name="직사각형 8"/>
+              <p:cNvSpPr/>
+              <p:nvPr/>
+            </p:nvSpPr>
+            <p:spPr>
+              <a:xfrm>
+                <a:off x="7672772" y="3686864"/>
+                <a:ext cx="720000" cy="720000"/>
+              </a:xfrm>
+              <a:prstGeom prst="rect">
+                <a:avLst/>
+              </a:prstGeom>
+              <a:solidFill>
+                <a:srgbClr val="DEEBF7">
+                  <a:alpha val="30000"/>
+                </a:srgbClr>
+              </a:solidFill>
+              <a:ln w="19050">
+                <a:solidFill>
+                  <a:srgbClr val="326CE5"/>
+                </a:solidFill>
+              </a:ln>
+            </p:spPr>
+            <p:style>
+              <a:lnRef idx="2">
+                <a:schemeClr val="accent1">
+                  <a:shade val="50000"/>
+                </a:schemeClr>
+              </a:lnRef>
+              <a:fillRef idx="1">
+                <a:schemeClr val="accent1"/>
+              </a:fillRef>
+              <a:effectRef idx="0">
+                <a:schemeClr val="accent1"/>
+              </a:effectRef>
+              <a:fontRef idx="minor">
+                <a:schemeClr val="lt1"/>
+              </a:fontRef>
+            </p:style>
+            <p:txBody>
+              <a:bodyPr lIns="0" tIns="0" rIns="0" bIns="0" rtlCol="0" anchor="t"/>
+              <a:lstStyle/>
+              <a:p>
+                <a:pPr algn="ctr"/>
+                <a:endParaRPr lang="ko-KR" altLang="en-US" sz="1600" dirty="0">
+                  <a:solidFill>
+                    <a:srgbClr val="326CE5"/>
+                  </a:solidFill>
+                  <a:latin typeface="삼성긴고딕OTF Bold" panose="020B0600000101010101" pitchFamily="34" charset="-127"/>
+                  <a:ea typeface="삼성긴고딕OTF Bold" panose="020B0600000101010101" pitchFamily="34" charset="-127"/>
+                </a:endParaRPr>
+              </a:p>
+            </p:txBody>
+          </p:sp>
+          <p:pic>
+            <p:nvPicPr>
+              <p:cNvPr id="5" name="Shape 80"/>
+              <p:cNvPicPr preferRelativeResize="0"/>
+              <p:nvPr/>
+            </p:nvPicPr>
+            <p:blipFill>
+              <a:blip r:embed="rId3">
+                <a:alphaModFix/>
+              </a:blip>
+              <a:stretch>
+                <a:fillRect/>
+              </a:stretch>
+            </p:blipFill>
+            <p:spPr>
+              <a:xfrm>
+                <a:off x="7816772" y="3830864"/>
+                <a:ext cx="432000" cy="432000"/>
+              </a:xfrm>
+              <a:prstGeom prst="rect">
+                <a:avLst/>
+              </a:prstGeom>
+              <a:noFill/>
+              <a:ln>
+                <a:noFill/>
+              </a:ln>
+            </p:spPr>
+          </p:pic>
+          <p:pic>
+            <p:nvPicPr>
+              <p:cNvPr id="6" name="Shape 84"/>
+              <p:cNvPicPr preferRelativeResize="0"/>
+              <p:nvPr/>
+            </p:nvPicPr>
+            <p:blipFill>
+              <a:blip r:embed="rId4">
+                <a:alphaModFix/>
+              </a:blip>
+              <a:stretch>
+                <a:fillRect/>
+              </a:stretch>
+            </p:blipFill>
+            <p:spPr>
+              <a:xfrm>
+                <a:off x="7528772" y="3542865"/>
+                <a:ext cx="288000" cy="288000"/>
+              </a:xfrm>
+              <a:prstGeom prst="rect">
+                <a:avLst/>
+              </a:prstGeom>
+              <a:noFill/>
+              <a:ln>
+                <a:noFill/>
+              </a:ln>
+            </p:spPr>
+          </p:pic>
+        </p:grpSp>
+        <p:pic>
+          <p:nvPicPr>
+            <p:cNvPr id="7" name="Shape 123"/>
+            <p:cNvPicPr preferRelativeResize="0"/>
+            <p:nvPr/>
+          </p:nvPicPr>
+          <p:blipFill>
+            <a:blip r:embed="rId5">
+              <a:alphaModFix/>
+            </a:blip>
+            <a:stretch>
+              <a:fillRect/>
+            </a:stretch>
+          </p:blipFill>
+          <p:spPr>
+            <a:xfrm>
+              <a:off x="830736" y="4353832"/>
+              <a:ext cx="540000" cy="540000"/>
+            </a:xfrm>
+            <a:prstGeom prst="rect">
+              <a:avLst/>
+            </a:prstGeom>
+            <a:noFill/>
+            <a:ln>
+              <a:noFill/>
+            </a:ln>
+          </p:spPr>
+        </p:pic>
+        <p:sp>
+          <p:nvSpPr>
+            <p:cNvPr id="11" name="TextBox 10"/>
+            <p:cNvSpPr txBox="1"/>
+            <p:nvPr/>
+          </p:nvSpPr>
+          <p:spPr>
+            <a:xfrm>
+              <a:off x="565580" y="4893832"/>
+              <a:ext cx="1070312" cy="288147"/>
+            </a:xfrm>
+            <a:prstGeom prst="rect">
+              <a:avLst/>
+            </a:prstGeom>
+            <a:noFill/>
+          </p:spPr>
+          <p:txBody>
+            <a:bodyPr wrap="square" lIns="36000" tIns="36000" rIns="36000" bIns="36000" rtlCol="0">
+              <a:spAutoFit/>
+            </a:bodyPr>
+            <a:lstStyle/>
+            <a:p>
+              <a:pPr algn="ctr"/>
+              <a:r>
+                <a:rPr lang="en-US" altLang="ko-KR" sz="1400" dirty="0" smtClean="0">
+                  <a:solidFill>
+                    <a:srgbClr val="FF0000"/>
+                  </a:solidFill>
+                  <a:latin typeface="삼성긴고딕OTF Medium" panose="020B0600000101010101" pitchFamily="34" charset="-127"/>
+                  <a:ea typeface="삼성긴고딕OTF Medium" panose="020B0600000101010101" pitchFamily="34" charset="-127"/>
+                </a:rPr>
+                <a:t>Service A</a:t>
+              </a:r>
+              <a:endParaRPr lang="ko-KR" altLang="en-US" sz="1400" dirty="0">
+                <a:solidFill>
+                  <a:srgbClr val="FF0000"/>
+                </a:solidFill>
+                <a:latin typeface="삼성긴고딕OTF Medium" panose="020B0600000101010101" pitchFamily="34" charset="-127"/>
+                <a:ea typeface="삼성긴고딕OTF Medium" panose="020B0600000101010101" pitchFamily="34" charset="-127"/>
+              </a:endParaRPr>
+            </a:p>
+          </p:txBody>
+        </p:sp>
+        <p:sp>
+          <p:nvSpPr>
+            <p:cNvPr id="12" name="TextBox 11"/>
+            <p:cNvSpPr txBox="1"/>
+            <p:nvPr/>
+          </p:nvSpPr>
+          <p:spPr>
+            <a:xfrm>
+              <a:off x="437564" y="3849080"/>
+              <a:ext cx="1326344" cy="288147"/>
+            </a:xfrm>
+            <a:prstGeom prst="rect">
+              <a:avLst/>
+            </a:prstGeom>
+            <a:noFill/>
+          </p:spPr>
+          <p:txBody>
+            <a:bodyPr wrap="square" lIns="36000" tIns="36000" rIns="36000" bIns="36000" rtlCol="0">
+              <a:spAutoFit/>
+            </a:bodyPr>
+            <a:lstStyle/>
+            <a:p>
+              <a:pPr algn="ctr"/>
+              <a:r>
+                <a:rPr lang="en-US" altLang="ko-KR" sz="1400" dirty="0" smtClean="0">
+                  <a:solidFill>
+                    <a:srgbClr val="FF0000"/>
+                  </a:solidFill>
+                  <a:latin typeface="삼성긴고딕OTF Medium" panose="020B0600000101010101" pitchFamily="34" charset="-127"/>
+                  <a:ea typeface="삼성긴고딕OTF Medium" panose="020B0600000101010101" pitchFamily="34" charset="-127"/>
+                </a:rPr>
+                <a:t>Deployment A</a:t>
+              </a:r>
+              <a:endParaRPr lang="ko-KR" altLang="en-US" sz="1400" dirty="0">
+                <a:solidFill>
+                  <a:srgbClr val="FF0000"/>
+                </a:solidFill>
+                <a:latin typeface="삼성긴고딕OTF Medium" panose="020B0600000101010101" pitchFamily="34" charset="-127"/>
+                <a:ea typeface="삼성긴고딕OTF Medium" panose="020B0600000101010101" pitchFamily="34" charset="-127"/>
+              </a:endParaRPr>
+            </a:p>
+          </p:txBody>
+        </p:sp>
+        <p:grpSp>
+          <p:nvGrpSpPr>
+            <p:cNvPr id="13" name="그룹 12"/>
+            <p:cNvGrpSpPr/>
+            <p:nvPr/>
+          </p:nvGrpSpPr>
+          <p:grpSpPr>
+            <a:xfrm>
+              <a:off x="2188236" y="2985081"/>
+              <a:ext cx="864000" cy="863999"/>
+              <a:chOff x="7528772" y="3542865"/>
+              <a:chExt cx="864000" cy="863999"/>
+            </a:xfrm>
+          </p:grpSpPr>
+          <p:sp>
+            <p:nvSpPr>
+              <p:cNvPr id="14" name="직사각형 13"/>
+              <p:cNvSpPr/>
+              <p:nvPr/>
+            </p:nvSpPr>
+            <p:spPr>
+              <a:xfrm>
+                <a:off x="7672772" y="3686864"/>
+                <a:ext cx="720000" cy="720000"/>
+              </a:xfrm>
+              <a:prstGeom prst="rect">
+                <a:avLst/>
+              </a:prstGeom>
+              <a:solidFill>
+                <a:srgbClr val="DEEBF7">
+                  <a:alpha val="30000"/>
+                </a:srgbClr>
+              </a:solidFill>
+              <a:ln w="19050">
+                <a:solidFill>
+                  <a:srgbClr val="326CE5"/>
+                </a:solidFill>
+              </a:ln>
+            </p:spPr>
+            <p:style>
+              <a:lnRef idx="2">
+                <a:schemeClr val="accent1">
+                  <a:shade val="50000"/>
+                </a:schemeClr>
+              </a:lnRef>
+              <a:fillRef idx="1">
+                <a:schemeClr val="accent1"/>
+              </a:fillRef>
+              <a:effectRef idx="0">
+                <a:schemeClr val="accent1"/>
+              </a:effectRef>
+              <a:fontRef idx="minor">
+                <a:schemeClr val="lt1"/>
+              </a:fontRef>
+            </p:style>
+            <p:txBody>
+              <a:bodyPr lIns="0" tIns="0" rIns="0" bIns="0" rtlCol="0" anchor="t"/>
+              <a:lstStyle/>
+              <a:p>
+                <a:pPr algn="ctr"/>
+                <a:endParaRPr lang="ko-KR" altLang="en-US" sz="1600" dirty="0">
+                  <a:solidFill>
+                    <a:srgbClr val="326CE5"/>
+                  </a:solidFill>
+                  <a:latin typeface="삼성긴고딕OTF Bold" panose="020B0600000101010101" pitchFamily="34" charset="-127"/>
+                  <a:ea typeface="삼성긴고딕OTF Bold" panose="020B0600000101010101" pitchFamily="34" charset="-127"/>
+                </a:endParaRPr>
+              </a:p>
+            </p:txBody>
+          </p:sp>
+          <p:pic>
+            <p:nvPicPr>
+              <p:cNvPr id="15" name="Shape 80"/>
+              <p:cNvPicPr preferRelativeResize="0"/>
+              <p:nvPr/>
+            </p:nvPicPr>
+            <p:blipFill>
+              <a:blip r:embed="rId3">
+                <a:alphaModFix/>
+              </a:blip>
+              <a:stretch>
+                <a:fillRect/>
+              </a:stretch>
+            </p:blipFill>
+            <p:spPr>
+              <a:xfrm>
+                <a:off x="7816772" y="3830864"/>
+                <a:ext cx="432000" cy="432000"/>
+              </a:xfrm>
+              <a:prstGeom prst="rect">
+                <a:avLst/>
+              </a:prstGeom>
+              <a:noFill/>
+              <a:ln>
+                <a:noFill/>
+              </a:ln>
+            </p:spPr>
+          </p:pic>
+          <p:pic>
+            <p:nvPicPr>
+              <p:cNvPr id="16" name="Shape 84"/>
+              <p:cNvPicPr preferRelativeResize="0"/>
+              <p:nvPr/>
+            </p:nvPicPr>
+            <p:blipFill>
+              <a:blip r:embed="rId4">
+                <a:alphaModFix/>
+              </a:blip>
+              <a:stretch>
+                <a:fillRect/>
+              </a:stretch>
+            </p:blipFill>
+            <p:spPr>
+              <a:xfrm>
+                <a:off x="7528772" y="3542865"/>
+                <a:ext cx="288000" cy="288000"/>
+              </a:xfrm>
+              <a:prstGeom prst="rect">
+                <a:avLst/>
+              </a:prstGeom>
+              <a:noFill/>
+              <a:ln>
+                <a:noFill/>
+              </a:ln>
+            </p:spPr>
+          </p:pic>
+        </p:grpSp>
+        <p:pic>
+          <p:nvPicPr>
+            <p:cNvPr id="17" name="Shape 123"/>
+            <p:cNvPicPr preferRelativeResize="0"/>
+            <p:nvPr/>
+          </p:nvPicPr>
+          <p:blipFill>
+            <a:blip r:embed="rId5">
+              <a:alphaModFix/>
+            </a:blip>
+            <a:stretch>
+              <a:fillRect/>
+            </a:stretch>
+          </p:blipFill>
+          <p:spPr>
+            <a:xfrm>
+              <a:off x="2422236" y="4353832"/>
+              <a:ext cx="540000" cy="540000"/>
+            </a:xfrm>
+            <a:prstGeom prst="rect">
+              <a:avLst/>
+            </a:prstGeom>
+            <a:noFill/>
+            <a:ln>
+              <a:noFill/>
+            </a:ln>
+          </p:spPr>
+        </p:pic>
+        <p:sp>
+          <p:nvSpPr>
+            <p:cNvPr id="18" name="TextBox 17"/>
+            <p:cNvSpPr txBox="1"/>
+            <p:nvPr/>
+          </p:nvSpPr>
+          <p:spPr>
+            <a:xfrm>
+              <a:off x="2157080" y="4893832"/>
+              <a:ext cx="1070312" cy="288147"/>
+            </a:xfrm>
+            <a:prstGeom prst="rect">
+              <a:avLst/>
+            </a:prstGeom>
+            <a:noFill/>
+          </p:spPr>
+          <p:txBody>
+            <a:bodyPr wrap="square" lIns="36000" tIns="36000" rIns="36000" bIns="36000" rtlCol="0">
+              <a:spAutoFit/>
+            </a:bodyPr>
+            <a:lstStyle/>
+            <a:p>
+              <a:pPr algn="ctr"/>
+              <a:r>
+                <a:rPr lang="en-US" altLang="ko-KR" sz="1400" dirty="0" smtClean="0">
+                  <a:solidFill>
+                    <a:srgbClr val="FF0000"/>
+                  </a:solidFill>
+                  <a:latin typeface="삼성긴고딕OTF Medium" panose="020B0600000101010101" pitchFamily="34" charset="-127"/>
+                  <a:ea typeface="삼성긴고딕OTF Medium" panose="020B0600000101010101" pitchFamily="34" charset="-127"/>
+                </a:rPr>
+                <a:t>Service B</a:t>
+              </a:r>
+              <a:endParaRPr lang="ko-KR" altLang="en-US" sz="1400" dirty="0">
+                <a:solidFill>
+                  <a:srgbClr val="FF0000"/>
+                </a:solidFill>
+                <a:latin typeface="삼성긴고딕OTF Medium" panose="020B0600000101010101" pitchFamily="34" charset="-127"/>
+                <a:ea typeface="삼성긴고딕OTF Medium" panose="020B0600000101010101" pitchFamily="34" charset="-127"/>
+              </a:endParaRPr>
+            </a:p>
+          </p:txBody>
+        </p:sp>
+        <p:sp>
+          <p:nvSpPr>
+            <p:cNvPr id="19" name="TextBox 18"/>
+            <p:cNvSpPr txBox="1"/>
+            <p:nvPr/>
+          </p:nvSpPr>
+          <p:spPr>
+            <a:xfrm>
+              <a:off x="2029064" y="3849080"/>
+              <a:ext cx="1326344" cy="288147"/>
+            </a:xfrm>
+            <a:prstGeom prst="rect">
+              <a:avLst/>
+            </a:prstGeom>
+            <a:noFill/>
+          </p:spPr>
+          <p:txBody>
+            <a:bodyPr wrap="square" lIns="36000" tIns="36000" rIns="36000" bIns="36000" rtlCol="0">
+              <a:spAutoFit/>
+            </a:bodyPr>
+            <a:lstStyle/>
+            <a:p>
+              <a:pPr algn="ctr"/>
+              <a:r>
+                <a:rPr lang="en-US" altLang="ko-KR" sz="1400" dirty="0" smtClean="0">
+                  <a:solidFill>
+                    <a:srgbClr val="FF0000"/>
+                  </a:solidFill>
+                  <a:latin typeface="삼성긴고딕OTF Medium" panose="020B0600000101010101" pitchFamily="34" charset="-127"/>
+                  <a:ea typeface="삼성긴고딕OTF Medium" panose="020B0600000101010101" pitchFamily="34" charset="-127"/>
+                </a:rPr>
+                <a:t>Deployment B</a:t>
+              </a:r>
+              <a:endParaRPr lang="ko-KR" altLang="en-US" sz="1400" dirty="0">
+                <a:solidFill>
+                  <a:srgbClr val="FF0000"/>
+                </a:solidFill>
+                <a:latin typeface="삼성긴고딕OTF Medium" panose="020B0600000101010101" pitchFamily="34" charset="-127"/>
+                <a:ea typeface="삼성긴고딕OTF Medium" panose="020B0600000101010101" pitchFamily="34" charset="-127"/>
+              </a:endParaRPr>
+            </a:p>
+          </p:txBody>
+        </p:sp>
+        <p:grpSp>
+          <p:nvGrpSpPr>
+            <p:cNvPr id="20" name="그룹 19"/>
+            <p:cNvGrpSpPr/>
+            <p:nvPr/>
+          </p:nvGrpSpPr>
+          <p:grpSpPr>
+            <a:xfrm>
+              <a:off x="3779736" y="2985081"/>
+              <a:ext cx="864000" cy="863999"/>
+              <a:chOff x="7528772" y="3542865"/>
+              <a:chExt cx="864000" cy="863999"/>
+            </a:xfrm>
+          </p:grpSpPr>
+          <p:sp>
+            <p:nvSpPr>
+              <p:cNvPr id="21" name="직사각형 20"/>
+              <p:cNvSpPr/>
+              <p:nvPr/>
+            </p:nvSpPr>
+            <p:spPr>
+              <a:xfrm>
+                <a:off x="7672772" y="3686864"/>
+                <a:ext cx="720000" cy="720000"/>
+              </a:xfrm>
+              <a:prstGeom prst="rect">
+                <a:avLst/>
+              </a:prstGeom>
+              <a:solidFill>
+                <a:srgbClr val="DEEBF7">
+                  <a:alpha val="30000"/>
+                </a:srgbClr>
+              </a:solidFill>
+              <a:ln w="19050">
+                <a:solidFill>
+                  <a:srgbClr val="326CE5"/>
+                </a:solidFill>
+              </a:ln>
+            </p:spPr>
+            <p:style>
+              <a:lnRef idx="2">
+                <a:schemeClr val="accent1">
+                  <a:shade val="50000"/>
+                </a:schemeClr>
+              </a:lnRef>
+              <a:fillRef idx="1">
+                <a:schemeClr val="accent1"/>
+              </a:fillRef>
+              <a:effectRef idx="0">
+                <a:schemeClr val="accent1"/>
+              </a:effectRef>
+              <a:fontRef idx="minor">
+                <a:schemeClr val="lt1"/>
+              </a:fontRef>
+            </p:style>
+            <p:txBody>
+              <a:bodyPr lIns="0" tIns="0" rIns="0" bIns="0" rtlCol="0" anchor="t"/>
+              <a:lstStyle/>
+              <a:p>
+                <a:pPr algn="ctr"/>
+                <a:endParaRPr lang="ko-KR" altLang="en-US" sz="1600" dirty="0">
+                  <a:solidFill>
+                    <a:srgbClr val="326CE5"/>
+                  </a:solidFill>
+                  <a:latin typeface="삼성긴고딕OTF Bold" panose="020B0600000101010101" pitchFamily="34" charset="-127"/>
+                  <a:ea typeface="삼성긴고딕OTF Bold" panose="020B0600000101010101" pitchFamily="34" charset="-127"/>
+                </a:endParaRPr>
+              </a:p>
+            </p:txBody>
+          </p:sp>
+          <p:pic>
+            <p:nvPicPr>
+              <p:cNvPr id="22" name="Shape 80"/>
+              <p:cNvPicPr preferRelativeResize="0"/>
+              <p:nvPr/>
+            </p:nvPicPr>
+            <p:blipFill>
+              <a:blip r:embed="rId3">
+                <a:alphaModFix/>
+              </a:blip>
+              <a:stretch>
+                <a:fillRect/>
+              </a:stretch>
+            </p:blipFill>
+            <p:spPr>
+              <a:xfrm>
+                <a:off x="7816772" y="3830864"/>
+                <a:ext cx="432000" cy="432000"/>
+              </a:xfrm>
+              <a:prstGeom prst="rect">
+                <a:avLst/>
+              </a:prstGeom>
+              <a:noFill/>
+              <a:ln>
+                <a:noFill/>
+              </a:ln>
+            </p:spPr>
+          </p:pic>
+          <p:pic>
+            <p:nvPicPr>
+              <p:cNvPr id="23" name="Shape 84"/>
+              <p:cNvPicPr preferRelativeResize="0"/>
+              <p:nvPr/>
+            </p:nvPicPr>
+            <p:blipFill>
+              <a:blip r:embed="rId4">
+                <a:alphaModFix/>
+              </a:blip>
+              <a:stretch>
+                <a:fillRect/>
+              </a:stretch>
+            </p:blipFill>
+            <p:spPr>
+              <a:xfrm>
+                <a:off x="7528772" y="3542865"/>
+                <a:ext cx="288000" cy="288000"/>
+              </a:xfrm>
+              <a:prstGeom prst="rect">
+                <a:avLst/>
+              </a:prstGeom>
+              <a:noFill/>
+              <a:ln>
+                <a:noFill/>
+              </a:ln>
+            </p:spPr>
+          </p:pic>
+        </p:grpSp>
+        <p:pic>
+          <p:nvPicPr>
+            <p:cNvPr id="24" name="Shape 123"/>
+            <p:cNvPicPr preferRelativeResize="0"/>
+            <p:nvPr/>
+          </p:nvPicPr>
+          <p:blipFill>
+            <a:blip r:embed="rId5">
+              <a:alphaModFix/>
+            </a:blip>
+            <a:stretch>
+              <a:fillRect/>
+            </a:stretch>
+          </p:blipFill>
+          <p:spPr>
+            <a:xfrm>
+              <a:off x="4013736" y="4353832"/>
+              <a:ext cx="540000" cy="540000"/>
+            </a:xfrm>
+            <a:prstGeom prst="rect">
+              <a:avLst/>
+            </a:prstGeom>
+            <a:noFill/>
+            <a:ln>
+              <a:noFill/>
+            </a:ln>
+          </p:spPr>
+        </p:pic>
+        <p:sp>
+          <p:nvSpPr>
+            <p:cNvPr id="25" name="TextBox 24"/>
+            <p:cNvSpPr txBox="1"/>
+            <p:nvPr/>
+          </p:nvSpPr>
+          <p:spPr>
+            <a:xfrm>
+              <a:off x="3748580" y="4893832"/>
+              <a:ext cx="1070312" cy="288147"/>
+            </a:xfrm>
+            <a:prstGeom prst="rect">
+              <a:avLst/>
+            </a:prstGeom>
+            <a:noFill/>
+          </p:spPr>
+          <p:txBody>
+            <a:bodyPr wrap="square" lIns="36000" tIns="36000" rIns="36000" bIns="36000" rtlCol="0">
+              <a:spAutoFit/>
+            </a:bodyPr>
+            <a:lstStyle/>
+            <a:p>
+              <a:pPr algn="ctr"/>
+              <a:r>
+                <a:rPr lang="en-US" altLang="ko-KR" sz="1400" dirty="0" smtClean="0">
+                  <a:solidFill>
+                    <a:srgbClr val="FF0000"/>
+                  </a:solidFill>
+                  <a:latin typeface="삼성긴고딕OTF Medium" panose="020B0600000101010101" pitchFamily="34" charset="-127"/>
+                  <a:ea typeface="삼성긴고딕OTF Medium" panose="020B0600000101010101" pitchFamily="34" charset="-127"/>
+                </a:rPr>
+                <a:t>Service C</a:t>
+              </a:r>
+              <a:endParaRPr lang="ko-KR" altLang="en-US" sz="1400" dirty="0">
+                <a:solidFill>
+                  <a:srgbClr val="FF0000"/>
+                </a:solidFill>
+                <a:latin typeface="삼성긴고딕OTF Medium" panose="020B0600000101010101" pitchFamily="34" charset="-127"/>
+                <a:ea typeface="삼성긴고딕OTF Medium" panose="020B0600000101010101" pitchFamily="34" charset="-127"/>
+              </a:endParaRPr>
+            </a:p>
+          </p:txBody>
+        </p:sp>
+        <p:sp>
+          <p:nvSpPr>
+            <p:cNvPr id="26" name="TextBox 25"/>
+            <p:cNvSpPr txBox="1"/>
+            <p:nvPr/>
+          </p:nvSpPr>
+          <p:spPr>
+            <a:xfrm>
+              <a:off x="3620564" y="3849080"/>
+              <a:ext cx="1326344" cy="288147"/>
+            </a:xfrm>
+            <a:prstGeom prst="rect">
+              <a:avLst/>
+            </a:prstGeom>
+            <a:noFill/>
+          </p:spPr>
+          <p:txBody>
+            <a:bodyPr wrap="square" lIns="36000" tIns="36000" rIns="36000" bIns="36000" rtlCol="0">
+              <a:spAutoFit/>
+            </a:bodyPr>
+            <a:lstStyle/>
+            <a:p>
+              <a:pPr algn="ctr"/>
+              <a:r>
+                <a:rPr lang="en-US" altLang="ko-KR" sz="1400" dirty="0" smtClean="0">
+                  <a:solidFill>
+                    <a:srgbClr val="FF0000"/>
+                  </a:solidFill>
+                  <a:latin typeface="삼성긴고딕OTF Medium" panose="020B0600000101010101" pitchFamily="34" charset="-127"/>
+                  <a:ea typeface="삼성긴고딕OTF Medium" panose="020B0600000101010101" pitchFamily="34" charset="-127"/>
+                </a:rPr>
+                <a:t>Deployment C</a:t>
+              </a:r>
+              <a:endParaRPr lang="ko-KR" altLang="en-US" sz="1400" dirty="0">
+                <a:solidFill>
+                  <a:srgbClr val="FF0000"/>
+                </a:solidFill>
+                <a:latin typeface="삼성긴고딕OTF Medium" panose="020B0600000101010101" pitchFamily="34" charset="-127"/>
+                <a:ea typeface="삼성긴고딕OTF Medium" panose="020B0600000101010101" pitchFamily="34" charset="-127"/>
+              </a:endParaRPr>
+            </a:p>
+          </p:txBody>
+        </p:sp>
+      </p:grpSp>
+      <p:pic>
+        <p:nvPicPr>
+          <p:cNvPr id="1026" name="Picture 2" descr="https://cdn-icons-png.flaticon.com/512/456/456141.png"/>
+          <p:cNvPicPr>
+            <a:picLocks noChangeAspect="1" noChangeArrowheads="1"/>
+          </p:cNvPicPr>
+          <p:nvPr/>
+        </p:nvPicPr>
+        <p:blipFill>
+          <a:blip r:embed="rId6" cstate="print">
+            <a:extLst>
+              <a:ext uri="{28A0092B-C50C-407E-A947-70E740481C1C}">
+                <a14:useLocalDpi xmlns:a14="http://schemas.microsoft.com/office/drawing/2010/main" val="0"/>
+              </a:ext>
+            </a:extLst>
+          </a:blip>
+          <a:srcRect/>
+          <a:stretch>
+            <a:fillRect/>
+          </a:stretch>
+        </p:blipFill>
+        <p:spPr bwMode="auto">
+          <a:xfrm>
+            <a:off x="2946744" y="3669191"/>
+            <a:ext cx="540000" cy="540000"/>
+          </a:xfrm>
+          <a:prstGeom prst="rect">
+            <a:avLst/>
+          </a:prstGeom>
+          <a:noFill/>
+          <a:extLst>
+            <a:ext uri="{909E8E84-426E-40DD-AFC4-6F175D3DCCD1}">
+              <a14:hiddenFill xmlns:a14="http://schemas.microsoft.com/office/drawing/2010/main">
+                <a:solidFill>
+                  <a:srgbClr val="FFFFFF"/>
+                </a:solidFill>
+              </a14:hiddenFill>
+            </a:ext>
+          </a:extLst>
+        </p:spPr>
+      </p:pic>
+      <p:sp>
+        <p:nvSpPr>
+          <p:cNvPr id="30" name="사각형 설명선 29"/>
+          <p:cNvSpPr/>
+          <p:nvPr/>
+        </p:nvSpPr>
+        <p:spPr>
+          <a:xfrm>
+            <a:off x="175002" y="1076656"/>
+            <a:ext cx="843402" cy="747826"/>
+          </a:xfrm>
+          <a:prstGeom prst="wedgeRectCallout">
+            <a:avLst>
+              <a:gd name="adj1" fmla="val 87247"/>
+              <a:gd name="adj2" fmla="val -24315"/>
+            </a:avLst>
+          </a:prstGeom>
+          <a:solidFill>
+            <a:srgbClr val="FFF2CC">
+              <a:alpha val="69804"/>
+            </a:srgbClr>
+          </a:solidFill>
+          <a:ln>
+            <a:noFill/>
+          </a:ln>
+        </p:spPr>
+        <p:style>
+          <a:lnRef idx="2">
+            <a:schemeClr val="accent1">
+              <a:shade val="50000"/>
+            </a:schemeClr>
+          </a:lnRef>
+          <a:fillRef idx="1">
+            <a:schemeClr val="accent1"/>
+          </a:fillRef>
+          <a:effectRef idx="0">
+            <a:schemeClr val="accent1"/>
+          </a:effectRef>
+          <a:fontRef idx="minor">
+            <a:schemeClr val="lt1"/>
+          </a:fontRef>
+        </p:style>
+        <p:txBody>
+          <a:bodyPr lIns="36000" tIns="36000" rIns="36000" bIns="36000" rtlCol="0" anchor="ctr"/>
+          <a:lstStyle/>
+          <a:p>
+            <a:pPr algn="ctr" latinLnBrk="0"/>
+            <a:r>
+              <a:rPr lang="en-US" altLang="ko-KR" sz="1200" dirty="0" smtClean="0">
+                <a:solidFill>
+                  <a:schemeClr val="tx1"/>
+                </a:solidFill>
+                <a:latin typeface="삼성긴고딕OTF Regular" panose="020B0600000101010101" pitchFamily="34" charset="-127"/>
+                <a:ea typeface="삼성긴고딕OTF Regular" panose="020B0600000101010101" pitchFamily="34" charset="-127"/>
+              </a:rPr>
+              <a:t>SSL </a:t>
+            </a:r>
+            <a:r>
+              <a:rPr lang="ko-KR" altLang="en-US" sz="1200" dirty="0" smtClean="0">
+                <a:solidFill>
+                  <a:schemeClr val="tx1"/>
+                </a:solidFill>
+                <a:latin typeface="삼성긴고딕OTF Regular" panose="020B0600000101010101" pitchFamily="34" charset="-127"/>
+                <a:ea typeface="삼성긴고딕OTF Regular" panose="020B0600000101010101" pitchFamily="34" charset="-127"/>
+              </a:rPr>
+              <a:t>보안 인증 설정</a:t>
+            </a:r>
+            <a:r>
+              <a:rPr lang="en-US" altLang="ko-KR" sz="1200" dirty="0" smtClean="0">
+                <a:solidFill>
+                  <a:schemeClr val="tx1"/>
+                </a:solidFill>
+                <a:latin typeface="삼성긴고딕OTF Regular" panose="020B0600000101010101" pitchFamily="34" charset="-127"/>
+                <a:ea typeface="삼성긴고딕OTF Regular" panose="020B0600000101010101" pitchFamily="34" charset="-127"/>
+              </a:rPr>
+              <a:t>,</a:t>
+            </a:r>
+          </a:p>
+          <a:p>
+            <a:pPr algn="ctr" latinLnBrk="0"/>
+            <a:r>
+              <a:rPr lang="ko-KR" altLang="en-US" sz="1200" dirty="0" err="1" smtClean="0">
+                <a:solidFill>
+                  <a:schemeClr val="tx1"/>
+                </a:solidFill>
+                <a:latin typeface="삼성긴고딕OTF Regular" panose="020B0600000101010101" pitchFamily="34" charset="-127"/>
+                <a:ea typeface="삼성긴고딕OTF Regular" panose="020B0600000101010101" pitchFamily="34" charset="-127"/>
+              </a:rPr>
+              <a:t>엔드포인트</a:t>
+            </a:r>
+            <a:r>
+              <a:rPr lang="ko-KR" altLang="en-US" sz="1200" dirty="0" smtClean="0">
+                <a:solidFill>
+                  <a:schemeClr val="tx1"/>
+                </a:solidFill>
+                <a:latin typeface="삼성긴고딕OTF Regular" panose="020B0600000101010101" pitchFamily="34" charset="-127"/>
+                <a:ea typeface="삼성긴고딕OTF Regular" panose="020B0600000101010101" pitchFamily="34" charset="-127"/>
+              </a:rPr>
+              <a:t> 설정</a:t>
+            </a:r>
+            <a:endParaRPr lang="ko-KR" altLang="en-US" sz="1200" dirty="0">
+              <a:solidFill>
+                <a:schemeClr val="tx1"/>
+              </a:solidFill>
+              <a:latin typeface="삼성긴고딕OTF Regular" panose="020B0600000101010101" pitchFamily="34" charset="-127"/>
+              <a:ea typeface="삼성긴고딕OTF Regular" panose="020B0600000101010101" pitchFamily="34" charset="-127"/>
+            </a:endParaRPr>
+          </a:p>
+        </p:txBody>
+      </p:sp>
+      <p:cxnSp>
+        <p:nvCxnSpPr>
+          <p:cNvPr id="31" name="꺾인 연결선 30"/>
+          <p:cNvCxnSpPr>
+            <a:stCxn id="1026" idx="0"/>
+            <a:endCxn id="11" idx="2"/>
+          </p:cNvCxnSpPr>
+          <p:nvPr/>
+        </p:nvCxnSpPr>
+        <p:spPr>
+          <a:xfrm rot="16200000" flipV="1">
+            <a:off x="2021016" y="2473463"/>
+            <a:ext cx="799957" cy="1591500"/>
+          </a:xfrm>
+          <a:prstGeom prst="bentConnector3">
+            <a:avLst/>
+          </a:prstGeom>
+          <a:ln w="19050">
+            <a:solidFill>
+              <a:schemeClr val="tx1"/>
+            </a:solidFill>
+            <a:tailEnd type="triangle"/>
+          </a:ln>
+        </p:spPr>
+        <p:style>
+          <a:lnRef idx="1">
+            <a:schemeClr val="accent1"/>
+          </a:lnRef>
+          <a:fillRef idx="0">
+            <a:schemeClr val="accent1"/>
+          </a:fillRef>
+          <a:effectRef idx="0">
+            <a:schemeClr val="accent1"/>
+          </a:effectRef>
+          <a:fontRef idx="minor">
+            <a:schemeClr val="tx1"/>
+          </a:fontRef>
+        </p:style>
+      </p:cxnSp>
+      <p:cxnSp>
+        <p:nvCxnSpPr>
+          <p:cNvPr id="33" name="꺾인 연결선 32"/>
+          <p:cNvCxnSpPr>
+            <a:stCxn id="1026" idx="0"/>
+            <a:endCxn id="25" idx="2"/>
+          </p:cNvCxnSpPr>
+          <p:nvPr/>
+        </p:nvCxnSpPr>
+        <p:spPr>
+          <a:xfrm rot="5400000" flipH="1" flipV="1">
+            <a:off x="3612516" y="2473463"/>
+            <a:ext cx="799957" cy="1591500"/>
+          </a:xfrm>
+          <a:prstGeom prst="bentConnector3">
+            <a:avLst>
+              <a:gd name="adj1" fmla="val 50000"/>
+            </a:avLst>
+          </a:prstGeom>
+          <a:ln w="19050">
+            <a:solidFill>
+              <a:schemeClr val="tx1"/>
+            </a:solidFill>
+            <a:tailEnd type="triangle"/>
+          </a:ln>
+        </p:spPr>
+        <p:style>
+          <a:lnRef idx="1">
+            <a:schemeClr val="accent1"/>
+          </a:lnRef>
+          <a:fillRef idx="0">
+            <a:schemeClr val="accent1"/>
+          </a:fillRef>
+          <a:effectRef idx="0">
+            <a:schemeClr val="accent1"/>
+          </a:effectRef>
+          <a:fontRef idx="minor">
+            <a:schemeClr val="tx1"/>
+          </a:fontRef>
+        </p:style>
+      </p:cxnSp>
+      <p:cxnSp>
+        <p:nvCxnSpPr>
+          <p:cNvPr id="36" name="꺾인 연결선 35"/>
+          <p:cNvCxnSpPr>
+            <a:stCxn id="1026" idx="0"/>
+            <a:endCxn id="18" idx="2"/>
+          </p:cNvCxnSpPr>
+          <p:nvPr/>
+        </p:nvCxnSpPr>
+        <p:spPr>
+          <a:xfrm flipV="1">
+            <a:off x="3216744" y="2869234"/>
+            <a:ext cx="0" cy="799957"/>
+          </a:xfrm>
+          <a:prstGeom prst="straightConnector1">
+            <a:avLst/>
+          </a:prstGeom>
+          <a:ln w="19050">
+            <a:solidFill>
+              <a:schemeClr val="tx1"/>
+            </a:solidFill>
+            <a:tailEnd type="triangle"/>
+          </a:ln>
+        </p:spPr>
+        <p:style>
+          <a:lnRef idx="1">
+            <a:schemeClr val="accent1"/>
+          </a:lnRef>
+          <a:fillRef idx="0">
+            <a:schemeClr val="accent1"/>
+          </a:fillRef>
+          <a:effectRef idx="0">
+            <a:schemeClr val="accent1"/>
+          </a:effectRef>
+          <a:fontRef idx="minor">
+            <a:schemeClr val="tx1"/>
+          </a:fontRef>
+        </p:style>
+      </p:cxnSp>
+      <p:cxnSp>
+        <p:nvCxnSpPr>
+          <p:cNvPr id="39" name="꺾인 연결선 35"/>
+          <p:cNvCxnSpPr>
+            <a:stCxn id="7" idx="0"/>
+            <a:endCxn id="12" idx="2"/>
+          </p:cNvCxnSpPr>
+          <p:nvPr/>
+        </p:nvCxnSpPr>
+        <p:spPr>
+          <a:xfrm flipV="1">
+            <a:off x="1625244" y="1824482"/>
+            <a:ext cx="0" cy="216605"/>
+          </a:xfrm>
+          <a:prstGeom prst="straightConnector1">
+            <a:avLst/>
+          </a:prstGeom>
+          <a:ln w="19050">
+            <a:solidFill>
+              <a:schemeClr val="tx1"/>
+            </a:solidFill>
+            <a:tailEnd type="triangle"/>
+          </a:ln>
+        </p:spPr>
+        <p:style>
+          <a:lnRef idx="1">
+            <a:schemeClr val="accent1"/>
+          </a:lnRef>
+          <a:fillRef idx="0">
+            <a:schemeClr val="accent1"/>
+          </a:fillRef>
+          <a:effectRef idx="0">
+            <a:schemeClr val="accent1"/>
+          </a:effectRef>
+          <a:fontRef idx="minor">
+            <a:schemeClr val="tx1"/>
+          </a:fontRef>
+        </p:style>
+      </p:cxnSp>
+      <p:cxnSp>
+        <p:nvCxnSpPr>
+          <p:cNvPr id="42" name="꺾인 연결선 35"/>
+          <p:cNvCxnSpPr>
+            <a:stCxn id="17" idx="0"/>
+            <a:endCxn id="19" idx="2"/>
+          </p:cNvCxnSpPr>
+          <p:nvPr/>
+        </p:nvCxnSpPr>
+        <p:spPr>
+          <a:xfrm flipV="1">
+            <a:off x="3216744" y="1824482"/>
+            <a:ext cx="0" cy="216605"/>
+          </a:xfrm>
+          <a:prstGeom prst="straightConnector1">
+            <a:avLst/>
+          </a:prstGeom>
+          <a:ln w="19050">
+            <a:solidFill>
+              <a:schemeClr val="tx1"/>
+            </a:solidFill>
+            <a:tailEnd type="triangle"/>
+          </a:ln>
+        </p:spPr>
+        <p:style>
+          <a:lnRef idx="1">
+            <a:schemeClr val="accent1"/>
+          </a:lnRef>
+          <a:fillRef idx="0">
+            <a:schemeClr val="accent1"/>
+          </a:fillRef>
+          <a:effectRef idx="0">
+            <a:schemeClr val="accent1"/>
+          </a:effectRef>
+          <a:fontRef idx="minor">
+            <a:schemeClr val="tx1"/>
+          </a:fontRef>
+        </p:style>
+      </p:cxnSp>
+      <p:cxnSp>
+        <p:nvCxnSpPr>
+          <p:cNvPr id="45" name="꺾인 연결선 35"/>
+          <p:cNvCxnSpPr>
+            <a:stCxn id="24" idx="0"/>
+            <a:endCxn id="26" idx="2"/>
+          </p:cNvCxnSpPr>
+          <p:nvPr/>
+        </p:nvCxnSpPr>
+        <p:spPr>
+          <a:xfrm flipV="1">
+            <a:off x="4808244" y="1824482"/>
+            <a:ext cx="0" cy="216605"/>
+          </a:xfrm>
+          <a:prstGeom prst="straightConnector1">
+            <a:avLst/>
+          </a:prstGeom>
+          <a:ln w="19050">
+            <a:solidFill>
+              <a:schemeClr val="tx1"/>
+            </a:solidFill>
+            <a:tailEnd type="triangle"/>
+          </a:ln>
+        </p:spPr>
+        <p:style>
+          <a:lnRef idx="1">
+            <a:schemeClr val="accent1"/>
+          </a:lnRef>
+          <a:fillRef idx="0">
+            <a:schemeClr val="accent1"/>
+          </a:fillRef>
+          <a:effectRef idx="0">
+            <a:schemeClr val="accent1"/>
+          </a:effectRef>
+          <a:fontRef idx="minor">
+            <a:schemeClr val="tx1"/>
+          </a:fontRef>
+        </p:style>
+      </p:cxnSp>
+      <p:sp>
+        <p:nvSpPr>
+          <p:cNvPr id="48" name="모서리가 둥근 직사각형 47"/>
+          <p:cNvSpPr/>
+          <p:nvPr/>
+        </p:nvSpPr>
+        <p:spPr>
+          <a:xfrm>
+            <a:off x="6939241" y="2869234"/>
+            <a:ext cx="5040000" cy="2700000"/>
+          </a:xfrm>
+          <a:prstGeom prst="roundRect">
+            <a:avLst/>
+          </a:prstGeom>
+          <a:noFill/>
+          <a:ln w="19050">
+            <a:solidFill>
+              <a:srgbClr val="326CE5"/>
+            </a:solidFill>
+          </a:ln>
+        </p:spPr>
+        <p:style>
+          <a:lnRef idx="2">
+            <a:schemeClr val="accent1">
+              <a:shade val="50000"/>
+            </a:schemeClr>
+          </a:lnRef>
+          <a:fillRef idx="1">
+            <a:schemeClr val="accent1"/>
+          </a:fillRef>
+          <a:effectRef idx="0">
+            <a:schemeClr val="accent1"/>
+          </a:effectRef>
+          <a:fontRef idx="minor">
+            <a:schemeClr val="lt1"/>
+          </a:fontRef>
+        </p:style>
+        <p:txBody>
+          <a:bodyPr lIns="36000" tIns="36000" rIns="36000" bIns="36000" rtlCol="0" anchor="ctr"/>
+          <a:lstStyle/>
+          <a:p>
+            <a:pPr algn="ctr"/>
+            <a:endParaRPr lang="ko-KR" altLang="en-US" sz="1600" dirty="0">
+              <a:solidFill>
+                <a:srgbClr val="326CE5"/>
+              </a:solidFill>
+              <a:latin typeface="삼성긴고딕OTF Bold" panose="020B0600000101010101" pitchFamily="34" charset="-127"/>
+              <a:ea typeface="삼성긴고딕OTF Bold" panose="020B0600000101010101" pitchFamily="34" charset="-127"/>
+            </a:endParaRPr>
+          </a:p>
+        </p:txBody>
+      </p:sp>
+      <p:pic>
+        <p:nvPicPr>
+          <p:cNvPr id="49" name="Shape 256"/>
+          <p:cNvPicPr preferRelativeResize="0"/>
+          <p:nvPr/>
+        </p:nvPicPr>
+        <p:blipFill>
+          <a:blip r:embed="rId2">
+            <a:alphaModFix/>
+          </a:blip>
+          <a:stretch>
+            <a:fillRect/>
+          </a:stretch>
+        </p:blipFill>
+        <p:spPr>
+          <a:xfrm>
+            <a:off x="9189241" y="2599234"/>
+            <a:ext cx="540000" cy="540000"/>
+          </a:xfrm>
+          <a:prstGeom prst="rect">
+            <a:avLst/>
+          </a:prstGeom>
+          <a:noFill/>
+          <a:ln>
+            <a:noFill/>
+          </a:ln>
+        </p:spPr>
+      </p:pic>
+      <p:grpSp>
+        <p:nvGrpSpPr>
+          <p:cNvPr id="50" name="그룹 49"/>
+          <p:cNvGrpSpPr/>
+          <p:nvPr/>
+        </p:nvGrpSpPr>
+        <p:grpSpPr>
+          <a:xfrm>
+            <a:off x="7204569" y="3148378"/>
+            <a:ext cx="4509344" cy="2196898"/>
+            <a:chOff x="437564" y="2985081"/>
+            <a:chExt cx="4509344" cy="2196898"/>
+          </a:xfrm>
+        </p:grpSpPr>
+        <p:grpSp>
+          <p:nvGrpSpPr>
+            <p:cNvPr id="51" name="그룹 50"/>
+            <p:cNvGrpSpPr/>
+            <p:nvPr/>
+          </p:nvGrpSpPr>
+          <p:grpSpPr>
+            <a:xfrm>
+              <a:off x="596736" y="2985081"/>
+              <a:ext cx="864000" cy="863999"/>
+              <a:chOff x="7528772" y="3542865"/>
+              <a:chExt cx="864000" cy="863999"/>
+            </a:xfrm>
+          </p:grpSpPr>
+          <p:sp>
+            <p:nvSpPr>
+              <p:cNvPr id="69" name="직사각형 68"/>
+              <p:cNvSpPr/>
+              <p:nvPr/>
+            </p:nvSpPr>
+            <p:spPr>
+              <a:xfrm>
+                <a:off x="7672772" y="3686864"/>
+                <a:ext cx="720000" cy="720000"/>
+              </a:xfrm>
+              <a:prstGeom prst="rect">
+                <a:avLst/>
+              </a:prstGeom>
+              <a:solidFill>
+                <a:srgbClr val="DEEBF7">
+                  <a:alpha val="30000"/>
+                </a:srgbClr>
+              </a:solidFill>
+              <a:ln w="19050">
+                <a:solidFill>
+                  <a:srgbClr val="326CE5"/>
+                </a:solidFill>
+              </a:ln>
+            </p:spPr>
+            <p:style>
+              <a:lnRef idx="2">
+                <a:schemeClr val="accent1">
+                  <a:shade val="50000"/>
+                </a:schemeClr>
+              </a:lnRef>
+              <a:fillRef idx="1">
+                <a:schemeClr val="accent1"/>
+              </a:fillRef>
+              <a:effectRef idx="0">
+                <a:schemeClr val="accent1"/>
+              </a:effectRef>
+              <a:fontRef idx="minor">
+                <a:schemeClr val="lt1"/>
+              </a:fontRef>
+            </p:style>
+            <p:txBody>
+              <a:bodyPr lIns="0" tIns="0" rIns="0" bIns="0" rtlCol="0" anchor="t"/>
+              <a:lstStyle/>
+              <a:p>
+                <a:pPr algn="ctr"/>
+                <a:endParaRPr lang="ko-KR" altLang="en-US" sz="1600" dirty="0">
+                  <a:solidFill>
+                    <a:srgbClr val="326CE5"/>
+                  </a:solidFill>
+                  <a:latin typeface="삼성긴고딕OTF Bold" panose="020B0600000101010101" pitchFamily="34" charset="-127"/>
+                  <a:ea typeface="삼성긴고딕OTF Bold" panose="020B0600000101010101" pitchFamily="34" charset="-127"/>
+                </a:endParaRPr>
+              </a:p>
+            </p:txBody>
+          </p:sp>
+          <p:pic>
+            <p:nvPicPr>
+              <p:cNvPr id="70" name="Shape 80"/>
+              <p:cNvPicPr preferRelativeResize="0"/>
+              <p:nvPr/>
+            </p:nvPicPr>
+            <p:blipFill>
+              <a:blip r:embed="rId3">
+                <a:alphaModFix/>
+              </a:blip>
+              <a:stretch>
+                <a:fillRect/>
+              </a:stretch>
+            </p:blipFill>
+            <p:spPr>
+              <a:xfrm>
+                <a:off x="7816772" y="3830864"/>
+                <a:ext cx="432000" cy="432000"/>
+              </a:xfrm>
+              <a:prstGeom prst="rect">
+                <a:avLst/>
+              </a:prstGeom>
+              <a:noFill/>
+              <a:ln>
+                <a:noFill/>
+              </a:ln>
+            </p:spPr>
+          </p:pic>
+          <p:pic>
+            <p:nvPicPr>
+              <p:cNvPr id="71" name="Shape 84"/>
+              <p:cNvPicPr preferRelativeResize="0"/>
+              <p:nvPr/>
+            </p:nvPicPr>
+            <p:blipFill>
+              <a:blip r:embed="rId4">
+                <a:alphaModFix/>
+              </a:blip>
+              <a:stretch>
+                <a:fillRect/>
+              </a:stretch>
+            </p:blipFill>
+            <p:spPr>
+              <a:xfrm>
+                <a:off x="7528772" y="3542865"/>
+                <a:ext cx="288000" cy="288000"/>
+              </a:xfrm>
+              <a:prstGeom prst="rect">
+                <a:avLst/>
+              </a:prstGeom>
+              <a:noFill/>
+              <a:ln>
+                <a:noFill/>
+              </a:ln>
+            </p:spPr>
+          </p:pic>
+        </p:grpSp>
+        <p:pic>
+          <p:nvPicPr>
+            <p:cNvPr id="52" name="Shape 123"/>
+            <p:cNvPicPr preferRelativeResize="0"/>
+            <p:nvPr/>
+          </p:nvPicPr>
+          <p:blipFill>
+            <a:blip r:embed="rId5">
+              <a:alphaModFix/>
+            </a:blip>
+            <a:stretch>
+              <a:fillRect/>
+            </a:stretch>
+          </p:blipFill>
+          <p:spPr>
+            <a:xfrm>
+              <a:off x="830736" y="4353832"/>
+              <a:ext cx="540000" cy="540000"/>
+            </a:xfrm>
+            <a:prstGeom prst="rect">
+              <a:avLst/>
+            </a:prstGeom>
+            <a:noFill/>
+            <a:ln>
+              <a:noFill/>
+            </a:ln>
+          </p:spPr>
+        </p:pic>
+        <p:sp>
+          <p:nvSpPr>
+            <p:cNvPr id="53" name="TextBox 52"/>
+            <p:cNvSpPr txBox="1"/>
+            <p:nvPr/>
+          </p:nvSpPr>
+          <p:spPr>
+            <a:xfrm>
+              <a:off x="565580" y="4893832"/>
+              <a:ext cx="1070312" cy="288147"/>
+            </a:xfrm>
+            <a:prstGeom prst="rect">
+              <a:avLst/>
+            </a:prstGeom>
+            <a:noFill/>
+          </p:spPr>
+          <p:txBody>
+            <a:bodyPr wrap="square" lIns="36000" tIns="36000" rIns="36000" bIns="36000" rtlCol="0">
+              <a:spAutoFit/>
+            </a:bodyPr>
+            <a:lstStyle/>
+            <a:p>
+              <a:pPr algn="ctr"/>
+              <a:r>
+                <a:rPr lang="en-US" altLang="ko-KR" sz="1400" dirty="0" smtClean="0">
+                  <a:solidFill>
+                    <a:srgbClr val="FF0000"/>
+                  </a:solidFill>
+                  <a:latin typeface="삼성긴고딕OTF Medium" panose="020B0600000101010101" pitchFamily="34" charset="-127"/>
+                  <a:ea typeface="삼성긴고딕OTF Medium" panose="020B0600000101010101" pitchFamily="34" charset="-127"/>
+                </a:rPr>
+                <a:t>Service A</a:t>
+              </a:r>
+              <a:endParaRPr lang="ko-KR" altLang="en-US" sz="1400" dirty="0">
+                <a:solidFill>
+                  <a:srgbClr val="FF0000"/>
+                </a:solidFill>
+                <a:latin typeface="삼성긴고딕OTF Medium" panose="020B0600000101010101" pitchFamily="34" charset="-127"/>
+                <a:ea typeface="삼성긴고딕OTF Medium" panose="020B0600000101010101" pitchFamily="34" charset="-127"/>
+              </a:endParaRPr>
+            </a:p>
+          </p:txBody>
+        </p:sp>
+        <p:sp>
+          <p:nvSpPr>
+            <p:cNvPr id="54" name="TextBox 53"/>
+            <p:cNvSpPr txBox="1"/>
+            <p:nvPr/>
+          </p:nvSpPr>
+          <p:spPr>
+            <a:xfrm>
+              <a:off x="437564" y="3849080"/>
+              <a:ext cx="1326344" cy="288147"/>
+            </a:xfrm>
+            <a:prstGeom prst="rect">
+              <a:avLst/>
+            </a:prstGeom>
+            <a:noFill/>
+          </p:spPr>
+          <p:txBody>
+            <a:bodyPr wrap="square" lIns="36000" tIns="36000" rIns="36000" bIns="36000" rtlCol="0">
+              <a:spAutoFit/>
+            </a:bodyPr>
+            <a:lstStyle/>
+            <a:p>
+              <a:pPr algn="ctr"/>
+              <a:r>
+                <a:rPr lang="en-US" altLang="ko-KR" sz="1400" dirty="0" smtClean="0">
+                  <a:solidFill>
+                    <a:srgbClr val="FF0000"/>
+                  </a:solidFill>
+                  <a:latin typeface="삼성긴고딕OTF Medium" panose="020B0600000101010101" pitchFamily="34" charset="-127"/>
+                  <a:ea typeface="삼성긴고딕OTF Medium" panose="020B0600000101010101" pitchFamily="34" charset="-127"/>
+                </a:rPr>
+                <a:t>Deployment A</a:t>
+              </a:r>
+              <a:endParaRPr lang="ko-KR" altLang="en-US" sz="1400" dirty="0">
+                <a:solidFill>
+                  <a:srgbClr val="FF0000"/>
+                </a:solidFill>
+                <a:latin typeface="삼성긴고딕OTF Medium" panose="020B0600000101010101" pitchFamily="34" charset="-127"/>
+                <a:ea typeface="삼성긴고딕OTF Medium" panose="020B0600000101010101" pitchFamily="34" charset="-127"/>
+              </a:endParaRPr>
+            </a:p>
+          </p:txBody>
+        </p:sp>
+        <p:grpSp>
+          <p:nvGrpSpPr>
+            <p:cNvPr id="55" name="그룹 54"/>
+            <p:cNvGrpSpPr/>
+            <p:nvPr/>
+          </p:nvGrpSpPr>
+          <p:grpSpPr>
+            <a:xfrm>
+              <a:off x="2188236" y="2985081"/>
+              <a:ext cx="864000" cy="863999"/>
+              <a:chOff x="7528772" y="3542865"/>
+              <a:chExt cx="864000" cy="863999"/>
+            </a:xfrm>
+          </p:grpSpPr>
+          <p:sp>
+            <p:nvSpPr>
+              <p:cNvPr id="66" name="직사각형 65"/>
+              <p:cNvSpPr/>
+              <p:nvPr/>
+            </p:nvSpPr>
+            <p:spPr>
+              <a:xfrm>
+                <a:off x="7672772" y="3686864"/>
+                <a:ext cx="720000" cy="720000"/>
+              </a:xfrm>
+              <a:prstGeom prst="rect">
+                <a:avLst/>
+              </a:prstGeom>
+              <a:solidFill>
+                <a:srgbClr val="DEEBF7">
+                  <a:alpha val="30000"/>
+                </a:srgbClr>
+              </a:solidFill>
+              <a:ln w="19050">
+                <a:solidFill>
+                  <a:srgbClr val="326CE5"/>
+                </a:solidFill>
+              </a:ln>
+            </p:spPr>
+            <p:style>
+              <a:lnRef idx="2">
+                <a:schemeClr val="accent1">
+                  <a:shade val="50000"/>
+                </a:schemeClr>
+              </a:lnRef>
+              <a:fillRef idx="1">
+                <a:schemeClr val="accent1"/>
+              </a:fillRef>
+              <a:effectRef idx="0">
+                <a:schemeClr val="accent1"/>
+              </a:effectRef>
+              <a:fontRef idx="minor">
+                <a:schemeClr val="lt1"/>
+              </a:fontRef>
+            </p:style>
+            <p:txBody>
+              <a:bodyPr lIns="0" tIns="0" rIns="0" bIns="0" rtlCol="0" anchor="t"/>
+              <a:lstStyle/>
+              <a:p>
+                <a:pPr algn="ctr"/>
+                <a:endParaRPr lang="ko-KR" altLang="en-US" sz="1600" dirty="0">
+                  <a:solidFill>
+                    <a:srgbClr val="326CE5"/>
+                  </a:solidFill>
+                  <a:latin typeface="삼성긴고딕OTF Bold" panose="020B0600000101010101" pitchFamily="34" charset="-127"/>
+                  <a:ea typeface="삼성긴고딕OTF Bold" panose="020B0600000101010101" pitchFamily="34" charset="-127"/>
+                </a:endParaRPr>
+              </a:p>
+            </p:txBody>
+          </p:sp>
+          <p:pic>
+            <p:nvPicPr>
+              <p:cNvPr id="67" name="Shape 80"/>
+              <p:cNvPicPr preferRelativeResize="0"/>
+              <p:nvPr/>
+            </p:nvPicPr>
+            <p:blipFill>
+              <a:blip r:embed="rId3">
+                <a:alphaModFix/>
+              </a:blip>
+              <a:stretch>
+                <a:fillRect/>
+              </a:stretch>
+            </p:blipFill>
+            <p:spPr>
+              <a:xfrm>
+                <a:off x="7816772" y="3830864"/>
+                <a:ext cx="432000" cy="432000"/>
+              </a:xfrm>
+              <a:prstGeom prst="rect">
+                <a:avLst/>
+              </a:prstGeom>
+              <a:noFill/>
+              <a:ln>
+                <a:noFill/>
+              </a:ln>
+            </p:spPr>
+          </p:pic>
+          <p:pic>
+            <p:nvPicPr>
+              <p:cNvPr id="68" name="Shape 84"/>
+              <p:cNvPicPr preferRelativeResize="0"/>
+              <p:nvPr/>
+            </p:nvPicPr>
+            <p:blipFill>
+              <a:blip r:embed="rId4">
+                <a:alphaModFix/>
+              </a:blip>
+              <a:stretch>
+                <a:fillRect/>
+              </a:stretch>
+            </p:blipFill>
+            <p:spPr>
+              <a:xfrm>
+                <a:off x="7528772" y="3542865"/>
+                <a:ext cx="288000" cy="288000"/>
+              </a:xfrm>
+              <a:prstGeom prst="rect">
+                <a:avLst/>
+              </a:prstGeom>
+              <a:noFill/>
+              <a:ln>
+                <a:noFill/>
+              </a:ln>
+            </p:spPr>
+          </p:pic>
+        </p:grpSp>
+        <p:pic>
+          <p:nvPicPr>
+            <p:cNvPr id="56" name="Shape 123"/>
+            <p:cNvPicPr preferRelativeResize="0"/>
+            <p:nvPr/>
+          </p:nvPicPr>
+          <p:blipFill>
+            <a:blip r:embed="rId5">
+              <a:alphaModFix/>
+            </a:blip>
+            <a:stretch>
+              <a:fillRect/>
+            </a:stretch>
+          </p:blipFill>
+          <p:spPr>
+            <a:xfrm>
+              <a:off x="2422236" y="4353832"/>
+              <a:ext cx="540000" cy="540000"/>
+            </a:xfrm>
+            <a:prstGeom prst="rect">
+              <a:avLst/>
+            </a:prstGeom>
+            <a:noFill/>
+            <a:ln>
+              <a:noFill/>
+            </a:ln>
+          </p:spPr>
+        </p:pic>
+        <p:sp>
+          <p:nvSpPr>
+            <p:cNvPr id="57" name="TextBox 56"/>
+            <p:cNvSpPr txBox="1"/>
+            <p:nvPr/>
+          </p:nvSpPr>
+          <p:spPr>
+            <a:xfrm>
+              <a:off x="2157080" y="4893832"/>
+              <a:ext cx="1070312" cy="288147"/>
+            </a:xfrm>
+            <a:prstGeom prst="rect">
+              <a:avLst/>
+            </a:prstGeom>
+            <a:noFill/>
+          </p:spPr>
+          <p:txBody>
+            <a:bodyPr wrap="square" lIns="36000" tIns="36000" rIns="36000" bIns="36000" rtlCol="0">
+              <a:spAutoFit/>
+            </a:bodyPr>
+            <a:lstStyle/>
+            <a:p>
+              <a:pPr algn="ctr"/>
+              <a:r>
+                <a:rPr lang="en-US" altLang="ko-KR" sz="1400" dirty="0" smtClean="0">
+                  <a:solidFill>
+                    <a:srgbClr val="FF0000"/>
+                  </a:solidFill>
+                  <a:latin typeface="삼성긴고딕OTF Medium" panose="020B0600000101010101" pitchFamily="34" charset="-127"/>
+                  <a:ea typeface="삼성긴고딕OTF Medium" panose="020B0600000101010101" pitchFamily="34" charset="-127"/>
+                </a:rPr>
+                <a:t>Service B</a:t>
+              </a:r>
+              <a:endParaRPr lang="ko-KR" altLang="en-US" sz="1400" dirty="0">
+                <a:solidFill>
+                  <a:srgbClr val="FF0000"/>
+                </a:solidFill>
+                <a:latin typeface="삼성긴고딕OTF Medium" panose="020B0600000101010101" pitchFamily="34" charset="-127"/>
+                <a:ea typeface="삼성긴고딕OTF Medium" panose="020B0600000101010101" pitchFamily="34" charset="-127"/>
+              </a:endParaRPr>
+            </a:p>
+          </p:txBody>
+        </p:sp>
+        <p:sp>
+          <p:nvSpPr>
+            <p:cNvPr id="58" name="TextBox 57"/>
+            <p:cNvSpPr txBox="1"/>
+            <p:nvPr/>
+          </p:nvSpPr>
+          <p:spPr>
+            <a:xfrm>
+              <a:off x="2029064" y="3849080"/>
+              <a:ext cx="1326344" cy="288147"/>
+            </a:xfrm>
+            <a:prstGeom prst="rect">
+              <a:avLst/>
+            </a:prstGeom>
+            <a:noFill/>
+          </p:spPr>
+          <p:txBody>
+            <a:bodyPr wrap="square" lIns="36000" tIns="36000" rIns="36000" bIns="36000" rtlCol="0">
+              <a:spAutoFit/>
+            </a:bodyPr>
+            <a:lstStyle/>
+            <a:p>
+              <a:pPr algn="ctr"/>
+              <a:r>
+                <a:rPr lang="en-US" altLang="ko-KR" sz="1400" dirty="0" smtClean="0">
+                  <a:solidFill>
+                    <a:srgbClr val="FF0000"/>
+                  </a:solidFill>
+                  <a:latin typeface="삼성긴고딕OTF Medium" panose="020B0600000101010101" pitchFamily="34" charset="-127"/>
+                  <a:ea typeface="삼성긴고딕OTF Medium" panose="020B0600000101010101" pitchFamily="34" charset="-127"/>
+                </a:rPr>
+                <a:t>Deployment B</a:t>
+              </a:r>
+              <a:endParaRPr lang="ko-KR" altLang="en-US" sz="1400" dirty="0">
+                <a:solidFill>
+                  <a:srgbClr val="FF0000"/>
+                </a:solidFill>
+                <a:latin typeface="삼성긴고딕OTF Medium" panose="020B0600000101010101" pitchFamily="34" charset="-127"/>
+                <a:ea typeface="삼성긴고딕OTF Medium" panose="020B0600000101010101" pitchFamily="34" charset="-127"/>
+              </a:endParaRPr>
+            </a:p>
+          </p:txBody>
+        </p:sp>
+        <p:grpSp>
+          <p:nvGrpSpPr>
+            <p:cNvPr id="59" name="그룹 58"/>
+            <p:cNvGrpSpPr/>
+            <p:nvPr/>
+          </p:nvGrpSpPr>
+          <p:grpSpPr>
+            <a:xfrm>
+              <a:off x="3779736" y="2985081"/>
+              <a:ext cx="864000" cy="863999"/>
+              <a:chOff x="7528772" y="3542865"/>
+              <a:chExt cx="864000" cy="863999"/>
+            </a:xfrm>
+          </p:grpSpPr>
+          <p:sp>
+            <p:nvSpPr>
+              <p:cNvPr id="63" name="직사각형 62"/>
+              <p:cNvSpPr/>
+              <p:nvPr/>
+            </p:nvSpPr>
+            <p:spPr>
+              <a:xfrm>
+                <a:off x="7672772" y="3686864"/>
+                <a:ext cx="720000" cy="720000"/>
+              </a:xfrm>
+              <a:prstGeom prst="rect">
+                <a:avLst/>
+              </a:prstGeom>
+              <a:solidFill>
+                <a:srgbClr val="DEEBF7">
+                  <a:alpha val="30000"/>
+                </a:srgbClr>
+              </a:solidFill>
+              <a:ln w="19050">
+                <a:solidFill>
+                  <a:srgbClr val="326CE5"/>
+                </a:solidFill>
+              </a:ln>
+            </p:spPr>
+            <p:style>
+              <a:lnRef idx="2">
+                <a:schemeClr val="accent1">
+                  <a:shade val="50000"/>
+                </a:schemeClr>
+              </a:lnRef>
+              <a:fillRef idx="1">
+                <a:schemeClr val="accent1"/>
+              </a:fillRef>
+              <a:effectRef idx="0">
+                <a:schemeClr val="accent1"/>
+              </a:effectRef>
+              <a:fontRef idx="minor">
+                <a:schemeClr val="lt1"/>
+              </a:fontRef>
+            </p:style>
+            <p:txBody>
+              <a:bodyPr lIns="0" tIns="0" rIns="0" bIns="0" rtlCol="0" anchor="t"/>
+              <a:lstStyle/>
+              <a:p>
+                <a:pPr algn="ctr"/>
+                <a:endParaRPr lang="ko-KR" altLang="en-US" sz="1600" dirty="0">
+                  <a:solidFill>
+                    <a:srgbClr val="326CE5"/>
+                  </a:solidFill>
+                  <a:latin typeface="삼성긴고딕OTF Bold" panose="020B0600000101010101" pitchFamily="34" charset="-127"/>
+                  <a:ea typeface="삼성긴고딕OTF Bold" panose="020B0600000101010101" pitchFamily="34" charset="-127"/>
+                </a:endParaRPr>
+              </a:p>
+            </p:txBody>
+          </p:sp>
+          <p:pic>
+            <p:nvPicPr>
+              <p:cNvPr id="64" name="Shape 80"/>
+              <p:cNvPicPr preferRelativeResize="0"/>
+              <p:nvPr/>
+            </p:nvPicPr>
+            <p:blipFill>
+              <a:blip r:embed="rId3">
+                <a:alphaModFix/>
+              </a:blip>
+              <a:stretch>
+                <a:fillRect/>
+              </a:stretch>
+            </p:blipFill>
+            <p:spPr>
+              <a:xfrm>
+                <a:off x="7816772" y="3830864"/>
+                <a:ext cx="432000" cy="432000"/>
+              </a:xfrm>
+              <a:prstGeom prst="rect">
+                <a:avLst/>
+              </a:prstGeom>
+              <a:noFill/>
+              <a:ln>
+                <a:noFill/>
+              </a:ln>
+            </p:spPr>
+          </p:pic>
+          <p:pic>
+            <p:nvPicPr>
+              <p:cNvPr id="65" name="Shape 84"/>
+              <p:cNvPicPr preferRelativeResize="0"/>
+              <p:nvPr/>
+            </p:nvPicPr>
+            <p:blipFill>
+              <a:blip r:embed="rId4">
+                <a:alphaModFix/>
+              </a:blip>
+              <a:stretch>
+                <a:fillRect/>
+              </a:stretch>
+            </p:blipFill>
+            <p:spPr>
+              <a:xfrm>
+                <a:off x="7528772" y="3542865"/>
+                <a:ext cx="288000" cy="288000"/>
+              </a:xfrm>
+              <a:prstGeom prst="rect">
+                <a:avLst/>
+              </a:prstGeom>
+              <a:noFill/>
+              <a:ln>
+                <a:noFill/>
+              </a:ln>
+            </p:spPr>
+          </p:pic>
+        </p:grpSp>
+        <p:pic>
+          <p:nvPicPr>
+            <p:cNvPr id="60" name="Shape 123"/>
+            <p:cNvPicPr preferRelativeResize="0"/>
+            <p:nvPr/>
+          </p:nvPicPr>
+          <p:blipFill>
+            <a:blip r:embed="rId5">
+              <a:alphaModFix/>
+            </a:blip>
+            <a:stretch>
+              <a:fillRect/>
+            </a:stretch>
+          </p:blipFill>
+          <p:spPr>
+            <a:xfrm>
+              <a:off x="4013736" y="4353832"/>
+              <a:ext cx="540000" cy="540000"/>
+            </a:xfrm>
+            <a:prstGeom prst="rect">
+              <a:avLst/>
+            </a:prstGeom>
+            <a:noFill/>
+            <a:ln>
+              <a:noFill/>
+            </a:ln>
+          </p:spPr>
+        </p:pic>
+        <p:sp>
+          <p:nvSpPr>
+            <p:cNvPr id="61" name="TextBox 60"/>
+            <p:cNvSpPr txBox="1"/>
+            <p:nvPr/>
+          </p:nvSpPr>
+          <p:spPr>
+            <a:xfrm>
+              <a:off x="3748580" y="4893832"/>
+              <a:ext cx="1070312" cy="288147"/>
+            </a:xfrm>
+            <a:prstGeom prst="rect">
+              <a:avLst/>
+            </a:prstGeom>
+            <a:noFill/>
+          </p:spPr>
+          <p:txBody>
+            <a:bodyPr wrap="square" lIns="36000" tIns="36000" rIns="36000" bIns="36000" rtlCol="0">
+              <a:spAutoFit/>
+            </a:bodyPr>
+            <a:lstStyle/>
+            <a:p>
+              <a:pPr algn="ctr"/>
+              <a:r>
+                <a:rPr lang="en-US" altLang="ko-KR" sz="1400" dirty="0" smtClean="0">
+                  <a:solidFill>
+                    <a:srgbClr val="FF0000"/>
+                  </a:solidFill>
+                  <a:latin typeface="삼성긴고딕OTF Medium" panose="020B0600000101010101" pitchFamily="34" charset="-127"/>
+                  <a:ea typeface="삼성긴고딕OTF Medium" panose="020B0600000101010101" pitchFamily="34" charset="-127"/>
+                </a:rPr>
+                <a:t>Service C</a:t>
+              </a:r>
+              <a:endParaRPr lang="ko-KR" altLang="en-US" sz="1400" dirty="0">
+                <a:solidFill>
+                  <a:srgbClr val="FF0000"/>
+                </a:solidFill>
+                <a:latin typeface="삼성긴고딕OTF Medium" panose="020B0600000101010101" pitchFamily="34" charset="-127"/>
+                <a:ea typeface="삼성긴고딕OTF Medium" panose="020B0600000101010101" pitchFamily="34" charset="-127"/>
+              </a:endParaRPr>
+            </a:p>
+          </p:txBody>
+        </p:sp>
+        <p:sp>
+          <p:nvSpPr>
+            <p:cNvPr id="62" name="TextBox 61"/>
+            <p:cNvSpPr txBox="1"/>
+            <p:nvPr/>
+          </p:nvSpPr>
+          <p:spPr>
+            <a:xfrm>
+              <a:off x="3620564" y="3849080"/>
+              <a:ext cx="1326344" cy="288147"/>
+            </a:xfrm>
+            <a:prstGeom prst="rect">
+              <a:avLst/>
+            </a:prstGeom>
+            <a:noFill/>
+          </p:spPr>
+          <p:txBody>
+            <a:bodyPr wrap="square" lIns="36000" tIns="36000" rIns="36000" bIns="36000" rtlCol="0">
+              <a:spAutoFit/>
+            </a:bodyPr>
+            <a:lstStyle/>
+            <a:p>
+              <a:pPr algn="ctr"/>
+              <a:r>
+                <a:rPr lang="en-US" altLang="ko-KR" sz="1400" dirty="0" smtClean="0">
+                  <a:solidFill>
+                    <a:srgbClr val="FF0000"/>
+                  </a:solidFill>
+                  <a:latin typeface="삼성긴고딕OTF Medium" panose="020B0600000101010101" pitchFamily="34" charset="-127"/>
+                  <a:ea typeface="삼성긴고딕OTF Medium" panose="020B0600000101010101" pitchFamily="34" charset="-127"/>
+                </a:rPr>
+                <a:t>Deployment C</a:t>
+              </a:r>
+              <a:endParaRPr lang="ko-KR" altLang="en-US" sz="1400" dirty="0">
+                <a:solidFill>
+                  <a:srgbClr val="FF0000"/>
+                </a:solidFill>
+                <a:latin typeface="삼성긴고딕OTF Medium" panose="020B0600000101010101" pitchFamily="34" charset="-127"/>
+                <a:ea typeface="삼성긴고딕OTF Medium" panose="020B0600000101010101" pitchFamily="34" charset="-127"/>
+              </a:endParaRPr>
+            </a:p>
+          </p:txBody>
+        </p:sp>
+      </p:grpSp>
+      <p:pic>
+        <p:nvPicPr>
+          <p:cNvPr id="72" name="Picture 2" descr="https://cdn-icons-png.flaticon.com/512/456/456141.png"/>
+          <p:cNvPicPr>
+            <a:picLocks noChangeAspect="1" noChangeArrowheads="1"/>
+          </p:cNvPicPr>
+          <p:nvPr/>
+        </p:nvPicPr>
+        <p:blipFill>
+          <a:blip r:embed="rId6" cstate="print">
+            <a:extLst>
+              <a:ext uri="{28A0092B-C50C-407E-A947-70E740481C1C}">
+                <a14:useLocalDpi xmlns:a14="http://schemas.microsoft.com/office/drawing/2010/main" val="0"/>
+              </a:ext>
+            </a:extLst>
+          </a:blip>
+          <a:srcRect/>
+          <a:stretch>
+            <a:fillRect/>
+          </a:stretch>
+        </p:blipFill>
+        <p:spPr bwMode="auto">
+          <a:xfrm>
+            <a:off x="9189241" y="6145233"/>
+            <a:ext cx="540000" cy="540000"/>
+          </a:xfrm>
+          <a:prstGeom prst="rect">
+            <a:avLst/>
+          </a:prstGeom>
+          <a:noFill/>
+          <a:extLst>
+            <a:ext uri="{909E8E84-426E-40DD-AFC4-6F175D3DCCD1}">
+              <a14:hiddenFill xmlns:a14="http://schemas.microsoft.com/office/drawing/2010/main">
+                <a:solidFill>
+                  <a:srgbClr val="FFFFFF"/>
+                </a:solidFill>
+              </a14:hiddenFill>
+            </a:ext>
+          </a:extLst>
+        </p:spPr>
+      </p:pic>
+      <p:cxnSp>
+        <p:nvCxnSpPr>
+          <p:cNvPr id="75" name="꺾인 연결선 74"/>
+          <p:cNvCxnSpPr>
+            <a:stCxn id="72" idx="0"/>
+            <a:endCxn id="53" idx="2"/>
+          </p:cNvCxnSpPr>
+          <p:nvPr/>
+        </p:nvCxnSpPr>
+        <p:spPr>
+          <a:xfrm rot="16200000" flipV="1">
+            <a:off x="8263513" y="4949505"/>
+            <a:ext cx="799957" cy="1591500"/>
+          </a:xfrm>
+          <a:prstGeom prst="bentConnector3">
+            <a:avLst/>
+          </a:prstGeom>
+          <a:ln w="19050">
+            <a:solidFill>
+              <a:schemeClr val="tx1"/>
+            </a:solidFill>
+            <a:tailEnd type="triangle"/>
+          </a:ln>
+        </p:spPr>
+        <p:style>
+          <a:lnRef idx="1">
+            <a:schemeClr val="accent1"/>
+          </a:lnRef>
+          <a:fillRef idx="0">
+            <a:schemeClr val="accent1"/>
+          </a:fillRef>
+          <a:effectRef idx="0">
+            <a:schemeClr val="accent1"/>
+          </a:effectRef>
+          <a:fontRef idx="minor">
+            <a:schemeClr val="tx1"/>
+          </a:fontRef>
+        </p:style>
+      </p:cxnSp>
+      <p:cxnSp>
+        <p:nvCxnSpPr>
+          <p:cNvPr id="76" name="꺾인 연결선 75"/>
+          <p:cNvCxnSpPr>
+            <a:stCxn id="72" idx="0"/>
+            <a:endCxn id="61" idx="2"/>
+          </p:cNvCxnSpPr>
+          <p:nvPr/>
+        </p:nvCxnSpPr>
+        <p:spPr>
+          <a:xfrm rot="5400000" flipH="1" flipV="1">
+            <a:off x="9855013" y="4949505"/>
+            <a:ext cx="799957" cy="1591500"/>
+          </a:xfrm>
+          <a:prstGeom prst="bentConnector3">
+            <a:avLst>
+              <a:gd name="adj1" fmla="val 50000"/>
+            </a:avLst>
+          </a:prstGeom>
+          <a:ln w="19050">
+            <a:solidFill>
+              <a:schemeClr val="tx1"/>
+            </a:solidFill>
+            <a:tailEnd type="triangle"/>
+          </a:ln>
+        </p:spPr>
+        <p:style>
+          <a:lnRef idx="1">
+            <a:schemeClr val="accent1"/>
+          </a:lnRef>
+          <a:fillRef idx="0">
+            <a:schemeClr val="accent1"/>
+          </a:fillRef>
+          <a:effectRef idx="0">
+            <a:schemeClr val="accent1"/>
+          </a:effectRef>
+          <a:fontRef idx="minor">
+            <a:schemeClr val="tx1"/>
+          </a:fontRef>
+        </p:style>
+      </p:cxnSp>
+      <p:cxnSp>
+        <p:nvCxnSpPr>
+          <p:cNvPr id="77" name="꺾인 연결선 35"/>
+          <p:cNvCxnSpPr>
+            <a:stCxn id="72" idx="0"/>
+            <a:endCxn id="57" idx="2"/>
+          </p:cNvCxnSpPr>
+          <p:nvPr/>
+        </p:nvCxnSpPr>
+        <p:spPr>
+          <a:xfrm flipV="1">
+            <a:off x="9459241" y="5345276"/>
+            <a:ext cx="0" cy="799957"/>
+          </a:xfrm>
+          <a:prstGeom prst="straightConnector1">
+            <a:avLst/>
+          </a:prstGeom>
+          <a:ln w="19050">
+            <a:solidFill>
+              <a:schemeClr val="tx1"/>
+            </a:solidFill>
+            <a:tailEnd type="triangle"/>
+          </a:ln>
+        </p:spPr>
+        <p:style>
+          <a:lnRef idx="1">
+            <a:schemeClr val="accent1"/>
+          </a:lnRef>
+          <a:fillRef idx="0">
+            <a:schemeClr val="accent1"/>
+          </a:fillRef>
+          <a:effectRef idx="0">
+            <a:schemeClr val="accent1"/>
+          </a:effectRef>
+          <a:fontRef idx="minor">
+            <a:schemeClr val="tx1"/>
+          </a:fontRef>
+        </p:style>
+      </p:cxnSp>
+      <p:cxnSp>
+        <p:nvCxnSpPr>
+          <p:cNvPr id="78" name="꺾인 연결선 35"/>
+          <p:cNvCxnSpPr>
+            <a:stCxn id="52" idx="0"/>
+            <a:endCxn id="54" idx="2"/>
+          </p:cNvCxnSpPr>
+          <p:nvPr/>
+        </p:nvCxnSpPr>
+        <p:spPr>
+          <a:xfrm flipV="1">
+            <a:off x="7867741" y="4300524"/>
+            <a:ext cx="0" cy="216605"/>
+          </a:xfrm>
+          <a:prstGeom prst="straightConnector1">
+            <a:avLst/>
+          </a:prstGeom>
+          <a:ln w="19050">
+            <a:solidFill>
+              <a:schemeClr val="tx1"/>
+            </a:solidFill>
+            <a:tailEnd type="triangle"/>
+          </a:ln>
+        </p:spPr>
+        <p:style>
+          <a:lnRef idx="1">
+            <a:schemeClr val="accent1"/>
+          </a:lnRef>
+          <a:fillRef idx="0">
+            <a:schemeClr val="accent1"/>
+          </a:fillRef>
+          <a:effectRef idx="0">
+            <a:schemeClr val="accent1"/>
+          </a:effectRef>
+          <a:fontRef idx="minor">
+            <a:schemeClr val="tx1"/>
+          </a:fontRef>
+        </p:style>
+      </p:cxnSp>
+      <p:cxnSp>
+        <p:nvCxnSpPr>
+          <p:cNvPr id="79" name="꺾인 연결선 35"/>
+          <p:cNvCxnSpPr>
+            <a:stCxn id="56" idx="0"/>
+            <a:endCxn id="58" idx="2"/>
+          </p:cNvCxnSpPr>
+          <p:nvPr/>
+        </p:nvCxnSpPr>
+        <p:spPr>
+          <a:xfrm flipV="1">
+            <a:off x="9459241" y="4300524"/>
+            <a:ext cx="0" cy="216605"/>
+          </a:xfrm>
+          <a:prstGeom prst="straightConnector1">
+            <a:avLst/>
+          </a:prstGeom>
+          <a:ln w="19050">
+            <a:solidFill>
+              <a:schemeClr val="tx1"/>
+            </a:solidFill>
+            <a:tailEnd type="triangle"/>
+          </a:ln>
+        </p:spPr>
+        <p:style>
+          <a:lnRef idx="1">
+            <a:schemeClr val="accent1"/>
+          </a:lnRef>
+          <a:fillRef idx="0">
+            <a:schemeClr val="accent1"/>
+          </a:fillRef>
+          <a:effectRef idx="0">
+            <a:schemeClr val="accent1"/>
+          </a:effectRef>
+          <a:fontRef idx="minor">
+            <a:schemeClr val="tx1"/>
+          </a:fontRef>
+        </p:style>
+      </p:cxnSp>
+      <p:cxnSp>
+        <p:nvCxnSpPr>
+          <p:cNvPr id="80" name="꺾인 연결선 35"/>
+          <p:cNvCxnSpPr>
+            <a:stCxn id="60" idx="0"/>
+            <a:endCxn id="62" idx="2"/>
+          </p:cNvCxnSpPr>
+          <p:nvPr/>
+        </p:nvCxnSpPr>
+        <p:spPr>
+          <a:xfrm flipV="1">
+            <a:off x="11050741" y="4300524"/>
+            <a:ext cx="0" cy="216605"/>
+          </a:xfrm>
+          <a:prstGeom prst="straightConnector1">
+            <a:avLst/>
+          </a:prstGeom>
+          <a:ln w="19050">
+            <a:solidFill>
+              <a:schemeClr val="tx1"/>
+            </a:solidFill>
+            <a:tailEnd type="triangle"/>
+          </a:ln>
+        </p:spPr>
+        <p:style>
+          <a:lnRef idx="1">
+            <a:schemeClr val="accent1"/>
+          </a:lnRef>
+          <a:fillRef idx="0">
+            <a:schemeClr val="accent1"/>
+          </a:fillRef>
+          <a:effectRef idx="0">
+            <a:schemeClr val="accent1"/>
+          </a:effectRef>
+          <a:fontRef idx="minor">
+            <a:schemeClr val="tx1"/>
+          </a:fontRef>
+        </p:style>
+      </p:cxnSp>
+      <p:sp>
+        <p:nvSpPr>
+          <p:cNvPr id="81" name="사각형 설명선 80"/>
+          <p:cNvSpPr/>
+          <p:nvPr/>
+        </p:nvSpPr>
+        <p:spPr>
+          <a:xfrm>
+            <a:off x="5476786" y="1076656"/>
+            <a:ext cx="843402" cy="747826"/>
+          </a:xfrm>
+          <a:prstGeom prst="wedgeRectCallout">
+            <a:avLst>
+              <a:gd name="adj1" fmla="val -95979"/>
+              <a:gd name="adj2" fmla="val -15756"/>
+            </a:avLst>
+          </a:prstGeom>
+          <a:solidFill>
+            <a:srgbClr val="FFF2CC">
+              <a:alpha val="69804"/>
+            </a:srgbClr>
+          </a:solidFill>
+          <a:ln>
+            <a:noFill/>
+          </a:ln>
+        </p:spPr>
+        <p:style>
+          <a:lnRef idx="2">
+            <a:schemeClr val="accent1">
+              <a:shade val="50000"/>
+            </a:schemeClr>
+          </a:lnRef>
+          <a:fillRef idx="1">
+            <a:schemeClr val="accent1"/>
+          </a:fillRef>
+          <a:effectRef idx="0">
+            <a:schemeClr val="accent1"/>
+          </a:effectRef>
+          <a:fontRef idx="minor">
+            <a:schemeClr val="lt1"/>
+          </a:fontRef>
+        </p:style>
+        <p:txBody>
+          <a:bodyPr lIns="36000" tIns="36000" rIns="36000" bIns="36000" rtlCol="0" anchor="ctr"/>
+          <a:lstStyle/>
+          <a:p>
+            <a:pPr algn="ctr" latinLnBrk="0"/>
+            <a:r>
+              <a:rPr lang="en-US" altLang="ko-KR" sz="1200" dirty="0" smtClean="0">
+                <a:solidFill>
+                  <a:schemeClr val="tx1"/>
+                </a:solidFill>
+                <a:latin typeface="삼성긴고딕OTF Regular" panose="020B0600000101010101" pitchFamily="34" charset="-127"/>
+                <a:ea typeface="삼성긴고딕OTF Regular" panose="020B0600000101010101" pitchFamily="34" charset="-127"/>
+              </a:rPr>
+              <a:t>SSL </a:t>
+            </a:r>
+            <a:r>
+              <a:rPr lang="ko-KR" altLang="en-US" sz="1200" dirty="0" smtClean="0">
+                <a:solidFill>
+                  <a:schemeClr val="tx1"/>
+                </a:solidFill>
+                <a:latin typeface="삼성긴고딕OTF Regular" panose="020B0600000101010101" pitchFamily="34" charset="-127"/>
+                <a:ea typeface="삼성긴고딕OTF Regular" panose="020B0600000101010101" pitchFamily="34" charset="-127"/>
+              </a:rPr>
+              <a:t>보안 인증 설정</a:t>
+            </a:r>
+            <a:r>
+              <a:rPr lang="en-US" altLang="ko-KR" sz="1200" dirty="0" smtClean="0">
+                <a:solidFill>
+                  <a:schemeClr val="tx1"/>
+                </a:solidFill>
+                <a:latin typeface="삼성긴고딕OTF Regular" panose="020B0600000101010101" pitchFamily="34" charset="-127"/>
+                <a:ea typeface="삼성긴고딕OTF Regular" panose="020B0600000101010101" pitchFamily="34" charset="-127"/>
+              </a:rPr>
+              <a:t>,</a:t>
+            </a:r>
+          </a:p>
+          <a:p>
+            <a:pPr algn="ctr" latinLnBrk="0"/>
+            <a:r>
+              <a:rPr lang="ko-KR" altLang="en-US" sz="1200" dirty="0" err="1" smtClean="0">
+                <a:solidFill>
+                  <a:schemeClr val="tx1"/>
+                </a:solidFill>
+                <a:latin typeface="삼성긴고딕OTF Regular" panose="020B0600000101010101" pitchFamily="34" charset="-127"/>
+                <a:ea typeface="삼성긴고딕OTF Regular" panose="020B0600000101010101" pitchFamily="34" charset="-127"/>
+              </a:rPr>
+              <a:t>엔드포인트</a:t>
+            </a:r>
+            <a:r>
+              <a:rPr lang="ko-KR" altLang="en-US" sz="1200" dirty="0" smtClean="0">
+                <a:solidFill>
+                  <a:schemeClr val="tx1"/>
+                </a:solidFill>
+                <a:latin typeface="삼성긴고딕OTF Regular" panose="020B0600000101010101" pitchFamily="34" charset="-127"/>
+                <a:ea typeface="삼성긴고딕OTF Regular" panose="020B0600000101010101" pitchFamily="34" charset="-127"/>
+              </a:rPr>
+              <a:t> 설정</a:t>
+            </a:r>
+            <a:endParaRPr lang="ko-KR" altLang="en-US" sz="1200" dirty="0">
+              <a:solidFill>
+                <a:schemeClr val="tx1"/>
+              </a:solidFill>
+              <a:latin typeface="삼성긴고딕OTF Regular" panose="020B0600000101010101" pitchFamily="34" charset="-127"/>
+              <a:ea typeface="삼성긴고딕OTF Regular" panose="020B0600000101010101" pitchFamily="34" charset="-127"/>
+            </a:endParaRPr>
+          </a:p>
+        </p:txBody>
+      </p:sp>
+      <p:sp>
+        <p:nvSpPr>
+          <p:cNvPr id="82" name="사각형 설명선 81"/>
+          <p:cNvSpPr/>
+          <p:nvPr/>
+        </p:nvSpPr>
+        <p:spPr>
+          <a:xfrm>
+            <a:off x="7725584" y="5885276"/>
+            <a:ext cx="1301657" cy="747826"/>
+          </a:xfrm>
+          <a:prstGeom prst="wedgeRectCallout">
+            <a:avLst>
+              <a:gd name="adj1" fmla="val 71336"/>
+              <a:gd name="adj2" fmla="val -58552"/>
+            </a:avLst>
+          </a:prstGeom>
+          <a:solidFill>
+            <a:srgbClr val="FFF2CC">
+              <a:alpha val="69804"/>
+            </a:srgbClr>
+          </a:solidFill>
+          <a:ln>
+            <a:noFill/>
+          </a:ln>
+        </p:spPr>
+        <p:style>
+          <a:lnRef idx="2">
+            <a:schemeClr val="accent1">
+              <a:shade val="50000"/>
+            </a:schemeClr>
+          </a:lnRef>
+          <a:fillRef idx="1">
+            <a:schemeClr val="accent1"/>
+          </a:fillRef>
+          <a:effectRef idx="0">
+            <a:schemeClr val="accent1"/>
+          </a:effectRef>
+          <a:fontRef idx="minor">
+            <a:schemeClr val="lt1"/>
+          </a:fontRef>
+        </p:style>
+        <p:txBody>
+          <a:bodyPr lIns="36000" tIns="36000" rIns="36000" bIns="36000" rtlCol="0" anchor="ctr"/>
+          <a:lstStyle/>
+          <a:p>
+            <a:pPr algn="ctr" latinLnBrk="0"/>
+            <a:r>
+              <a:rPr lang="en-US" altLang="ko-KR" sz="1200" dirty="0" smtClean="0">
+                <a:solidFill>
+                  <a:schemeClr val="tx1"/>
+                </a:solidFill>
+                <a:latin typeface="삼성긴고딕OTF Regular" panose="020B0600000101010101" pitchFamily="34" charset="-127"/>
+                <a:ea typeface="삼성긴고딕OTF Regular" panose="020B0600000101010101" pitchFamily="34" charset="-127"/>
+              </a:rPr>
+              <a:t>SSL </a:t>
+            </a:r>
+            <a:r>
+              <a:rPr lang="ko-KR" altLang="en-US" sz="1200" dirty="0" smtClean="0">
+                <a:solidFill>
+                  <a:schemeClr val="tx1"/>
+                </a:solidFill>
+                <a:latin typeface="삼성긴고딕OTF Regular" panose="020B0600000101010101" pitchFamily="34" charset="-127"/>
+                <a:ea typeface="삼성긴고딕OTF Regular" panose="020B0600000101010101" pitchFamily="34" charset="-127"/>
+              </a:rPr>
+              <a:t>보안 인증 설정</a:t>
+            </a:r>
+            <a:r>
+              <a:rPr lang="en-US" altLang="ko-KR" sz="1200" dirty="0" smtClean="0">
+                <a:solidFill>
+                  <a:schemeClr val="tx1"/>
+                </a:solidFill>
+                <a:latin typeface="삼성긴고딕OTF Regular" panose="020B0600000101010101" pitchFamily="34" charset="-127"/>
+                <a:ea typeface="삼성긴고딕OTF Regular" panose="020B0600000101010101" pitchFamily="34" charset="-127"/>
+              </a:rPr>
+              <a:t>,</a:t>
+            </a:r>
+          </a:p>
+          <a:p>
+            <a:pPr algn="ctr" latinLnBrk="0"/>
+            <a:r>
+              <a:rPr lang="ko-KR" altLang="en-US" sz="1200" dirty="0" err="1" smtClean="0">
+                <a:solidFill>
+                  <a:schemeClr val="tx1"/>
+                </a:solidFill>
+                <a:latin typeface="삼성긴고딕OTF Regular" panose="020B0600000101010101" pitchFamily="34" charset="-127"/>
+                <a:ea typeface="삼성긴고딕OTF Regular" panose="020B0600000101010101" pitchFamily="34" charset="-127"/>
+              </a:rPr>
+              <a:t>엔드포인트</a:t>
+            </a:r>
+            <a:r>
+              <a:rPr lang="ko-KR" altLang="en-US" sz="1200" dirty="0" smtClean="0">
+                <a:solidFill>
+                  <a:schemeClr val="tx1"/>
+                </a:solidFill>
+                <a:latin typeface="삼성긴고딕OTF Regular" panose="020B0600000101010101" pitchFamily="34" charset="-127"/>
+                <a:ea typeface="삼성긴고딕OTF Regular" panose="020B0600000101010101" pitchFamily="34" charset="-127"/>
+              </a:rPr>
+              <a:t> 설정</a:t>
+            </a:r>
+            <a:endParaRPr lang="ko-KR" altLang="en-US" sz="1200" dirty="0">
+              <a:solidFill>
+                <a:schemeClr val="tx1"/>
+              </a:solidFill>
+              <a:latin typeface="삼성긴고딕OTF Regular" panose="020B0600000101010101" pitchFamily="34" charset="-127"/>
+              <a:ea typeface="삼성긴고딕OTF Regular" panose="020B0600000101010101" pitchFamily="34" charset="-127"/>
+            </a:endParaRPr>
+          </a:p>
+        </p:txBody>
+      </p:sp>
+      <p:pic>
+        <p:nvPicPr>
+          <p:cNvPr id="83" name="Shape 121"/>
+          <p:cNvPicPr preferRelativeResize="0"/>
+          <p:nvPr/>
+        </p:nvPicPr>
+        <p:blipFill>
+          <a:blip r:embed="rId7">
+            <a:alphaModFix/>
+          </a:blip>
+          <a:stretch>
+            <a:fillRect/>
+          </a:stretch>
+        </p:blipFill>
+        <p:spPr>
+          <a:xfrm>
+            <a:off x="9243241" y="5606878"/>
+            <a:ext cx="432000" cy="432000"/>
+          </a:xfrm>
+          <a:prstGeom prst="rect">
+            <a:avLst/>
+          </a:prstGeom>
+          <a:noFill/>
+          <a:ln>
+            <a:noFill/>
+          </a:ln>
+        </p:spPr>
+      </p:pic>
+      <p:sp>
+        <p:nvSpPr>
+          <p:cNvPr id="84" name="TextBox 83"/>
+          <p:cNvSpPr txBox="1"/>
+          <p:nvPr/>
+        </p:nvSpPr>
+        <p:spPr>
+          <a:xfrm>
+            <a:off x="9682015" y="5786454"/>
+            <a:ext cx="1512000" cy="503590"/>
+          </a:xfrm>
+          <a:prstGeom prst="rect">
+            <a:avLst/>
+          </a:prstGeom>
+          <a:noFill/>
+        </p:spPr>
+        <p:txBody>
+          <a:bodyPr wrap="square" lIns="36000" tIns="36000" rIns="36000" bIns="36000" rtlCol="0" anchor="ctr">
+            <a:spAutoFit/>
+          </a:bodyPr>
+          <a:lstStyle/>
+          <a:p>
+            <a:pPr algn="ctr"/>
+            <a:r>
+              <a:rPr lang="en-US" altLang="ko-KR" sz="1400" dirty="0" smtClean="0">
+                <a:solidFill>
+                  <a:srgbClr val="326CE5"/>
+                </a:solidFill>
+                <a:latin typeface="삼성긴고딕OTF Medium" panose="020B0600000101010101" pitchFamily="34" charset="-127"/>
+                <a:ea typeface="삼성긴고딕OTF Medium" panose="020B0600000101010101" pitchFamily="34" charset="-127"/>
+              </a:rPr>
+              <a:t>Ingress</a:t>
+            </a:r>
+            <a:br>
+              <a:rPr lang="en-US" altLang="ko-KR" sz="1400" dirty="0" smtClean="0">
+                <a:solidFill>
+                  <a:srgbClr val="326CE5"/>
+                </a:solidFill>
+                <a:latin typeface="삼성긴고딕OTF Medium" panose="020B0600000101010101" pitchFamily="34" charset="-127"/>
+                <a:ea typeface="삼성긴고딕OTF Medium" panose="020B0600000101010101" pitchFamily="34" charset="-127"/>
+              </a:rPr>
+            </a:br>
+            <a:r>
+              <a:rPr lang="en-US" altLang="ko-KR" sz="1400" dirty="0" smtClean="0">
+                <a:solidFill>
+                  <a:srgbClr val="326CE5"/>
+                </a:solidFill>
+                <a:latin typeface="삼성긴고딕OTF Medium" panose="020B0600000101010101" pitchFamily="34" charset="-127"/>
+                <a:ea typeface="삼성긴고딕OTF Medium" panose="020B0600000101010101" pitchFamily="34" charset="-127"/>
+              </a:rPr>
+              <a:t>(</a:t>
+            </a:r>
+            <a:r>
+              <a:rPr lang="en-US" altLang="ko-KR" sz="1400" dirty="0" smtClean="0">
+                <a:solidFill>
+                  <a:srgbClr val="326CE5"/>
+                </a:solidFill>
+                <a:latin typeface="삼성긴고딕OTF Medium" panose="020B0600000101010101" pitchFamily="34" charset="-127"/>
+                <a:ea typeface="삼성긴고딕OTF Medium" panose="020B0600000101010101" pitchFamily="34" charset="-127"/>
+              </a:rPr>
+              <a:t>Ingress Controller)</a:t>
+            </a:r>
+            <a:endParaRPr lang="ko-KR" altLang="en-US" sz="1400" dirty="0">
+              <a:solidFill>
+                <a:srgbClr val="326CE5"/>
+              </a:solidFill>
+              <a:latin typeface="삼성긴고딕OTF Medium" panose="020B0600000101010101" pitchFamily="34" charset="-127"/>
+              <a:ea typeface="삼성긴고딕OTF Medium" panose="020B0600000101010101" pitchFamily="34" charset="-127"/>
+            </a:endParaRPr>
+          </a:p>
+        </p:txBody>
+      </p:sp>
+    </p:spTree>
+    <p:extLst>
+      <p:ext uri="{BB962C8B-B14F-4D97-AF65-F5344CB8AC3E}">
+        <p14:creationId xmlns:p14="http://schemas.microsoft.com/office/powerpoint/2010/main" val="4003454385"/>
       </p:ext>
     </p:extLst>
   </p:cSld>
